--- a/docs/part1ca/05_MacrosBranchesArrays/CA_Lecture_05.pptx
+++ b/docs/part1ca/05_MacrosBranchesArrays/CA_Lecture_05.pptx
@@ -17175,21 +17175,8 @@
                   <a:srgbClr val="00B050"/>
                 </a:solidFill>
               </a:rPr>
-              <a:t>"Hello, world</a:t>
-            </a:r>
-            <a:r>
-              <a:rPr lang="en-US" sz="3600" dirty="0" smtClean="0">
-                <a:solidFill>
-                  <a:srgbClr val="00B050"/>
-                </a:solidFill>
-              </a:rPr>
-              <a:t>!"</a:t>
-            </a:r>
-            <a:endParaRPr lang="en-US" sz="3600" dirty="0" smtClean="0">
-              <a:solidFill>
-                <a:srgbClr val="00B050"/>
-              </a:solidFill>
-            </a:endParaRPr>
+              <a:t>"Hello, world!"</a:t>
+            </a:r>
           </a:p>
           <a:p>
             <a:pPr>
@@ -19296,9 +19283,16 @@
             <p:ph idx="1"/>
           </p:nvPr>
         </p:nvSpPr>
-        <p:spPr/>
-        <p:txBody>
-          <a:bodyPr/>
+        <p:spPr>
+          <a:xfrm>
+            <a:off x="838200" y="1178053"/>
+            <a:ext cx="10515600" cy="5492304"/>
+          </a:xfrm>
+        </p:spPr>
+        <p:txBody>
+          <a:bodyPr>
+            <a:normAutofit fontScale="55000" lnSpcReduction="20000"/>
+          </a:bodyPr>
           <a:lstStyle/>
           <a:p>
             <a:pPr marL="0" indent="0" algn="ctr">
@@ -19308,28 +19302,256 @@
               <a:buNone/>
             </a:pPr>
             <a:r>
-              <a:rPr lang="en-US" b="1" dirty="0" smtClean="0"/>
+              <a:rPr lang="en-US" sz="6500" b="1" dirty="0" smtClean="0"/>
               <a:t>Branch </a:t>
             </a:r>
             <a:r>
-              <a:rPr lang="en-US" b="1" dirty="0" err="1" smtClean="0"/>
+              <a:rPr lang="en-US" sz="6500" b="1" dirty="0" err="1" smtClean="0"/>
               <a:t>Pseudoinstructions</a:t>
             </a:r>
           </a:p>
           <a:p>
             <a:pPr>
               <a:lnSpc>
-                <a:spcPct val="100000"/>
+                <a:spcPct val="110000"/>
               </a:lnSpc>
               <a:spcBef>
-                <a:spcPts val="600"/>
+                <a:spcPts val="0"/>
               </a:spcBef>
             </a:pPr>
             <a:r>
-              <a:rPr lang="en-US" smtClean="0"/>
-              <a:t>TODO</a:t>
-            </a:r>
-            <a:endParaRPr lang="en-US" i="1" dirty="0"/>
+              <a:rPr lang="en-US" sz="5800" dirty="0"/>
+              <a:t>Branch unconditionally  b        label</a:t>
+            </a:r>
+          </a:p>
+          <a:p>
+            <a:pPr>
+              <a:lnSpc>
+                <a:spcPct val="110000"/>
+              </a:lnSpc>
+              <a:spcBef>
+                <a:spcPts val="0"/>
+              </a:spcBef>
+            </a:pPr>
+            <a:r>
+              <a:rPr lang="en-US" sz="5800" dirty="0"/>
+              <a:t>Branch = 0              </a:t>
+            </a:r>
+            <a:r>
+              <a:rPr lang="en-US" sz="5800" dirty="0" err="1"/>
+              <a:t>beqz</a:t>
+            </a:r>
+            <a:r>
+              <a:rPr lang="en-US" sz="5800" dirty="0"/>
+              <a:t> t1, label</a:t>
+            </a:r>
+          </a:p>
+          <a:p>
+            <a:pPr>
+              <a:lnSpc>
+                <a:spcPct val="110000"/>
+              </a:lnSpc>
+              <a:spcBef>
+                <a:spcPts val="0"/>
+              </a:spcBef>
+            </a:pPr>
+            <a:r>
+              <a:rPr lang="en-US" sz="5800" dirty="0"/>
+              <a:t>Branch ≥ 0              </a:t>
+            </a:r>
+            <a:r>
+              <a:rPr lang="en-US" sz="5800" dirty="0" err="1"/>
+              <a:t>bgez</a:t>
+            </a:r>
+            <a:r>
+              <a:rPr lang="en-US" sz="5800" dirty="0"/>
+              <a:t> t1, label</a:t>
+            </a:r>
+          </a:p>
+          <a:p>
+            <a:pPr>
+              <a:lnSpc>
+                <a:spcPct val="110000"/>
+              </a:lnSpc>
+              <a:spcBef>
+                <a:spcPts val="0"/>
+              </a:spcBef>
+            </a:pPr>
+            <a:r>
+              <a:rPr lang="en-US" sz="5800" dirty="0"/>
+              <a:t>Branch &gt;               </a:t>
+            </a:r>
+            <a:r>
+              <a:rPr lang="ru-RU" sz="5800" smtClean="0"/>
+              <a:t>        </a:t>
+            </a:r>
+            <a:r>
+              <a:rPr lang="en-US" sz="5800" smtClean="0"/>
+              <a:t> </a:t>
+            </a:r>
+            <a:r>
+              <a:rPr lang="en-US" sz="5800" dirty="0" err="1"/>
+              <a:t>bgt</a:t>
+            </a:r>
+            <a:r>
+              <a:rPr lang="en-US" sz="5800" dirty="0"/>
+              <a:t>  t1, t2, label</a:t>
+            </a:r>
+          </a:p>
+          <a:p>
+            <a:pPr>
+              <a:lnSpc>
+                <a:spcPct val="110000"/>
+              </a:lnSpc>
+              <a:spcBef>
+                <a:spcPts val="0"/>
+              </a:spcBef>
+            </a:pPr>
+            <a:r>
+              <a:rPr lang="en-US" sz="5800" dirty="0"/>
+              <a:t>Branch &gt; Unsigned       </a:t>
+            </a:r>
+            <a:r>
+              <a:rPr lang="en-US" sz="5800" dirty="0" err="1"/>
+              <a:t>bgtu</a:t>
+            </a:r>
+            <a:r>
+              <a:rPr lang="en-US" sz="5800" dirty="0"/>
+              <a:t> t1, t2, label</a:t>
+            </a:r>
+          </a:p>
+          <a:p>
+            <a:pPr>
+              <a:lnSpc>
+                <a:spcPct val="110000"/>
+              </a:lnSpc>
+              <a:spcBef>
+                <a:spcPts val="0"/>
+              </a:spcBef>
+            </a:pPr>
+            <a:r>
+              <a:rPr lang="en-US" sz="5800" dirty="0"/>
+              <a:t>Branch &gt; 0             </a:t>
+            </a:r>
+            <a:r>
+              <a:rPr lang="ru-RU" sz="5800" dirty="0" smtClean="0"/>
+              <a:t>       </a:t>
+            </a:r>
+            <a:r>
+              <a:rPr lang="en-US" sz="5800" dirty="0" smtClean="0"/>
+              <a:t> </a:t>
+            </a:r>
+            <a:r>
+              <a:rPr lang="en-US" sz="5800" dirty="0" err="1"/>
+              <a:t>bgtz</a:t>
+            </a:r>
+            <a:r>
+              <a:rPr lang="en-US" sz="5800" dirty="0"/>
+              <a:t> t1, label</a:t>
+            </a:r>
+          </a:p>
+          <a:p>
+            <a:pPr>
+              <a:lnSpc>
+                <a:spcPct val="110000"/>
+              </a:lnSpc>
+              <a:spcBef>
+                <a:spcPts val="0"/>
+              </a:spcBef>
+            </a:pPr>
+            <a:r>
+              <a:rPr lang="en-US" sz="5800" dirty="0"/>
+              <a:t>Branch ≤                </a:t>
+            </a:r>
+            <a:r>
+              <a:rPr lang="en-US" sz="5800" dirty="0" err="1"/>
+              <a:t>ble</a:t>
+            </a:r>
+            <a:r>
+              <a:rPr lang="en-US" sz="5800" dirty="0"/>
+              <a:t>  t1, t2, label</a:t>
+            </a:r>
+          </a:p>
+          <a:p>
+            <a:pPr>
+              <a:lnSpc>
+                <a:spcPct val="110000"/>
+              </a:lnSpc>
+              <a:spcBef>
+                <a:spcPts val="0"/>
+              </a:spcBef>
+            </a:pPr>
+            <a:r>
+              <a:rPr lang="en-US" sz="5800" dirty="0"/>
+              <a:t>Branch ≤ Unsigned       bleu t1, t2, label</a:t>
+            </a:r>
+          </a:p>
+          <a:p>
+            <a:pPr>
+              <a:lnSpc>
+                <a:spcPct val="110000"/>
+              </a:lnSpc>
+              <a:spcBef>
+                <a:spcPts val="0"/>
+              </a:spcBef>
+            </a:pPr>
+            <a:r>
+              <a:rPr lang="en-US" sz="5800" dirty="0"/>
+              <a:t>Branch ≤ 0              </a:t>
+            </a:r>
+            <a:r>
+              <a:rPr lang="en-US" sz="5800" dirty="0" err="1"/>
+              <a:t>blez</a:t>
+            </a:r>
+            <a:r>
+              <a:rPr lang="en-US" sz="5800" dirty="0"/>
+              <a:t> t1, label</a:t>
+            </a:r>
+          </a:p>
+          <a:p>
+            <a:pPr>
+              <a:lnSpc>
+                <a:spcPct val="110000"/>
+              </a:lnSpc>
+              <a:spcBef>
+                <a:spcPts val="0"/>
+              </a:spcBef>
+            </a:pPr>
+            <a:r>
+              <a:rPr lang="en-US" sz="5800" dirty="0"/>
+              <a:t>Branch &lt; 0              </a:t>
+            </a:r>
+            <a:r>
+              <a:rPr lang="en-US" sz="5800" dirty="0" err="1"/>
+              <a:t>bltz</a:t>
+            </a:r>
+            <a:r>
+              <a:rPr lang="en-US" sz="5800" dirty="0"/>
+              <a:t> t1, label</a:t>
+            </a:r>
+          </a:p>
+          <a:p>
+            <a:pPr>
+              <a:lnSpc>
+                <a:spcPct val="110000"/>
+              </a:lnSpc>
+              <a:spcBef>
+                <a:spcPts val="0"/>
+              </a:spcBef>
+            </a:pPr>
+            <a:r>
+              <a:rPr lang="en-US" sz="5800" dirty="0"/>
+              <a:t>Branch ≠ 0              </a:t>
+            </a:r>
+            <a:r>
+              <a:rPr lang="en-US" sz="5800" dirty="0" err="1"/>
+              <a:t>bnez</a:t>
+            </a:r>
+            <a:r>
+              <a:rPr lang="en-US" sz="5800" dirty="0"/>
+              <a:t> t1, label</a:t>
+            </a:r>
+            <a:endParaRPr lang="en-US" sz="5800" i="1" dirty="0"/>
           </a:p>
         </p:txBody>
       </p:sp>

--- a/docs/part1ca/05_MacrosBranchesArrays/CA_Lecture_05.pptx
+++ b/docs/part1ca/05_MacrosBranchesArrays/CA_Lecture_05.pptx
@@ -5,10 +5,10 @@
     <p:sldMasterId id="2147483648" r:id="rId1"/>
   </p:sldMasterIdLst>
   <p:notesMasterIdLst>
-    <p:notesMasterId r:id="rId10"/>
+    <p:notesMasterId r:id="rId14"/>
   </p:notesMasterIdLst>
   <p:handoutMasterIdLst>
-    <p:handoutMasterId r:id="rId11"/>
+    <p:handoutMasterId r:id="rId15"/>
   </p:handoutMasterIdLst>
   <p:sldIdLst>
     <p:sldId id="256" r:id="rId2"/>
@@ -18,7 +18,11 @@
     <p:sldId id="329" r:id="rId6"/>
     <p:sldId id="326" r:id="rId7"/>
     <p:sldId id="330" r:id="rId8"/>
-    <p:sldId id="272" r:id="rId9"/>
+    <p:sldId id="331" r:id="rId9"/>
+    <p:sldId id="332" r:id="rId10"/>
+    <p:sldId id="333" r:id="rId11"/>
+    <p:sldId id="334" r:id="rId12"/>
+    <p:sldId id="272" r:id="rId13"/>
   </p:sldIdLst>
   <p:sldSz cx="12192000" cy="6858000"/>
   <p:notesSz cx="6858000" cy="9144000"/>
@@ -119,7 +123,7 @@
   </p:defaultTextStyle>
   <p:extLst>
     <p:ext uri="{EFAFB233-063F-42B5-8137-9DF3F51BA10A}">
-      <p15:sldGuideLst xmlns:p15="http://schemas.microsoft.com/office/powerpoint/2012/main">
+      <p15:sldGuideLst xmlns:p15="http://schemas.microsoft.com/office/powerpoint/2012/main" xmlns="">
         <p15:guide id="1" orient="horz" pos="2160">
           <p15:clr>
             <a:srgbClr val="A4A3A4"/>
@@ -133,7 +137,7 @@
       </p15:sldGuideLst>
     </p:ext>
     <p:ext uri="{2D200454-40CA-4A62-9FC3-DE9A4176ACB9}">
-      <p15:notesGuideLst xmlns:p15="http://schemas.microsoft.com/office/powerpoint/2012/main">
+      <p15:notesGuideLst xmlns:p15="http://schemas.microsoft.com/office/powerpoint/2012/main" xmlns="">
         <p15:guide id="1" orient="horz" pos="2880">
           <p15:clr>
             <a:srgbClr val="A4A3A4"/>
@@ -317,7 +321,7 @@
     </p:spTree>
     <p:extLst>
       <p:ext uri="{BB962C8B-B14F-4D97-AF65-F5344CB8AC3E}">
-        <p14:creationId xmlns:p14="http://schemas.microsoft.com/office/powerpoint/2010/main" val="827279973"/>
+        <p14:creationId xmlns:p14="http://schemas.microsoft.com/office/powerpoint/2010/main" xmlns="" val="827279973"/>
       </p:ext>
     </p:extLst>
   </p:cSld>
@@ -578,7 +582,7 @@
     </p:spTree>
     <p:extLst>
       <p:ext uri="{BB962C8B-B14F-4D97-AF65-F5344CB8AC3E}">
-        <p14:creationId xmlns:p14="http://schemas.microsoft.com/office/powerpoint/2010/main" val="3865021395"/>
+        <p14:creationId xmlns:p14="http://schemas.microsoft.com/office/powerpoint/2010/main" xmlns="" val="3865021395"/>
       </p:ext>
     </p:extLst>
   </p:cSld>
@@ -792,7 +796,7 @@
     </p:spTree>
     <p:extLst>
       <p:ext uri="{BB962C8B-B14F-4D97-AF65-F5344CB8AC3E}">
-        <p14:creationId xmlns:p14="http://schemas.microsoft.com/office/powerpoint/2010/main" val="2381791527"/>
+        <p14:creationId xmlns:p14="http://schemas.microsoft.com/office/powerpoint/2010/main" xmlns="" val="2381791527"/>
       </p:ext>
     </p:extLst>
   </p:cSld>
@@ -906,7 +910,7 @@
             <a:fld id="{5583B3A5-99BF-45D9-956B-DC57CC23AD97}" type="slidenum">
               <a:rPr lang="ru-RU" smtClean="0"/>
               <a:pPr/>
-              <a:t>8</a:t>
+              <a:t>12</a:t>
             </a:fld>
             <a:endParaRPr lang="ru-RU"/>
           </a:p>
@@ -915,7 +919,7 @@
     </p:spTree>
     <p:extLst>
       <p:ext uri="{BB962C8B-B14F-4D97-AF65-F5344CB8AC3E}">
-        <p14:creationId xmlns:p14="http://schemas.microsoft.com/office/powerpoint/2010/main" val="1915950851"/>
+        <p14:creationId xmlns:p14="http://schemas.microsoft.com/office/powerpoint/2010/main" xmlns="" val="1915950851"/>
       </p:ext>
     </p:extLst>
   </p:cSld>
@@ -1175,7 +1179,7 @@
     </p:spTree>
     <p:extLst>
       <p:ext uri="{BB962C8B-B14F-4D97-AF65-F5344CB8AC3E}">
-        <p14:creationId xmlns:p14="http://schemas.microsoft.com/office/powerpoint/2010/main" val="322455162"/>
+        <p14:creationId xmlns:p14="http://schemas.microsoft.com/office/powerpoint/2010/main" xmlns="" val="322455162"/>
       </p:ext>
     </p:extLst>
   </p:cSld>
@@ -1349,7 +1353,7 @@
     </p:spTree>
     <p:extLst>
       <p:ext uri="{BB962C8B-B14F-4D97-AF65-F5344CB8AC3E}">
-        <p14:creationId xmlns:p14="http://schemas.microsoft.com/office/powerpoint/2010/main" val="971117636"/>
+        <p14:creationId xmlns:p14="http://schemas.microsoft.com/office/powerpoint/2010/main" xmlns="" val="971117636"/>
       </p:ext>
     </p:extLst>
   </p:cSld>
@@ -1526,7 +1530,7 @@
     </p:spTree>
     <p:extLst>
       <p:ext uri="{BB962C8B-B14F-4D97-AF65-F5344CB8AC3E}">
-        <p14:creationId xmlns:p14="http://schemas.microsoft.com/office/powerpoint/2010/main" val="3348877825"/>
+        <p14:creationId xmlns:p14="http://schemas.microsoft.com/office/powerpoint/2010/main" xmlns="" val="3348877825"/>
       </p:ext>
     </p:extLst>
   </p:cSld>
@@ -1851,7 +1855,7 @@
     </p:spTree>
     <p:extLst>
       <p:ext uri="{BB962C8B-B14F-4D97-AF65-F5344CB8AC3E}">
-        <p14:creationId xmlns:p14="http://schemas.microsoft.com/office/powerpoint/2010/main" val="3256953994"/>
+        <p14:creationId xmlns:p14="http://schemas.microsoft.com/office/powerpoint/2010/main" xmlns="" val="3256953994"/>
       </p:ext>
     </p:extLst>
   </p:cSld>
@@ -2101,7 +2105,7 @@
     </p:spTree>
     <p:extLst>
       <p:ext uri="{BB962C8B-B14F-4D97-AF65-F5344CB8AC3E}">
-        <p14:creationId xmlns:p14="http://schemas.microsoft.com/office/powerpoint/2010/main" val="3067076846"/>
+        <p14:creationId xmlns:p14="http://schemas.microsoft.com/office/powerpoint/2010/main" xmlns="" val="3067076846"/>
       </p:ext>
     </p:extLst>
   </p:cSld>
@@ -2337,7 +2341,7 @@
     </p:spTree>
     <p:extLst>
       <p:ext uri="{BB962C8B-B14F-4D97-AF65-F5344CB8AC3E}">
-        <p14:creationId xmlns:p14="http://schemas.microsoft.com/office/powerpoint/2010/main" val="3710015975"/>
+        <p14:creationId xmlns:p14="http://schemas.microsoft.com/office/powerpoint/2010/main" xmlns="" val="3710015975"/>
       </p:ext>
     </p:extLst>
   </p:cSld>
@@ -2708,7 +2712,7 @@
     </p:spTree>
     <p:extLst>
       <p:ext uri="{BB962C8B-B14F-4D97-AF65-F5344CB8AC3E}">
-        <p14:creationId xmlns:p14="http://schemas.microsoft.com/office/powerpoint/2010/main" val="4075590966"/>
+        <p14:creationId xmlns:p14="http://schemas.microsoft.com/office/powerpoint/2010/main" xmlns="" val="4075590966"/>
       </p:ext>
     </p:extLst>
   </p:cSld>
@@ -2830,7 +2834,7 @@
     </p:spTree>
     <p:extLst>
       <p:ext uri="{BB962C8B-B14F-4D97-AF65-F5344CB8AC3E}">
-        <p14:creationId xmlns:p14="http://schemas.microsoft.com/office/powerpoint/2010/main" val="2889604898"/>
+        <p14:creationId xmlns:p14="http://schemas.microsoft.com/office/powerpoint/2010/main" xmlns="" val="2889604898"/>
       </p:ext>
     </p:extLst>
   </p:cSld>
@@ -2929,7 +2933,7 @@
     </p:spTree>
     <p:extLst>
       <p:ext uri="{BB962C8B-B14F-4D97-AF65-F5344CB8AC3E}">
-        <p14:creationId xmlns:p14="http://schemas.microsoft.com/office/powerpoint/2010/main" val="152384765"/>
+        <p14:creationId xmlns:p14="http://schemas.microsoft.com/office/powerpoint/2010/main" xmlns="" val="152384765"/>
       </p:ext>
     </p:extLst>
   </p:cSld>
@@ -3210,7 +3214,7 @@
     </p:spTree>
     <p:extLst>
       <p:ext uri="{BB962C8B-B14F-4D97-AF65-F5344CB8AC3E}">
-        <p14:creationId xmlns:p14="http://schemas.microsoft.com/office/powerpoint/2010/main" val="2127791886"/>
+        <p14:creationId xmlns:p14="http://schemas.microsoft.com/office/powerpoint/2010/main" xmlns="" val="2127791886"/>
       </p:ext>
     </p:extLst>
   </p:cSld>
@@ -3467,7 +3471,7 @@
     </p:spTree>
     <p:extLst>
       <p:ext uri="{BB962C8B-B14F-4D97-AF65-F5344CB8AC3E}">
-        <p14:creationId xmlns:p14="http://schemas.microsoft.com/office/powerpoint/2010/main" val="1752705130"/>
+        <p14:creationId xmlns:p14="http://schemas.microsoft.com/office/powerpoint/2010/main" xmlns="" val="1752705130"/>
       </p:ext>
     </p:extLst>
   </p:cSld>
@@ -3720,7 +3724,7 @@
     </p:spTree>
     <p:extLst>
       <p:ext uri="{BB962C8B-B14F-4D97-AF65-F5344CB8AC3E}">
-        <p14:creationId xmlns:p14="http://schemas.microsoft.com/office/powerpoint/2010/main" val="968833914"/>
+        <p14:creationId xmlns:p14="http://schemas.microsoft.com/office/powerpoint/2010/main" xmlns="" val="968833914"/>
       </p:ext>
     </p:extLst>
   </p:cSld>
@@ -4197,7 +4201,2576 @@
     </p:spTree>
     <p:extLst>
       <p:ext uri="{BB962C8B-B14F-4D97-AF65-F5344CB8AC3E}">
-        <p14:creationId xmlns:p14="http://schemas.microsoft.com/office/powerpoint/2010/main" val="2492894732"/>
+        <p14:creationId xmlns:p14="http://schemas.microsoft.com/office/powerpoint/2010/main" xmlns="" val="2492894732"/>
+      </p:ext>
+    </p:extLst>
+  </p:cSld>
+  <p:clrMapOvr>
+    <a:masterClrMapping/>
+  </p:clrMapOvr>
+  <p:timing>
+    <p:tnLst>
+      <p:par>
+        <p:cTn id="1" dur="indefinite" restart="never" nodeType="tmRoot"/>
+      </p:par>
+    </p:tnLst>
+  </p:timing>
+</p:sld>
+</file>
+
+<file path=ppt/slides/slide10.xml><?xml version="1.0" encoding="utf-8"?>
+<p:sld xmlns:a="http://schemas.openxmlformats.org/drawingml/2006/main" xmlns:r="http://schemas.openxmlformats.org/officeDocument/2006/relationships" xmlns:p="http://schemas.openxmlformats.org/presentationml/2006/main">
+  <p:cSld>
+    <p:spTree>
+      <p:nvGrpSpPr>
+        <p:cNvPr id="1" name=""/>
+        <p:cNvGrpSpPr/>
+        <p:nvPr/>
+      </p:nvGrpSpPr>
+      <p:grpSpPr>
+        <a:xfrm>
+          <a:off x="0" y="0"/>
+          <a:ext cx="0" cy="0"/>
+          <a:chOff x="0" y="0"/>
+          <a:chExt cx="0" cy="0"/>
+        </a:xfrm>
+      </p:grpSpPr>
+      <p:sp>
+        <p:nvSpPr>
+          <p:cNvPr id="3" name="Номер слайда 2"/>
+          <p:cNvSpPr>
+            <a:spLocks noGrp="1"/>
+          </p:cNvSpPr>
+          <p:nvPr>
+            <p:ph type="sldNum" sz="quarter" idx="12"/>
+          </p:nvPr>
+        </p:nvSpPr>
+        <p:spPr/>
+        <p:txBody>
+          <a:bodyPr/>
+          <a:lstStyle/>
+          <a:p>
+            <a:pPr algn="ctr"/>
+            <a:fld id="{1397BFD8-F312-4EF2-A268-44FB4BDDBBB0}" type="slidenum">
+              <a:rPr lang="ru-RU" smtClean="0"/>
+              <a:pPr algn="ctr"/>
+              <a:t>10</a:t>
+            </a:fld>
+            <a:endParaRPr lang="ru-RU" dirty="0"/>
+          </a:p>
+        </p:txBody>
+      </p:sp>
+      <p:sp>
+        <p:nvSpPr>
+          <p:cNvPr id="4" name="Заголовок 3"/>
+          <p:cNvSpPr>
+            <a:spLocks noGrp="1"/>
+          </p:cNvSpPr>
+          <p:nvPr>
+            <p:ph type="title"/>
+          </p:nvPr>
+        </p:nvSpPr>
+        <p:spPr/>
+        <p:txBody>
+          <a:bodyPr/>
+          <a:lstStyle/>
+          <a:p>
+            <a:r>
+              <a:rPr lang="en-US" dirty="0" smtClean="0"/>
+              <a:t>Assembly Code for “While”</a:t>
+            </a:r>
+            <a:endParaRPr lang="ru-RU" dirty="0"/>
+          </a:p>
+        </p:txBody>
+      </p:sp>
+      <p:sp>
+        <p:nvSpPr>
+          <p:cNvPr id="5" name="Rectangle 4"/>
+          <p:cNvSpPr/>
+          <p:nvPr/>
+        </p:nvSpPr>
+        <p:spPr>
+          <a:xfrm>
+            <a:off x="828479" y="2624916"/>
+            <a:ext cx="5729073" cy="2086725"/>
+          </a:xfrm>
+          <a:prstGeom prst="rect">
+            <a:avLst/>
+          </a:prstGeom>
+        </p:spPr>
+        <p:txBody>
+          <a:bodyPr wrap="square">
+            <a:spAutoFit/>
+          </a:bodyPr>
+          <a:lstStyle/>
+          <a:p>
+            <a:pPr>
+              <a:lnSpc>
+                <a:spcPct val="90000"/>
+              </a:lnSpc>
+            </a:pPr>
+            <a:r>
+              <a:rPr lang="en-US" sz="3600" b="1" dirty="0" smtClean="0">
+                <a:solidFill>
+                  <a:srgbClr val="1E3272"/>
+                </a:solidFill>
+              </a:rPr>
+              <a:t>while</a:t>
+            </a:r>
+            <a:r>
+              <a:rPr lang="en-US" sz="3600" dirty="0" smtClean="0">
+                <a:solidFill>
+                  <a:srgbClr val="1E3272"/>
+                </a:solidFill>
+              </a:rPr>
+              <a:t>((t0 = </a:t>
+            </a:r>
+            <a:r>
+              <a:rPr lang="en-US" sz="3600" i="1" dirty="0" err="1" smtClean="0">
+                <a:solidFill>
+                  <a:srgbClr val="1E3272"/>
+                </a:solidFill>
+              </a:rPr>
+              <a:t>read_int</a:t>
+            </a:r>
+            <a:r>
+              <a:rPr lang="en-US" sz="3600" dirty="0" smtClean="0">
+                <a:solidFill>
+                  <a:srgbClr val="1E3272"/>
+                </a:solidFill>
+              </a:rPr>
+              <a:t>()) </a:t>
+            </a:r>
+            <a:r>
+              <a:rPr lang="en-US" sz="3600" dirty="0" smtClean="0">
+                <a:solidFill>
+                  <a:srgbClr val="1E3272"/>
+                </a:solidFill>
+              </a:rPr>
+              <a:t>!= </a:t>
+            </a:r>
+            <a:r>
+              <a:rPr lang="en-US" sz="3600" dirty="0" smtClean="0">
+                <a:solidFill>
+                  <a:srgbClr val="0070C0"/>
+                </a:solidFill>
+              </a:rPr>
+              <a:t>0</a:t>
+            </a:r>
+            <a:r>
+              <a:rPr lang="en-US" sz="3600" dirty="0" smtClean="0">
+                <a:solidFill>
+                  <a:srgbClr val="1E3272"/>
+                </a:solidFill>
+              </a:rPr>
+              <a:t>) {</a:t>
+            </a:r>
+          </a:p>
+          <a:p>
+            <a:pPr>
+              <a:lnSpc>
+                <a:spcPct val="90000"/>
+              </a:lnSpc>
+            </a:pPr>
+            <a:r>
+              <a:rPr lang="en-US" sz="3600" dirty="0" smtClean="0">
+                <a:solidFill>
+                  <a:srgbClr val="1E3272"/>
+                </a:solidFill>
+              </a:rPr>
+              <a:t>    </a:t>
+            </a:r>
+            <a:r>
+              <a:rPr lang="en-US" sz="3600" i="1" dirty="0" err="1" smtClean="0">
+                <a:solidFill>
+                  <a:srgbClr val="1E3272"/>
+                </a:solidFill>
+              </a:rPr>
+              <a:t>print_int</a:t>
+            </a:r>
+            <a:r>
+              <a:rPr lang="en-US" sz="3600" dirty="0" smtClean="0">
+                <a:solidFill>
+                  <a:srgbClr val="1E3272"/>
+                </a:solidFill>
+              </a:rPr>
+              <a:t>(t0)</a:t>
+            </a:r>
+          </a:p>
+          <a:p>
+            <a:pPr>
+              <a:lnSpc>
+                <a:spcPct val="90000"/>
+              </a:lnSpc>
+            </a:pPr>
+            <a:r>
+              <a:rPr lang="en-US" sz="3600" dirty="0" smtClean="0">
+                <a:solidFill>
+                  <a:srgbClr val="1E3272"/>
+                </a:solidFill>
+              </a:rPr>
+              <a:t>    </a:t>
+            </a:r>
+            <a:r>
+              <a:rPr lang="en-US" sz="3600" i="1" dirty="0" err="1" smtClean="0">
+                <a:solidFill>
+                  <a:srgbClr val="1E3272"/>
+                </a:solidFill>
+              </a:rPr>
+              <a:t>print_char</a:t>
+            </a:r>
+            <a:r>
+              <a:rPr lang="en-US" sz="3600" dirty="0" smtClean="0">
+                <a:solidFill>
+                  <a:srgbClr val="1E3272"/>
+                </a:solidFill>
+              </a:rPr>
+              <a:t>(</a:t>
+            </a:r>
+            <a:r>
+              <a:rPr lang="en-US" sz="3600" dirty="0" smtClean="0">
+                <a:solidFill>
+                  <a:srgbClr val="00B050"/>
+                </a:solidFill>
+              </a:rPr>
+              <a:t>'\n'</a:t>
+            </a:r>
+            <a:r>
+              <a:rPr lang="en-US" sz="3600" dirty="0" smtClean="0">
+                <a:solidFill>
+                  <a:srgbClr val="1E3272"/>
+                </a:solidFill>
+              </a:rPr>
+              <a:t>)</a:t>
+            </a:r>
+          </a:p>
+          <a:p>
+            <a:pPr>
+              <a:lnSpc>
+                <a:spcPct val="90000"/>
+              </a:lnSpc>
+            </a:pPr>
+            <a:r>
+              <a:rPr lang="en-US" sz="3600" dirty="0" smtClean="0">
+                <a:solidFill>
+                  <a:srgbClr val="1E3272"/>
+                </a:solidFill>
+              </a:rPr>
+              <a:t>}</a:t>
+            </a:r>
+            <a:endParaRPr lang="en-US" sz="3600" dirty="0">
+              <a:solidFill>
+                <a:srgbClr val="1E3272"/>
+              </a:solidFill>
+            </a:endParaRPr>
+          </a:p>
+        </p:txBody>
+      </p:sp>
+      <p:sp>
+        <p:nvSpPr>
+          <p:cNvPr id="6" name="Rectangle 4"/>
+          <p:cNvSpPr/>
+          <p:nvPr/>
+        </p:nvSpPr>
+        <p:spPr>
+          <a:xfrm>
+            <a:off x="7342503" y="1353458"/>
+            <a:ext cx="3878494" cy="4829655"/>
+          </a:xfrm>
+          <a:prstGeom prst="rect">
+            <a:avLst/>
+          </a:prstGeom>
+        </p:spPr>
+        <p:txBody>
+          <a:bodyPr wrap="square">
+            <a:spAutoFit/>
+          </a:bodyPr>
+          <a:lstStyle/>
+          <a:p>
+            <a:pPr>
+              <a:lnSpc>
+                <a:spcPct val="80000"/>
+              </a:lnSpc>
+            </a:pPr>
+            <a:r>
+              <a:rPr lang="en-US" sz="3200" b="1" i="1" dirty="0" smtClean="0">
+                <a:solidFill>
+                  <a:srgbClr val="1E3272"/>
+                </a:solidFill>
+              </a:rPr>
+              <a:t>while</a:t>
+            </a:r>
+            <a:r>
+              <a:rPr lang="en-US" sz="3200" dirty="0" smtClean="0">
+                <a:solidFill>
+                  <a:srgbClr val="1E3272"/>
+                </a:solidFill>
+              </a:rPr>
+              <a:t>:</a:t>
+            </a:r>
+          </a:p>
+          <a:p>
+            <a:pPr>
+              <a:lnSpc>
+                <a:spcPct val="80000"/>
+              </a:lnSpc>
+            </a:pPr>
+            <a:r>
+              <a:rPr lang="en-US" sz="3200" dirty="0" smtClean="0">
+                <a:solidFill>
+                  <a:srgbClr val="1E3272"/>
+                </a:solidFill>
+              </a:rPr>
+              <a:t>   </a:t>
+            </a:r>
+            <a:r>
+              <a:rPr lang="en-US" sz="3200" dirty="0" smtClean="0">
+                <a:solidFill>
+                  <a:srgbClr val="1E3272"/>
+                </a:solidFill>
+              </a:rPr>
+              <a:t> </a:t>
+            </a:r>
+            <a:r>
+              <a:rPr lang="en-US" sz="3200" dirty="0" err="1" smtClean="0">
+                <a:solidFill>
+                  <a:srgbClr val="2F5CB5"/>
+                </a:solidFill>
+              </a:rPr>
+              <a:t>li</a:t>
+            </a:r>
+            <a:r>
+              <a:rPr lang="en-US" sz="3200" dirty="0" smtClean="0">
+                <a:solidFill>
+                  <a:srgbClr val="1E3272"/>
+                </a:solidFill>
+              </a:rPr>
+              <a:t>       </a:t>
+            </a:r>
+            <a:r>
+              <a:rPr lang="en-US" sz="3200" dirty="0" smtClean="0">
+                <a:solidFill>
+                  <a:srgbClr val="FF0000"/>
+                </a:solidFill>
+              </a:rPr>
+              <a:t>a7</a:t>
+            </a:r>
+            <a:r>
+              <a:rPr lang="en-US" sz="3200" dirty="0" smtClean="0">
+                <a:solidFill>
+                  <a:srgbClr val="1E3272"/>
+                </a:solidFill>
+              </a:rPr>
+              <a:t>, </a:t>
+            </a:r>
+            <a:r>
+              <a:rPr lang="en-US" sz="3200" dirty="0" smtClean="0">
+                <a:solidFill>
+                  <a:srgbClr val="2F5CB5"/>
+                </a:solidFill>
+              </a:rPr>
+              <a:t>5</a:t>
+            </a:r>
+          </a:p>
+          <a:p>
+            <a:pPr>
+              <a:lnSpc>
+                <a:spcPct val="80000"/>
+              </a:lnSpc>
+            </a:pPr>
+            <a:r>
+              <a:rPr lang="en-US" sz="3200" dirty="0" smtClean="0">
+                <a:solidFill>
+                  <a:srgbClr val="1E3272"/>
+                </a:solidFill>
+              </a:rPr>
+              <a:t>  </a:t>
+            </a:r>
+            <a:r>
+              <a:rPr lang="en-US" sz="3200" dirty="0" smtClean="0">
+                <a:solidFill>
+                  <a:srgbClr val="1E3272"/>
+                </a:solidFill>
+              </a:rPr>
+              <a:t>  </a:t>
+            </a:r>
+            <a:r>
+              <a:rPr lang="en-US" sz="3200" dirty="0" err="1" smtClean="0">
+                <a:solidFill>
+                  <a:srgbClr val="2F5CB5"/>
+                </a:solidFill>
+              </a:rPr>
+              <a:t>ecall</a:t>
+            </a:r>
+            <a:endParaRPr lang="en-US" sz="3200" dirty="0" smtClean="0">
+              <a:solidFill>
+                <a:srgbClr val="2F5CB5"/>
+              </a:solidFill>
+            </a:endParaRPr>
+          </a:p>
+          <a:p>
+            <a:pPr>
+              <a:lnSpc>
+                <a:spcPct val="80000"/>
+              </a:lnSpc>
+            </a:pPr>
+            <a:r>
+              <a:rPr lang="en-US" sz="3200" dirty="0" smtClean="0">
+                <a:solidFill>
+                  <a:srgbClr val="1E3272"/>
+                </a:solidFill>
+              </a:rPr>
+              <a:t>   </a:t>
+            </a:r>
+            <a:r>
+              <a:rPr lang="en-US" sz="3200" dirty="0" smtClean="0">
+                <a:solidFill>
+                  <a:srgbClr val="1E3272"/>
+                </a:solidFill>
+              </a:rPr>
+              <a:t> </a:t>
+            </a:r>
+            <a:r>
+              <a:rPr lang="en-US" sz="3200" dirty="0" err="1" smtClean="0">
+                <a:solidFill>
+                  <a:srgbClr val="2F5CB5"/>
+                </a:solidFill>
+              </a:rPr>
+              <a:t>mv</a:t>
+            </a:r>
+            <a:r>
+              <a:rPr lang="en-US" sz="3200" dirty="0" smtClean="0">
+                <a:solidFill>
+                  <a:srgbClr val="1E3272"/>
+                </a:solidFill>
+              </a:rPr>
+              <a:t>    </a:t>
+            </a:r>
+            <a:r>
+              <a:rPr lang="en-US" sz="3200" dirty="0" smtClean="0">
+                <a:solidFill>
+                  <a:srgbClr val="FF0000"/>
+                </a:solidFill>
+              </a:rPr>
+              <a:t>t0</a:t>
+            </a:r>
+            <a:r>
+              <a:rPr lang="en-US" sz="3200" dirty="0" smtClean="0">
+                <a:solidFill>
+                  <a:srgbClr val="1E3272"/>
+                </a:solidFill>
+              </a:rPr>
+              <a:t>, </a:t>
+            </a:r>
+            <a:r>
+              <a:rPr lang="en-US" sz="3200" dirty="0" smtClean="0">
+                <a:solidFill>
+                  <a:srgbClr val="FF0000"/>
+                </a:solidFill>
+              </a:rPr>
+              <a:t>a0</a:t>
+            </a:r>
+          </a:p>
+          <a:p>
+            <a:pPr>
+              <a:lnSpc>
+                <a:spcPct val="80000"/>
+              </a:lnSpc>
+            </a:pPr>
+            <a:r>
+              <a:rPr lang="en-US" sz="3200" dirty="0" smtClean="0">
+                <a:solidFill>
+                  <a:srgbClr val="1E3272"/>
+                </a:solidFill>
+              </a:rPr>
+              <a:t>  </a:t>
+            </a:r>
+            <a:r>
+              <a:rPr lang="en-US" sz="3200" dirty="0" smtClean="0">
+                <a:solidFill>
+                  <a:srgbClr val="1E3272"/>
+                </a:solidFill>
+              </a:rPr>
+              <a:t>  </a:t>
+            </a:r>
+            <a:r>
+              <a:rPr lang="en-US" sz="3200" dirty="0" err="1" smtClean="0">
+                <a:solidFill>
+                  <a:srgbClr val="2F5CB5"/>
+                </a:solidFill>
+              </a:rPr>
+              <a:t>beqz</a:t>
+            </a:r>
+            <a:r>
+              <a:rPr lang="en-US" sz="3200" dirty="0" smtClean="0">
+                <a:solidFill>
+                  <a:srgbClr val="1E3272"/>
+                </a:solidFill>
+              </a:rPr>
+              <a:t> </a:t>
+            </a:r>
+            <a:r>
+              <a:rPr lang="en-US" sz="3200" dirty="0" smtClean="0">
+                <a:solidFill>
+                  <a:srgbClr val="FF0000"/>
+                </a:solidFill>
+              </a:rPr>
+              <a:t>a0</a:t>
+            </a:r>
+            <a:r>
+              <a:rPr lang="en-US" sz="3200" dirty="0" smtClean="0">
+                <a:solidFill>
+                  <a:srgbClr val="1E3272"/>
+                </a:solidFill>
+              </a:rPr>
+              <a:t>, </a:t>
+            </a:r>
+            <a:r>
+              <a:rPr lang="en-US" sz="3200" i="1" dirty="0" err="1" smtClean="0">
+                <a:solidFill>
+                  <a:srgbClr val="1E3272"/>
+                </a:solidFill>
+              </a:rPr>
+              <a:t>end_while</a:t>
+            </a:r>
+            <a:endParaRPr lang="en-US" sz="3200" i="1" dirty="0" smtClean="0">
+              <a:solidFill>
+                <a:srgbClr val="1E3272"/>
+              </a:solidFill>
+            </a:endParaRPr>
+          </a:p>
+          <a:p>
+            <a:pPr>
+              <a:lnSpc>
+                <a:spcPct val="80000"/>
+              </a:lnSpc>
+            </a:pPr>
+            <a:r>
+              <a:rPr lang="en-US" sz="3200" dirty="0" smtClean="0">
+                <a:solidFill>
+                  <a:srgbClr val="1E3272"/>
+                </a:solidFill>
+              </a:rPr>
+              <a:t>  </a:t>
+            </a:r>
+            <a:r>
+              <a:rPr lang="en-US" sz="3200" dirty="0" smtClean="0">
+                <a:solidFill>
+                  <a:srgbClr val="1E3272"/>
+                </a:solidFill>
+              </a:rPr>
+              <a:t>  </a:t>
+            </a:r>
+            <a:r>
+              <a:rPr lang="en-US" sz="3200" dirty="0" err="1" smtClean="0">
+                <a:solidFill>
+                  <a:srgbClr val="1E3272"/>
+                </a:solidFill>
+              </a:rPr>
+              <a:t>li</a:t>
+            </a:r>
+            <a:r>
+              <a:rPr lang="en-US" sz="3200" dirty="0" smtClean="0">
+                <a:solidFill>
+                  <a:srgbClr val="1E3272"/>
+                </a:solidFill>
+              </a:rPr>
+              <a:t>   </a:t>
+            </a:r>
+            <a:r>
+              <a:rPr lang="en-US" sz="3200" dirty="0" smtClean="0">
+                <a:solidFill>
+                  <a:srgbClr val="1E3272"/>
+                </a:solidFill>
+              </a:rPr>
+              <a:t>     </a:t>
+            </a:r>
+            <a:r>
+              <a:rPr lang="en-US" sz="3200" dirty="0" smtClean="0">
+                <a:solidFill>
+                  <a:srgbClr val="FF0000"/>
+                </a:solidFill>
+              </a:rPr>
+              <a:t>a7</a:t>
+            </a:r>
+            <a:r>
+              <a:rPr lang="en-US" sz="3200" dirty="0" smtClean="0">
+                <a:solidFill>
+                  <a:srgbClr val="1E3272"/>
+                </a:solidFill>
+              </a:rPr>
+              <a:t>, </a:t>
+            </a:r>
+            <a:r>
+              <a:rPr lang="en-US" sz="3200" dirty="0" smtClean="0">
+                <a:solidFill>
+                  <a:srgbClr val="2F5CB5"/>
+                </a:solidFill>
+              </a:rPr>
+              <a:t>1</a:t>
+            </a:r>
+          </a:p>
+          <a:p>
+            <a:pPr>
+              <a:lnSpc>
+                <a:spcPct val="80000"/>
+              </a:lnSpc>
+            </a:pPr>
+            <a:r>
+              <a:rPr lang="en-US" sz="3200" dirty="0" smtClean="0">
+                <a:solidFill>
+                  <a:srgbClr val="1E3272"/>
+                </a:solidFill>
+              </a:rPr>
+              <a:t>   </a:t>
+            </a:r>
+            <a:r>
+              <a:rPr lang="en-US" sz="3200" dirty="0" smtClean="0">
+                <a:solidFill>
+                  <a:srgbClr val="1E3272"/>
+                </a:solidFill>
+              </a:rPr>
+              <a:t> </a:t>
+            </a:r>
+            <a:r>
+              <a:rPr lang="en-US" sz="3200" dirty="0" err="1" smtClean="0">
+                <a:solidFill>
+                  <a:srgbClr val="2F5CB5"/>
+                </a:solidFill>
+              </a:rPr>
+              <a:t>ecall</a:t>
+            </a:r>
+            <a:endParaRPr lang="en-US" sz="3200" dirty="0" smtClean="0">
+              <a:solidFill>
+                <a:srgbClr val="2F5CB5"/>
+              </a:solidFill>
+            </a:endParaRPr>
+          </a:p>
+          <a:p>
+            <a:pPr>
+              <a:lnSpc>
+                <a:spcPct val="80000"/>
+              </a:lnSpc>
+            </a:pPr>
+            <a:r>
+              <a:rPr lang="en-US" sz="3200" dirty="0" smtClean="0">
+                <a:solidFill>
+                  <a:srgbClr val="1E3272"/>
+                </a:solidFill>
+              </a:rPr>
+              <a:t>   </a:t>
+            </a:r>
+            <a:r>
+              <a:rPr lang="en-US" sz="3200" dirty="0" smtClean="0">
+                <a:solidFill>
+                  <a:srgbClr val="1E3272"/>
+                </a:solidFill>
+              </a:rPr>
+              <a:t> </a:t>
+            </a:r>
+            <a:r>
+              <a:rPr lang="en-US" sz="3200" dirty="0" err="1" smtClean="0">
+                <a:solidFill>
+                  <a:srgbClr val="2F5CB5"/>
+                </a:solidFill>
+              </a:rPr>
+              <a:t>li</a:t>
+            </a:r>
+            <a:r>
+              <a:rPr lang="en-US" sz="3200" dirty="0" smtClean="0">
+                <a:solidFill>
+                  <a:srgbClr val="1E3272"/>
+                </a:solidFill>
+              </a:rPr>
+              <a:t>        </a:t>
+            </a:r>
+            <a:r>
+              <a:rPr lang="en-US" sz="3200" dirty="0" smtClean="0">
+                <a:solidFill>
+                  <a:srgbClr val="FF0000"/>
+                </a:solidFill>
+              </a:rPr>
+              <a:t>a7</a:t>
+            </a:r>
+            <a:r>
+              <a:rPr lang="en-US" sz="3200" dirty="0" smtClean="0">
+                <a:solidFill>
+                  <a:srgbClr val="1E3272"/>
+                </a:solidFill>
+              </a:rPr>
+              <a:t>, </a:t>
+            </a:r>
+            <a:r>
+              <a:rPr lang="en-US" sz="3200" dirty="0" smtClean="0">
+                <a:solidFill>
+                  <a:srgbClr val="2F5CB5"/>
+                </a:solidFill>
+              </a:rPr>
+              <a:t>11</a:t>
+            </a:r>
+          </a:p>
+          <a:p>
+            <a:pPr>
+              <a:lnSpc>
+                <a:spcPct val="80000"/>
+              </a:lnSpc>
+            </a:pPr>
+            <a:r>
+              <a:rPr lang="en-US" sz="3200" dirty="0" smtClean="0">
+                <a:solidFill>
+                  <a:srgbClr val="1E3272"/>
+                </a:solidFill>
+              </a:rPr>
+              <a:t>   </a:t>
+            </a:r>
+            <a:r>
+              <a:rPr lang="en-US" sz="3200" dirty="0" smtClean="0">
+                <a:solidFill>
+                  <a:srgbClr val="1E3272"/>
+                </a:solidFill>
+              </a:rPr>
+              <a:t> </a:t>
+            </a:r>
+            <a:r>
+              <a:rPr lang="en-US" sz="3200" dirty="0" err="1" smtClean="0">
+                <a:solidFill>
+                  <a:srgbClr val="2F5CB5"/>
+                </a:solidFill>
+              </a:rPr>
+              <a:t>li</a:t>
+            </a:r>
+            <a:r>
+              <a:rPr lang="en-US" sz="3200" dirty="0" smtClean="0">
+                <a:solidFill>
+                  <a:srgbClr val="1E3272"/>
+                </a:solidFill>
+              </a:rPr>
+              <a:t>        </a:t>
+            </a:r>
+            <a:r>
+              <a:rPr lang="en-US" sz="3200" dirty="0" smtClean="0">
+                <a:solidFill>
+                  <a:srgbClr val="FF0000"/>
+                </a:solidFill>
+              </a:rPr>
+              <a:t>a0</a:t>
+            </a:r>
+            <a:r>
+              <a:rPr lang="en-US" sz="3200" dirty="0" smtClean="0">
+                <a:solidFill>
+                  <a:srgbClr val="1E3272"/>
+                </a:solidFill>
+              </a:rPr>
+              <a:t>, </a:t>
+            </a:r>
+            <a:r>
+              <a:rPr lang="en-US" sz="3200" dirty="0" smtClean="0">
+                <a:solidFill>
+                  <a:srgbClr val="00B050"/>
+                </a:solidFill>
+              </a:rPr>
+              <a:t>'\n'</a:t>
+            </a:r>
+          </a:p>
+          <a:p>
+            <a:pPr>
+              <a:lnSpc>
+                <a:spcPct val="80000"/>
+              </a:lnSpc>
+            </a:pPr>
+            <a:r>
+              <a:rPr lang="en-US" sz="3200" dirty="0" smtClean="0">
+                <a:solidFill>
+                  <a:srgbClr val="1E3272"/>
+                </a:solidFill>
+              </a:rPr>
+              <a:t>  </a:t>
+            </a:r>
+            <a:r>
+              <a:rPr lang="en-US" sz="3200" dirty="0" smtClean="0">
+                <a:solidFill>
+                  <a:srgbClr val="1E3272"/>
+                </a:solidFill>
+              </a:rPr>
+              <a:t>  </a:t>
+            </a:r>
+            <a:r>
+              <a:rPr lang="en-US" sz="3200" dirty="0" err="1" smtClean="0">
+                <a:solidFill>
+                  <a:srgbClr val="2F5CB5"/>
+                </a:solidFill>
+              </a:rPr>
+              <a:t>ecall</a:t>
+            </a:r>
+            <a:endParaRPr lang="en-US" sz="3200" dirty="0" smtClean="0">
+              <a:solidFill>
+                <a:srgbClr val="2F5CB5"/>
+              </a:solidFill>
+            </a:endParaRPr>
+          </a:p>
+          <a:p>
+            <a:pPr>
+              <a:lnSpc>
+                <a:spcPct val="80000"/>
+              </a:lnSpc>
+            </a:pPr>
+            <a:r>
+              <a:rPr lang="en-US" sz="3200" dirty="0" smtClean="0">
+                <a:solidFill>
+                  <a:srgbClr val="1E3272"/>
+                </a:solidFill>
+              </a:rPr>
+              <a:t>   </a:t>
+            </a:r>
+            <a:r>
+              <a:rPr lang="en-US" sz="3200" dirty="0" smtClean="0">
+                <a:solidFill>
+                  <a:srgbClr val="1E3272"/>
+                </a:solidFill>
+              </a:rPr>
+              <a:t> </a:t>
+            </a:r>
+            <a:r>
+              <a:rPr lang="en-US" sz="3200" dirty="0" smtClean="0">
+                <a:solidFill>
+                  <a:srgbClr val="2F5CB5"/>
+                </a:solidFill>
+              </a:rPr>
+              <a:t>b</a:t>
+            </a:r>
+            <a:r>
+              <a:rPr lang="en-US" sz="3200" dirty="0" smtClean="0">
+                <a:solidFill>
+                  <a:srgbClr val="1E3272"/>
+                </a:solidFill>
+              </a:rPr>
+              <a:t>        </a:t>
+            </a:r>
+            <a:r>
+              <a:rPr lang="en-US" sz="3200" i="1" dirty="0" smtClean="0">
+                <a:solidFill>
+                  <a:srgbClr val="1E3272"/>
+                </a:solidFill>
+              </a:rPr>
+              <a:t>while</a:t>
+            </a:r>
+          </a:p>
+          <a:p>
+            <a:pPr>
+              <a:lnSpc>
+                <a:spcPct val="80000"/>
+              </a:lnSpc>
+            </a:pPr>
+            <a:r>
+              <a:rPr lang="en-US" sz="3200" b="1" i="1" dirty="0" err="1" smtClean="0">
+                <a:solidFill>
+                  <a:srgbClr val="1E3272"/>
+                </a:solidFill>
+              </a:rPr>
+              <a:t>end_while</a:t>
+            </a:r>
+            <a:r>
+              <a:rPr lang="en-US" sz="3200" dirty="0" smtClean="0">
+                <a:solidFill>
+                  <a:srgbClr val="1E3272"/>
+                </a:solidFill>
+              </a:rPr>
+              <a:t>:</a:t>
+            </a:r>
+          </a:p>
+        </p:txBody>
+      </p:sp>
+      <p:cxnSp>
+        <p:nvCxnSpPr>
+          <p:cNvPr id="7" name="Прямая со стрелкой 6"/>
+          <p:cNvCxnSpPr/>
+          <p:nvPr/>
+        </p:nvCxnSpPr>
+        <p:spPr>
+          <a:xfrm>
+            <a:off x="4976955" y="3735981"/>
+            <a:ext cx="2416623" cy="13063"/>
+          </a:xfrm>
+          <a:prstGeom prst="straightConnector1">
+            <a:avLst/>
+          </a:prstGeom>
+          <a:ln w="38100">
+            <a:solidFill>
+              <a:srgbClr val="F7B217"/>
+            </a:solidFill>
+            <a:tailEnd type="triangle" w="lg" len="lg"/>
+          </a:ln>
+        </p:spPr>
+        <p:style>
+          <a:lnRef idx="1">
+            <a:schemeClr val="accent1"/>
+          </a:lnRef>
+          <a:fillRef idx="0">
+            <a:schemeClr val="accent1"/>
+          </a:fillRef>
+          <a:effectRef idx="0">
+            <a:schemeClr val="accent1"/>
+          </a:effectRef>
+          <a:fontRef idx="minor">
+            <a:schemeClr val="tx1"/>
+          </a:fontRef>
+        </p:style>
+      </p:cxnSp>
+    </p:spTree>
+  </p:cSld>
+  <p:clrMapOvr>
+    <a:masterClrMapping/>
+  </p:clrMapOvr>
+  <p:timing>
+    <p:tnLst>
+      <p:par>
+        <p:cTn id="1" dur="indefinite" restart="never" nodeType="tmRoot"/>
+      </p:par>
+    </p:tnLst>
+  </p:timing>
+</p:sld>
+</file>
+
+<file path=ppt/slides/slide11.xml><?xml version="1.0" encoding="utf-8"?>
+<p:sld xmlns:a="http://schemas.openxmlformats.org/drawingml/2006/main" xmlns:r="http://schemas.openxmlformats.org/officeDocument/2006/relationships" xmlns:p="http://schemas.openxmlformats.org/presentationml/2006/main">
+  <p:cSld>
+    <p:spTree>
+      <p:nvGrpSpPr>
+        <p:cNvPr id="1" name=""/>
+        <p:cNvGrpSpPr/>
+        <p:nvPr/>
+      </p:nvGrpSpPr>
+      <p:grpSpPr>
+        <a:xfrm>
+          <a:off x="0" y="0"/>
+          <a:ext cx="0" cy="0"/>
+          <a:chOff x="0" y="0"/>
+          <a:chExt cx="0" cy="0"/>
+        </a:xfrm>
+      </p:grpSpPr>
+      <p:sp>
+        <p:nvSpPr>
+          <p:cNvPr id="3" name="Номер слайда 2"/>
+          <p:cNvSpPr>
+            <a:spLocks noGrp="1"/>
+          </p:cNvSpPr>
+          <p:nvPr>
+            <p:ph type="sldNum" sz="quarter" idx="12"/>
+          </p:nvPr>
+        </p:nvSpPr>
+        <p:spPr/>
+        <p:txBody>
+          <a:bodyPr/>
+          <a:lstStyle/>
+          <a:p>
+            <a:pPr algn="ctr"/>
+            <a:fld id="{1397BFD8-F312-4EF2-A268-44FB4BDDBBB0}" type="slidenum">
+              <a:rPr lang="ru-RU" smtClean="0"/>
+              <a:pPr algn="ctr"/>
+              <a:t>11</a:t>
+            </a:fld>
+            <a:endParaRPr lang="ru-RU" dirty="0"/>
+          </a:p>
+        </p:txBody>
+      </p:sp>
+      <p:sp>
+        <p:nvSpPr>
+          <p:cNvPr id="4" name="Заголовок 3"/>
+          <p:cNvSpPr>
+            <a:spLocks noGrp="1"/>
+          </p:cNvSpPr>
+          <p:nvPr>
+            <p:ph type="title"/>
+          </p:nvPr>
+        </p:nvSpPr>
+        <p:spPr/>
+        <p:txBody>
+          <a:bodyPr/>
+          <a:lstStyle/>
+          <a:p>
+            <a:r>
+              <a:rPr lang="en-US" dirty="0" smtClean="0"/>
+              <a:t>Assembly Code for “For”</a:t>
+            </a:r>
+            <a:endParaRPr lang="ru-RU" dirty="0"/>
+          </a:p>
+        </p:txBody>
+      </p:sp>
+      <p:sp>
+        <p:nvSpPr>
+          <p:cNvPr id="5" name="Rectangle 4"/>
+          <p:cNvSpPr/>
+          <p:nvPr/>
+        </p:nvSpPr>
+        <p:spPr>
+          <a:xfrm>
+            <a:off x="828480" y="2703294"/>
+            <a:ext cx="4984491" cy="2086725"/>
+          </a:xfrm>
+          <a:prstGeom prst="rect">
+            <a:avLst/>
+          </a:prstGeom>
+        </p:spPr>
+        <p:txBody>
+          <a:bodyPr wrap="square">
+            <a:spAutoFit/>
+          </a:bodyPr>
+          <a:lstStyle/>
+          <a:p>
+            <a:pPr>
+              <a:lnSpc>
+                <a:spcPct val="90000"/>
+              </a:lnSpc>
+            </a:pPr>
+            <a:r>
+              <a:rPr lang="fr-FR" sz="3600" b="1" dirty="0" smtClean="0">
+                <a:solidFill>
+                  <a:srgbClr val="1E3272"/>
+                </a:solidFill>
+              </a:rPr>
+              <a:t>for</a:t>
+            </a:r>
+            <a:r>
+              <a:rPr lang="fr-FR" sz="3600" dirty="0" smtClean="0">
+                <a:solidFill>
+                  <a:srgbClr val="1E3272"/>
+                </a:solidFill>
+              </a:rPr>
+              <a:t> (t0 = </a:t>
+            </a:r>
+            <a:r>
+              <a:rPr lang="fr-FR" sz="3600" dirty="0" smtClean="0">
+                <a:solidFill>
+                  <a:srgbClr val="2F5CB5"/>
+                </a:solidFill>
+              </a:rPr>
+              <a:t>0</a:t>
+            </a:r>
+            <a:r>
+              <a:rPr lang="fr-FR" sz="3600" dirty="0" smtClean="0">
+                <a:solidFill>
+                  <a:srgbClr val="1E3272"/>
+                </a:solidFill>
+              </a:rPr>
+              <a:t>; t0 &lt; t1; ++t0) {</a:t>
+            </a:r>
+          </a:p>
+          <a:p>
+            <a:pPr>
+              <a:lnSpc>
+                <a:spcPct val="90000"/>
+              </a:lnSpc>
+            </a:pPr>
+            <a:r>
+              <a:rPr lang="fr-FR" sz="3600" dirty="0" smtClean="0">
+                <a:solidFill>
+                  <a:srgbClr val="1E3272"/>
+                </a:solidFill>
+              </a:rPr>
+              <a:t>    </a:t>
+            </a:r>
+            <a:r>
+              <a:rPr lang="fr-FR" sz="3600" i="1" dirty="0" smtClean="0">
+                <a:solidFill>
+                  <a:srgbClr val="1E3272"/>
+                </a:solidFill>
+              </a:rPr>
+              <a:t>print_int</a:t>
+            </a:r>
+            <a:r>
+              <a:rPr lang="fr-FR" sz="3600" dirty="0" smtClean="0">
+                <a:solidFill>
+                  <a:srgbClr val="1E3272"/>
+                </a:solidFill>
+              </a:rPr>
+              <a:t>(t0</a:t>
+            </a:r>
+            <a:r>
+              <a:rPr lang="fr-FR" sz="3600" dirty="0" smtClean="0">
+                <a:solidFill>
+                  <a:srgbClr val="1E3272"/>
+                </a:solidFill>
+              </a:rPr>
+              <a:t>)</a:t>
+            </a:r>
+          </a:p>
+          <a:p>
+            <a:pPr>
+              <a:lnSpc>
+                <a:spcPct val="90000"/>
+              </a:lnSpc>
+            </a:pPr>
+            <a:r>
+              <a:rPr lang="fr-FR" sz="3600" dirty="0" smtClean="0">
+                <a:solidFill>
+                  <a:srgbClr val="1E3272"/>
+                </a:solidFill>
+              </a:rPr>
+              <a:t>    </a:t>
+            </a:r>
+            <a:r>
+              <a:rPr lang="fr-FR" sz="3600" i="1" dirty="0" smtClean="0">
+                <a:solidFill>
+                  <a:srgbClr val="1E3272"/>
+                </a:solidFill>
+              </a:rPr>
+              <a:t>print_char</a:t>
+            </a:r>
+            <a:r>
+              <a:rPr lang="fr-FR" sz="3600" dirty="0" smtClean="0">
+                <a:solidFill>
+                  <a:srgbClr val="1E3272"/>
+                </a:solidFill>
+              </a:rPr>
+              <a:t>(</a:t>
+            </a:r>
+            <a:r>
+              <a:rPr lang="fr-FR" sz="3600" dirty="0" smtClean="0">
+                <a:solidFill>
+                  <a:srgbClr val="00B050"/>
+                </a:solidFill>
+              </a:rPr>
+              <a:t>'\n'</a:t>
+            </a:r>
+            <a:r>
+              <a:rPr lang="fr-FR" sz="3600" dirty="0" smtClean="0">
+                <a:solidFill>
+                  <a:srgbClr val="1E3272"/>
+                </a:solidFill>
+              </a:rPr>
+              <a:t>)</a:t>
+            </a:r>
+          </a:p>
+          <a:p>
+            <a:pPr>
+              <a:lnSpc>
+                <a:spcPct val="90000"/>
+              </a:lnSpc>
+            </a:pPr>
+            <a:r>
+              <a:rPr lang="fr-FR" sz="3600" dirty="0" smtClean="0">
+                <a:solidFill>
+                  <a:srgbClr val="1E3272"/>
+                </a:solidFill>
+              </a:rPr>
+              <a:t>}</a:t>
+            </a:r>
+            <a:endParaRPr lang="en-US" sz="3600" dirty="0">
+              <a:solidFill>
+                <a:srgbClr val="1E3272"/>
+              </a:solidFill>
+            </a:endParaRPr>
+          </a:p>
+        </p:txBody>
+      </p:sp>
+      <p:sp>
+        <p:nvSpPr>
+          <p:cNvPr id="6" name="Rectangle 4"/>
+          <p:cNvSpPr/>
+          <p:nvPr/>
+        </p:nvSpPr>
+        <p:spPr>
+          <a:xfrm>
+            <a:off x="7577637" y="1079135"/>
+            <a:ext cx="3721734" cy="5616281"/>
+          </a:xfrm>
+          <a:prstGeom prst="rect">
+            <a:avLst/>
+          </a:prstGeom>
+        </p:spPr>
+        <p:txBody>
+          <a:bodyPr wrap="square">
+            <a:spAutoFit/>
+          </a:bodyPr>
+          <a:lstStyle/>
+          <a:p>
+            <a:pPr>
+              <a:lnSpc>
+                <a:spcPct val="80000"/>
+              </a:lnSpc>
+            </a:pPr>
+            <a:r>
+              <a:rPr lang="en-US" sz="2800" b="1" i="1" dirty="0" smtClean="0">
+                <a:solidFill>
+                  <a:srgbClr val="1E3272"/>
+                </a:solidFill>
+              </a:rPr>
+              <a:t>for:</a:t>
+            </a:r>
+          </a:p>
+          <a:p>
+            <a:pPr>
+              <a:lnSpc>
+                <a:spcPct val="80000"/>
+              </a:lnSpc>
+            </a:pPr>
+            <a:r>
+              <a:rPr lang="en-US" sz="2800" dirty="0" smtClean="0">
+                <a:solidFill>
+                  <a:srgbClr val="1E3272"/>
+                </a:solidFill>
+              </a:rPr>
+              <a:t>  </a:t>
+            </a:r>
+            <a:r>
+              <a:rPr lang="en-US" sz="2800" dirty="0" smtClean="0">
+                <a:solidFill>
+                  <a:srgbClr val="1E3272"/>
+                </a:solidFill>
+              </a:rPr>
+              <a:t>  </a:t>
+            </a:r>
+            <a:r>
+              <a:rPr lang="en-US" sz="2800" dirty="0" err="1" smtClean="0">
+                <a:solidFill>
+                  <a:srgbClr val="2F5CB5"/>
+                </a:solidFill>
+              </a:rPr>
+              <a:t>li</a:t>
+            </a:r>
+            <a:r>
+              <a:rPr lang="en-US" sz="2800" dirty="0" smtClean="0">
+                <a:solidFill>
+                  <a:srgbClr val="1E3272"/>
+                </a:solidFill>
+              </a:rPr>
+              <a:t>   </a:t>
+            </a:r>
+            <a:r>
+              <a:rPr lang="en-US" sz="2800" dirty="0" smtClean="0">
+                <a:solidFill>
+                  <a:srgbClr val="1E3272"/>
+                </a:solidFill>
+              </a:rPr>
+              <a:t>   </a:t>
+            </a:r>
+            <a:r>
+              <a:rPr lang="en-US" sz="2800" dirty="0" smtClean="0">
+                <a:solidFill>
+                  <a:srgbClr val="FF0000"/>
+                </a:solidFill>
+              </a:rPr>
+              <a:t>a7</a:t>
+            </a:r>
+            <a:r>
+              <a:rPr lang="en-US" sz="2800" dirty="0" smtClean="0">
+                <a:solidFill>
+                  <a:srgbClr val="1E3272"/>
+                </a:solidFill>
+              </a:rPr>
+              <a:t>, </a:t>
+            </a:r>
+            <a:r>
+              <a:rPr lang="en-US" sz="2800" dirty="0" smtClean="0">
+                <a:solidFill>
+                  <a:srgbClr val="2F5CB5"/>
+                </a:solidFill>
+              </a:rPr>
+              <a:t>5</a:t>
+            </a:r>
+          </a:p>
+          <a:p>
+            <a:pPr>
+              <a:lnSpc>
+                <a:spcPct val="80000"/>
+              </a:lnSpc>
+            </a:pPr>
+            <a:r>
+              <a:rPr lang="en-US" sz="2800" dirty="0" smtClean="0">
+                <a:solidFill>
+                  <a:srgbClr val="1E3272"/>
+                </a:solidFill>
+              </a:rPr>
+              <a:t>   </a:t>
+            </a:r>
+            <a:r>
+              <a:rPr lang="en-US" sz="2800" dirty="0" smtClean="0">
+                <a:solidFill>
+                  <a:srgbClr val="1E3272"/>
+                </a:solidFill>
+              </a:rPr>
+              <a:t> </a:t>
+            </a:r>
+            <a:r>
+              <a:rPr lang="en-US" sz="2800" dirty="0" err="1" smtClean="0">
+                <a:solidFill>
+                  <a:srgbClr val="2F5CB5"/>
+                </a:solidFill>
+              </a:rPr>
+              <a:t>ecall</a:t>
+            </a:r>
+            <a:endParaRPr lang="en-US" sz="2800" dirty="0" smtClean="0">
+              <a:solidFill>
+                <a:srgbClr val="2F5CB5"/>
+              </a:solidFill>
+            </a:endParaRPr>
+          </a:p>
+          <a:p>
+            <a:pPr>
+              <a:lnSpc>
+                <a:spcPct val="80000"/>
+              </a:lnSpc>
+            </a:pPr>
+            <a:r>
+              <a:rPr lang="en-US" sz="2800" dirty="0" smtClean="0">
+                <a:solidFill>
+                  <a:srgbClr val="1E3272"/>
+                </a:solidFill>
+              </a:rPr>
+              <a:t>   </a:t>
+            </a:r>
+            <a:r>
+              <a:rPr lang="en-US" sz="2800" dirty="0" smtClean="0">
+                <a:solidFill>
+                  <a:srgbClr val="1E3272"/>
+                </a:solidFill>
+              </a:rPr>
+              <a:t> </a:t>
+            </a:r>
+            <a:r>
+              <a:rPr lang="en-US" sz="2800" dirty="0" err="1" smtClean="0">
+                <a:solidFill>
+                  <a:srgbClr val="2F5CB5"/>
+                </a:solidFill>
+              </a:rPr>
+              <a:t>mv</a:t>
+            </a:r>
+            <a:r>
+              <a:rPr lang="en-US" sz="2800" dirty="0" smtClean="0">
+                <a:solidFill>
+                  <a:srgbClr val="1E3272"/>
+                </a:solidFill>
+              </a:rPr>
+              <a:t>   </a:t>
+            </a:r>
+            <a:r>
+              <a:rPr lang="en-US" sz="2800" dirty="0" smtClean="0">
+                <a:solidFill>
+                  <a:srgbClr val="FF0000"/>
+                </a:solidFill>
+              </a:rPr>
+              <a:t>t1</a:t>
+            </a:r>
+            <a:r>
+              <a:rPr lang="en-US" sz="2800" dirty="0" smtClean="0">
+                <a:solidFill>
+                  <a:srgbClr val="1E3272"/>
+                </a:solidFill>
+              </a:rPr>
+              <a:t>, </a:t>
+            </a:r>
+            <a:r>
+              <a:rPr lang="en-US" sz="2800" dirty="0" smtClean="0">
+                <a:solidFill>
+                  <a:srgbClr val="FF0000"/>
+                </a:solidFill>
+              </a:rPr>
+              <a:t>a0</a:t>
+            </a:r>
+          </a:p>
+          <a:p>
+            <a:pPr>
+              <a:lnSpc>
+                <a:spcPct val="80000"/>
+              </a:lnSpc>
+            </a:pPr>
+            <a:r>
+              <a:rPr lang="en-US" sz="2800" dirty="0" smtClean="0">
+                <a:solidFill>
+                  <a:srgbClr val="1E3272"/>
+                </a:solidFill>
+              </a:rPr>
+              <a:t>   </a:t>
+            </a:r>
+            <a:r>
+              <a:rPr lang="en-US" sz="2800" dirty="0" smtClean="0">
+                <a:solidFill>
+                  <a:srgbClr val="1E3272"/>
+                </a:solidFill>
+              </a:rPr>
+              <a:t> </a:t>
+            </a:r>
+            <a:r>
+              <a:rPr lang="en-US" sz="2800" dirty="0" err="1" smtClean="0">
+                <a:solidFill>
+                  <a:srgbClr val="2F5CB5"/>
+                </a:solidFill>
+              </a:rPr>
+              <a:t>mv</a:t>
+            </a:r>
+            <a:r>
+              <a:rPr lang="en-US" sz="2800" dirty="0" smtClean="0">
+                <a:solidFill>
+                  <a:srgbClr val="1E3272"/>
+                </a:solidFill>
+              </a:rPr>
+              <a:t>   </a:t>
+            </a:r>
+            <a:r>
+              <a:rPr lang="en-US" sz="2800" dirty="0" smtClean="0">
+                <a:solidFill>
+                  <a:srgbClr val="FF0000"/>
+                </a:solidFill>
+              </a:rPr>
+              <a:t>t0</a:t>
+            </a:r>
+            <a:r>
+              <a:rPr lang="en-US" sz="2800" dirty="0" smtClean="0">
+                <a:solidFill>
+                  <a:srgbClr val="1E3272"/>
+                </a:solidFill>
+              </a:rPr>
+              <a:t>, </a:t>
+            </a:r>
+            <a:r>
+              <a:rPr lang="en-US" sz="2800" dirty="0" smtClean="0">
+                <a:solidFill>
+                  <a:srgbClr val="FF0000"/>
+                </a:solidFill>
+              </a:rPr>
+              <a:t>zero</a:t>
+            </a:r>
+          </a:p>
+          <a:p>
+            <a:pPr>
+              <a:lnSpc>
+                <a:spcPct val="80000"/>
+              </a:lnSpc>
+            </a:pPr>
+            <a:r>
+              <a:rPr lang="en-US" sz="2800" b="1" i="1" dirty="0" smtClean="0">
+                <a:solidFill>
+                  <a:srgbClr val="1E3272"/>
+                </a:solidFill>
+              </a:rPr>
+              <a:t>next:</a:t>
+            </a:r>
+          </a:p>
+          <a:p>
+            <a:pPr>
+              <a:lnSpc>
+                <a:spcPct val="80000"/>
+              </a:lnSpc>
+            </a:pPr>
+            <a:r>
+              <a:rPr lang="en-US" sz="2800" dirty="0" smtClean="0">
+                <a:solidFill>
+                  <a:srgbClr val="1E3272"/>
+                </a:solidFill>
+              </a:rPr>
+              <a:t>   </a:t>
+            </a:r>
+            <a:r>
+              <a:rPr lang="en-US" sz="2800" dirty="0" smtClean="0">
+                <a:solidFill>
+                  <a:srgbClr val="1E3272"/>
+                </a:solidFill>
+              </a:rPr>
+              <a:t> </a:t>
+            </a:r>
+            <a:r>
+              <a:rPr lang="en-US" sz="2800" dirty="0" err="1" smtClean="0">
+                <a:solidFill>
+                  <a:srgbClr val="2F5CB5"/>
+                </a:solidFill>
+              </a:rPr>
+              <a:t>beq</a:t>
+            </a:r>
+            <a:r>
+              <a:rPr lang="en-US" sz="2800" dirty="0" smtClean="0">
+                <a:solidFill>
+                  <a:srgbClr val="1E3272"/>
+                </a:solidFill>
+              </a:rPr>
+              <a:t>  </a:t>
+            </a:r>
+            <a:r>
+              <a:rPr lang="en-US" sz="2800" dirty="0" smtClean="0">
+                <a:solidFill>
+                  <a:srgbClr val="FF0000"/>
+                </a:solidFill>
+              </a:rPr>
+              <a:t>t0</a:t>
+            </a:r>
+            <a:r>
+              <a:rPr lang="en-US" sz="2800" dirty="0" smtClean="0">
+                <a:solidFill>
+                  <a:srgbClr val="1E3272"/>
+                </a:solidFill>
+              </a:rPr>
+              <a:t>, </a:t>
+            </a:r>
+            <a:r>
+              <a:rPr lang="en-US" sz="2800" dirty="0" smtClean="0">
+                <a:solidFill>
+                  <a:srgbClr val="FF0000"/>
+                </a:solidFill>
+              </a:rPr>
+              <a:t>t1</a:t>
+            </a:r>
+            <a:r>
+              <a:rPr lang="en-US" sz="2800" dirty="0" smtClean="0">
+                <a:solidFill>
+                  <a:srgbClr val="1E3272"/>
+                </a:solidFill>
+              </a:rPr>
+              <a:t>, </a:t>
+            </a:r>
+            <a:r>
+              <a:rPr lang="en-US" sz="2800" i="1" dirty="0" err="1" smtClean="0">
+                <a:solidFill>
+                  <a:srgbClr val="1E3272"/>
+                </a:solidFill>
+              </a:rPr>
+              <a:t>end_for</a:t>
+            </a:r>
+            <a:endParaRPr lang="en-US" sz="2800" i="1" dirty="0" smtClean="0">
+              <a:solidFill>
+                <a:srgbClr val="1E3272"/>
+              </a:solidFill>
+            </a:endParaRPr>
+          </a:p>
+          <a:p>
+            <a:pPr>
+              <a:lnSpc>
+                <a:spcPct val="80000"/>
+              </a:lnSpc>
+            </a:pPr>
+            <a:r>
+              <a:rPr lang="en-US" sz="2800" dirty="0" smtClean="0">
+                <a:solidFill>
+                  <a:srgbClr val="1E3272"/>
+                </a:solidFill>
+              </a:rPr>
+              <a:t>   </a:t>
+            </a:r>
+            <a:r>
+              <a:rPr lang="en-US" sz="2800" dirty="0" smtClean="0">
+                <a:solidFill>
+                  <a:srgbClr val="1E3272"/>
+                </a:solidFill>
+              </a:rPr>
+              <a:t> </a:t>
+            </a:r>
+            <a:r>
+              <a:rPr lang="en-US" sz="2800" dirty="0" err="1" smtClean="0">
+                <a:solidFill>
+                  <a:srgbClr val="2F5CB5"/>
+                </a:solidFill>
+              </a:rPr>
+              <a:t>mv</a:t>
+            </a:r>
+            <a:r>
+              <a:rPr lang="en-US" sz="2800" dirty="0" smtClean="0">
+                <a:solidFill>
+                  <a:srgbClr val="1E3272"/>
+                </a:solidFill>
+              </a:rPr>
+              <a:t>   </a:t>
+            </a:r>
+            <a:r>
+              <a:rPr lang="en-US" sz="2800" dirty="0" smtClean="0">
+                <a:solidFill>
+                  <a:srgbClr val="FF0000"/>
+                </a:solidFill>
+              </a:rPr>
+              <a:t>a0</a:t>
+            </a:r>
+            <a:r>
+              <a:rPr lang="en-US" sz="2800" dirty="0" smtClean="0">
+                <a:solidFill>
+                  <a:srgbClr val="1E3272"/>
+                </a:solidFill>
+              </a:rPr>
+              <a:t>, </a:t>
+            </a:r>
+            <a:r>
+              <a:rPr lang="en-US" sz="2800" dirty="0" smtClean="0">
+                <a:solidFill>
+                  <a:srgbClr val="FF0000"/>
+                </a:solidFill>
+              </a:rPr>
+              <a:t>t0</a:t>
+            </a:r>
+          </a:p>
+          <a:p>
+            <a:pPr>
+              <a:lnSpc>
+                <a:spcPct val="80000"/>
+              </a:lnSpc>
+            </a:pPr>
+            <a:r>
+              <a:rPr lang="en-US" sz="2800" dirty="0" smtClean="0">
+                <a:solidFill>
+                  <a:srgbClr val="1E3272"/>
+                </a:solidFill>
+              </a:rPr>
+              <a:t>   </a:t>
+            </a:r>
+            <a:r>
+              <a:rPr lang="en-US" sz="2800" dirty="0" smtClean="0">
+                <a:solidFill>
+                  <a:srgbClr val="1E3272"/>
+                </a:solidFill>
+              </a:rPr>
+              <a:t> </a:t>
+            </a:r>
+            <a:r>
+              <a:rPr lang="en-US" sz="2800" dirty="0" err="1" smtClean="0">
+                <a:solidFill>
+                  <a:srgbClr val="2F5CB5"/>
+                </a:solidFill>
+              </a:rPr>
+              <a:t>li</a:t>
+            </a:r>
+            <a:r>
+              <a:rPr lang="en-US" sz="2800" dirty="0" smtClean="0">
+                <a:solidFill>
+                  <a:srgbClr val="1E3272"/>
+                </a:solidFill>
+              </a:rPr>
+              <a:t>       </a:t>
+            </a:r>
+            <a:r>
+              <a:rPr lang="en-US" sz="2800" dirty="0" smtClean="0">
+                <a:solidFill>
+                  <a:srgbClr val="FF0000"/>
+                </a:solidFill>
+              </a:rPr>
+              <a:t>a7</a:t>
+            </a:r>
+            <a:r>
+              <a:rPr lang="en-US" sz="2800" dirty="0" smtClean="0">
+                <a:solidFill>
+                  <a:srgbClr val="1E3272"/>
+                </a:solidFill>
+              </a:rPr>
+              <a:t>, </a:t>
+            </a:r>
+            <a:r>
+              <a:rPr lang="en-US" sz="2800" dirty="0" smtClean="0">
+                <a:solidFill>
+                  <a:srgbClr val="2F5CB5"/>
+                </a:solidFill>
+              </a:rPr>
+              <a:t>1</a:t>
+            </a:r>
+          </a:p>
+          <a:p>
+            <a:pPr>
+              <a:lnSpc>
+                <a:spcPct val="80000"/>
+              </a:lnSpc>
+            </a:pPr>
+            <a:r>
+              <a:rPr lang="en-US" sz="2800" dirty="0" smtClean="0">
+                <a:solidFill>
+                  <a:srgbClr val="1E3272"/>
+                </a:solidFill>
+              </a:rPr>
+              <a:t>  </a:t>
+            </a:r>
+            <a:r>
+              <a:rPr lang="en-US" sz="2800" dirty="0" smtClean="0">
+                <a:solidFill>
+                  <a:srgbClr val="1E3272"/>
+                </a:solidFill>
+              </a:rPr>
+              <a:t>  </a:t>
+            </a:r>
+            <a:r>
+              <a:rPr lang="en-US" sz="2800" dirty="0" err="1" smtClean="0">
+                <a:solidFill>
+                  <a:srgbClr val="2F5CB5"/>
+                </a:solidFill>
+              </a:rPr>
+              <a:t>ecall</a:t>
+            </a:r>
+            <a:endParaRPr lang="en-US" sz="2800" dirty="0" smtClean="0">
+              <a:solidFill>
+                <a:srgbClr val="2F5CB5"/>
+              </a:solidFill>
+            </a:endParaRPr>
+          </a:p>
+          <a:p>
+            <a:pPr>
+              <a:lnSpc>
+                <a:spcPct val="80000"/>
+              </a:lnSpc>
+            </a:pPr>
+            <a:r>
+              <a:rPr lang="en-US" sz="2800" dirty="0" smtClean="0">
+                <a:solidFill>
+                  <a:srgbClr val="1E3272"/>
+                </a:solidFill>
+              </a:rPr>
+              <a:t>   </a:t>
+            </a:r>
+            <a:r>
+              <a:rPr lang="en-US" sz="2800" dirty="0" smtClean="0">
+                <a:solidFill>
+                  <a:srgbClr val="1E3272"/>
+                </a:solidFill>
+              </a:rPr>
+              <a:t> </a:t>
+            </a:r>
+            <a:r>
+              <a:rPr lang="en-US" sz="2800" dirty="0" err="1" smtClean="0">
+                <a:solidFill>
+                  <a:srgbClr val="2F5CB5"/>
+                </a:solidFill>
+              </a:rPr>
+              <a:t>li</a:t>
+            </a:r>
+            <a:r>
+              <a:rPr lang="en-US" sz="2800" dirty="0" smtClean="0">
+                <a:solidFill>
+                  <a:srgbClr val="1E3272"/>
+                </a:solidFill>
+              </a:rPr>
+              <a:t>       </a:t>
+            </a:r>
+            <a:r>
+              <a:rPr lang="en-US" sz="2800" dirty="0" smtClean="0">
+                <a:solidFill>
+                  <a:srgbClr val="FF0000"/>
+                </a:solidFill>
+              </a:rPr>
+              <a:t>a7</a:t>
+            </a:r>
+            <a:r>
+              <a:rPr lang="en-US" sz="2800" dirty="0" smtClean="0">
+                <a:solidFill>
+                  <a:srgbClr val="1E3272"/>
+                </a:solidFill>
+              </a:rPr>
+              <a:t>, </a:t>
+            </a:r>
+            <a:r>
+              <a:rPr lang="en-US" sz="2800" dirty="0" smtClean="0">
+                <a:solidFill>
+                  <a:srgbClr val="2F5CB5"/>
+                </a:solidFill>
+              </a:rPr>
+              <a:t>11</a:t>
+            </a:r>
+          </a:p>
+          <a:p>
+            <a:pPr>
+              <a:lnSpc>
+                <a:spcPct val="80000"/>
+              </a:lnSpc>
+            </a:pPr>
+            <a:r>
+              <a:rPr lang="en-US" sz="2800" dirty="0" smtClean="0">
+                <a:solidFill>
+                  <a:srgbClr val="1E3272"/>
+                </a:solidFill>
+              </a:rPr>
+              <a:t>   </a:t>
+            </a:r>
+            <a:r>
+              <a:rPr lang="en-US" sz="2800" dirty="0" smtClean="0">
+                <a:solidFill>
+                  <a:srgbClr val="1E3272"/>
+                </a:solidFill>
+              </a:rPr>
+              <a:t> </a:t>
+            </a:r>
+            <a:r>
+              <a:rPr lang="en-US" sz="2800" dirty="0" err="1" smtClean="0">
+                <a:solidFill>
+                  <a:srgbClr val="2F5CB5"/>
+                </a:solidFill>
+              </a:rPr>
+              <a:t>li</a:t>
+            </a:r>
+            <a:r>
+              <a:rPr lang="en-US" sz="2800" dirty="0" smtClean="0">
+                <a:solidFill>
+                  <a:srgbClr val="1E3272"/>
+                </a:solidFill>
+              </a:rPr>
+              <a:t>       </a:t>
+            </a:r>
+            <a:r>
+              <a:rPr lang="en-US" sz="2800" dirty="0" smtClean="0">
+                <a:solidFill>
+                  <a:srgbClr val="FF0000"/>
+                </a:solidFill>
+              </a:rPr>
+              <a:t>a0</a:t>
+            </a:r>
+            <a:r>
+              <a:rPr lang="en-US" sz="2800" dirty="0" smtClean="0">
+                <a:solidFill>
+                  <a:srgbClr val="1E3272"/>
+                </a:solidFill>
+              </a:rPr>
+              <a:t>, </a:t>
+            </a:r>
+            <a:r>
+              <a:rPr lang="en-US" sz="2800" dirty="0" smtClean="0">
+                <a:solidFill>
+                  <a:srgbClr val="00B050"/>
+                </a:solidFill>
+              </a:rPr>
+              <a:t>'\n'</a:t>
+            </a:r>
+          </a:p>
+          <a:p>
+            <a:pPr>
+              <a:lnSpc>
+                <a:spcPct val="80000"/>
+              </a:lnSpc>
+            </a:pPr>
+            <a:r>
+              <a:rPr lang="en-US" sz="2800" dirty="0" smtClean="0">
+                <a:solidFill>
+                  <a:srgbClr val="1E3272"/>
+                </a:solidFill>
+              </a:rPr>
+              <a:t>  </a:t>
+            </a:r>
+            <a:r>
+              <a:rPr lang="en-US" sz="2800" dirty="0" smtClean="0">
+                <a:solidFill>
+                  <a:srgbClr val="1E3272"/>
+                </a:solidFill>
+              </a:rPr>
+              <a:t>  </a:t>
+            </a:r>
+            <a:r>
+              <a:rPr lang="en-US" sz="2800" dirty="0" err="1" smtClean="0">
+                <a:solidFill>
+                  <a:srgbClr val="2F5CB5"/>
+                </a:solidFill>
+              </a:rPr>
+              <a:t>ecall</a:t>
+            </a:r>
+            <a:endParaRPr lang="en-US" sz="2800" dirty="0" smtClean="0">
+              <a:solidFill>
+                <a:srgbClr val="2F5CB5"/>
+              </a:solidFill>
+            </a:endParaRPr>
+          </a:p>
+          <a:p>
+            <a:pPr>
+              <a:lnSpc>
+                <a:spcPct val="80000"/>
+              </a:lnSpc>
+            </a:pPr>
+            <a:r>
+              <a:rPr lang="en-US" sz="2800" dirty="0" smtClean="0">
+                <a:solidFill>
+                  <a:srgbClr val="1E3272"/>
+                </a:solidFill>
+              </a:rPr>
+              <a:t>   </a:t>
+            </a:r>
+            <a:r>
+              <a:rPr lang="en-US" sz="2800" dirty="0" smtClean="0">
+                <a:solidFill>
+                  <a:srgbClr val="1E3272"/>
+                </a:solidFill>
+              </a:rPr>
+              <a:t> </a:t>
+            </a:r>
+            <a:r>
+              <a:rPr lang="en-US" sz="2800" dirty="0" err="1" smtClean="0">
+                <a:solidFill>
+                  <a:srgbClr val="2F5CB5"/>
+                </a:solidFill>
+              </a:rPr>
+              <a:t>addi</a:t>
+            </a:r>
+            <a:r>
+              <a:rPr lang="en-US" sz="2800" dirty="0" smtClean="0">
+                <a:solidFill>
+                  <a:srgbClr val="1E3272"/>
+                </a:solidFill>
+              </a:rPr>
+              <a:t> </a:t>
+            </a:r>
+            <a:r>
+              <a:rPr lang="en-US" sz="2800" dirty="0" smtClean="0">
+                <a:solidFill>
+                  <a:srgbClr val="FF0000"/>
+                </a:solidFill>
+              </a:rPr>
+              <a:t>t0</a:t>
+            </a:r>
+            <a:r>
+              <a:rPr lang="en-US" sz="2800" dirty="0" smtClean="0">
+                <a:solidFill>
+                  <a:srgbClr val="1E3272"/>
+                </a:solidFill>
+              </a:rPr>
+              <a:t>, </a:t>
+            </a:r>
+            <a:r>
+              <a:rPr lang="en-US" sz="2800" dirty="0" smtClean="0">
+                <a:solidFill>
+                  <a:srgbClr val="FF0000"/>
+                </a:solidFill>
+              </a:rPr>
+              <a:t>t0</a:t>
+            </a:r>
+            <a:r>
+              <a:rPr lang="en-US" sz="2800" dirty="0" smtClean="0">
+                <a:solidFill>
+                  <a:srgbClr val="1E3272"/>
+                </a:solidFill>
+              </a:rPr>
+              <a:t>, </a:t>
+            </a:r>
+            <a:r>
+              <a:rPr lang="en-US" sz="2800" dirty="0" smtClean="0">
+                <a:solidFill>
+                  <a:srgbClr val="2F5CB5"/>
+                </a:solidFill>
+              </a:rPr>
+              <a:t>1</a:t>
+            </a:r>
+          </a:p>
+          <a:p>
+            <a:pPr>
+              <a:lnSpc>
+                <a:spcPct val="80000"/>
+              </a:lnSpc>
+            </a:pPr>
+            <a:r>
+              <a:rPr lang="en-US" sz="2800" dirty="0" smtClean="0">
+                <a:solidFill>
+                  <a:srgbClr val="1E3272"/>
+                </a:solidFill>
+              </a:rPr>
+              <a:t>  </a:t>
+            </a:r>
+            <a:r>
+              <a:rPr lang="en-US" sz="2800" dirty="0" smtClean="0">
+                <a:solidFill>
+                  <a:srgbClr val="1E3272"/>
+                </a:solidFill>
+              </a:rPr>
+              <a:t>  </a:t>
+            </a:r>
+            <a:r>
+              <a:rPr lang="en-US" sz="2800" dirty="0" smtClean="0">
+                <a:solidFill>
+                  <a:srgbClr val="2F5CB5"/>
+                </a:solidFill>
+              </a:rPr>
+              <a:t>b</a:t>
+            </a:r>
+            <a:r>
+              <a:rPr lang="en-US" sz="2800" dirty="0" smtClean="0">
+                <a:solidFill>
+                  <a:srgbClr val="1E3272"/>
+                </a:solidFill>
+              </a:rPr>
+              <a:t>    </a:t>
+            </a:r>
+            <a:r>
+              <a:rPr lang="en-US" sz="2800" dirty="0" smtClean="0">
+                <a:solidFill>
+                  <a:srgbClr val="1E3272"/>
+                </a:solidFill>
+              </a:rPr>
+              <a:t>   </a:t>
+            </a:r>
+            <a:r>
+              <a:rPr lang="en-US" sz="2800" i="1" dirty="0" smtClean="0">
+                <a:solidFill>
+                  <a:srgbClr val="1E3272"/>
+                </a:solidFill>
+              </a:rPr>
+              <a:t>next</a:t>
+            </a:r>
+            <a:endParaRPr lang="en-US" sz="2800" i="1" dirty="0" smtClean="0">
+              <a:solidFill>
+                <a:srgbClr val="1E3272"/>
+              </a:solidFill>
+            </a:endParaRPr>
+          </a:p>
+          <a:p>
+            <a:pPr>
+              <a:lnSpc>
+                <a:spcPct val="80000"/>
+              </a:lnSpc>
+            </a:pPr>
+            <a:r>
+              <a:rPr lang="en-US" sz="2800" b="1" i="1" dirty="0" err="1" smtClean="0">
+                <a:solidFill>
+                  <a:srgbClr val="1E3272"/>
+                </a:solidFill>
+              </a:rPr>
+              <a:t>end_for</a:t>
+            </a:r>
+            <a:r>
+              <a:rPr lang="en-US" sz="2800" b="1" i="1" dirty="0" smtClean="0">
+                <a:solidFill>
+                  <a:srgbClr val="1E3272"/>
+                </a:solidFill>
+              </a:rPr>
+              <a:t>:</a:t>
+            </a:r>
+          </a:p>
+        </p:txBody>
+      </p:sp>
+      <p:cxnSp>
+        <p:nvCxnSpPr>
+          <p:cNvPr id="7" name="Прямая со стрелкой 6"/>
+          <p:cNvCxnSpPr/>
+          <p:nvPr/>
+        </p:nvCxnSpPr>
+        <p:spPr>
+          <a:xfrm>
+            <a:off x="5159837" y="3722918"/>
+            <a:ext cx="2416623" cy="13063"/>
+          </a:xfrm>
+          <a:prstGeom prst="straightConnector1">
+            <a:avLst/>
+          </a:prstGeom>
+          <a:ln w="38100">
+            <a:solidFill>
+              <a:srgbClr val="F7B217"/>
+            </a:solidFill>
+            <a:tailEnd type="triangle" w="lg" len="lg"/>
+          </a:ln>
+        </p:spPr>
+        <p:style>
+          <a:lnRef idx="1">
+            <a:schemeClr val="accent1"/>
+          </a:lnRef>
+          <a:fillRef idx="0">
+            <a:schemeClr val="accent1"/>
+          </a:fillRef>
+          <a:effectRef idx="0">
+            <a:schemeClr val="accent1"/>
+          </a:effectRef>
+          <a:fontRef idx="minor">
+            <a:schemeClr val="tx1"/>
+          </a:fontRef>
+        </p:style>
+      </p:cxnSp>
+    </p:spTree>
+  </p:cSld>
+  <p:clrMapOvr>
+    <a:masterClrMapping/>
+  </p:clrMapOvr>
+</p:sld>
+</file>
+
+<file path=ppt/slides/slide12.xml><?xml version="1.0" encoding="utf-8"?>
+<p:sld xmlns:a="http://schemas.openxmlformats.org/drawingml/2006/main" xmlns:r="http://schemas.openxmlformats.org/officeDocument/2006/relationships" xmlns:p="http://schemas.openxmlformats.org/presentationml/2006/main">
+  <p:cSld>
+    <p:spTree>
+      <p:nvGrpSpPr>
+        <p:cNvPr id="1" name=""/>
+        <p:cNvGrpSpPr/>
+        <p:nvPr/>
+      </p:nvGrpSpPr>
+      <p:grpSpPr>
+        <a:xfrm>
+          <a:off x="0" y="0"/>
+          <a:ext cx="0" cy="0"/>
+          <a:chOff x="0" y="0"/>
+          <a:chExt cx="0" cy="0"/>
+        </a:xfrm>
+      </p:grpSpPr>
+      <p:sp>
+        <p:nvSpPr>
+          <p:cNvPr id="4" name="Прямоугольник 3"/>
+          <p:cNvSpPr/>
+          <p:nvPr/>
+        </p:nvSpPr>
+        <p:spPr>
+          <a:xfrm>
+            <a:off x="2664999" y="472120"/>
+            <a:ext cx="7524751" cy="5262979"/>
+          </a:xfrm>
+          <a:prstGeom prst="rect">
+            <a:avLst/>
+          </a:prstGeom>
+          <a:noFill/>
+          <a:ln>
+            <a:noFill/>
+          </a:ln>
+          <a:scene3d>
+            <a:camera prst="perspectiveRelaxed"/>
+            <a:lightRig rig="threePt" dir="t"/>
+          </a:scene3d>
+        </p:spPr>
+        <p:txBody>
+          <a:bodyPr wrap="square" lIns="91440" tIns="45720" rIns="91440" bIns="45720">
+            <a:spAutoFit/>
+          </a:bodyPr>
+          <a:lstStyle/>
+          <a:p>
+            <a:r>
+              <a:rPr lang="en-US" sz="2400" dirty="0" smtClean="0">
+                <a:ln w="0"/>
+                <a:solidFill>
+                  <a:srgbClr val="273272"/>
+                </a:solidFill>
+                <a:effectLst>
+                  <a:reflection blurRad="6350" stA="53000" endA="300" endPos="35500" dir="5400000" sy="-90000" algn="bl" rotWithShape="0"/>
+                </a:effectLst>
+                <a:latin typeface="Courier New" pitchFamily="49" charset="0"/>
+                <a:cs typeface="Courier New" pitchFamily="49" charset="0"/>
+              </a:rPr>
+              <a:t>		</a:t>
+            </a:r>
+          </a:p>
+          <a:p>
+            <a:r>
+              <a:rPr lang="en-US" sz="2400" dirty="0" smtClean="0">
+                <a:ln w="0"/>
+                <a:solidFill>
+                  <a:srgbClr val="273272"/>
+                </a:solidFill>
+                <a:effectLst>
+                  <a:reflection blurRad="6350" stA="53000" endA="300" endPos="35500" dir="5400000" sy="-90000" algn="bl" rotWithShape="0"/>
+                </a:effectLst>
+                <a:latin typeface="Courier New" pitchFamily="49" charset="0"/>
+                <a:cs typeface="Courier New" pitchFamily="49" charset="0"/>
+              </a:rPr>
+              <a:t>		.text</a:t>
+            </a:r>
+          </a:p>
+          <a:p>
+            <a:r>
+              <a:rPr lang="en-US" sz="2400" dirty="0" smtClean="0">
+                <a:ln w="0"/>
+                <a:solidFill>
+                  <a:srgbClr val="273272"/>
+                </a:solidFill>
+                <a:effectLst>
+                  <a:reflection blurRad="6350" stA="53000" endA="300" endPos="35500" dir="5400000" sy="-90000" algn="bl" rotWithShape="0"/>
+                </a:effectLst>
+                <a:latin typeface="Courier New" pitchFamily="49" charset="0"/>
+                <a:cs typeface="Courier New" pitchFamily="49" charset="0"/>
+              </a:rPr>
+              <a:t>__start:	addi t1, zero, 0x18</a:t>
+            </a:r>
+          </a:p>
+          <a:p>
+            <a:r>
+              <a:rPr lang="en-US" sz="2400" dirty="0" smtClean="0">
+                <a:ln w="0"/>
+                <a:solidFill>
+                  <a:srgbClr val="273272"/>
+                </a:solidFill>
+                <a:effectLst>
+                  <a:reflection blurRad="6350" stA="53000" endA="300" endPos="35500" dir="5400000" sy="-90000" algn="bl" rotWithShape="0"/>
+                </a:effectLst>
+                <a:latin typeface="Courier New" pitchFamily="49" charset="0"/>
+                <a:cs typeface="Courier New" pitchFamily="49" charset="0"/>
+              </a:rPr>
+              <a:t>		addi t2, zero, 0x21</a:t>
+            </a:r>
+          </a:p>
+          <a:p>
+            <a:r>
+              <a:rPr lang="en-US" sz="2400" dirty="0" smtClean="0">
+                <a:ln w="0"/>
+                <a:solidFill>
+                  <a:srgbClr val="273272"/>
+                </a:solidFill>
+                <a:effectLst>
+                  <a:reflection blurRad="6350" stA="53000" endA="300" endPos="35500" dir="5400000" sy="-90000" algn="bl" rotWithShape="0"/>
+                </a:effectLst>
+                <a:latin typeface="Courier New" pitchFamily="49" charset="0"/>
+                <a:cs typeface="Courier New" pitchFamily="49" charset="0"/>
+              </a:rPr>
+              <a:t>cycle:	</a:t>
+            </a:r>
+            <a:r>
+              <a:rPr lang="en-US" sz="2400" dirty="0" err="1" smtClean="0">
+                <a:ln w="0"/>
+                <a:solidFill>
+                  <a:srgbClr val="273272"/>
+                </a:solidFill>
+                <a:effectLst>
+                  <a:reflection blurRad="6350" stA="53000" endA="300" endPos="35500" dir="5400000" sy="-90000" algn="bl" rotWithShape="0"/>
+                </a:effectLst>
+                <a:latin typeface="Courier New" pitchFamily="49" charset="0"/>
+                <a:cs typeface="Courier New" pitchFamily="49" charset="0"/>
+              </a:rPr>
+              <a:t>beq</a:t>
+            </a:r>
+            <a:r>
+              <a:rPr lang="en-US" sz="2400" dirty="0" smtClean="0">
+                <a:ln w="0"/>
+                <a:solidFill>
+                  <a:srgbClr val="273272"/>
+                </a:solidFill>
+                <a:effectLst>
+                  <a:reflection blurRad="6350" stA="53000" endA="300" endPos="35500" dir="5400000" sy="-90000" algn="bl" rotWithShape="0"/>
+                </a:effectLst>
+                <a:latin typeface="Courier New" pitchFamily="49" charset="0"/>
+                <a:cs typeface="Courier New" pitchFamily="49" charset="0"/>
+              </a:rPr>
+              <a:t> t1, t2, done</a:t>
+            </a:r>
+          </a:p>
+          <a:p>
+            <a:r>
+              <a:rPr lang="en-US" sz="2400" dirty="0" smtClean="0">
+                <a:ln w="0"/>
+                <a:solidFill>
+                  <a:srgbClr val="273272"/>
+                </a:solidFill>
+                <a:effectLst>
+                  <a:reflection blurRad="6350" stA="53000" endA="300" endPos="35500" dir="5400000" sy="-90000" algn="bl" rotWithShape="0"/>
+                </a:effectLst>
+                <a:latin typeface="Courier New" pitchFamily="49" charset="0"/>
+                <a:cs typeface="Courier New" pitchFamily="49" charset="0"/>
+              </a:rPr>
+              <a:t>		</a:t>
+            </a:r>
+            <a:r>
+              <a:rPr lang="en-US" sz="2400" dirty="0" err="1" smtClean="0">
+                <a:ln w="0"/>
+                <a:solidFill>
+                  <a:srgbClr val="273272"/>
+                </a:solidFill>
+                <a:effectLst>
+                  <a:reflection blurRad="6350" stA="53000" endA="300" endPos="35500" dir="5400000" sy="-90000" algn="bl" rotWithShape="0"/>
+                </a:effectLst>
+                <a:latin typeface="Courier New" pitchFamily="49" charset="0"/>
+                <a:cs typeface="Courier New" pitchFamily="49" charset="0"/>
+              </a:rPr>
+              <a:t>slt</a:t>
+            </a:r>
+            <a:r>
+              <a:rPr lang="en-US" sz="2400" dirty="0" smtClean="0">
+                <a:ln w="0"/>
+                <a:solidFill>
+                  <a:srgbClr val="273272"/>
+                </a:solidFill>
+                <a:effectLst>
+                  <a:reflection blurRad="6350" stA="53000" endA="300" endPos="35500" dir="5400000" sy="-90000" algn="bl" rotWithShape="0"/>
+                </a:effectLst>
+                <a:latin typeface="Courier New" pitchFamily="49" charset="0"/>
+                <a:cs typeface="Courier New" pitchFamily="49" charset="0"/>
+              </a:rPr>
+              <a:t> t0, t1, t2</a:t>
+            </a:r>
+          </a:p>
+          <a:p>
+            <a:r>
+              <a:rPr lang="en-US" sz="2400" dirty="0" smtClean="0">
+                <a:ln w="0"/>
+                <a:solidFill>
+                  <a:srgbClr val="273272"/>
+                </a:solidFill>
+                <a:effectLst>
+                  <a:reflection blurRad="6350" stA="53000" endA="300" endPos="35500" dir="5400000" sy="-90000" algn="bl" rotWithShape="0"/>
+                </a:effectLst>
+                <a:latin typeface="Courier New" pitchFamily="49" charset="0"/>
+                <a:cs typeface="Courier New" pitchFamily="49" charset="0"/>
+              </a:rPr>
+              <a:t>		</a:t>
+            </a:r>
+            <a:r>
+              <a:rPr lang="en-US" sz="2400" dirty="0" err="1" smtClean="0">
+                <a:ln w="0"/>
+                <a:solidFill>
+                  <a:srgbClr val="273272"/>
+                </a:solidFill>
+                <a:effectLst>
+                  <a:reflection blurRad="6350" stA="53000" endA="300" endPos="35500" dir="5400000" sy="-90000" algn="bl" rotWithShape="0"/>
+                </a:effectLst>
+                <a:latin typeface="Courier New" pitchFamily="49" charset="0"/>
+                <a:cs typeface="Courier New" pitchFamily="49" charset="0"/>
+              </a:rPr>
+              <a:t>bne</a:t>
+            </a:r>
+            <a:r>
+              <a:rPr lang="en-US" sz="2400" dirty="0" smtClean="0">
+                <a:ln w="0"/>
+                <a:solidFill>
+                  <a:srgbClr val="273272"/>
+                </a:solidFill>
+                <a:effectLst>
+                  <a:reflection blurRad="6350" stA="53000" endA="300" endPos="35500" dir="5400000" sy="-90000" algn="bl" rotWithShape="0"/>
+                </a:effectLst>
+                <a:latin typeface="Courier New" pitchFamily="49" charset="0"/>
+                <a:cs typeface="Courier New" pitchFamily="49" charset="0"/>
+              </a:rPr>
+              <a:t> t0, zero, </a:t>
+            </a:r>
+            <a:r>
+              <a:rPr lang="en-US" sz="2400" dirty="0" err="1" smtClean="0">
+                <a:ln w="0"/>
+                <a:solidFill>
+                  <a:srgbClr val="273272"/>
+                </a:solidFill>
+                <a:effectLst>
+                  <a:reflection blurRad="6350" stA="53000" endA="300" endPos="35500" dir="5400000" sy="-90000" algn="bl" rotWithShape="0"/>
+                </a:effectLst>
+                <a:latin typeface="Courier New" pitchFamily="49" charset="0"/>
+                <a:cs typeface="Courier New" pitchFamily="49" charset="0"/>
+              </a:rPr>
+              <a:t>if_less</a:t>
+            </a:r>
+            <a:endParaRPr lang="en-US" sz="2400" dirty="0" smtClean="0">
+              <a:ln w="0"/>
+              <a:solidFill>
+                <a:srgbClr val="273272"/>
+              </a:solidFill>
+              <a:effectLst>
+                <a:reflection blurRad="6350" stA="53000" endA="300" endPos="35500" dir="5400000" sy="-90000" algn="bl" rotWithShape="0"/>
+              </a:effectLst>
+              <a:latin typeface="Courier New" pitchFamily="49" charset="0"/>
+              <a:cs typeface="Courier New" pitchFamily="49" charset="0"/>
+            </a:endParaRPr>
+          </a:p>
+          <a:p>
+            <a:r>
+              <a:rPr lang="en-US" sz="2400" dirty="0" smtClean="0">
+                <a:ln w="0"/>
+                <a:solidFill>
+                  <a:srgbClr val="273272"/>
+                </a:solidFill>
+                <a:effectLst>
+                  <a:reflection blurRad="6350" stA="53000" endA="300" endPos="35500" dir="5400000" sy="-90000" algn="bl" rotWithShape="0"/>
+                </a:effectLst>
+                <a:latin typeface="Courier New" pitchFamily="49" charset="0"/>
+                <a:cs typeface="Courier New" pitchFamily="49" charset="0"/>
+              </a:rPr>
+              <a:t>		</a:t>
+            </a:r>
+            <a:r>
+              <a:rPr lang="en-US" sz="2400" dirty="0" err="1" smtClean="0">
+                <a:ln w="0"/>
+                <a:solidFill>
+                  <a:srgbClr val="273272"/>
+                </a:solidFill>
+                <a:effectLst>
+                  <a:reflection blurRad="6350" stA="53000" endA="300" endPos="35500" dir="5400000" sy="-90000" algn="bl" rotWithShape="0"/>
+                </a:effectLst>
+                <a:latin typeface="Courier New" pitchFamily="49" charset="0"/>
+                <a:cs typeface="Courier New" pitchFamily="49" charset="0"/>
+              </a:rPr>
+              <a:t>nop</a:t>
+            </a:r>
+            <a:endParaRPr lang="en-US" sz="2400" dirty="0" smtClean="0">
+              <a:ln w="0"/>
+              <a:solidFill>
+                <a:srgbClr val="273272"/>
+              </a:solidFill>
+              <a:effectLst>
+                <a:reflection blurRad="6350" stA="53000" endA="300" endPos="35500" dir="5400000" sy="-90000" algn="bl" rotWithShape="0"/>
+              </a:effectLst>
+              <a:latin typeface="Courier New" pitchFamily="49" charset="0"/>
+              <a:cs typeface="Courier New" pitchFamily="49" charset="0"/>
+            </a:endParaRPr>
+          </a:p>
+          <a:p>
+            <a:r>
+              <a:rPr lang="en-US" sz="2400" dirty="0" smtClean="0">
+                <a:ln w="0"/>
+                <a:solidFill>
+                  <a:srgbClr val="273272"/>
+                </a:solidFill>
+                <a:effectLst>
+                  <a:reflection blurRad="6350" stA="53000" endA="300" endPos="35500" dir="5400000" sy="-90000" algn="bl" rotWithShape="0"/>
+                </a:effectLst>
+                <a:latin typeface="Courier New" pitchFamily="49" charset="0"/>
+                <a:cs typeface="Courier New" pitchFamily="49" charset="0"/>
+              </a:rPr>
+              <a:t>		sub t1, t1, t2</a:t>
+            </a:r>
+          </a:p>
+          <a:p>
+            <a:r>
+              <a:rPr lang="en-US" sz="2400" dirty="0" smtClean="0">
+                <a:ln w="0"/>
+                <a:solidFill>
+                  <a:srgbClr val="273272"/>
+                </a:solidFill>
+                <a:effectLst>
+                  <a:reflection blurRad="6350" stA="53000" endA="300" endPos="35500" dir="5400000" sy="-90000" algn="bl" rotWithShape="0"/>
+                </a:effectLst>
+                <a:latin typeface="Courier New" pitchFamily="49" charset="0"/>
+                <a:cs typeface="Courier New" pitchFamily="49" charset="0"/>
+              </a:rPr>
+              <a:t>		j cycle</a:t>
+            </a:r>
+          </a:p>
+          <a:p>
+            <a:r>
+              <a:rPr lang="en-US" sz="2400" dirty="0" smtClean="0">
+                <a:ln w="0"/>
+                <a:solidFill>
+                  <a:srgbClr val="273272"/>
+                </a:solidFill>
+                <a:effectLst>
+                  <a:reflection blurRad="6350" stA="53000" endA="300" endPos="35500" dir="5400000" sy="-90000" algn="bl" rotWithShape="0"/>
+                </a:effectLst>
+                <a:latin typeface="Courier New" pitchFamily="49" charset="0"/>
+                <a:cs typeface="Courier New" pitchFamily="49" charset="0"/>
+              </a:rPr>
+              <a:t>		</a:t>
+            </a:r>
+            <a:r>
+              <a:rPr lang="en-US" sz="2400" dirty="0" err="1" smtClean="0">
+                <a:ln w="0"/>
+                <a:solidFill>
+                  <a:srgbClr val="273272"/>
+                </a:solidFill>
+                <a:effectLst>
+                  <a:reflection blurRad="6350" stA="53000" endA="300" endPos="35500" dir="5400000" sy="-90000" algn="bl" rotWithShape="0"/>
+                </a:effectLst>
+                <a:latin typeface="Courier New" pitchFamily="49" charset="0"/>
+                <a:cs typeface="Courier New" pitchFamily="49" charset="0"/>
+              </a:rPr>
+              <a:t>nop</a:t>
+            </a:r>
+            <a:endParaRPr lang="en-US" sz="2400" dirty="0" smtClean="0">
+              <a:ln w="0"/>
+              <a:solidFill>
+                <a:srgbClr val="273272"/>
+              </a:solidFill>
+              <a:effectLst>
+                <a:reflection blurRad="6350" stA="53000" endA="300" endPos="35500" dir="5400000" sy="-90000" algn="bl" rotWithShape="0"/>
+              </a:effectLst>
+              <a:latin typeface="Courier New" pitchFamily="49" charset="0"/>
+              <a:cs typeface="Courier New" pitchFamily="49" charset="0"/>
+            </a:endParaRPr>
+          </a:p>
+          <a:p>
+            <a:r>
+              <a:rPr lang="en-US" sz="2400" dirty="0" err="1" smtClean="0">
+                <a:ln w="0"/>
+                <a:solidFill>
+                  <a:srgbClr val="273272"/>
+                </a:solidFill>
+                <a:effectLst>
+                  <a:reflection blurRad="6350" stA="53000" endA="300" endPos="35500" dir="5400000" sy="-90000" algn="bl" rotWithShape="0"/>
+                </a:effectLst>
+                <a:latin typeface="Courier New" pitchFamily="49" charset="0"/>
+                <a:cs typeface="Courier New" pitchFamily="49" charset="0"/>
+              </a:rPr>
+              <a:t>if_less</a:t>
+            </a:r>
+            <a:r>
+              <a:rPr lang="en-US" sz="2400" dirty="0" smtClean="0">
+                <a:ln w="0"/>
+                <a:solidFill>
+                  <a:srgbClr val="273272"/>
+                </a:solidFill>
+                <a:effectLst>
+                  <a:reflection blurRad="6350" stA="53000" endA="300" endPos="35500" dir="5400000" sy="-90000" algn="bl" rotWithShape="0"/>
+                </a:effectLst>
+                <a:latin typeface="Courier New" pitchFamily="49" charset="0"/>
+                <a:cs typeface="Courier New" pitchFamily="49" charset="0"/>
+              </a:rPr>
+              <a:t>:	sub t2, t2, t1</a:t>
+            </a:r>
+          </a:p>
+          <a:p>
+            <a:r>
+              <a:rPr lang="en-US" sz="2400" dirty="0" smtClean="0">
+                <a:ln w="0"/>
+                <a:solidFill>
+                  <a:srgbClr val="273272"/>
+                </a:solidFill>
+                <a:effectLst>
+                  <a:reflection blurRad="6350" stA="53000" endA="300" endPos="35500" dir="5400000" sy="-90000" algn="bl" rotWithShape="0"/>
+                </a:effectLst>
+                <a:latin typeface="Courier New" pitchFamily="49" charset="0"/>
+                <a:cs typeface="Courier New" pitchFamily="49" charset="0"/>
+              </a:rPr>
+              <a:t>		j cycle</a:t>
+            </a:r>
+          </a:p>
+          <a:p>
+            <a:r>
+              <a:rPr lang="en-US" sz="2400" dirty="0" smtClean="0">
+                <a:ln w="0"/>
+                <a:solidFill>
+                  <a:srgbClr val="273272"/>
+                </a:solidFill>
+                <a:effectLst>
+                  <a:reflection blurRad="6350" stA="53000" endA="300" endPos="35500" dir="5400000" sy="-90000" algn="bl" rotWithShape="0"/>
+                </a:effectLst>
+                <a:latin typeface="Courier New" pitchFamily="49" charset="0"/>
+                <a:cs typeface="Courier New" pitchFamily="49" charset="0"/>
+              </a:rPr>
+              <a:t>done:		add t3, t1, zero</a:t>
+            </a:r>
+            <a:endParaRPr lang="ru-RU" sz="2400" b="0" cap="none" spc="0" dirty="0">
+              <a:ln w="0"/>
+              <a:solidFill>
+                <a:srgbClr val="273272"/>
+              </a:solidFill>
+              <a:effectLst>
+                <a:reflection blurRad="6350" stA="53000" endA="300" endPos="35500" dir="5400000" sy="-90000" algn="bl" rotWithShape="0"/>
+              </a:effectLst>
+              <a:latin typeface="Courier New" pitchFamily="49" charset="0"/>
+              <a:cs typeface="Courier New" pitchFamily="49" charset="0"/>
+            </a:endParaRPr>
+          </a:p>
+        </p:txBody>
+      </p:sp>
+      <p:sp>
+        <p:nvSpPr>
+          <p:cNvPr id="2" name="Заголовок 1"/>
+          <p:cNvSpPr>
+            <a:spLocks noGrp="1"/>
+          </p:cNvSpPr>
+          <p:nvPr>
+            <p:ph type="title"/>
+          </p:nvPr>
+        </p:nvSpPr>
+        <p:spPr/>
+        <p:txBody>
+          <a:bodyPr>
+            <a:normAutofit/>
+          </a:bodyPr>
+          <a:lstStyle/>
+          <a:p>
+            <a:r>
+              <a:rPr lang="en-US" dirty="0" smtClean="0"/>
+              <a:t>Any Questions?</a:t>
+            </a:r>
+            <a:endParaRPr lang="ru-RU" sz="4000" dirty="0"/>
+          </a:p>
+        </p:txBody>
+      </p:sp>
+      <p:sp>
+        <p:nvSpPr>
+          <p:cNvPr id="6" name="Номер слайда 5"/>
+          <p:cNvSpPr>
+            <a:spLocks noGrp="1"/>
+          </p:cNvSpPr>
+          <p:nvPr>
+            <p:ph type="sldNum" sz="quarter" idx="12"/>
+          </p:nvPr>
+        </p:nvSpPr>
+        <p:spPr/>
+        <p:txBody>
+          <a:bodyPr/>
+          <a:lstStyle/>
+          <a:p>
+            <a:pPr algn="ctr"/>
+            <a:fld id="{1397BFD8-F312-4EF2-A268-44FB4BDDBBB0}" type="slidenum">
+              <a:rPr lang="ru-RU" smtClean="0"/>
+              <a:pPr algn="ctr"/>
+              <a:t>12</a:t>
+            </a:fld>
+            <a:endParaRPr lang="ru-RU" dirty="0"/>
+          </a:p>
+        </p:txBody>
+      </p:sp>
+    </p:spTree>
+    <p:extLst>
+      <p:ext uri="{BB962C8B-B14F-4D97-AF65-F5344CB8AC3E}">
+        <p14:creationId xmlns:p14="http://schemas.microsoft.com/office/powerpoint/2010/main" xmlns="" val="4217875043"/>
       </p:ext>
     </p:extLst>
   </p:cSld>
@@ -5390,7 +7963,7 @@
           <p:nvPr/>
         </p:nvPicPr>
         <p:blipFill>
-          <a:blip r:embed="rId2"/>
+          <a:blip r:embed="rId2" cstate="print"/>
           <a:stretch>
             <a:fillRect/>
           </a:stretch>
@@ -5408,13 +7981,20 @@
     </p:spTree>
     <p:extLst>
       <p:ext uri="{BB962C8B-B14F-4D97-AF65-F5344CB8AC3E}">
-        <p14:creationId xmlns:p14="http://schemas.microsoft.com/office/powerpoint/2010/main" val="2794061502"/>
+        <p14:creationId xmlns:p14="http://schemas.microsoft.com/office/powerpoint/2010/main" xmlns="" val="2794061502"/>
       </p:ext>
     </p:extLst>
   </p:cSld>
   <p:clrMapOvr>
     <a:masterClrMapping/>
   </p:clrMapOvr>
+  <p:timing>
+    <p:tnLst>
+      <p:par>
+        <p:cTn id="1" dur="indefinite" restart="never" nodeType="tmRoot"/>
+      </p:par>
+    </p:tnLst>
+  </p:timing>
 </p:sld>
 </file>
 
@@ -5549,13 +8129,20 @@
     </p:spTree>
     <p:extLst>
       <p:ext uri="{BB962C8B-B14F-4D97-AF65-F5344CB8AC3E}">
-        <p14:creationId xmlns:p14="http://schemas.microsoft.com/office/powerpoint/2010/main" val="1679566440"/>
+        <p14:creationId xmlns:p14="http://schemas.microsoft.com/office/powerpoint/2010/main" xmlns="" val="1679566440"/>
       </p:ext>
     </p:extLst>
   </p:cSld>
   <p:clrMapOvr>
     <a:masterClrMapping/>
   </p:clrMapOvr>
+  <p:timing>
+    <p:tnLst>
+      <p:par>
+        <p:cTn id="1" dur="indefinite" restart="never" nodeType="tmRoot"/>
+      </p:par>
+    </p:tnLst>
+  </p:timing>
 </p:sld>
 </file>
 
@@ -5625,7 +8212,19 @@
             </a:pPr>
             <a:r>
               <a:rPr lang="en-US" dirty="0" smtClean="0"/>
-              <a:t>When an instruction is executed, the PC is incremented by the size of the instruction (4 bytes) to point to the next instruction.</a:t>
+              <a:t>When an instruction is executed, the </a:t>
+            </a:r>
+            <a:r>
+              <a:rPr lang="en-US" b="1" dirty="0" smtClean="0">
+                <a:solidFill>
+                  <a:srgbClr val="F7B217"/>
+                </a:solidFill>
+              </a:rPr>
+              <a:t>PC</a:t>
+            </a:r>
+            <a:r>
+              <a:rPr lang="en-US" dirty="0" smtClean="0"/>
+              <a:t> is incremented by the size of the instruction (4 bytes) to point to the next instruction.</a:t>
             </a:r>
           </a:p>
           <a:p>
@@ -5639,7 +8238,19 @@
             </a:pPr>
             <a:r>
               <a:rPr lang="en-US" dirty="0" smtClean="0"/>
-              <a:t>Branch and jump instructions assign to the PC new addresses to change the control flow.</a:t>
+              <a:t>Branch and jump instructions assign to the </a:t>
+            </a:r>
+            <a:r>
+              <a:rPr lang="en-US" b="1" dirty="0" smtClean="0">
+                <a:solidFill>
+                  <a:srgbClr val="F7B217"/>
+                </a:solidFill>
+              </a:rPr>
+              <a:t>PC</a:t>
+            </a:r>
+            <a:r>
+              <a:rPr lang="en-US" dirty="0" smtClean="0"/>
+              <a:t> new addresses to change the control flow.</a:t>
             </a:r>
           </a:p>
           <a:p>
@@ -5653,7 +8264,19 @@
             </a:pPr>
             <a:r>
               <a:rPr lang="en-US" dirty="0" smtClean="0"/>
-              <a:t>Branch instructions use PC-relative addresses (increment or decrement current value by an offset). </a:t>
+              <a:t>Branch instructions use </a:t>
+            </a:r>
+            <a:r>
+              <a:rPr lang="en-US" b="1" dirty="0" smtClean="0">
+                <a:solidFill>
+                  <a:srgbClr val="F7B217"/>
+                </a:solidFill>
+              </a:rPr>
+              <a:t>PC</a:t>
+            </a:r>
+            <a:r>
+              <a:rPr lang="en-US" dirty="0" smtClean="0"/>
+              <a:t>-relative addresses (increment or decrement current value by an offset). </a:t>
             </a:r>
             <a:endParaRPr lang="en-US" dirty="0"/>
           </a:p>
@@ -5710,13 +8333,20 @@
     </p:spTree>
     <p:extLst>
       <p:ext uri="{BB962C8B-B14F-4D97-AF65-F5344CB8AC3E}">
-        <p14:creationId xmlns:p14="http://schemas.microsoft.com/office/powerpoint/2010/main" val="1942338915"/>
+        <p14:creationId xmlns:p14="http://schemas.microsoft.com/office/powerpoint/2010/main" xmlns="" val="1942338915"/>
       </p:ext>
     </p:extLst>
   </p:cSld>
   <p:clrMapOvr>
     <a:masterClrMapping/>
   </p:clrMapOvr>
+  <p:timing>
+    <p:tnLst>
+      <p:par>
+        <p:cTn id="1" dur="indefinite" restart="never" nodeType="tmRoot"/>
+      </p:par>
+    </p:tnLst>
+  </p:timing>
 </p:sld>
 </file>
 
@@ -6192,13 +8822,20 @@
     </p:spTree>
     <p:extLst>
       <p:ext uri="{BB962C8B-B14F-4D97-AF65-F5344CB8AC3E}">
-        <p14:creationId xmlns:p14="http://schemas.microsoft.com/office/powerpoint/2010/main" val="499975193"/>
+        <p14:creationId xmlns:p14="http://schemas.microsoft.com/office/powerpoint/2010/main" xmlns="" val="499975193"/>
       </p:ext>
     </p:extLst>
   </p:cSld>
   <p:clrMapOvr>
     <a:masterClrMapping/>
   </p:clrMapOvr>
+  <p:timing>
+    <p:tnLst>
+      <p:par>
+        <p:cTn id="1" dur="indefinite" restart="never" nodeType="tmRoot"/>
+      </p:par>
+    </p:tnLst>
+  </p:timing>
 </p:sld>
 </file>
 
@@ -6283,7 +8920,11 @@
             </a:r>
             <a:r>
               <a:rPr lang="en-US" sz="5800" dirty="0" smtClean="0"/>
-              <a:t>         </a:t>
+              <a:t>     </a:t>
+            </a:r>
+            <a:r>
+              <a:rPr lang="en-US" sz="5800" dirty="0" smtClean="0"/>
+              <a:t>   </a:t>
             </a:r>
             <a:r>
               <a:rPr lang="en-US" sz="5800" i="1" dirty="0"/>
@@ -6545,11 +9186,7 @@
             </a:r>
             <a:r>
               <a:rPr lang="en-US" sz="5800" dirty="0" smtClean="0"/>
-              <a:t> </a:t>
-            </a:r>
-            <a:r>
-              <a:rPr lang="en-US" sz="5800" dirty="0" smtClean="0"/>
-              <a:t>       </a:t>
+              <a:t>        </a:t>
             </a:r>
             <a:r>
               <a:rPr lang="en-US" sz="5800" dirty="0" err="1" smtClean="0">
@@ -6911,13 +9548,20 @@
     </p:spTree>
     <p:extLst>
       <p:ext uri="{BB962C8B-B14F-4D97-AF65-F5344CB8AC3E}">
-        <p14:creationId xmlns:p14="http://schemas.microsoft.com/office/powerpoint/2010/main" val="3268272223"/>
+        <p14:creationId xmlns:p14="http://schemas.microsoft.com/office/powerpoint/2010/main" xmlns="" val="3268272223"/>
       </p:ext>
     </p:extLst>
   </p:cSld>
   <p:clrMapOvr>
     <a:masterClrMapping/>
   </p:clrMapOvr>
+  <p:timing>
+    <p:tnLst>
+      <p:par>
+        <p:cTn id="1" dur="indefinite" restart="never" nodeType="tmRoot"/>
+      </p:par>
+    </p:tnLst>
+  </p:timing>
 </p:sld>
 </file>
 
@@ -6940,470 +9584,196 @@
       </p:grpSpPr>
       <p:sp>
         <p:nvSpPr>
-          <p:cNvPr id="4" name="Прямоугольник 3"/>
-          <p:cNvSpPr/>
-          <p:nvPr/>
-        </p:nvSpPr>
-        <p:spPr>
-          <a:xfrm>
-            <a:off x="2664999" y="472120"/>
-            <a:ext cx="7524751" cy="5262979"/>
-          </a:xfrm>
-          <a:prstGeom prst="rect">
-            <a:avLst/>
-          </a:prstGeom>
-          <a:noFill/>
-          <a:ln>
-            <a:noFill/>
-          </a:ln>
-          <a:scene3d>
-            <a:camera prst="perspectiveRelaxed"/>
-            <a:lightRig rig="threePt" dir="t"/>
-          </a:scene3d>
-        </p:spPr>
-        <p:txBody>
-          <a:bodyPr wrap="square" lIns="91440" tIns="45720" rIns="91440" bIns="45720">
-            <a:spAutoFit/>
-          </a:bodyPr>
-          <a:lstStyle/>
-          <a:p>
-            <a:r>
-              <a:rPr lang="en-US" sz="2400" dirty="0" smtClean="0">
-                <a:ln w="0"/>
-                <a:solidFill>
-                  <a:srgbClr val="273272"/>
-                </a:solidFill>
-                <a:effectLst>
-                  <a:reflection blurRad="6350" stA="53000" endA="300" endPos="35500" dir="5400000" sy="-90000" algn="bl" rotWithShape="0"/>
-                </a:effectLst>
-                <a:latin typeface="Courier New" pitchFamily="49" charset="0"/>
-                <a:cs typeface="Courier New" pitchFamily="49" charset="0"/>
-              </a:rPr>
-              <a:t>		</a:t>
-            </a:r>
-          </a:p>
-          <a:p>
-            <a:r>
-              <a:rPr lang="en-US" sz="2400" dirty="0" smtClean="0">
-                <a:ln w="0"/>
-                <a:solidFill>
-                  <a:srgbClr val="273272"/>
-                </a:solidFill>
-                <a:effectLst>
-                  <a:reflection blurRad="6350" stA="53000" endA="300" endPos="35500" dir="5400000" sy="-90000" algn="bl" rotWithShape="0"/>
-                </a:effectLst>
-                <a:latin typeface="Courier New" pitchFamily="49" charset="0"/>
-                <a:cs typeface="Courier New" pitchFamily="49" charset="0"/>
-              </a:rPr>
-              <a:t>		.text</a:t>
-            </a:r>
-          </a:p>
-          <a:p>
-            <a:r>
-              <a:rPr lang="en-US" sz="2400" dirty="0" smtClean="0">
-                <a:ln w="0"/>
-                <a:solidFill>
-                  <a:srgbClr val="273272"/>
-                </a:solidFill>
-                <a:effectLst>
-                  <a:reflection blurRad="6350" stA="53000" endA="300" endPos="35500" dir="5400000" sy="-90000" algn="bl" rotWithShape="0"/>
-                </a:effectLst>
-                <a:latin typeface="Courier New" pitchFamily="49" charset="0"/>
-                <a:cs typeface="Courier New" pitchFamily="49" charset="0"/>
-              </a:rPr>
-              <a:t>__start:	addi t1, zero, 0x18</a:t>
-            </a:r>
-          </a:p>
-          <a:p>
-            <a:r>
-              <a:rPr lang="en-US" sz="2400" dirty="0" smtClean="0">
-                <a:ln w="0"/>
-                <a:solidFill>
-                  <a:srgbClr val="273272"/>
-                </a:solidFill>
-                <a:effectLst>
-                  <a:reflection blurRad="6350" stA="53000" endA="300" endPos="35500" dir="5400000" sy="-90000" algn="bl" rotWithShape="0"/>
-                </a:effectLst>
-                <a:latin typeface="Courier New" pitchFamily="49" charset="0"/>
-                <a:cs typeface="Courier New" pitchFamily="49" charset="0"/>
-              </a:rPr>
-              <a:t>		addi t2, zero, 0x21</a:t>
-            </a:r>
-          </a:p>
-          <a:p>
-            <a:r>
-              <a:rPr lang="en-US" sz="2400" dirty="0" smtClean="0">
-                <a:ln w="0"/>
-                <a:solidFill>
-                  <a:srgbClr val="273272"/>
-                </a:solidFill>
-                <a:effectLst>
-                  <a:reflection blurRad="6350" stA="53000" endA="300" endPos="35500" dir="5400000" sy="-90000" algn="bl" rotWithShape="0"/>
-                </a:effectLst>
-                <a:latin typeface="Courier New" pitchFamily="49" charset="0"/>
-                <a:cs typeface="Courier New" pitchFamily="49" charset="0"/>
-              </a:rPr>
-              <a:t>cycle:	</a:t>
-            </a:r>
-            <a:r>
-              <a:rPr lang="en-US" sz="2400" dirty="0" err="1" smtClean="0">
-                <a:ln w="0"/>
-                <a:solidFill>
-                  <a:srgbClr val="273272"/>
-                </a:solidFill>
-                <a:effectLst>
-                  <a:reflection blurRad="6350" stA="53000" endA="300" endPos="35500" dir="5400000" sy="-90000" algn="bl" rotWithShape="0"/>
-                </a:effectLst>
-                <a:latin typeface="Courier New" pitchFamily="49" charset="0"/>
-                <a:cs typeface="Courier New" pitchFamily="49" charset="0"/>
-              </a:rPr>
-              <a:t>beq</a:t>
-            </a:r>
-            <a:r>
-              <a:rPr lang="en-US" sz="2400" dirty="0" smtClean="0">
-                <a:ln w="0"/>
-                <a:solidFill>
-                  <a:srgbClr val="273272"/>
-                </a:solidFill>
-                <a:effectLst>
-                  <a:reflection blurRad="6350" stA="53000" endA="300" endPos="35500" dir="5400000" sy="-90000" algn="bl" rotWithShape="0"/>
-                </a:effectLst>
-                <a:latin typeface="Courier New" pitchFamily="49" charset="0"/>
-                <a:cs typeface="Courier New" pitchFamily="49" charset="0"/>
-              </a:rPr>
-              <a:t> t1, t2, done</a:t>
-            </a:r>
-          </a:p>
-          <a:p>
-            <a:r>
-              <a:rPr lang="en-US" sz="2400" dirty="0" smtClean="0">
-                <a:ln w="0"/>
-                <a:solidFill>
-                  <a:srgbClr val="273272"/>
-                </a:solidFill>
-                <a:effectLst>
-                  <a:reflection blurRad="6350" stA="53000" endA="300" endPos="35500" dir="5400000" sy="-90000" algn="bl" rotWithShape="0"/>
-                </a:effectLst>
-                <a:latin typeface="Courier New" pitchFamily="49" charset="0"/>
-                <a:cs typeface="Courier New" pitchFamily="49" charset="0"/>
-              </a:rPr>
-              <a:t>		</a:t>
-            </a:r>
-            <a:r>
-              <a:rPr lang="en-US" sz="2400" dirty="0" err="1" smtClean="0">
-                <a:ln w="0"/>
-                <a:solidFill>
-                  <a:srgbClr val="273272"/>
-                </a:solidFill>
-                <a:effectLst>
-                  <a:reflection blurRad="6350" stA="53000" endA="300" endPos="35500" dir="5400000" sy="-90000" algn="bl" rotWithShape="0"/>
-                </a:effectLst>
-                <a:latin typeface="Courier New" pitchFamily="49" charset="0"/>
-                <a:cs typeface="Courier New" pitchFamily="49" charset="0"/>
-              </a:rPr>
-              <a:t>slt</a:t>
-            </a:r>
-            <a:r>
-              <a:rPr lang="en-US" sz="2400" dirty="0" smtClean="0">
-                <a:ln w="0"/>
-                <a:solidFill>
-                  <a:srgbClr val="273272"/>
-                </a:solidFill>
-                <a:effectLst>
-                  <a:reflection blurRad="6350" stA="53000" endA="300" endPos="35500" dir="5400000" sy="-90000" algn="bl" rotWithShape="0"/>
-                </a:effectLst>
-                <a:latin typeface="Courier New" pitchFamily="49" charset="0"/>
-                <a:cs typeface="Courier New" pitchFamily="49" charset="0"/>
-              </a:rPr>
-              <a:t> t0, t1, t2</a:t>
-            </a:r>
-          </a:p>
-          <a:p>
-            <a:r>
-              <a:rPr lang="en-US" sz="2400" dirty="0" smtClean="0">
-                <a:ln w="0"/>
-                <a:solidFill>
-                  <a:srgbClr val="273272"/>
-                </a:solidFill>
-                <a:effectLst>
-                  <a:reflection blurRad="6350" stA="53000" endA="300" endPos="35500" dir="5400000" sy="-90000" algn="bl" rotWithShape="0"/>
-                </a:effectLst>
-                <a:latin typeface="Courier New" pitchFamily="49" charset="0"/>
-                <a:cs typeface="Courier New" pitchFamily="49" charset="0"/>
-              </a:rPr>
-              <a:t>		</a:t>
-            </a:r>
-            <a:r>
-              <a:rPr lang="en-US" sz="2400" dirty="0" err="1" smtClean="0">
-                <a:ln w="0"/>
-                <a:solidFill>
-                  <a:srgbClr val="273272"/>
-                </a:solidFill>
-                <a:effectLst>
-                  <a:reflection blurRad="6350" stA="53000" endA="300" endPos="35500" dir="5400000" sy="-90000" algn="bl" rotWithShape="0"/>
-                </a:effectLst>
-                <a:latin typeface="Courier New" pitchFamily="49" charset="0"/>
-                <a:cs typeface="Courier New" pitchFamily="49" charset="0"/>
-              </a:rPr>
-              <a:t>bne</a:t>
-            </a:r>
-            <a:r>
-              <a:rPr lang="en-US" sz="2400" dirty="0" smtClean="0">
-                <a:ln w="0"/>
-                <a:solidFill>
-                  <a:srgbClr val="273272"/>
-                </a:solidFill>
-                <a:effectLst>
-                  <a:reflection blurRad="6350" stA="53000" endA="300" endPos="35500" dir="5400000" sy="-90000" algn="bl" rotWithShape="0"/>
-                </a:effectLst>
-                <a:latin typeface="Courier New" pitchFamily="49" charset="0"/>
-                <a:cs typeface="Courier New" pitchFamily="49" charset="0"/>
-              </a:rPr>
-              <a:t> t0, zero, </a:t>
-            </a:r>
-            <a:r>
-              <a:rPr lang="en-US" sz="2400" dirty="0" err="1" smtClean="0">
-                <a:ln w="0"/>
-                <a:solidFill>
-                  <a:srgbClr val="273272"/>
-                </a:solidFill>
-                <a:effectLst>
-                  <a:reflection blurRad="6350" stA="53000" endA="300" endPos="35500" dir="5400000" sy="-90000" algn="bl" rotWithShape="0"/>
-                </a:effectLst>
-                <a:latin typeface="Courier New" pitchFamily="49" charset="0"/>
-                <a:cs typeface="Courier New" pitchFamily="49" charset="0"/>
-              </a:rPr>
-              <a:t>if_less</a:t>
-            </a:r>
-            <a:endParaRPr lang="en-US" sz="2400" dirty="0" smtClean="0">
-              <a:ln w="0"/>
-              <a:solidFill>
-                <a:srgbClr val="273272"/>
-              </a:solidFill>
-              <a:effectLst>
-                <a:reflection blurRad="6350" stA="53000" endA="300" endPos="35500" dir="5400000" sy="-90000" algn="bl" rotWithShape="0"/>
-              </a:effectLst>
-              <a:latin typeface="Courier New" pitchFamily="49" charset="0"/>
-              <a:cs typeface="Courier New" pitchFamily="49" charset="0"/>
-            </a:endParaRPr>
-          </a:p>
-          <a:p>
-            <a:r>
-              <a:rPr lang="en-US" sz="2400" dirty="0" smtClean="0">
-                <a:ln w="0"/>
-                <a:solidFill>
-                  <a:srgbClr val="273272"/>
-                </a:solidFill>
-                <a:effectLst>
-                  <a:reflection blurRad="6350" stA="53000" endA="300" endPos="35500" dir="5400000" sy="-90000" algn="bl" rotWithShape="0"/>
-                </a:effectLst>
-                <a:latin typeface="Courier New" pitchFamily="49" charset="0"/>
-                <a:cs typeface="Courier New" pitchFamily="49" charset="0"/>
-              </a:rPr>
-              <a:t>		</a:t>
-            </a:r>
-            <a:r>
-              <a:rPr lang="en-US" sz="2400" dirty="0" err="1" smtClean="0">
-                <a:ln w="0"/>
-                <a:solidFill>
-                  <a:srgbClr val="273272"/>
-                </a:solidFill>
-                <a:effectLst>
-                  <a:reflection blurRad="6350" stA="53000" endA="300" endPos="35500" dir="5400000" sy="-90000" algn="bl" rotWithShape="0"/>
-                </a:effectLst>
-                <a:latin typeface="Courier New" pitchFamily="49" charset="0"/>
-                <a:cs typeface="Courier New" pitchFamily="49" charset="0"/>
-              </a:rPr>
-              <a:t>nop</a:t>
-            </a:r>
-            <a:endParaRPr lang="en-US" sz="2400" dirty="0" smtClean="0">
-              <a:ln w="0"/>
-              <a:solidFill>
-                <a:srgbClr val="273272"/>
-              </a:solidFill>
-              <a:effectLst>
-                <a:reflection blurRad="6350" stA="53000" endA="300" endPos="35500" dir="5400000" sy="-90000" algn="bl" rotWithShape="0"/>
-              </a:effectLst>
-              <a:latin typeface="Courier New" pitchFamily="49" charset="0"/>
-              <a:cs typeface="Courier New" pitchFamily="49" charset="0"/>
-            </a:endParaRPr>
-          </a:p>
-          <a:p>
-            <a:r>
-              <a:rPr lang="en-US" sz="2400" dirty="0" smtClean="0">
-                <a:ln w="0"/>
-                <a:solidFill>
-                  <a:srgbClr val="273272"/>
-                </a:solidFill>
-                <a:effectLst>
-                  <a:reflection blurRad="6350" stA="53000" endA="300" endPos="35500" dir="5400000" sy="-90000" algn="bl" rotWithShape="0"/>
-                </a:effectLst>
-                <a:latin typeface="Courier New" pitchFamily="49" charset="0"/>
-                <a:cs typeface="Courier New" pitchFamily="49" charset="0"/>
-              </a:rPr>
-              <a:t>		sub t1, t1, t2</a:t>
-            </a:r>
-          </a:p>
-          <a:p>
-            <a:r>
-              <a:rPr lang="en-US" sz="2400" dirty="0" smtClean="0">
-                <a:ln w="0"/>
-                <a:solidFill>
-                  <a:srgbClr val="273272"/>
-                </a:solidFill>
-                <a:effectLst>
-                  <a:reflection blurRad="6350" stA="53000" endA="300" endPos="35500" dir="5400000" sy="-90000" algn="bl" rotWithShape="0"/>
-                </a:effectLst>
-                <a:latin typeface="Courier New" pitchFamily="49" charset="0"/>
-                <a:cs typeface="Courier New" pitchFamily="49" charset="0"/>
-              </a:rPr>
-              <a:t>		j cycle</a:t>
-            </a:r>
-          </a:p>
-          <a:p>
-            <a:r>
-              <a:rPr lang="en-US" sz="2400" dirty="0" smtClean="0">
-                <a:ln w="0"/>
-                <a:solidFill>
-                  <a:srgbClr val="273272"/>
-                </a:solidFill>
-                <a:effectLst>
-                  <a:reflection blurRad="6350" stA="53000" endA="300" endPos="35500" dir="5400000" sy="-90000" algn="bl" rotWithShape="0"/>
-                </a:effectLst>
-                <a:latin typeface="Courier New" pitchFamily="49" charset="0"/>
-                <a:cs typeface="Courier New" pitchFamily="49" charset="0"/>
-              </a:rPr>
-              <a:t>		</a:t>
-            </a:r>
-            <a:r>
-              <a:rPr lang="en-US" sz="2400" dirty="0" err="1" smtClean="0">
-                <a:ln w="0"/>
-                <a:solidFill>
-                  <a:srgbClr val="273272"/>
-                </a:solidFill>
-                <a:effectLst>
-                  <a:reflection blurRad="6350" stA="53000" endA="300" endPos="35500" dir="5400000" sy="-90000" algn="bl" rotWithShape="0"/>
-                </a:effectLst>
-                <a:latin typeface="Courier New" pitchFamily="49" charset="0"/>
-                <a:cs typeface="Courier New" pitchFamily="49" charset="0"/>
-              </a:rPr>
-              <a:t>nop</a:t>
-            </a:r>
-            <a:endParaRPr lang="en-US" sz="2400" dirty="0" smtClean="0">
-              <a:ln w="0"/>
-              <a:solidFill>
-                <a:srgbClr val="273272"/>
-              </a:solidFill>
-              <a:effectLst>
-                <a:reflection blurRad="6350" stA="53000" endA="300" endPos="35500" dir="5400000" sy="-90000" algn="bl" rotWithShape="0"/>
-              </a:effectLst>
-              <a:latin typeface="Courier New" pitchFamily="49" charset="0"/>
-              <a:cs typeface="Courier New" pitchFamily="49" charset="0"/>
-            </a:endParaRPr>
-          </a:p>
-          <a:p>
-            <a:r>
-              <a:rPr lang="en-US" sz="2400" dirty="0" err="1" smtClean="0">
-                <a:ln w="0"/>
-                <a:solidFill>
-                  <a:srgbClr val="273272"/>
-                </a:solidFill>
-                <a:effectLst>
-                  <a:reflection blurRad="6350" stA="53000" endA="300" endPos="35500" dir="5400000" sy="-90000" algn="bl" rotWithShape="0"/>
-                </a:effectLst>
-                <a:latin typeface="Courier New" pitchFamily="49" charset="0"/>
-                <a:cs typeface="Courier New" pitchFamily="49" charset="0"/>
-              </a:rPr>
-              <a:t>if_less</a:t>
-            </a:r>
-            <a:r>
-              <a:rPr lang="en-US" sz="2400" dirty="0" smtClean="0">
-                <a:ln w="0"/>
-                <a:solidFill>
-                  <a:srgbClr val="273272"/>
-                </a:solidFill>
-                <a:effectLst>
-                  <a:reflection blurRad="6350" stA="53000" endA="300" endPos="35500" dir="5400000" sy="-90000" algn="bl" rotWithShape="0"/>
-                </a:effectLst>
-                <a:latin typeface="Courier New" pitchFamily="49" charset="0"/>
-                <a:cs typeface="Courier New" pitchFamily="49" charset="0"/>
-              </a:rPr>
-              <a:t>:	sub t2, t2, t1</a:t>
-            </a:r>
-          </a:p>
-          <a:p>
-            <a:r>
-              <a:rPr lang="en-US" sz="2400" dirty="0" smtClean="0">
-                <a:ln w="0"/>
-                <a:solidFill>
-                  <a:srgbClr val="273272"/>
-                </a:solidFill>
-                <a:effectLst>
-                  <a:reflection blurRad="6350" stA="53000" endA="300" endPos="35500" dir="5400000" sy="-90000" algn="bl" rotWithShape="0"/>
-                </a:effectLst>
-                <a:latin typeface="Courier New" pitchFamily="49" charset="0"/>
-                <a:cs typeface="Courier New" pitchFamily="49" charset="0"/>
-              </a:rPr>
-              <a:t>		j cycle</a:t>
-            </a:r>
-          </a:p>
-          <a:p>
-            <a:r>
-              <a:rPr lang="en-US" sz="2400" dirty="0" smtClean="0">
-                <a:ln w="0"/>
-                <a:solidFill>
-                  <a:srgbClr val="273272"/>
-                </a:solidFill>
-                <a:effectLst>
-                  <a:reflection blurRad="6350" stA="53000" endA="300" endPos="35500" dir="5400000" sy="-90000" algn="bl" rotWithShape="0"/>
-                </a:effectLst>
-                <a:latin typeface="Courier New" pitchFamily="49" charset="0"/>
-                <a:cs typeface="Courier New" pitchFamily="49" charset="0"/>
-              </a:rPr>
-              <a:t>done:		add t3, t1, zero</a:t>
-            </a:r>
-            <a:endParaRPr lang="ru-RU" sz="2400" b="0" cap="none" spc="0" dirty="0">
-              <a:ln w="0"/>
-              <a:solidFill>
-                <a:srgbClr val="273272"/>
-              </a:solidFill>
-              <a:effectLst>
-                <a:reflection blurRad="6350" stA="53000" endA="300" endPos="35500" dir="5400000" sy="-90000" algn="bl" rotWithShape="0"/>
-              </a:effectLst>
-              <a:latin typeface="Courier New" pitchFamily="49" charset="0"/>
-              <a:cs typeface="Courier New" pitchFamily="49" charset="0"/>
-            </a:endParaRPr>
-          </a:p>
-        </p:txBody>
-      </p:sp>
-      <p:sp>
-        <p:nvSpPr>
-          <p:cNvPr id="2" name="Заголовок 1"/>
+          <p:cNvPr id="2" name="Содержимое 1"/>
           <p:cNvSpPr>
             <a:spLocks noGrp="1"/>
           </p:cNvSpPr>
           <p:nvPr>
-            <p:ph type="title"/>
+            <p:ph idx="1"/>
           </p:nvPr>
         </p:nvSpPr>
-        <p:spPr/>
-        <p:txBody>
-          <a:bodyPr>
-            <a:normAutofit/>
-          </a:bodyPr>
+        <p:spPr>
+          <a:xfrm>
+            <a:off x="838200" y="1178053"/>
+            <a:ext cx="10515600" cy="5444816"/>
+          </a:xfrm>
+        </p:spPr>
+        <p:txBody>
+          <a:bodyPr/>
           <a:lstStyle/>
           <a:p>
             <a:r>
               <a:rPr lang="en-US" dirty="0" smtClean="0"/>
-              <a:t>Any Questions?</a:t>
-            </a:r>
-            <a:endParaRPr lang="ru-RU" sz="4000" dirty="0"/>
-          </a:p>
-        </p:txBody>
-      </p:sp>
-      <p:sp>
-        <p:nvSpPr>
-          <p:cNvPr id="6" name="Номер слайда 5"/>
+              <a:t>Branch instructions are </a:t>
+            </a:r>
+            <a:r>
+              <a:rPr lang="en-US" b="1" dirty="0" smtClean="0">
+                <a:solidFill>
+                  <a:srgbClr val="F3B217"/>
+                </a:solidFill>
+              </a:rPr>
+              <a:t>PC</a:t>
+            </a:r>
+            <a:r>
+              <a:rPr lang="en-US" dirty="0" smtClean="0"/>
+              <a:t>-relative</a:t>
+            </a:r>
+          </a:p>
+          <a:p>
+            <a:r>
+              <a:rPr lang="en-US" dirty="0" smtClean="0"/>
+              <a:t>They add a </a:t>
+            </a:r>
+            <a:r>
+              <a:rPr lang="en-US" dirty="0" smtClean="0">
+                <a:solidFill>
+                  <a:srgbClr val="0070C0"/>
+                </a:solidFill>
+              </a:rPr>
+              <a:t>12-bit</a:t>
+            </a:r>
+            <a:r>
+              <a:rPr lang="en-US" dirty="0" smtClean="0"/>
+              <a:t> signed immediate </a:t>
+            </a:r>
+            <a:r>
+              <a:rPr lang="en-US" dirty="0" smtClean="0"/>
+              <a:t>to </a:t>
+            </a:r>
+            <a:r>
+              <a:rPr lang="en-US" b="1" dirty="0" smtClean="0">
+                <a:solidFill>
+                  <a:srgbClr val="F3B217"/>
+                </a:solidFill>
+              </a:rPr>
+              <a:t>PC</a:t>
+            </a:r>
+            <a:endParaRPr lang="en-US" b="1" dirty="0" smtClean="0">
+              <a:solidFill>
+                <a:srgbClr val="F3B217"/>
+              </a:solidFill>
+            </a:endParaRPr>
+          </a:p>
+          <a:p>
+            <a:r>
+              <a:rPr lang="en-US" dirty="0" smtClean="0"/>
+              <a:t>The immediate is an offset from </a:t>
+            </a:r>
+            <a:r>
+              <a:rPr lang="en-US" b="1" dirty="0" smtClean="0">
+                <a:solidFill>
+                  <a:srgbClr val="F3B217"/>
+                </a:solidFill>
+              </a:rPr>
+              <a:t>PC</a:t>
+            </a:r>
+            <a:r>
+              <a:rPr lang="en-US" dirty="0" smtClean="0"/>
+              <a:t> to the target label</a:t>
+            </a:r>
+          </a:p>
+          <a:p>
+            <a:r>
+              <a:rPr lang="en-US" dirty="0" smtClean="0"/>
+              <a:t>The branch address range </a:t>
+            </a:r>
+            <a:r>
+              <a:rPr lang="en-US" dirty="0" smtClean="0"/>
+              <a:t>is </a:t>
+            </a:r>
+            <a:r>
+              <a:rPr lang="en-US" dirty="0" smtClean="0">
+                <a:solidFill>
+                  <a:srgbClr val="0070C0"/>
+                </a:solidFill>
+              </a:rPr>
+              <a:t>± 2</a:t>
+            </a:r>
+            <a:r>
+              <a:rPr lang="en-US" baseline="30000" dirty="0" smtClean="0">
+                <a:solidFill>
+                  <a:srgbClr val="0070C0"/>
+                </a:solidFill>
+              </a:rPr>
+              <a:t>12</a:t>
+            </a:r>
+            <a:r>
+              <a:rPr lang="en-US" dirty="0" smtClean="0"/>
+              <a:t> (</a:t>
+            </a:r>
+            <a:r>
+              <a:rPr lang="en-US" dirty="0" smtClean="0">
+                <a:solidFill>
+                  <a:srgbClr val="0070C0"/>
+                </a:solidFill>
+              </a:rPr>
+              <a:t>4096</a:t>
+            </a:r>
+            <a:r>
+              <a:rPr lang="en-US" dirty="0" smtClean="0"/>
+              <a:t> B = </a:t>
+            </a:r>
+            <a:r>
+              <a:rPr lang="en-US" dirty="0" smtClean="0">
+                <a:solidFill>
+                  <a:srgbClr val="0070C0"/>
+                </a:solidFill>
+              </a:rPr>
+              <a:t>4</a:t>
+            </a:r>
+            <a:r>
+              <a:rPr lang="en-US" dirty="0" smtClean="0"/>
+              <a:t> KB)</a:t>
+            </a:r>
+          </a:p>
+          <a:p>
+            <a:r>
+              <a:rPr lang="en-US" b="1" dirty="0" smtClean="0">
+                <a:solidFill>
+                  <a:srgbClr val="F3B217"/>
+                </a:solidFill>
+              </a:rPr>
+              <a:t>PC</a:t>
+            </a:r>
+            <a:r>
+              <a:rPr lang="en-US" dirty="0" smtClean="0"/>
+              <a:t> can be read with</a:t>
+            </a:r>
+            <a:r>
+              <a:rPr lang="en-US" dirty="0" smtClean="0"/>
+              <a:t> </a:t>
+            </a:r>
+            <a:r>
+              <a:rPr lang="en-US" dirty="0" smtClean="0"/>
+              <a:t>the </a:t>
+            </a:r>
+            <a:r>
+              <a:rPr lang="en-US" b="1" dirty="0" err="1" smtClean="0">
+                <a:solidFill>
+                  <a:srgbClr val="F3B217"/>
+                </a:solidFill>
+              </a:rPr>
+              <a:t>auipc</a:t>
+            </a:r>
+            <a:r>
+              <a:rPr lang="en-US" b="1" dirty="0" smtClean="0">
+                <a:solidFill>
+                  <a:srgbClr val="F3B217"/>
+                </a:solidFill>
+              </a:rPr>
+              <a:t> </a:t>
+            </a:r>
+            <a:r>
+              <a:rPr lang="en-US" dirty="0" smtClean="0"/>
+              <a:t>instruction</a:t>
+            </a:r>
+            <a:endParaRPr lang="ru-RU" dirty="0"/>
+          </a:p>
+        </p:txBody>
+      </p:sp>
+      <p:sp>
+        <p:nvSpPr>
+          <p:cNvPr id="3" name="Номер слайда 2"/>
           <p:cNvSpPr>
             <a:spLocks noGrp="1"/>
           </p:cNvSpPr>
@@ -7426,12 +9796,1750 @@
           </a:p>
         </p:txBody>
       </p:sp>
+      <p:sp>
+        <p:nvSpPr>
+          <p:cNvPr id="4" name="Заголовок 3"/>
+          <p:cNvSpPr>
+            <a:spLocks noGrp="1"/>
+          </p:cNvSpPr>
+          <p:nvPr>
+            <p:ph type="title"/>
+          </p:nvPr>
+        </p:nvSpPr>
+        <p:spPr/>
+        <p:txBody>
+          <a:bodyPr/>
+          <a:lstStyle/>
+          <a:p>
+            <a:r>
+              <a:rPr lang="en-US" dirty="0" smtClean="0"/>
+              <a:t>Branches and Program Counter</a:t>
+            </a:r>
+            <a:endParaRPr lang="ru-RU" dirty="0"/>
+          </a:p>
+        </p:txBody>
+      </p:sp>
+      <p:sp>
+        <p:nvSpPr>
+          <p:cNvPr id="5" name="Rectangle 4"/>
+          <p:cNvSpPr/>
+          <p:nvPr/>
+        </p:nvSpPr>
+        <p:spPr>
+          <a:xfrm>
+            <a:off x="2944658" y="4336868"/>
+            <a:ext cx="6290782" cy="2086725"/>
+          </a:xfrm>
+          <a:prstGeom prst="rect">
+            <a:avLst/>
+          </a:prstGeom>
+        </p:spPr>
+        <p:txBody>
+          <a:bodyPr wrap="square">
+            <a:spAutoFit/>
+          </a:bodyPr>
+          <a:lstStyle/>
+          <a:p>
+            <a:pPr>
+              <a:lnSpc>
+                <a:spcPct val="90000"/>
+              </a:lnSpc>
+            </a:pPr>
+            <a:r>
+              <a:rPr lang="en-US" sz="3600" dirty="0" smtClean="0">
+                <a:solidFill>
+                  <a:srgbClr val="0070C0"/>
+                </a:solidFill>
+              </a:rPr>
+              <a:t>main</a:t>
+            </a:r>
+            <a:r>
+              <a:rPr lang="en-US" sz="3600" dirty="0" smtClean="0">
+                <a:solidFill>
+                  <a:srgbClr val="0070C0"/>
+                </a:solidFill>
+              </a:rPr>
+              <a:t>:</a:t>
+            </a:r>
+          </a:p>
+          <a:p>
+            <a:pPr>
+              <a:lnSpc>
+                <a:spcPct val="90000"/>
+              </a:lnSpc>
+            </a:pPr>
+            <a:r>
+              <a:rPr lang="en-US" sz="3600" dirty="0" smtClean="0">
+                <a:solidFill>
+                  <a:srgbClr val="1E3272"/>
+                </a:solidFill>
+              </a:rPr>
+              <a:t>        </a:t>
+            </a:r>
+            <a:r>
+              <a:rPr lang="en-US" sz="3600" dirty="0" err="1" smtClean="0">
+                <a:solidFill>
+                  <a:srgbClr val="1E3272"/>
+                </a:solidFill>
+              </a:rPr>
+              <a:t>auipc</a:t>
+            </a:r>
+            <a:r>
+              <a:rPr lang="en-US" sz="3600" dirty="0" smtClean="0">
+                <a:solidFill>
+                  <a:srgbClr val="1E3272"/>
+                </a:solidFill>
+              </a:rPr>
+              <a:t> </a:t>
+            </a:r>
+            <a:r>
+              <a:rPr lang="en-US" sz="3600" dirty="0" smtClean="0">
+                <a:solidFill>
+                  <a:srgbClr val="FF0000"/>
+                </a:solidFill>
+              </a:rPr>
+              <a:t>a0</a:t>
+            </a:r>
+            <a:r>
+              <a:rPr lang="en-US" sz="3600" dirty="0" smtClean="0">
+                <a:solidFill>
+                  <a:srgbClr val="1E3272"/>
+                </a:solidFill>
+              </a:rPr>
+              <a:t>, 0  </a:t>
+            </a:r>
+            <a:r>
+              <a:rPr lang="en-US" sz="3600" dirty="0" smtClean="0">
+                <a:solidFill>
+                  <a:srgbClr val="1E3272"/>
+                </a:solidFill>
+              </a:rPr>
+              <a:t> </a:t>
+            </a:r>
+            <a:r>
+              <a:rPr lang="en-US" sz="3600" dirty="0" smtClean="0">
+                <a:solidFill>
+                  <a:srgbClr val="00B050"/>
+                </a:solidFill>
+              </a:rPr>
+              <a:t># </a:t>
+            </a:r>
+            <a:r>
+              <a:rPr lang="en-US" sz="3600" dirty="0" smtClean="0">
+                <a:solidFill>
+                  <a:srgbClr val="00B050"/>
+                </a:solidFill>
+              </a:rPr>
+              <a:t>a0 = PC + 0</a:t>
+            </a:r>
+          </a:p>
+          <a:p>
+            <a:pPr>
+              <a:lnSpc>
+                <a:spcPct val="90000"/>
+              </a:lnSpc>
+            </a:pPr>
+            <a:r>
+              <a:rPr lang="en-US" sz="3600" dirty="0" smtClean="0">
+                <a:solidFill>
+                  <a:srgbClr val="1E3272"/>
+                </a:solidFill>
+              </a:rPr>
+              <a:t>   </a:t>
+            </a:r>
+            <a:r>
+              <a:rPr lang="en-US" sz="3600" dirty="0" smtClean="0">
+                <a:solidFill>
+                  <a:srgbClr val="1E3272"/>
+                </a:solidFill>
+              </a:rPr>
+              <a:t>     </a:t>
+            </a:r>
+            <a:r>
+              <a:rPr lang="en-US" sz="3600" dirty="0" err="1" smtClean="0">
+                <a:solidFill>
+                  <a:srgbClr val="1E3272"/>
+                </a:solidFill>
+              </a:rPr>
+              <a:t>li</a:t>
+            </a:r>
+            <a:r>
+              <a:rPr lang="en-US" sz="3600" dirty="0" smtClean="0">
+                <a:solidFill>
+                  <a:srgbClr val="1E3272"/>
+                </a:solidFill>
+              </a:rPr>
+              <a:t>    </a:t>
+            </a:r>
+            <a:r>
+              <a:rPr lang="en-US" sz="3600" dirty="0" smtClean="0">
+                <a:solidFill>
+                  <a:srgbClr val="1E3272"/>
+                </a:solidFill>
+              </a:rPr>
+              <a:t>    </a:t>
+            </a:r>
+            <a:r>
+              <a:rPr lang="en-US" sz="3600" dirty="0" smtClean="0">
+                <a:solidFill>
+                  <a:srgbClr val="FF0000"/>
+                </a:solidFill>
+              </a:rPr>
+              <a:t>a7</a:t>
+            </a:r>
+            <a:r>
+              <a:rPr lang="en-US" sz="3600" dirty="0" smtClean="0">
+                <a:solidFill>
+                  <a:srgbClr val="1E3272"/>
+                </a:solidFill>
+              </a:rPr>
+              <a:t>, 34 </a:t>
+            </a:r>
+            <a:r>
+              <a:rPr lang="en-US" sz="3600" dirty="0" smtClean="0">
+                <a:solidFill>
+                  <a:srgbClr val="00B050"/>
+                </a:solidFill>
+              </a:rPr>
+              <a:t># Print as hex</a:t>
+            </a:r>
+          </a:p>
+          <a:p>
+            <a:pPr>
+              <a:lnSpc>
+                <a:spcPct val="90000"/>
+              </a:lnSpc>
+            </a:pPr>
+            <a:r>
+              <a:rPr lang="en-US" sz="3600" dirty="0" smtClean="0">
+                <a:solidFill>
+                  <a:srgbClr val="1E3272"/>
+                </a:solidFill>
+              </a:rPr>
+              <a:t>    </a:t>
+            </a:r>
+            <a:r>
+              <a:rPr lang="en-US" sz="3600" dirty="0" smtClean="0">
+                <a:solidFill>
+                  <a:srgbClr val="1E3272"/>
+                </a:solidFill>
+              </a:rPr>
+              <a:t>    </a:t>
+            </a:r>
+            <a:r>
+              <a:rPr lang="en-US" sz="3600" dirty="0" err="1" smtClean="0">
+                <a:solidFill>
+                  <a:srgbClr val="1E3272"/>
+                </a:solidFill>
+              </a:rPr>
+              <a:t>ecall</a:t>
+            </a:r>
+            <a:r>
+              <a:rPr lang="en-US" sz="3600" dirty="0" smtClean="0">
+                <a:solidFill>
+                  <a:srgbClr val="1E3272"/>
+                </a:solidFill>
+              </a:rPr>
+              <a:t>              </a:t>
+            </a:r>
+            <a:r>
+              <a:rPr lang="en-US" sz="3600" dirty="0" smtClean="0">
+                <a:solidFill>
+                  <a:srgbClr val="00B050"/>
+                </a:solidFill>
+              </a:rPr>
+              <a:t># </a:t>
+            </a:r>
+            <a:r>
+              <a:rPr lang="en-US" sz="3600" dirty="0" smtClean="0">
+                <a:solidFill>
+                  <a:srgbClr val="00B050"/>
+                </a:solidFill>
+              </a:rPr>
+              <a:t>Print a0</a:t>
+            </a:r>
+            <a:endParaRPr lang="en-US" sz="3600" dirty="0">
+              <a:solidFill>
+                <a:srgbClr val="00B050"/>
+              </a:solidFill>
+            </a:endParaRPr>
+          </a:p>
+        </p:txBody>
+      </p:sp>
     </p:spTree>
-    <p:extLst>
-      <p:ext uri="{BB962C8B-B14F-4D97-AF65-F5344CB8AC3E}">
-        <p14:creationId xmlns:p14="http://schemas.microsoft.com/office/powerpoint/2010/main" val="4217875043"/>
-      </p:ext>
-    </p:extLst>
+  </p:cSld>
+  <p:clrMapOvr>
+    <a:masterClrMapping/>
+  </p:clrMapOvr>
+  <p:timing>
+    <p:tnLst>
+      <p:par>
+        <p:cTn id="1" dur="indefinite" restart="never" nodeType="tmRoot"/>
+      </p:par>
+    </p:tnLst>
+  </p:timing>
+</p:sld>
+</file>
+
+<file path=ppt/slides/slide9.xml><?xml version="1.0" encoding="utf-8"?>
+<p:sld xmlns:a="http://schemas.openxmlformats.org/drawingml/2006/main" xmlns:r="http://schemas.openxmlformats.org/officeDocument/2006/relationships" xmlns:p="http://schemas.openxmlformats.org/presentationml/2006/main">
+  <p:cSld>
+    <p:spTree>
+      <p:nvGrpSpPr>
+        <p:cNvPr id="1" name=""/>
+        <p:cNvGrpSpPr/>
+        <p:nvPr/>
+      </p:nvGrpSpPr>
+      <p:grpSpPr>
+        <a:xfrm>
+          <a:off x="0" y="0"/>
+          <a:ext cx="0" cy="0"/>
+          <a:chOff x="0" y="0"/>
+          <a:chExt cx="0" cy="0"/>
+        </a:xfrm>
+      </p:grpSpPr>
+      <p:sp>
+        <p:nvSpPr>
+          <p:cNvPr id="3" name="Номер слайда 2"/>
+          <p:cNvSpPr>
+            <a:spLocks noGrp="1"/>
+          </p:cNvSpPr>
+          <p:nvPr>
+            <p:ph type="sldNum" sz="quarter" idx="12"/>
+          </p:nvPr>
+        </p:nvSpPr>
+        <p:spPr/>
+        <p:txBody>
+          <a:bodyPr/>
+          <a:lstStyle/>
+          <a:p>
+            <a:pPr algn="ctr"/>
+            <a:fld id="{1397BFD8-F312-4EF2-A268-44FB4BDDBBB0}" type="slidenum">
+              <a:rPr lang="ru-RU" smtClean="0"/>
+              <a:pPr algn="ctr"/>
+              <a:t>9</a:t>
+            </a:fld>
+            <a:endParaRPr lang="ru-RU" dirty="0"/>
+          </a:p>
+        </p:txBody>
+      </p:sp>
+      <p:sp>
+        <p:nvSpPr>
+          <p:cNvPr id="4" name="Заголовок 3"/>
+          <p:cNvSpPr>
+            <a:spLocks noGrp="1"/>
+          </p:cNvSpPr>
+          <p:nvPr>
+            <p:ph type="title"/>
+          </p:nvPr>
+        </p:nvSpPr>
+        <p:spPr/>
+        <p:txBody>
+          <a:bodyPr/>
+          <a:lstStyle/>
+          <a:p>
+            <a:r>
+              <a:rPr lang="en-US" dirty="0" smtClean="0"/>
+              <a:t>Assembly Code for “If-Then-Else”</a:t>
+            </a:r>
+            <a:endParaRPr lang="ru-RU" dirty="0"/>
+          </a:p>
+        </p:txBody>
+      </p:sp>
+      <p:sp>
+        <p:nvSpPr>
+          <p:cNvPr id="6" name="Rectangle 4"/>
+          <p:cNvSpPr/>
+          <p:nvPr/>
+        </p:nvSpPr>
+        <p:spPr>
+          <a:xfrm>
+            <a:off x="1285681" y="1697450"/>
+            <a:ext cx="3730461" cy="4579715"/>
+          </a:xfrm>
+          <a:prstGeom prst="rect">
+            <a:avLst/>
+          </a:prstGeom>
+        </p:spPr>
+        <p:txBody>
+          <a:bodyPr wrap="square">
+            <a:spAutoFit/>
+          </a:bodyPr>
+          <a:lstStyle/>
+          <a:p>
+            <a:pPr>
+              <a:lnSpc>
+                <a:spcPct val="90000"/>
+              </a:lnSpc>
+            </a:pPr>
+            <a:r>
+              <a:rPr lang="en-US" sz="3600" b="1" dirty="0" smtClean="0">
+                <a:solidFill>
+                  <a:srgbClr val="1E3272"/>
+                </a:solidFill>
+              </a:rPr>
+              <a:t>if</a:t>
+            </a:r>
+            <a:r>
+              <a:rPr lang="en-US" sz="3600" dirty="0" smtClean="0">
+                <a:solidFill>
+                  <a:srgbClr val="1E3272"/>
+                </a:solidFill>
+              </a:rPr>
+              <a:t> (t0 == </a:t>
+            </a:r>
+            <a:r>
+              <a:rPr lang="en-US" sz="3600" dirty="0" smtClean="0">
+                <a:solidFill>
+                  <a:schemeClr val="accent1"/>
+                </a:solidFill>
+              </a:rPr>
+              <a:t>0</a:t>
+            </a:r>
+            <a:r>
+              <a:rPr lang="en-US" sz="3600" dirty="0" smtClean="0">
+                <a:solidFill>
+                  <a:srgbClr val="1E3272"/>
+                </a:solidFill>
+              </a:rPr>
+              <a:t>) {</a:t>
+            </a:r>
+          </a:p>
+          <a:p>
+            <a:pPr>
+              <a:lnSpc>
+                <a:spcPct val="90000"/>
+              </a:lnSpc>
+            </a:pPr>
+            <a:r>
+              <a:rPr lang="en-US" sz="3600" dirty="0" smtClean="0">
+                <a:solidFill>
+                  <a:srgbClr val="1E3272"/>
+                </a:solidFill>
+              </a:rPr>
+              <a:t>    </a:t>
+            </a:r>
+            <a:r>
+              <a:rPr lang="en-US" sz="3600" dirty="0" smtClean="0">
+                <a:solidFill>
+                  <a:srgbClr val="1E3272"/>
+                </a:solidFill>
+              </a:rPr>
+              <a:t>t1 = </a:t>
+            </a:r>
+            <a:r>
+              <a:rPr lang="en-US" sz="3600" dirty="0" smtClean="0">
+                <a:solidFill>
+                  <a:schemeClr val="accent1"/>
+                </a:solidFill>
+              </a:rPr>
+              <a:t>1</a:t>
+            </a:r>
+            <a:r>
+              <a:rPr lang="en-US" sz="3600" dirty="0" smtClean="0">
+                <a:solidFill>
+                  <a:srgbClr val="1E3272"/>
+                </a:solidFill>
+              </a:rPr>
+              <a:t>;</a:t>
+            </a:r>
+          </a:p>
+          <a:p>
+            <a:pPr>
+              <a:lnSpc>
+                <a:spcPct val="90000"/>
+              </a:lnSpc>
+            </a:pPr>
+            <a:r>
+              <a:rPr lang="en-US" sz="3600" dirty="0" smtClean="0">
+                <a:solidFill>
+                  <a:srgbClr val="1E3272"/>
+                </a:solidFill>
+              </a:rPr>
+              <a:t>} </a:t>
+            </a:r>
+            <a:r>
+              <a:rPr lang="en-US" sz="3600" b="1" dirty="0" smtClean="0">
+                <a:solidFill>
+                  <a:srgbClr val="1E3272"/>
+                </a:solidFill>
+              </a:rPr>
+              <a:t>else if </a:t>
+            </a:r>
+            <a:r>
+              <a:rPr lang="en-US" sz="3600" dirty="0" smtClean="0">
+                <a:solidFill>
+                  <a:srgbClr val="1E3272"/>
+                </a:solidFill>
+              </a:rPr>
+              <a:t>(t0 </a:t>
+            </a:r>
+            <a:r>
+              <a:rPr lang="en-US" sz="3600" dirty="0" smtClean="0">
+                <a:solidFill>
+                  <a:srgbClr val="1E3272"/>
+                </a:solidFill>
+              </a:rPr>
+              <a:t>&lt; </a:t>
+            </a:r>
+            <a:r>
+              <a:rPr lang="en-US" sz="3600" dirty="0" smtClean="0">
+                <a:solidFill>
+                  <a:schemeClr val="accent1"/>
+                </a:solidFill>
+              </a:rPr>
+              <a:t>0</a:t>
+            </a:r>
+            <a:r>
+              <a:rPr lang="en-US" sz="3600" dirty="0" smtClean="0">
+                <a:solidFill>
+                  <a:srgbClr val="1E3272"/>
+                </a:solidFill>
+              </a:rPr>
+              <a:t>) </a:t>
+            </a:r>
+            <a:r>
+              <a:rPr lang="en-US" sz="3600" dirty="0" smtClean="0">
+                <a:solidFill>
+                  <a:srgbClr val="1E3272"/>
+                </a:solidFill>
+              </a:rPr>
+              <a:t>{</a:t>
+            </a:r>
+          </a:p>
+          <a:p>
+            <a:pPr>
+              <a:lnSpc>
+                <a:spcPct val="90000"/>
+              </a:lnSpc>
+            </a:pPr>
+            <a:r>
+              <a:rPr lang="en-US" sz="3600" dirty="0" smtClean="0">
+                <a:solidFill>
+                  <a:srgbClr val="1E3272"/>
+                </a:solidFill>
+              </a:rPr>
+              <a:t>    </a:t>
+            </a:r>
+            <a:r>
+              <a:rPr lang="en-US" sz="3600" dirty="0" smtClean="0">
+                <a:solidFill>
+                  <a:srgbClr val="1E3272"/>
+                </a:solidFill>
+              </a:rPr>
+              <a:t>t1 = </a:t>
+            </a:r>
+            <a:r>
+              <a:rPr lang="en-US" sz="3600" dirty="0" smtClean="0">
+                <a:solidFill>
+                  <a:schemeClr val="accent1"/>
+                </a:solidFill>
+              </a:rPr>
+              <a:t>2</a:t>
+            </a:r>
+            <a:r>
+              <a:rPr lang="en-US" sz="3600" dirty="0" smtClean="0">
+                <a:solidFill>
+                  <a:srgbClr val="1E3272"/>
+                </a:solidFill>
+              </a:rPr>
+              <a:t>;</a:t>
+            </a:r>
+          </a:p>
+          <a:p>
+            <a:pPr>
+              <a:lnSpc>
+                <a:spcPct val="90000"/>
+              </a:lnSpc>
+            </a:pPr>
+            <a:r>
+              <a:rPr lang="en-US" sz="3600" dirty="0" smtClean="0">
+                <a:solidFill>
+                  <a:srgbClr val="1E3272"/>
+                </a:solidFill>
+              </a:rPr>
+              <a:t>} </a:t>
+            </a:r>
+            <a:r>
+              <a:rPr lang="en-US" sz="3600" b="1" dirty="0" smtClean="0">
+                <a:solidFill>
+                  <a:srgbClr val="1E3272"/>
+                </a:solidFill>
+              </a:rPr>
+              <a:t>else if </a:t>
+            </a:r>
+            <a:r>
+              <a:rPr lang="en-US" sz="3600" dirty="0" smtClean="0">
+                <a:solidFill>
+                  <a:srgbClr val="1E3272"/>
+                </a:solidFill>
+              </a:rPr>
+              <a:t>(t0 </a:t>
+            </a:r>
+            <a:r>
+              <a:rPr lang="en-US" sz="3600" dirty="0" smtClean="0">
+                <a:solidFill>
+                  <a:srgbClr val="1E3272"/>
+                </a:solidFill>
+              </a:rPr>
+              <a:t>&gt;= </a:t>
+            </a:r>
+            <a:r>
+              <a:rPr lang="en-US" sz="3600" dirty="0" smtClean="0">
+                <a:solidFill>
+                  <a:schemeClr val="accent1"/>
+                </a:solidFill>
+              </a:rPr>
+              <a:t>10</a:t>
+            </a:r>
+            <a:r>
+              <a:rPr lang="en-US" sz="3600" dirty="0" smtClean="0">
+                <a:solidFill>
+                  <a:srgbClr val="1E3272"/>
+                </a:solidFill>
+              </a:rPr>
+              <a:t>) {</a:t>
+            </a:r>
+          </a:p>
+          <a:p>
+            <a:pPr>
+              <a:lnSpc>
+                <a:spcPct val="90000"/>
+              </a:lnSpc>
+            </a:pPr>
+            <a:r>
+              <a:rPr lang="en-US" sz="3600" dirty="0" smtClean="0">
+                <a:solidFill>
+                  <a:srgbClr val="1E3272"/>
+                </a:solidFill>
+              </a:rPr>
+              <a:t>    </a:t>
+            </a:r>
+            <a:r>
+              <a:rPr lang="en-US" sz="3600" dirty="0" smtClean="0">
+                <a:solidFill>
+                  <a:srgbClr val="1E3272"/>
+                </a:solidFill>
+              </a:rPr>
+              <a:t>t1 = </a:t>
+            </a:r>
+            <a:r>
+              <a:rPr lang="en-US" sz="3600" dirty="0" smtClean="0">
+                <a:solidFill>
+                  <a:schemeClr val="accent1"/>
+                </a:solidFill>
+              </a:rPr>
+              <a:t>3</a:t>
+            </a:r>
+            <a:r>
+              <a:rPr lang="en-US" sz="3600" dirty="0" smtClean="0">
+                <a:solidFill>
+                  <a:srgbClr val="1E3272"/>
+                </a:solidFill>
+              </a:rPr>
+              <a:t>;</a:t>
+            </a:r>
+          </a:p>
+          <a:p>
+            <a:pPr>
+              <a:lnSpc>
+                <a:spcPct val="90000"/>
+              </a:lnSpc>
+            </a:pPr>
+            <a:r>
+              <a:rPr lang="en-US" sz="3600" dirty="0" smtClean="0">
+                <a:solidFill>
+                  <a:srgbClr val="1E3272"/>
+                </a:solidFill>
+              </a:rPr>
+              <a:t>} </a:t>
+            </a:r>
+            <a:r>
+              <a:rPr lang="en-US" sz="3600" b="1" dirty="0" smtClean="0">
+                <a:solidFill>
+                  <a:srgbClr val="1E3272"/>
+                </a:solidFill>
+              </a:rPr>
+              <a:t>else</a:t>
+            </a:r>
+            <a:r>
+              <a:rPr lang="en-US" sz="3600" dirty="0" smtClean="0">
+                <a:solidFill>
+                  <a:srgbClr val="1E3272"/>
+                </a:solidFill>
+              </a:rPr>
+              <a:t> {</a:t>
+            </a:r>
+          </a:p>
+          <a:p>
+            <a:pPr>
+              <a:lnSpc>
+                <a:spcPct val="90000"/>
+              </a:lnSpc>
+            </a:pPr>
+            <a:r>
+              <a:rPr lang="en-US" sz="3600" dirty="0" smtClean="0">
+                <a:solidFill>
+                  <a:srgbClr val="1E3272"/>
+                </a:solidFill>
+              </a:rPr>
+              <a:t>    </a:t>
+            </a:r>
+            <a:r>
+              <a:rPr lang="en-US" sz="3600" dirty="0" smtClean="0">
+                <a:solidFill>
+                  <a:srgbClr val="1E3272"/>
+                </a:solidFill>
+              </a:rPr>
+              <a:t>t1 = </a:t>
+            </a:r>
+            <a:r>
+              <a:rPr lang="en-US" sz="3600" dirty="0" smtClean="0">
+                <a:solidFill>
+                  <a:schemeClr val="accent1"/>
+                </a:solidFill>
+              </a:rPr>
+              <a:t>4</a:t>
+            </a:r>
+            <a:r>
+              <a:rPr lang="en-US" sz="3600" dirty="0" smtClean="0">
+                <a:solidFill>
+                  <a:srgbClr val="1E3272"/>
+                </a:solidFill>
+              </a:rPr>
+              <a:t>;</a:t>
+            </a:r>
+            <a:endParaRPr lang="en-US" sz="3600" dirty="0" smtClean="0">
+              <a:solidFill>
+                <a:srgbClr val="1E3272"/>
+              </a:solidFill>
+            </a:endParaRPr>
+          </a:p>
+          <a:p>
+            <a:pPr>
+              <a:lnSpc>
+                <a:spcPct val="90000"/>
+              </a:lnSpc>
+            </a:pPr>
+            <a:r>
+              <a:rPr lang="en-US" sz="3600" dirty="0" smtClean="0">
+                <a:solidFill>
+                  <a:srgbClr val="1E3272"/>
+                </a:solidFill>
+              </a:rPr>
+              <a:t>}</a:t>
+            </a:r>
+            <a:endParaRPr lang="en-US" sz="3600" dirty="0">
+              <a:solidFill>
+                <a:srgbClr val="1E3272"/>
+              </a:solidFill>
+            </a:endParaRPr>
+          </a:p>
+        </p:txBody>
+      </p:sp>
+      <p:sp>
+        <p:nvSpPr>
+          <p:cNvPr id="7" name="Rectangle 4"/>
+          <p:cNvSpPr/>
+          <p:nvPr/>
+        </p:nvSpPr>
+        <p:spPr>
+          <a:xfrm>
+            <a:off x="6780793" y="1039947"/>
+            <a:ext cx="4074447" cy="5607689"/>
+          </a:xfrm>
+          <a:prstGeom prst="rect">
+            <a:avLst/>
+          </a:prstGeom>
+        </p:spPr>
+        <p:txBody>
+          <a:bodyPr wrap="square">
+            <a:spAutoFit/>
+          </a:bodyPr>
+          <a:lstStyle/>
+          <a:p>
+            <a:pPr>
+              <a:lnSpc>
+                <a:spcPct val="80000"/>
+              </a:lnSpc>
+            </a:pPr>
+            <a:r>
+              <a:rPr lang="en-US" sz="2800" b="1" i="1" dirty="0" smtClean="0">
+                <a:solidFill>
+                  <a:srgbClr val="1E3272"/>
+                </a:solidFill>
+              </a:rPr>
+              <a:t>if_0</a:t>
+            </a:r>
+            <a:r>
+              <a:rPr lang="en-US" sz="2800" i="1" dirty="0" smtClean="0">
+                <a:solidFill>
+                  <a:srgbClr val="1E3272"/>
+                </a:solidFill>
+              </a:rPr>
+              <a:t>:</a:t>
+            </a:r>
+          </a:p>
+          <a:p>
+            <a:pPr>
+              <a:lnSpc>
+                <a:spcPct val="80000"/>
+              </a:lnSpc>
+            </a:pPr>
+            <a:r>
+              <a:rPr lang="en-US" sz="2800" dirty="0" smtClean="0">
+                <a:solidFill>
+                  <a:srgbClr val="1E3272"/>
+                </a:solidFill>
+              </a:rPr>
+              <a:t>  </a:t>
+            </a:r>
+            <a:r>
+              <a:rPr lang="en-US" sz="2800" dirty="0" smtClean="0">
+                <a:solidFill>
+                  <a:srgbClr val="1E3272"/>
+                </a:solidFill>
+              </a:rPr>
+              <a:t>  </a:t>
+            </a:r>
+            <a:r>
+              <a:rPr lang="en-US" sz="2800" dirty="0" err="1" smtClean="0">
+                <a:solidFill>
+                  <a:srgbClr val="0070C0"/>
+                </a:solidFill>
+              </a:rPr>
+              <a:t>bnez</a:t>
+            </a:r>
+            <a:r>
+              <a:rPr lang="en-US" sz="2800" dirty="0" smtClean="0">
+                <a:solidFill>
+                  <a:srgbClr val="0070C0"/>
+                </a:solidFill>
+              </a:rPr>
+              <a:t> </a:t>
+            </a:r>
+            <a:r>
+              <a:rPr lang="en-US" sz="2800" dirty="0" smtClean="0">
+                <a:solidFill>
+                  <a:srgbClr val="1E3272"/>
+                </a:solidFill>
+              </a:rPr>
+              <a:t> </a:t>
+            </a:r>
+            <a:r>
+              <a:rPr lang="en-US" sz="2800" dirty="0" smtClean="0">
+                <a:solidFill>
+                  <a:srgbClr val="FF0000"/>
+                </a:solidFill>
+              </a:rPr>
+              <a:t>t0</a:t>
+            </a:r>
+            <a:r>
+              <a:rPr lang="en-US" sz="2800" dirty="0" smtClean="0">
+                <a:solidFill>
+                  <a:srgbClr val="1E3272"/>
+                </a:solidFill>
+              </a:rPr>
+              <a:t>,</a:t>
+            </a:r>
+            <a:r>
+              <a:rPr lang="en-US" sz="2800" i="1" dirty="0" smtClean="0">
+                <a:solidFill>
+                  <a:srgbClr val="1E3272"/>
+                </a:solidFill>
+              </a:rPr>
+              <a:t> if_less_0</a:t>
+            </a:r>
+          </a:p>
+          <a:p>
+            <a:pPr>
+              <a:lnSpc>
+                <a:spcPct val="80000"/>
+              </a:lnSpc>
+            </a:pPr>
+            <a:r>
+              <a:rPr lang="en-US" sz="2800" dirty="0" smtClean="0">
+                <a:solidFill>
+                  <a:srgbClr val="1E3272"/>
+                </a:solidFill>
+              </a:rPr>
+              <a:t>  </a:t>
+            </a:r>
+            <a:r>
+              <a:rPr lang="en-US" sz="2800" dirty="0" smtClean="0">
+                <a:solidFill>
+                  <a:srgbClr val="1E3272"/>
+                </a:solidFill>
+              </a:rPr>
+              <a:t>  </a:t>
+            </a:r>
+            <a:r>
+              <a:rPr lang="en-US" sz="2800" dirty="0" err="1" smtClean="0">
+                <a:solidFill>
+                  <a:srgbClr val="0070C0"/>
+                </a:solidFill>
+              </a:rPr>
+              <a:t>li</a:t>
+            </a:r>
+            <a:r>
+              <a:rPr lang="en-US" sz="2800" dirty="0" smtClean="0">
+                <a:solidFill>
+                  <a:srgbClr val="1E3272"/>
+                </a:solidFill>
+              </a:rPr>
+              <a:t>   </a:t>
+            </a:r>
+            <a:r>
+              <a:rPr lang="en-US" sz="2800" dirty="0" smtClean="0">
+                <a:solidFill>
+                  <a:srgbClr val="1E3272"/>
+                </a:solidFill>
+              </a:rPr>
+              <a:t>      </a:t>
+            </a:r>
+            <a:r>
+              <a:rPr lang="en-US" sz="2800" dirty="0" smtClean="0">
+                <a:solidFill>
+                  <a:srgbClr val="FF0000"/>
+                </a:solidFill>
+              </a:rPr>
+              <a:t>t1</a:t>
+            </a:r>
+            <a:r>
+              <a:rPr lang="en-US" sz="2800" dirty="0" smtClean="0">
+                <a:solidFill>
+                  <a:srgbClr val="1E3272"/>
+                </a:solidFill>
+              </a:rPr>
+              <a:t>, </a:t>
+            </a:r>
+            <a:r>
+              <a:rPr lang="en-US" sz="2800" dirty="0" smtClean="0">
+                <a:solidFill>
+                  <a:srgbClr val="0070C0"/>
+                </a:solidFill>
+              </a:rPr>
+              <a:t>1</a:t>
+            </a:r>
+          </a:p>
+          <a:p>
+            <a:pPr>
+              <a:lnSpc>
+                <a:spcPct val="80000"/>
+              </a:lnSpc>
+            </a:pPr>
+            <a:r>
+              <a:rPr lang="en-US" sz="2800" dirty="0" smtClean="0">
+                <a:solidFill>
+                  <a:srgbClr val="1E3272"/>
+                </a:solidFill>
+              </a:rPr>
+              <a:t>   </a:t>
+            </a:r>
+            <a:r>
+              <a:rPr lang="en-US" sz="2800" dirty="0" smtClean="0">
+                <a:solidFill>
+                  <a:srgbClr val="1E3272"/>
+                </a:solidFill>
+              </a:rPr>
+              <a:t> </a:t>
+            </a:r>
+            <a:r>
+              <a:rPr lang="en-US" sz="2800" dirty="0" smtClean="0">
+                <a:solidFill>
+                  <a:srgbClr val="0070C0"/>
+                </a:solidFill>
+              </a:rPr>
+              <a:t>b</a:t>
+            </a:r>
+            <a:r>
+              <a:rPr lang="en-US" sz="2800" dirty="0" smtClean="0">
+                <a:solidFill>
+                  <a:srgbClr val="1E3272"/>
+                </a:solidFill>
+              </a:rPr>
+              <a:t>         </a:t>
+            </a:r>
+            <a:r>
+              <a:rPr lang="en-US" sz="2800" i="1" dirty="0" err="1" smtClean="0">
+                <a:solidFill>
+                  <a:srgbClr val="1E3272"/>
+                </a:solidFill>
+              </a:rPr>
+              <a:t>end_if</a:t>
+            </a:r>
+            <a:endParaRPr lang="en-US" sz="2800" i="1" dirty="0" smtClean="0">
+              <a:solidFill>
+                <a:srgbClr val="1E3272"/>
+              </a:solidFill>
+            </a:endParaRPr>
+          </a:p>
+          <a:p>
+            <a:pPr>
+              <a:lnSpc>
+                <a:spcPct val="80000"/>
+              </a:lnSpc>
+            </a:pPr>
+            <a:r>
+              <a:rPr lang="en-US" sz="2800" b="1" i="1" dirty="0" smtClean="0">
+                <a:solidFill>
+                  <a:srgbClr val="1E3272"/>
+                </a:solidFill>
+              </a:rPr>
+              <a:t>if_less_0</a:t>
+            </a:r>
+            <a:r>
+              <a:rPr lang="en-US" sz="2800" i="1" dirty="0" smtClean="0">
+                <a:solidFill>
+                  <a:srgbClr val="1E3272"/>
+                </a:solidFill>
+              </a:rPr>
+              <a:t>:</a:t>
+            </a:r>
+          </a:p>
+          <a:p>
+            <a:pPr>
+              <a:lnSpc>
+                <a:spcPct val="80000"/>
+              </a:lnSpc>
+            </a:pPr>
+            <a:r>
+              <a:rPr lang="en-US" sz="2800" dirty="0" smtClean="0">
+                <a:solidFill>
+                  <a:srgbClr val="1E3272"/>
+                </a:solidFill>
+              </a:rPr>
+              <a:t>  </a:t>
+            </a:r>
+            <a:r>
+              <a:rPr lang="en-US" sz="2800" dirty="0" smtClean="0">
+                <a:solidFill>
+                  <a:srgbClr val="1E3272"/>
+                </a:solidFill>
+              </a:rPr>
+              <a:t>  </a:t>
+            </a:r>
+            <a:r>
+              <a:rPr lang="en-US" sz="2800" dirty="0" err="1" smtClean="0">
+                <a:solidFill>
+                  <a:srgbClr val="0070C0"/>
+                </a:solidFill>
+              </a:rPr>
+              <a:t>bgtz</a:t>
+            </a:r>
+            <a:r>
+              <a:rPr lang="en-US" sz="2800" dirty="0" smtClean="0">
+                <a:solidFill>
+                  <a:srgbClr val="1E3272"/>
+                </a:solidFill>
+              </a:rPr>
+              <a:t> </a:t>
+            </a:r>
+            <a:r>
+              <a:rPr lang="en-US" sz="2800" dirty="0" smtClean="0">
+                <a:solidFill>
+                  <a:srgbClr val="1E3272"/>
+                </a:solidFill>
+              </a:rPr>
+              <a:t>  </a:t>
+            </a:r>
+            <a:r>
+              <a:rPr lang="en-US" sz="2800" dirty="0" smtClean="0">
+                <a:solidFill>
+                  <a:srgbClr val="FF0000"/>
+                </a:solidFill>
+              </a:rPr>
+              <a:t>t0</a:t>
+            </a:r>
+            <a:r>
+              <a:rPr lang="en-US" sz="2800" dirty="0" smtClean="0">
+                <a:solidFill>
+                  <a:srgbClr val="1E3272"/>
+                </a:solidFill>
+              </a:rPr>
+              <a:t>, </a:t>
+            </a:r>
+            <a:r>
+              <a:rPr lang="en-US" sz="2800" i="1" dirty="0" smtClean="0">
+                <a:solidFill>
+                  <a:srgbClr val="1E3272"/>
+                </a:solidFill>
+              </a:rPr>
+              <a:t>if_greater_10</a:t>
+            </a:r>
+          </a:p>
+          <a:p>
+            <a:pPr>
+              <a:lnSpc>
+                <a:spcPct val="80000"/>
+              </a:lnSpc>
+            </a:pPr>
+            <a:r>
+              <a:rPr lang="en-US" sz="2800" dirty="0" smtClean="0">
+                <a:solidFill>
+                  <a:srgbClr val="1E3272"/>
+                </a:solidFill>
+              </a:rPr>
+              <a:t>   </a:t>
+            </a:r>
+            <a:r>
+              <a:rPr lang="en-US" sz="2800" dirty="0" smtClean="0">
+                <a:solidFill>
+                  <a:srgbClr val="1E3272"/>
+                </a:solidFill>
+              </a:rPr>
+              <a:t> </a:t>
+            </a:r>
+            <a:r>
+              <a:rPr lang="en-US" sz="2800" dirty="0" err="1" smtClean="0">
+                <a:solidFill>
+                  <a:srgbClr val="0070C0"/>
+                </a:solidFill>
+              </a:rPr>
+              <a:t>li</a:t>
+            </a:r>
+            <a:r>
+              <a:rPr lang="en-US" sz="2800" dirty="0" smtClean="0">
+                <a:solidFill>
+                  <a:srgbClr val="1E3272"/>
+                </a:solidFill>
+              </a:rPr>
+              <a:t>         </a:t>
+            </a:r>
+            <a:r>
+              <a:rPr lang="en-US" sz="2800" dirty="0" smtClean="0">
+                <a:solidFill>
+                  <a:srgbClr val="FF0000"/>
+                </a:solidFill>
+              </a:rPr>
+              <a:t>t1</a:t>
+            </a:r>
+            <a:r>
+              <a:rPr lang="en-US" sz="2800" dirty="0" smtClean="0">
+                <a:solidFill>
+                  <a:srgbClr val="1E3272"/>
+                </a:solidFill>
+              </a:rPr>
+              <a:t>, </a:t>
+            </a:r>
+            <a:r>
+              <a:rPr lang="en-US" sz="2800" dirty="0" smtClean="0">
+                <a:solidFill>
+                  <a:srgbClr val="0070C0"/>
+                </a:solidFill>
+              </a:rPr>
+              <a:t>2</a:t>
+            </a:r>
+          </a:p>
+          <a:p>
+            <a:pPr>
+              <a:lnSpc>
+                <a:spcPct val="80000"/>
+              </a:lnSpc>
+            </a:pPr>
+            <a:r>
+              <a:rPr lang="en-US" sz="2800" dirty="0" smtClean="0">
+                <a:solidFill>
+                  <a:srgbClr val="1E3272"/>
+                </a:solidFill>
+              </a:rPr>
+              <a:t>  </a:t>
+            </a:r>
+            <a:r>
+              <a:rPr lang="en-US" sz="2800" dirty="0" smtClean="0">
+                <a:solidFill>
+                  <a:srgbClr val="1E3272"/>
+                </a:solidFill>
+              </a:rPr>
+              <a:t>  </a:t>
+            </a:r>
+            <a:r>
+              <a:rPr lang="en-US" sz="2800" dirty="0" smtClean="0">
+                <a:solidFill>
+                  <a:srgbClr val="0070C0"/>
+                </a:solidFill>
+              </a:rPr>
+              <a:t>b</a:t>
+            </a:r>
+            <a:r>
+              <a:rPr lang="en-US" sz="2800" dirty="0" smtClean="0">
+                <a:solidFill>
+                  <a:srgbClr val="1E3272"/>
+                </a:solidFill>
+              </a:rPr>
+              <a:t>    </a:t>
+            </a:r>
+            <a:r>
+              <a:rPr lang="en-US" sz="2800" dirty="0" smtClean="0">
+                <a:solidFill>
+                  <a:srgbClr val="1E3272"/>
+                </a:solidFill>
+              </a:rPr>
+              <a:t>    </a:t>
+            </a:r>
+            <a:r>
+              <a:rPr lang="en-US" sz="2800" i="1" dirty="0" err="1" smtClean="0">
+                <a:solidFill>
+                  <a:srgbClr val="1E3272"/>
+                </a:solidFill>
+              </a:rPr>
+              <a:t>end_if</a:t>
+            </a:r>
+            <a:endParaRPr lang="en-US" sz="2800" i="1" dirty="0" smtClean="0">
+              <a:solidFill>
+                <a:srgbClr val="1E3272"/>
+              </a:solidFill>
+            </a:endParaRPr>
+          </a:p>
+          <a:p>
+            <a:pPr>
+              <a:lnSpc>
+                <a:spcPct val="80000"/>
+              </a:lnSpc>
+            </a:pPr>
+            <a:r>
+              <a:rPr lang="en-US" sz="2800" b="1" i="1" dirty="0" smtClean="0">
+                <a:solidFill>
+                  <a:srgbClr val="1E3272"/>
+                </a:solidFill>
+              </a:rPr>
+              <a:t>if_greater_10</a:t>
+            </a:r>
+            <a:r>
+              <a:rPr lang="en-US" sz="2800" i="1" dirty="0" smtClean="0">
+                <a:solidFill>
+                  <a:srgbClr val="1E3272"/>
+                </a:solidFill>
+              </a:rPr>
+              <a:t>:</a:t>
+            </a:r>
+          </a:p>
+          <a:p>
+            <a:pPr>
+              <a:lnSpc>
+                <a:spcPct val="80000"/>
+              </a:lnSpc>
+            </a:pPr>
+            <a:r>
+              <a:rPr lang="en-US" sz="2800" dirty="0" smtClean="0">
+                <a:solidFill>
+                  <a:srgbClr val="1E3272"/>
+                </a:solidFill>
+              </a:rPr>
+              <a:t>   </a:t>
+            </a:r>
+            <a:r>
+              <a:rPr lang="en-US" sz="2800" dirty="0" smtClean="0">
+                <a:solidFill>
+                  <a:srgbClr val="1E3272"/>
+                </a:solidFill>
+              </a:rPr>
+              <a:t> </a:t>
+            </a:r>
+            <a:r>
+              <a:rPr lang="en-US" sz="2800" dirty="0" err="1" smtClean="0">
+                <a:solidFill>
+                  <a:srgbClr val="0070C0"/>
+                </a:solidFill>
+              </a:rPr>
+              <a:t>li</a:t>
+            </a:r>
+            <a:r>
+              <a:rPr lang="en-US" sz="2800" dirty="0" smtClean="0">
+                <a:solidFill>
+                  <a:srgbClr val="1E3272"/>
+                </a:solidFill>
+              </a:rPr>
+              <a:t>         </a:t>
+            </a:r>
+            <a:r>
+              <a:rPr lang="en-US" sz="2800" dirty="0" smtClean="0">
+                <a:solidFill>
+                  <a:srgbClr val="FF0000"/>
+                </a:solidFill>
+              </a:rPr>
+              <a:t>t3</a:t>
+            </a:r>
+            <a:r>
+              <a:rPr lang="en-US" sz="2800" dirty="0" smtClean="0">
+                <a:solidFill>
+                  <a:srgbClr val="1E3272"/>
+                </a:solidFill>
+              </a:rPr>
+              <a:t>, </a:t>
+            </a:r>
+            <a:r>
+              <a:rPr lang="en-US" sz="2800" dirty="0" smtClean="0">
+                <a:solidFill>
+                  <a:srgbClr val="0070C0"/>
+                </a:solidFill>
+              </a:rPr>
+              <a:t>10</a:t>
+            </a:r>
+          </a:p>
+          <a:p>
+            <a:pPr>
+              <a:lnSpc>
+                <a:spcPct val="80000"/>
+              </a:lnSpc>
+            </a:pPr>
+            <a:r>
+              <a:rPr lang="en-US" sz="2800" dirty="0" smtClean="0">
+                <a:solidFill>
+                  <a:srgbClr val="1E3272"/>
+                </a:solidFill>
+              </a:rPr>
+              <a:t>  </a:t>
+            </a:r>
+            <a:r>
+              <a:rPr lang="en-US" sz="2800" dirty="0" smtClean="0">
+                <a:solidFill>
+                  <a:srgbClr val="1E3272"/>
+                </a:solidFill>
+              </a:rPr>
+              <a:t>  </a:t>
+            </a:r>
+            <a:r>
+              <a:rPr lang="en-US" sz="2800" dirty="0" err="1" smtClean="0">
+                <a:solidFill>
+                  <a:srgbClr val="0070C0"/>
+                </a:solidFill>
+              </a:rPr>
+              <a:t>ble</a:t>
+            </a:r>
+            <a:r>
+              <a:rPr lang="en-US" sz="2800" dirty="0" smtClean="0">
+                <a:solidFill>
+                  <a:srgbClr val="1E3272"/>
+                </a:solidFill>
+              </a:rPr>
+              <a:t>  </a:t>
+            </a:r>
+            <a:r>
+              <a:rPr lang="en-US" sz="2800" dirty="0" smtClean="0">
+                <a:solidFill>
+                  <a:srgbClr val="1E3272"/>
+                </a:solidFill>
+              </a:rPr>
+              <a:t>    </a:t>
+            </a:r>
+            <a:r>
+              <a:rPr lang="en-US" sz="2800" dirty="0" smtClean="0">
+                <a:solidFill>
+                  <a:srgbClr val="FF0000"/>
+                </a:solidFill>
+              </a:rPr>
+              <a:t>t0</a:t>
+            </a:r>
+            <a:r>
+              <a:rPr lang="en-US" sz="2800" dirty="0" smtClean="0">
+                <a:solidFill>
+                  <a:srgbClr val="1E3272"/>
+                </a:solidFill>
+              </a:rPr>
+              <a:t>, </a:t>
+            </a:r>
+            <a:r>
+              <a:rPr lang="en-US" sz="2800" dirty="0" smtClean="0">
+                <a:solidFill>
+                  <a:srgbClr val="FF0000"/>
+                </a:solidFill>
+              </a:rPr>
+              <a:t>t3</a:t>
+            </a:r>
+            <a:r>
+              <a:rPr lang="en-US" sz="2800" dirty="0" smtClean="0">
+                <a:solidFill>
+                  <a:srgbClr val="1E3272"/>
+                </a:solidFill>
+              </a:rPr>
+              <a:t>, </a:t>
+            </a:r>
+            <a:r>
+              <a:rPr lang="en-US" sz="2800" i="1" dirty="0" smtClean="0">
+                <a:solidFill>
+                  <a:srgbClr val="1E3272"/>
+                </a:solidFill>
+              </a:rPr>
+              <a:t>else</a:t>
+            </a:r>
+          </a:p>
+          <a:p>
+            <a:pPr>
+              <a:lnSpc>
+                <a:spcPct val="80000"/>
+              </a:lnSpc>
+            </a:pPr>
+            <a:r>
+              <a:rPr lang="en-US" sz="2800" dirty="0" smtClean="0">
+                <a:solidFill>
+                  <a:srgbClr val="1E3272"/>
+                </a:solidFill>
+              </a:rPr>
+              <a:t>   </a:t>
+            </a:r>
+            <a:r>
+              <a:rPr lang="en-US" sz="2800" dirty="0" smtClean="0">
+                <a:solidFill>
+                  <a:srgbClr val="1E3272"/>
+                </a:solidFill>
+              </a:rPr>
+              <a:t> </a:t>
+            </a:r>
+            <a:r>
+              <a:rPr lang="en-US" sz="2800" dirty="0" err="1" smtClean="0">
+                <a:solidFill>
+                  <a:srgbClr val="0070C0"/>
+                </a:solidFill>
+              </a:rPr>
+              <a:t>li</a:t>
+            </a:r>
+            <a:r>
+              <a:rPr lang="en-US" sz="2800" dirty="0" smtClean="0">
+                <a:solidFill>
+                  <a:srgbClr val="1E3272"/>
+                </a:solidFill>
+              </a:rPr>
+              <a:t>          </a:t>
+            </a:r>
+            <a:r>
+              <a:rPr lang="en-US" sz="2800" dirty="0" smtClean="0">
+                <a:solidFill>
+                  <a:srgbClr val="FF0000"/>
+                </a:solidFill>
+              </a:rPr>
+              <a:t>t1</a:t>
+            </a:r>
+            <a:r>
+              <a:rPr lang="en-US" sz="2800" dirty="0" smtClean="0">
+                <a:solidFill>
+                  <a:srgbClr val="1E3272"/>
+                </a:solidFill>
+              </a:rPr>
+              <a:t>, </a:t>
+            </a:r>
+            <a:r>
+              <a:rPr lang="en-US" sz="2800" dirty="0" smtClean="0">
+                <a:solidFill>
+                  <a:srgbClr val="0070C0"/>
+                </a:solidFill>
+              </a:rPr>
+              <a:t>3</a:t>
+            </a:r>
+          </a:p>
+          <a:p>
+            <a:pPr>
+              <a:lnSpc>
+                <a:spcPct val="80000"/>
+              </a:lnSpc>
+            </a:pPr>
+            <a:r>
+              <a:rPr lang="en-US" sz="2800" dirty="0" smtClean="0">
+                <a:solidFill>
+                  <a:srgbClr val="1E3272"/>
+                </a:solidFill>
+              </a:rPr>
+              <a:t>   </a:t>
+            </a:r>
+            <a:r>
+              <a:rPr lang="en-US" sz="2800" dirty="0" smtClean="0">
+                <a:solidFill>
+                  <a:srgbClr val="1E3272"/>
+                </a:solidFill>
+              </a:rPr>
+              <a:t> </a:t>
+            </a:r>
+            <a:r>
+              <a:rPr lang="en-US" sz="2800" dirty="0" smtClean="0">
+                <a:solidFill>
+                  <a:srgbClr val="0070C0"/>
+                </a:solidFill>
+              </a:rPr>
+              <a:t>b</a:t>
+            </a:r>
+            <a:r>
+              <a:rPr lang="en-US" sz="2800" dirty="0" smtClean="0">
+                <a:solidFill>
+                  <a:srgbClr val="1E3272"/>
+                </a:solidFill>
+              </a:rPr>
+              <a:t>         </a:t>
+            </a:r>
+            <a:r>
+              <a:rPr lang="en-US" sz="2800" i="1" dirty="0" err="1" smtClean="0">
+                <a:solidFill>
+                  <a:srgbClr val="1E3272"/>
+                </a:solidFill>
+              </a:rPr>
+              <a:t>end_if</a:t>
+            </a:r>
+            <a:endParaRPr lang="en-US" sz="2800" i="1" dirty="0" smtClean="0">
+              <a:solidFill>
+                <a:srgbClr val="1E3272"/>
+              </a:solidFill>
+            </a:endParaRPr>
+          </a:p>
+          <a:p>
+            <a:pPr>
+              <a:lnSpc>
+                <a:spcPct val="80000"/>
+              </a:lnSpc>
+            </a:pPr>
+            <a:r>
+              <a:rPr lang="en-US" sz="2800" b="1" i="1" dirty="0" smtClean="0">
+                <a:solidFill>
+                  <a:srgbClr val="1E3272"/>
+                </a:solidFill>
+              </a:rPr>
+              <a:t>else</a:t>
+            </a:r>
+            <a:r>
+              <a:rPr lang="en-US" sz="2800" i="1" dirty="0" smtClean="0">
+                <a:solidFill>
+                  <a:srgbClr val="1E3272"/>
+                </a:solidFill>
+              </a:rPr>
+              <a:t>:</a:t>
+            </a:r>
+          </a:p>
+          <a:p>
+            <a:pPr>
+              <a:lnSpc>
+                <a:spcPct val="80000"/>
+              </a:lnSpc>
+            </a:pPr>
+            <a:r>
+              <a:rPr lang="en-US" sz="2800" dirty="0" smtClean="0">
+                <a:solidFill>
+                  <a:srgbClr val="1E3272"/>
+                </a:solidFill>
+              </a:rPr>
+              <a:t>   </a:t>
+            </a:r>
+            <a:r>
+              <a:rPr lang="en-US" sz="2800" dirty="0" smtClean="0">
+                <a:solidFill>
+                  <a:srgbClr val="1E3272"/>
+                </a:solidFill>
+              </a:rPr>
+              <a:t> </a:t>
+            </a:r>
+            <a:r>
+              <a:rPr lang="en-US" sz="2800" dirty="0" err="1" smtClean="0">
+                <a:solidFill>
+                  <a:srgbClr val="0070C0"/>
+                </a:solidFill>
+              </a:rPr>
+              <a:t>li</a:t>
+            </a:r>
+            <a:r>
+              <a:rPr lang="en-US" sz="2800" dirty="0" smtClean="0">
+                <a:solidFill>
+                  <a:srgbClr val="1E3272"/>
+                </a:solidFill>
+              </a:rPr>
+              <a:t>         </a:t>
+            </a:r>
+            <a:r>
+              <a:rPr lang="en-US" sz="2800" dirty="0" smtClean="0">
+                <a:solidFill>
+                  <a:srgbClr val="FF0000"/>
+                </a:solidFill>
+              </a:rPr>
+              <a:t>t1</a:t>
+            </a:r>
+            <a:r>
+              <a:rPr lang="en-US" sz="2800" dirty="0" smtClean="0">
+                <a:solidFill>
+                  <a:srgbClr val="1E3272"/>
+                </a:solidFill>
+              </a:rPr>
+              <a:t>, </a:t>
+            </a:r>
+            <a:r>
+              <a:rPr lang="en-US" sz="2800" dirty="0" smtClean="0">
+                <a:solidFill>
+                  <a:srgbClr val="0070C0"/>
+                </a:solidFill>
+              </a:rPr>
+              <a:t>4</a:t>
+            </a:r>
+          </a:p>
+          <a:p>
+            <a:pPr>
+              <a:lnSpc>
+                <a:spcPct val="80000"/>
+              </a:lnSpc>
+            </a:pPr>
+            <a:r>
+              <a:rPr lang="en-US" sz="2800" b="1" i="1" dirty="0" err="1" smtClean="0">
+                <a:solidFill>
+                  <a:srgbClr val="1E3272"/>
+                </a:solidFill>
+              </a:rPr>
+              <a:t>end_if</a:t>
+            </a:r>
+            <a:r>
+              <a:rPr lang="en-US" sz="2800" i="1" dirty="0" smtClean="0">
+                <a:solidFill>
+                  <a:srgbClr val="1E3272"/>
+                </a:solidFill>
+              </a:rPr>
+              <a:t>:</a:t>
+            </a:r>
+            <a:endParaRPr lang="en-US" sz="2800" i="1" dirty="0" smtClean="0">
+              <a:solidFill>
+                <a:srgbClr val="1E3272"/>
+              </a:solidFill>
+            </a:endParaRPr>
+          </a:p>
+        </p:txBody>
+      </p:sp>
+      <p:cxnSp>
+        <p:nvCxnSpPr>
+          <p:cNvPr id="9" name="Прямая со стрелкой 8"/>
+          <p:cNvCxnSpPr/>
+          <p:nvPr/>
+        </p:nvCxnSpPr>
+        <p:spPr>
+          <a:xfrm flipV="1">
+            <a:off x="3644542" y="1619794"/>
+            <a:ext cx="3344092" cy="378823"/>
+          </a:xfrm>
+          <a:prstGeom prst="straightConnector1">
+            <a:avLst/>
+          </a:prstGeom>
+          <a:ln w="38100">
+            <a:solidFill>
+              <a:srgbClr val="F7B217"/>
+            </a:solidFill>
+            <a:tailEnd type="triangle" w="lg" len="lg"/>
+          </a:ln>
+        </p:spPr>
+        <p:style>
+          <a:lnRef idx="1">
+            <a:schemeClr val="accent1"/>
+          </a:lnRef>
+          <a:fillRef idx="0">
+            <a:schemeClr val="accent1"/>
+          </a:fillRef>
+          <a:effectRef idx="0">
+            <a:schemeClr val="accent1"/>
+          </a:effectRef>
+          <a:fontRef idx="minor">
+            <a:schemeClr val="tx1"/>
+          </a:fontRef>
+        </p:style>
+      </p:cxnSp>
+      <p:cxnSp>
+        <p:nvCxnSpPr>
+          <p:cNvPr id="12" name="Прямая со стрелкой 11"/>
+          <p:cNvCxnSpPr/>
+          <p:nvPr/>
+        </p:nvCxnSpPr>
+        <p:spPr>
+          <a:xfrm>
+            <a:off x="2704017" y="5003074"/>
+            <a:ext cx="4271554" cy="1005840"/>
+          </a:xfrm>
+          <a:prstGeom prst="straightConnector1">
+            <a:avLst/>
+          </a:prstGeom>
+          <a:ln w="38100">
+            <a:solidFill>
+              <a:srgbClr val="F7B217"/>
+            </a:solidFill>
+            <a:tailEnd type="triangle" w="lg" len="lg"/>
+          </a:ln>
+        </p:spPr>
+        <p:style>
+          <a:lnRef idx="1">
+            <a:schemeClr val="accent1"/>
+          </a:lnRef>
+          <a:fillRef idx="0">
+            <a:schemeClr val="accent1"/>
+          </a:fillRef>
+          <a:effectRef idx="0">
+            <a:schemeClr val="accent1"/>
+          </a:effectRef>
+          <a:fontRef idx="minor">
+            <a:schemeClr val="tx1"/>
+          </a:fontRef>
+        </p:style>
+      </p:cxnSp>
+      <p:cxnSp>
+        <p:nvCxnSpPr>
+          <p:cNvPr id="15" name="Прямая со стрелкой 14"/>
+          <p:cNvCxnSpPr/>
+          <p:nvPr/>
+        </p:nvCxnSpPr>
+        <p:spPr>
+          <a:xfrm flipV="1">
+            <a:off x="4532817" y="2965270"/>
+            <a:ext cx="2416628" cy="26124"/>
+          </a:xfrm>
+          <a:prstGeom prst="straightConnector1">
+            <a:avLst/>
+          </a:prstGeom>
+          <a:ln w="38100">
+            <a:solidFill>
+              <a:srgbClr val="F7B217"/>
+            </a:solidFill>
+            <a:tailEnd type="triangle" w="lg" len="lg"/>
+          </a:ln>
+        </p:spPr>
+        <p:style>
+          <a:lnRef idx="1">
+            <a:schemeClr val="accent1"/>
+          </a:lnRef>
+          <a:fillRef idx="0">
+            <a:schemeClr val="accent1"/>
+          </a:fillRef>
+          <a:effectRef idx="0">
+            <a:schemeClr val="accent1"/>
+          </a:effectRef>
+          <a:fontRef idx="minor">
+            <a:schemeClr val="tx1"/>
+          </a:fontRef>
+        </p:style>
+      </p:cxnSp>
+      <p:cxnSp>
+        <p:nvCxnSpPr>
+          <p:cNvPr id="18" name="Прямая со стрелкой 17"/>
+          <p:cNvCxnSpPr/>
+          <p:nvPr/>
+        </p:nvCxnSpPr>
+        <p:spPr>
+          <a:xfrm>
+            <a:off x="4937765" y="3944983"/>
+            <a:ext cx="2063932" cy="391886"/>
+          </a:xfrm>
+          <a:prstGeom prst="straightConnector1">
+            <a:avLst/>
+          </a:prstGeom>
+          <a:ln w="38100">
+            <a:solidFill>
+              <a:srgbClr val="F7B217"/>
+            </a:solidFill>
+            <a:tailEnd type="triangle" w="lg" len="lg"/>
+          </a:ln>
+        </p:spPr>
+        <p:style>
+          <a:lnRef idx="1">
+            <a:schemeClr val="accent1"/>
+          </a:lnRef>
+          <a:fillRef idx="0">
+            <a:schemeClr val="accent1"/>
+          </a:fillRef>
+          <a:effectRef idx="0">
+            <a:schemeClr val="accent1"/>
+          </a:effectRef>
+          <a:fontRef idx="minor">
+            <a:schemeClr val="tx1"/>
+          </a:fontRef>
+        </p:style>
+      </p:cxnSp>
+    </p:spTree>
   </p:cSld>
   <p:clrMapOvr>
     <a:masterClrMapping/>
@@ -7721,7 +11829,7 @@
   <a:extraClrSchemeLst/>
   <a:extLst>
     <a:ext uri="{05A4C25C-085E-4340-85A3-A5531E510DB2}">
-      <thm15:themeFamily xmlns:thm15="http://schemas.microsoft.com/office/thememl/2012/main" name="Office Theme" id="{62F939B6-93AF-4DB8-9C6B-D6C7DFDC589F}" vid="{4A3C46E8-61CC-4603-A589-7422A47A8E4A}"/>
+      <thm15:themeFamily xmlns:thm15="http://schemas.microsoft.com/office/thememl/2012/main" xmlns="" name="Office Theme" id="{62F939B6-93AF-4DB8-9C6B-D6C7DFDC589F}" vid="{4A3C46E8-61CC-4603-A589-7422A47A8E4A}"/>
     </a:ext>
   </a:extLst>
 </a:theme>
@@ -7982,7 +12090,7 @@
   <a:extraClrSchemeLst/>
   <a:extLst>
     <a:ext uri="{05A4C25C-085E-4340-85A3-A5531E510DB2}">
-      <thm15:themeFamily xmlns:thm15="http://schemas.microsoft.com/office/thememl/2012/main" name="Office Theme" id="{62F939B6-93AF-4DB8-9C6B-D6C7DFDC589F}" vid="{4A3C46E8-61CC-4603-A589-7422A47A8E4A}"/>
+      <thm15:themeFamily xmlns:thm15="http://schemas.microsoft.com/office/thememl/2012/main" xmlns="" name="Office Theme" id="{62F939B6-93AF-4DB8-9C6B-D6C7DFDC589F}" vid="{4A3C46E8-61CC-4603-A589-7422A47A8E4A}"/>
     </a:ext>
   </a:extLst>
 </a:theme>
@@ -8243,7 +12351,7 @@
   <a:extraClrSchemeLst/>
   <a:extLst>
     <a:ext uri="{05A4C25C-085E-4340-85A3-A5531E510DB2}">
-      <thm15:themeFamily xmlns:thm15="http://schemas.microsoft.com/office/thememl/2012/main" name="Office Theme" id="{62F939B6-93AF-4DB8-9C6B-D6C7DFDC589F}" vid="{4A3C46E8-61CC-4603-A589-7422A47A8E4A}"/>
+      <thm15:themeFamily xmlns:thm15="http://schemas.microsoft.com/office/thememl/2012/main" xmlns="" name="Office Theme" id="{62F939B6-93AF-4DB8-9C6B-D6C7DFDC589F}" vid="{4A3C46E8-61CC-4603-A589-7422A47A8E4A}"/>
     </a:ext>
   </a:extLst>
 </a:theme>

--- a/docs/part1ca/05_MacrosBranchesArrays/CA_Lecture_05.pptx
+++ b/docs/part1ca/05_MacrosBranchesArrays/CA_Lecture_05.pptx
@@ -5,10 +5,10 @@
     <p:sldMasterId id="2147483648" r:id="rId1"/>
   </p:sldMasterIdLst>
   <p:notesMasterIdLst>
-    <p:notesMasterId r:id="rId14"/>
+    <p:notesMasterId r:id="rId18"/>
   </p:notesMasterIdLst>
   <p:handoutMasterIdLst>
-    <p:handoutMasterId r:id="rId15"/>
+    <p:handoutMasterId r:id="rId19"/>
   </p:handoutMasterIdLst>
   <p:sldIdLst>
     <p:sldId id="256" r:id="rId2"/>
@@ -22,7 +22,11 @@
     <p:sldId id="332" r:id="rId10"/>
     <p:sldId id="333" r:id="rId11"/>
     <p:sldId id="334" r:id="rId12"/>
-    <p:sldId id="272" r:id="rId13"/>
+    <p:sldId id="335" r:id="rId13"/>
+    <p:sldId id="336" r:id="rId14"/>
+    <p:sldId id="337" r:id="rId15"/>
+    <p:sldId id="338" r:id="rId16"/>
+    <p:sldId id="272" r:id="rId17"/>
   </p:sldIdLst>
   <p:sldSz cx="12192000" cy="6858000"/>
   <p:notesSz cx="6858000" cy="9144000"/>
@@ -123,7 +127,7 @@
   </p:defaultTextStyle>
   <p:extLst>
     <p:ext uri="{EFAFB233-063F-42B5-8137-9DF3F51BA10A}">
-      <p15:sldGuideLst xmlns:p15="http://schemas.microsoft.com/office/powerpoint/2012/main" xmlns="">
+      <p15:sldGuideLst xmlns="" xmlns:p15="http://schemas.microsoft.com/office/powerpoint/2012/main">
         <p15:guide id="1" orient="horz" pos="2160">
           <p15:clr>
             <a:srgbClr val="A4A3A4"/>
@@ -137,7 +141,7 @@
       </p15:sldGuideLst>
     </p:ext>
     <p:ext uri="{2D200454-40CA-4A62-9FC3-DE9A4176ACB9}">
-      <p15:notesGuideLst xmlns:p15="http://schemas.microsoft.com/office/powerpoint/2012/main" xmlns="">
+      <p15:notesGuideLst xmlns="" xmlns:p15="http://schemas.microsoft.com/office/powerpoint/2012/main">
         <p15:guide id="1" orient="horz" pos="2880">
           <p15:clr>
             <a:srgbClr val="A4A3A4"/>
@@ -321,7 +325,7 @@
     </p:spTree>
     <p:extLst>
       <p:ext uri="{BB962C8B-B14F-4D97-AF65-F5344CB8AC3E}">
-        <p14:creationId xmlns:p14="http://schemas.microsoft.com/office/powerpoint/2010/main" xmlns="" val="827279973"/>
+        <p14:creationId xmlns="" xmlns:p14="http://schemas.microsoft.com/office/powerpoint/2010/main" val="827279973"/>
       </p:ext>
     </p:extLst>
   </p:cSld>
@@ -582,7 +586,7 @@
     </p:spTree>
     <p:extLst>
       <p:ext uri="{BB962C8B-B14F-4D97-AF65-F5344CB8AC3E}">
-        <p14:creationId xmlns:p14="http://schemas.microsoft.com/office/powerpoint/2010/main" xmlns="" val="3865021395"/>
+        <p14:creationId xmlns="" xmlns:p14="http://schemas.microsoft.com/office/powerpoint/2010/main" val="3865021395"/>
       </p:ext>
     </p:extLst>
   </p:cSld>
@@ -796,7 +800,7 @@
     </p:spTree>
     <p:extLst>
       <p:ext uri="{BB962C8B-B14F-4D97-AF65-F5344CB8AC3E}">
-        <p14:creationId xmlns:p14="http://schemas.microsoft.com/office/powerpoint/2010/main" xmlns="" val="2381791527"/>
+        <p14:creationId xmlns="" xmlns:p14="http://schemas.microsoft.com/office/powerpoint/2010/main" val="2381791527"/>
       </p:ext>
     </p:extLst>
   </p:cSld>
@@ -910,7 +914,7 @@
             <a:fld id="{5583B3A5-99BF-45D9-956B-DC57CC23AD97}" type="slidenum">
               <a:rPr lang="ru-RU" smtClean="0"/>
               <a:pPr/>
-              <a:t>12</a:t>
+              <a:t>16</a:t>
             </a:fld>
             <a:endParaRPr lang="ru-RU"/>
           </a:p>
@@ -919,7 +923,7 @@
     </p:spTree>
     <p:extLst>
       <p:ext uri="{BB962C8B-B14F-4D97-AF65-F5344CB8AC3E}">
-        <p14:creationId xmlns:p14="http://schemas.microsoft.com/office/powerpoint/2010/main" xmlns="" val="1915950851"/>
+        <p14:creationId xmlns="" xmlns:p14="http://schemas.microsoft.com/office/powerpoint/2010/main" val="1915950851"/>
       </p:ext>
     </p:extLst>
   </p:cSld>
@@ -1179,7 +1183,7 @@
     </p:spTree>
     <p:extLst>
       <p:ext uri="{BB962C8B-B14F-4D97-AF65-F5344CB8AC3E}">
-        <p14:creationId xmlns:p14="http://schemas.microsoft.com/office/powerpoint/2010/main" xmlns="" val="322455162"/>
+        <p14:creationId xmlns="" xmlns:p14="http://schemas.microsoft.com/office/powerpoint/2010/main" val="322455162"/>
       </p:ext>
     </p:extLst>
   </p:cSld>
@@ -1353,7 +1357,7 @@
     </p:spTree>
     <p:extLst>
       <p:ext uri="{BB962C8B-B14F-4D97-AF65-F5344CB8AC3E}">
-        <p14:creationId xmlns:p14="http://schemas.microsoft.com/office/powerpoint/2010/main" xmlns="" val="971117636"/>
+        <p14:creationId xmlns="" xmlns:p14="http://schemas.microsoft.com/office/powerpoint/2010/main" val="971117636"/>
       </p:ext>
     </p:extLst>
   </p:cSld>
@@ -1530,7 +1534,7 @@
     </p:spTree>
     <p:extLst>
       <p:ext uri="{BB962C8B-B14F-4D97-AF65-F5344CB8AC3E}">
-        <p14:creationId xmlns:p14="http://schemas.microsoft.com/office/powerpoint/2010/main" xmlns="" val="3348877825"/>
+        <p14:creationId xmlns="" xmlns:p14="http://schemas.microsoft.com/office/powerpoint/2010/main" val="3348877825"/>
       </p:ext>
     </p:extLst>
   </p:cSld>
@@ -1855,7 +1859,7 @@
     </p:spTree>
     <p:extLst>
       <p:ext uri="{BB962C8B-B14F-4D97-AF65-F5344CB8AC3E}">
-        <p14:creationId xmlns:p14="http://schemas.microsoft.com/office/powerpoint/2010/main" xmlns="" val="3256953994"/>
+        <p14:creationId xmlns="" xmlns:p14="http://schemas.microsoft.com/office/powerpoint/2010/main" val="3256953994"/>
       </p:ext>
     </p:extLst>
   </p:cSld>
@@ -2105,7 +2109,7 @@
     </p:spTree>
     <p:extLst>
       <p:ext uri="{BB962C8B-B14F-4D97-AF65-F5344CB8AC3E}">
-        <p14:creationId xmlns:p14="http://schemas.microsoft.com/office/powerpoint/2010/main" xmlns="" val="3067076846"/>
+        <p14:creationId xmlns="" xmlns:p14="http://schemas.microsoft.com/office/powerpoint/2010/main" val="3067076846"/>
       </p:ext>
     </p:extLst>
   </p:cSld>
@@ -2341,7 +2345,7 @@
     </p:spTree>
     <p:extLst>
       <p:ext uri="{BB962C8B-B14F-4D97-AF65-F5344CB8AC3E}">
-        <p14:creationId xmlns:p14="http://schemas.microsoft.com/office/powerpoint/2010/main" xmlns="" val="3710015975"/>
+        <p14:creationId xmlns="" xmlns:p14="http://schemas.microsoft.com/office/powerpoint/2010/main" val="3710015975"/>
       </p:ext>
     </p:extLst>
   </p:cSld>
@@ -2712,7 +2716,7 @@
     </p:spTree>
     <p:extLst>
       <p:ext uri="{BB962C8B-B14F-4D97-AF65-F5344CB8AC3E}">
-        <p14:creationId xmlns:p14="http://schemas.microsoft.com/office/powerpoint/2010/main" xmlns="" val="4075590966"/>
+        <p14:creationId xmlns="" xmlns:p14="http://schemas.microsoft.com/office/powerpoint/2010/main" val="4075590966"/>
       </p:ext>
     </p:extLst>
   </p:cSld>
@@ -2834,7 +2838,7 @@
     </p:spTree>
     <p:extLst>
       <p:ext uri="{BB962C8B-B14F-4D97-AF65-F5344CB8AC3E}">
-        <p14:creationId xmlns:p14="http://schemas.microsoft.com/office/powerpoint/2010/main" xmlns="" val="2889604898"/>
+        <p14:creationId xmlns="" xmlns:p14="http://schemas.microsoft.com/office/powerpoint/2010/main" val="2889604898"/>
       </p:ext>
     </p:extLst>
   </p:cSld>
@@ -2933,7 +2937,7 @@
     </p:spTree>
     <p:extLst>
       <p:ext uri="{BB962C8B-B14F-4D97-AF65-F5344CB8AC3E}">
-        <p14:creationId xmlns:p14="http://schemas.microsoft.com/office/powerpoint/2010/main" xmlns="" val="152384765"/>
+        <p14:creationId xmlns="" xmlns:p14="http://schemas.microsoft.com/office/powerpoint/2010/main" val="152384765"/>
       </p:ext>
     </p:extLst>
   </p:cSld>
@@ -3214,7 +3218,7 @@
     </p:spTree>
     <p:extLst>
       <p:ext uri="{BB962C8B-B14F-4D97-AF65-F5344CB8AC3E}">
-        <p14:creationId xmlns:p14="http://schemas.microsoft.com/office/powerpoint/2010/main" xmlns="" val="2127791886"/>
+        <p14:creationId xmlns="" xmlns:p14="http://schemas.microsoft.com/office/powerpoint/2010/main" val="2127791886"/>
       </p:ext>
     </p:extLst>
   </p:cSld>
@@ -3471,7 +3475,7 @@
     </p:spTree>
     <p:extLst>
       <p:ext uri="{BB962C8B-B14F-4D97-AF65-F5344CB8AC3E}">
-        <p14:creationId xmlns:p14="http://schemas.microsoft.com/office/powerpoint/2010/main" xmlns="" val="1752705130"/>
+        <p14:creationId xmlns="" xmlns:p14="http://schemas.microsoft.com/office/powerpoint/2010/main" val="1752705130"/>
       </p:ext>
     </p:extLst>
   </p:cSld>
@@ -3724,7 +3728,7 @@
     </p:spTree>
     <p:extLst>
       <p:ext uri="{BB962C8B-B14F-4D97-AF65-F5344CB8AC3E}">
-        <p14:creationId xmlns:p14="http://schemas.microsoft.com/office/powerpoint/2010/main" xmlns="" val="968833914"/>
+        <p14:creationId xmlns="" xmlns:p14="http://schemas.microsoft.com/office/powerpoint/2010/main" val="968833914"/>
       </p:ext>
     </p:extLst>
   </p:cSld>
@@ -4201,7 +4205,7 @@
     </p:spTree>
     <p:extLst>
       <p:ext uri="{BB962C8B-B14F-4D97-AF65-F5344CB8AC3E}">
-        <p14:creationId xmlns:p14="http://schemas.microsoft.com/office/powerpoint/2010/main" xmlns="" val="2492894732"/>
+        <p14:creationId xmlns="" xmlns:p14="http://schemas.microsoft.com/office/powerpoint/2010/main" val="2492894732"/>
       </p:ext>
     </p:extLst>
   </p:cSld>
@@ -4339,15 +4343,7 @@
                   <a:srgbClr val="1E3272"/>
                 </a:solidFill>
               </a:rPr>
-              <a:t>()) </a:t>
-            </a:r>
-            <a:r>
-              <a:rPr lang="en-US" sz="3600" dirty="0" smtClean="0">
-                <a:solidFill>
-                  <a:srgbClr val="1E3272"/>
-                </a:solidFill>
-              </a:rPr>
-              <a:t>!= </a:t>
+              <a:t>()) != </a:t>
             </a:r>
             <a:r>
               <a:rPr lang="en-US" sz="3600" dirty="0" smtClean="0">
@@ -4521,15 +4517,7 @@
                   <a:srgbClr val="1E3272"/>
                 </a:solidFill>
               </a:rPr>
-              <a:t>   </a:t>
-            </a:r>
-            <a:r>
-              <a:rPr lang="en-US" sz="3200" dirty="0" smtClean="0">
-                <a:solidFill>
-                  <a:srgbClr val="1E3272"/>
-                </a:solidFill>
-              </a:rPr>
-              <a:t> </a:t>
+              <a:t>    </a:t>
             </a:r>
             <a:r>
               <a:rPr lang="en-US" sz="3200" dirty="0" err="1" smtClean="0">
@@ -4584,15 +4572,7 @@
                   <a:srgbClr val="1E3272"/>
                 </a:solidFill>
               </a:rPr>
-              <a:t>  </a:t>
-            </a:r>
-            <a:r>
-              <a:rPr lang="en-US" sz="3200" dirty="0" smtClean="0">
-                <a:solidFill>
-                  <a:srgbClr val="1E3272"/>
-                </a:solidFill>
-              </a:rPr>
-              <a:t>  </a:t>
+              <a:t>    </a:t>
             </a:r>
             <a:r>
               <a:rPr lang="en-US" sz="3200" dirty="0" err="1" smtClean="0">
@@ -4620,15 +4600,7 @@
                   <a:srgbClr val="1E3272"/>
                 </a:solidFill>
               </a:rPr>
-              <a:t>   </a:t>
-            </a:r>
-            <a:r>
-              <a:rPr lang="en-US" sz="3200" dirty="0" smtClean="0">
-                <a:solidFill>
-                  <a:srgbClr val="1E3272"/>
-                </a:solidFill>
-              </a:rPr>
-              <a:t> </a:t>
+              <a:t>    </a:t>
             </a:r>
             <a:r>
               <a:rPr lang="en-US" sz="3200" dirty="0" err="1" smtClean="0">
@@ -4683,15 +4655,7 @@
                   <a:srgbClr val="1E3272"/>
                 </a:solidFill>
               </a:rPr>
-              <a:t>  </a:t>
-            </a:r>
-            <a:r>
-              <a:rPr lang="en-US" sz="3200" dirty="0" smtClean="0">
-                <a:solidFill>
-                  <a:srgbClr val="1E3272"/>
-                </a:solidFill>
-              </a:rPr>
-              <a:t>  </a:t>
+              <a:t>    </a:t>
             </a:r>
             <a:r>
               <a:rPr lang="en-US" sz="3200" dirty="0" err="1" smtClean="0">
@@ -4751,7 +4715,15 @@
                   <a:srgbClr val="1E3272"/>
                 </a:solidFill>
               </a:rPr>
-              <a:t>  </a:t>
+              <a:t>    </a:t>
+            </a:r>
+            <a:r>
+              <a:rPr lang="en-US" sz="3200" dirty="0" err="1" smtClean="0">
+                <a:solidFill>
+                  <a:srgbClr val="1E3272"/>
+                </a:solidFill>
+              </a:rPr>
+              <a:t>li</a:t>
             </a:r>
             <a:r>
               <a:rPr lang="en-US" sz="3200" dirty="0" smtClean="0">
@@ -4759,31 +4731,7 @@
                   <a:srgbClr val="1E3272"/>
                 </a:solidFill>
               </a:rPr>
-              <a:t>  </a:t>
-            </a:r>
-            <a:r>
-              <a:rPr lang="en-US" sz="3200" dirty="0" err="1" smtClean="0">
-                <a:solidFill>
-                  <a:srgbClr val="1E3272"/>
-                </a:solidFill>
-              </a:rPr>
-              <a:t>li</a:t>
-            </a:r>
-            <a:r>
-              <a:rPr lang="en-US" sz="3200" dirty="0" smtClean="0">
-                <a:solidFill>
-                  <a:srgbClr val="1E3272"/>
-                </a:solidFill>
-              </a:rPr>
-              <a:t>   </a:t>
-            </a:r>
-            <a:r>
-              <a:rPr lang="en-US" sz="3200" dirty="0" smtClean="0">
-                <a:solidFill>
-                  <a:srgbClr val="1E3272"/>
-                </a:solidFill>
-              </a:rPr>
-              <a:t>     </a:t>
+              <a:t>        </a:t>
             </a:r>
             <a:r>
               <a:rPr lang="en-US" sz="3200" dirty="0" smtClean="0">
@@ -4822,15 +4770,7 @@
                   <a:srgbClr val="1E3272"/>
                 </a:solidFill>
               </a:rPr>
-              <a:t>   </a:t>
-            </a:r>
-            <a:r>
-              <a:rPr lang="en-US" sz="3200" dirty="0" smtClean="0">
-                <a:solidFill>
-                  <a:srgbClr val="1E3272"/>
-                </a:solidFill>
-              </a:rPr>
-              <a:t> </a:t>
+              <a:t>    </a:t>
             </a:r>
             <a:r>
               <a:rPr lang="en-US" sz="3200" dirty="0" err="1" smtClean="0">
@@ -4858,15 +4798,7 @@
                   <a:srgbClr val="1E3272"/>
                 </a:solidFill>
               </a:rPr>
-              <a:t>   </a:t>
-            </a:r>
-            <a:r>
-              <a:rPr lang="en-US" sz="3200" dirty="0" smtClean="0">
-                <a:solidFill>
-                  <a:srgbClr val="1E3272"/>
-                </a:solidFill>
-              </a:rPr>
-              <a:t> </a:t>
+              <a:t>    </a:t>
             </a:r>
             <a:r>
               <a:rPr lang="en-US" sz="3200" dirty="0" err="1" smtClean="0">
@@ -4921,15 +4853,7 @@
                   <a:srgbClr val="1E3272"/>
                 </a:solidFill>
               </a:rPr>
-              <a:t>   </a:t>
-            </a:r>
-            <a:r>
-              <a:rPr lang="en-US" sz="3200" dirty="0" smtClean="0">
-                <a:solidFill>
-                  <a:srgbClr val="1E3272"/>
-                </a:solidFill>
-              </a:rPr>
-              <a:t> </a:t>
+              <a:t>    </a:t>
             </a:r>
             <a:r>
               <a:rPr lang="en-US" sz="3200" dirty="0" err="1" smtClean="0">
@@ -4984,15 +4908,7 @@
                   <a:srgbClr val="1E3272"/>
                 </a:solidFill>
               </a:rPr>
-              <a:t>  </a:t>
-            </a:r>
-            <a:r>
-              <a:rPr lang="en-US" sz="3200" dirty="0" smtClean="0">
-                <a:solidFill>
-                  <a:srgbClr val="1E3272"/>
-                </a:solidFill>
-              </a:rPr>
-              <a:t>  </a:t>
+              <a:t>    </a:t>
             </a:r>
             <a:r>
               <a:rPr lang="en-US" sz="3200" dirty="0" err="1" smtClean="0">
@@ -5020,15 +4936,7 @@
                   <a:srgbClr val="1E3272"/>
                 </a:solidFill>
               </a:rPr>
-              <a:t>   </a:t>
-            </a:r>
-            <a:r>
-              <a:rPr lang="en-US" sz="3200" dirty="0" smtClean="0">
-                <a:solidFill>
-                  <a:srgbClr val="1E3272"/>
-                </a:solidFill>
-              </a:rPr>
-              <a:t> </a:t>
+              <a:t>    </a:t>
             </a:r>
             <a:r>
               <a:rPr lang="en-US" sz="3200" dirty="0" smtClean="0">
@@ -5283,15 +5191,7 @@
                   <a:srgbClr val="1E3272"/>
                 </a:solidFill>
               </a:rPr>
-              <a:t>(t0</a:t>
-            </a:r>
-            <a:r>
-              <a:rPr lang="fr-FR" sz="3600" dirty="0" smtClean="0">
-                <a:solidFill>
-                  <a:srgbClr val="1E3272"/>
-                </a:solidFill>
-              </a:rPr>
-              <a:t>)</a:t>
+              <a:t>(t0)</a:t>
             </a:r>
           </a:p>
           <a:p>
@@ -5410,15 +5310,7 @@
                   <a:srgbClr val="1E3272"/>
                 </a:solidFill>
               </a:rPr>
-              <a:t>  </a:t>
-            </a:r>
-            <a:r>
-              <a:rPr lang="en-US" sz="2800" dirty="0" smtClean="0">
-                <a:solidFill>
-                  <a:srgbClr val="1E3272"/>
-                </a:solidFill>
-              </a:rPr>
-              <a:t>  </a:t>
+              <a:t>    </a:t>
             </a:r>
             <a:r>
               <a:rPr lang="en-US" sz="2800" dirty="0" err="1" smtClean="0">
@@ -5434,15 +5326,7 @@
                   <a:srgbClr val="1E3272"/>
                 </a:solidFill>
               </a:rPr>
-              <a:t>   </a:t>
-            </a:r>
-            <a:r>
-              <a:rPr lang="en-US" sz="2800" dirty="0" smtClean="0">
-                <a:solidFill>
-                  <a:srgbClr val="1E3272"/>
-                </a:solidFill>
-              </a:rPr>
-              <a:t>   </a:t>
+              <a:t>      </a:t>
             </a:r>
             <a:r>
               <a:rPr lang="en-US" sz="2800" dirty="0" smtClean="0">
@@ -5481,15 +5365,7 @@
                   <a:srgbClr val="1E3272"/>
                 </a:solidFill>
               </a:rPr>
-              <a:t>   </a:t>
-            </a:r>
-            <a:r>
-              <a:rPr lang="en-US" sz="2800" dirty="0" smtClean="0">
-                <a:solidFill>
-                  <a:srgbClr val="1E3272"/>
-                </a:solidFill>
-              </a:rPr>
-              <a:t> </a:t>
+              <a:t>    </a:t>
             </a:r>
             <a:r>
               <a:rPr lang="en-US" sz="2800" dirty="0" err="1" smtClean="0">
@@ -5517,15 +5393,7 @@
                   <a:srgbClr val="1E3272"/>
                 </a:solidFill>
               </a:rPr>
-              <a:t>   </a:t>
-            </a:r>
-            <a:r>
-              <a:rPr lang="en-US" sz="2800" dirty="0" smtClean="0">
-                <a:solidFill>
-                  <a:srgbClr val="1E3272"/>
-                </a:solidFill>
-              </a:rPr>
-              <a:t> </a:t>
+              <a:t>    </a:t>
             </a:r>
             <a:r>
               <a:rPr lang="en-US" sz="2800" dirty="0" err="1" smtClean="0">
@@ -5580,15 +5448,7 @@
                   <a:srgbClr val="1E3272"/>
                 </a:solidFill>
               </a:rPr>
-              <a:t>   </a:t>
-            </a:r>
-            <a:r>
-              <a:rPr lang="en-US" sz="2800" dirty="0" smtClean="0">
-                <a:solidFill>
-                  <a:srgbClr val="1E3272"/>
-                </a:solidFill>
-              </a:rPr>
-              <a:t> </a:t>
+              <a:t>    </a:t>
             </a:r>
             <a:r>
               <a:rPr lang="en-US" sz="2800" dirty="0" err="1" smtClean="0">
@@ -5658,15 +5518,7 @@
                   <a:srgbClr val="1E3272"/>
                 </a:solidFill>
               </a:rPr>
-              <a:t>   </a:t>
-            </a:r>
-            <a:r>
-              <a:rPr lang="en-US" sz="2800" dirty="0" smtClean="0">
-                <a:solidFill>
-                  <a:srgbClr val="1E3272"/>
-                </a:solidFill>
-              </a:rPr>
-              <a:t> </a:t>
+              <a:t>    </a:t>
             </a:r>
             <a:r>
               <a:rPr lang="en-US" sz="2800" dirty="0" err="1" smtClean="0">
@@ -5742,15 +5594,7 @@
                   <a:srgbClr val="1E3272"/>
                 </a:solidFill>
               </a:rPr>
-              <a:t>   </a:t>
-            </a:r>
-            <a:r>
-              <a:rPr lang="en-US" sz="2800" dirty="0" smtClean="0">
-                <a:solidFill>
-                  <a:srgbClr val="1E3272"/>
-                </a:solidFill>
-              </a:rPr>
-              <a:t> </a:t>
+              <a:t>    </a:t>
             </a:r>
             <a:r>
               <a:rPr lang="en-US" sz="2800" dirty="0" err="1" smtClean="0">
@@ -5805,15 +5649,7 @@
                   <a:srgbClr val="1E3272"/>
                 </a:solidFill>
               </a:rPr>
-              <a:t>   </a:t>
-            </a:r>
-            <a:r>
-              <a:rPr lang="en-US" sz="2800" dirty="0" smtClean="0">
-                <a:solidFill>
-                  <a:srgbClr val="1E3272"/>
-                </a:solidFill>
-              </a:rPr>
-              <a:t> </a:t>
+              <a:t>    </a:t>
             </a:r>
             <a:r>
               <a:rPr lang="en-US" sz="2800" dirty="0" err="1" smtClean="0">
@@ -5868,15 +5704,7 @@
                   <a:srgbClr val="1E3272"/>
                 </a:solidFill>
               </a:rPr>
-              <a:t>  </a:t>
-            </a:r>
-            <a:r>
-              <a:rPr lang="en-US" sz="2800" dirty="0" smtClean="0">
-                <a:solidFill>
-                  <a:srgbClr val="1E3272"/>
-                </a:solidFill>
-              </a:rPr>
-              <a:t>  </a:t>
+              <a:t>    </a:t>
             </a:r>
             <a:r>
               <a:rPr lang="en-US" sz="2800" dirty="0" err="1" smtClean="0">
@@ -5904,15 +5732,7 @@
                   <a:srgbClr val="1E3272"/>
                 </a:solidFill>
               </a:rPr>
-              <a:t>   </a:t>
-            </a:r>
-            <a:r>
-              <a:rPr lang="en-US" sz="2800" dirty="0" smtClean="0">
-                <a:solidFill>
-                  <a:srgbClr val="1E3272"/>
-                </a:solidFill>
-              </a:rPr>
-              <a:t> </a:t>
+              <a:t>    </a:t>
             </a:r>
             <a:r>
               <a:rPr lang="en-US" sz="2800" dirty="0" err="1" smtClean="0">
@@ -5967,15 +5787,7 @@
                   <a:srgbClr val="1E3272"/>
                 </a:solidFill>
               </a:rPr>
-              <a:t>   </a:t>
-            </a:r>
-            <a:r>
-              <a:rPr lang="en-US" sz="2800" dirty="0" smtClean="0">
-                <a:solidFill>
-                  <a:srgbClr val="1E3272"/>
-                </a:solidFill>
-              </a:rPr>
-              <a:t> </a:t>
+              <a:t>    </a:t>
             </a:r>
             <a:r>
               <a:rPr lang="en-US" sz="2800" dirty="0" err="1" smtClean="0">
@@ -6030,15 +5842,7 @@
                   <a:srgbClr val="1E3272"/>
                 </a:solidFill>
               </a:rPr>
-              <a:t>  </a:t>
-            </a:r>
-            <a:r>
-              <a:rPr lang="en-US" sz="2800" dirty="0" smtClean="0">
-                <a:solidFill>
-                  <a:srgbClr val="1E3272"/>
-                </a:solidFill>
-              </a:rPr>
-              <a:t>  </a:t>
+              <a:t>    </a:t>
             </a:r>
             <a:r>
               <a:rPr lang="en-US" sz="2800" dirty="0" err="1" smtClean="0">
@@ -6066,15 +5870,7 @@
                   <a:srgbClr val="1E3272"/>
                 </a:solidFill>
               </a:rPr>
-              <a:t>   </a:t>
-            </a:r>
-            <a:r>
-              <a:rPr lang="en-US" sz="2800" dirty="0" smtClean="0">
-                <a:solidFill>
-                  <a:srgbClr val="1E3272"/>
-                </a:solidFill>
-              </a:rPr>
-              <a:t> </a:t>
+              <a:t>    </a:t>
             </a:r>
             <a:r>
               <a:rPr lang="en-US" sz="2800" dirty="0" err="1" smtClean="0">
@@ -6145,15 +5941,7 @@
                   <a:srgbClr val="1E3272"/>
                 </a:solidFill>
               </a:rPr>
-              <a:t>  </a:t>
-            </a:r>
-            <a:r>
-              <a:rPr lang="en-US" sz="2800" dirty="0" smtClean="0">
-                <a:solidFill>
-                  <a:srgbClr val="1E3272"/>
-                </a:solidFill>
-              </a:rPr>
-              <a:t>  </a:t>
+              <a:t>    </a:t>
             </a:r>
             <a:r>
               <a:rPr lang="en-US" sz="2800" dirty="0" smtClean="0">
@@ -6169,15 +5957,7 @@
                   <a:srgbClr val="1E3272"/>
                 </a:solidFill>
               </a:rPr>
-              <a:t>    </a:t>
-            </a:r>
-            <a:r>
-              <a:rPr lang="en-US" sz="2800" dirty="0" smtClean="0">
-                <a:solidFill>
-                  <a:srgbClr val="1E3272"/>
-                </a:solidFill>
-              </a:rPr>
-              <a:t>   </a:t>
+              <a:t>       </a:t>
             </a:r>
             <a:r>
               <a:rPr lang="en-US" sz="2800" i="1" dirty="0" smtClean="0">
@@ -6187,11 +5967,6 @@
               </a:rPr>
               <a:t>next</a:t>
             </a:r>
-            <a:endParaRPr lang="en-US" sz="2800" i="1" dirty="0" smtClean="0">
-              <a:solidFill>
-                <a:srgbClr val="1E3272"/>
-              </a:solidFill>
-            </a:endParaRPr>
           </a:p>
           <a:p>
             <a:pPr>
@@ -6259,10 +6034,3326 @@
   <p:clrMapOvr>
     <a:masterClrMapping/>
   </p:clrMapOvr>
+  <p:timing>
+    <p:tnLst>
+      <p:par>
+        <p:cTn id="1" dur="indefinite" restart="never" nodeType="tmRoot"/>
+      </p:par>
+    </p:tnLst>
+  </p:timing>
 </p:sld>
 </file>
 
 <file path=ppt/slides/slide12.xml><?xml version="1.0" encoding="utf-8"?>
+<p:sld xmlns:a="http://schemas.openxmlformats.org/drawingml/2006/main" xmlns:r="http://schemas.openxmlformats.org/officeDocument/2006/relationships" xmlns:p="http://schemas.openxmlformats.org/presentationml/2006/main">
+  <p:cSld>
+    <p:spTree>
+      <p:nvGrpSpPr>
+        <p:cNvPr id="1" name=""/>
+        <p:cNvGrpSpPr/>
+        <p:nvPr/>
+      </p:nvGrpSpPr>
+      <p:grpSpPr>
+        <a:xfrm>
+          <a:off x="0" y="0"/>
+          <a:ext cx="0" cy="0"/>
+          <a:chOff x="0" y="0"/>
+          <a:chExt cx="0" cy="0"/>
+        </a:xfrm>
+      </p:grpSpPr>
+      <p:sp>
+        <p:nvSpPr>
+          <p:cNvPr id="3" name="Номер слайда 2"/>
+          <p:cNvSpPr>
+            <a:spLocks noGrp="1"/>
+          </p:cNvSpPr>
+          <p:nvPr>
+            <p:ph type="sldNum" sz="quarter" idx="12"/>
+          </p:nvPr>
+        </p:nvSpPr>
+        <p:spPr/>
+        <p:txBody>
+          <a:bodyPr/>
+          <a:lstStyle/>
+          <a:p>
+            <a:pPr algn="ctr"/>
+            <a:fld id="{1397BFD8-F312-4EF2-A268-44FB4BDDBBB0}" type="slidenum">
+              <a:rPr lang="ru-RU" smtClean="0"/>
+              <a:pPr algn="ctr"/>
+              <a:t>12</a:t>
+            </a:fld>
+            <a:endParaRPr lang="ru-RU" dirty="0"/>
+          </a:p>
+        </p:txBody>
+      </p:sp>
+      <p:sp>
+        <p:nvSpPr>
+          <p:cNvPr id="4" name="Заголовок 3"/>
+          <p:cNvSpPr>
+            <a:spLocks noGrp="1"/>
+          </p:cNvSpPr>
+          <p:nvPr>
+            <p:ph type="title"/>
+          </p:nvPr>
+        </p:nvSpPr>
+        <p:spPr/>
+        <p:txBody>
+          <a:bodyPr/>
+          <a:lstStyle/>
+          <a:p>
+            <a:r>
+              <a:rPr lang="en-US" dirty="0" smtClean="0"/>
+              <a:t>Assembly Code for Nested “For”</a:t>
+            </a:r>
+            <a:endParaRPr lang="ru-RU" dirty="0"/>
+          </a:p>
+        </p:txBody>
+      </p:sp>
+      <p:sp>
+        <p:nvSpPr>
+          <p:cNvPr id="5" name="Rectangle 4"/>
+          <p:cNvSpPr/>
+          <p:nvPr/>
+        </p:nvSpPr>
+        <p:spPr>
+          <a:xfrm>
+            <a:off x="946048" y="1566827"/>
+            <a:ext cx="5271874" cy="4579715"/>
+          </a:xfrm>
+          <a:prstGeom prst="rect">
+            <a:avLst/>
+          </a:prstGeom>
+        </p:spPr>
+        <p:txBody>
+          <a:bodyPr wrap="square">
+            <a:spAutoFit/>
+          </a:bodyPr>
+          <a:lstStyle/>
+          <a:p>
+            <a:pPr>
+              <a:lnSpc>
+                <a:spcPct val="90000"/>
+              </a:lnSpc>
+            </a:pPr>
+            <a:r>
+              <a:rPr lang="fr-FR" sz="3600" b="1" dirty="0" smtClean="0">
+                <a:solidFill>
+                  <a:srgbClr val="1E3272"/>
+                </a:solidFill>
+              </a:rPr>
+              <a:t>for</a:t>
+            </a:r>
+            <a:r>
+              <a:rPr lang="fr-FR" sz="3600" dirty="0" smtClean="0">
+                <a:solidFill>
+                  <a:srgbClr val="1E3272"/>
+                </a:solidFill>
+              </a:rPr>
+              <a:t> (t0 = </a:t>
+            </a:r>
+            <a:r>
+              <a:rPr lang="fr-FR" sz="3600" dirty="0" smtClean="0">
+                <a:solidFill>
+                  <a:srgbClr val="2F5CB5"/>
+                </a:solidFill>
+              </a:rPr>
+              <a:t>0</a:t>
+            </a:r>
+            <a:r>
+              <a:rPr lang="fr-FR" sz="3600" dirty="0" smtClean="0">
+                <a:solidFill>
+                  <a:srgbClr val="1E3272"/>
+                </a:solidFill>
+              </a:rPr>
+              <a:t>; t0 &lt; s0; ++t0) {</a:t>
+            </a:r>
+          </a:p>
+          <a:p>
+            <a:pPr>
+              <a:lnSpc>
+                <a:spcPct val="90000"/>
+              </a:lnSpc>
+            </a:pPr>
+            <a:r>
+              <a:rPr lang="fr-FR" sz="3600" dirty="0" smtClean="0">
+                <a:solidFill>
+                  <a:srgbClr val="1E3272"/>
+                </a:solidFill>
+              </a:rPr>
+              <a:t>  </a:t>
+            </a:r>
+            <a:r>
+              <a:rPr lang="fr-FR" sz="3600" b="1" dirty="0" smtClean="0">
+                <a:solidFill>
+                  <a:srgbClr val="1E3272"/>
+                </a:solidFill>
+              </a:rPr>
+              <a:t>for</a:t>
+            </a:r>
+            <a:r>
+              <a:rPr lang="fr-FR" sz="3600" dirty="0" smtClean="0">
+                <a:solidFill>
+                  <a:srgbClr val="1E3272"/>
+                </a:solidFill>
+              </a:rPr>
+              <a:t> (</a:t>
+            </a:r>
+            <a:r>
+              <a:rPr lang="fr-FR" sz="3600" dirty="0" smtClean="0">
+                <a:solidFill>
+                  <a:srgbClr val="1E3272"/>
+                </a:solidFill>
+              </a:rPr>
+              <a:t>t1 = </a:t>
+            </a:r>
+            <a:r>
+              <a:rPr lang="fr-FR" sz="3600" dirty="0" smtClean="0">
+                <a:solidFill>
+                  <a:srgbClr val="2F5CB5"/>
+                </a:solidFill>
+              </a:rPr>
+              <a:t>0</a:t>
+            </a:r>
+            <a:r>
+              <a:rPr lang="fr-FR" sz="3600" dirty="0" smtClean="0">
+                <a:solidFill>
+                  <a:srgbClr val="1E3272"/>
+                </a:solidFill>
+              </a:rPr>
+              <a:t>; t0 &lt; s1; ++t1) {</a:t>
+            </a:r>
+          </a:p>
+          <a:p>
+            <a:pPr>
+              <a:lnSpc>
+                <a:spcPct val="90000"/>
+              </a:lnSpc>
+            </a:pPr>
+            <a:r>
+              <a:rPr lang="fr-FR" sz="3600" dirty="0" smtClean="0">
+                <a:solidFill>
+                  <a:srgbClr val="1E3272"/>
+                </a:solidFill>
+              </a:rPr>
+              <a:t>    </a:t>
+            </a:r>
+            <a:r>
+              <a:rPr lang="fr-FR" sz="3600" i="1" dirty="0" smtClean="0">
+                <a:solidFill>
+                  <a:srgbClr val="1E3272"/>
+                </a:solidFill>
+              </a:rPr>
+              <a:t>print_int</a:t>
+            </a:r>
+            <a:r>
+              <a:rPr lang="fr-FR" sz="3600" dirty="0" smtClean="0">
+                <a:solidFill>
+                  <a:srgbClr val="1E3272"/>
+                </a:solidFill>
+              </a:rPr>
+              <a:t>(t0</a:t>
+            </a:r>
+            <a:r>
+              <a:rPr lang="fr-FR" sz="3600" dirty="0" smtClean="0">
+                <a:solidFill>
+                  <a:srgbClr val="1E3272"/>
+                </a:solidFill>
+              </a:rPr>
+              <a:t>)</a:t>
+            </a:r>
+          </a:p>
+          <a:p>
+            <a:pPr>
+              <a:lnSpc>
+                <a:spcPct val="90000"/>
+              </a:lnSpc>
+            </a:pPr>
+            <a:r>
+              <a:rPr lang="fr-FR" sz="3600" dirty="0" smtClean="0">
+                <a:solidFill>
+                  <a:srgbClr val="1E3272"/>
+                </a:solidFill>
+              </a:rPr>
+              <a:t>    </a:t>
+            </a:r>
+            <a:r>
+              <a:rPr lang="fr-FR" sz="3600" i="1" dirty="0" smtClean="0">
+                <a:solidFill>
+                  <a:srgbClr val="1E3272"/>
+                </a:solidFill>
+              </a:rPr>
+              <a:t>print_char</a:t>
+            </a:r>
+            <a:r>
+              <a:rPr lang="fr-FR" sz="3600" dirty="0" smtClean="0">
+                <a:solidFill>
+                  <a:srgbClr val="1E3272"/>
+                </a:solidFill>
+              </a:rPr>
+              <a:t>(</a:t>
+            </a:r>
+            <a:r>
+              <a:rPr lang="fr-FR" sz="3600" dirty="0" smtClean="0">
+                <a:solidFill>
+                  <a:srgbClr val="00B050"/>
+                </a:solidFill>
+              </a:rPr>
+              <a:t>':'</a:t>
+            </a:r>
+            <a:r>
+              <a:rPr lang="fr-FR" sz="3600" dirty="0" smtClean="0">
+                <a:solidFill>
+                  <a:srgbClr val="1E3272"/>
+                </a:solidFill>
+              </a:rPr>
+              <a:t>)</a:t>
+            </a:r>
+          </a:p>
+          <a:p>
+            <a:pPr>
+              <a:lnSpc>
+                <a:spcPct val="90000"/>
+              </a:lnSpc>
+            </a:pPr>
+            <a:r>
+              <a:rPr lang="fr-FR" sz="3600" dirty="0" smtClean="0">
+                <a:solidFill>
+                  <a:srgbClr val="1E3272"/>
+                </a:solidFill>
+              </a:rPr>
+              <a:t>    </a:t>
+            </a:r>
+            <a:r>
+              <a:rPr lang="fr-FR" sz="3600" i="1" dirty="0" smtClean="0">
+                <a:solidFill>
+                  <a:srgbClr val="1E3272"/>
+                </a:solidFill>
+              </a:rPr>
+              <a:t>print_int</a:t>
+            </a:r>
+            <a:r>
+              <a:rPr lang="fr-FR" sz="3600" dirty="0" smtClean="0">
+                <a:solidFill>
+                  <a:srgbClr val="1E3272"/>
+                </a:solidFill>
+              </a:rPr>
+              <a:t>(t1)</a:t>
+            </a:r>
+          </a:p>
+          <a:p>
+            <a:pPr>
+              <a:lnSpc>
+                <a:spcPct val="90000"/>
+              </a:lnSpc>
+            </a:pPr>
+            <a:r>
+              <a:rPr lang="fr-FR" sz="3600" dirty="0" smtClean="0">
+                <a:solidFill>
+                  <a:srgbClr val="1E3272"/>
+                </a:solidFill>
+              </a:rPr>
+              <a:t>    </a:t>
+            </a:r>
+            <a:r>
+              <a:rPr lang="fr-FR" sz="3600" i="1" dirty="0" smtClean="0">
+                <a:solidFill>
+                  <a:srgbClr val="1E3272"/>
+                </a:solidFill>
+              </a:rPr>
+              <a:t>print_int</a:t>
+            </a:r>
+            <a:r>
+              <a:rPr lang="fr-FR" sz="3600" dirty="0" smtClean="0">
+                <a:solidFill>
+                  <a:srgbClr val="1E3272"/>
+                </a:solidFill>
+              </a:rPr>
+              <a:t>(</a:t>
+            </a:r>
+            <a:r>
+              <a:rPr lang="fr-FR" sz="3600" dirty="0" smtClean="0">
+                <a:solidFill>
+                  <a:srgbClr val="00B050"/>
+                </a:solidFill>
+              </a:rPr>
+              <a:t>' '</a:t>
+            </a:r>
+            <a:r>
+              <a:rPr lang="fr-FR" sz="3600" dirty="0" smtClean="0">
+                <a:solidFill>
+                  <a:srgbClr val="1E3272"/>
+                </a:solidFill>
+              </a:rPr>
+              <a:t>)</a:t>
+            </a:r>
+          </a:p>
+          <a:p>
+            <a:pPr>
+              <a:lnSpc>
+                <a:spcPct val="90000"/>
+              </a:lnSpc>
+            </a:pPr>
+            <a:r>
+              <a:rPr lang="fr-FR" sz="3600" dirty="0" smtClean="0">
+                <a:solidFill>
+                  <a:srgbClr val="1E3272"/>
+                </a:solidFill>
+              </a:rPr>
+              <a:t>  }</a:t>
+            </a:r>
+          </a:p>
+          <a:p>
+            <a:pPr>
+              <a:lnSpc>
+                <a:spcPct val="90000"/>
+              </a:lnSpc>
+            </a:pPr>
+            <a:r>
+              <a:rPr lang="fr-FR" sz="3600" dirty="0" smtClean="0">
+                <a:solidFill>
+                  <a:srgbClr val="1E3272"/>
+                </a:solidFill>
+              </a:rPr>
+              <a:t>  </a:t>
+            </a:r>
+            <a:r>
+              <a:rPr lang="fr-FR" sz="3600" i="1" dirty="0" smtClean="0">
+                <a:solidFill>
+                  <a:srgbClr val="1E3272"/>
+                </a:solidFill>
+              </a:rPr>
+              <a:t>print_char</a:t>
+            </a:r>
+            <a:r>
+              <a:rPr lang="fr-FR" sz="3600" dirty="0" smtClean="0">
+                <a:solidFill>
+                  <a:srgbClr val="1E3272"/>
+                </a:solidFill>
+              </a:rPr>
+              <a:t>(</a:t>
+            </a:r>
+            <a:r>
+              <a:rPr lang="fr-FR" sz="3600" dirty="0" smtClean="0">
+                <a:solidFill>
+                  <a:srgbClr val="00B050"/>
+                </a:solidFill>
+              </a:rPr>
+              <a:t>'\n'</a:t>
+            </a:r>
+            <a:r>
+              <a:rPr lang="fr-FR" sz="3600" dirty="0" smtClean="0">
+                <a:solidFill>
+                  <a:srgbClr val="1E3272"/>
+                </a:solidFill>
+              </a:rPr>
+              <a:t>)</a:t>
+            </a:r>
+          </a:p>
+          <a:p>
+            <a:pPr>
+              <a:lnSpc>
+                <a:spcPct val="90000"/>
+              </a:lnSpc>
+            </a:pPr>
+            <a:r>
+              <a:rPr lang="fr-FR" sz="3600" dirty="0" smtClean="0">
+                <a:solidFill>
+                  <a:srgbClr val="1E3272"/>
+                </a:solidFill>
+              </a:rPr>
+              <a:t>}</a:t>
+            </a:r>
+            <a:endParaRPr lang="en-US" sz="3600" dirty="0">
+              <a:solidFill>
+                <a:srgbClr val="1E3272"/>
+              </a:solidFill>
+            </a:endParaRPr>
+          </a:p>
+        </p:txBody>
+      </p:sp>
+      <p:sp>
+        <p:nvSpPr>
+          <p:cNvPr id="6" name="Rectangle 4"/>
+          <p:cNvSpPr/>
+          <p:nvPr/>
+        </p:nvSpPr>
+        <p:spPr>
+          <a:xfrm>
+            <a:off x="7197634" y="1079135"/>
+            <a:ext cx="4114803" cy="5600123"/>
+          </a:xfrm>
+          <a:prstGeom prst="rect">
+            <a:avLst/>
+          </a:prstGeom>
+        </p:spPr>
+        <p:txBody>
+          <a:bodyPr wrap="square">
+            <a:spAutoFit/>
+          </a:bodyPr>
+          <a:lstStyle/>
+          <a:p>
+            <a:pPr>
+              <a:lnSpc>
+                <a:spcPct val="75000"/>
+              </a:lnSpc>
+            </a:pPr>
+            <a:r>
+              <a:rPr lang="en-US" sz="2800" dirty="0" smtClean="0">
+                <a:solidFill>
+                  <a:srgbClr val="1E3272"/>
+                </a:solidFill>
+              </a:rPr>
+              <a:t>    </a:t>
+            </a:r>
+            <a:r>
+              <a:rPr lang="en-US" sz="2800" dirty="0" err="1" smtClean="0">
+                <a:solidFill>
+                  <a:srgbClr val="2F5CB5"/>
+                </a:solidFill>
+              </a:rPr>
+              <a:t>mv</a:t>
+            </a:r>
+            <a:r>
+              <a:rPr lang="en-US" sz="2800" dirty="0" smtClean="0">
+                <a:solidFill>
+                  <a:srgbClr val="1E3272"/>
+                </a:solidFill>
+              </a:rPr>
+              <a:t>   </a:t>
+            </a:r>
+            <a:r>
+              <a:rPr lang="en-US" sz="2800" dirty="0" smtClean="0">
+                <a:solidFill>
+                  <a:srgbClr val="FF0000"/>
+                </a:solidFill>
+              </a:rPr>
+              <a:t>t0</a:t>
+            </a:r>
+            <a:r>
+              <a:rPr lang="en-US" sz="2800" dirty="0" smtClean="0">
+                <a:solidFill>
+                  <a:srgbClr val="1E3272"/>
+                </a:solidFill>
+              </a:rPr>
+              <a:t>, </a:t>
+            </a:r>
+            <a:r>
+              <a:rPr lang="en-US" sz="2800" dirty="0" smtClean="0">
+                <a:solidFill>
+                  <a:srgbClr val="FF0000"/>
+                </a:solidFill>
+              </a:rPr>
+              <a:t>zero</a:t>
+            </a:r>
+          </a:p>
+          <a:p>
+            <a:pPr>
+              <a:lnSpc>
+                <a:spcPct val="75000"/>
+              </a:lnSpc>
+            </a:pPr>
+            <a:r>
+              <a:rPr lang="en-US" sz="2800" b="1" i="1" dirty="0" smtClean="0">
+                <a:solidFill>
+                  <a:srgbClr val="1E3272"/>
+                </a:solidFill>
+              </a:rPr>
+              <a:t>next_t0:</a:t>
+            </a:r>
+          </a:p>
+          <a:p>
+            <a:pPr>
+              <a:lnSpc>
+                <a:spcPct val="75000"/>
+              </a:lnSpc>
+            </a:pPr>
+            <a:r>
+              <a:rPr lang="en-US" sz="2800" dirty="0" smtClean="0">
+                <a:solidFill>
+                  <a:srgbClr val="1E3272"/>
+                </a:solidFill>
+              </a:rPr>
+              <a:t>    </a:t>
+            </a:r>
+            <a:r>
+              <a:rPr lang="en-US" sz="2800" dirty="0" err="1" smtClean="0">
+                <a:solidFill>
+                  <a:srgbClr val="2F5CB5"/>
+                </a:solidFill>
+              </a:rPr>
+              <a:t>beq</a:t>
+            </a:r>
+            <a:r>
+              <a:rPr lang="en-US" sz="2800" dirty="0" smtClean="0">
+                <a:solidFill>
+                  <a:srgbClr val="1E3272"/>
+                </a:solidFill>
+              </a:rPr>
+              <a:t> </a:t>
+            </a:r>
+            <a:r>
+              <a:rPr lang="en-US" sz="2800" dirty="0" smtClean="0">
+                <a:solidFill>
+                  <a:srgbClr val="1E3272"/>
+                </a:solidFill>
+              </a:rPr>
+              <a:t> </a:t>
+            </a:r>
+            <a:r>
+              <a:rPr lang="en-US" sz="2800" dirty="0" smtClean="0">
+                <a:solidFill>
+                  <a:srgbClr val="FF0000"/>
+                </a:solidFill>
+              </a:rPr>
+              <a:t>t0</a:t>
+            </a:r>
+            <a:r>
+              <a:rPr lang="en-US" sz="2800" dirty="0" smtClean="0">
+                <a:solidFill>
+                  <a:srgbClr val="1E3272"/>
+                </a:solidFill>
+              </a:rPr>
+              <a:t>, </a:t>
+            </a:r>
+            <a:r>
+              <a:rPr lang="en-US" sz="2800" dirty="0" smtClean="0">
+                <a:solidFill>
+                  <a:srgbClr val="FF0000"/>
+                </a:solidFill>
+              </a:rPr>
+              <a:t>s0</a:t>
+            </a:r>
+            <a:r>
+              <a:rPr lang="en-US" sz="2800" dirty="0" smtClean="0">
+                <a:solidFill>
+                  <a:srgbClr val="1E3272"/>
+                </a:solidFill>
+              </a:rPr>
+              <a:t>, </a:t>
+            </a:r>
+            <a:r>
+              <a:rPr lang="en-US" sz="2800" i="1" dirty="0" smtClean="0">
+                <a:solidFill>
+                  <a:srgbClr val="1E3272"/>
+                </a:solidFill>
+              </a:rPr>
+              <a:t>end_for_t0</a:t>
+            </a:r>
+          </a:p>
+          <a:p>
+            <a:pPr>
+              <a:lnSpc>
+                <a:spcPct val="75000"/>
+              </a:lnSpc>
+            </a:pPr>
+            <a:r>
+              <a:rPr lang="en-US" sz="2800" dirty="0" smtClean="0">
+                <a:solidFill>
+                  <a:srgbClr val="1E3272"/>
+                </a:solidFill>
+              </a:rPr>
+              <a:t>    </a:t>
+            </a:r>
+            <a:r>
+              <a:rPr lang="en-US" sz="2800" dirty="0" err="1" smtClean="0">
+                <a:solidFill>
+                  <a:srgbClr val="2F5CB5"/>
+                </a:solidFill>
+              </a:rPr>
+              <a:t>mv</a:t>
+            </a:r>
+            <a:r>
+              <a:rPr lang="en-US" sz="2800" dirty="0" smtClean="0">
+                <a:solidFill>
+                  <a:srgbClr val="1E3272"/>
+                </a:solidFill>
+              </a:rPr>
+              <a:t>  </a:t>
+            </a:r>
+            <a:r>
+              <a:rPr lang="en-US" sz="2800" dirty="0" smtClean="0">
+                <a:solidFill>
+                  <a:srgbClr val="1E3272"/>
+                </a:solidFill>
+              </a:rPr>
+              <a:t> </a:t>
+            </a:r>
+            <a:r>
+              <a:rPr lang="en-US" sz="2800" dirty="0" smtClean="0">
+                <a:solidFill>
+                  <a:srgbClr val="FF0000"/>
+                </a:solidFill>
+              </a:rPr>
+              <a:t>t1</a:t>
+            </a:r>
+            <a:r>
+              <a:rPr lang="en-US" sz="2800" dirty="0" smtClean="0">
+                <a:solidFill>
+                  <a:srgbClr val="1E3272"/>
+                </a:solidFill>
+              </a:rPr>
+              <a:t>, </a:t>
+            </a:r>
+            <a:r>
+              <a:rPr lang="en-US" sz="2800" dirty="0" smtClean="0">
+                <a:solidFill>
+                  <a:srgbClr val="FF0000"/>
+                </a:solidFill>
+              </a:rPr>
+              <a:t>zero</a:t>
+            </a:r>
+          </a:p>
+          <a:p>
+            <a:pPr>
+              <a:lnSpc>
+                <a:spcPct val="75000"/>
+              </a:lnSpc>
+            </a:pPr>
+            <a:r>
+              <a:rPr lang="en-US" sz="2800" b="1" i="1" dirty="0" smtClean="0">
+                <a:solidFill>
+                  <a:srgbClr val="1E3272"/>
+                </a:solidFill>
+              </a:rPr>
+              <a:t>next_t1:</a:t>
+            </a:r>
+          </a:p>
+          <a:p>
+            <a:pPr>
+              <a:lnSpc>
+                <a:spcPct val="75000"/>
+              </a:lnSpc>
+            </a:pPr>
+            <a:r>
+              <a:rPr lang="en-US" sz="2800" dirty="0" smtClean="0">
+                <a:solidFill>
+                  <a:srgbClr val="1E3272"/>
+                </a:solidFill>
+              </a:rPr>
+              <a:t>  </a:t>
+            </a:r>
+            <a:r>
+              <a:rPr lang="en-US" sz="2800" dirty="0" smtClean="0">
+                <a:solidFill>
+                  <a:srgbClr val="1E3272"/>
+                </a:solidFill>
+              </a:rPr>
+              <a:t>  </a:t>
+            </a:r>
+            <a:r>
+              <a:rPr lang="en-US" sz="2800" dirty="0" err="1" smtClean="0">
+                <a:solidFill>
+                  <a:srgbClr val="2F5CB5"/>
+                </a:solidFill>
+              </a:rPr>
+              <a:t>beq</a:t>
+            </a:r>
+            <a:r>
+              <a:rPr lang="en-US" sz="2800" dirty="0" smtClean="0">
+                <a:solidFill>
+                  <a:srgbClr val="1E3272"/>
+                </a:solidFill>
+              </a:rPr>
+              <a:t> </a:t>
+            </a:r>
+            <a:r>
+              <a:rPr lang="en-US" sz="2800" dirty="0" smtClean="0">
+                <a:solidFill>
+                  <a:srgbClr val="1E3272"/>
+                </a:solidFill>
+              </a:rPr>
+              <a:t> </a:t>
+            </a:r>
+            <a:r>
+              <a:rPr lang="en-US" sz="2800" dirty="0" smtClean="0">
+                <a:solidFill>
+                  <a:srgbClr val="FF0000"/>
+                </a:solidFill>
+              </a:rPr>
+              <a:t>t1</a:t>
+            </a:r>
+            <a:r>
+              <a:rPr lang="en-US" sz="2800" dirty="0" smtClean="0">
+                <a:solidFill>
+                  <a:srgbClr val="1E3272"/>
+                </a:solidFill>
+              </a:rPr>
+              <a:t>, </a:t>
+            </a:r>
+            <a:r>
+              <a:rPr lang="en-US" sz="2800" dirty="0" smtClean="0">
+                <a:solidFill>
+                  <a:srgbClr val="FF0000"/>
+                </a:solidFill>
+              </a:rPr>
+              <a:t>s1</a:t>
+            </a:r>
+            <a:r>
+              <a:rPr lang="en-US" sz="2800" dirty="0" smtClean="0">
+                <a:solidFill>
+                  <a:srgbClr val="1E3272"/>
+                </a:solidFill>
+              </a:rPr>
+              <a:t>, </a:t>
+            </a:r>
+            <a:r>
+              <a:rPr lang="en-US" sz="2800" i="1" dirty="0" smtClean="0">
+                <a:solidFill>
+                  <a:srgbClr val="1E3272"/>
+                </a:solidFill>
+              </a:rPr>
+              <a:t>end_for_t1</a:t>
+            </a:r>
+          </a:p>
+          <a:p>
+            <a:pPr>
+              <a:lnSpc>
+                <a:spcPct val="75000"/>
+              </a:lnSpc>
+            </a:pPr>
+            <a:r>
+              <a:rPr lang="en-US" sz="2800" dirty="0" smtClean="0">
+                <a:solidFill>
+                  <a:srgbClr val="1E3272"/>
+                </a:solidFill>
+              </a:rPr>
+              <a:t>    </a:t>
+            </a:r>
+            <a:r>
+              <a:rPr lang="en-US" sz="2800" dirty="0" err="1" smtClean="0">
+                <a:solidFill>
+                  <a:srgbClr val="1E3272"/>
+                </a:solidFill>
+              </a:rPr>
+              <a:t>print_int</a:t>
+            </a:r>
+            <a:r>
+              <a:rPr lang="en-US" sz="2800" dirty="0" smtClean="0">
+                <a:solidFill>
+                  <a:srgbClr val="1E3272"/>
+                </a:solidFill>
+              </a:rPr>
+              <a:t>(</a:t>
+            </a:r>
+            <a:r>
+              <a:rPr lang="en-US" sz="2800" dirty="0" smtClean="0">
+                <a:solidFill>
+                  <a:srgbClr val="FF0000"/>
+                </a:solidFill>
+              </a:rPr>
+              <a:t>t0</a:t>
+            </a:r>
+            <a:r>
+              <a:rPr lang="en-US" sz="2800" dirty="0" smtClean="0">
+                <a:solidFill>
+                  <a:srgbClr val="1E3272"/>
+                </a:solidFill>
+              </a:rPr>
+              <a:t>)</a:t>
+            </a:r>
+            <a:endParaRPr lang="en-US" sz="2800" dirty="0" smtClean="0">
+              <a:solidFill>
+                <a:srgbClr val="1E3272"/>
+              </a:solidFill>
+            </a:endParaRPr>
+          </a:p>
+          <a:p>
+            <a:pPr>
+              <a:lnSpc>
+                <a:spcPct val="75000"/>
+              </a:lnSpc>
+            </a:pPr>
+            <a:r>
+              <a:rPr lang="en-US" sz="2800" dirty="0" smtClean="0">
+                <a:solidFill>
+                  <a:srgbClr val="1E3272"/>
+                </a:solidFill>
+              </a:rPr>
+              <a:t>  </a:t>
+            </a:r>
+            <a:r>
+              <a:rPr lang="en-US" sz="2800" dirty="0" smtClean="0">
+                <a:solidFill>
+                  <a:srgbClr val="1E3272"/>
+                </a:solidFill>
+              </a:rPr>
+              <a:t>  </a:t>
+            </a:r>
+            <a:r>
+              <a:rPr lang="en-US" sz="2800" dirty="0" err="1" smtClean="0">
+                <a:solidFill>
+                  <a:srgbClr val="1E3272"/>
+                </a:solidFill>
+              </a:rPr>
+              <a:t>print_char</a:t>
+            </a:r>
+            <a:r>
+              <a:rPr lang="en-US" sz="2800" dirty="0" smtClean="0">
+                <a:solidFill>
+                  <a:srgbClr val="1E3272"/>
+                </a:solidFill>
+              </a:rPr>
+              <a:t>(</a:t>
+            </a:r>
+            <a:r>
+              <a:rPr lang="en-US" sz="2800" dirty="0" smtClean="0">
+                <a:solidFill>
+                  <a:srgbClr val="00B050"/>
+                </a:solidFill>
+              </a:rPr>
+              <a:t>':'</a:t>
+            </a:r>
+            <a:r>
+              <a:rPr lang="en-US" sz="2800" dirty="0" smtClean="0">
+                <a:solidFill>
+                  <a:srgbClr val="1E3272"/>
+                </a:solidFill>
+              </a:rPr>
+              <a:t>)</a:t>
+            </a:r>
+          </a:p>
+          <a:p>
+            <a:pPr>
+              <a:lnSpc>
+                <a:spcPct val="75000"/>
+              </a:lnSpc>
+            </a:pPr>
+            <a:r>
+              <a:rPr lang="en-US" sz="2800" dirty="0" smtClean="0">
+                <a:solidFill>
+                  <a:srgbClr val="1E3272"/>
+                </a:solidFill>
+              </a:rPr>
+              <a:t>   </a:t>
+            </a:r>
+            <a:r>
+              <a:rPr lang="en-US" sz="2800" dirty="0" smtClean="0">
+                <a:solidFill>
+                  <a:srgbClr val="1E3272"/>
+                </a:solidFill>
+              </a:rPr>
+              <a:t> </a:t>
+            </a:r>
+            <a:r>
+              <a:rPr lang="en-US" sz="2800" dirty="0" err="1" smtClean="0">
+                <a:solidFill>
+                  <a:srgbClr val="1E3272"/>
+                </a:solidFill>
+              </a:rPr>
+              <a:t>print_int</a:t>
+            </a:r>
+            <a:r>
+              <a:rPr lang="en-US" sz="2800" dirty="0" smtClean="0">
+                <a:solidFill>
+                  <a:srgbClr val="1E3272"/>
+                </a:solidFill>
+              </a:rPr>
+              <a:t>(</a:t>
+            </a:r>
+            <a:r>
+              <a:rPr lang="en-US" sz="2800" dirty="0" smtClean="0">
+                <a:solidFill>
+                  <a:srgbClr val="FF0000"/>
+                </a:solidFill>
+              </a:rPr>
+              <a:t>t1</a:t>
+            </a:r>
+            <a:r>
+              <a:rPr lang="en-US" sz="2800" dirty="0" smtClean="0">
+                <a:solidFill>
+                  <a:srgbClr val="1E3272"/>
+                </a:solidFill>
+              </a:rPr>
+              <a:t>)</a:t>
+            </a:r>
+          </a:p>
+          <a:p>
+            <a:pPr>
+              <a:lnSpc>
+                <a:spcPct val="75000"/>
+              </a:lnSpc>
+            </a:pPr>
+            <a:r>
+              <a:rPr lang="en-US" sz="2800" dirty="0" smtClean="0">
+                <a:solidFill>
+                  <a:srgbClr val="1E3272"/>
+                </a:solidFill>
+              </a:rPr>
+              <a:t>  </a:t>
+            </a:r>
+            <a:r>
+              <a:rPr lang="en-US" sz="2800" dirty="0" smtClean="0">
+                <a:solidFill>
+                  <a:srgbClr val="1E3272"/>
+                </a:solidFill>
+              </a:rPr>
+              <a:t>  </a:t>
+            </a:r>
+            <a:r>
+              <a:rPr lang="en-US" sz="2800" dirty="0" err="1" smtClean="0">
+                <a:solidFill>
+                  <a:srgbClr val="1E3272"/>
+                </a:solidFill>
+              </a:rPr>
+              <a:t>print_char</a:t>
+            </a:r>
+            <a:r>
+              <a:rPr lang="en-US" sz="2800" dirty="0" smtClean="0">
+                <a:solidFill>
+                  <a:srgbClr val="1E3272"/>
+                </a:solidFill>
+              </a:rPr>
+              <a:t>(</a:t>
+            </a:r>
+            <a:r>
+              <a:rPr lang="en-US" sz="2800" dirty="0" smtClean="0">
+                <a:solidFill>
+                  <a:srgbClr val="00B050"/>
+                </a:solidFill>
+              </a:rPr>
+              <a:t>' '</a:t>
+            </a:r>
+            <a:r>
+              <a:rPr lang="en-US" sz="2800" dirty="0" smtClean="0">
+                <a:solidFill>
+                  <a:srgbClr val="1E3272"/>
+                </a:solidFill>
+              </a:rPr>
+              <a:t>)</a:t>
+            </a:r>
+          </a:p>
+          <a:p>
+            <a:pPr>
+              <a:lnSpc>
+                <a:spcPct val="75000"/>
+              </a:lnSpc>
+            </a:pPr>
+            <a:r>
+              <a:rPr lang="en-US" sz="2800" dirty="0" smtClean="0">
+                <a:solidFill>
+                  <a:srgbClr val="1E3272"/>
+                </a:solidFill>
+              </a:rPr>
+              <a:t>   </a:t>
+            </a:r>
+            <a:r>
+              <a:rPr lang="en-US" sz="2800" dirty="0" smtClean="0">
+                <a:solidFill>
+                  <a:srgbClr val="1E3272"/>
+                </a:solidFill>
+              </a:rPr>
+              <a:t> </a:t>
+            </a:r>
+            <a:r>
+              <a:rPr lang="en-US" sz="2800" dirty="0" err="1" smtClean="0">
+                <a:solidFill>
+                  <a:srgbClr val="2F5CB5"/>
+                </a:solidFill>
+              </a:rPr>
+              <a:t>addi</a:t>
+            </a:r>
+            <a:r>
+              <a:rPr lang="en-US" sz="2800" dirty="0" smtClean="0">
+                <a:solidFill>
+                  <a:srgbClr val="1E3272"/>
+                </a:solidFill>
+              </a:rPr>
+              <a:t> </a:t>
+            </a:r>
+            <a:r>
+              <a:rPr lang="en-US" sz="2800" dirty="0" smtClean="0">
+                <a:solidFill>
+                  <a:srgbClr val="FF0000"/>
+                </a:solidFill>
+              </a:rPr>
+              <a:t>t1</a:t>
+            </a:r>
+            <a:r>
+              <a:rPr lang="en-US" sz="2800" dirty="0" smtClean="0">
+                <a:solidFill>
+                  <a:srgbClr val="1E3272"/>
+                </a:solidFill>
+              </a:rPr>
+              <a:t>, </a:t>
+            </a:r>
+            <a:r>
+              <a:rPr lang="en-US" sz="2800" dirty="0" smtClean="0">
+                <a:solidFill>
+                  <a:srgbClr val="FF0000"/>
+                </a:solidFill>
+              </a:rPr>
+              <a:t>t1</a:t>
+            </a:r>
+            <a:r>
+              <a:rPr lang="en-US" sz="2800" dirty="0" smtClean="0">
+                <a:solidFill>
+                  <a:srgbClr val="1E3272"/>
+                </a:solidFill>
+              </a:rPr>
+              <a:t>, </a:t>
+            </a:r>
+            <a:r>
+              <a:rPr lang="en-US" sz="2800" dirty="0" smtClean="0">
+                <a:solidFill>
+                  <a:srgbClr val="2F5CB5"/>
+                </a:solidFill>
+              </a:rPr>
+              <a:t>1</a:t>
+            </a:r>
+          </a:p>
+          <a:p>
+            <a:pPr>
+              <a:lnSpc>
+                <a:spcPct val="75000"/>
+              </a:lnSpc>
+            </a:pPr>
+            <a:r>
+              <a:rPr lang="en-US" sz="2800" dirty="0" smtClean="0">
+                <a:solidFill>
+                  <a:srgbClr val="1E3272"/>
+                </a:solidFill>
+              </a:rPr>
+              <a:t>  </a:t>
+            </a:r>
+            <a:r>
+              <a:rPr lang="en-US" sz="2800" dirty="0" smtClean="0">
+                <a:solidFill>
+                  <a:srgbClr val="1E3272"/>
+                </a:solidFill>
+              </a:rPr>
+              <a:t>  </a:t>
+            </a:r>
+            <a:r>
+              <a:rPr lang="en-US" sz="2800" dirty="0" smtClean="0">
+                <a:solidFill>
+                  <a:srgbClr val="2F5CB5"/>
+                </a:solidFill>
+              </a:rPr>
+              <a:t>b</a:t>
+            </a:r>
+            <a:r>
+              <a:rPr lang="en-US" sz="2800" dirty="0" smtClean="0">
+                <a:solidFill>
+                  <a:srgbClr val="1E3272"/>
+                </a:solidFill>
+              </a:rPr>
+              <a:t>    </a:t>
+            </a:r>
+            <a:r>
+              <a:rPr lang="en-US" sz="2800" dirty="0" smtClean="0">
+                <a:solidFill>
+                  <a:srgbClr val="1E3272"/>
+                </a:solidFill>
+              </a:rPr>
+              <a:t>   </a:t>
+            </a:r>
+            <a:r>
+              <a:rPr lang="en-US" sz="2800" i="1" dirty="0" smtClean="0">
+                <a:solidFill>
+                  <a:srgbClr val="1E3272"/>
+                </a:solidFill>
+              </a:rPr>
+              <a:t>next_t1</a:t>
+            </a:r>
+            <a:endParaRPr lang="en-US" sz="2800" i="1" dirty="0" smtClean="0">
+              <a:solidFill>
+                <a:srgbClr val="1E3272"/>
+              </a:solidFill>
+            </a:endParaRPr>
+          </a:p>
+          <a:p>
+            <a:pPr>
+              <a:lnSpc>
+                <a:spcPct val="75000"/>
+              </a:lnSpc>
+            </a:pPr>
+            <a:r>
+              <a:rPr lang="en-US" sz="2800" b="1" i="1" dirty="0" smtClean="0">
+                <a:solidFill>
+                  <a:srgbClr val="1E3272"/>
+                </a:solidFill>
+              </a:rPr>
+              <a:t>end_for_t1:</a:t>
+            </a:r>
+          </a:p>
+          <a:p>
+            <a:pPr>
+              <a:lnSpc>
+                <a:spcPct val="75000"/>
+              </a:lnSpc>
+            </a:pPr>
+            <a:r>
+              <a:rPr lang="en-US" sz="2800" dirty="0" smtClean="0">
+                <a:solidFill>
+                  <a:srgbClr val="1E3272"/>
+                </a:solidFill>
+              </a:rPr>
+              <a:t>   </a:t>
+            </a:r>
+            <a:r>
+              <a:rPr lang="en-US" sz="2800" dirty="0" smtClean="0">
+                <a:solidFill>
+                  <a:srgbClr val="1E3272"/>
+                </a:solidFill>
+              </a:rPr>
+              <a:t> </a:t>
+            </a:r>
+            <a:r>
+              <a:rPr lang="en-US" sz="2800" dirty="0" err="1" smtClean="0">
+                <a:solidFill>
+                  <a:srgbClr val="1E3272"/>
+                </a:solidFill>
+              </a:rPr>
+              <a:t>print_char</a:t>
+            </a:r>
+            <a:r>
+              <a:rPr lang="en-US" sz="2800" dirty="0" smtClean="0">
+                <a:solidFill>
+                  <a:srgbClr val="1E3272"/>
+                </a:solidFill>
+              </a:rPr>
+              <a:t>(</a:t>
+            </a:r>
+            <a:r>
+              <a:rPr lang="en-US" sz="2800" dirty="0" smtClean="0">
+                <a:solidFill>
+                  <a:srgbClr val="00B050"/>
+                </a:solidFill>
+              </a:rPr>
+              <a:t>'\n'</a:t>
+            </a:r>
+            <a:r>
+              <a:rPr lang="en-US" sz="2800" dirty="0" smtClean="0">
+                <a:solidFill>
+                  <a:srgbClr val="1E3272"/>
+                </a:solidFill>
+              </a:rPr>
+              <a:t>)</a:t>
+            </a:r>
+          </a:p>
+          <a:p>
+            <a:pPr>
+              <a:lnSpc>
+                <a:spcPct val="75000"/>
+              </a:lnSpc>
+            </a:pPr>
+            <a:r>
+              <a:rPr lang="en-US" sz="2800" dirty="0" smtClean="0">
+                <a:solidFill>
+                  <a:srgbClr val="1E3272"/>
+                </a:solidFill>
+              </a:rPr>
+              <a:t>   </a:t>
+            </a:r>
+            <a:r>
+              <a:rPr lang="en-US" sz="2800" dirty="0" smtClean="0">
+                <a:solidFill>
+                  <a:srgbClr val="1E3272"/>
+                </a:solidFill>
+              </a:rPr>
+              <a:t> </a:t>
+            </a:r>
+            <a:r>
+              <a:rPr lang="en-US" sz="2800" dirty="0" err="1" smtClean="0">
+                <a:solidFill>
+                  <a:srgbClr val="2F5CB5"/>
+                </a:solidFill>
+              </a:rPr>
+              <a:t>addi</a:t>
+            </a:r>
+            <a:r>
+              <a:rPr lang="en-US" sz="2800" dirty="0" smtClean="0">
+                <a:solidFill>
+                  <a:srgbClr val="1E3272"/>
+                </a:solidFill>
+              </a:rPr>
+              <a:t>  </a:t>
+            </a:r>
+            <a:r>
+              <a:rPr lang="en-US" sz="2800" dirty="0" smtClean="0">
+                <a:solidFill>
+                  <a:srgbClr val="FF0000"/>
+                </a:solidFill>
+              </a:rPr>
+              <a:t>t0</a:t>
+            </a:r>
+            <a:r>
+              <a:rPr lang="en-US" sz="2800" dirty="0" smtClean="0">
+                <a:solidFill>
+                  <a:srgbClr val="1E3272"/>
+                </a:solidFill>
+              </a:rPr>
+              <a:t>, </a:t>
+            </a:r>
+            <a:r>
+              <a:rPr lang="en-US" sz="2800" dirty="0" smtClean="0">
+                <a:solidFill>
+                  <a:srgbClr val="FF0000"/>
+                </a:solidFill>
+              </a:rPr>
+              <a:t>t0</a:t>
+            </a:r>
+            <a:r>
+              <a:rPr lang="en-US" sz="2800" dirty="0" smtClean="0">
+                <a:solidFill>
+                  <a:srgbClr val="1E3272"/>
+                </a:solidFill>
+              </a:rPr>
+              <a:t>, </a:t>
+            </a:r>
+            <a:r>
+              <a:rPr lang="en-US" sz="2800" dirty="0" smtClean="0">
+                <a:solidFill>
+                  <a:srgbClr val="2F5CB5"/>
+                </a:solidFill>
+              </a:rPr>
+              <a:t>1</a:t>
+            </a:r>
+          </a:p>
+          <a:p>
+            <a:pPr>
+              <a:lnSpc>
+                <a:spcPct val="75000"/>
+              </a:lnSpc>
+            </a:pPr>
+            <a:r>
+              <a:rPr lang="en-US" sz="2800" dirty="0" smtClean="0">
+                <a:solidFill>
+                  <a:srgbClr val="1E3272"/>
+                </a:solidFill>
+              </a:rPr>
+              <a:t>  </a:t>
+            </a:r>
+            <a:r>
+              <a:rPr lang="en-US" sz="2800" dirty="0" smtClean="0">
+                <a:solidFill>
+                  <a:srgbClr val="1E3272"/>
+                </a:solidFill>
+              </a:rPr>
+              <a:t>  </a:t>
+            </a:r>
+            <a:r>
+              <a:rPr lang="en-US" sz="2800" dirty="0" smtClean="0">
+                <a:solidFill>
+                  <a:srgbClr val="2F5CB5"/>
+                </a:solidFill>
+              </a:rPr>
+              <a:t>b</a:t>
+            </a:r>
+            <a:r>
+              <a:rPr lang="en-US" sz="2800" dirty="0" smtClean="0">
+                <a:solidFill>
+                  <a:srgbClr val="1E3272"/>
+                </a:solidFill>
+              </a:rPr>
+              <a:t>    </a:t>
+            </a:r>
+            <a:r>
+              <a:rPr lang="en-US" sz="2800" dirty="0" smtClean="0">
+                <a:solidFill>
+                  <a:srgbClr val="1E3272"/>
+                </a:solidFill>
+              </a:rPr>
+              <a:t>   </a:t>
+            </a:r>
+            <a:r>
+              <a:rPr lang="en-US" sz="2800" i="1" dirty="0" smtClean="0">
+                <a:solidFill>
+                  <a:srgbClr val="1E3272"/>
+                </a:solidFill>
+              </a:rPr>
+              <a:t>next_t0</a:t>
+            </a:r>
+            <a:endParaRPr lang="en-US" sz="2800" i="1" dirty="0" smtClean="0">
+              <a:solidFill>
+                <a:srgbClr val="1E3272"/>
+              </a:solidFill>
+            </a:endParaRPr>
+          </a:p>
+          <a:p>
+            <a:pPr>
+              <a:lnSpc>
+                <a:spcPct val="75000"/>
+              </a:lnSpc>
+            </a:pPr>
+            <a:r>
+              <a:rPr lang="en-US" sz="2800" b="1" i="1" dirty="0" smtClean="0">
+                <a:solidFill>
+                  <a:srgbClr val="1E3272"/>
+                </a:solidFill>
+              </a:rPr>
+              <a:t>end_for_t0:</a:t>
+            </a:r>
+            <a:endParaRPr lang="en-US" sz="2800" b="1" i="1" dirty="0" smtClean="0">
+              <a:solidFill>
+                <a:srgbClr val="1E3272"/>
+              </a:solidFill>
+            </a:endParaRPr>
+          </a:p>
+        </p:txBody>
+      </p:sp>
+      <p:cxnSp>
+        <p:nvCxnSpPr>
+          <p:cNvPr id="7" name="Прямая со стрелкой 6"/>
+          <p:cNvCxnSpPr/>
+          <p:nvPr/>
+        </p:nvCxnSpPr>
+        <p:spPr>
+          <a:xfrm>
+            <a:off x="5812971" y="1881051"/>
+            <a:ext cx="1632858" cy="65315"/>
+          </a:xfrm>
+          <a:prstGeom prst="straightConnector1">
+            <a:avLst/>
+          </a:prstGeom>
+          <a:ln w="38100">
+            <a:solidFill>
+              <a:srgbClr val="F7B217"/>
+            </a:solidFill>
+            <a:tailEnd type="triangle" w="lg" len="lg"/>
+          </a:ln>
+        </p:spPr>
+        <p:style>
+          <a:lnRef idx="1">
+            <a:schemeClr val="accent1"/>
+          </a:lnRef>
+          <a:fillRef idx="0">
+            <a:schemeClr val="accent1"/>
+          </a:fillRef>
+          <a:effectRef idx="0">
+            <a:schemeClr val="accent1"/>
+          </a:effectRef>
+          <a:fontRef idx="minor">
+            <a:schemeClr val="tx1"/>
+          </a:fontRef>
+        </p:style>
+      </p:cxnSp>
+      <p:cxnSp>
+        <p:nvCxnSpPr>
+          <p:cNvPr id="9" name="Прямая со стрелкой 8"/>
+          <p:cNvCxnSpPr/>
+          <p:nvPr/>
+        </p:nvCxnSpPr>
+        <p:spPr>
+          <a:xfrm>
+            <a:off x="6035040" y="2377440"/>
+            <a:ext cx="1463040" cy="522514"/>
+          </a:xfrm>
+          <a:prstGeom prst="straightConnector1">
+            <a:avLst/>
+          </a:prstGeom>
+          <a:ln w="38100">
+            <a:solidFill>
+              <a:srgbClr val="F7B217"/>
+            </a:solidFill>
+            <a:tailEnd type="triangle" w="lg" len="lg"/>
+          </a:ln>
+        </p:spPr>
+        <p:style>
+          <a:lnRef idx="1">
+            <a:schemeClr val="accent1"/>
+          </a:lnRef>
+          <a:fillRef idx="0">
+            <a:schemeClr val="accent1"/>
+          </a:fillRef>
+          <a:effectRef idx="0">
+            <a:schemeClr val="accent1"/>
+          </a:effectRef>
+          <a:fontRef idx="minor">
+            <a:schemeClr val="tx1"/>
+          </a:fontRef>
+        </p:style>
+      </p:cxnSp>
+      <p:cxnSp>
+        <p:nvCxnSpPr>
+          <p:cNvPr id="12" name="Прямая со стрелкой 11"/>
+          <p:cNvCxnSpPr/>
+          <p:nvPr/>
+        </p:nvCxnSpPr>
+        <p:spPr>
+          <a:xfrm>
+            <a:off x="4193177" y="5303520"/>
+            <a:ext cx="3252652" cy="117566"/>
+          </a:xfrm>
+          <a:prstGeom prst="straightConnector1">
+            <a:avLst/>
+          </a:prstGeom>
+          <a:ln w="38100">
+            <a:solidFill>
+              <a:srgbClr val="F7B217"/>
+            </a:solidFill>
+            <a:tailEnd type="triangle" w="lg" len="lg"/>
+          </a:ln>
+        </p:spPr>
+        <p:style>
+          <a:lnRef idx="1">
+            <a:schemeClr val="accent1"/>
+          </a:lnRef>
+          <a:fillRef idx="0">
+            <a:schemeClr val="accent1"/>
+          </a:fillRef>
+          <a:effectRef idx="0">
+            <a:schemeClr val="accent1"/>
+          </a:effectRef>
+          <a:fontRef idx="minor">
+            <a:schemeClr val="tx1"/>
+          </a:fontRef>
+        </p:style>
+      </p:cxnSp>
+      <p:cxnSp>
+        <p:nvCxnSpPr>
+          <p:cNvPr id="15" name="Прямая со стрелкой 14"/>
+          <p:cNvCxnSpPr/>
+          <p:nvPr/>
+        </p:nvCxnSpPr>
+        <p:spPr>
+          <a:xfrm>
+            <a:off x="3944983" y="3644537"/>
+            <a:ext cx="3526971" cy="91440"/>
+          </a:xfrm>
+          <a:prstGeom prst="straightConnector1">
+            <a:avLst/>
+          </a:prstGeom>
+          <a:ln w="38100">
+            <a:solidFill>
+              <a:srgbClr val="F7B217"/>
+            </a:solidFill>
+            <a:tailEnd type="triangle" w="lg" len="lg"/>
+          </a:ln>
+        </p:spPr>
+        <p:style>
+          <a:lnRef idx="1">
+            <a:schemeClr val="accent1"/>
+          </a:lnRef>
+          <a:fillRef idx="0">
+            <a:schemeClr val="accent1"/>
+          </a:fillRef>
+          <a:effectRef idx="0">
+            <a:schemeClr val="accent1"/>
+          </a:effectRef>
+          <a:fontRef idx="minor">
+            <a:schemeClr val="tx1"/>
+          </a:fontRef>
+        </p:style>
+      </p:cxnSp>
+    </p:spTree>
+  </p:cSld>
+  <p:clrMapOvr>
+    <a:masterClrMapping/>
+  </p:clrMapOvr>
+  <p:timing>
+    <p:tnLst>
+      <p:par>
+        <p:cTn id="1" dur="indefinite" restart="never" nodeType="tmRoot"/>
+      </p:par>
+    </p:tnLst>
+  </p:timing>
+</p:sld>
+</file>
+
+<file path=ppt/slides/slide13.xml><?xml version="1.0" encoding="utf-8"?>
+<p:sld xmlns:a="http://schemas.openxmlformats.org/drawingml/2006/main" xmlns:r="http://schemas.openxmlformats.org/officeDocument/2006/relationships" xmlns:p="http://schemas.openxmlformats.org/presentationml/2006/main">
+  <p:cSld>
+    <p:spTree>
+      <p:nvGrpSpPr>
+        <p:cNvPr id="1" name=""/>
+        <p:cNvGrpSpPr/>
+        <p:nvPr/>
+      </p:nvGrpSpPr>
+      <p:grpSpPr>
+        <a:xfrm>
+          <a:off x="0" y="0"/>
+          <a:ext cx="0" cy="0"/>
+          <a:chOff x="0" y="0"/>
+          <a:chExt cx="0" cy="0"/>
+        </a:xfrm>
+      </p:grpSpPr>
+      <p:sp>
+        <p:nvSpPr>
+          <p:cNvPr id="2" name="Содержимое 1"/>
+          <p:cNvSpPr>
+            <a:spLocks noGrp="1"/>
+          </p:cNvSpPr>
+          <p:nvPr>
+            <p:ph idx="1"/>
+          </p:nvPr>
+        </p:nvSpPr>
+        <p:spPr>
+          <a:xfrm>
+            <a:off x="838200" y="1178053"/>
+            <a:ext cx="10515600" cy="1578210"/>
+          </a:xfrm>
+        </p:spPr>
+        <p:txBody>
+          <a:bodyPr/>
+          <a:lstStyle/>
+          <a:p>
+            <a:pPr marL="0" indent="0" algn="just">
+              <a:buNone/>
+            </a:pPr>
+            <a:r>
+              <a:rPr lang="en-US" b="1" dirty="0" smtClean="0">
+                <a:solidFill>
+                  <a:srgbClr val="F7B217"/>
+                </a:solidFill>
+              </a:rPr>
+              <a:t>Macro</a:t>
+            </a:r>
+            <a:r>
+              <a:rPr lang="en-US" dirty="0" smtClean="0"/>
+              <a:t> is a </a:t>
+            </a:r>
+            <a:r>
+              <a:rPr lang="en-US" dirty="0" smtClean="0"/>
+              <a:t>pattern-matching and replacement facility that provides a simple mechanism to name a frequently used sequence of </a:t>
+            </a:r>
+            <a:r>
+              <a:rPr lang="en-US" dirty="0" smtClean="0"/>
+              <a:t>instructions. </a:t>
+            </a:r>
+            <a:endParaRPr lang="ru-RU" dirty="0"/>
+          </a:p>
+        </p:txBody>
+      </p:sp>
+      <p:sp>
+        <p:nvSpPr>
+          <p:cNvPr id="3" name="Номер слайда 2"/>
+          <p:cNvSpPr>
+            <a:spLocks noGrp="1"/>
+          </p:cNvSpPr>
+          <p:nvPr>
+            <p:ph type="sldNum" sz="quarter" idx="12"/>
+          </p:nvPr>
+        </p:nvSpPr>
+        <p:spPr/>
+        <p:txBody>
+          <a:bodyPr/>
+          <a:lstStyle/>
+          <a:p>
+            <a:pPr algn="ctr"/>
+            <a:fld id="{1397BFD8-F312-4EF2-A268-44FB4BDDBBB0}" type="slidenum">
+              <a:rPr lang="ru-RU" smtClean="0"/>
+              <a:pPr algn="ctr"/>
+              <a:t>13</a:t>
+            </a:fld>
+            <a:endParaRPr lang="ru-RU" dirty="0"/>
+          </a:p>
+        </p:txBody>
+      </p:sp>
+      <p:sp>
+        <p:nvSpPr>
+          <p:cNvPr id="4" name="Заголовок 3"/>
+          <p:cNvSpPr>
+            <a:spLocks noGrp="1"/>
+          </p:cNvSpPr>
+          <p:nvPr>
+            <p:ph type="title"/>
+          </p:nvPr>
+        </p:nvSpPr>
+        <p:spPr/>
+        <p:txBody>
+          <a:bodyPr/>
+          <a:lstStyle/>
+          <a:p>
+            <a:r>
+              <a:rPr lang="en-US" dirty="0" smtClean="0"/>
+              <a:t>Macros</a:t>
+            </a:r>
+            <a:endParaRPr lang="ru-RU" dirty="0"/>
+          </a:p>
+        </p:txBody>
+      </p:sp>
+      <p:sp>
+        <p:nvSpPr>
+          <p:cNvPr id="5" name="Rectangle 4"/>
+          <p:cNvSpPr/>
+          <p:nvPr/>
+        </p:nvSpPr>
+        <p:spPr>
+          <a:xfrm>
+            <a:off x="979701" y="2847702"/>
+            <a:ext cx="3657613" cy="3892732"/>
+          </a:xfrm>
+          <a:prstGeom prst="rect">
+            <a:avLst/>
+          </a:prstGeom>
+        </p:spPr>
+        <p:txBody>
+          <a:bodyPr wrap="square">
+            <a:spAutoFit/>
+          </a:bodyPr>
+          <a:lstStyle/>
+          <a:p>
+            <a:pPr>
+              <a:lnSpc>
+                <a:spcPct val="80000"/>
+              </a:lnSpc>
+            </a:pPr>
+            <a:r>
+              <a:rPr lang="en-US" sz="2800" dirty="0" smtClean="0">
+                <a:solidFill>
+                  <a:srgbClr val="FF0000"/>
+                </a:solidFill>
+              </a:rPr>
+              <a:t>.</a:t>
+            </a:r>
+            <a:r>
+              <a:rPr lang="en-US" sz="2800" dirty="0" smtClean="0">
+                <a:solidFill>
+                  <a:srgbClr val="FF0000"/>
+                </a:solidFill>
+              </a:rPr>
+              <a:t>macro </a:t>
+            </a:r>
+            <a:r>
+              <a:rPr lang="en-US" sz="2800" i="1" dirty="0" err="1" smtClean="0">
+                <a:solidFill>
+                  <a:srgbClr val="1E3272"/>
+                </a:solidFill>
+              </a:rPr>
+              <a:t>print_int</a:t>
+            </a:r>
+            <a:r>
+              <a:rPr lang="en-US" sz="2800" dirty="0" smtClean="0">
+                <a:solidFill>
+                  <a:srgbClr val="1E3272"/>
+                </a:solidFill>
+              </a:rPr>
+              <a:t> (</a:t>
+            </a:r>
+            <a:r>
+              <a:rPr lang="en-US" sz="2800" dirty="0" smtClean="0">
+                <a:solidFill>
+                  <a:srgbClr val="00B050"/>
+                </a:solidFill>
+              </a:rPr>
+              <a:t>%x</a:t>
+            </a:r>
+            <a:r>
+              <a:rPr lang="en-US" sz="2800" dirty="0" smtClean="0">
+                <a:solidFill>
+                  <a:srgbClr val="1E3272"/>
+                </a:solidFill>
+              </a:rPr>
+              <a:t>)</a:t>
+            </a:r>
+          </a:p>
+          <a:p>
+            <a:pPr>
+              <a:lnSpc>
+                <a:spcPct val="80000"/>
+              </a:lnSpc>
+            </a:pPr>
+            <a:r>
+              <a:rPr lang="en-US" sz="2800" dirty="0" err="1" smtClean="0">
+                <a:solidFill>
+                  <a:srgbClr val="2F5CB5"/>
+                </a:solidFill>
+              </a:rPr>
+              <a:t>li</a:t>
+            </a:r>
+            <a:r>
+              <a:rPr lang="en-US" sz="2800" dirty="0" smtClean="0">
+                <a:solidFill>
+                  <a:srgbClr val="1E3272"/>
+                </a:solidFill>
+              </a:rPr>
+              <a:t>      </a:t>
+            </a:r>
+            <a:r>
+              <a:rPr lang="en-US" sz="2800" dirty="0" smtClean="0">
+                <a:solidFill>
+                  <a:srgbClr val="FF0000"/>
+                </a:solidFill>
+              </a:rPr>
+              <a:t>a7</a:t>
+            </a:r>
+            <a:r>
+              <a:rPr lang="en-US" sz="2800" dirty="0" smtClean="0">
+                <a:solidFill>
+                  <a:srgbClr val="1E3272"/>
+                </a:solidFill>
+              </a:rPr>
+              <a:t>, 1</a:t>
+            </a:r>
+          </a:p>
+          <a:p>
+            <a:pPr>
+              <a:lnSpc>
+                <a:spcPct val="80000"/>
+              </a:lnSpc>
+            </a:pPr>
+            <a:r>
+              <a:rPr lang="en-US" sz="2800" dirty="0" err="1" smtClean="0">
+                <a:solidFill>
+                  <a:srgbClr val="2F5CB5"/>
+                </a:solidFill>
+              </a:rPr>
+              <a:t>mv</a:t>
+            </a:r>
+            <a:r>
+              <a:rPr lang="en-US" sz="2800" dirty="0" smtClean="0">
+                <a:solidFill>
+                  <a:srgbClr val="1E3272"/>
+                </a:solidFill>
+              </a:rPr>
+              <a:t>  </a:t>
+            </a:r>
+            <a:r>
+              <a:rPr lang="en-US" sz="2800" dirty="0" smtClean="0">
+                <a:solidFill>
+                  <a:srgbClr val="FF0000"/>
+                </a:solidFill>
+              </a:rPr>
+              <a:t>a0</a:t>
+            </a:r>
+            <a:r>
+              <a:rPr lang="en-US" sz="2800" dirty="0" smtClean="0">
+                <a:solidFill>
+                  <a:srgbClr val="1E3272"/>
+                </a:solidFill>
+              </a:rPr>
+              <a:t>, </a:t>
+            </a:r>
+            <a:r>
+              <a:rPr lang="en-US" sz="2800" dirty="0" smtClean="0">
+                <a:solidFill>
+                  <a:srgbClr val="00B050"/>
+                </a:solidFill>
+              </a:rPr>
+              <a:t>%x</a:t>
+            </a:r>
+          </a:p>
+          <a:p>
+            <a:pPr>
+              <a:lnSpc>
+                <a:spcPct val="80000"/>
+              </a:lnSpc>
+            </a:pPr>
+            <a:r>
+              <a:rPr lang="en-US" sz="2800" dirty="0" err="1" smtClean="0">
+                <a:solidFill>
+                  <a:srgbClr val="2F5CB5"/>
+                </a:solidFill>
+              </a:rPr>
+              <a:t>ecall</a:t>
+            </a:r>
+            <a:endParaRPr lang="en-US" sz="2800" dirty="0" smtClean="0">
+              <a:solidFill>
+                <a:srgbClr val="2F5CB5"/>
+              </a:solidFill>
+            </a:endParaRPr>
+          </a:p>
+          <a:p>
+            <a:pPr>
+              <a:lnSpc>
+                <a:spcPct val="80000"/>
+              </a:lnSpc>
+            </a:pPr>
+            <a:r>
+              <a:rPr lang="en-US" sz="2800" dirty="0" smtClean="0">
+                <a:solidFill>
+                  <a:srgbClr val="FF0000"/>
+                </a:solidFill>
+              </a:rPr>
+              <a:t>.</a:t>
+            </a:r>
+            <a:r>
+              <a:rPr lang="en-US" sz="2800" dirty="0" err="1" smtClean="0">
+                <a:solidFill>
+                  <a:srgbClr val="FF0000"/>
+                </a:solidFill>
+              </a:rPr>
+              <a:t>end_macro</a:t>
+            </a:r>
+            <a:endParaRPr lang="en-US" sz="2800" dirty="0" smtClean="0">
+              <a:solidFill>
+                <a:srgbClr val="FF0000"/>
+              </a:solidFill>
+            </a:endParaRPr>
+          </a:p>
+          <a:p>
+            <a:pPr>
+              <a:lnSpc>
+                <a:spcPct val="80000"/>
+              </a:lnSpc>
+            </a:pPr>
+            <a:endParaRPr lang="en-US" sz="2800" dirty="0" smtClean="0">
+              <a:solidFill>
+                <a:srgbClr val="1E3272"/>
+              </a:solidFill>
+            </a:endParaRPr>
+          </a:p>
+          <a:p>
+            <a:pPr>
+              <a:lnSpc>
+                <a:spcPct val="80000"/>
+              </a:lnSpc>
+            </a:pPr>
+            <a:r>
+              <a:rPr lang="en-US" sz="2800" dirty="0" smtClean="0">
+                <a:solidFill>
+                  <a:srgbClr val="FF0000"/>
+                </a:solidFill>
+              </a:rPr>
+              <a:t> </a:t>
+            </a:r>
+            <a:r>
+              <a:rPr lang="en-US" sz="2800" dirty="0" smtClean="0">
+                <a:solidFill>
+                  <a:srgbClr val="FF0000"/>
+                </a:solidFill>
+              </a:rPr>
+              <a:t>.</a:t>
+            </a:r>
+            <a:r>
+              <a:rPr lang="en-US" sz="2800" dirty="0" smtClean="0">
+                <a:solidFill>
+                  <a:srgbClr val="FF0000"/>
+                </a:solidFill>
+              </a:rPr>
+              <a:t>macro </a:t>
+            </a:r>
+            <a:r>
+              <a:rPr lang="en-US" sz="2800" i="1" dirty="0" err="1" smtClean="0">
+                <a:solidFill>
+                  <a:srgbClr val="1E3272"/>
+                </a:solidFill>
+              </a:rPr>
+              <a:t>read_int</a:t>
+            </a:r>
+            <a:r>
+              <a:rPr lang="en-US" sz="2800" dirty="0" smtClean="0">
+                <a:solidFill>
+                  <a:srgbClr val="1E3272"/>
+                </a:solidFill>
+              </a:rPr>
+              <a:t> (</a:t>
+            </a:r>
+            <a:r>
+              <a:rPr lang="en-US" sz="2800" dirty="0" smtClean="0">
+                <a:solidFill>
+                  <a:srgbClr val="00B050"/>
+                </a:solidFill>
+              </a:rPr>
+              <a:t>%</a:t>
+            </a:r>
+            <a:r>
+              <a:rPr lang="en-US" sz="2800" dirty="0" smtClean="0">
+                <a:solidFill>
+                  <a:srgbClr val="00B050"/>
+                </a:solidFill>
+              </a:rPr>
+              <a:t>x</a:t>
+            </a:r>
+            <a:r>
+              <a:rPr lang="en-US" sz="2800" dirty="0" smtClean="0">
+                <a:solidFill>
+                  <a:srgbClr val="1E3272"/>
+                </a:solidFill>
+              </a:rPr>
+              <a:t>)</a:t>
+            </a:r>
+          </a:p>
+          <a:p>
+            <a:pPr>
+              <a:lnSpc>
+                <a:spcPct val="80000"/>
+              </a:lnSpc>
+            </a:pPr>
+            <a:r>
+              <a:rPr lang="en-US" sz="2800" dirty="0" smtClean="0">
+                <a:solidFill>
+                  <a:srgbClr val="1E3272"/>
+                </a:solidFill>
+              </a:rPr>
+              <a:t> </a:t>
+            </a:r>
+            <a:r>
+              <a:rPr lang="en-US" sz="2800" dirty="0" err="1" smtClean="0">
+                <a:solidFill>
+                  <a:srgbClr val="2F5CB5"/>
+                </a:solidFill>
+              </a:rPr>
+              <a:t>li</a:t>
+            </a:r>
+            <a:r>
+              <a:rPr lang="en-US" sz="2800" dirty="0" smtClean="0">
+                <a:solidFill>
+                  <a:srgbClr val="1E3272"/>
+                </a:solidFill>
+              </a:rPr>
+              <a:t>    </a:t>
+            </a:r>
+            <a:r>
+              <a:rPr lang="en-US" sz="2800" dirty="0" smtClean="0">
+                <a:solidFill>
+                  <a:srgbClr val="FF0000"/>
+                </a:solidFill>
+              </a:rPr>
+              <a:t>a7</a:t>
+            </a:r>
+            <a:r>
+              <a:rPr lang="en-US" sz="2800" dirty="0" smtClean="0">
+                <a:solidFill>
+                  <a:srgbClr val="1E3272"/>
+                </a:solidFill>
+              </a:rPr>
+              <a:t>, 5</a:t>
+            </a:r>
+          </a:p>
+          <a:p>
+            <a:pPr>
+              <a:lnSpc>
+                <a:spcPct val="80000"/>
+              </a:lnSpc>
+            </a:pPr>
+            <a:r>
+              <a:rPr lang="en-US" sz="2800" dirty="0" smtClean="0">
+                <a:solidFill>
+                  <a:srgbClr val="1E3272"/>
+                </a:solidFill>
+              </a:rPr>
+              <a:t> </a:t>
+            </a:r>
+            <a:r>
+              <a:rPr lang="en-US" sz="2800" dirty="0" err="1" smtClean="0">
+                <a:solidFill>
+                  <a:srgbClr val="2F5CB5"/>
+                </a:solidFill>
+              </a:rPr>
+              <a:t>ecall</a:t>
+            </a:r>
+            <a:endParaRPr lang="en-US" sz="2800" dirty="0" smtClean="0">
+              <a:solidFill>
+                <a:srgbClr val="2F5CB5"/>
+              </a:solidFill>
+            </a:endParaRPr>
+          </a:p>
+          <a:p>
+            <a:pPr>
+              <a:lnSpc>
+                <a:spcPct val="80000"/>
+              </a:lnSpc>
+            </a:pPr>
+            <a:r>
+              <a:rPr lang="en-US" sz="2800" dirty="0" smtClean="0">
+                <a:solidFill>
+                  <a:srgbClr val="1E3272"/>
+                </a:solidFill>
+              </a:rPr>
+              <a:t> </a:t>
+            </a:r>
+            <a:r>
+              <a:rPr lang="en-US" sz="2800" dirty="0" err="1" smtClean="0">
+                <a:solidFill>
+                  <a:srgbClr val="2F5CB5"/>
+                </a:solidFill>
+              </a:rPr>
+              <a:t>mv</a:t>
+            </a:r>
+            <a:r>
+              <a:rPr lang="en-US" sz="2800" dirty="0" smtClean="0">
+                <a:solidFill>
+                  <a:srgbClr val="1E3272"/>
+                </a:solidFill>
+              </a:rPr>
+              <a:t> </a:t>
+            </a:r>
+            <a:r>
+              <a:rPr lang="en-US" sz="2800" dirty="0" smtClean="0">
+                <a:solidFill>
+                  <a:srgbClr val="00B050"/>
+                </a:solidFill>
+              </a:rPr>
+              <a:t>%x</a:t>
+            </a:r>
+            <a:r>
+              <a:rPr lang="en-US" sz="2800" dirty="0" smtClean="0">
+                <a:solidFill>
+                  <a:srgbClr val="1E3272"/>
+                </a:solidFill>
+              </a:rPr>
+              <a:t>, </a:t>
+            </a:r>
+            <a:r>
+              <a:rPr lang="en-US" sz="2800" dirty="0" smtClean="0">
+                <a:solidFill>
+                  <a:srgbClr val="FF0000"/>
+                </a:solidFill>
+              </a:rPr>
+              <a:t>a0</a:t>
+            </a:r>
+          </a:p>
+          <a:p>
+            <a:pPr>
+              <a:lnSpc>
+                <a:spcPct val="80000"/>
+              </a:lnSpc>
+            </a:pPr>
+            <a:r>
+              <a:rPr lang="en-US" sz="2800" dirty="0" smtClean="0">
+                <a:solidFill>
+                  <a:srgbClr val="FF0000"/>
+                </a:solidFill>
+              </a:rPr>
+              <a:t> </a:t>
+            </a:r>
+            <a:r>
+              <a:rPr lang="en-US" sz="2800" dirty="0" smtClean="0">
+                <a:solidFill>
+                  <a:srgbClr val="FF0000"/>
+                </a:solidFill>
+              </a:rPr>
+              <a:t>.</a:t>
+            </a:r>
+            <a:r>
+              <a:rPr lang="en-US" sz="2800" dirty="0" err="1" smtClean="0">
+                <a:solidFill>
+                  <a:srgbClr val="FF0000"/>
+                </a:solidFill>
+              </a:rPr>
+              <a:t>end_macro</a:t>
+            </a:r>
+            <a:endParaRPr lang="en-US" sz="2800" dirty="0" smtClean="0">
+              <a:solidFill>
+                <a:srgbClr val="FF0000"/>
+              </a:solidFill>
+            </a:endParaRPr>
+          </a:p>
+        </p:txBody>
+      </p:sp>
+      <p:sp>
+        <p:nvSpPr>
+          <p:cNvPr id="7" name="Rectangle 4"/>
+          <p:cNvSpPr/>
+          <p:nvPr/>
+        </p:nvSpPr>
+        <p:spPr>
+          <a:xfrm>
+            <a:off x="8172989" y="3553098"/>
+            <a:ext cx="3139448" cy="1433021"/>
+          </a:xfrm>
+          <a:prstGeom prst="rect">
+            <a:avLst/>
+          </a:prstGeom>
+        </p:spPr>
+        <p:txBody>
+          <a:bodyPr wrap="square">
+            <a:spAutoFit/>
+          </a:bodyPr>
+          <a:lstStyle/>
+          <a:p>
+            <a:pPr>
+              <a:lnSpc>
+                <a:spcPct val="80000"/>
+              </a:lnSpc>
+            </a:pPr>
+            <a:r>
+              <a:rPr lang="en-US" sz="3600" b="1" i="1" dirty="0" smtClean="0">
+                <a:solidFill>
+                  <a:srgbClr val="1E3272"/>
+                </a:solidFill>
+              </a:rPr>
+              <a:t>main</a:t>
+            </a:r>
+            <a:r>
+              <a:rPr lang="en-US" sz="3600" dirty="0" smtClean="0">
+                <a:solidFill>
+                  <a:srgbClr val="1E3272"/>
+                </a:solidFill>
+              </a:rPr>
+              <a:t>:</a:t>
+            </a:r>
+            <a:endParaRPr lang="en-US" sz="3600" dirty="0" smtClean="0">
+              <a:solidFill>
+                <a:srgbClr val="1E3272"/>
+              </a:solidFill>
+            </a:endParaRPr>
+          </a:p>
+          <a:p>
+            <a:pPr>
+              <a:lnSpc>
+                <a:spcPct val="80000"/>
+              </a:lnSpc>
+            </a:pPr>
+            <a:r>
+              <a:rPr lang="en-US" sz="3600" dirty="0" smtClean="0">
+                <a:solidFill>
+                  <a:srgbClr val="1E3272"/>
+                </a:solidFill>
+              </a:rPr>
+              <a:t>     </a:t>
+            </a:r>
+            <a:r>
+              <a:rPr lang="en-US" sz="3600" i="1" dirty="0" err="1" smtClean="0">
+                <a:solidFill>
+                  <a:srgbClr val="1E3272"/>
+                </a:solidFill>
+              </a:rPr>
+              <a:t>read_int</a:t>
+            </a:r>
+            <a:r>
+              <a:rPr lang="en-US" sz="3600" dirty="0" smtClean="0">
+                <a:solidFill>
+                  <a:srgbClr val="1E3272"/>
+                </a:solidFill>
+              </a:rPr>
+              <a:t>(</a:t>
+            </a:r>
+            <a:r>
+              <a:rPr lang="en-US" sz="3600" dirty="0" smtClean="0">
+                <a:solidFill>
+                  <a:srgbClr val="FF0000"/>
+                </a:solidFill>
+              </a:rPr>
+              <a:t>t0</a:t>
+            </a:r>
+            <a:r>
+              <a:rPr lang="en-US" sz="3600" dirty="0" smtClean="0">
+                <a:solidFill>
+                  <a:srgbClr val="1E3272"/>
+                </a:solidFill>
+              </a:rPr>
+              <a:t>)</a:t>
+            </a:r>
+          </a:p>
+          <a:p>
+            <a:pPr>
+              <a:lnSpc>
+                <a:spcPct val="80000"/>
+              </a:lnSpc>
+            </a:pPr>
+            <a:r>
+              <a:rPr lang="en-US" sz="3600" dirty="0" smtClean="0">
+                <a:solidFill>
+                  <a:srgbClr val="1E3272"/>
+                </a:solidFill>
+              </a:rPr>
+              <a:t> </a:t>
+            </a:r>
+            <a:r>
+              <a:rPr lang="en-US" sz="3600" dirty="0" smtClean="0">
+                <a:solidFill>
+                  <a:srgbClr val="1E3272"/>
+                </a:solidFill>
+              </a:rPr>
+              <a:t>    </a:t>
+            </a:r>
+            <a:r>
+              <a:rPr lang="en-US" sz="3600" i="1" dirty="0" err="1" smtClean="0">
+                <a:solidFill>
+                  <a:srgbClr val="1E3272"/>
+                </a:solidFill>
+              </a:rPr>
+              <a:t>print_int</a:t>
+            </a:r>
+            <a:r>
+              <a:rPr lang="en-US" sz="3600" dirty="0" smtClean="0">
+                <a:solidFill>
+                  <a:srgbClr val="1E3272"/>
+                </a:solidFill>
+              </a:rPr>
+              <a:t>(</a:t>
+            </a:r>
+            <a:r>
+              <a:rPr lang="en-US" sz="3600" dirty="0" smtClean="0">
+                <a:solidFill>
+                  <a:srgbClr val="FF0000"/>
+                </a:solidFill>
+              </a:rPr>
+              <a:t>t0</a:t>
+            </a:r>
+            <a:r>
+              <a:rPr lang="en-US" sz="3600" dirty="0" smtClean="0">
+                <a:solidFill>
+                  <a:srgbClr val="1E3272"/>
+                </a:solidFill>
+              </a:rPr>
+              <a:t>)</a:t>
+            </a:r>
+            <a:endParaRPr lang="en-US" sz="3600" dirty="0" smtClean="0">
+              <a:solidFill>
+                <a:srgbClr val="1E3272"/>
+              </a:solidFill>
+            </a:endParaRPr>
+          </a:p>
+        </p:txBody>
+      </p:sp>
+      <p:sp>
+        <p:nvSpPr>
+          <p:cNvPr id="8" name="Стрелка вправо 7"/>
+          <p:cNvSpPr/>
+          <p:nvPr/>
+        </p:nvSpPr>
+        <p:spPr>
+          <a:xfrm>
+            <a:off x="4781007" y="4023362"/>
+            <a:ext cx="3161211" cy="901337"/>
+          </a:xfrm>
+          <a:prstGeom prst="rightArrow">
+            <a:avLst/>
+          </a:prstGeom>
+          <a:solidFill>
+            <a:srgbClr val="F7B217"/>
+          </a:solidFill>
+        </p:spPr>
+        <p:style>
+          <a:lnRef idx="2">
+            <a:schemeClr val="accent1">
+              <a:shade val="50000"/>
+            </a:schemeClr>
+          </a:lnRef>
+          <a:fillRef idx="1">
+            <a:schemeClr val="accent1"/>
+          </a:fillRef>
+          <a:effectRef idx="0">
+            <a:schemeClr val="accent1"/>
+          </a:effectRef>
+          <a:fontRef idx="minor">
+            <a:schemeClr val="lt1"/>
+          </a:fontRef>
+        </p:style>
+        <p:txBody>
+          <a:bodyPr rtlCol="0" anchor="ctr"/>
+          <a:lstStyle/>
+          <a:p>
+            <a:pPr algn="ctr"/>
+            <a:endParaRPr lang="ru-RU"/>
+          </a:p>
+        </p:txBody>
+      </p:sp>
+      <p:sp>
+        <p:nvSpPr>
+          <p:cNvPr id="9" name="TextBox 8"/>
+          <p:cNvSpPr txBox="1"/>
+          <p:nvPr/>
+        </p:nvSpPr>
+        <p:spPr>
+          <a:xfrm>
+            <a:off x="4859381" y="3082834"/>
+            <a:ext cx="2495006" cy="914400"/>
+          </a:xfrm>
+          <a:prstGeom prst="rect">
+            <a:avLst/>
+          </a:prstGeom>
+          <a:solidFill>
+            <a:schemeClr val="bg1"/>
+          </a:solidFill>
+        </p:spPr>
+        <p:txBody>
+          <a:bodyPr wrap="square" lIns="72000" tIns="25200" rIns="0" bIns="25200" rtlCol="0" anchor="ctr" anchorCtr="0">
+            <a:noAutofit/>
+          </a:bodyPr>
+          <a:lstStyle/>
+          <a:p>
+            <a:pPr algn="ctr"/>
+            <a:r>
+              <a:rPr lang="en-US" sz="2400" b="1" dirty="0" smtClean="0">
+                <a:solidFill>
+                  <a:srgbClr val="1E3272"/>
+                </a:solidFill>
+              </a:rPr>
+              <a:t>Use Macros to Simplify Your Code</a:t>
+            </a:r>
+            <a:endParaRPr lang="ru-RU" sz="2400" b="1" dirty="0" smtClean="0">
+              <a:solidFill>
+                <a:srgbClr val="1E3272"/>
+              </a:solidFill>
+            </a:endParaRPr>
+          </a:p>
+        </p:txBody>
+      </p:sp>
+    </p:spTree>
+  </p:cSld>
+  <p:clrMapOvr>
+    <a:masterClrMapping/>
+  </p:clrMapOvr>
+  <p:timing>
+    <p:tnLst>
+      <p:par>
+        <p:cTn id="1" dur="indefinite" restart="never" nodeType="tmRoot"/>
+      </p:par>
+    </p:tnLst>
+  </p:timing>
+</p:sld>
+</file>
+
+<file path=ppt/slides/slide14.xml><?xml version="1.0" encoding="utf-8"?>
+<p:sld xmlns:a="http://schemas.openxmlformats.org/drawingml/2006/main" xmlns:r="http://schemas.openxmlformats.org/officeDocument/2006/relationships" xmlns:p="http://schemas.openxmlformats.org/presentationml/2006/main">
+  <p:cSld>
+    <p:spTree>
+      <p:nvGrpSpPr>
+        <p:cNvPr id="1" name=""/>
+        <p:cNvGrpSpPr/>
+        <p:nvPr/>
+      </p:nvGrpSpPr>
+      <p:grpSpPr>
+        <a:xfrm>
+          <a:off x="0" y="0"/>
+          <a:ext cx="0" cy="0"/>
+          <a:chOff x="0" y="0"/>
+          <a:chExt cx="0" cy="0"/>
+        </a:xfrm>
+      </p:grpSpPr>
+      <p:sp>
+        <p:nvSpPr>
+          <p:cNvPr id="2" name="Содержимое 1"/>
+          <p:cNvSpPr>
+            <a:spLocks noGrp="1"/>
+          </p:cNvSpPr>
+          <p:nvPr>
+            <p:ph idx="1"/>
+          </p:nvPr>
+        </p:nvSpPr>
+        <p:spPr/>
+        <p:txBody>
+          <a:bodyPr>
+            <a:normAutofit lnSpcReduction="10000"/>
+          </a:bodyPr>
+          <a:lstStyle/>
+          <a:p>
+            <a:pPr indent="0" algn="just">
+              <a:buNone/>
+            </a:pPr>
+            <a:r>
+              <a:rPr lang="en-US" dirty="0" smtClean="0"/>
+              <a:t>It is possible to place macros in a </a:t>
+            </a:r>
+            <a:r>
+              <a:rPr lang="en-US" dirty="0" smtClean="0">
+                <a:solidFill>
+                  <a:srgbClr val="F7B217"/>
+                </a:solidFill>
+              </a:rPr>
+              <a:t>library</a:t>
+            </a:r>
+            <a:r>
+              <a:rPr lang="en-US" dirty="0" smtClean="0"/>
+              <a:t> file and </a:t>
+            </a:r>
+            <a:r>
+              <a:rPr lang="en-US" dirty="0" smtClean="0">
+                <a:solidFill>
+                  <a:srgbClr val="F7B217"/>
+                </a:solidFill>
+              </a:rPr>
+              <a:t>include</a:t>
+            </a:r>
+            <a:r>
+              <a:rPr lang="en-US" dirty="0" smtClean="0"/>
+              <a:t> it in other assembly programs.</a:t>
+            </a:r>
+          </a:p>
+          <a:p>
+            <a:pPr indent="0" algn="just">
+              <a:buNone/>
+            </a:pPr>
+            <a:endParaRPr lang="en-US" dirty="0" smtClean="0"/>
+          </a:p>
+          <a:p>
+            <a:pPr indent="0" algn="just">
+              <a:buNone/>
+            </a:pPr>
+            <a:endParaRPr lang="en-US" dirty="0" smtClean="0"/>
+          </a:p>
+          <a:p>
+            <a:pPr indent="0" algn="just">
+              <a:buNone/>
+            </a:pPr>
+            <a:endParaRPr lang="en-US" dirty="0" smtClean="0"/>
+          </a:p>
+          <a:p>
+            <a:pPr indent="0" algn="just">
+              <a:buNone/>
+            </a:pPr>
+            <a:endParaRPr lang="en-US" dirty="0" smtClean="0"/>
+          </a:p>
+          <a:p>
+            <a:pPr indent="0" algn="just">
+              <a:buNone/>
+            </a:pPr>
+            <a:endParaRPr lang="en-US" dirty="0" smtClean="0"/>
+          </a:p>
+          <a:p>
+            <a:pPr indent="0" algn="ctr">
+              <a:buNone/>
+            </a:pPr>
+            <a:r>
+              <a:rPr lang="en-US" sz="2800" dirty="0" smtClean="0"/>
+              <a:t>The </a:t>
+            </a:r>
+            <a:r>
+              <a:rPr lang="en-US" sz="2800" b="1" i="1" dirty="0" err="1" smtClean="0"/>
+              <a:t>read_int</a:t>
+            </a:r>
+            <a:r>
+              <a:rPr lang="en-US" sz="2800" dirty="0" smtClean="0"/>
+              <a:t> and </a:t>
+            </a:r>
+            <a:r>
+              <a:rPr lang="en-US" sz="2800" b="1" i="1" dirty="0" err="1" smtClean="0"/>
+              <a:t>print_int</a:t>
+            </a:r>
+            <a:r>
+              <a:rPr lang="en-US" sz="2800" dirty="0" smtClean="0"/>
+              <a:t> macros are defined in the </a:t>
+            </a:r>
+            <a:r>
+              <a:rPr lang="en-US" sz="2800" b="1" i="1" dirty="0" err="1" smtClean="0"/>
+              <a:t>macrolib.s</a:t>
+            </a:r>
+            <a:r>
+              <a:rPr lang="en-US" sz="2800" dirty="0" smtClean="0"/>
+              <a:t> file.</a:t>
+            </a:r>
+          </a:p>
+          <a:p>
+            <a:pPr indent="0" algn="ctr">
+              <a:buNone/>
+            </a:pPr>
+            <a:r>
+              <a:rPr lang="en-US" sz="2800" dirty="0" smtClean="0"/>
+              <a:t>The file must be in the same directory as the program.</a:t>
+            </a:r>
+            <a:endParaRPr lang="ru-RU" sz="2800" dirty="0"/>
+          </a:p>
+        </p:txBody>
+      </p:sp>
+      <p:sp>
+        <p:nvSpPr>
+          <p:cNvPr id="3" name="Номер слайда 2"/>
+          <p:cNvSpPr>
+            <a:spLocks noGrp="1"/>
+          </p:cNvSpPr>
+          <p:nvPr>
+            <p:ph type="sldNum" sz="quarter" idx="12"/>
+          </p:nvPr>
+        </p:nvSpPr>
+        <p:spPr/>
+        <p:txBody>
+          <a:bodyPr/>
+          <a:lstStyle/>
+          <a:p>
+            <a:pPr algn="ctr"/>
+            <a:fld id="{1397BFD8-F312-4EF2-A268-44FB4BDDBBB0}" type="slidenum">
+              <a:rPr lang="ru-RU" smtClean="0"/>
+              <a:pPr algn="ctr"/>
+              <a:t>14</a:t>
+            </a:fld>
+            <a:endParaRPr lang="ru-RU" dirty="0"/>
+          </a:p>
+        </p:txBody>
+      </p:sp>
+      <p:sp>
+        <p:nvSpPr>
+          <p:cNvPr id="4" name="Заголовок 3"/>
+          <p:cNvSpPr>
+            <a:spLocks noGrp="1"/>
+          </p:cNvSpPr>
+          <p:nvPr>
+            <p:ph type="title"/>
+          </p:nvPr>
+        </p:nvSpPr>
+        <p:spPr/>
+        <p:txBody>
+          <a:bodyPr/>
+          <a:lstStyle/>
+          <a:p>
+            <a:r>
+              <a:rPr lang="en-US" dirty="0" smtClean="0"/>
+              <a:t>Including Macro Libraries</a:t>
+            </a:r>
+            <a:endParaRPr lang="ru-RU" dirty="0"/>
+          </a:p>
+        </p:txBody>
+      </p:sp>
+      <p:sp>
+        <p:nvSpPr>
+          <p:cNvPr id="5" name="Rectangle 4"/>
+          <p:cNvSpPr/>
+          <p:nvPr/>
+        </p:nvSpPr>
+        <p:spPr>
+          <a:xfrm>
+            <a:off x="3862250" y="2312124"/>
+            <a:ext cx="5098873" cy="2308324"/>
+          </a:xfrm>
+          <a:prstGeom prst="rect">
+            <a:avLst/>
+          </a:prstGeom>
+        </p:spPr>
+        <p:txBody>
+          <a:bodyPr wrap="square">
+            <a:spAutoFit/>
+          </a:bodyPr>
+          <a:lstStyle/>
+          <a:p>
+            <a:r>
+              <a:rPr lang="en-US" sz="3600" dirty="0" smtClean="0">
+                <a:solidFill>
+                  <a:srgbClr val="1E3272"/>
+                </a:solidFill>
+              </a:rPr>
+              <a:t>      </a:t>
+            </a:r>
+            <a:r>
+              <a:rPr lang="en-US" sz="3600" dirty="0" smtClean="0">
+                <a:solidFill>
+                  <a:srgbClr val="FF0000"/>
+                </a:solidFill>
+              </a:rPr>
+              <a:t>.include</a:t>
+            </a:r>
+            <a:r>
+              <a:rPr lang="en-US" sz="3600" dirty="0" smtClean="0">
+                <a:solidFill>
+                  <a:srgbClr val="1E3272"/>
+                </a:solidFill>
+              </a:rPr>
+              <a:t> </a:t>
+            </a:r>
+            <a:r>
+              <a:rPr lang="en-US" sz="3600" dirty="0" smtClean="0">
+                <a:solidFill>
+                  <a:srgbClr val="00B050"/>
+                </a:solidFill>
+              </a:rPr>
+              <a:t>"</a:t>
+            </a:r>
+            <a:r>
+              <a:rPr lang="en-US" sz="3600" dirty="0" err="1" smtClean="0">
+                <a:solidFill>
+                  <a:srgbClr val="00B050"/>
+                </a:solidFill>
+              </a:rPr>
+              <a:t>macrolib.s</a:t>
+            </a:r>
+            <a:r>
+              <a:rPr lang="en-US" sz="3600" dirty="0" smtClean="0">
+                <a:solidFill>
+                  <a:srgbClr val="00B050"/>
+                </a:solidFill>
+              </a:rPr>
+              <a:t>"</a:t>
+            </a:r>
+          </a:p>
+          <a:p>
+            <a:r>
+              <a:rPr lang="en-US" sz="3600" b="1" i="1" dirty="0" smtClean="0">
+                <a:solidFill>
+                  <a:srgbClr val="1E3272"/>
+                </a:solidFill>
+              </a:rPr>
+              <a:t>main</a:t>
+            </a:r>
+            <a:r>
+              <a:rPr lang="en-US" sz="3600" dirty="0" smtClean="0">
+                <a:solidFill>
+                  <a:srgbClr val="1E3272"/>
+                </a:solidFill>
+              </a:rPr>
+              <a:t>:</a:t>
+            </a:r>
+            <a:endParaRPr lang="en-US" sz="3600" dirty="0" smtClean="0">
+              <a:solidFill>
+                <a:srgbClr val="1E3272"/>
+              </a:solidFill>
+            </a:endParaRPr>
+          </a:p>
+          <a:p>
+            <a:r>
+              <a:rPr lang="en-US" sz="3600" dirty="0" smtClean="0">
+                <a:solidFill>
+                  <a:srgbClr val="1E3272"/>
+                </a:solidFill>
+              </a:rPr>
+              <a:t>      </a:t>
+            </a:r>
+            <a:r>
+              <a:rPr lang="en-US" sz="3600" i="1" dirty="0" err="1" smtClean="0">
+                <a:solidFill>
+                  <a:srgbClr val="1E3272"/>
+                </a:solidFill>
+              </a:rPr>
+              <a:t>read_int</a:t>
+            </a:r>
+            <a:r>
+              <a:rPr lang="en-US" sz="3600" dirty="0" smtClean="0">
+                <a:solidFill>
+                  <a:srgbClr val="1E3272"/>
+                </a:solidFill>
+              </a:rPr>
+              <a:t>(</a:t>
+            </a:r>
+            <a:r>
+              <a:rPr lang="en-US" sz="3600" dirty="0" smtClean="0">
+                <a:solidFill>
+                  <a:srgbClr val="FF0000"/>
+                </a:solidFill>
+              </a:rPr>
+              <a:t>t0</a:t>
+            </a:r>
+            <a:r>
+              <a:rPr lang="en-US" sz="3600" dirty="0" smtClean="0">
+                <a:solidFill>
+                  <a:srgbClr val="1E3272"/>
+                </a:solidFill>
+              </a:rPr>
+              <a:t>)</a:t>
+            </a:r>
+          </a:p>
+          <a:p>
+            <a:r>
+              <a:rPr lang="en-US" sz="3600" dirty="0" smtClean="0">
+                <a:solidFill>
+                  <a:srgbClr val="1E3272"/>
+                </a:solidFill>
+              </a:rPr>
+              <a:t> </a:t>
+            </a:r>
+            <a:r>
+              <a:rPr lang="en-US" sz="3600" dirty="0" smtClean="0">
+                <a:solidFill>
+                  <a:srgbClr val="1E3272"/>
+                </a:solidFill>
+              </a:rPr>
+              <a:t>     </a:t>
+            </a:r>
+            <a:r>
+              <a:rPr lang="en-US" sz="3600" i="1" dirty="0" err="1" smtClean="0">
+                <a:solidFill>
+                  <a:srgbClr val="1E3272"/>
+                </a:solidFill>
+              </a:rPr>
+              <a:t>print_int</a:t>
+            </a:r>
+            <a:r>
+              <a:rPr lang="en-US" sz="3600" dirty="0" smtClean="0">
+                <a:solidFill>
+                  <a:srgbClr val="1E3272"/>
+                </a:solidFill>
+              </a:rPr>
+              <a:t>(</a:t>
+            </a:r>
+            <a:r>
+              <a:rPr lang="en-US" sz="3600" dirty="0" smtClean="0">
+                <a:solidFill>
+                  <a:srgbClr val="FF0000"/>
+                </a:solidFill>
+              </a:rPr>
+              <a:t>t0</a:t>
+            </a:r>
+            <a:r>
+              <a:rPr lang="en-US" sz="3600" dirty="0" smtClean="0">
+                <a:solidFill>
+                  <a:srgbClr val="1E3272"/>
+                </a:solidFill>
+              </a:rPr>
+              <a:t>)</a:t>
+            </a:r>
+            <a:endParaRPr lang="en-US" sz="3600" dirty="0" smtClean="0">
+              <a:solidFill>
+                <a:srgbClr val="1E3272"/>
+              </a:solidFill>
+            </a:endParaRPr>
+          </a:p>
+        </p:txBody>
+      </p:sp>
+    </p:spTree>
+  </p:cSld>
+  <p:clrMapOvr>
+    <a:masterClrMapping/>
+  </p:clrMapOvr>
+  <p:timing>
+    <p:tnLst>
+      <p:par>
+        <p:cTn id="1" dur="indefinite" restart="never" nodeType="tmRoot"/>
+      </p:par>
+    </p:tnLst>
+  </p:timing>
+</p:sld>
+</file>
+
+<file path=ppt/slides/slide15.xml><?xml version="1.0" encoding="utf-8"?>
+<p:sld xmlns:a="http://schemas.openxmlformats.org/drawingml/2006/main" xmlns:r="http://schemas.openxmlformats.org/officeDocument/2006/relationships" xmlns:p="http://schemas.openxmlformats.org/presentationml/2006/main">
+  <p:cSld>
+    <p:spTree>
+      <p:nvGrpSpPr>
+        <p:cNvPr id="1" name=""/>
+        <p:cNvGrpSpPr/>
+        <p:nvPr/>
+      </p:nvGrpSpPr>
+      <p:grpSpPr>
+        <a:xfrm>
+          <a:off x="0" y="0"/>
+          <a:ext cx="0" cy="0"/>
+          <a:chOff x="0" y="0"/>
+          <a:chExt cx="0" cy="0"/>
+        </a:xfrm>
+      </p:grpSpPr>
+      <p:sp>
+        <p:nvSpPr>
+          <p:cNvPr id="3" name="Номер слайда 2"/>
+          <p:cNvSpPr>
+            <a:spLocks noGrp="1"/>
+          </p:cNvSpPr>
+          <p:nvPr>
+            <p:ph type="sldNum" sz="quarter" idx="12"/>
+          </p:nvPr>
+        </p:nvSpPr>
+        <p:spPr/>
+        <p:txBody>
+          <a:bodyPr/>
+          <a:lstStyle/>
+          <a:p>
+            <a:pPr algn="ctr"/>
+            <a:fld id="{1397BFD8-F312-4EF2-A268-44FB4BDDBBB0}" type="slidenum">
+              <a:rPr lang="ru-RU" smtClean="0"/>
+              <a:pPr algn="ctr"/>
+              <a:t>15</a:t>
+            </a:fld>
+            <a:endParaRPr lang="ru-RU" dirty="0"/>
+          </a:p>
+        </p:txBody>
+      </p:sp>
+      <p:sp>
+        <p:nvSpPr>
+          <p:cNvPr id="4" name="Заголовок 3"/>
+          <p:cNvSpPr>
+            <a:spLocks noGrp="1"/>
+          </p:cNvSpPr>
+          <p:nvPr>
+            <p:ph type="title"/>
+          </p:nvPr>
+        </p:nvSpPr>
+        <p:spPr/>
+        <p:txBody>
+          <a:bodyPr/>
+          <a:lstStyle/>
+          <a:p>
+            <a:r>
+              <a:rPr lang="en-US" dirty="0" smtClean="0"/>
+              <a:t>Macro Constants and Single-Line Macros</a:t>
+            </a:r>
+            <a:endParaRPr lang="ru-RU" dirty="0"/>
+          </a:p>
+        </p:txBody>
+      </p:sp>
+      <p:sp>
+        <p:nvSpPr>
+          <p:cNvPr id="5" name="Rectangle 4"/>
+          <p:cNvSpPr/>
+          <p:nvPr/>
+        </p:nvSpPr>
+        <p:spPr>
+          <a:xfrm>
+            <a:off x="3862250" y="2495006"/>
+            <a:ext cx="5098873" cy="3970318"/>
+          </a:xfrm>
+          <a:prstGeom prst="rect">
+            <a:avLst/>
+          </a:prstGeom>
+        </p:spPr>
+        <p:txBody>
+          <a:bodyPr wrap="square">
+            <a:spAutoFit/>
+          </a:bodyPr>
+          <a:lstStyle/>
+          <a:p>
+            <a:r>
+              <a:rPr lang="en-US" sz="3600" dirty="0" smtClean="0">
+                <a:solidFill>
+                  <a:srgbClr val="1E3272"/>
+                </a:solidFill>
+              </a:rPr>
+              <a:t> </a:t>
+            </a:r>
+            <a:r>
+              <a:rPr lang="en-US" sz="3600" dirty="0" smtClean="0">
+                <a:solidFill>
+                  <a:srgbClr val="1E3272"/>
+                </a:solidFill>
+              </a:rPr>
+              <a:t>    </a:t>
+            </a:r>
+            <a:r>
+              <a:rPr lang="en-US" sz="3600" dirty="0" smtClean="0">
+                <a:solidFill>
+                  <a:srgbClr val="FF0000"/>
+                </a:solidFill>
+              </a:rPr>
+              <a:t>.</a:t>
+            </a:r>
+            <a:r>
+              <a:rPr lang="en-US" sz="3600" dirty="0" err="1" smtClean="0">
+                <a:solidFill>
+                  <a:srgbClr val="FF0000"/>
+                </a:solidFill>
+              </a:rPr>
+              <a:t>eqv</a:t>
+            </a:r>
+            <a:r>
+              <a:rPr lang="en-US" sz="3600" dirty="0" smtClean="0">
+                <a:solidFill>
+                  <a:srgbClr val="FF0000"/>
+                </a:solidFill>
+              </a:rPr>
+              <a:t> </a:t>
+            </a:r>
+            <a:r>
+              <a:rPr lang="en-US" sz="3600" i="1" dirty="0" smtClean="0">
+                <a:solidFill>
+                  <a:srgbClr val="1E3272"/>
+                </a:solidFill>
+              </a:rPr>
+              <a:t>VAL</a:t>
+            </a:r>
+            <a:r>
+              <a:rPr lang="en-US" sz="3600" dirty="0" smtClean="0">
+                <a:solidFill>
+                  <a:srgbClr val="1E3272"/>
+                </a:solidFill>
+              </a:rPr>
+              <a:t> </a:t>
+            </a:r>
+            <a:r>
+              <a:rPr lang="en-US" sz="3600" dirty="0" smtClean="0">
+                <a:solidFill>
+                  <a:srgbClr val="2F5CB5"/>
+                </a:solidFill>
+              </a:rPr>
+              <a:t>0x123</a:t>
+            </a:r>
+          </a:p>
+          <a:p>
+            <a:r>
+              <a:rPr lang="en-US" sz="3600" dirty="0" smtClean="0">
+                <a:solidFill>
+                  <a:srgbClr val="1E3272"/>
+                </a:solidFill>
+              </a:rPr>
+              <a:t>    </a:t>
+            </a:r>
+            <a:r>
+              <a:rPr lang="en-US" sz="3600" dirty="0" smtClean="0">
+                <a:solidFill>
+                  <a:srgbClr val="1E3272"/>
+                </a:solidFill>
+              </a:rPr>
+              <a:t> </a:t>
+            </a:r>
+            <a:r>
+              <a:rPr lang="en-US" sz="3600" dirty="0" smtClean="0">
+                <a:solidFill>
+                  <a:srgbClr val="FF0000"/>
+                </a:solidFill>
+              </a:rPr>
+              <a:t>.</a:t>
+            </a:r>
+            <a:r>
+              <a:rPr lang="en-US" sz="3600" dirty="0" err="1" smtClean="0">
+                <a:solidFill>
+                  <a:srgbClr val="FF0000"/>
+                </a:solidFill>
+              </a:rPr>
+              <a:t>eqv</a:t>
+            </a:r>
+            <a:r>
+              <a:rPr lang="en-US" sz="3600" dirty="0" smtClean="0">
+                <a:solidFill>
+                  <a:srgbClr val="FF0000"/>
+                </a:solidFill>
+              </a:rPr>
+              <a:t> </a:t>
+            </a:r>
+            <a:r>
+              <a:rPr lang="en-US" sz="3600" i="1" dirty="0" smtClean="0">
+                <a:solidFill>
+                  <a:srgbClr val="1E3272"/>
+                </a:solidFill>
+              </a:rPr>
+              <a:t>X</a:t>
+            </a:r>
+            <a:r>
+              <a:rPr lang="en-US" sz="3600" dirty="0" smtClean="0">
+                <a:solidFill>
+                  <a:srgbClr val="1E3272"/>
+                </a:solidFill>
+              </a:rPr>
+              <a:t> </a:t>
+            </a:r>
+            <a:r>
+              <a:rPr lang="en-US" sz="3600" dirty="0" smtClean="0">
+                <a:solidFill>
+                  <a:srgbClr val="FF0000"/>
+                </a:solidFill>
+              </a:rPr>
+              <a:t>t0</a:t>
+            </a:r>
+          </a:p>
+          <a:p>
+            <a:r>
+              <a:rPr lang="en-US" sz="3600" dirty="0" smtClean="0">
+                <a:solidFill>
+                  <a:srgbClr val="1E3272"/>
+                </a:solidFill>
+              </a:rPr>
+              <a:t>    </a:t>
+            </a:r>
+            <a:r>
+              <a:rPr lang="en-US" sz="3600" dirty="0" smtClean="0">
+                <a:solidFill>
+                  <a:srgbClr val="1E3272"/>
+                </a:solidFill>
+              </a:rPr>
+              <a:t> </a:t>
+            </a:r>
+            <a:r>
+              <a:rPr lang="en-US" sz="3600" dirty="0" smtClean="0">
+                <a:solidFill>
+                  <a:srgbClr val="FF0000"/>
+                </a:solidFill>
+              </a:rPr>
+              <a:t>.</a:t>
+            </a:r>
+            <a:r>
+              <a:rPr lang="en-US" sz="3600" dirty="0" err="1" smtClean="0">
+                <a:solidFill>
+                  <a:srgbClr val="FF0000"/>
+                </a:solidFill>
+              </a:rPr>
+              <a:t>eqv</a:t>
+            </a:r>
+            <a:r>
+              <a:rPr lang="en-US" sz="3600" dirty="0" smtClean="0">
+                <a:solidFill>
+                  <a:srgbClr val="FF0000"/>
+                </a:solidFill>
+              </a:rPr>
+              <a:t> </a:t>
+            </a:r>
+            <a:r>
+              <a:rPr lang="en-US" sz="3600" i="1" dirty="0" smtClean="0">
+                <a:solidFill>
+                  <a:srgbClr val="1E3272"/>
+                </a:solidFill>
+              </a:rPr>
+              <a:t>Y</a:t>
+            </a:r>
+            <a:r>
+              <a:rPr lang="en-US" sz="3600" dirty="0" smtClean="0">
+                <a:solidFill>
+                  <a:srgbClr val="1E3272"/>
+                </a:solidFill>
+              </a:rPr>
+              <a:t> </a:t>
+            </a:r>
+            <a:r>
+              <a:rPr lang="en-US" sz="3600" dirty="0" smtClean="0">
+                <a:solidFill>
+                  <a:srgbClr val="FF0000"/>
+                </a:solidFill>
+              </a:rPr>
+              <a:t>t1</a:t>
+            </a:r>
+          </a:p>
+          <a:p>
+            <a:r>
+              <a:rPr lang="en-US" sz="3600" dirty="0" smtClean="0">
+                <a:solidFill>
+                  <a:srgbClr val="1E3272"/>
+                </a:solidFill>
+              </a:rPr>
+              <a:t>    </a:t>
+            </a:r>
+            <a:r>
+              <a:rPr lang="en-US" sz="3600" dirty="0" smtClean="0">
+                <a:solidFill>
+                  <a:srgbClr val="1E3272"/>
+                </a:solidFill>
+              </a:rPr>
+              <a:t> </a:t>
+            </a:r>
+            <a:r>
+              <a:rPr lang="en-US" sz="3600" dirty="0" smtClean="0">
+                <a:solidFill>
+                  <a:srgbClr val="FF0000"/>
+                </a:solidFill>
+              </a:rPr>
+              <a:t>.</a:t>
+            </a:r>
+            <a:r>
+              <a:rPr lang="en-US" sz="3600" dirty="0" err="1" smtClean="0">
+                <a:solidFill>
+                  <a:srgbClr val="FF0000"/>
+                </a:solidFill>
+              </a:rPr>
+              <a:t>eqv</a:t>
+            </a:r>
+            <a:r>
+              <a:rPr lang="en-US" sz="3600" dirty="0" smtClean="0">
+                <a:solidFill>
+                  <a:srgbClr val="FF0000"/>
+                </a:solidFill>
+              </a:rPr>
+              <a:t> </a:t>
+            </a:r>
+            <a:r>
+              <a:rPr lang="en-US" sz="3600" i="1" dirty="0" smtClean="0">
+                <a:solidFill>
+                  <a:srgbClr val="1E3272"/>
+                </a:solidFill>
+              </a:rPr>
+              <a:t>SUM</a:t>
+            </a:r>
+            <a:r>
+              <a:rPr lang="en-US" sz="3600" dirty="0" smtClean="0">
+                <a:solidFill>
+                  <a:srgbClr val="1E3272"/>
+                </a:solidFill>
+              </a:rPr>
+              <a:t> </a:t>
+            </a:r>
+            <a:r>
+              <a:rPr lang="en-US" sz="3600" dirty="0" err="1" smtClean="0">
+                <a:solidFill>
+                  <a:srgbClr val="2F5CB5"/>
+                </a:solidFill>
+              </a:rPr>
+              <a:t>addi</a:t>
+            </a:r>
+            <a:r>
+              <a:rPr lang="en-US" sz="3600" dirty="0" smtClean="0">
+                <a:solidFill>
+                  <a:srgbClr val="1E3272"/>
+                </a:solidFill>
+              </a:rPr>
+              <a:t> </a:t>
+            </a:r>
+            <a:r>
+              <a:rPr lang="en-US" sz="3600" i="1" dirty="0" smtClean="0">
+                <a:solidFill>
+                  <a:srgbClr val="1E3272"/>
+                </a:solidFill>
+              </a:rPr>
+              <a:t>Y</a:t>
+            </a:r>
+            <a:r>
+              <a:rPr lang="en-US" sz="3600" dirty="0" smtClean="0">
+                <a:solidFill>
+                  <a:srgbClr val="1E3272"/>
+                </a:solidFill>
+              </a:rPr>
+              <a:t>, </a:t>
+            </a:r>
+            <a:r>
+              <a:rPr lang="en-US" sz="3600" i="1" dirty="0" smtClean="0">
+                <a:solidFill>
+                  <a:srgbClr val="1E3272"/>
+                </a:solidFill>
+              </a:rPr>
+              <a:t>X</a:t>
+            </a:r>
+            <a:r>
+              <a:rPr lang="en-US" sz="3600" dirty="0" smtClean="0">
+                <a:solidFill>
+                  <a:srgbClr val="1E3272"/>
+                </a:solidFill>
+              </a:rPr>
+              <a:t>, </a:t>
+            </a:r>
+            <a:r>
+              <a:rPr lang="en-US" sz="3600" i="1" dirty="0" smtClean="0">
+                <a:solidFill>
+                  <a:srgbClr val="1E3272"/>
+                </a:solidFill>
+              </a:rPr>
+              <a:t>VAL</a:t>
+            </a:r>
+          </a:p>
+          <a:p>
+            <a:r>
+              <a:rPr lang="en-US" sz="3600" dirty="0" smtClean="0">
+                <a:solidFill>
+                  <a:srgbClr val="1E3272"/>
+                </a:solidFill>
+              </a:rPr>
+              <a:t>main:</a:t>
+            </a:r>
+          </a:p>
+          <a:p>
+            <a:r>
+              <a:rPr lang="en-US" sz="3600" dirty="0" smtClean="0">
+                <a:solidFill>
+                  <a:srgbClr val="1E3272"/>
+                </a:solidFill>
+              </a:rPr>
+              <a:t>    </a:t>
+            </a:r>
+            <a:r>
+              <a:rPr lang="en-US" sz="3600" dirty="0" smtClean="0">
+                <a:solidFill>
+                  <a:srgbClr val="1E3272"/>
+                </a:solidFill>
+              </a:rPr>
+              <a:t>  </a:t>
+            </a:r>
+            <a:r>
+              <a:rPr lang="en-US" sz="3600" dirty="0" err="1" smtClean="0">
+                <a:solidFill>
+                  <a:srgbClr val="2F5CB5"/>
+                </a:solidFill>
+              </a:rPr>
+              <a:t>li</a:t>
+            </a:r>
+            <a:r>
+              <a:rPr lang="en-US" sz="3600" dirty="0" smtClean="0">
+                <a:solidFill>
+                  <a:srgbClr val="1E3272"/>
+                </a:solidFill>
+              </a:rPr>
+              <a:t>     X</a:t>
+            </a:r>
+            <a:r>
+              <a:rPr lang="en-US" sz="3600" dirty="0" smtClean="0">
+                <a:solidFill>
+                  <a:srgbClr val="1E3272"/>
+                </a:solidFill>
+              </a:rPr>
+              <a:t>, </a:t>
+            </a:r>
+            <a:r>
+              <a:rPr lang="en-US" sz="3600" dirty="0" smtClean="0">
+                <a:solidFill>
+                  <a:srgbClr val="2F5CB5"/>
+                </a:solidFill>
+              </a:rPr>
+              <a:t>0x111</a:t>
+            </a:r>
+          </a:p>
+          <a:p>
+            <a:r>
+              <a:rPr lang="en-US" sz="3600" dirty="0" smtClean="0">
+                <a:solidFill>
+                  <a:srgbClr val="1E3272"/>
+                </a:solidFill>
+              </a:rPr>
+              <a:t>    </a:t>
+            </a:r>
+            <a:r>
+              <a:rPr lang="en-US" sz="3600" dirty="0" smtClean="0">
+                <a:solidFill>
+                  <a:srgbClr val="1E3272"/>
+                </a:solidFill>
+              </a:rPr>
+              <a:t>  </a:t>
+            </a:r>
+            <a:r>
+              <a:rPr lang="en-US" sz="3600" i="1" dirty="0" smtClean="0">
+                <a:solidFill>
+                  <a:srgbClr val="1E3272"/>
+                </a:solidFill>
+              </a:rPr>
+              <a:t>SUM</a:t>
+            </a:r>
+            <a:endParaRPr lang="en-US" sz="3600" i="1" dirty="0" smtClean="0">
+              <a:solidFill>
+                <a:srgbClr val="1E3272"/>
+              </a:solidFill>
+            </a:endParaRPr>
+          </a:p>
+        </p:txBody>
+      </p:sp>
+      <p:sp>
+        <p:nvSpPr>
+          <p:cNvPr id="6" name="Содержимое 1"/>
+          <p:cNvSpPr>
+            <a:spLocks noGrp="1"/>
+          </p:cNvSpPr>
+          <p:nvPr>
+            <p:ph idx="1"/>
+          </p:nvPr>
+        </p:nvSpPr>
+        <p:spPr>
+          <a:xfrm>
+            <a:off x="838200" y="1178053"/>
+            <a:ext cx="10515600" cy="1578210"/>
+          </a:xfrm>
+        </p:spPr>
+        <p:txBody>
+          <a:bodyPr>
+            <a:normAutofit/>
+          </a:bodyPr>
+          <a:lstStyle/>
+          <a:p>
+            <a:pPr marL="0" indent="0" algn="just">
+              <a:buNone/>
+            </a:pPr>
+            <a:r>
+              <a:rPr lang="en-US" dirty="0" smtClean="0">
+                <a:solidFill>
+                  <a:srgbClr val="1E3272"/>
+                </a:solidFill>
+              </a:rPr>
+              <a:t>The</a:t>
+            </a:r>
+            <a:r>
+              <a:rPr lang="en-US" b="1" dirty="0" smtClean="0">
+                <a:solidFill>
+                  <a:srgbClr val="2F5CB5"/>
+                </a:solidFill>
+              </a:rPr>
+              <a:t> </a:t>
+            </a:r>
+            <a:r>
+              <a:rPr lang="en-US" b="1" dirty="0" smtClean="0">
+                <a:solidFill>
+                  <a:srgbClr val="F7B217"/>
+                </a:solidFill>
+              </a:rPr>
+              <a:t>.</a:t>
+            </a:r>
+            <a:r>
+              <a:rPr lang="en-US" b="1" dirty="0" err="1" smtClean="0">
+                <a:solidFill>
+                  <a:srgbClr val="F7B217"/>
+                </a:solidFill>
+              </a:rPr>
+              <a:t>eqv</a:t>
+            </a:r>
+            <a:r>
+              <a:rPr lang="en-US" b="1" dirty="0" smtClean="0">
+                <a:solidFill>
+                  <a:srgbClr val="F7B217"/>
+                </a:solidFill>
+              </a:rPr>
+              <a:t> </a:t>
+            </a:r>
+            <a:r>
+              <a:rPr lang="en-US" dirty="0" smtClean="0"/>
+              <a:t>directive can be used to define macro constants and single-line macros. </a:t>
+            </a:r>
+            <a:endParaRPr lang="ru-RU" dirty="0"/>
+          </a:p>
+        </p:txBody>
+      </p:sp>
+    </p:spTree>
+  </p:cSld>
+  <p:clrMapOvr>
+    <a:masterClrMapping/>
+  </p:clrMapOvr>
+  <p:timing>
+    <p:tnLst>
+      <p:par>
+        <p:cTn id="1" dur="indefinite" restart="never" nodeType="tmRoot"/>
+      </p:par>
+    </p:tnLst>
+  </p:timing>
+</p:sld>
+</file>
+
+<file path=ppt/slides/slide16.xml><?xml version="1.0" encoding="utf-8"?>
 <p:sld xmlns:a="http://schemas.openxmlformats.org/drawingml/2006/main" xmlns:r="http://schemas.openxmlformats.org/officeDocument/2006/relationships" xmlns:p="http://schemas.openxmlformats.org/presentationml/2006/main">
   <p:cSld>
     <p:spTree>
@@ -6761,7 +9852,7 @@
             <a:fld id="{1397BFD8-F312-4EF2-A268-44FB4BDDBBB0}" type="slidenum">
               <a:rPr lang="ru-RU" smtClean="0"/>
               <a:pPr algn="ctr"/>
-              <a:t>12</a:t>
+              <a:t>16</a:t>
             </a:fld>
             <a:endParaRPr lang="ru-RU" dirty="0"/>
           </a:p>
@@ -6770,7 +9861,7 @@
     </p:spTree>
     <p:extLst>
       <p:ext uri="{BB962C8B-B14F-4D97-AF65-F5344CB8AC3E}">
-        <p14:creationId xmlns:p14="http://schemas.microsoft.com/office/powerpoint/2010/main" xmlns="" val="4217875043"/>
+        <p14:creationId xmlns="" xmlns:p14="http://schemas.microsoft.com/office/powerpoint/2010/main" val="4217875043"/>
       </p:ext>
     </p:extLst>
   </p:cSld>
@@ -7417,12 +10508,20 @@
               </a:lnSpc>
             </a:pPr>
             <a:r>
+              <a:rPr lang="en-US" sz="3600" b="1" i="1" dirty="0" smtClean="0">
+                <a:solidFill>
+                  <a:srgbClr val="1E3272"/>
+                </a:solidFill>
+              </a:rPr>
+              <a:t>hello</a:t>
+            </a:r>
+            <a:r>
               <a:rPr lang="en-US" sz="3600" dirty="0" smtClean="0">
                 <a:solidFill>
                   <a:srgbClr val="0070C0"/>
                 </a:solidFill>
               </a:rPr>
-              <a:t>hello:</a:t>
+              <a:t>:</a:t>
             </a:r>
           </a:p>
           <a:p>
@@ -7493,9 +10592,9 @@
               </a:lnSpc>
             </a:pPr>
             <a:r>
-              <a:rPr lang="en-US" sz="3600" dirty="0" smtClean="0">
-                <a:solidFill>
-                  <a:srgbClr val="0070C0"/>
+              <a:rPr lang="en-US" sz="3600" b="1" i="1" dirty="0" smtClean="0">
+                <a:solidFill>
+                  <a:srgbClr val="1E3272"/>
                 </a:solidFill>
               </a:rPr>
               <a:t>main:</a:t>
@@ -7981,7 +11080,7 @@
     </p:spTree>
     <p:extLst>
       <p:ext uri="{BB962C8B-B14F-4D97-AF65-F5344CB8AC3E}">
-        <p14:creationId xmlns:p14="http://schemas.microsoft.com/office/powerpoint/2010/main" xmlns="" val="2794061502"/>
+        <p14:creationId xmlns="" xmlns:p14="http://schemas.microsoft.com/office/powerpoint/2010/main" val="2794061502"/>
       </p:ext>
     </p:extLst>
   </p:cSld>
@@ -8129,7 +11228,7 @@
     </p:spTree>
     <p:extLst>
       <p:ext uri="{BB962C8B-B14F-4D97-AF65-F5344CB8AC3E}">
-        <p14:creationId xmlns:p14="http://schemas.microsoft.com/office/powerpoint/2010/main" xmlns="" val="1679566440"/>
+        <p14:creationId xmlns="" xmlns:p14="http://schemas.microsoft.com/office/powerpoint/2010/main" val="1679566440"/>
       </p:ext>
     </p:extLst>
   </p:cSld>
@@ -8333,7 +11432,7 @@
     </p:spTree>
     <p:extLst>
       <p:ext uri="{BB962C8B-B14F-4D97-AF65-F5344CB8AC3E}">
-        <p14:creationId xmlns:p14="http://schemas.microsoft.com/office/powerpoint/2010/main" xmlns="" val="1942338915"/>
+        <p14:creationId xmlns="" xmlns:p14="http://schemas.microsoft.com/office/powerpoint/2010/main" val="1942338915"/>
       </p:ext>
     </p:extLst>
   </p:cSld>
@@ -8822,7 +11921,7 @@
     </p:spTree>
     <p:extLst>
       <p:ext uri="{BB962C8B-B14F-4D97-AF65-F5344CB8AC3E}">
-        <p14:creationId xmlns:p14="http://schemas.microsoft.com/office/powerpoint/2010/main" xmlns="" val="499975193"/>
+        <p14:creationId xmlns="" xmlns:p14="http://schemas.microsoft.com/office/powerpoint/2010/main" val="499975193"/>
       </p:ext>
     </p:extLst>
   </p:cSld>
@@ -8920,11 +12019,7 @@
             </a:r>
             <a:r>
               <a:rPr lang="en-US" sz="5800" dirty="0" smtClean="0"/>
-              <a:t>     </a:t>
-            </a:r>
-            <a:r>
-              <a:rPr lang="en-US" sz="5800" dirty="0" smtClean="0"/>
-              <a:t>   </a:t>
+              <a:t>        </a:t>
             </a:r>
             <a:r>
               <a:rPr lang="en-US" sz="5800" i="1" dirty="0"/>
@@ -9548,7 +12643,7 @@
     </p:spTree>
     <p:extLst>
       <p:ext uri="{BB962C8B-B14F-4D97-AF65-F5344CB8AC3E}">
-        <p14:creationId xmlns:p14="http://schemas.microsoft.com/office/powerpoint/2010/main" xmlns="" val="3268272223"/>
+        <p14:creationId xmlns="" xmlns:p14="http://schemas.microsoft.com/office/powerpoint/2010/main" val="3268272223"/>
       </p:ext>
     </p:extLst>
   </p:cSld>
@@ -9634,11 +12729,7 @@
             </a:r>
             <a:r>
               <a:rPr lang="en-US" dirty="0" smtClean="0"/>
-              <a:t> signed immediate </a:t>
-            </a:r>
-            <a:r>
-              <a:rPr lang="en-US" dirty="0" smtClean="0"/>
-              <a:t>to </a:t>
+              <a:t> signed immediate to </a:t>
             </a:r>
             <a:r>
               <a:rPr lang="en-US" b="1" dirty="0" smtClean="0">
@@ -9648,11 +12739,6 @@
               </a:rPr>
               <a:t>PC</a:t>
             </a:r>
-            <a:endParaRPr lang="en-US" b="1" dirty="0" smtClean="0">
-              <a:solidFill>
-                <a:srgbClr val="F3B217"/>
-              </a:solidFill>
-            </a:endParaRPr>
           </a:p>
           <a:p>
             <a:r>
@@ -9675,11 +12761,7 @@
           <a:p>
             <a:r>
               <a:rPr lang="en-US" dirty="0" smtClean="0"/>
-              <a:t>The branch address range </a:t>
-            </a:r>
-            <a:r>
-              <a:rPr lang="en-US" dirty="0" smtClean="0"/>
-              <a:t>is </a:t>
+              <a:t>The branch address range is </a:t>
             </a:r>
             <a:r>
               <a:rPr lang="en-US" dirty="0" smtClean="0">
@@ -9737,15 +12819,7 @@
             </a:r>
             <a:r>
               <a:rPr lang="en-US" dirty="0" smtClean="0"/>
-              <a:t> can be read with</a:t>
-            </a:r>
-            <a:r>
-              <a:rPr lang="en-US" dirty="0" smtClean="0"/>
-              <a:t> </a:t>
-            </a:r>
-            <a:r>
-              <a:rPr lang="en-US" dirty="0" smtClean="0"/>
-              <a:t>the </a:t>
+              <a:t> can be read with the </a:t>
             </a:r>
             <a:r>
               <a:rPr lang="en-US" b="1" dirty="0" err="1" smtClean="0">
@@ -9851,15 +12925,7 @@
                   <a:srgbClr val="0070C0"/>
                 </a:solidFill>
               </a:rPr>
-              <a:t>main</a:t>
-            </a:r>
-            <a:r>
-              <a:rPr lang="en-US" sz="3600" dirty="0" smtClean="0">
-                <a:solidFill>
-                  <a:srgbClr val="0070C0"/>
-                </a:solidFill>
-              </a:rPr>
-              <a:t>:</a:t>
+              <a:t>main:</a:t>
             </a:r>
           </a:p>
           <a:p>
@@ -9906,31 +12972,15 @@
                   <a:srgbClr val="1E3272"/>
                 </a:solidFill>
               </a:rPr>
-              <a:t>, 0  </a:t>
+              <a:t>, 0   </a:t>
             </a:r>
             <a:r>
               <a:rPr lang="en-US" sz="3600" dirty="0" smtClean="0">
                 <a:solidFill>
-                  <a:srgbClr val="1E3272"/>
-                </a:solidFill>
-              </a:rPr>
-              <a:t> </a:t>
-            </a:r>
-            <a:r>
-              <a:rPr lang="en-US" sz="3600" dirty="0" smtClean="0">
-                <a:solidFill>
                   <a:srgbClr val="00B050"/>
                 </a:solidFill>
               </a:rPr>
-              <a:t># </a:t>
-            </a:r>
-            <a:r>
-              <a:rPr lang="en-US" sz="3600" dirty="0" smtClean="0">
-                <a:solidFill>
-                  <a:srgbClr val="00B050"/>
-                </a:solidFill>
-              </a:rPr>
-              <a:t>a0 = PC + 0</a:t>
+              <a:t># a0 = PC + 0</a:t>
             </a:r>
           </a:p>
           <a:p>
@@ -9945,7 +12995,15 @@
                   <a:srgbClr val="1E3272"/>
                 </a:solidFill>
               </a:rPr>
-              <a:t>   </a:t>
+              <a:t>        </a:t>
+            </a:r>
+            <a:r>
+              <a:rPr lang="en-US" sz="3600" dirty="0" err="1" smtClean="0">
+                <a:solidFill>
+                  <a:srgbClr val="1E3272"/>
+                </a:solidFill>
+              </a:rPr>
+              <a:t>li</a:t>
             </a:r>
             <a:r>
               <a:rPr lang="en-US" sz="3600" dirty="0" smtClean="0">
@@ -9953,31 +13011,7 @@
                   <a:srgbClr val="1E3272"/>
                 </a:solidFill>
               </a:rPr>
-              <a:t>     </a:t>
-            </a:r>
-            <a:r>
-              <a:rPr lang="en-US" sz="3600" dirty="0" err="1" smtClean="0">
-                <a:solidFill>
-                  <a:srgbClr val="1E3272"/>
-                </a:solidFill>
-              </a:rPr>
-              <a:t>li</a:t>
-            </a:r>
-            <a:r>
-              <a:rPr lang="en-US" sz="3600" dirty="0" smtClean="0">
-                <a:solidFill>
-                  <a:srgbClr val="1E3272"/>
-                </a:solidFill>
-              </a:rPr>
-              <a:t>    </a:t>
-            </a:r>
-            <a:r>
-              <a:rPr lang="en-US" sz="3600" dirty="0" smtClean="0">
-                <a:solidFill>
-                  <a:srgbClr val="1E3272"/>
-                </a:solidFill>
-              </a:rPr>
-              <a:t>    </a:t>
+              <a:t>        </a:t>
             </a:r>
             <a:r>
               <a:rPr lang="en-US" sz="3600" dirty="0" smtClean="0">
@@ -10016,7 +13050,15 @@
                   <a:srgbClr val="1E3272"/>
                 </a:solidFill>
               </a:rPr>
-              <a:t>    </a:t>
+              <a:t>        </a:t>
+            </a:r>
+            <a:r>
+              <a:rPr lang="en-US" sz="3600" dirty="0" err="1" smtClean="0">
+                <a:solidFill>
+                  <a:srgbClr val="1E3272"/>
+                </a:solidFill>
+              </a:rPr>
+              <a:t>ecall</a:t>
             </a:r>
             <a:r>
               <a:rPr lang="en-US" sz="3600" dirty="0" smtClean="0">
@@ -10024,39 +13066,15 @@
                   <a:srgbClr val="1E3272"/>
                 </a:solidFill>
               </a:rPr>
-              <a:t>    </a:t>
-            </a:r>
-            <a:r>
-              <a:rPr lang="en-US" sz="3600" dirty="0" err="1" smtClean="0">
-                <a:solidFill>
-                  <a:srgbClr val="1E3272"/>
-                </a:solidFill>
-              </a:rPr>
-              <a:t>ecall</a:t>
+              <a:t>              </a:t>
             </a:r>
             <a:r>
               <a:rPr lang="en-US" sz="3600" dirty="0" smtClean="0">
                 <a:solidFill>
-                  <a:srgbClr val="1E3272"/>
-                </a:solidFill>
-              </a:rPr>
-              <a:t>              </a:t>
-            </a:r>
-            <a:r>
-              <a:rPr lang="en-US" sz="3600" dirty="0" smtClean="0">
-                <a:solidFill>
                   <a:srgbClr val="00B050"/>
                 </a:solidFill>
               </a:rPr>
-              <a:t># </a:t>
-            </a:r>
-            <a:r>
-              <a:rPr lang="en-US" sz="3600" dirty="0" smtClean="0">
-                <a:solidFill>
-                  <a:srgbClr val="00B050"/>
-                </a:solidFill>
-              </a:rPr>
-              <a:t>Print a0</a:t>
+              <a:t># Print a0</a:t>
             </a:r>
             <a:endParaRPr lang="en-US" sz="3600" dirty="0">
               <a:solidFill>
@@ -10217,15 +13235,7 @@
                   <a:srgbClr val="1E3272"/>
                 </a:solidFill>
               </a:rPr>
-              <a:t>    </a:t>
-            </a:r>
-            <a:r>
-              <a:rPr lang="en-US" sz="3600" dirty="0" smtClean="0">
-                <a:solidFill>
-                  <a:srgbClr val="1E3272"/>
-                </a:solidFill>
-              </a:rPr>
-              <a:t>t1 = </a:t>
+              <a:t>    t1 = </a:t>
             </a:r>
             <a:r>
               <a:rPr lang="en-US" sz="3600" dirty="0" smtClean="0">
@@ -10272,39 +13282,23 @@
                   <a:srgbClr val="1E3272"/>
                 </a:solidFill>
               </a:rPr>
-              <a:t>(t0 </a:t>
+              <a:t>(t0 &lt; </a:t>
             </a:r>
             <a:r>
               <a:rPr lang="en-US" sz="3600" dirty="0" smtClean="0">
                 <a:solidFill>
-                  <a:srgbClr val="1E3272"/>
-                </a:solidFill>
-              </a:rPr>
-              <a:t>&lt; </a:t>
+                  <a:schemeClr val="accent1"/>
+                </a:solidFill>
+              </a:rPr>
+              <a:t>0</a:t>
             </a:r>
             <a:r>
               <a:rPr lang="en-US" sz="3600" dirty="0" smtClean="0">
                 <a:solidFill>
-                  <a:schemeClr val="accent1"/>
-                </a:solidFill>
-              </a:rPr>
-              <a:t>0</a:t>
-            </a:r>
-            <a:r>
-              <a:rPr lang="en-US" sz="3600" dirty="0" smtClean="0">
-                <a:solidFill>
-                  <a:srgbClr val="1E3272"/>
-                </a:solidFill>
-              </a:rPr>
-              <a:t>) </a:t>
-            </a:r>
-            <a:r>
-              <a:rPr lang="en-US" sz="3600" dirty="0" smtClean="0">
-                <a:solidFill>
-                  <a:srgbClr val="1E3272"/>
-                </a:solidFill>
-              </a:rPr>
-              <a:t>{</a:t>
+                  <a:srgbClr val="1E3272"/>
+                </a:solidFill>
+              </a:rPr>
+              <a:t>) {</a:t>
             </a:r>
           </a:p>
           <a:p>
@@ -10319,15 +13313,7 @@
                   <a:srgbClr val="1E3272"/>
                 </a:solidFill>
               </a:rPr>
-              <a:t>    </a:t>
-            </a:r>
-            <a:r>
-              <a:rPr lang="en-US" sz="3600" dirty="0" smtClean="0">
-                <a:solidFill>
-                  <a:srgbClr val="1E3272"/>
-                </a:solidFill>
-              </a:rPr>
-              <a:t>t1 = </a:t>
+              <a:t>    t1 = </a:t>
             </a:r>
             <a:r>
               <a:rPr lang="en-US" sz="3600" dirty="0" smtClean="0">
@@ -10374,15 +13360,7 @@
                   <a:srgbClr val="1E3272"/>
                 </a:solidFill>
               </a:rPr>
-              <a:t>(t0 </a:t>
-            </a:r>
-            <a:r>
-              <a:rPr lang="en-US" sz="3600" dirty="0" smtClean="0">
-                <a:solidFill>
-                  <a:srgbClr val="1E3272"/>
-                </a:solidFill>
-              </a:rPr>
-              <a:t>&gt;= </a:t>
+              <a:t>(t0 &gt;= </a:t>
             </a:r>
             <a:r>
               <a:rPr lang="en-US" sz="3600" dirty="0" smtClean="0">
@@ -10413,15 +13391,7 @@
                   <a:srgbClr val="1E3272"/>
                 </a:solidFill>
               </a:rPr>
-              <a:t>    </a:t>
-            </a:r>
-            <a:r>
-              <a:rPr lang="en-US" sz="3600" dirty="0" smtClean="0">
-                <a:solidFill>
-                  <a:srgbClr val="1E3272"/>
-                </a:solidFill>
-              </a:rPr>
-              <a:t>t1 = </a:t>
+              <a:t>    t1 = </a:t>
             </a:r>
             <a:r>
               <a:rPr lang="en-US" sz="3600" dirty="0" smtClean="0">
@@ -10483,37 +13453,24 @@
                   <a:srgbClr val="1E3272"/>
                 </a:solidFill>
               </a:rPr>
-              <a:t>    </a:t>
+              <a:t>    t1 = </a:t>
             </a:r>
             <a:r>
               <a:rPr lang="en-US" sz="3600" dirty="0" smtClean="0">
                 <a:solidFill>
-                  <a:srgbClr val="1E3272"/>
-                </a:solidFill>
-              </a:rPr>
-              <a:t>t1 = </a:t>
+                  <a:schemeClr val="accent1"/>
+                </a:solidFill>
+              </a:rPr>
+              <a:t>4</a:t>
             </a:r>
             <a:r>
               <a:rPr lang="en-US" sz="3600" dirty="0" smtClean="0">
                 <a:solidFill>
-                  <a:schemeClr val="accent1"/>
-                </a:solidFill>
-              </a:rPr>
-              <a:t>4</a:t>
-            </a:r>
-            <a:r>
-              <a:rPr lang="en-US" sz="3600" dirty="0" smtClean="0">
-                <a:solidFill>
                   <a:srgbClr val="1E3272"/>
                 </a:solidFill>
               </a:rPr>
               <a:t>;</a:t>
             </a:r>
-            <a:endParaRPr lang="en-US" sz="3600" dirty="0" smtClean="0">
-              <a:solidFill>
-                <a:srgbClr val="1E3272"/>
-              </a:solidFill>
-            </a:endParaRPr>
           </a:p>
           <a:p>
             <a:pPr>
@@ -10592,15 +13549,7 @@
                   <a:srgbClr val="1E3272"/>
                 </a:solidFill>
               </a:rPr>
-              <a:t>  </a:t>
-            </a:r>
-            <a:r>
-              <a:rPr lang="en-US" sz="2800" dirty="0" smtClean="0">
-                <a:solidFill>
-                  <a:srgbClr val="1E3272"/>
-                </a:solidFill>
-              </a:rPr>
-              <a:t>  </a:t>
+              <a:t>    </a:t>
             </a:r>
             <a:r>
               <a:rPr lang="en-US" sz="2800" dirty="0" err="1" smtClean="0">
@@ -10663,15 +13612,7 @@
                   <a:srgbClr val="1E3272"/>
                 </a:solidFill>
               </a:rPr>
-              <a:t>  </a:t>
-            </a:r>
-            <a:r>
-              <a:rPr lang="en-US" sz="2800" dirty="0" smtClean="0">
-                <a:solidFill>
-                  <a:srgbClr val="1E3272"/>
-                </a:solidFill>
-              </a:rPr>
-              <a:t>  </a:t>
+              <a:t>    </a:t>
             </a:r>
             <a:r>
               <a:rPr lang="en-US" sz="2800" dirty="0" err="1" smtClean="0">
@@ -10687,15 +13628,7 @@
                   <a:srgbClr val="1E3272"/>
                 </a:solidFill>
               </a:rPr>
-              <a:t>   </a:t>
-            </a:r>
-            <a:r>
-              <a:rPr lang="en-US" sz="2800" dirty="0" smtClean="0">
-                <a:solidFill>
-                  <a:srgbClr val="1E3272"/>
-                </a:solidFill>
-              </a:rPr>
-              <a:t>      </a:t>
+              <a:t>         </a:t>
             </a:r>
             <a:r>
               <a:rPr lang="en-US" sz="2800" dirty="0" smtClean="0">
@@ -10734,15 +13667,7 @@
                   <a:srgbClr val="1E3272"/>
                 </a:solidFill>
               </a:rPr>
-              <a:t>   </a:t>
-            </a:r>
-            <a:r>
-              <a:rPr lang="en-US" sz="2800" dirty="0" smtClean="0">
-                <a:solidFill>
-                  <a:srgbClr val="1E3272"/>
-                </a:solidFill>
-              </a:rPr>
-              <a:t> </a:t>
+              <a:t>    </a:t>
             </a:r>
             <a:r>
               <a:rPr lang="en-US" sz="2800" dirty="0" smtClean="0">
@@ -10809,15 +13734,7 @@
                   <a:srgbClr val="1E3272"/>
                 </a:solidFill>
               </a:rPr>
-              <a:t>  </a:t>
-            </a:r>
-            <a:r>
-              <a:rPr lang="en-US" sz="2800" dirty="0" smtClean="0">
-                <a:solidFill>
-                  <a:srgbClr val="1E3272"/>
-                </a:solidFill>
-              </a:rPr>
-              <a:t>  </a:t>
+              <a:t>    </a:t>
             </a:r>
             <a:r>
               <a:rPr lang="en-US" sz="2800" dirty="0" err="1" smtClean="0">
@@ -10833,15 +13750,7 @@
                   <a:srgbClr val="1E3272"/>
                 </a:solidFill>
               </a:rPr>
-              <a:t> </a:t>
-            </a:r>
-            <a:r>
-              <a:rPr lang="en-US" sz="2800" dirty="0" smtClean="0">
-                <a:solidFill>
-                  <a:srgbClr val="1E3272"/>
-                </a:solidFill>
-              </a:rPr>
-              <a:t>  </a:t>
+              <a:t>   </a:t>
             </a:r>
             <a:r>
               <a:rPr lang="en-US" sz="2800" dirty="0" smtClean="0">
@@ -10880,15 +13789,7 @@
                   <a:srgbClr val="1E3272"/>
                 </a:solidFill>
               </a:rPr>
-              <a:t>   </a:t>
-            </a:r>
-            <a:r>
-              <a:rPr lang="en-US" sz="2800" dirty="0" smtClean="0">
-                <a:solidFill>
-                  <a:srgbClr val="1E3272"/>
-                </a:solidFill>
-              </a:rPr>
-              <a:t> </a:t>
+              <a:t>    </a:t>
             </a:r>
             <a:r>
               <a:rPr lang="en-US" sz="2800" dirty="0" err="1" smtClean="0">
@@ -10943,15 +13844,7 @@
                   <a:srgbClr val="1E3272"/>
                 </a:solidFill>
               </a:rPr>
-              <a:t>  </a:t>
-            </a:r>
-            <a:r>
-              <a:rPr lang="en-US" sz="2800" dirty="0" smtClean="0">
-                <a:solidFill>
-                  <a:srgbClr val="1E3272"/>
-                </a:solidFill>
-              </a:rPr>
-              <a:t>  </a:t>
+              <a:t>    </a:t>
             </a:r>
             <a:r>
               <a:rPr lang="en-US" sz="2800" dirty="0" smtClean="0">
@@ -10967,15 +13860,7 @@
                   <a:srgbClr val="1E3272"/>
                 </a:solidFill>
               </a:rPr>
-              <a:t>    </a:t>
-            </a:r>
-            <a:r>
-              <a:rPr lang="en-US" sz="2800" dirty="0" smtClean="0">
-                <a:solidFill>
-                  <a:srgbClr val="1E3272"/>
-                </a:solidFill>
-              </a:rPr>
-              <a:t>    </a:t>
+              <a:t>        </a:t>
             </a:r>
             <a:r>
               <a:rPr lang="en-US" sz="2800" i="1" dirty="0" err="1" smtClean="0">
@@ -11026,15 +13911,7 @@
                   <a:srgbClr val="1E3272"/>
                 </a:solidFill>
               </a:rPr>
-              <a:t>   </a:t>
-            </a:r>
-            <a:r>
-              <a:rPr lang="en-US" sz="2800" dirty="0" smtClean="0">
-                <a:solidFill>
-                  <a:srgbClr val="1E3272"/>
-                </a:solidFill>
-              </a:rPr>
-              <a:t> </a:t>
+              <a:t>    </a:t>
             </a:r>
             <a:r>
               <a:rPr lang="en-US" sz="2800" dirty="0" err="1" smtClean="0">
@@ -11089,15 +13966,7 @@
                   <a:srgbClr val="1E3272"/>
                 </a:solidFill>
               </a:rPr>
-              <a:t>  </a:t>
-            </a:r>
-            <a:r>
-              <a:rPr lang="en-US" sz="2800" dirty="0" smtClean="0">
-                <a:solidFill>
-                  <a:srgbClr val="1E3272"/>
-                </a:solidFill>
-              </a:rPr>
-              <a:t>  </a:t>
+              <a:t>    </a:t>
             </a:r>
             <a:r>
               <a:rPr lang="en-US" sz="2800" dirty="0" err="1" smtClean="0">
@@ -11113,15 +13982,7 @@
                   <a:srgbClr val="1E3272"/>
                 </a:solidFill>
               </a:rPr>
-              <a:t>  </a:t>
-            </a:r>
-            <a:r>
-              <a:rPr lang="en-US" sz="2800" dirty="0" smtClean="0">
-                <a:solidFill>
-                  <a:srgbClr val="1E3272"/>
-                </a:solidFill>
-              </a:rPr>
-              <a:t>    </a:t>
+              <a:t>      </a:t>
             </a:r>
             <a:r>
               <a:rPr lang="en-US" sz="2800" dirty="0" smtClean="0">
@@ -11176,15 +14037,7 @@
                   <a:srgbClr val="1E3272"/>
                 </a:solidFill>
               </a:rPr>
-              <a:t>   </a:t>
-            </a:r>
-            <a:r>
-              <a:rPr lang="en-US" sz="2800" dirty="0" smtClean="0">
-                <a:solidFill>
-                  <a:srgbClr val="1E3272"/>
-                </a:solidFill>
-              </a:rPr>
-              <a:t> </a:t>
+              <a:t>    </a:t>
             </a:r>
             <a:r>
               <a:rPr lang="en-US" sz="2800" dirty="0" err="1" smtClean="0">
@@ -11239,15 +14092,7 @@
                   <a:srgbClr val="1E3272"/>
                 </a:solidFill>
               </a:rPr>
-              <a:t>   </a:t>
-            </a:r>
-            <a:r>
-              <a:rPr lang="en-US" sz="2800" dirty="0" smtClean="0">
-                <a:solidFill>
-                  <a:srgbClr val="1E3272"/>
-                </a:solidFill>
-              </a:rPr>
-              <a:t> </a:t>
+              <a:t>    </a:t>
             </a:r>
             <a:r>
               <a:rPr lang="en-US" sz="2800" dirty="0" smtClean="0">
@@ -11314,15 +14159,7 @@
                   <a:srgbClr val="1E3272"/>
                 </a:solidFill>
               </a:rPr>
-              <a:t>   </a:t>
-            </a:r>
-            <a:r>
-              <a:rPr lang="en-US" sz="2800" dirty="0" smtClean="0">
-                <a:solidFill>
-                  <a:srgbClr val="1E3272"/>
-                </a:solidFill>
-              </a:rPr>
-              <a:t> </a:t>
+              <a:t>    </a:t>
             </a:r>
             <a:r>
               <a:rPr lang="en-US" sz="2800" dirty="0" err="1" smtClean="0">
@@ -11387,11 +14224,6 @@
               </a:rPr>
               <a:t>:</a:t>
             </a:r>
-            <a:endParaRPr lang="en-US" sz="2800" i="1" dirty="0" smtClean="0">
-              <a:solidFill>
-                <a:srgbClr val="1E3272"/>
-              </a:solidFill>
-            </a:endParaRPr>
           </a:p>
         </p:txBody>
       </p:sp>
@@ -11829,7 +14661,7 @@
   <a:extraClrSchemeLst/>
   <a:extLst>
     <a:ext uri="{05A4C25C-085E-4340-85A3-A5531E510DB2}">
-      <thm15:themeFamily xmlns:thm15="http://schemas.microsoft.com/office/thememl/2012/main" xmlns="" name="Office Theme" id="{62F939B6-93AF-4DB8-9C6B-D6C7DFDC589F}" vid="{4A3C46E8-61CC-4603-A589-7422A47A8E4A}"/>
+      <thm15:themeFamily xmlns="" xmlns:thm15="http://schemas.microsoft.com/office/thememl/2012/main" name="Office Theme" id="{62F939B6-93AF-4DB8-9C6B-D6C7DFDC589F}" vid="{4A3C46E8-61CC-4603-A589-7422A47A8E4A}"/>
     </a:ext>
   </a:extLst>
 </a:theme>
@@ -12090,7 +14922,7 @@
   <a:extraClrSchemeLst/>
   <a:extLst>
     <a:ext uri="{05A4C25C-085E-4340-85A3-A5531E510DB2}">
-      <thm15:themeFamily xmlns:thm15="http://schemas.microsoft.com/office/thememl/2012/main" xmlns="" name="Office Theme" id="{62F939B6-93AF-4DB8-9C6B-D6C7DFDC589F}" vid="{4A3C46E8-61CC-4603-A589-7422A47A8E4A}"/>
+      <thm15:themeFamily xmlns="" xmlns:thm15="http://schemas.microsoft.com/office/thememl/2012/main" name="Office Theme" id="{62F939B6-93AF-4DB8-9C6B-D6C7DFDC589F}" vid="{4A3C46E8-61CC-4603-A589-7422A47A8E4A}"/>
     </a:ext>
   </a:extLst>
 </a:theme>
@@ -12351,7 +15183,7 @@
   <a:extraClrSchemeLst/>
   <a:extLst>
     <a:ext uri="{05A4C25C-085E-4340-85A3-A5531E510DB2}">
-      <thm15:themeFamily xmlns:thm15="http://schemas.microsoft.com/office/thememl/2012/main" xmlns="" name="Office Theme" id="{62F939B6-93AF-4DB8-9C6B-D6C7DFDC589F}" vid="{4A3C46E8-61CC-4603-A589-7422A47A8E4A}"/>
+      <thm15:themeFamily xmlns="" xmlns:thm15="http://schemas.microsoft.com/office/thememl/2012/main" name="Office Theme" id="{62F939B6-93AF-4DB8-9C6B-D6C7DFDC589F}" vid="{4A3C46E8-61CC-4603-A589-7422A47A8E4A}"/>
     </a:ext>
   </a:extLst>
 </a:theme>

--- a/docs/part1ca/05_MacrosBranchesArrays/CA_Lecture_05.pptx
+++ b/docs/part1ca/05_MacrosBranchesArrays/CA_Lecture_05.pptx
@@ -5,10 +5,10 @@
     <p:sldMasterId id="2147483648" r:id="rId1"/>
   </p:sldMasterIdLst>
   <p:notesMasterIdLst>
-    <p:notesMasterId r:id="rId18"/>
+    <p:notesMasterId r:id="rId22"/>
   </p:notesMasterIdLst>
   <p:handoutMasterIdLst>
-    <p:handoutMasterId r:id="rId19"/>
+    <p:handoutMasterId r:id="rId23"/>
   </p:handoutMasterIdLst>
   <p:sldIdLst>
     <p:sldId id="256" r:id="rId2"/>
@@ -26,7 +26,11 @@
     <p:sldId id="336" r:id="rId14"/>
     <p:sldId id="337" r:id="rId15"/>
     <p:sldId id="338" r:id="rId16"/>
-    <p:sldId id="272" r:id="rId17"/>
+    <p:sldId id="339" r:id="rId17"/>
+    <p:sldId id="340" r:id="rId18"/>
+    <p:sldId id="341" r:id="rId19"/>
+    <p:sldId id="342" r:id="rId20"/>
+    <p:sldId id="272" r:id="rId21"/>
   </p:sldIdLst>
   <p:sldSz cx="12192000" cy="6858000"/>
   <p:notesSz cx="6858000" cy="9144000"/>
@@ -127,7 +131,7 @@
   </p:defaultTextStyle>
   <p:extLst>
     <p:ext uri="{EFAFB233-063F-42B5-8137-9DF3F51BA10A}">
-      <p15:sldGuideLst xmlns="" xmlns:p15="http://schemas.microsoft.com/office/powerpoint/2012/main">
+      <p15:sldGuideLst xmlns:p15="http://schemas.microsoft.com/office/powerpoint/2012/main" xmlns="">
         <p15:guide id="1" orient="horz" pos="2160">
           <p15:clr>
             <a:srgbClr val="A4A3A4"/>
@@ -141,7 +145,7 @@
       </p15:sldGuideLst>
     </p:ext>
     <p:ext uri="{2D200454-40CA-4A62-9FC3-DE9A4176ACB9}">
-      <p15:notesGuideLst xmlns="" xmlns:p15="http://schemas.microsoft.com/office/powerpoint/2012/main">
+      <p15:notesGuideLst xmlns:p15="http://schemas.microsoft.com/office/powerpoint/2012/main" xmlns="">
         <p15:guide id="1" orient="horz" pos="2880">
           <p15:clr>
             <a:srgbClr val="A4A3A4"/>
@@ -249,7 +253,7 @@
             <a:fld id="{D0106195-8D78-4F6F-B8E4-FA67975ACEF5}" type="datetimeFigureOut">
               <a:rPr lang="ru-RU" smtClean="0"/>
               <a:pPr/>
-              <a:t>25.01.2021</a:t>
+              <a:t>26.01.2021</a:t>
             </a:fld>
             <a:endParaRPr lang="ru-RU"/>
           </a:p>
@@ -325,7 +329,7 @@
     </p:spTree>
     <p:extLst>
       <p:ext uri="{BB962C8B-B14F-4D97-AF65-F5344CB8AC3E}">
-        <p14:creationId xmlns="" xmlns:p14="http://schemas.microsoft.com/office/powerpoint/2010/main" val="827279973"/>
+        <p14:creationId xmlns:p14="http://schemas.microsoft.com/office/powerpoint/2010/main" xmlns="" val="827279973"/>
       </p:ext>
     </p:extLst>
   </p:cSld>
@@ -417,7 +421,7 @@
             <a:fld id="{878212F1-C3D9-4F2B-8F42-5E960FE8BE51}" type="datetimeFigureOut">
               <a:rPr lang="ru-RU" smtClean="0"/>
               <a:pPr/>
-              <a:t>25.01.2021</a:t>
+              <a:t>26.01.2021</a:t>
             </a:fld>
             <a:endParaRPr lang="ru-RU"/>
           </a:p>
@@ -586,7 +590,7 @@
     </p:spTree>
     <p:extLst>
       <p:ext uri="{BB962C8B-B14F-4D97-AF65-F5344CB8AC3E}">
-        <p14:creationId xmlns="" xmlns:p14="http://schemas.microsoft.com/office/powerpoint/2010/main" val="3865021395"/>
+        <p14:creationId xmlns:p14="http://schemas.microsoft.com/office/powerpoint/2010/main" xmlns="" val="3865021395"/>
       </p:ext>
     </p:extLst>
   </p:cSld>
@@ -800,7 +804,7 @@
     </p:spTree>
     <p:extLst>
       <p:ext uri="{BB962C8B-B14F-4D97-AF65-F5344CB8AC3E}">
-        <p14:creationId xmlns="" xmlns:p14="http://schemas.microsoft.com/office/powerpoint/2010/main" val="2381791527"/>
+        <p14:creationId xmlns:p14="http://schemas.microsoft.com/office/powerpoint/2010/main" xmlns="" val="2381791527"/>
       </p:ext>
     </p:extLst>
   </p:cSld>
@@ -914,7 +918,7 @@
             <a:fld id="{5583B3A5-99BF-45D9-956B-DC57CC23AD97}" type="slidenum">
               <a:rPr lang="ru-RU" smtClean="0"/>
               <a:pPr/>
-              <a:t>16</a:t>
+              <a:t>20</a:t>
             </a:fld>
             <a:endParaRPr lang="ru-RU"/>
           </a:p>
@@ -923,7 +927,7 @@
     </p:spTree>
     <p:extLst>
       <p:ext uri="{BB962C8B-B14F-4D97-AF65-F5344CB8AC3E}">
-        <p14:creationId xmlns="" xmlns:p14="http://schemas.microsoft.com/office/powerpoint/2010/main" val="1915950851"/>
+        <p14:creationId xmlns:p14="http://schemas.microsoft.com/office/powerpoint/2010/main" xmlns="" val="1915950851"/>
       </p:ext>
     </p:extLst>
   </p:cSld>
@@ -1183,7 +1187,7 @@
     </p:spTree>
     <p:extLst>
       <p:ext uri="{BB962C8B-B14F-4D97-AF65-F5344CB8AC3E}">
-        <p14:creationId xmlns="" xmlns:p14="http://schemas.microsoft.com/office/powerpoint/2010/main" val="322455162"/>
+        <p14:creationId xmlns:p14="http://schemas.microsoft.com/office/powerpoint/2010/main" xmlns="" val="322455162"/>
       </p:ext>
     </p:extLst>
   </p:cSld>
@@ -1357,7 +1361,7 @@
     </p:spTree>
     <p:extLst>
       <p:ext uri="{BB962C8B-B14F-4D97-AF65-F5344CB8AC3E}">
-        <p14:creationId xmlns="" xmlns:p14="http://schemas.microsoft.com/office/powerpoint/2010/main" val="971117636"/>
+        <p14:creationId xmlns:p14="http://schemas.microsoft.com/office/powerpoint/2010/main" xmlns="" val="971117636"/>
       </p:ext>
     </p:extLst>
   </p:cSld>
@@ -1534,7 +1538,7 @@
     </p:spTree>
     <p:extLst>
       <p:ext uri="{BB962C8B-B14F-4D97-AF65-F5344CB8AC3E}">
-        <p14:creationId xmlns="" xmlns:p14="http://schemas.microsoft.com/office/powerpoint/2010/main" val="3348877825"/>
+        <p14:creationId xmlns:p14="http://schemas.microsoft.com/office/powerpoint/2010/main" xmlns="" val="3348877825"/>
       </p:ext>
     </p:extLst>
   </p:cSld>
@@ -1859,7 +1863,7 @@
     </p:spTree>
     <p:extLst>
       <p:ext uri="{BB962C8B-B14F-4D97-AF65-F5344CB8AC3E}">
-        <p14:creationId xmlns="" xmlns:p14="http://schemas.microsoft.com/office/powerpoint/2010/main" val="3256953994"/>
+        <p14:creationId xmlns:p14="http://schemas.microsoft.com/office/powerpoint/2010/main" xmlns="" val="3256953994"/>
       </p:ext>
     </p:extLst>
   </p:cSld>
@@ -2109,7 +2113,7 @@
     </p:spTree>
     <p:extLst>
       <p:ext uri="{BB962C8B-B14F-4D97-AF65-F5344CB8AC3E}">
-        <p14:creationId xmlns="" xmlns:p14="http://schemas.microsoft.com/office/powerpoint/2010/main" val="3067076846"/>
+        <p14:creationId xmlns:p14="http://schemas.microsoft.com/office/powerpoint/2010/main" xmlns="" val="3067076846"/>
       </p:ext>
     </p:extLst>
   </p:cSld>
@@ -2345,7 +2349,7 @@
     </p:spTree>
     <p:extLst>
       <p:ext uri="{BB962C8B-B14F-4D97-AF65-F5344CB8AC3E}">
-        <p14:creationId xmlns="" xmlns:p14="http://schemas.microsoft.com/office/powerpoint/2010/main" val="3710015975"/>
+        <p14:creationId xmlns:p14="http://schemas.microsoft.com/office/powerpoint/2010/main" xmlns="" val="3710015975"/>
       </p:ext>
     </p:extLst>
   </p:cSld>
@@ -2716,7 +2720,7 @@
     </p:spTree>
     <p:extLst>
       <p:ext uri="{BB962C8B-B14F-4D97-AF65-F5344CB8AC3E}">
-        <p14:creationId xmlns="" xmlns:p14="http://schemas.microsoft.com/office/powerpoint/2010/main" val="4075590966"/>
+        <p14:creationId xmlns:p14="http://schemas.microsoft.com/office/powerpoint/2010/main" xmlns="" val="4075590966"/>
       </p:ext>
     </p:extLst>
   </p:cSld>
@@ -2838,7 +2842,7 @@
     </p:spTree>
     <p:extLst>
       <p:ext uri="{BB962C8B-B14F-4D97-AF65-F5344CB8AC3E}">
-        <p14:creationId xmlns="" xmlns:p14="http://schemas.microsoft.com/office/powerpoint/2010/main" val="2889604898"/>
+        <p14:creationId xmlns:p14="http://schemas.microsoft.com/office/powerpoint/2010/main" xmlns="" val="2889604898"/>
       </p:ext>
     </p:extLst>
   </p:cSld>
@@ -2937,7 +2941,7 @@
     </p:spTree>
     <p:extLst>
       <p:ext uri="{BB962C8B-B14F-4D97-AF65-F5344CB8AC3E}">
-        <p14:creationId xmlns="" xmlns:p14="http://schemas.microsoft.com/office/powerpoint/2010/main" val="152384765"/>
+        <p14:creationId xmlns:p14="http://schemas.microsoft.com/office/powerpoint/2010/main" xmlns="" val="152384765"/>
       </p:ext>
     </p:extLst>
   </p:cSld>
@@ -3218,7 +3222,7 @@
     </p:spTree>
     <p:extLst>
       <p:ext uri="{BB962C8B-B14F-4D97-AF65-F5344CB8AC3E}">
-        <p14:creationId xmlns="" xmlns:p14="http://schemas.microsoft.com/office/powerpoint/2010/main" val="2127791886"/>
+        <p14:creationId xmlns:p14="http://schemas.microsoft.com/office/powerpoint/2010/main" xmlns="" val="2127791886"/>
       </p:ext>
     </p:extLst>
   </p:cSld>
@@ -3475,7 +3479,7 @@
     </p:spTree>
     <p:extLst>
       <p:ext uri="{BB962C8B-B14F-4D97-AF65-F5344CB8AC3E}">
-        <p14:creationId xmlns="" xmlns:p14="http://schemas.microsoft.com/office/powerpoint/2010/main" val="1752705130"/>
+        <p14:creationId xmlns:p14="http://schemas.microsoft.com/office/powerpoint/2010/main" xmlns="" val="1752705130"/>
       </p:ext>
     </p:extLst>
   </p:cSld>
@@ -3728,7 +3732,7 @@
     </p:spTree>
     <p:extLst>
       <p:ext uri="{BB962C8B-B14F-4D97-AF65-F5344CB8AC3E}">
-        <p14:creationId xmlns="" xmlns:p14="http://schemas.microsoft.com/office/powerpoint/2010/main" val="968833914"/>
+        <p14:creationId xmlns:p14="http://schemas.microsoft.com/office/powerpoint/2010/main" xmlns="" val="968833914"/>
       </p:ext>
     </p:extLst>
   </p:cSld>
@@ -4205,7 +4209,7 @@
     </p:spTree>
     <p:extLst>
       <p:ext uri="{BB962C8B-B14F-4D97-AF65-F5344CB8AC3E}">
-        <p14:creationId xmlns="" xmlns:p14="http://schemas.microsoft.com/office/powerpoint/2010/main" val="2492894732"/>
+        <p14:creationId xmlns:p14="http://schemas.microsoft.com/office/powerpoint/2010/main" xmlns="" val="2492894732"/>
       </p:ext>
     </p:extLst>
   </p:cSld>
@@ -6196,15 +6200,7 @@
                   <a:srgbClr val="1E3272"/>
                 </a:solidFill>
               </a:rPr>
-              <a:t> (</a:t>
-            </a:r>
-            <a:r>
-              <a:rPr lang="fr-FR" sz="3600" dirty="0" smtClean="0">
-                <a:solidFill>
-                  <a:srgbClr val="1E3272"/>
-                </a:solidFill>
-              </a:rPr>
-              <a:t>t1 = </a:t>
+              <a:t> (t1 = </a:t>
             </a:r>
             <a:r>
               <a:rPr lang="fr-FR" sz="3600" dirty="0" smtClean="0">
@@ -6251,15 +6247,7 @@
                   <a:srgbClr val="1E3272"/>
                 </a:solidFill>
               </a:rPr>
-              <a:t>(t0</a:t>
-            </a:r>
-            <a:r>
-              <a:rPr lang="fr-FR" sz="3600" dirty="0" smtClean="0">
-                <a:solidFill>
-                  <a:srgbClr val="1E3272"/>
-                </a:solidFill>
-              </a:rPr>
-              <a:t>)</a:t>
+              <a:t>(t0)</a:t>
             </a:r>
           </a:p>
           <a:p>
@@ -6589,15 +6577,7 @@
                   <a:srgbClr val="1E3272"/>
                 </a:solidFill>
               </a:rPr>
-              <a:t> </a:t>
-            </a:r>
-            <a:r>
-              <a:rPr lang="en-US" sz="2800" dirty="0" smtClean="0">
-                <a:solidFill>
-                  <a:srgbClr val="1E3272"/>
-                </a:solidFill>
-              </a:rPr>
-              <a:t> </a:t>
+              <a:t>  </a:t>
             </a:r>
             <a:r>
               <a:rPr lang="en-US" sz="2800" dirty="0" smtClean="0">
@@ -6668,15 +6648,7 @@
                   <a:srgbClr val="1E3272"/>
                 </a:solidFill>
               </a:rPr>
-              <a:t>  </a:t>
-            </a:r>
-            <a:r>
-              <a:rPr lang="en-US" sz="2800" dirty="0" smtClean="0">
-                <a:solidFill>
-                  <a:srgbClr val="1E3272"/>
-                </a:solidFill>
-              </a:rPr>
-              <a:t> </a:t>
+              <a:t>   </a:t>
             </a:r>
             <a:r>
               <a:rPr lang="en-US" sz="2800" dirty="0" smtClean="0">
@@ -6730,39 +6702,23 @@
                   <a:srgbClr val="1E3272"/>
                 </a:solidFill>
               </a:rPr>
+              <a:t>    </a:t>
+            </a:r>
+            <a:r>
+              <a:rPr lang="en-US" sz="2800" dirty="0" err="1" smtClean="0">
+                <a:solidFill>
+                  <a:srgbClr val="2F5CB5"/>
+                </a:solidFill>
+              </a:rPr>
+              <a:t>beq</a:t>
+            </a:r>
+            <a:r>
+              <a:rPr lang="en-US" sz="2800" dirty="0" smtClean="0">
+                <a:solidFill>
+                  <a:srgbClr val="1E3272"/>
+                </a:solidFill>
+              </a:rPr>
               <a:t>  </a:t>
-            </a:r>
-            <a:r>
-              <a:rPr lang="en-US" sz="2800" dirty="0" smtClean="0">
-                <a:solidFill>
-                  <a:srgbClr val="1E3272"/>
-                </a:solidFill>
-              </a:rPr>
-              <a:t>  </a:t>
-            </a:r>
-            <a:r>
-              <a:rPr lang="en-US" sz="2800" dirty="0" err="1" smtClean="0">
-                <a:solidFill>
-                  <a:srgbClr val="2F5CB5"/>
-                </a:solidFill>
-              </a:rPr>
-              <a:t>beq</a:t>
-            </a:r>
-            <a:r>
-              <a:rPr lang="en-US" sz="2800" dirty="0" smtClean="0">
-                <a:solidFill>
-                  <a:srgbClr val="1E3272"/>
-                </a:solidFill>
-              </a:rPr>
-              <a:t> </a:t>
-            </a:r>
-            <a:r>
-              <a:rPr lang="en-US" sz="2800" dirty="0" smtClean="0">
-                <a:solidFill>
-                  <a:srgbClr val="1E3272"/>
-                </a:solidFill>
-              </a:rPr>
-              <a:t> </a:t>
             </a:r>
             <a:r>
               <a:rPr lang="en-US" sz="2800" dirty="0" smtClean="0">
@@ -6851,11 +6807,6 @@
               </a:rPr>
               <a:t>)</a:t>
             </a:r>
-            <a:endParaRPr lang="en-US" sz="2800" dirty="0" smtClean="0">
-              <a:solidFill>
-                <a:srgbClr val="1E3272"/>
-              </a:solidFill>
-            </a:endParaRPr>
           </a:p>
           <a:p>
             <a:pPr>
@@ -6869,15 +6820,7 @@
                   <a:srgbClr val="1E3272"/>
                 </a:solidFill>
               </a:rPr>
-              <a:t>  </a:t>
-            </a:r>
-            <a:r>
-              <a:rPr lang="en-US" sz="2800" dirty="0" smtClean="0">
-                <a:solidFill>
-                  <a:srgbClr val="1E3272"/>
-                </a:solidFill>
-              </a:rPr>
-              <a:t>  </a:t>
+              <a:t>    </a:t>
             </a:r>
             <a:r>
               <a:rPr lang="en-US" sz="2800" dirty="0" err="1" smtClean="0">
@@ -6924,15 +6867,7 @@
                   <a:srgbClr val="1E3272"/>
                 </a:solidFill>
               </a:rPr>
-              <a:t>   </a:t>
-            </a:r>
-            <a:r>
-              <a:rPr lang="en-US" sz="2800" dirty="0" smtClean="0">
-                <a:solidFill>
-                  <a:srgbClr val="1E3272"/>
-                </a:solidFill>
-              </a:rPr>
-              <a:t> </a:t>
+              <a:t>    </a:t>
             </a:r>
             <a:r>
               <a:rPr lang="en-US" sz="2800" dirty="0" err="1" smtClean="0">
@@ -6979,15 +6914,7 @@
                   <a:srgbClr val="1E3272"/>
                 </a:solidFill>
               </a:rPr>
-              <a:t>  </a:t>
-            </a:r>
-            <a:r>
-              <a:rPr lang="en-US" sz="2800" dirty="0" smtClean="0">
-                <a:solidFill>
-                  <a:srgbClr val="1E3272"/>
-                </a:solidFill>
-              </a:rPr>
-              <a:t>  </a:t>
+              <a:t>    </a:t>
             </a:r>
             <a:r>
               <a:rPr lang="en-US" sz="2800" dirty="0" err="1" smtClean="0">
@@ -7034,15 +6961,7 @@
                   <a:srgbClr val="1E3272"/>
                 </a:solidFill>
               </a:rPr>
-              <a:t>   </a:t>
-            </a:r>
-            <a:r>
-              <a:rPr lang="en-US" sz="2800" dirty="0" smtClean="0">
-                <a:solidFill>
-                  <a:srgbClr val="1E3272"/>
-                </a:solidFill>
-              </a:rPr>
-              <a:t> </a:t>
+              <a:t>    </a:t>
             </a:r>
             <a:r>
               <a:rPr lang="en-US" sz="2800" dirty="0" err="1" smtClean="0">
@@ -7113,15 +7032,7 @@
                   <a:srgbClr val="1E3272"/>
                 </a:solidFill>
               </a:rPr>
-              <a:t>  </a:t>
-            </a:r>
-            <a:r>
-              <a:rPr lang="en-US" sz="2800" dirty="0" smtClean="0">
-                <a:solidFill>
-                  <a:srgbClr val="1E3272"/>
-                </a:solidFill>
-              </a:rPr>
-              <a:t>  </a:t>
+              <a:t>    </a:t>
             </a:r>
             <a:r>
               <a:rPr lang="en-US" sz="2800" dirty="0" smtClean="0">
@@ -7137,15 +7048,7 @@
                   <a:srgbClr val="1E3272"/>
                 </a:solidFill>
               </a:rPr>
-              <a:t>    </a:t>
-            </a:r>
-            <a:r>
-              <a:rPr lang="en-US" sz="2800" dirty="0" smtClean="0">
-                <a:solidFill>
-                  <a:srgbClr val="1E3272"/>
-                </a:solidFill>
-              </a:rPr>
-              <a:t>   </a:t>
+              <a:t>       </a:t>
             </a:r>
             <a:r>
               <a:rPr lang="en-US" sz="2800" i="1" dirty="0" smtClean="0">
@@ -7155,11 +7058,6 @@
               </a:rPr>
               <a:t>next_t1</a:t>
             </a:r>
-            <a:endParaRPr lang="en-US" sz="2800" i="1" dirty="0" smtClean="0">
-              <a:solidFill>
-                <a:srgbClr val="1E3272"/>
-              </a:solidFill>
-            </a:endParaRPr>
           </a:p>
           <a:p>
             <a:pPr>
@@ -7188,15 +7086,7 @@
                   <a:srgbClr val="1E3272"/>
                 </a:solidFill>
               </a:rPr>
-              <a:t>   </a:t>
-            </a:r>
-            <a:r>
-              <a:rPr lang="en-US" sz="2800" dirty="0" smtClean="0">
-                <a:solidFill>
-                  <a:srgbClr val="1E3272"/>
-                </a:solidFill>
-              </a:rPr>
-              <a:t> </a:t>
+              <a:t>    </a:t>
             </a:r>
             <a:r>
               <a:rPr lang="en-US" sz="2800" dirty="0" err="1" smtClean="0">
@@ -7243,15 +7133,7 @@
                   <a:srgbClr val="1E3272"/>
                 </a:solidFill>
               </a:rPr>
-              <a:t>   </a:t>
-            </a:r>
-            <a:r>
-              <a:rPr lang="en-US" sz="2800" dirty="0" smtClean="0">
-                <a:solidFill>
-                  <a:srgbClr val="1E3272"/>
-                </a:solidFill>
-              </a:rPr>
-              <a:t> </a:t>
+              <a:t>    </a:t>
             </a:r>
             <a:r>
               <a:rPr lang="en-US" sz="2800" dirty="0" err="1" smtClean="0">
@@ -7322,15 +7204,7 @@
                   <a:srgbClr val="1E3272"/>
                 </a:solidFill>
               </a:rPr>
-              <a:t>  </a:t>
-            </a:r>
-            <a:r>
-              <a:rPr lang="en-US" sz="2800" dirty="0" smtClean="0">
-                <a:solidFill>
-                  <a:srgbClr val="1E3272"/>
-                </a:solidFill>
-              </a:rPr>
-              <a:t>  </a:t>
+              <a:t>    </a:t>
             </a:r>
             <a:r>
               <a:rPr lang="en-US" sz="2800" dirty="0" smtClean="0">
@@ -7346,15 +7220,7 @@
                   <a:srgbClr val="1E3272"/>
                 </a:solidFill>
               </a:rPr>
-              <a:t>    </a:t>
-            </a:r>
-            <a:r>
-              <a:rPr lang="en-US" sz="2800" dirty="0" smtClean="0">
-                <a:solidFill>
-                  <a:srgbClr val="1E3272"/>
-                </a:solidFill>
-              </a:rPr>
-              <a:t>   </a:t>
+              <a:t>       </a:t>
             </a:r>
             <a:r>
               <a:rPr lang="en-US" sz="2800" i="1" dirty="0" smtClean="0">
@@ -7364,11 +7230,6 @@
               </a:rPr>
               <a:t>next_t0</a:t>
             </a:r>
-            <a:endParaRPr lang="en-US" sz="2800" i="1" dirty="0" smtClean="0">
-              <a:solidFill>
-                <a:srgbClr val="1E3272"/>
-              </a:solidFill>
-            </a:endParaRPr>
           </a:p>
           <a:p>
             <a:pPr>
@@ -7384,11 +7245,6 @@
               </a:rPr>
               <a:t>end_for_t0:</a:t>
             </a:r>
-            <a:endParaRPr lang="en-US" sz="2800" b="1" i="1" dirty="0" smtClean="0">
-              <a:solidFill>
-                <a:srgbClr val="1E3272"/>
-              </a:solidFill>
-            </a:endParaRPr>
           </a:p>
         </p:txBody>
       </p:sp>
@@ -7601,15 +7457,7 @@
             </a:r>
             <a:r>
               <a:rPr lang="en-US" dirty="0" smtClean="0"/>
-              <a:t> is a </a:t>
-            </a:r>
-            <a:r>
-              <a:rPr lang="en-US" dirty="0" smtClean="0"/>
-              <a:t>pattern-matching and replacement facility that provides a simple mechanism to name a frequently used sequence of </a:t>
-            </a:r>
-            <a:r>
-              <a:rPr lang="en-US" dirty="0" smtClean="0"/>
-              <a:t>instructions. </a:t>
+              <a:t> is a pattern-matching and replacement facility that provides a simple mechanism to name a frequently used sequence of instructions. </a:t>
             </a:r>
             <a:endParaRPr lang="ru-RU" dirty="0"/>
           </a:p>
@@ -7695,15 +7543,7 @@
                   <a:srgbClr val="FF0000"/>
                 </a:solidFill>
               </a:rPr>
-              <a:t>.</a:t>
-            </a:r>
-            <a:r>
-              <a:rPr lang="en-US" sz="2800" dirty="0" smtClean="0">
-                <a:solidFill>
-                  <a:srgbClr val="FF0000"/>
-                </a:solidFill>
-              </a:rPr>
-              <a:t>macro </a:t>
+              <a:t>.macro </a:t>
             </a:r>
             <a:r>
               <a:rPr lang="en-US" sz="2800" i="1" dirty="0" err="1" smtClean="0">
@@ -7896,23 +7736,7 @@
                   <a:srgbClr val="FF0000"/>
                 </a:solidFill>
               </a:rPr>
-              <a:t> </a:t>
-            </a:r>
-            <a:r>
-              <a:rPr lang="en-US" sz="2800" dirty="0" smtClean="0">
-                <a:solidFill>
-                  <a:srgbClr val="FF0000"/>
-                </a:solidFill>
-              </a:rPr>
-              <a:t>.</a:t>
-            </a:r>
-            <a:r>
-              <a:rPr lang="en-US" sz="2800" dirty="0" smtClean="0">
-                <a:solidFill>
-                  <a:srgbClr val="FF0000"/>
-                </a:solidFill>
-              </a:rPr>
-              <a:t>macro </a:t>
+              <a:t> .macro </a:t>
             </a:r>
             <a:r>
               <a:rPr lang="en-US" sz="2800" i="1" dirty="0" err="1" smtClean="0">
@@ -7936,15 +7760,7 @@
                   <a:srgbClr val="00B050"/>
                 </a:solidFill>
               </a:rPr>
-              <a:t>%</a:t>
-            </a:r>
-            <a:r>
-              <a:rPr lang="en-US" sz="2800" dirty="0" smtClean="0">
-                <a:solidFill>
-                  <a:srgbClr val="00B050"/>
-                </a:solidFill>
-              </a:rPr>
-              <a:t>x</a:t>
+              <a:t>%x</a:t>
             </a:r>
             <a:r>
               <a:rPr lang="en-US" sz="2800" dirty="0" smtClean="0">
@@ -8097,15 +7913,7 @@
                   <a:srgbClr val="FF0000"/>
                 </a:solidFill>
               </a:rPr>
-              <a:t> </a:t>
-            </a:r>
-            <a:r>
-              <a:rPr lang="en-US" sz="2800" dirty="0" smtClean="0">
-                <a:solidFill>
-                  <a:srgbClr val="FF0000"/>
-                </a:solidFill>
-              </a:rPr>
-              <a:t>.</a:t>
+              <a:t> .</a:t>
             </a:r>
             <a:r>
               <a:rPr lang="en-US" sz="2800" dirty="0" err="1" smtClean="0">
@@ -8165,11 +7973,6 @@
               </a:rPr>
               <a:t>:</a:t>
             </a:r>
-            <a:endParaRPr lang="en-US" sz="3600" dirty="0" smtClean="0">
-              <a:solidFill>
-                <a:srgbClr val="1E3272"/>
-              </a:solidFill>
-            </a:endParaRPr>
           </a:p>
           <a:p>
             <a:pPr>
@@ -8230,7 +8033,15 @@
                   <a:srgbClr val="1E3272"/>
                 </a:solidFill>
               </a:rPr>
-              <a:t> </a:t>
+              <a:t>     </a:t>
+            </a:r>
+            <a:r>
+              <a:rPr lang="en-US" sz="3600" i="1" dirty="0" err="1" smtClean="0">
+                <a:solidFill>
+                  <a:srgbClr val="1E3272"/>
+                </a:solidFill>
+              </a:rPr>
+              <a:t>print_int</a:t>
             </a:r>
             <a:r>
               <a:rPr lang="en-US" sz="3600" dirty="0" smtClean="0">
@@ -8238,45 +8049,24 @@
                   <a:srgbClr val="1E3272"/>
                 </a:solidFill>
               </a:rPr>
-              <a:t>    </a:t>
-            </a:r>
-            <a:r>
-              <a:rPr lang="en-US" sz="3600" i="1" dirty="0" err="1" smtClean="0">
-                <a:solidFill>
-                  <a:srgbClr val="1E3272"/>
-                </a:solidFill>
-              </a:rPr>
-              <a:t>print_int</a:t>
+              <a:t>(</a:t>
             </a:r>
             <a:r>
               <a:rPr lang="en-US" sz="3600" dirty="0" smtClean="0">
                 <a:solidFill>
-                  <a:srgbClr val="1E3272"/>
-                </a:solidFill>
-              </a:rPr>
-              <a:t>(</a:t>
+                  <a:srgbClr val="FF0000"/>
+                </a:solidFill>
+              </a:rPr>
+              <a:t>t0</a:t>
             </a:r>
             <a:r>
               <a:rPr lang="en-US" sz="3600" dirty="0" smtClean="0">
                 <a:solidFill>
-                  <a:srgbClr val="FF0000"/>
-                </a:solidFill>
-              </a:rPr>
-              <a:t>t0</a:t>
-            </a:r>
-            <a:r>
-              <a:rPr lang="en-US" sz="3600" dirty="0" smtClean="0">
-                <a:solidFill>
                   <a:srgbClr val="1E3272"/>
                 </a:solidFill>
               </a:rPr>
               <a:t>)</a:t>
             </a:r>
-            <a:endParaRPr lang="en-US" sz="3600" dirty="0" smtClean="0">
-              <a:solidFill>
-                <a:srgbClr val="1E3272"/>
-              </a:solidFill>
-            </a:endParaRPr>
           </a:p>
         </p:txBody>
       </p:sp>
@@ -8655,11 +8445,6 @@
               </a:rPr>
               <a:t>:</a:t>
             </a:r>
-            <a:endParaRPr lang="en-US" sz="3600" dirty="0" smtClean="0">
-              <a:solidFill>
-                <a:srgbClr val="1E3272"/>
-              </a:solidFill>
-            </a:endParaRPr>
           </a:p>
           <a:p>
             <a:r>
@@ -8710,7 +8495,15 @@
                   <a:srgbClr val="1E3272"/>
                 </a:solidFill>
               </a:rPr>
-              <a:t> </a:t>
+              <a:t>      </a:t>
+            </a:r>
+            <a:r>
+              <a:rPr lang="en-US" sz="3600" i="1" dirty="0" err="1" smtClean="0">
+                <a:solidFill>
+                  <a:srgbClr val="1E3272"/>
+                </a:solidFill>
+              </a:rPr>
+              <a:t>print_int</a:t>
             </a:r>
             <a:r>
               <a:rPr lang="en-US" sz="3600" dirty="0" smtClean="0">
@@ -8718,45 +8511,24 @@
                   <a:srgbClr val="1E3272"/>
                 </a:solidFill>
               </a:rPr>
-              <a:t>     </a:t>
-            </a:r>
-            <a:r>
-              <a:rPr lang="en-US" sz="3600" i="1" dirty="0" err="1" smtClean="0">
-                <a:solidFill>
-                  <a:srgbClr val="1E3272"/>
-                </a:solidFill>
-              </a:rPr>
-              <a:t>print_int</a:t>
+              <a:t>(</a:t>
             </a:r>
             <a:r>
               <a:rPr lang="en-US" sz="3600" dirty="0" smtClean="0">
                 <a:solidFill>
-                  <a:srgbClr val="1E3272"/>
-                </a:solidFill>
-              </a:rPr>
-              <a:t>(</a:t>
+                  <a:srgbClr val="FF0000"/>
+                </a:solidFill>
+              </a:rPr>
+              <a:t>t0</a:t>
             </a:r>
             <a:r>
               <a:rPr lang="en-US" sz="3600" dirty="0" smtClean="0">
                 <a:solidFill>
-                  <a:srgbClr val="FF0000"/>
-                </a:solidFill>
-              </a:rPr>
-              <a:t>t0</a:t>
-            </a:r>
-            <a:r>
-              <a:rPr lang="en-US" sz="3600" dirty="0" smtClean="0">
-                <a:solidFill>
                   <a:srgbClr val="1E3272"/>
                 </a:solidFill>
               </a:rPr>
               <a:t>)</a:t>
             </a:r>
-            <a:endParaRPr lang="en-US" sz="3600" dirty="0" smtClean="0">
-              <a:solidFill>
-                <a:srgbClr val="1E3272"/>
-              </a:solidFill>
-            </a:endParaRPr>
           </a:p>
         </p:txBody>
       </p:sp>
@@ -8867,19 +8639,69 @@
                   <a:srgbClr val="1E3272"/>
                 </a:solidFill>
               </a:rPr>
+              <a:t>     </a:t>
+            </a:r>
+            <a:r>
+              <a:rPr lang="en-US" sz="3600" dirty="0" smtClean="0">
+                <a:solidFill>
+                  <a:srgbClr val="FF0000"/>
+                </a:solidFill>
+              </a:rPr>
+              <a:t>.</a:t>
+            </a:r>
+            <a:r>
+              <a:rPr lang="en-US" sz="3600" dirty="0" err="1" smtClean="0">
+                <a:solidFill>
+                  <a:srgbClr val="FF0000"/>
+                </a:solidFill>
+              </a:rPr>
+              <a:t>eqv</a:t>
+            </a:r>
+            <a:r>
+              <a:rPr lang="en-US" sz="3600" dirty="0" smtClean="0">
+                <a:solidFill>
+                  <a:srgbClr val="FF0000"/>
+                </a:solidFill>
+              </a:rPr>
               <a:t> </a:t>
             </a:r>
             <a:r>
+              <a:rPr lang="en-US" sz="3600" i="1" dirty="0" smtClean="0">
+                <a:solidFill>
+                  <a:srgbClr val="1E3272"/>
+                </a:solidFill>
+              </a:rPr>
+              <a:t>VAL</a:t>
+            </a:r>
+            <a:r>
               <a:rPr lang="en-US" sz="3600" dirty="0" smtClean="0">
                 <a:solidFill>
                   <a:srgbClr val="1E3272"/>
                 </a:solidFill>
               </a:rPr>
-              <a:t>    </a:t>
+              <a:t> </a:t>
             </a:r>
             <a:r>
               <a:rPr lang="en-US" sz="3600" dirty="0" smtClean="0">
                 <a:solidFill>
+                  <a:srgbClr val="2F5CB5"/>
+                </a:solidFill>
+              </a:rPr>
+              <a:t>0x123</a:t>
+            </a:r>
+          </a:p>
+          <a:p>
+            <a:r>
+              <a:rPr lang="en-US" sz="3600" dirty="0" smtClean="0">
+                <a:solidFill>
+                  <a:srgbClr val="1E3272"/>
+                </a:solidFill>
+              </a:rPr>
+              <a:t>     </a:t>
+            </a:r>
+            <a:r>
+              <a:rPr lang="en-US" sz="3600" dirty="0" smtClean="0">
+                <a:solidFill>
                   <a:srgbClr val="FF0000"/>
                 </a:solidFill>
               </a:rPr>
@@ -8907,65 +8729,241 @@
                   <a:srgbClr val="1E3272"/>
                 </a:solidFill>
               </a:rPr>
+              <a:t>X</a:t>
+            </a:r>
+            <a:r>
+              <a:rPr lang="en-US" sz="3600" dirty="0" smtClean="0">
+                <a:solidFill>
+                  <a:srgbClr val="1E3272"/>
+                </a:solidFill>
+              </a:rPr>
+              <a:t> </a:t>
+            </a:r>
+            <a:r>
+              <a:rPr lang="en-US" sz="3600" dirty="0" smtClean="0">
+                <a:solidFill>
+                  <a:srgbClr val="FF0000"/>
+                </a:solidFill>
+              </a:rPr>
+              <a:t>t0</a:t>
+            </a:r>
+          </a:p>
+          <a:p>
+            <a:r>
+              <a:rPr lang="en-US" sz="3600" dirty="0" smtClean="0">
+                <a:solidFill>
+                  <a:srgbClr val="1E3272"/>
+                </a:solidFill>
+              </a:rPr>
+              <a:t>     </a:t>
+            </a:r>
+            <a:r>
+              <a:rPr lang="en-US" sz="3600" dirty="0" smtClean="0">
+                <a:solidFill>
+                  <a:srgbClr val="FF0000"/>
+                </a:solidFill>
+              </a:rPr>
+              <a:t>.</a:t>
+            </a:r>
+            <a:r>
+              <a:rPr lang="en-US" sz="3600" dirty="0" err="1" smtClean="0">
+                <a:solidFill>
+                  <a:srgbClr val="FF0000"/>
+                </a:solidFill>
+              </a:rPr>
+              <a:t>eqv</a:t>
+            </a:r>
+            <a:r>
+              <a:rPr lang="en-US" sz="3600" dirty="0" smtClean="0">
+                <a:solidFill>
+                  <a:srgbClr val="FF0000"/>
+                </a:solidFill>
+              </a:rPr>
+              <a:t> </a:t>
+            </a:r>
+            <a:r>
+              <a:rPr lang="en-US" sz="3600" i="1" dirty="0" smtClean="0">
+                <a:solidFill>
+                  <a:srgbClr val="1E3272"/>
+                </a:solidFill>
+              </a:rPr>
+              <a:t>Y</a:t>
+            </a:r>
+            <a:r>
+              <a:rPr lang="en-US" sz="3600" dirty="0" smtClean="0">
+                <a:solidFill>
+                  <a:srgbClr val="1E3272"/>
+                </a:solidFill>
+              </a:rPr>
+              <a:t> </a:t>
+            </a:r>
+            <a:r>
+              <a:rPr lang="en-US" sz="3600" dirty="0" smtClean="0">
+                <a:solidFill>
+                  <a:srgbClr val="FF0000"/>
+                </a:solidFill>
+              </a:rPr>
+              <a:t>t1</a:t>
+            </a:r>
+          </a:p>
+          <a:p>
+            <a:r>
+              <a:rPr lang="en-US" sz="3600" dirty="0" smtClean="0">
+                <a:solidFill>
+                  <a:srgbClr val="1E3272"/>
+                </a:solidFill>
+              </a:rPr>
+              <a:t>     </a:t>
+            </a:r>
+            <a:r>
+              <a:rPr lang="en-US" sz="3600" dirty="0" smtClean="0">
+                <a:solidFill>
+                  <a:srgbClr val="FF0000"/>
+                </a:solidFill>
+              </a:rPr>
+              <a:t>.</a:t>
+            </a:r>
+            <a:r>
+              <a:rPr lang="en-US" sz="3600" dirty="0" err="1" smtClean="0">
+                <a:solidFill>
+                  <a:srgbClr val="FF0000"/>
+                </a:solidFill>
+              </a:rPr>
+              <a:t>eqv</a:t>
+            </a:r>
+            <a:r>
+              <a:rPr lang="en-US" sz="3600" dirty="0" smtClean="0">
+                <a:solidFill>
+                  <a:srgbClr val="FF0000"/>
+                </a:solidFill>
+              </a:rPr>
+              <a:t> </a:t>
+            </a:r>
+            <a:r>
+              <a:rPr lang="en-US" sz="3600" i="1" dirty="0" smtClean="0">
+                <a:solidFill>
+                  <a:srgbClr val="1E3272"/>
+                </a:solidFill>
+              </a:rPr>
+              <a:t>SUM</a:t>
+            </a:r>
+            <a:r>
+              <a:rPr lang="en-US" sz="3600" dirty="0" smtClean="0">
+                <a:solidFill>
+                  <a:srgbClr val="1E3272"/>
+                </a:solidFill>
+              </a:rPr>
+              <a:t> </a:t>
+            </a:r>
+            <a:r>
+              <a:rPr lang="en-US" sz="3600" dirty="0" err="1" smtClean="0">
+                <a:solidFill>
+                  <a:srgbClr val="2F5CB5"/>
+                </a:solidFill>
+              </a:rPr>
+              <a:t>addi</a:t>
+            </a:r>
+            <a:r>
+              <a:rPr lang="en-US" sz="3600" dirty="0" smtClean="0">
+                <a:solidFill>
+                  <a:srgbClr val="1E3272"/>
+                </a:solidFill>
+              </a:rPr>
+              <a:t> </a:t>
+            </a:r>
+            <a:r>
+              <a:rPr lang="en-US" sz="3600" i="1" dirty="0" smtClean="0">
+                <a:solidFill>
+                  <a:srgbClr val="1E3272"/>
+                </a:solidFill>
+              </a:rPr>
+              <a:t>Y</a:t>
+            </a:r>
+            <a:r>
+              <a:rPr lang="en-US" sz="3600" dirty="0" smtClean="0">
+                <a:solidFill>
+                  <a:srgbClr val="1E3272"/>
+                </a:solidFill>
+              </a:rPr>
+              <a:t>, </a:t>
+            </a:r>
+            <a:r>
+              <a:rPr lang="en-US" sz="3600" i="1" dirty="0" smtClean="0">
+                <a:solidFill>
+                  <a:srgbClr val="1E3272"/>
+                </a:solidFill>
+              </a:rPr>
+              <a:t>X</a:t>
+            </a:r>
+            <a:r>
+              <a:rPr lang="en-US" sz="3600" dirty="0" smtClean="0">
+                <a:solidFill>
+                  <a:srgbClr val="1E3272"/>
+                </a:solidFill>
+              </a:rPr>
+              <a:t>, </a:t>
+            </a:r>
+            <a:r>
+              <a:rPr lang="en-US" sz="3600" i="1" dirty="0" smtClean="0">
+                <a:solidFill>
+                  <a:srgbClr val="1E3272"/>
+                </a:solidFill>
+              </a:rPr>
               <a:t>VAL</a:t>
             </a:r>
+          </a:p>
+          <a:p>
             <a:r>
               <a:rPr lang="en-US" sz="3600" dirty="0" smtClean="0">
                 <a:solidFill>
                   <a:srgbClr val="1E3272"/>
                 </a:solidFill>
               </a:rPr>
-              <a:t> </a:t>
-            </a:r>
+              <a:t>main:</a:t>
+            </a:r>
+          </a:p>
+          <a:p>
             <a:r>
               <a:rPr lang="en-US" sz="3600" dirty="0" smtClean="0">
                 <a:solidFill>
+                  <a:srgbClr val="1E3272"/>
+                </a:solidFill>
+              </a:rPr>
+              <a:t>      </a:t>
+            </a:r>
+            <a:r>
+              <a:rPr lang="en-US" sz="3600" dirty="0" err="1" smtClean="0">
+                <a:solidFill>
                   <a:srgbClr val="2F5CB5"/>
                 </a:solidFill>
               </a:rPr>
-              <a:t>0x123</a:t>
-            </a:r>
-          </a:p>
-          <a:p>
+              <a:t>li</a:t>
+            </a:r>
             <a:r>
               <a:rPr lang="en-US" sz="3600" dirty="0" smtClean="0">
                 <a:solidFill>
                   <a:srgbClr val="1E3272"/>
                 </a:solidFill>
               </a:rPr>
-              <a:t>    </a:t>
+              <a:t>     X, </a:t>
             </a:r>
             <a:r>
               <a:rPr lang="en-US" sz="3600" dirty="0" smtClean="0">
                 <a:solidFill>
-                  <a:srgbClr val="1E3272"/>
-                </a:solidFill>
-              </a:rPr>
-              <a:t> </a:t>
-            </a:r>
+                  <a:srgbClr val="2F5CB5"/>
+                </a:solidFill>
+              </a:rPr>
+              <a:t>0x111</a:t>
+            </a:r>
+          </a:p>
+          <a:p>
             <a:r>
               <a:rPr lang="en-US" sz="3600" dirty="0" smtClean="0">
                 <a:solidFill>
-                  <a:srgbClr val="FF0000"/>
-                </a:solidFill>
-              </a:rPr>
-              <a:t>.</a:t>
-            </a:r>
-            <a:r>
-              <a:rPr lang="en-US" sz="3600" dirty="0" err="1" smtClean="0">
-                <a:solidFill>
-                  <a:srgbClr val="FF0000"/>
-                </a:solidFill>
-              </a:rPr>
-              <a:t>eqv</a:t>
-            </a:r>
-            <a:r>
-              <a:rPr lang="en-US" sz="3600" dirty="0" smtClean="0">
-                <a:solidFill>
-                  <a:srgbClr val="FF0000"/>
-                </a:solidFill>
-              </a:rPr>
-              <a:t> </a:t>
+                  <a:srgbClr val="1E3272"/>
+                </a:solidFill>
+              </a:rPr>
+              <a:t>      </a:t>
             </a:r>
             <a:r>
               <a:rPr lang="en-US" sz="3600" i="1" dirty="0" smtClean="0">
@@ -8973,295 +8971,8 @@
                   <a:srgbClr val="1E3272"/>
                 </a:solidFill>
               </a:rPr>
-              <a:t>X</a:t>
-            </a:r>
-            <a:r>
-              <a:rPr lang="en-US" sz="3600" dirty="0" smtClean="0">
-                <a:solidFill>
-                  <a:srgbClr val="1E3272"/>
-                </a:solidFill>
-              </a:rPr>
-              <a:t> </a:t>
-            </a:r>
-            <a:r>
-              <a:rPr lang="en-US" sz="3600" dirty="0" smtClean="0">
-                <a:solidFill>
-                  <a:srgbClr val="FF0000"/>
-                </a:solidFill>
-              </a:rPr>
-              <a:t>t0</a:t>
-            </a:r>
-          </a:p>
-          <a:p>
-            <a:r>
-              <a:rPr lang="en-US" sz="3600" dirty="0" smtClean="0">
-                <a:solidFill>
-                  <a:srgbClr val="1E3272"/>
-                </a:solidFill>
-              </a:rPr>
-              <a:t>    </a:t>
-            </a:r>
-            <a:r>
-              <a:rPr lang="en-US" sz="3600" dirty="0" smtClean="0">
-                <a:solidFill>
-                  <a:srgbClr val="1E3272"/>
-                </a:solidFill>
-              </a:rPr>
-              <a:t> </a:t>
-            </a:r>
-            <a:r>
-              <a:rPr lang="en-US" sz="3600" dirty="0" smtClean="0">
-                <a:solidFill>
-                  <a:srgbClr val="FF0000"/>
-                </a:solidFill>
-              </a:rPr>
-              <a:t>.</a:t>
-            </a:r>
-            <a:r>
-              <a:rPr lang="en-US" sz="3600" dirty="0" err="1" smtClean="0">
-                <a:solidFill>
-                  <a:srgbClr val="FF0000"/>
-                </a:solidFill>
-              </a:rPr>
-              <a:t>eqv</a:t>
-            </a:r>
-            <a:r>
-              <a:rPr lang="en-US" sz="3600" dirty="0" smtClean="0">
-                <a:solidFill>
-                  <a:srgbClr val="FF0000"/>
-                </a:solidFill>
-              </a:rPr>
-              <a:t> </a:t>
-            </a:r>
-            <a:r>
-              <a:rPr lang="en-US" sz="3600" i="1" dirty="0" smtClean="0">
-                <a:solidFill>
-                  <a:srgbClr val="1E3272"/>
-                </a:solidFill>
-              </a:rPr>
-              <a:t>Y</a:t>
-            </a:r>
-            <a:r>
-              <a:rPr lang="en-US" sz="3600" dirty="0" smtClean="0">
-                <a:solidFill>
-                  <a:srgbClr val="1E3272"/>
-                </a:solidFill>
-              </a:rPr>
-              <a:t> </a:t>
-            </a:r>
-            <a:r>
-              <a:rPr lang="en-US" sz="3600" dirty="0" smtClean="0">
-                <a:solidFill>
-                  <a:srgbClr val="FF0000"/>
-                </a:solidFill>
-              </a:rPr>
-              <a:t>t1</a:t>
-            </a:r>
-          </a:p>
-          <a:p>
-            <a:r>
-              <a:rPr lang="en-US" sz="3600" dirty="0" smtClean="0">
-                <a:solidFill>
-                  <a:srgbClr val="1E3272"/>
-                </a:solidFill>
-              </a:rPr>
-              <a:t>    </a:t>
-            </a:r>
-            <a:r>
-              <a:rPr lang="en-US" sz="3600" dirty="0" smtClean="0">
-                <a:solidFill>
-                  <a:srgbClr val="1E3272"/>
-                </a:solidFill>
-              </a:rPr>
-              <a:t> </a:t>
-            </a:r>
-            <a:r>
-              <a:rPr lang="en-US" sz="3600" dirty="0" smtClean="0">
-                <a:solidFill>
-                  <a:srgbClr val="FF0000"/>
-                </a:solidFill>
-              </a:rPr>
-              <a:t>.</a:t>
-            </a:r>
-            <a:r>
-              <a:rPr lang="en-US" sz="3600" dirty="0" err="1" smtClean="0">
-                <a:solidFill>
-                  <a:srgbClr val="FF0000"/>
-                </a:solidFill>
-              </a:rPr>
-              <a:t>eqv</a:t>
-            </a:r>
-            <a:r>
-              <a:rPr lang="en-US" sz="3600" dirty="0" smtClean="0">
-                <a:solidFill>
-                  <a:srgbClr val="FF0000"/>
-                </a:solidFill>
-              </a:rPr>
-              <a:t> </a:t>
-            </a:r>
-            <a:r>
-              <a:rPr lang="en-US" sz="3600" i="1" dirty="0" smtClean="0">
-                <a:solidFill>
-                  <a:srgbClr val="1E3272"/>
-                </a:solidFill>
-              </a:rPr>
               <a:t>SUM</a:t>
             </a:r>
-            <a:r>
-              <a:rPr lang="en-US" sz="3600" dirty="0" smtClean="0">
-                <a:solidFill>
-                  <a:srgbClr val="1E3272"/>
-                </a:solidFill>
-              </a:rPr>
-              <a:t> </a:t>
-            </a:r>
-            <a:r>
-              <a:rPr lang="en-US" sz="3600" dirty="0" err="1" smtClean="0">
-                <a:solidFill>
-                  <a:srgbClr val="2F5CB5"/>
-                </a:solidFill>
-              </a:rPr>
-              <a:t>addi</a:t>
-            </a:r>
-            <a:r>
-              <a:rPr lang="en-US" sz="3600" dirty="0" smtClean="0">
-                <a:solidFill>
-                  <a:srgbClr val="1E3272"/>
-                </a:solidFill>
-              </a:rPr>
-              <a:t> </a:t>
-            </a:r>
-            <a:r>
-              <a:rPr lang="en-US" sz="3600" i="1" dirty="0" smtClean="0">
-                <a:solidFill>
-                  <a:srgbClr val="1E3272"/>
-                </a:solidFill>
-              </a:rPr>
-              <a:t>Y</a:t>
-            </a:r>
-            <a:r>
-              <a:rPr lang="en-US" sz="3600" dirty="0" smtClean="0">
-                <a:solidFill>
-                  <a:srgbClr val="1E3272"/>
-                </a:solidFill>
-              </a:rPr>
-              <a:t>, </a:t>
-            </a:r>
-            <a:r>
-              <a:rPr lang="en-US" sz="3600" i="1" dirty="0" smtClean="0">
-                <a:solidFill>
-                  <a:srgbClr val="1E3272"/>
-                </a:solidFill>
-              </a:rPr>
-              <a:t>X</a:t>
-            </a:r>
-            <a:r>
-              <a:rPr lang="en-US" sz="3600" dirty="0" smtClean="0">
-                <a:solidFill>
-                  <a:srgbClr val="1E3272"/>
-                </a:solidFill>
-              </a:rPr>
-              <a:t>, </a:t>
-            </a:r>
-            <a:r>
-              <a:rPr lang="en-US" sz="3600" i="1" dirty="0" smtClean="0">
-                <a:solidFill>
-                  <a:srgbClr val="1E3272"/>
-                </a:solidFill>
-              </a:rPr>
-              <a:t>VAL</a:t>
-            </a:r>
-          </a:p>
-          <a:p>
-            <a:r>
-              <a:rPr lang="en-US" sz="3600" dirty="0" smtClean="0">
-                <a:solidFill>
-                  <a:srgbClr val="1E3272"/>
-                </a:solidFill>
-              </a:rPr>
-              <a:t>main:</a:t>
-            </a:r>
-          </a:p>
-          <a:p>
-            <a:r>
-              <a:rPr lang="en-US" sz="3600" dirty="0" smtClean="0">
-                <a:solidFill>
-                  <a:srgbClr val="1E3272"/>
-                </a:solidFill>
-              </a:rPr>
-              <a:t>    </a:t>
-            </a:r>
-            <a:r>
-              <a:rPr lang="en-US" sz="3600" dirty="0" smtClean="0">
-                <a:solidFill>
-                  <a:srgbClr val="1E3272"/>
-                </a:solidFill>
-              </a:rPr>
-              <a:t>  </a:t>
-            </a:r>
-            <a:r>
-              <a:rPr lang="en-US" sz="3600" dirty="0" err="1" smtClean="0">
-                <a:solidFill>
-                  <a:srgbClr val="2F5CB5"/>
-                </a:solidFill>
-              </a:rPr>
-              <a:t>li</a:t>
-            </a:r>
-            <a:r>
-              <a:rPr lang="en-US" sz="3600" dirty="0" smtClean="0">
-                <a:solidFill>
-                  <a:srgbClr val="1E3272"/>
-                </a:solidFill>
-              </a:rPr>
-              <a:t>     X</a:t>
-            </a:r>
-            <a:r>
-              <a:rPr lang="en-US" sz="3600" dirty="0" smtClean="0">
-                <a:solidFill>
-                  <a:srgbClr val="1E3272"/>
-                </a:solidFill>
-              </a:rPr>
-              <a:t>, </a:t>
-            </a:r>
-            <a:r>
-              <a:rPr lang="en-US" sz="3600" dirty="0" smtClean="0">
-                <a:solidFill>
-                  <a:srgbClr val="2F5CB5"/>
-                </a:solidFill>
-              </a:rPr>
-              <a:t>0x111</a:t>
-            </a:r>
-          </a:p>
-          <a:p>
-            <a:r>
-              <a:rPr lang="en-US" sz="3600" dirty="0" smtClean="0">
-                <a:solidFill>
-                  <a:srgbClr val="1E3272"/>
-                </a:solidFill>
-              </a:rPr>
-              <a:t>    </a:t>
-            </a:r>
-            <a:r>
-              <a:rPr lang="en-US" sz="3600" dirty="0" smtClean="0">
-                <a:solidFill>
-                  <a:srgbClr val="1E3272"/>
-                </a:solidFill>
-              </a:rPr>
-              <a:t>  </a:t>
-            </a:r>
-            <a:r>
-              <a:rPr lang="en-US" sz="3600" i="1" dirty="0" smtClean="0">
-                <a:solidFill>
-                  <a:srgbClr val="1E3272"/>
-                </a:solidFill>
-              </a:rPr>
-              <a:t>SUM</a:t>
-            </a:r>
-            <a:endParaRPr lang="en-US" sz="3600" i="1" dirty="0" smtClean="0">
-              <a:solidFill>
-                <a:srgbClr val="1E3272"/>
-              </a:solidFill>
-            </a:endParaRPr>
           </a:p>
         </p:txBody>
       </p:sp>
@@ -9372,470 +9083,62 @@
       </p:grpSpPr>
       <p:sp>
         <p:nvSpPr>
-          <p:cNvPr id="4" name="Прямоугольник 3"/>
-          <p:cNvSpPr/>
-          <p:nvPr/>
+          <p:cNvPr id="2" name="Содержимое 1"/>
+          <p:cNvSpPr>
+            <a:spLocks noGrp="1"/>
+          </p:cNvSpPr>
+          <p:nvPr>
+            <p:ph idx="1"/>
+          </p:nvPr>
         </p:nvSpPr>
         <p:spPr>
           <a:xfrm>
-            <a:off x="2664999" y="472120"/>
-            <a:ext cx="7524751" cy="5262979"/>
+            <a:off x="838200" y="1178053"/>
+            <a:ext cx="10515600" cy="5261936"/>
           </a:xfrm>
-          <a:prstGeom prst="rect">
-            <a:avLst/>
-          </a:prstGeom>
-          <a:noFill/>
-          <a:ln>
-            <a:noFill/>
-          </a:ln>
-          <a:scene3d>
-            <a:camera prst="perspectiveRelaxed"/>
-            <a:lightRig rig="threePt" dir="t"/>
-          </a:scene3d>
         </p:spPr>
         <p:txBody>
-          <a:bodyPr wrap="square" lIns="91440" tIns="45720" rIns="91440" bIns="45720">
-            <a:spAutoFit/>
-          </a:bodyPr>
+          <a:bodyPr/>
           <a:lstStyle/>
           <a:p>
-            <a:r>
-              <a:rPr lang="en-US" sz="2400" dirty="0" smtClean="0">
-                <a:ln w="0"/>
-                <a:solidFill>
-                  <a:srgbClr val="273272"/>
-                </a:solidFill>
-                <a:effectLst>
-                  <a:reflection blurRad="6350" stA="53000" endA="300" endPos="35500" dir="5400000" sy="-90000" algn="bl" rotWithShape="0"/>
-                </a:effectLst>
-                <a:latin typeface="Courier New" pitchFamily="49" charset="0"/>
-                <a:cs typeface="Courier New" pitchFamily="49" charset="0"/>
-              </a:rPr>
-              <a:t>		</a:t>
-            </a:r>
-          </a:p>
-          <a:p>
-            <a:r>
-              <a:rPr lang="en-US" sz="2400" dirty="0" smtClean="0">
-                <a:ln w="0"/>
-                <a:solidFill>
-                  <a:srgbClr val="273272"/>
-                </a:solidFill>
-                <a:effectLst>
-                  <a:reflection blurRad="6350" stA="53000" endA="300" endPos="35500" dir="5400000" sy="-90000" algn="bl" rotWithShape="0"/>
-                </a:effectLst>
-                <a:latin typeface="Courier New" pitchFamily="49" charset="0"/>
-                <a:cs typeface="Courier New" pitchFamily="49" charset="0"/>
-              </a:rPr>
-              <a:t>		.text</a:t>
-            </a:r>
-          </a:p>
-          <a:p>
-            <a:r>
-              <a:rPr lang="en-US" sz="2400" dirty="0" smtClean="0">
-                <a:ln w="0"/>
-                <a:solidFill>
-                  <a:srgbClr val="273272"/>
-                </a:solidFill>
-                <a:effectLst>
-                  <a:reflection blurRad="6350" stA="53000" endA="300" endPos="35500" dir="5400000" sy="-90000" algn="bl" rotWithShape="0"/>
-                </a:effectLst>
-                <a:latin typeface="Courier New" pitchFamily="49" charset="0"/>
-                <a:cs typeface="Courier New" pitchFamily="49" charset="0"/>
-              </a:rPr>
-              <a:t>__start:	addi t1, zero, 0x18</a:t>
-            </a:r>
-          </a:p>
-          <a:p>
-            <a:r>
-              <a:rPr lang="en-US" sz="2400" dirty="0" smtClean="0">
-                <a:ln w="0"/>
-                <a:solidFill>
-                  <a:srgbClr val="273272"/>
-                </a:solidFill>
-                <a:effectLst>
-                  <a:reflection blurRad="6350" stA="53000" endA="300" endPos="35500" dir="5400000" sy="-90000" algn="bl" rotWithShape="0"/>
-                </a:effectLst>
-                <a:latin typeface="Courier New" pitchFamily="49" charset="0"/>
-                <a:cs typeface="Courier New" pitchFamily="49" charset="0"/>
-              </a:rPr>
-              <a:t>		addi t2, zero, 0x21</a:t>
-            </a:r>
-          </a:p>
-          <a:p>
-            <a:r>
-              <a:rPr lang="en-US" sz="2400" dirty="0" smtClean="0">
-                <a:ln w="0"/>
-                <a:solidFill>
-                  <a:srgbClr val="273272"/>
-                </a:solidFill>
-                <a:effectLst>
-                  <a:reflection blurRad="6350" stA="53000" endA="300" endPos="35500" dir="5400000" sy="-90000" algn="bl" rotWithShape="0"/>
-                </a:effectLst>
-                <a:latin typeface="Courier New" pitchFamily="49" charset="0"/>
-                <a:cs typeface="Courier New" pitchFamily="49" charset="0"/>
-              </a:rPr>
-              <a:t>cycle:	</a:t>
-            </a:r>
-            <a:r>
-              <a:rPr lang="en-US" sz="2400" dirty="0" err="1" smtClean="0">
-                <a:ln w="0"/>
-                <a:solidFill>
-                  <a:srgbClr val="273272"/>
-                </a:solidFill>
-                <a:effectLst>
-                  <a:reflection blurRad="6350" stA="53000" endA="300" endPos="35500" dir="5400000" sy="-90000" algn="bl" rotWithShape="0"/>
-                </a:effectLst>
-                <a:latin typeface="Courier New" pitchFamily="49" charset="0"/>
-                <a:cs typeface="Courier New" pitchFamily="49" charset="0"/>
-              </a:rPr>
-              <a:t>beq</a:t>
-            </a:r>
-            <a:r>
-              <a:rPr lang="en-US" sz="2400" dirty="0" smtClean="0">
-                <a:ln w="0"/>
-                <a:solidFill>
-                  <a:srgbClr val="273272"/>
-                </a:solidFill>
-                <a:effectLst>
-                  <a:reflection blurRad="6350" stA="53000" endA="300" endPos="35500" dir="5400000" sy="-90000" algn="bl" rotWithShape="0"/>
-                </a:effectLst>
-                <a:latin typeface="Courier New" pitchFamily="49" charset="0"/>
-                <a:cs typeface="Courier New" pitchFamily="49" charset="0"/>
-              </a:rPr>
-              <a:t> t1, t2, done</a:t>
-            </a:r>
-          </a:p>
-          <a:p>
-            <a:r>
-              <a:rPr lang="en-US" sz="2400" dirty="0" smtClean="0">
-                <a:ln w="0"/>
-                <a:solidFill>
-                  <a:srgbClr val="273272"/>
-                </a:solidFill>
-                <a:effectLst>
-                  <a:reflection blurRad="6350" stA="53000" endA="300" endPos="35500" dir="5400000" sy="-90000" algn="bl" rotWithShape="0"/>
-                </a:effectLst>
-                <a:latin typeface="Courier New" pitchFamily="49" charset="0"/>
-                <a:cs typeface="Courier New" pitchFamily="49" charset="0"/>
-              </a:rPr>
-              <a:t>		</a:t>
-            </a:r>
-            <a:r>
-              <a:rPr lang="en-US" sz="2400" dirty="0" err="1" smtClean="0">
-                <a:ln w="0"/>
-                <a:solidFill>
-                  <a:srgbClr val="273272"/>
-                </a:solidFill>
-                <a:effectLst>
-                  <a:reflection blurRad="6350" stA="53000" endA="300" endPos="35500" dir="5400000" sy="-90000" algn="bl" rotWithShape="0"/>
-                </a:effectLst>
-                <a:latin typeface="Courier New" pitchFamily="49" charset="0"/>
-                <a:cs typeface="Courier New" pitchFamily="49" charset="0"/>
-              </a:rPr>
-              <a:t>slt</a:t>
-            </a:r>
-            <a:r>
-              <a:rPr lang="en-US" sz="2400" dirty="0" smtClean="0">
-                <a:ln w="0"/>
-                <a:solidFill>
-                  <a:srgbClr val="273272"/>
-                </a:solidFill>
-                <a:effectLst>
-                  <a:reflection blurRad="6350" stA="53000" endA="300" endPos="35500" dir="5400000" sy="-90000" algn="bl" rotWithShape="0"/>
-                </a:effectLst>
-                <a:latin typeface="Courier New" pitchFamily="49" charset="0"/>
-                <a:cs typeface="Courier New" pitchFamily="49" charset="0"/>
-              </a:rPr>
-              <a:t> t0, t1, t2</a:t>
-            </a:r>
-          </a:p>
-          <a:p>
-            <a:r>
-              <a:rPr lang="en-US" sz="2400" dirty="0" smtClean="0">
-                <a:ln w="0"/>
-                <a:solidFill>
-                  <a:srgbClr val="273272"/>
-                </a:solidFill>
-                <a:effectLst>
-                  <a:reflection blurRad="6350" stA="53000" endA="300" endPos="35500" dir="5400000" sy="-90000" algn="bl" rotWithShape="0"/>
-                </a:effectLst>
-                <a:latin typeface="Courier New" pitchFamily="49" charset="0"/>
-                <a:cs typeface="Courier New" pitchFamily="49" charset="0"/>
-              </a:rPr>
-              <a:t>		</a:t>
-            </a:r>
-            <a:r>
-              <a:rPr lang="en-US" sz="2400" dirty="0" err="1" smtClean="0">
-                <a:ln w="0"/>
-                <a:solidFill>
-                  <a:srgbClr val="273272"/>
-                </a:solidFill>
-                <a:effectLst>
-                  <a:reflection blurRad="6350" stA="53000" endA="300" endPos="35500" dir="5400000" sy="-90000" algn="bl" rotWithShape="0"/>
-                </a:effectLst>
-                <a:latin typeface="Courier New" pitchFamily="49" charset="0"/>
-                <a:cs typeface="Courier New" pitchFamily="49" charset="0"/>
-              </a:rPr>
-              <a:t>bne</a:t>
-            </a:r>
-            <a:r>
-              <a:rPr lang="en-US" sz="2400" dirty="0" smtClean="0">
-                <a:ln w="0"/>
-                <a:solidFill>
-                  <a:srgbClr val="273272"/>
-                </a:solidFill>
-                <a:effectLst>
-                  <a:reflection blurRad="6350" stA="53000" endA="300" endPos="35500" dir="5400000" sy="-90000" algn="bl" rotWithShape="0"/>
-                </a:effectLst>
-                <a:latin typeface="Courier New" pitchFamily="49" charset="0"/>
-                <a:cs typeface="Courier New" pitchFamily="49" charset="0"/>
-              </a:rPr>
-              <a:t> t0, zero, </a:t>
-            </a:r>
-            <a:r>
-              <a:rPr lang="en-US" sz="2400" dirty="0" err="1" smtClean="0">
-                <a:ln w="0"/>
-                <a:solidFill>
-                  <a:srgbClr val="273272"/>
-                </a:solidFill>
-                <a:effectLst>
-                  <a:reflection blurRad="6350" stA="53000" endA="300" endPos="35500" dir="5400000" sy="-90000" algn="bl" rotWithShape="0"/>
-                </a:effectLst>
-                <a:latin typeface="Courier New" pitchFamily="49" charset="0"/>
-                <a:cs typeface="Courier New" pitchFamily="49" charset="0"/>
-              </a:rPr>
-              <a:t>if_less</a:t>
-            </a:r>
-            <a:endParaRPr lang="en-US" sz="2400" dirty="0" smtClean="0">
-              <a:ln w="0"/>
-              <a:solidFill>
-                <a:srgbClr val="273272"/>
-              </a:solidFill>
-              <a:effectLst>
-                <a:reflection blurRad="6350" stA="53000" endA="300" endPos="35500" dir="5400000" sy="-90000" algn="bl" rotWithShape="0"/>
-              </a:effectLst>
-              <a:latin typeface="Courier New" pitchFamily="49" charset="0"/>
-              <a:cs typeface="Courier New" pitchFamily="49" charset="0"/>
-            </a:endParaRPr>
-          </a:p>
-          <a:p>
-            <a:r>
-              <a:rPr lang="en-US" sz="2400" dirty="0" smtClean="0">
-                <a:ln w="0"/>
-                <a:solidFill>
-                  <a:srgbClr val="273272"/>
-                </a:solidFill>
-                <a:effectLst>
-                  <a:reflection blurRad="6350" stA="53000" endA="300" endPos="35500" dir="5400000" sy="-90000" algn="bl" rotWithShape="0"/>
-                </a:effectLst>
-                <a:latin typeface="Courier New" pitchFamily="49" charset="0"/>
-                <a:cs typeface="Courier New" pitchFamily="49" charset="0"/>
-              </a:rPr>
-              <a:t>		</a:t>
-            </a:r>
-            <a:r>
-              <a:rPr lang="en-US" sz="2400" dirty="0" err="1" smtClean="0">
-                <a:ln w="0"/>
-                <a:solidFill>
-                  <a:srgbClr val="273272"/>
-                </a:solidFill>
-                <a:effectLst>
-                  <a:reflection blurRad="6350" stA="53000" endA="300" endPos="35500" dir="5400000" sy="-90000" algn="bl" rotWithShape="0"/>
-                </a:effectLst>
-                <a:latin typeface="Courier New" pitchFamily="49" charset="0"/>
-                <a:cs typeface="Courier New" pitchFamily="49" charset="0"/>
-              </a:rPr>
-              <a:t>nop</a:t>
-            </a:r>
-            <a:endParaRPr lang="en-US" sz="2400" dirty="0" smtClean="0">
-              <a:ln w="0"/>
-              <a:solidFill>
-                <a:srgbClr val="273272"/>
-              </a:solidFill>
-              <a:effectLst>
-                <a:reflection blurRad="6350" stA="53000" endA="300" endPos="35500" dir="5400000" sy="-90000" algn="bl" rotWithShape="0"/>
-              </a:effectLst>
-              <a:latin typeface="Courier New" pitchFamily="49" charset="0"/>
-              <a:cs typeface="Courier New" pitchFamily="49" charset="0"/>
-            </a:endParaRPr>
-          </a:p>
-          <a:p>
-            <a:r>
-              <a:rPr lang="en-US" sz="2400" dirty="0" smtClean="0">
-                <a:ln w="0"/>
-                <a:solidFill>
-                  <a:srgbClr val="273272"/>
-                </a:solidFill>
-                <a:effectLst>
-                  <a:reflection blurRad="6350" stA="53000" endA="300" endPos="35500" dir="5400000" sy="-90000" algn="bl" rotWithShape="0"/>
-                </a:effectLst>
-                <a:latin typeface="Courier New" pitchFamily="49" charset="0"/>
-                <a:cs typeface="Courier New" pitchFamily="49" charset="0"/>
-              </a:rPr>
-              <a:t>		sub t1, t1, t2</a:t>
-            </a:r>
-          </a:p>
-          <a:p>
-            <a:r>
-              <a:rPr lang="en-US" sz="2400" dirty="0" smtClean="0">
-                <a:ln w="0"/>
-                <a:solidFill>
-                  <a:srgbClr val="273272"/>
-                </a:solidFill>
-                <a:effectLst>
-                  <a:reflection blurRad="6350" stA="53000" endA="300" endPos="35500" dir="5400000" sy="-90000" algn="bl" rotWithShape="0"/>
-                </a:effectLst>
-                <a:latin typeface="Courier New" pitchFamily="49" charset="0"/>
-                <a:cs typeface="Courier New" pitchFamily="49" charset="0"/>
-              </a:rPr>
-              <a:t>		j cycle</a:t>
-            </a:r>
-          </a:p>
-          <a:p>
-            <a:r>
-              <a:rPr lang="en-US" sz="2400" dirty="0" smtClean="0">
-                <a:ln w="0"/>
-                <a:solidFill>
-                  <a:srgbClr val="273272"/>
-                </a:solidFill>
-                <a:effectLst>
-                  <a:reflection blurRad="6350" stA="53000" endA="300" endPos="35500" dir="5400000" sy="-90000" algn="bl" rotWithShape="0"/>
-                </a:effectLst>
-                <a:latin typeface="Courier New" pitchFamily="49" charset="0"/>
-                <a:cs typeface="Courier New" pitchFamily="49" charset="0"/>
-              </a:rPr>
-              <a:t>		</a:t>
-            </a:r>
-            <a:r>
-              <a:rPr lang="en-US" sz="2400" dirty="0" err="1" smtClean="0">
-                <a:ln w="0"/>
-                <a:solidFill>
-                  <a:srgbClr val="273272"/>
-                </a:solidFill>
-                <a:effectLst>
-                  <a:reflection blurRad="6350" stA="53000" endA="300" endPos="35500" dir="5400000" sy="-90000" algn="bl" rotWithShape="0"/>
-                </a:effectLst>
-                <a:latin typeface="Courier New" pitchFamily="49" charset="0"/>
-                <a:cs typeface="Courier New" pitchFamily="49" charset="0"/>
-              </a:rPr>
-              <a:t>nop</a:t>
-            </a:r>
-            <a:endParaRPr lang="en-US" sz="2400" dirty="0" smtClean="0">
-              <a:ln w="0"/>
-              <a:solidFill>
-                <a:srgbClr val="273272"/>
-              </a:solidFill>
-              <a:effectLst>
-                <a:reflection blurRad="6350" stA="53000" endA="300" endPos="35500" dir="5400000" sy="-90000" algn="bl" rotWithShape="0"/>
-              </a:effectLst>
-              <a:latin typeface="Courier New" pitchFamily="49" charset="0"/>
-              <a:cs typeface="Courier New" pitchFamily="49" charset="0"/>
-            </a:endParaRPr>
-          </a:p>
-          <a:p>
-            <a:r>
-              <a:rPr lang="en-US" sz="2400" dirty="0" err="1" smtClean="0">
-                <a:ln w="0"/>
-                <a:solidFill>
-                  <a:srgbClr val="273272"/>
-                </a:solidFill>
-                <a:effectLst>
-                  <a:reflection blurRad="6350" stA="53000" endA="300" endPos="35500" dir="5400000" sy="-90000" algn="bl" rotWithShape="0"/>
-                </a:effectLst>
-                <a:latin typeface="Courier New" pitchFamily="49" charset="0"/>
-                <a:cs typeface="Courier New" pitchFamily="49" charset="0"/>
-              </a:rPr>
-              <a:t>if_less</a:t>
-            </a:r>
-            <a:r>
-              <a:rPr lang="en-US" sz="2400" dirty="0" smtClean="0">
-                <a:ln w="0"/>
-                <a:solidFill>
-                  <a:srgbClr val="273272"/>
-                </a:solidFill>
-                <a:effectLst>
-                  <a:reflection blurRad="6350" stA="53000" endA="300" endPos="35500" dir="5400000" sy="-90000" algn="bl" rotWithShape="0"/>
-                </a:effectLst>
-                <a:latin typeface="Courier New" pitchFamily="49" charset="0"/>
-                <a:cs typeface="Courier New" pitchFamily="49" charset="0"/>
-              </a:rPr>
-              <a:t>:	sub t2, t2, t1</a:t>
-            </a:r>
-          </a:p>
-          <a:p>
-            <a:r>
-              <a:rPr lang="en-US" sz="2400" dirty="0" smtClean="0">
-                <a:ln w="0"/>
-                <a:solidFill>
-                  <a:srgbClr val="273272"/>
-                </a:solidFill>
-                <a:effectLst>
-                  <a:reflection blurRad="6350" stA="53000" endA="300" endPos="35500" dir="5400000" sy="-90000" algn="bl" rotWithShape="0"/>
-                </a:effectLst>
-                <a:latin typeface="Courier New" pitchFamily="49" charset="0"/>
-                <a:cs typeface="Courier New" pitchFamily="49" charset="0"/>
-              </a:rPr>
-              <a:t>		j cycle</a:t>
-            </a:r>
-          </a:p>
-          <a:p>
-            <a:r>
-              <a:rPr lang="en-US" sz="2400" dirty="0" smtClean="0">
-                <a:ln w="0"/>
-                <a:solidFill>
-                  <a:srgbClr val="273272"/>
-                </a:solidFill>
-                <a:effectLst>
-                  <a:reflection blurRad="6350" stA="53000" endA="300" endPos="35500" dir="5400000" sy="-90000" algn="bl" rotWithShape="0"/>
-                </a:effectLst>
-                <a:latin typeface="Courier New" pitchFamily="49" charset="0"/>
-                <a:cs typeface="Courier New" pitchFamily="49" charset="0"/>
-              </a:rPr>
-              <a:t>done:		add t3, t1, zero</a:t>
-            </a:r>
-            <a:endParaRPr lang="ru-RU" sz="2400" b="0" cap="none" spc="0" dirty="0">
-              <a:ln w="0"/>
-              <a:solidFill>
-                <a:srgbClr val="273272"/>
-              </a:solidFill>
-              <a:effectLst>
-                <a:reflection blurRad="6350" stA="53000" endA="300" endPos="35500" dir="5400000" sy="-90000" algn="bl" rotWithShape="0"/>
-              </a:effectLst>
-              <a:latin typeface="Courier New" pitchFamily="49" charset="0"/>
-              <a:cs typeface="Courier New" pitchFamily="49" charset="0"/>
-            </a:endParaRPr>
+            <a:pPr indent="0" algn="ctr">
+              <a:buNone/>
+            </a:pPr>
+            <a:r>
+              <a:rPr lang="en-US" dirty="0" smtClean="0"/>
+              <a:t>Segment </a:t>
+            </a:r>
+            <a:r>
+              <a:rPr lang="en-US" b="1" dirty="0" smtClean="0">
+                <a:solidFill>
+                  <a:srgbClr val="F7B217"/>
+                </a:solidFill>
+              </a:rPr>
+              <a:t>.data </a:t>
+            </a:r>
+            <a:r>
+              <a:rPr lang="en-US" dirty="0" smtClean="0"/>
+              <a:t>stores static data (</a:t>
+            </a:r>
+            <a:r>
+              <a:rPr lang="en-US" dirty="0" smtClean="0">
+                <a:solidFill>
+                  <a:srgbClr val="1E3272"/>
+                </a:solidFill>
+              </a:rPr>
+              <a:t>global variables and constants</a:t>
+            </a:r>
+            <a:r>
+              <a:rPr lang="en-US" dirty="0" smtClean="0"/>
+              <a:t>), which are described with the following directives:</a:t>
+            </a:r>
+            <a:endParaRPr lang="ru-RU" dirty="0"/>
           </a:p>
         </p:txBody>
       </p:sp>
       <p:sp>
         <p:nvSpPr>
-          <p:cNvPr id="2" name="Заголовок 1"/>
-          <p:cNvSpPr>
-            <a:spLocks noGrp="1"/>
-          </p:cNvSpPr>
-          <p:nvPr>
-            <p:ph type="title"/>
-          </p:nvPr>
-        </p:nvSpPr>
-        <p:spPr/>
-        <p:txBody>
-          <a:bodyPr>
-            <a:normAutofit/>
-          </a:bodyPr>
-          <a:lstStyle/>
-          <a:p>
-            <a:r>
-              <a:rPr lang="en-US" dirty="0" smtClean="0"/>
-              <a:t>Any Questions?</a:t>
-            </a:r>
-            <a:endParaRPr lang="ru-RU" sz="4000" dirty="0"/>
-          </a:p>
-        </p:txBody>
-      </p:sp>
-      <p:sp>
-        <p:nvSpPr>
-          <p:cNvPr id="6" name="Номер слайда 5"/>
+          <p:cNvPr id="3" name="Номер слайда 2"/>
           <p:cNvSpPr>
             <a:spLocks noGrp="1"/>
           </p:cNvSpPr>
@@ -9858,12 +9161,2496 @@
           </a:p>
         </p:txBody>
       </p:sp>
+      <p:sp>
+        <p:nvSpPr>
+          <p:cNvPr id="4" name="Заголовок 3"/>
+          <p:cNvSpPr>
+            <a:spLocks noGrp="1"/>
+          </p:cNvSpPr>
+          <p:nvPr>
+            <p:ph type="title"/>
+          </p:nvPr>
+        </p:nvSpPr>
+        <p:spPr/>
+        <p:txBody>
+          <a:bodyPr/>
+          <a:lstStyle/>
+          <a:p>
+            <a:r>
+              <a:rPr lang="en-US" dirty="0" smtClean="0"/>
+              <a:t>Data Segment</a:t>
+            </a:r>
+            <a:endParaRPr lang="ru-RU" dirty="0"/>
+          </a:p>
+        </p:txBody>
+      </p:sp>
+      <p:sp>
+        <p:nvSpPr>
+          <p:cNvPr id="5" name="Rectangle 4"/>
+          <p:cNvSpPr/>
+          <p:nvPr/>
+        </p:nvSpPr>
+        <p:spPr>
+          <a:xfrm>
+            <a:off x="927459" y="2299061"/>
+            <a:ext cx="10881364" cy="3970318"/>
+          </a:xfrm>
+          <a:prstGeom prst="rect">
+            <a:avLst/>
+          </a:prstGeom>
+        </p:spPr>
+        <p:txBody>
+          <a:bodyPr wrap="square">
+            <a:spAutoFit/>
+          </a:bodyPr>
+          <a:lstStyle/>
+          <a:p>
+            <a:r>
+              <a:rPr lang="en-US" sz="3600" dirty="0" smtClean="0">
+                <a:solidFill>
+                  <a:srgbClr val="1E3272"/>
+                </a:solidFill>
+              </a:rPr>
+              <a:t>.</a:t>
+            </a:r>
+            <a:r>
+              <a:rPr lang="en-US" sz="3600" dirty="0" smtClean="0">
+                <a:solidFill>
+                  <a:srgbClr val="FF0000"/>
+                </a:solidFill>
+              </a:rPr>
+              <a:t>data</a:t>
+            </a:r>
+          </a:p>
+          <a:p>
+            <a:r>
+              <a:rPr lang="en-US" sz="3600" dirty="0" smtClean="0">
+                <a:solidFill>
+                  <a:srgbClr val="1E3272"/>
+                </a:solidFill>
+              </a:rPr>
+              <a:t>.</a:t>
+            </a:r>
+            <a:r>
+              <a:rPr lang="en-US" sz="3600" dirty="0" smtClean="0">
+                <a:solidFill>
+                  <a:srgbClr val="FF0000"/>
+                </a:solidFill>
+              </a:rPr>
+              <a:t>word</a:t>
+            </a:r>
+            <a:r>
+              <a:rPr lang="en-US" sz="3600" dirty="0" smtClean="0">
+                <a:solidFill>
+                  <a:srgbClr val="1E3272"/>
+                </a:solidFill>
+              </a:rPr>
+              <a:t>  </a:t>
+            </a:r>
+            <a:r>
+              <a:rPr lang="en-US" sz="3600" dirty="0" smtClean="0">
+                <a:solidFill>
+                  <a:srgbClr val="2F5CB5"/>
+                </a:solidFill>
+              </a:rPr>
+              <a:t>0xDEADBEEF</a:t>
+            </a:r>
+            <a:r>
+              <a:rPr lang="en-US" sz="3600" dirty="0" smtClean="0">
+                <a:solidFill>
+                  <a:srgbClr val="1E3272"/>
+                </a:solidFill>
+              </a:rPr>
+              <a:t>             </a:t>
+            </a:r>
+            <a:r>
+              <a:rPr lang="en-US" sz="3600" dirty="0" smtClean="0">
+                <a:solidFill>
+                  <a:srgbClr val="1E3272"/>
+                </a:solidFill>
+              </a:rPr>
+              <a:t>      </a:t>
+            </a:r>
+            <a:r>
+              <a:rPr lang="en-US" sz="3600" dirty="0" smtClean="0">
+                <a:solidFill>
+                  <a:srgbClr val="00B050"/>
+                </a:solidFill>
+              </a:rPr>
+              <a:t># </a:t>
+            </a:r>
+            <a:r>
+              <a:rPr lang="en-US" sz="3600" dirty="0" smtClean="0">
+                <a:solidFill>
+                  <a:srgbClr val="00B050"/>
+                </a:solidFill>
+              </a:rPr>
+              <a:t>32-bit value</a:t>
+            </a:r>
+          </a:p>
+          <a:p>
+            <a:r>
+              <a:rPr lang="en-US" sz="3600" dirty="0" smtClean="0">
+                <a:solidFill>
+                  <a:srgbClr val="1E3272"/>
+                </a:solidFill>
+              </a:rPr>
+              <a:t>.</a:t>
+            </a:r>
+            <a:r>
+              <a:rPr lang="en-US" sz="3600" dirty="0" smtClean="0">
+                <a:solidFill>
+                  <a:srgbClr val="FF0000"/>
+                </a:solidFill>
+              </a:rPr>
+              <a:t>half</a:t>
+            </a:r>
+            <a:r>
+              <a:rPr lang="en-US" sz="3600" dirty="0" smtClean="0">
+                <a:solidFill>
+                  <a:srgbClr val="1E3272"/>
+                </a:solidFill>
+              </a:rPr>
+              <a:t>  </a:t>
+            </a:r>
+            <a:r>
+              <a:rPr lang="en-US" sz="3600" dirty="0" smtClean="0">
+                <a:solidFill>
+                  <a:srgbClr val="1E3272"/>
+                </a:solidFill>
+              </a:rPr>
+              <a:t>  </a:t>
+            </a:r>
+            <a:r>
+              <a:rPr lang="en-US" sz="3600" dirty="0" smtClean="0">
+                <a:solidFill>
+                  <a:srgbClr val="2F5CB5"/>
+                </a:solidFill>
+              </a:rPr>
+              <a:t>0x1234</a:t>
+            </a:r>
+            <a:r>
+              <a:rPr lang="en-US" sz="3600" dirty="0" smtClean="0">
+                <a:solidFill>
+                  <a:srgbClr val="1E3272"/>
+                </a:solidFill>
+              </a:rPr>
+              <a:t>, </a:t>
+            </a:r>
+            <a:r>
+              <a:rPr lang="en-US" sz="3600" dirty="0" smtClean="0">
+                <a:solidFill>
+                  <a:srgbClr val="2F5CB5"/>
+                </a:solidFill>
+              </a:rPr>
+              <a:t>0x4567</a:t>
+            </a:r>
+            <a:r>
+              <a:rPr lang="en-US" sz="3600" dirty="0" smtClean="0">
+                <a:solidFill>
+                  <a:srgbClr val="1E3272"/>
+                </a:solidFill>
+              </a:rPr>
+              <a:t>     </a:t>
+            </a:r>
+            <a:r>
+              <a:rPr lang="en-US" sz="3600" dirty="0" smtClean="0">
+                <a:solidFill>
+                  <a:srgbClr val="1E3272"/>
+                </a:solidFill>
+              </a:rPr>
+              <a:t>         </a:t>
+            </a:r>
+            <a:r>
+              <a:rPr lang="en-US" sz="3600" dirty="0" smtClean="0">
+                <a:solidFill>
+                  <a:srgbClr val="00B050"/>
+                </a:solidFill>
+              </a:rPr>
+              <a:t># </a:t>
+            </a:r>
+            <a:r>
+              <a:rPr lang="en-US" sz="3600" dirty="0" smtClean="0">
+                <a:solidFill>
+                  <a:srgbClr val="00B050"/>
+                </a:solidFill>
+              </a:rPr>
+              <a:t>16-bit values</a:t>
+            </a:r>
+          </a:p>
+          <a:p>
+            <a:r>
+              <a:rPr lang="en-US" sz="3600" dirty="0" smtClean="0">
+                <a:solidFill>
+                  <a:srgbClr val="1E3272"/>
+                </a:solidFill>
+              </a:rPr>
+              <a:t>.</a:t>
+            </a:r>
+            <a:r>
+              <a:rPr lang="en-US" sz="3600" dirty="0" smtClean="0">
+                <a:solidFill>
+                  <a:srgbClr val="FF0000"/>
+                </a:solidFill>
+              </a:rPr>
+              <a:t>byte</a:t>
+            </a:r>
+            <a:r>
+              <a:rPr lang="en-US" sz="3600" dirty="0" smtClean="0">
+                <a:solidFill>
+                  <a:srgbClr val="1E3272"/>
+                </a:solidFill>
+              </a:rPr>
+              <a:t> </a:t>
+            </a:r>
+            <a:r>
+              <a:rPr lang="en-US" sz="3600" dirty="0" smtClean="0">
+                <a:solidFill>
+                  <a:srgbClr val="1E3272"/>
+                </a:solidFill>
+              </a:rPr>
+              <a:t>  </a:t>
+            </a:r>
+            <a:r>
+              <a:rPr lang="en-US" sz="3600" dirty="0" smtClean="0">
+                <a:solidFill>
+                  <a:srgbClr val="2F5CB5"/>
+                </a:solidFill>
+              </a:rPr>
+              <a:t>0x98</a:t>
+            </a:r>
+            <a:r>
+              <a:rPr lang="en-US" sz="3600" dirty="0" smtClean="0">
+                <a:solidFill>
+                  <a:srgbClr val="1E3272"/>
+                </a:solidFill>
+              </a:rPr>
+              <a:t>, </a:t>
+            </a:r>
+            <a:r>
+              <a:rPr lang="en-US" sz="3600" dirty="0" smtClean="0">
+                <a:solidFill>
+                  <a:srgbClr val="2F5CB5"/>
+                </a:solidFill>
+              </a:rPr>
+              <a:t>0x76</a:t>
+            </a:r>
+            <a:r>
+              <a:rPr lang="en-US" sz="3600" dirty="0" smtClean="0">
+                <a:solidFill>
+                  <a:srgbClr val="1E3272"/>
+                </a:solidFill>
+              </a:rPr>
+              <a:t>, </a:t>
+            </a:r>
+            <a:r>
+              <a:rPr lang="en-US" sz="3600" dirty="0" smtClean="0">
+                <a:solidFill>
+                  <a:srgbClr val="2F5CB5"/>
+                </a:solidFill>
+              </a:rPr>
+              <a:t>0x65</a:t>
+            </a:r>
+            <a:r>
+              <a:rPr lang="en-US" sz="3600" dirty="0" smtClean="0">
+                <a:solidFill>
+                  <a:srgbClr val="1E3272"/>
+                </a:solidFill>
+              </a:rPr>
+              <a:t>, </a:t>
+            </a:r>
+            <a:r>
+              <a:rPr lang="en-US" sz="3600" dirty="0" smtClean="0">
+                <a:solidFill>
+                  <a:srgbClr val="2F5CB5"/>
+                </a:solidFill>
+              </a:rPr>
+              <a:t>0x43</a:t>
+            </a:r>
+            <a:r>
+              <a:rPr lang="en-US" sz="3600" dirty="0" smtClean="0">
+                <a:solidFill>
+                  <a:srgbClr val="1E3272"/>
+                </a:solidFill>
+              </a:rPr>
+              <a:t>  </a:t>
+            </a:r>
+            <a:r>
+              <a:rPr lang="en-US" sz="3600" dirty="0" smtClean="0">
+                <a:solidFill>
+                  <a:srgbClr val="00B050"/>
+                </a:solidFill>
+              </a:rPr>
+              <a:t># 8-bit values</a:t>
+            </a:r>
+          </a:p>
+          <a:p>
+            <a:r>
+              <a:rPr lang="en-US" sz="3600" dirty="0" smtClean="0">
+                <a:solidFill>
+                  <a:srgbClr val="1E3272"/>
+                </a:solidFill>
+              </a:rPr>
+              <a:t>.</a:t>
+            </a:r>
+            <a:r>
+              <a:rPr lang="en-US" sz="3600" dirty="0" smtClean="0">
+                <a:solidFill>
+                  <a:srgbClr val="FF0000"/>
+                </a:solidFill>
+              </a:rPr>
+              <a:t>space</a:t>
+            </a:r>
+            <a:r>
+              <a:rPr lang="en-US" sz="3600" dirty="0" smtClean="0">
+                <a:solidFill>
+                  <a:srgbClr val="1E3272"/>
+                </a:solidFill>
+              </a:rPr>
+              <a:t> </a:t>
+            </a:r>
+            <a:r>
+              <a:rPr lang="en-US" sz="3600" dirty="0" smtClean="0">
+                <a:solidFill>
+                  <a:srgbClr val="2F5CB5"/>
+                </a:solidFill>
+              </a:rPr>
+              <a:t>8</a:t>
+            </a:r>
+            <a:r>
+              <a:rPr lang="en-US" sz="3600" dirty="0" smtClean="0">
+                <a:solidFill>
+                  <a:srgbClr val="1E3272"/>
+                </a:solidFill>
+              </a:rPr>
+              <a:t>                      </a:t>
+            </a:r>
+            <a:r>
+              <a:rPr lang="en-US" sz="3600" dirty="0" smtClean="0">
+                <a:solidFill>
+                  <a:srgbClr val="1E3272"/>
+                </a:solidFill>
+              </a:rPr>
+              <a:t>                  </a:t>
+            </a:r>
+            <a:r>
+              <a:rPr lang="en-US" sz="3600" dirty="0" smtClean="0">
+                <a:solidFill>
+                  <a:srgbClr val="00B050"/>
+                </a:solidFill>
+              </a:rPr>
+              <a:t># </a:t>
+            </a:r>
+            <a:r>
+              <a:rPr lang="en-US" sz="3600" dirty="0" smtClean="0">
+                <a:solidFill>
+                  <a:srgbClr val="00B050"/>
+                </a:solidFill>
+              </a:rPr>
+              <a:t>8 bytes of empty space  </a:t>
+            </a:r>
+          </a:p>
+          <a:p>
+            <a:r>
+              <a:rPr lang="en-US" sz="3600" dirty="0" smtClean="0">
+                <a:solidFill>
+                  <a:srgbClr val="1E3272"/>
+                </a:solidFill>
+              </a:rPr>
+              <a:t>.</a:t>
+            </a:r>
+            <a:r>
+              <a:rPr lang="en-US" sz="3600" dirty="0" err="1" smtClean="0">
+                <a:solidFill>
+                  <a:srgbClr val="FF0000"/>
+                </a:solidFill>
+              </a:rPr>
+              <a:t>ascii</a:t>
+            </a:r>
+            <a:r>
+              <a:rPr lang="en-US" sz="3600" dirty="0" smtClean="0">
+                <a:solidFill>
+                  <a:srgbClr val="1E3272"/>
+                </a:solidFill>
+              </a:rPr>
+              <a:t> </a:t>
+            </a:r>
+            <a:r>
+              <a:rPr lang="en-US" sz="3600" dirty="0" smtClean="0">
+                <a:solidFill>
+                  <a:srgbClr val="1E3272"/>
+                </a:solidFill>
+              </a:rPr>
+              <a:t>   </a:t>
+            </a:r>
+            <a:r>
+              <a:rPr lang="en-US" sz="3600" dirty="0" smtClean="0">
+                <a:solidFill>
+                  <a:srgbClr val="00B050"/>
+                </a:solidFill>
+              </a:rPr>
+              <a:t>"</a:t>
+            </a:r>
+            <a:r>
+              <a:rPr lang="en-US" sz="3600" dirty="0" smtClean="0">
+                <a:solidFill>
+                  <a:srgbClr val="00B050"/>
+                </a:solidFill>
+              </a:rPr>
+              <a:t>Hello "</a:t>
+            </a:r>
+            <a:r>
+              <a:rPr lang="en-US" sz="3600" dirty="0" smtClean="0">
+                <a:solidFill>
+                  <a:srgbClr val="1E3272"/>
+                </a:solidFill>
+              </a:rPr>
+              <a:t>               </a:t>
+            </a:r>
+            <a:r>
+              <a:rPr lang="en-US" sz="3600" dirty="0" smtClean="0">
+                <a:solidFill>
+                  <a:srgbClr val="1E3272"/>
+                </a:solidFill>
+              </a:rPr>
+              <a:t>             </a:t>
+            </a:r>
+            <a:r>
+              <a:rPr lang="en-US" sz="3600" dirty="0" smtClean="0">
+                <a:solidFill>
+                  <a:srgbClr val="00B050"/>
+                </a:solidFill>
+              </a:rPr>
+              <a:t># </a:t>
+            </a:r>
+            <a:r>
+              <a:rPr lang="en-US" sz="3600" dirty="0" smtClean="0">
+                <a:solidFill>
+                  <a:srgbClr val="00B050"/>
+                </a:solidFill>
+              </a:rPr>
+              <a:t>String</a:t>
+            </a:r>
+          </a:p>
+          <a:p>
+            <a:r>
+              <a:rPr lang="en-US" sz="3600" dirty="0" smtClean="0">
+                <a:solidFill>
+                  <a:srgbClr val="1E3272"/>
+                </a:solidFill>
+              </a:rPr>
+              <a:t>.</a:t>
+            </a:r>
+            <a:r>
+              <a:rPr lang="en-US" sz="3600" dirty="0" err="1" smtClean="0">
+                <a:solidFill>
+                  <a:srgbClr val="FF0000"/>
+                </a:solidFill>
+              </a:rPr>
+              <a:t>asciz</a:t>
+            </a:r>
+            <a:r>
+              <a:rPr lang="en-US" sz="3600" dirty="0" smtClean="0">
+                <a:solidFill>
+                  <a:srgbClr val="1E3272"/>
+                </a:solidFill>
+              </a:rPr>
+              <a:t> </a:t>
+            </a:r>
+            <a:r>
+              <a:rPr lang="en-US" sz="3600" dirty="0" smtClean="0">
+                <a:solidFill>
+                  <a:srgbClr val="1E3272"/>
+                </a:solidFill>
+              </a:rPr>
+              <a:t>  </a:t>
+            </a:r>
+            <a:r>
+              <a:rPr lang="en-US" sz="3600" dirty="0" smtClean="0">
+                <a:solidFill>
+                  <a:srgbClr val="00B050"/>
+                </a:solidFill>
+              </a:rPr>
+              <a:t>"</a:t>
+            </a:r>
+            <a:r>
+              <a:rPr lang="en-US" sz="3600" dirty="0" smtClean="0">
+                <a:solidFill>
+                  <a:srgbClr val="00B050"/>
+                </a:solidFill>
+              </a:rPr>
+              <a:t>World! "</a:t>
+            </a:r>
+            <a:r>
+              <a:rPr lang="en-US" sz="3600" dirty="0" smtClean="0">
+                <a:solidFill>
+                  <a:srgbClr val="1E3272"/>
+                </a:solidFill>
+              </a:rPr>
+              <a:t>              </a:t>
+            </a:r>
+            <a:r>
+              <a:rPr lang="en-US" sz="3600" dirty="0" smtClean="0">
+                <a:solidFill>
+                  <a:srgbClr val="1E3272"/>
+                </a:solidFill>
+              </a:rPr>
+              <a:t>           </a:t>
+            </a:r>
+            <a:r>
+              <a:rPr lang="en-US" sz="3600" dirty="0" smtClean="0">
+                <a:solidFill>
+                  <a:srgbClr val="00B050"/>
+                </a:solidFill>
+              </a:rPr>
+              <a:t># </a:t>
+            </a:r>
+            <a:r>
+              <a:rPr lang="en-US" sz="3600" dirty="0" smtClean="0">
+                <a:solidFill>
+                  <a:srgbClr val="00B050"/>
+                </a:solidFill>
+              </a:rPr>
+              <a:t>Zero-terminated string</a:t>
+            </a:r>
+            <a:endParaRPr lang="en-US" sz="3600" i="1" dirty="0" smtClean="0">
+              <a:solidFill>
+                <a:srgbClr val="00B050"/>
+              </a:solidFill>
+            </a:endParaRPr>
+          </a:p>
+        </p:txBody>
+      </p:sp>
     </p:spTree>
-    <p:extLst>
-      <p:ext uri="{BB962C8B-B14F-4D97-AF65-F5344CB8AC3E}">
-        <p14:creationId xmlns="" xmlns:p14="http://schemas.microsoft.com/office/powerpoint/2010/main" val="4217875043"/>
-      </p:ext>
-    </p:extLst>
+  </p:cSld>
+  <p:clrMapOvr>
+    <a:masterClrMapping/>
+  </p:clrMapOvr>
+  <p:timing>
+    <p:tnLst>
+      <p:par>
+        <p:cTn id="1" dur="indefinite" restart="never" nodeType="tmRoot"/>
+      </p:par>
+    </p:tnLst>
+  </p:timing>
+</p:sld>
+</file>
+
+<file path=ppt/slides/slide17.xml><?xml version="1.0" encoding="utf-8"?>
+<p:sld xmlns:a="http://schemas.openxmlformats.org/drawingml/2006/main" xmlns:r="http://schemas.openxmlformats.org/officeDocument/2006/relationships" xmlns:p="http://schemas.openxmlformats.org/presentationml/2006/main">
+  <p:cSld>
+    <p:spTree>
+      <p:nvGrpSpPr>
+        <p:cNvPr id="1" name=""/>
+        <p:cNvGrpSpPr/>
+        <p:nvPr/>
+      </p:nvGrpSpPr>
+      <p:grpSpPr>
+        <a:xfrm>
+          <a:off x="0" y="0"/>
+          <a:ext cx="0" cy="0"/>
+          <a:chOff x="0" y="0"/>
+          <a:chExt cx="0" cy="0"/>
+        </a:xfrm>
+      </p:grpSpPr>
+      <p:sp>
+        <p:nvSpPr>
+          <p:cNvPr id="2" name="Содержимое 1"/>
+          <p:cNvSpPr>
+            <a:spLocks noGrp="1"/>
+          </p:cNvSpPr>
+          <p:nvPr>
+            <p:ph idx="1"/>
+          </p:nvPr>
+        </p:nvSpPr>
+        <p:spPr>
+          <a:xfrm>
+            <a:off x="838200" y="1097280"/>
+            <a:ext cx="10515600" cy="5603966"/>
+          </a:xfrm>
+        </p:spPr>
+        <p:txBody>
+          <a:bodyPr>
+            <a:normAutofit fontScale="77500" lnSpcReduction="20000"/>
+          </a:bodyPr>
+          <a:lstStyle/>
+          <a:p>
+            <a:pPr marL="0" indent="0" algn="ctr">
+              <a:lnSpc>
+                <a:spcPct val="110000"/>
+              </a:lnSpc>
+              <a:spcBef>
+                <a:spcPts val="600"/>
+              </a:spcBef>
+              <a:buNone/>
+            </a:pPr>
+            <a:r>
+              <a:rPr lang="en-US" dirty="0" smtClean="0"/>
+              <a:t>Data items are aligned in memory by their size for convenience of access. This means </a:t>
+            </a:r>
+            <a:r>
+              <a:rPr lang="en-US" b="1" i="1" dirty="0" smtClean="0"/>
+              <a:t>address is multiple of size</a:t>
+            </a:r>
+            <a:r>
+              <a:rPr lang="en-US" dirty="0" smtClean="0"/>
+              <a:t>. Default alignment is as follows:</a:t>
+            </a:r>
+          </a:p>
+          <a:p>
+            <a:pPr marL="971550" indent="-742950" algn="just">
+              <a:lnSpc>
+                <a:spcPct val="110000"/>
+              </a:lnSpc>
+              <a:spcBef>
+                <a:spcPts val="0"/>
+              </a:spcBef>
+            </a:pPr>
+            <a:r>
+              <a:rPr lang="en-US" sz="4100" dirty="0" smtClean="0"/>
+              <a:t>.</a:t>
+            </a:r>
+            <a:r>
+              <a:rPr lang="en-US" sz="4100" b="1" dirty="0" smtClean="0">
+                <a:solidFill>
+                  <a:srgbClr val="F7B217"/>
+                </a:solidFill>
+              </a:rPr>
+              <a:t>byte</a:t>
+            </a:r>
+            <a:r>
+              <a:rPr lang="en-US" sz="4100" dirty="0" smtClean="0"/>
+              <a:t>      </a:t>
+            </a:r>
+            <a:r>
+              <a:rPr lang="en-US" sz="4100" dirty="0" smtClean="0">
+                <a:solidFill>
+                  <a:srgbClr val="00B050"/>
+                </a:solidFill>
+              </a:rPr>
+              <a:t>#  1 byte</a:t>
+            </a:r>
+          </a:p>
+          <a:p>
+            <a:pPr marL="971550" indent="-742950" algn="just">
+              <a:lnSpc>
+                <a:spcPct val="110000"/>
+              </a:lnSpc>
+              <a:spcBef>
+                <a:spcPts val="0"/>
+              </a:spcBef>
+            </a:pPr>
+            <a:r>
+              <a:rPr lang="en-US" sz="4100" dirty="0" smtClean="0"/>
+              <a:t>.</a:t>
+            </a:r>
+            <a:r>
+              <a:rPr lang="en-US" sz="4100" b="1" dirty="0" smtClean="0">
+                <a:solidFill>
+                  <a:srgbClr val="F7B217"/>
+                </a:solidFill>
+              </a:rPr>
+              <a:t>half</a:t>
+            </a:r>
+            <a:r>
+              <a:rPr lang="en-US" sz="4100" dirty="0" smtClean="0"/>
+              <a:t>       </a:t>
+            </a:r>
+            <a:r>
+              <a:rPr lang="en-US" sz="4100" dirty="0" smtClean="0">
+                <a:solidFill>
+                  <a:srgbClr val="00B050"/>
+                </a:solidFill>
+              </a:rPr>
+              <a:t>#  2 bytes</a:t>
+            </a:r>
+          </a:p>
+          <a:p>
+            <a:pPr marL="971550" indent="-742950" algn="just">
+              <a:lnSpc>
+                <a:spcPct val="110000"/>
+              </a:lnSpc>
+              <a:spcBef>
+                <a:spcPts val="0"/>
+              </a:spcBef>
+            </a:pPr>
+            <a:r>
+              <a:rPr lang="en-US" sz="4100" dirty="0" smtClean="0"/>
+              <a:t>.</a:t>
+            </a:r>
+            <a:r>
+              <a:rPr lang="en-US" sz="4100" b="1" dirty="0" smtClean="0">
+                <a:solidFill>
+                  <a:srgbClr val="F7B217"/>
+                </a:solidFill>
+              </a:rPr>
+              <a:t>word   </a:t>
+            </a:r>
+            <a:r>
+              <a:rPr lang="en-US" sz="4100" dirty="0" smtClean="0"/>
+              <a:t>  </a:t>
+            </a:r>
+            <a:r>
+              <a:rPr lang="en-US" sz="4100" dirty="0" smtClean="0">
+                <a:solidFill>
+                  <a:srgbClr val="00B050"/>
+                </a:solidFill>
+              </a:rPr>
+              <a:t>#  4 bytes</a:t>
+            </a:r>
+          </a:p>
+          <a:p>
+            <a:pPr marL="0" indent="0" algn="ctr">
+              <a:lnSpc>
+                <a:spcPct val="110000"/>
+              </a:lnSpc>
+              <a:spcBef>
+                <a:spcPts val="600"/>
+              </a:spcBef>
+              <a:buNone/>
+            </a:pPr>
+            <a:r>
+              <a:rPr lang="en-US" dirty="0" smtClean="0"/>
+              <a:t>It is possible to specify a </a:t>
+            </a:r>
+            <a:r>
+              <a:rPr lang="en-US" b="1" i="1" dirty="0" smtClean="0"/>
+              <a:t>custom alignment by 2</a:t>
+            </a:r>
+            <a:r>
+              <a:rPr lang="en-US" b="1" i="1" baseline="30000" dirty="0" smtClean="0"/>
+              <a:t>n </a:t>
+            </a:r>
+            <a:r>
+              <a:rPr lang="en-US" b="1" i="1" dirty="0" smtClean="0"/>
+              <a:t>bytes</a:t>
+            </a:r>
+            <a:r>
+              <a:rPr lang="en-US" dirty="0" smtClean="0"/>
+              <a:t> </a:t>
+            </a:r>
+            <a:r>
+              <a:rPr lang="en-US" dirty="0" smtClean="0"/>
+              <a:t>for a next data item</a:t>
+            </a:r>
+            <a:r>
+              <a:rPr lang="en-US" dirty="0" smtClean="0"/>
+              <a:t> with the .align directive. </a:t>
+            </a:r>
+          </a:p>
+          <a:p>
+            <a:pPr marL="971550" indent="-742950" algn="just">
+              <a:lnSpc>
+                <a:spcPct val="110000"/>
+              </a:lnSpc>
+              <a:spcBef>
+                <a:spcPts val="0"/>
+              </a:spcBef>
+            </a:pPr>
+            <a:r>
+              <a:rPr lang="en-US" sz="4100" dirty="0" smtClean="0"/>
+              <a:t>.</a:t>
+            </a:r>
+            <a:r>
+              <a:rPr lang="en-US" sz="4100" b="1" dirty="0" smtClean="0">
+                <a:solidFill>
+                  <a:srgbClr val="F7B217"/>
+                </a:solidFill>
+              </a:rPr>
+              <a:t>align</a:t>
+            </a:r>
+            <a:r>
+              <a:rPr lang="en-US" sz="4100" dirty="0" smtClean="0"/>
+              <a:t> 0   </a:t>
+            </a:r>
+            <a:r>
+              <a:rPr lang="en-US" sz="4100" dirty="0" smtClean="0">
+                <a:solidFill>
+                  <a:srgbClr val="00B050"/>
+                </a:solidFill>
+              </a:rPr>
+              <a:t># </a:t>
+            </a:r>
+            <a:r>
+              <a:rPr lang="en-US" sz="4100" dirty="0" smtClean="0">
+                <a:solidFill>
+                  <a:srgbClr val="00B050"/>
+                </a:solidFill>
+              </a:rPr>
+              <a:t>1 byte</a:t>
+            </a:r>
+          </a:p>
+          <a:p>
+            <a:pPr marL="971550" indent="-742950" algn="just">
+              <a:lnSpc>
+                <a:spcPct val="110000"/>
+              </a:lnSpc>
+              <a:spcBef>
+                <a:spcPts val="0"/>
+              </a:spcBef>
+            </a:pPr>
+            <a:r>
+              <a:rPr lang="en-US" sz="4100" dirty="0" smtClean="0"/>
+              <a:t>.</a:t>
+            </a:r>
+            <a:r>
+              <a:rPr lang="en-US" sz="4100" b="1" dirty="0" smtClean="0">
+                <a:solidFill>
+                  <a:srgbClr val="F7B217"/>
+                </a:solidFill>
+              </a:rPr>
+              <a:t>align</a:t>
+            </a:r>
+            <a:r>
+              <a:rPr lang="en-US" sz="4100" dirty="0" smtClean="0"/>
+              <a:t> 1   </a:t>
+            </a:r>
+            <a:r>
+              <a:rPr lang="en-US" sz="4100" dirty="0" smtClean="0">
+                <a:solidFill>
+                  <a:srgbClr val="00B050"/>
+                </a:solidFill>
+              </a:rPr>
+              <a:t># </a:t>
+            </a:r>
+            <a:r>
+              <a:rPr lang="en-US" sz="4100" dirty="0" smtClean="0">
+                <a:solidFill>
+                  <a:srgbClr val="00B050"/>
+                </a:solidFill>
+              </a:rPr>
+              <a:t>2 bytes</a:t>
+            </a:r>
+          </a:p>
+          <a:p>
+            <a:pPr marL="971550" indent="-742950" algn="just">
+              <a:lnSpc>
+                <a:spcPct val="110000"/>
+              </a:lnSpc>
+              <a:spcBef>
+                <a:spcPts val="0"/>
+              </a:spcBef>
+            </a:pPr>
+            <a:r>
+              <a:rPr lang="en-US" sz="4100" dirty="0" smtClean="0"/>
+              <a:t>.</a:t>
+            </a:r>
+            <a:r>
+              <a:rPr lang="en-US" sz="4100" b="1" dirty="0" smtClean="0">
+                <a:solidFill>
+                  <a:srgbClr val="F7B217"/>
+                </a:solidFill>
+              </a:rPr>
+              <a:t>align</a:t>
+            </a:r>
+            <a:r>
+              <a:rPr lang="en-US" sz="4100" dirty="0" smtClean="0"/>
+              <a:t> 2   </a:t>
+            </a:r>
+            <a:r>
+              <a:rPr lang="en-US" sz="4100" dirty="0" smtClean="0">
+                <a:solidFill>
+                  <a:srgbClr val="00B050"/>
+                </a:solidFill>
+              </a:rPr>
+              <a:t># 4 bytes</a:t>
+            </a:r>
+          </a:p>
+          <a:p>
+            <a:pPr marL="971550" indent="-742950" algn="just">
+              <a:lnSpc>
+                <a:spcPct val="110000"/>
+              </a:lnSpc>
+              <a:spcBef>
+                <a:spcPts val="0"/>
+              </a:spcBef>
+            </a:pPr>
+            <a:r>
+              <a:rPr lang="en-US" sz="4100" dirty="0" smtClean="0"/>
+              <a:t>.</a:t>
+            </a:r>
+            <a:r>
+              <a:rPr lang="en-US" sz="4100" b="1" dirty="0" smtClean="0">
+                <a:solidFill>
+                  <a:srgbClr val="F7B217"/>
+                </a:solidFill>
+              </a:rPr>
+              <a:t>align</a:t>
+            </a:r>
+            <a:r>
+              <a:rPr lang="en-US" sz="4100" dirty="0" smtClean="0"/>
+              <a:t> 3   </a:t>
+            </a:r>
+            <a:r>
+              <a:rPr lang="en-US" sz="4100" dirty="0" smtClean="0">
+                <a:solidFill>
+                  <a:srgbClr val="00B050"/>
+                </a:solidFill>
+              </a:rPr>
+              <a:t># 8 bytes</a:t>
+            </a:r>
+          </a:p>
+          <a:p>
+            <a:pPr marL="971550" indent="-742950" algn="just">
+              <a:lnSpc>
+                <a:spcPct val="110000"/>
+              </a:lnSpc>
+              <a:spcBef>
+                <a:spcPts val="0"/>
+              </a:spcBef>
+            </a:pPr>
+            <a:r>
+              <a:rPr lang="en-US" sz="4100" dirty="0" smtClean="0"/>
+              <a:t>etc.</a:t>
+            </a:r>
+            <a:endParaRPr lang="en-US" sz="4100" dirty="0" smtClean="0"/>
+          </a:p>
+        </p:txBody>
+      </p:sp>
+      <p:sp>
+        <p:nvSpPr>
+          <p:cNvPr id="3" name="Номер слайда 2"/>
+          <p:cNvSpPr>
+            <a:spLocks noGrp="1"/>
+          </p:cNvSpPr>
+          <p:nvPr>
+            <p:ph type="sldNum" sz="quarter" idx="12"/>
+          </p:nvPr>
+        </p:nvSpPr>
+        <p:spPr/>
+        <p:txBody>
+          <a:bodyPr/>
+          <a:lstStyle/>
+          <a:p>
+            <a:pPr algn="ctr"/>
+            <a:fld id="{1397BFD8-F312-4EF2-A268-44FB4BDDBBB0}" type="slidenum">
+              <a:rPr lang="ru-RU" smtClean="0"/>
+              <a:pPr algn="ctr"/>
+              <a:t>17</a:t>
+            </a:fld>
+            <a:endParaRPr lang="ru-RU" dirty="0"/>
+          </a:p>
+        </p:txBody>
+      </p:sp>
+      <p:sp>
+        <p:nvSpPr>
+          <p:cNvPr id="4" name="Заголовок 3"/>
+          <p:cNvSpPr>
+            <a:spLocks noGrp="1"/>
+          </p:cNvSpPr>
+          <p:nvPr>
+            <p:ph type="title"/>
+          </p:nvPr>
+        </p:nvSpPr>
+        <p:spPr/>
+        <p:txBody>
+          <a:bodyPr/>
+          <a:lstStyle/>
+          <a:p>
+            <a:r>
+              <a:rPr lang="en-US" dirty="0" smtClean="0"/>
+              <a:t>Data Alignment</a:t>
+            </a:r>
+            <a:endParaRPr lang="ru-RU" dirty="0"/>
+          </a:p>
+        </p:txBody>
+      </p:sp>
+    </p:spTree>
+  </p:cSld>
+  <p:clrMapOvr>
+    <a:masterClrMapping/>
+  </p:clrMapOvr>
+  <p:timing>
+    <p:tnLst>
+      <p:par>
+        <p:cTn id="1" dur="indefinite" restart="never" nodeType="tmRoot"/>
+      </p:par>
+    </p:tnLst>
+  </p:timing>
+</p:sld>
+</file>
+
+<file path=ppt/slides/slide18.xml><?xml version="1.0" encoding="utf-8"?>
+<p:sld xmlns:a="http://schemas.openxmlformats.org/drawingml/2006/main" xmlns:r="http://schemas.openxmlformats.org/officeDocument/2006/relationships" xmlns:p="http://schemas.openxmlformats.org/presentationml/2006/main">
+  <p:cSld>
+    <p:spTree>
+      <p:nvGrpSpPr>
+        <p:cNvPr id="1" name=""/>
+        <p:cNvGrpSpPr/>
+        <p:nvPr/>
+      </p:nvGrpSpPr>
+      <p:grpSpPr>
+        <a:xfrm>
+          <a:off x="0" y="0"/>
+          <a:ext cx="0" cy="0"/>
+          <a:chOff x="0" y="0"/>
+          <a:chExt cx="0" cy="0"/>
+        </a:xfrm>
+      </p:grpSpPr>
+      <p:sp>
+        <p:nvSpPr>
+          <p:cNvPr id="3" name="Номер слайда 2"/>
+          <p:cNvSpPr>
+            <a:spLocks noGrp="1"/>
+          </p:cNvSpPr>
+          <p:nvPr>
+            <p:ph type="sldNum" sz="quarter" idx="12"/>
+          </p:nvPr>
+        </p:nvSpPr>
+        <p:spPr/>
+        <p:txBody>
+          <a:bodyPr/>
+          <a:lstStyle/>
+          <a:p>
+            <a:pPr algn="ctr"/>
+            <a:fld id="{1397BFD8-F312-4EF2-A268-44FB4BDDBBB0}" type="slidenum">
+              <a:rPr lang="ru-RU" smtClean="0"/>
+              <a:pPr algn="ctr"/>
+              <a:t>18</a:t>
+            </a:fld>
+            <a:endParaRPr lang="ru-RU" dirty="0"/>
+          </a:p>
+        </p:txBody>
+      </p:sp>
+      <p:sp>
+        <p:nvSpPr>
+          <p:cNvPr id="4" name="Заголовок 3"/>
+          <p:cNvSpPr>
+            <a:spLocks noGrp="1"/>
+          </p:cNvSpPr>
+          <p:nvPr>
+            <p:ph type="title"/>
+          </p:nvPr>
+        </p:nvSpPr>
+        <p:spPr/>
+        <p:txBody>
+          <a:bodyPr/>
+          <a:lstStyle/>
+          <a:p>
+            <a:r>
+              <a:rPr lang="en-US" dirty="0" smtClean="0"/>
+              <a:t>Data Alignment Example</a:t>
+            </a:r>
+            <a:endParaRPr lang="ru-RU" dirty="0"/>
+          </a:p>
+        </p:txBody>
+      </p:sp>
+      <p:sp>
+        <p:nvSpPr>
+          <p:cNvPr id="5" name="Rectangle 4"/>
+          <p:cNvSpPr/>
+          <p:nvPr/>
+        </p:nvSpPr>
+        <p:spPr>
+          <a:xfrm>
+            <a:off x="1031963" y="953585"/>
+            <a:ext cx="4140929" cy="6001643"/>
+          </a:xfrm>
+          <a:prstGeom prst="rect">
+            <a:avLst/>
+          </a:prstGeom>
+        </p:spPr>
+        <p:txBody>
+          <a:bodyPr wrap="square">
+            <a:spAutoFit/>
+          </a:bodyPr>
+          <a:lstStyle/>
+          <a:p>
+            <a:pPr>
+              <a:lnSpc>
+                <a:spcPct val="80000"/>
+              </a:lnSpc>
+            </a:pPr>
+            <a:r>
+              <a:rPr lang="en-US" sz="2400" dirty="0" smtClean="0">
+                <a:solidFill>
+                  <a:srgbClr val="1E3272"/>
+                </a:solidFill>
+              </a:rPr>
+              <a:t> </a:t>
+            </a:r>
+            <a:r>
+              <a:rPr lang="en-US" sz="2400" dirty="0" smtClean="0">
+                <a:solidFill>
+                  <a:srgbClr val="1E3272"/>
+                </a:solidFill>
+              </a:rPr>
+              <a:t>        .</a:t>
+            </a:r>
+            <a:r>
+              <a:rPr lang="en-US" sz="2400" dirty="0" smtClean="0">
+                <a:solidFill>
+                  <a:srgbClr val="FF0000"/>
+                </a:solidFill>
+              </a:rPr>
+              <a:t>data</a:t>
+            </a:r>
+          </a:p>
+          <a:p>
+            <a:pPr>
+              <a:lnSpc>
+                <a:spcPct val="80000"/>
+              </a:lnSpc>
+            </a:pPr>
+            <a:r>
+              <a:rPr lang="en-US" sz="2400" dirty="0" smtClean="0">
+                <a:solidFill>
+                  <a:srgbClr val="1E3272"/>
+                </a:solidFill>
+              </a:rPr>
+              <a:t>   </a:t>
+            </a:r>
+            <a:r>
+              <a:rPr lang="en-US" sz="2400" dirty="0" smtClean="0">
+                <a:solidFill>
+                  <a:srgbClr val="1E3272"/>
+                </a:solidFill>
+              </a:rPr>
+              <a:t>      .</a:t>
+            </a:r>
+            <a:r>
+              <a:rPr lang="en-US" sz="2400" dirty="0" smtClean="0">
+                <a:solidFill>
+                  <a:srgbClr val="FF0000"/>
+                </a:solidFill>
+              </a:rPr>
+              <a:t>space</a:t>
+            </a:r>
+            <a:r>
+              <a:rPr lang="en-US" sz="2400" dirty="0" smtClean="0">
+                <a:solidFill>
+                  <a:srgbClr val="1E3272"/>
+                </a:solidFill>
+              </a:rPr>
+              <a:t> </a:t>
+            </a:r>
+            <a:r>
+              <a:rPr lang="en-US" sz="2400" dirty="0" smtClean="0">
+                <a:solidFill>
+                  <a:srgbClr val="1E3272"/>
+                </a:solidFill>
+              </a:rPr>
+              <a:t> </a:t>
+            </a:r>
+            <a:r>
+              <a:rPr lang="en-US" sz="2400" dirty="0" smtClean="0">
+                <a:solidFill>
+                  <a:srgbClr val="2F5CB5"/>
+                </a:solidFill>
+              </a:rPr>
+              <a:t>3</a:t>
+            </a:r>
+            <a:endParaRPr lang="en-US" sz="2400" dirty="0" smtClean="0">
+              <a:solidFill>
+                <a:srgbClr val="2F5CB5"/>
+              </a:solidFill>
+            </a:endParaRPr>
+          </a:p>
+          <a:p>
+            <a:pPr>
+              <a:lnSpc>
+                <a:spcPct val="80000"/>
+              </a:lnSpc>
+            </a:pPr>
+            <a:r>
+              <a:rPr lang="en-US" sz="2400" b="1" i="1" dirty="0" smtClean="0">
+                <a:solidFill>
+                  <a:srgbClr val="1E3272"/>
+                </a:solidFill>
+              </a:rPr>
+              <a:t>word1</a:t>
+            </a:r>
+            <a:r>
+              <a:rPr lang="en-US" sz="2400" dirty="0" smtClean="0">
+                <a:solidFill>
+                  <a:srgbClr val="1E3272"/>
+                </a:solidFill>
+              </a:rPr>
+              <a:t>:</a:t>
+            </a:r>
+          </a:p>
+          <a:p>
+            <a:pPr>
+              <a:lnSpc>
+                <a:spcPct val="80000"/>
+              </a:lnSpc>
+            </a:pPr>
+            <a:r>
+              <a:rPr lang="en-US" sz="2400" dirty="0" smtClean="0">
+                <a:solidFill>
+                  <a:srgbClr val="1E3272"/>
+                </a:solidFill>
+              </a:rPr>
+              <a:t>   </a:t>
+            </a:r>
+            <a:r>
+              <a:rPr lang="en-US" sz="2400" dirty="0" smtClean="0">
+                <a:solidFill>
+                  <a:srgbClr val="1E3272"/>
+                </a:solidFill>
+              </a:rPr>
+              <a:t>      .</a:t>
+            </a:r>
+            <a:r>
+              <a:rPr lang="en-US" sz="2400" dirty="0" smtClean="0">
+                <a:solidFill>
+                  <a:srgbClr val="FF0000"/>
+                </a:solidFill>
+              </a:rPr>
+              <a:t>word</a:t>
+            </a:r>
+            <a:r>
+              <a:rPr lang="en-US" sz="2400" dirty="0" smtClean="0">
+                <a:solidFill>
+                  <a:srgbClr val="1E3272"/>
+                </a:solidFill>
+              </a:rPr>
+              <a:t>  </a:t>
+            </a:r>
+            <a:r>
+              <a:rPr lang="en-US" sz="2400" dirty="0" smtClean="0">
+                <a:solidFill>
+                  <a:srgbClr val="1E3272"/>
+                </a:solidFill>
+              </a:rPr>
+              <a:t> </a:t>
+            </a:r>
+            <a:r>
+              <a:rPr lang="en-US" sz="2400" dirty="0" smtClean="0">
+                <a:solidFill>
+                  <a:srgbClr val="2F5CB5"/>
+                </a:solidFill>
+              </a:rPr>
+              <a:t>0x12345678 </a:t>
+            </a:r>
+            <a:endParaRPr lang="en-US" sz="2400" dirty="0" smtClean="0">
+              <a:solidFill>
+                <a:srgbClr val="2F5CB5"/>
+              </a:solidFill>
+            </a:endParaRPr>
+          </a:p>
+          <a:p>
+            <a:pPr>
+              <a:lnSpc>
+                <a:spcPct val="80000"/>
+              </a:lnSpc>
+            </a:pPr>
+            <a:r>
+              <a:rPr lang="en-US" sz="2400" b="1" i="1" dirty="0" smtClean="0">
+                <a:solidFill>
+                  <a:srgbClr val="1E3272"/>
+                </a:solidFill>
+              </a:rPr>
+              <a:t>half1</a:t>
+            </a:r>
+            <a:r>
+              <a:rPr lang="en-US" sz="2400" dirty="0" smtClean="0">
+                <a:solidFill>
+                  <a:srgbClr val="1E3272"/>
+                </a:solidFill>
+              </a:rPr>
+              <a:t>:</a:t>
+            </a:r>
+          </a:p>
+          <a:p>
+            <a:pPr>
+              <a:lnSpc>
+                <a:spcPct val="80000"/>
+              </a:lnSpc>
+            </a:pPr>
+            <a:r>
+              <a:rPr lang="en-US" sz="2400" dirty="0" smtClean="0">
+                <a:solidFill>
+                  <a:srgbClr val="1E3272"/>
+                </a:solidFill>
+              </a:rPr>
+              <a:t>   </a:t>
+            </a:r>
+            <a:r>
+              <a:rPr lang="en-US" sz="2400" dirty="0" smtClean="0">
+                <a:solidFill>
+                  <a:srgbClr val="1E3272"/>
+                </a:solidFill>
+              </a:rPr>
+              <a:t>      .</a:t>
+            </a:r>
+            <a:r>
+              <a:rPr lang="en-US" sz="2400" dirty="0" smtClean="0">
+                <a:solidFill>
+                  <a:srgbClr val="FF0000"/>
+                </a:solidFill>
+              </a:rPr>
+              <a:t>half</a:t>
+            </a:r>
+            <a:r>
+              <a:rPr lang="en-US" sz="2400" dirty="0" smtClean="0">
+                <a:solidFill>
+                  <a:srgbClr val="1E3272"/>
+                </a:solidFill>
+              </a:rPr>
+              <a:t>  </a:t>
+            </a:r>
+            <a:r>
+              <a:rPr lang="en-US" sz="2400" dirty="0" smtClean="0">
+                <a:solidFill>
+                  <a:srgbClr val="1E3272"/>
+                </a:solidFill>
+              </a:rPr>
+              <a:t>   </a:t>
+            </a:r>
+            <a:r>
+              <a:rPr lang="en-US" sz="2400" dirty="0" smtClean="0">
+                <a:solidFill>
+                  <a:srgbClr val="2F5CB5"/>
+                </a:solidFill>
+              </a:rPr>
+              <a:t>0x1234</a:t>
+            </a:r>
+            <a:endParaRPr lang="en-US" sz="2400" dirty="0" smtClean="0">
+              <a:solidFill>
+                <a:srgbClr val="2F5CB5"/>
+              </a:solidFill>
+            </a:endParaRPr>
+          </a:p>
+          <a:p>
+            <a:pPr>
+              <a:lnSpc>
+                <a:spcPct val="80000"/>
+              </a:lnSpc>
+            </a:pPr>
+            <a:r>
+              <a:rPr lang="en-US" sz="2400" b="1" i="1" dirty="0" smtClean="0">
+                <a:solidFill>
+                  <a:srgbClr val="1E3272"/>
+                </a:solidFill>
+              </a:rPr>
+              <a:t>byte1</a:t>
+            </a:r>
+            <a:r>
+              <a:rPr lang="en-US" sz="2400" dirty="0" smtClean="0">
+                <a:solidFill>
+                  <a:srgbClr val="1E3272"/>
+                </a:solidFill>
+              </a:rPr>
+              <a:t>:</a:t>
+            </a:r>
+          </a:p>
+          <a:p>
+            <a:pPr>
+              <a:lnSpc>
+                <a:spcPct val="80000"/>
+              </a:lnSpc>
+            </a:pPr>
+            <a:r>
+              <a:rPr lang="en-US" sz="2400" dirty="0" smtClean="0">
+                <a:solidFill>
+                  <a:srgbClr val="1E3272"/>
+                </a:solidFill>
+              </a:rPr>
+              <a:t>   </a:t>
+            </a:r>
+            <a:r>
+              <a:rPr lang="en-US" sz="2400" dirty="0" smtClean="0">
+                <a:solidFill>
+                  <a:srgbClr val="1E3272"/>
+                </a:solidFill>
+              </a:rPr>
+              <a:t>      .</a:t>
+            </a:r>
+            <a:r>
+              <a:rPr lang="en-US" sz="2400" dirty="0" smtClean="0">
+                <a:solidFill>
+                  <a:srgbClr val="FF0000"/>
+                </a:solidFill>
+              </a:rPr>
+              <a:t>byte</a:t>
+            </a:r>
+            <a:r>
+              <a:rPr lang="en-US" sz="2400" dirty="0" smtClean="0">
+                <a:solidFill>
+                  <a:srgbClr val="1E3272"/>
+                </a:solidFill>
+              </a:rPr>
+              <a:t>  </a:t>
+            </a:r>
+            <a:r>
+              <a:rPr lang="en-US" sz="2400" dirty="0" smtClean="0">
+                <a:solidFill>
+                  <a:srgbClr val="1E3272"/>
+                </a:solidFill>
+              </a:rPr>
+              <a:t>  </a:t>
+            </a:r>
+            <a:r>
+              <a:rPr lang="en-US" sz="2400" dirty="0" smtClean="0">
+                <a:solidFill>
+                  <a:srgbClr val="2F5CB5"/>
+                </a:solidFill>
+              </a:rPr>
+              <a:t>0x12</a:t>
+            </a:r>
+            <a:endParaRPr lang="en-US" sz="2400" dirty="0" smtClean="0">
+              <a:solidFill>
+                <a:srgbClr val="2F5CB5"/>
+              </a:solidFill>
+            </a:endParaRPr>
+          </a:p>
+          <a:p>
+            <a:pPr>
+              <a:lnSpc>
+                <a:spcPct val="80000"/>
+              </a:lnSpc>
+            </a:pPr>
+            <a:r>
+              <a:rPr lang="en-US" sz="2400" dirty="0" smtClean="0">
+                <a:solidFill>
+                  <a:srgbClr val="1E3272"/>
+                </a:solidFill>
+              </a:rPr>
+              <a:t>   </a:t>
+            </a:r>
+            <a:r>
+              <a:rPr lang="en-US" sz="2400" dirty="0" smtClean="0">
+                <a:solidFill>
+                  <a:srgbClr val="1E3272"/>
+                </a:solidFill>
+              </a:rPr>
+              <a:t>      .</a:t>
+            </a:r>
+            <a:r>
+              <a:rPr lang="en-US" sz="2400" dirty="0" smtClean="0">
+                <a:solidFill>
+                  <a:srgbClr val="FF0000"/>
+                </a:solidFill>
+              </a:rPr>
+              <a:t>align</a:t>
+            </a:r>
+            <a:r>
+              <a:rPr lang="en-US" sz="2400" dirty="0" smtClean="0">
+                <a:solidFill>
+                  <a:srgbClr val="1E3272"/>
+                </a:solidFill>
+              </a:rPr>
+              <a:t> </a:t>
+            </a:r>
+            <a:r>
+              <a:rPr lang="en-US" sz="2400" dirty="0" smtClean="0">
+                <a:solidFill>
+                  <a:srgbClr val="1E3272"/>
+                </a:solidFill>
+              </a:rPr>
+              <a:t>  </a:t>
+            </a:r>
+            <a:r>
+              <a:rPr lang="en-US" sz="2400" dirty="0" smtClean="0">
+                <a:solidFill>
+                  <a:srgbClr val="2F5CB5"/>
+                </a:solidFill>
+              </a:rPr>
+              <a:t>4</a:t>
+            </a:r>
+            <a:endParaRPr lang="en-US" sz="2400" dirty="0" smtClean="0">
+              <a:solidFill>
+                <a:srgbClr val="2F5CB5"/>
+              </a:solidFill>
+            </a:endParaRPr>
+          </a:p>
+          <a:p>
+            <a:pPr>
+              <a:lnSpc>
+                <a:spcPct val="80000"/>
+              </a:lnSpc>
+            </a:pPr>
+            <a:r>
+              <a:rPr lang="en-US" sz="2400" b="1" i="1" dirty="0" smtClean="0">
+                <a:solidFill>
+                  <a:srgbClr val="1E3272"/>
+                </a:solidFill>
+              </a:rPr>
+              <a:t>word2</a:t>
+            </a:r>
+            <a:r>
+              <a:rPr lang="en-US" sz="2400" dirty="0" smtClean="0">
+                <a:solidFill>
+                  <a:srgbClr val="1E3272"/>
+                </a:solidFill>
+              </a:rPr>
+              <a:t>:</a:t>
+            </a:r>
+          </a:p>
+          <a:p>
+            <a:pPr>
+              <a:lnSpc>
+                <a:spcPct val="80000"/>
+              </a:lnSpc>
+            </a:pPr>
+            <a:r>
+              <a:rPr lang="en-US" sz="2400" dirty="0" smtClean="0">
+                <a:solidFill>
+                  <a:srgbClr val="1E3272"/>
+                </a:solidFill>
+              </a:rPr>
+              <a:t>   </a:t>
+            </a:r>
+            <a:r>
+              <a:rPr lang="en-US" sz="2400" dirty="0" smtClean="0">
+                <a:solidFill>
+                  <a:srgbClr val="1E3272"/>
+                </a:solidFill>
+              </a:rPr>
+              <a:t>      .</a:t>
+            </a:r>
+            <a:r>
+              <a:rPr lang="en-US" sz="2400" dirty="0" smtClean="0">
+                <a:solidFill>
+                  <a:srgbClr val="FF0000"/>
+                </a:solidFill>
+              </a:rPr>
+              <a:t>word</a:t>
+            </a:r>
+            <a:r>
+              <a:rPr lang="en-US" sz="2400" dirty="0" smtClean="0">
+                <a:solidFill>
+                  <a:srgbClr val="1E3272"/>
+                </a:solidFill>
+              </a:rPr>
+              <a:t> </a:t>
+            </a:r>
+            <a:r>
+              <a:rPr lang="en-US" sz="2400" dirty="0" smtClean="0">
+                <a:solidFill>
+                  <a:srgbClr val="1E3272"/>
+                </a:solidFill>
+              </a:rPr>
+              <a:t>  </a:t>
+            </a:r>
+            <a:r>
+              <a:rPr lang="en-US" sz="2400" dirty="0" smtClean="0">
+                <a:solidFill>
+                  <a:srgbClr val="2F5CB5"/>
+                </a:solidFill>
+              </a:rPr>
+              <a:t>0x12345678  </a:t>
+            </a:r>
+            <a:endParaRPr lang="en-US" sz="2400" dirty="0" smtClean="0">
+              <a:solidFill>
+                <a:srgbClr val="2F5CB5"/>
+              </a:solidFill>
+            </a:endParaRPr>
+          </a:p>
+          <a:p>
+            <a:pPr>
+              <a:lnSpc>
+                <a:spcPct val="80000"/>
+              </a:lnSpc>
+            </a:pPr>
+            <a:r>
+              <a:rPr lang="en-US" sz="2400" dirty="0" smtClean="0">
+                <a:solidFill>
+                  <a:srgbClr val="1E3272"/>
+                </a:solidFill>
+              </a:rPr>
+              <a:t>   </a:t>
+            </a:r>
+            <a:r>
+              <a:rPr lang="en-US" sz="2400" dirty="0" smtClean="0">
+                <a:solidFill>
+                  <a:srgbClr val="1E3272"/>
+                </a:solidFill>
+              </a:rPr>
+              <a:t>      .</a:t>
+            </a:r>
+            <a:r>
+              <a:rPr lang="en-US" sz="2400" dirty="0" smtClean="0">
+                <a:solidFill>
+                  <a:srgbClr val="FF0000"/>
+                </a:solidFill>
+              </a:rPr>
+              <a:t>align</a:t>
+            </a:r>
+            <a:r>
+              <a:rPr lang="en-US" sz="2400" dirty="0" smtClean="0">
+                <a:solidFill>
+                  <a:srgbClr val="1E3272"/>
+                </a:solidFill>
+              </a:rPr>
+              <a:t> </a:t>
+            </a:r>
+            <a:r>
+              <a:rPr lang="en-US" sz="2400" dirty="0" smtClean="0">
+                <a:solidFill>
+                  <a:srgbClr val="1E3272"/>
+                </a:solidFill>
+              </a:rPr>
+              <a:t>  </a:t>
+            </a:r>
+            <a:r>
+              <a:rPr lang="en-US" sz="2400" dirty="0" smtClean="0">
+                <a:solidFill>
+                  <a:srgbClr val="2F5CB5"/>
+                </a:solidFill>
+              </a:rPr>
+              <a:t>3</a:t>
+            </a:r>
+            <a:endParaRPr lang="en-US" sz="2400" dirty="0" smtClean="0">
+              <a:solidFill>
+                <a:srgbClr val="2F5CB5"/>
+              </a:solidFill>
+            </a:endParaRPr>
+          </a:p>
+          <a:p>
+            <a:pPr>
+              <a:lnSpc>
+                <a:spcPct val="80000"/>
+              </a:lnSpc>
+            </a:pPr>
+            <a:r>
+              <a:rPr lang="en-US" sz="2400" b="1" i="1" dirty="0" smtClean="0">
+                <a:solidFill>
+                  <a:srgbClr val="1E3272"/>
+                </a:solidFill>
+              </a:rPr>
+              <a:t>half2</a:t>
+            </a:r>
+            <a:r>
+              <a:rPr lang="en-US" sz="2400" dirty="0" smtClean="0">
+                <a:solidFill>
+                  <a:srgbClr val="1E3272"/>
+                </a:solidFill>
+              </a:rPr>
+              <a:t>:</a:t>
+            </a:r>
+          </a:p>
+          <a:p>
+            <a:pPr>
+              <a:lnSpc>
+                <a:spcPct val="80000"/>
+              </a:lnSpc>
+            </a:pPr>
+            <a:r>
+              <a:rPr lang="en-US" sz="2400" dirty="0" smtClean="0">
+                <a:solidFill>
+                  <a:srgbClr val="1E3272"/>
+                </a:solidFill>
+              </a:rPr>
+              <a:t>   </a:t>
+            </a:r>
+            <a:r>
+              <a:rPr lang="en-US" sz="2400" dirty="0" smtClean="0">
+                <a:solidFill>
+                  <a:srgbClr val="1E3272"/>
+                </a:solidFill>
+              </a:rPr>
+              <a:t>      .</a:t>
+            </a:r>
+            <a:r>
+              <a:rPr lang="en-US" sz="2400" dirty="0" smtClean="0">
+                <a:solidFill>
+                  <a:srgbClr val="FF0000"/>
+                </a:solidFill>
+              </a:rPr>
+              <a:t>half</a:t>
+            </a:r>
+            <a:r>
+              <a:rPr lang="en-US" sz="2400" dirty="0" smtClean="0">
+                <a:solidFill>
+                  <a:srgbClr val="1E3272"/>
+                </a:solidFill>
+              </a:rPr>
+              <a:t>  </a:t>
+            </a:r>
+            <a:r>
+              <a:rPr lang="en-US" sz="2400" dirty="0" smtClean="0">
+                <a:solidFill>
+                  <a:srgbClr val="1E3272"/>
+                </a:solidFill>
+              </a:rPr>
+              <a:t>   </a:t>
+            </a:r>
+            <a:r>
+              <a:rPr lang="en-US" sz="2400" dirty="0" smtClean="0">
+                <a:solidFill>
+                  <a:srgbClr val="2F5CB5"/>
+                </a:solidFill>
+              </a:rPr>
+              <a:t>0x1234</a:t>
+            </a:r>
+            <a:endParaRPr lang="en-US" sz="2400" dirty="0" smtClean="0">
+              <a:solidFill>
+                <a:srgbClr val="2F5CB5"/>
+              </a:solidFill>
+            </a:endParaRPr>
+          </a:p>
+          <a:p>
+            <a:pPr>
+              <a:lnSpc>
+                <a:spcPct val="80000"/>
+              </a:lnSpc>
+            </a:pPr>
+            <a:r>
+              <a:rPr lang="en-US" sz="2400" dirty="0" smtClean="0">
+                <a:solidFill>
+                  <a:srgbClr val="1E3272"/>
+                </a:solidFill>
+              </a:rPr>
+              <a:t>   </a:t>
+            </a:r>
+            <a:r>
+              <a:rPr lang="en-US" sz="2400" dirty="0" smtClean="0">
+                <a:solidFill>
+                  <a:srgbClr val="1E3272"/>
+                </a:solidFill>
+              </a:rPr>
+              <a:t>      .</a:t>
+            </a:r>
+            <a:r>
+              <a:rPr lang="en-US" sz="2400" dirty="0" smtClean="0">
+                <a:solidFill>
+                  <a:srgbClr val="FF0000"/>
+                </a:solidFill>
+              </a:rPr>
+              <a:t>align</a:t>
+            </a:r>
+            <a:r>
+              <a:rPr lang="en-US" sz="2400" dirty="0" smtClean="0">
+                <a:solidFill>
+                  <a:srgbClr val="1E3272"/>
+                </a:solidFill>
+              </a:rPr>
+              <a:t> </a:t>
+            </a:r>
+            <a:r>
+              <a:rPr lang="en-US" sz="2400" dirty="0" smtClean="0">
+                <a:solidFill>
+                  <a:srgbClr val="1E3272"/>
+                </a:solidFill>
+              </a:rPr>
+              <a:t>  </a:t>
+            </a:r>
+            <a:r>
+              <a:rPr lang="en-US" sz="2400" dirty="0" smtClean="0">
+                <a:solidFill>
+                  <a:srgbClr val="2F5CB5"/>
+                </a:solidFill>
+              </a:rPr>
+              <a:t>3</a:t>
+            </a:r>
+            <a:endParaRPr lang="en-US" sz="2400" dirty="0" smtClean="0">
+              <a:solidFill>
+                <a:srgbClr val="2F5CB5"/>
+              </a:solidFill>
+            </a:endParaRPr>
+          </a:p>
+          <a:p>
+            <a:pPr>
+              <a:lnSpc>
+                <a:spcPct val="80000"/>
+              </a:lnSpc>
+            </a:pPr>
+            <a:r>
+              <a:rPr lang="en-US" sz="2400" b="1" i="1" dirty="0" smtClean="0">
+                <a:solidFill>
+                  <a:srgbClr val="1E3272"/>
+                </a:solidFill>
+              </a:rPr>
+              <a:t>byte2</a:t>
+            </a:r>
+            <a:r>
+              <a:rPr lang="en-US" sz="2400" dirty="0" smtClean="0">
+                <a:solidFill>
+                  <a:srgbClr val="1E3272"/>
+                </a:solidFill>
+              </a:rPr>
+              <a:t>:</a:t>
+            </a:r>
+          </a:p>
+          <a:p>
+            <a:pPr>
+              <a:lnSpc>
+                <a:spcPct val="80000"/>
+              </a:lnSpc>
+            </a:pPr>
+            <a:r>
+              <a:rPr lang="en-US" sz="2400" dirty="0" smtClean="0">
+                <a:solidFill>
+                  <a:srgbClr val="1E3272"/>
+                </a:solidFill>
+              </a:rPr>
+              <a:t>   </a:t>
+            </a:r>
+            <a:r>
+              <a:rPr lang="en-US" sz="2400" dirty="0" smtClean="0">
+                <a:solidFill>
+                  <a:srgbClr val="1E3272"/>
+                </a:solidFill>
+              </a:rPr>
+              <a:t>      .</a:t>
+            </a:r>
+            <a:r>
+              <a:rPr lang="en-US" sz="2400" dirty="0" smtClean="0">
+                <a:solidFill>
+                  <a:srgbClr val="FF0000"/>
+                </a:solidFill>
+              </a:rPr>
+              <a:t>byte</a:t>
+            </a:r>
+            <a:r>
+              <a:rPr lang="en-US" sz="2400" dirty="0" smtClean="0">
+                <a:solidFill>
+                  <a:srgbClr val="1E3272"/>
+                </a:solidFill>
+              </a:rPr>
+              <a:t>  </a:t>
+            </a:r>
+            <a:r>
+              <a:rPr lang="en-US" sz="2400" dirty="0" smtClean="0">
+                <a:solidFill>
+                  <a:srgbClr val="1E3272"/>
+                </a:solidFill>
+              </a:rPr>
+              <a:t>  </a:t>
+            </a:r>
+            <a:r>
+              <a:rPr lang="en-US" sz="2400" dirty="0" smtClean="0">
+                <a:solidFill>
+                  <a:srgbClr val="2F5CB5"/>
+                </a:solidFill>
+              </a:rPr>
+              <a:t>0x12   </a:t>
+            </a:r>
+            <a:endParaRPr lang="en-US" sz="2400" dirty="0" smtClean="0">
+              <a:solidFill>
+                <a:srgbClr val="2F5CB5"/>
+              </a:solidFill>
+            </a:endParaRPr>
+          </a:p>
+          <a:p>
+            <a:pPr>
+              <a:lnSpc>
+                <a:spcPct val="80000"/>
+              </a:lnSpc>
+            </a:pPr>
+            <a:r>
+              <a:rPr lang="en-US" sz="2400" dirty="0" smtClean="0">
+                <a:solidFill>
+                  <a:srgbClr val="1E3272"/>
+                </a:solidFill>
+              </a:rPr>
+              <a:t>   </a:t>
+            </a:r>
+            <a:r>
+              <a:rPr lang="en-US" sz="2400" dirty="0" smtClean="0">
+                <a:solidFill>
+                  <a:srgbClr val="1E3272"/>
+                </a:solidFill>
+              </a:rPr>
+              <a:t>      .</a:t>
+            </a:r>
+            <a:r>
+              <a:rPr lang="en-US" sz="2400" dirty="0" smtClean="0">
+                <a:solidFill>
+                  <a:srgbClr val="FF0000"/>
+                </a:solidFill>
+              </a:rPr>
+              <a:t>align</a:t>
+            </a:r>
+            <a:r>
+              <a:rPr lang="en-US" sz="2400" dirty="0" smtClean="0">
+                <a:solidFill>
+                  <a:srgbClr val="1E3272"/>
+                </a:solidFill>
+              </a:rPr>
+              <a:t>   </a:t>
+            </a:r>
+            <a:r>
+              <a:rPr lang="en-US" sz="2400" dirty="0" smtClean="0">
+                <a:solidFill>
+                  <a:srgbClr val="2F5CB5"/>
+                </a:solidFill>
+              </a:rPr>
+              <a:t>0</a:t>
+            </a:r>
+            <a:endParaRPr lang="en-US" sz="2400" dirty="0" smtClean="0">
+              <a:solidFill>
+                <a:srgbClr val="2F5CB5"/>
+              </a:solidFill>
+            </a:endParaRPr>
+          </a:p>
+          <a:p>
+            <a:pPr>
+              <a:lnSpc>
+                <a:spcPct val="80000"/>
+              </a:lnSpc>
+            </a:pPr>
+            <a:r>
+              <a:rPr lang="en-US" sz="2400" b="1" i="1" dirty="0" smtClean="0">
+                <a:solidFill>
+                  <a:srgbClr val="1E3272"/>
+                </a:solidFill>
+              </a:rPr>
+              <a:t>word3</a:t>
+            </a:r>
+            <a:r>
+              <a:rPr lang="en-US" sz="2400" dirty="0" smtClean="0">
+                <a:solidFill>
+                  <a:srgbClr val="1E3272"/>
+                </a:solidFill>
+              </a:rPr>
+              <a:t>:</a:t>
+            </a:r>
+          </a:p>
+          <a:p>
+            <a:pPr>
+              <a:lnSpc>
+                <a:spcPct val="80000"/>
+              </a:lnSpc>
+            </a:pPr>
+            <a:r>
+              <a:rPr lang="en-US" sz="2400" dirty="0" smtClean="0">
+                <a:solidFill>
+                  <a:srgbClr val="1E3272"/>
+                </a:solidFill>
+              </a:rPr>
+              <a:t>   </a:t>
+            </a:r>
+            <a:r>
+              <a:rPr lang="en-US" sz="2400" dirty="0" smtClean="0">
+                <a:solidFill>
+                  <a:srgbClr val="1E3272"/>
+                </a:solidFill>
+              </a:rPr>
+              <a:t>      .</a:t>
+            </a:r>
+            <a:r>
+              <a:rPr lang="en-US" sz="2400" dirty="0" smtClean="0">
+                <a:solidFill>
+                  <a:srgbClr val="FF0000"/>
+                </a:solidFill>
+              </a:rPr>
+              <a:t>word</a:t>
+            </a:r>
+            <a:r>
+              <a:rPr lang="en-US" sz="2400" dirty="0" smtClean="0">
+                <a:solidFill>
+                  <a:srgbClr val="1E3272"/>
+                </a:solidFill>
+              </a:rPr>
+              <a:t> </a:t>
+            </a:r>
+            <a:r>
+              <a:rPr lang="en-US" sz="2400" dirty="0" smtClean="0">
+                <a:solidFill>
+                  <a:srgbClr val="1E3272"/>
+                </a:solidFill>
+              </a:rPr>
+              <a:t>  </a:t>
+            </a:r>
+            <a:r>
+              <a:rPr lang="en-US" sz="2400" dirty="0" smtClean="0">
+                <a:solidFill>
+                  <a:srgbClr val="2F5CB5"/>
+                </a:solidFill>
+              </a:rPr>
+              <a:t>0x12345678</a:t>
+            </a:r>
+            <a:endParaRPr lang="en-US" sz="2400" i="1" dirty="0" smtClean="0">
+              <a:solidFill>
+                <a:srgbClr val="2F5CB5"/>
+              </a:solidFill>
+            </a:endParaRPr>
+          </a:p>
+        </p:txBody>
+      </p:sp>
+      <p:pic>
+        <p:nvPicPr>
+          <p:cNvPr id="6" name="Рисунок 5" descr="Screenshot 2021-01-26 at 09.17.25.png"/>
+          <p:cNvPicPr>
+            <a:picLocks noChangeAspect="1"/>
+          </p:cNvPicPr>
+          <p:nvPr/>
+        </p:nvPicPr>
+        <p:blipFill>
+          <a:blip r:embed="rId2" cstate="print"/>
+          <a:stretch>
+            <a:fillRect/>
+          </a:stretch>
+        </p:blipFill>
+        <p:spPr>
+          <a:xfrm>
+            <a:off x="6732002" y="1742531"/>
+            <a:ext cx="4475321" cy="3939812"/>
+          </a:xfrm>
+          <a:prstGeom prst="rect">
+            <a:avLst/>
+          </a:prstGeom>
+        </p:spPr>
+      </p:pic>
+      <p:sp>
+        <p:nvSpPr>
+          <p:cNvPr id="8" name="Скругленный прямоугольник 7"/>
+          <p:cNvSpPr/>
+          <p:nvPr/>
+        </p:nvSpPr>
+        <p:spPr>
+          <a:xfrm>
+            <a:off x="796838" y="1541417"/>
+            <a:ext cx="3749036" cy="2076994"/>
+          </a:xfrm>
+          <a:prstGeom prst="roundRect">
+            <a:avLst/>
+          </a:prstGeom>
+          <a:noFill/>
+          <a:ln w="38100">
+            <a:solidFill>
+              <a:srgbClr val="F7B217"/>
+            </a:solidFill>
+            <a:prstDash val="dash"/>
+          </a:ln>
+        </p:spPr>
+        <p:style>
+          <a:lnRef idx="2">
+            <a:schemeClr val="accent1">
+              <a:shade val="50000"/>
+            </a:schemeClr>
+          </a:lnRef>
+          <a:fillRef idx="1">
+            <a:schemeClr val="accent1"/>
+          </a:fillRef>
+          <a:effectRef idx="0">
+            <a:schemeClr val="accent1"/>
+          </a:effectRef>
+          <a:fontRef idx="minor">
+            <a:schemeClr val="lt1"/>
+          </a:fontRef>
+        </p:style>
+        <p:txBody>
+          <a:bodyPr rtlCol="0" anchor="ctr"/>
+          <a:lstStyle/>
+          <a:p>
+            <a:pPr algn="ctr"/>
+            <a:endParaRPr lang="ru-RU"/>
+          </a:p>
+        </p:txBody>
+      </p:sp>
+      <p:sp>
+        <p:nvSpPr>
+          <p:cNvPr id="9" name="Скругленный прямоугольник 8"/>
+          <p:cNvSpPr/>
+          <p:nvPr/>
+        </p:nvSpPr>
+        <p:spPr>
+          <a:xfrm>
+            <a:off x="740233" y="3627119"/>
+            <a:ext cx="3805642" cy="3191691"/>
+          </a:xfrm>
+          <a:prstGeom prst="roundRect">
+            <a:avLst/>
+          </a:prstGeom>
+          <a:noFill/>
+          <a:ln w="38100">
+            <a:solidFill>
+              <a:srgbClr val="F7B217"/>
+            </a:solidFill>
+            <a:prstDash val="dash"/>
+          </a:ln>
+        </p:spPr>
+        <p:style>
+          <a:lnRef idx="2">
+            <a:schemeClr val="accent1">
+              <a:shade val="50000"/>
+            </a:schemeClr>
+          </a:lnRef>
+          <a:fillRef idx="1">
+            <a:schemeClr val="accent1"/>
+          </a:fillRef>
+          <a:effectRef idx="0">
+            <a:schemeClr val="accent1"/>
+          </a:effectRef>
+          <a:fontRef idx="minor">
+            <a:schemeClr val="lt1"/>
+          </a:fontRef>
+        </p:style>
+        <p:txBody>
+          <a:bodyPr rtlCol="0" anchor="ctr"/>
+          <a:lstStyle/>
+          <a:p>
+            <a:pPr algn="ctr"/>
+            <a:endParaRPr lang="ru-RU"/>
+          </a:p>
+        </p:txBody>
+      </p:sp>
+      <p:sp>
+        <p:nvSpPr>
+          <p:cNvPr id="10" name="Скругленный прямоугольник 9"/>
+          <p:cNvSpPr/>
+          <p:nvPr/>
+        </p:nvSpPr>
+        <p:spPr>
+          <a:xfrm>
+            <a:off x="6631587" y="2808514"/>
+            <a:ext cx="4380402" cy="914400"/>
+          </a:xfrm>
+          <a:prstGeom prst="roundRect">
+            <a:avLst/>
+          </a:prstGeom>
+          <a:noFill/>
+          <a:ln w="38100">
+            <a:solidFill>
+              <a:srgbClr val="F7B217"/>
+            </a:solidFill>
+            <a:prstDash val="dash"/>
+          </a:ln>
+        </p:spPr>
+        <p:style>
+          <a:lnRef idx="2">
+            <a:schemeClr val="accent1">
+              <a:shade val="50000"/>
+            </a:schemeClr>
+          </a:lnRef>
+          <a:fillRef idx="1">
+            <a:schemeClr val="accent1"/>
+          </a:fillRef>
+          <a:effectRef idx="0">
+            <a:schemeClr val="accent1"/>
+          </a:effectRef>
+          <a:fontRef idx="minor">
+            <a:schemeClr val="lt1"/>
+          </a:fontRef>
+        </p:style>
+        <p:txBody>
+          <a:bodyPr rtlCol="0" anchor="ctr"/>
+          <a:lstStyle/>
+          <a:p>
+            <a:pPr algn="ctr"/>
+            <a:endParaRPr lang="ru-RU" dirty="0"/>
+          </a:p>
+        </p:txBody>
+      </p:sp>
+      <p:sp>
+        <p:nvSpPr>
+          <p:cNvPr id="12" name="Скругленный прямоугольник 11"/>
+          <p:cNvSpPr/>
+          <p:nvPr/>
+        </p:nvSpPr>
+        <p:spPr>
+          <a:xfrm>
+            <a:off x="6679483" y="3744693"/>
+            <a:ext cx="4380402" cy="1245317"/>
+          </a:xfrm>
+          <a:prstGeom prst="roundRect">
+            <a:avLst/>
+          </a:prstGeom>
+          <a:noFill/>
+          <a:ln w="38100">
+            <a:solidFill>
+              <a:srgbClr val="F7B217"/>
+            </a:solidFill>
+            <a:prstDash val="dash"/>
+          </a:ln>
+        </p:spPr>
+        <p:style>
+          <a:lnRef idx="2">
+            <a:schemeClr val="accent1">
+              <a:shade val="50000"/>
+            </a:schemeClr>
+          </a:lnRef>
+          <a:fillRef idx="1">
+            <a:schemeClr val="accent1"/>
+          </a:fillRef>
+          <a:effectRef idx="0">
+            <a:schemeClr val="accent1"/>
+          </a:effectRef>
+          <a:fontRef idx="minor">
+            <a:schemeClr val="lt1"/>
+          </a:fontRef>
+        </p:style>
+        <p:txBody>
+          <a:bodyPr rtlCol="0" anchor="ctr"/>
+          <a:lstStyle/>
+          <a:p>
+            <a:pPr algn="ctr"/>
+            <a:endParaRPr lang="ru-RU" dirty="0"/>
+          </a:p>
+        </p:txBody>
+      </p:sp>
+      <p:cxnSp>
+        <p:nvCxnSpPr>
+          <p:cNvPr id="13" name="Прямая со стрелкой 12"/>
+          <p:cNvCxnSpPr>
+            <a:stCxn id="8" idx="3"/>
+            <a:endCxn id="10" idx="1"/>
+          </p:cNvCxnSpPr>
+          <p:nvPr/>
+        </p:nvCxnSpPr>
+        <p:spPr>
+          <a:xfrm>
+            <a:off x="4545874" y="2579914"/>
+            <a:ext cx="2085713" cy="685800"/>
+          </a:xfrm>
+          <a:prstGeom prst="straightConnector1">
+            <a:avLst/>
+          </a:prstGeom>
+          <a:ln w="38100">
+            <a:solidFill>
+              <a:srgbClr val="F7B217"/>
+            </a:solidFill>
+            <a:tailEnd type="triangle" w="lg" len="lg"/>
+          </a:ln>
+        </p:spPr>
+        <p:style>
+          <a:lnRef idx="1">
+            <a:schemeClr val="accent1"/>
+          </a:lnRef>
+          <a:fillRef idx="0">
+            <a:schemeClr val="accent1"/>
+          </a:fillRef>
+          <a:effectRef idx="0">
+            <a:schemeClr val="accent1"/>
+          </a:effectRef>
+          <a:fontRef idx="minor">
+            <a:schemeClr val="tx1"/>
+          </a:fontRef>
+        </p:style>
+      </p:cxnSp>
+      <p:cxnSp>
+        <p:nvCxnSpPr>
+          <p:cNvPr id="16" name="Прямая со стрелкой 15"/>
+          <p:cNvCxnSpPr>
+            <a:stCxn id="9" idx="3"/>
+            <a:endCxn id="12" idx="1"/>
+          </p:cNvCxnSpPr>
+          <p:nvPr/>
+        </p:nvCxnSpPr>
+        <p:spPr>
+          <a:xfrm flipV="1">
+            <a:off x="4545875" y="4367352"/>
+            <a:ext cx="2133608" cy="855613"/>
+          </a:xfrm>
+          <a:prstGeom prst="straightConnector1">
+            <a:avLst/>
+          </a:prstGeom>
+          <a:ln w="38100">
+            <a:solidFill>
+              <a:srgbClr val="F7B217"/>
+            </a:solidFill>
+            <a:tailEnd type="triangle" w="lg" len="lg"/>
+          </a:ln>
+        </p:spPr>
+        <p:style>
+          <a:lnRef idx="1">
+            <a:schemeClr val="accent1"/>
+          </a:lnRef>
+          <a:fillRef idx="0">
+            <a:schemeClr val="accent1"/>
+          </a:fillRef>
+          <a:effectRef idx="0">
+            <a:schemeClr val="accent1"/>
+          </a:effectRef>
+          <a:fontRef idx="minor">
+            <a:schemeClr val="tx1"/>
+          </a:fontRef>
+        </p:style>
+      </p:cxnSp>
+      <p:sp>
+        <p:nvSpPr>
+          <p:cNvPr id="19" name="TextBox 18"/>
+          <p:cNvSpPr txBox="1"/>
+          <p:nvPr/>
+        </p:nvSpPr>
+        <p:spPr>
+          <a:xfrm>
+            <a:off x="4323803" y="1828799"/>
+            <a:ext cx="2495006" cy="914400"/>
+          </a:xfrm>
+          <a:prstGeom prst="rect">
+            <a:avLst/>
+          </a:prstGeom>
+          <a:noFill/>
+        </p:spPr>
+        <p:txBody>
+          <a:bodyPr wrap="square" lIns="72000" tIns="25200" rIns="0" bIns="25200" rtlCol="0" anchor="ctr" anchorCtr="0">
+            <a:noAutofit/>
+          </a:bodyPr>
+          <a:lstStyle/>
+          <a:p>
+            <a:pPr algn="ctr"/>
+            <a:r>
+              <a:rPr lang="en-US" sz="2400" b="1" dirty="0" smtClean="0">
+                <a:solidFill>
+                  <a:srgbClr val="1E3272"/>
+                </a:solidFill>
+              </a:rPr>
+              <a:t>Default</a:t>
+            </a:r>
+          </a:p>
+          <a:p>
+            <a:pPr algn="ctr"/>
+            <a:r>
+              <a:rPr lang="en-US" sz="2400" b="1" dirty="0" smtClean="0">
+                <a:solidFill>
+                  <a:srgbClr val="1E3272"/>
+                </a:solidFill>
+              </a:rPr>
+              <a:t>Alignment</a:t>
+            </a:r>
+            <a:endParaRPr lang="ru-RU" sz="2400" b="1" dirty="0" smtClean="0">
+              <a:solidFill>
+                <a:srgbClr val="1E3272"/>
+              </a:solidFill>
+            </a:endParaRPr>
+          </a:p>
+        </p:txBody>
+      </p:sp>
+      <p:sp>
+        <p:nvSpPr>
+          <p:cNvPr id="20" name="TextBox 19"/>
+          <p:cNvSpPr txBox="1"/>
+          <p:nvPr/>
+        </p:nvSpPr>
+        <p:spPr>
+          <a:xfrm>
+            <a:off x="4397824" y="4868091"/>
+            <a:ext cx="2495006" cy="914400"/>
+          </a:xfrm>
+          <a:prstGeom prst="rect">
+            <a:avLst/>
+          </a:prstGeom>
+          <a:noFill/>
+        </p:spPr>
+        <p:txBody>
+          <a:bodyPr wrap="square" lIns="72000" tIns="25200" rIns="0" bIns="25200" rtlCol="0" anchor="ctr" anchorCtr="0">
+            <a:noAutofit/>
+          </a:bodyPr>
+          <a:lstStyle/>
+          <a:p>
+            <a:pPr algn="ctr"/>
+            <a:r>
+              <a:rPr lang="en-US" sz="2400" b="1" dirty="0" smtClean="0">
+                <a:solidFill>
+                  <a:srgbClr val="1E3272"/>
+                </a:solidFill>
+              </a:rPr>
+              <a:t>Custom</a:t>
+            </a:r>
+          </a:p>
+          <a:p>
+            <a:pPr algn="ctr"/>
+            <a:r>
+              <a:rPr lang="en-US" sz="2400" b="1" dirty="0" smtClean="0">
+                <a:solidFill>
+                  <a:srgbClr val="1E3272"/>
+                </a:solidFill>
+              </a:rPr>
+              <a:t>Alignment</a:t>
+            </a:r>
+            <a:endParaRPr lang="ru-RU" sz="2400" b="1" dirty="0" smtClean="0">
+              <a:solidFill>
+                <a:srgbClr val="1E3272"/>
+              </a:solidFill>
+            </a:endParaRPr>
+          </a:p>
+        </p:txBody>
+      </p:sp>
+    </p:spTree>
+  </p:cSld>
+  <p:clrMapOvr>
+    <a:masterClrMapping/>
+  </p:clrMapOvr>
+  <p:timing>
+    <p:tnLst>
+      <p:par>
+        <p:cTn id="1" dur="indefinite" restart="never" nodeType="tmRoot"/>
+      </p:par>
+    </p:tnLst>
+  </p:timing>
+</p:sld>
+</file>
+
+<file path=ppt/slides/slide19.xml><?xml version="1.0" encoding="utf-8"?>
+<p:sld xmlns:a="http://schemas.openxmlformats.org/drawingml/2006/main" xmlns:r="http://schemas.openxmlformats.org/officeDocument/2006/relationships" xmlns:p="http://schemas.openxmlformats.org/presentationml/2006/main">
+  <p:cSld>
+    <p:spTree>
+      <p:nvGrpSpPr>
+        <p:cNvPr id="1" name=""/>
+        <p:cNvGrpSpPr/>
+        <p:nvPr/>
+      </p:nvGrpSpPr>
+      <p:grpSpPr>
+        <a:xfrm>
+          <a:off x="0" y="0"/>
+          <a:ext cx="0" cy="0"/>
+          <a:chOff x="0" y="0"/>
+          <a:chExt cx="0" cy="0"/>
+        </a:xfrm>
+      </p:grpSpPr>
+      <p:sp>
+        <p:nvSpPr>
+          <p:cNvPr id="2" name="Содержимое 1"/>
+          <p:cNvSpPr>
+            <a:spLocks noGrp="1"/>
+          </p:cNvSpPr>
+          <p:nvPr>
+            <p:ph idx="1"/>
+          </p:nvPr>
+        </p:nvSpPr>
+        <p:spPr/>
+        <p:txBody>
+          <a:bodyPr/>
+          <a:lstStyle/>
+          <a:p>
+            <a:endParaRPr lang="ru-RU"/>
+          </a:p>
+        </p:txBody>
+      </p:sp>
+      <p:sp>
+        <p:nvSpPr>
+          <p:cNvPr id="3" name="Номер слайда 2"/>
+          <p:cNvSpPr>
+            <a:spLocks noGrp="1"/>
+          </p:cNvSpPr>
+          <p:nvPr>
+            <p:ph type="sldNum" sz="quarter" idx="12"/>
+          </p:nvPr>
+        </p:nvSpPr>
+        <p:spPr/>
+        <p:txBody>
+          <a:bodyPr/>
+          <a:lstStyle/>
+          <a:p>
+            <a:pPr algn="ctr"/>
+            <a:fld id="{1397BFD8-F312-4EF2-A268-44FB4BDDBBB0}" type="slidenum">
+              <a:rPr lang="ru-RU" smtClean="0"/>
+              <a:pPr algn="ctr"/>
+              <a:t>19</a:t>
+            </a:fld>
+            <a:endParaRPr lang="ru-RU" dirty="0"/>
+          </a:p>
+        </p:txBody>
+      </p:sp>
+      <p:sp>
+        <p:nvSpPr>
+          <p:cNvPr id="4" name="Заголовок 3"/>
+          <p:cNvSpPr>
+            <a:spLocks noGrp="1"/>
+          </p:cNvSpPr>
+          <p:nvPr>
+            <p:ph type="title"/>
+          </p:nvPr>
+        </p:nvSpPr>
+        <p:spPr/>
+        <p:txBody>
+          <a:bodyPr/>
+          <a:lstStyle/>
+          <a:p>
+            <a:r>
+              <a:rPr lang="en-US" dirty="0" smtClean="0"/>
+              <a:t>Load and Store Instructions</a:t>
+            </a:r>
+            <a:endParaRPr lang="ru-RU" dirty="0"/>
+          </a:p>
+        </p:txBody>
+      </p:sp>
+    </p:spTree>
   </p:cSld>
   <p:clrMapOvr>
     <a:masterClrMapping/>
@@ -10921,6 +12708,531 @@
 </p:sld>
 </file>
 
+<file path=ppt/slides/slide20.xml><?xml version="1.0" encoding="utf-8"?>
+<p:sld xmlns:a="http://schemas.openxmlformats.org/drawingml/2006/main" xmlns:r="http://schemas.openxmlformats.org/officeDocument/2006/relationships" xmlns:p="http://schemas.openxmlformats.org/presentationml/2006/main">
+  <p:cSld>
+    <p:spTree>
+      <p:nvGrpSpPr>
+        <p:cNvPr id="1" name=""/>
+        <p:cNvGrpSpPr/>
+        <p:nvPr/>
+      </p:nvGrpSpPr>
+      <p:grpSpPr>
+        <a:xfrm>
+          <a:off x="0" y="0"/>
+          <a:ext cx="0" cy="0"/>
+          <a:chOff x="0" y="0"/>
+          <a:chExt cx="0" cy="0"/>
+        </a:xfrm>
+      </p:grpSpPr>
+      <p:sp>
+        <p:nvSpPr>
+          <p:cNvPr id="4" name="Прямоугольник 3"/>
+          <p:cNvSpPr/>
+          <p:nvPr/>
+        </p:nvSpPr>
+        <p:spPr>
+          <a:xfrm>
+            <a:off x="2664999" y="472120"/>
+            <a:ext cx="7524751" cy="5262979"/>
+          </a:xfrm>
+          <a:prstGeom prst="rect">
+            <a:avLst/>
+          </a:prstGeom>
+          <a:noFill/>
+          <a:ln>
+            <a:noFill/>
+          </a:ln>
+          <a:scene3d>
+            <a:camera prst="perspectiveRelaxed"/>
+            <a:lightRig rig="threePt" dir="t"/>
+          </a:scene3d>
+        </p:spPr>
+        <p:txBody>
+          <a:bodyPr wrap="square" lIns="91440" tIns="45720" rIns="91440" bIns="45720">
+            <a:spAutoFit/>
+          </a:bodyPr>
+          <a:lstStyle/>
+          <a:p>
+            <a:r>
+              <a:rPr lang="en-US" sz="2400" dirty="0" smtClean="0">
+                <a:ln w="0"/>
+                <a:solidFill>
+                  <a:srgbClr val="273272"/>
+                </a:solidFill>
+                <a:effectLst>
+                  <a:reflection blurRad="6350" stA="53000" endA="300" endPos="35500" dir="5400000" sy="-90000" algn="bl" rotWithShape="0"/>
+                </a:effectLst>
+                <a:latin typeface="Courier New" pitchFamily="49" charset="0"/>
+                <a:cs typeface="Courier New" pitchFamily="49" charset="0"/>
+              </a:rPr>
+              <a:t>		</a:t>
+            </a:r>
+          </a:p>
+          <a:p>
+            <a:r>
+              <a:rPr lang="en-US" sz="2400" dirty="0" smtClean="0">
+                <a:ln w="0"/>
+                <a:solidFill>
+                  <a:srgbClr val="273272"/>
+                </a:solidFill>
+                <a:effectLst>
+                  <a:reflection blurRad="6350" stA="53000" endA="300" endPos="35500" dir="5400000" sy="-90000" algn="bl" rotWithShape="0"/>
+                </a:effectLst>
+                <a:latin typeface="Courier New" pitchFamily="49" charset="0"/>
+                <a:cs typeface="Courier New" pitchFamily="49" charset="0"/>
+              </a:rPr>
+              <a:t>		.text</a:t>
+            </a:r>
+          </a:p>
+          <a:p>
+            <a:r>
+              <a:rPr lang="en-US" sz="2400" dirty="0" smtClean="0">
+                <a:ln w="0"/>
+                <a:solidFill>
+                  <a:srgbClr val="273272"/>
+                </a:solidFill>
+                <a:effectLst>
+                  <a:reflection blurRad="6350" stA="53000" endA="300" endPos="35500" dir="5400000" sy="-90000" algn="bl" rotWithShape="0"/>
+                </a:effectLst>
+                <a:latin typeface="Courier New" pitchFamily="49" charset="0"/>
+                <a:cs typeface="Courier New" pitchFamily="49" charset="0"/>
+              </a:rPr>
+              <a:t>__start:	addi t1, zero, 0x18</a:t>
+            </a:r>
+          </a:p>
+          <a:p>
+            <a:r>
+              <a:rPr lang="en-US" sz="2400" dirty="0" smtClean="0">
+                <a:ln w="0"/>
+                <a:solidFill>
+                  <a:srgbClr val="273272"/>
+                </a:solidFill>
+                <a:effectLst>
+                  <a:reflection blurRad="6350" stA="53000" endA="300" endPos="35500" dir="5400000" sy="-90000" algn="bl" rotWithShape="0"/>
+                </a:effectLst>
+                <a:latin typeface="Courier New" pitchFamily="49" charset="0"/>
+                <a:cs typeface="Courier New" pitchFamily="49" charset="0"/>
+              </a:rPr>
+              <a:t>		addi t2, zero, 0x21</a:t>
+            </a:r>
+          </a:p>
+          <a:p>
+            <a:r>
+              <a:rPr lang="en-US" sz="2400" dirty="0" smtClean="0">
+                <a:ln w="0"/>
+                <a:solidFill>
+                  <a:srgbClr val="273272"/>
+                </a:solidFill>
+                <a:effectLst>
+                  <a:reflection blurRad="6350" stA="53000" endA="300" endPos="35500" dir="5400000" sy="-90000" algn="bl" rotWithShape="0"/>
+                </a:effectLst>
+                <a:latin typeface="Courier New" pitchFamily="49" charset="0"/>
+                <a:cs typeface="Courier New" pitchFamily="49" charset="0"/>
+              </a:rPr>
+              <a:t>cycle:	</a:t>
+            </a:r>
+            <a:r>
+              <a:rPr lang="en-US" sz="2400" dirty="0" err="1" smtClean="0">
+                <a:ln w="0"/>
+                <a:solidFill>
+                  <a:srgbClr val="273272"/>
+                </a:solidFill>
+                <a:effectLst>
+                  <a:reflection blurRad="6350" stA="53000" endA="300" endPos="35500" dir="5400000" sy="-90000" algn="bl" rotWithShape="0"/>
+                </a:effectLst>
+                <a:latin typeface="Courier New" pitchFamily="49" charset="0"/>
+                <a:cs typeface="Courier New" pitchFamily="49" charset="0"/>
+              </a:rPr>
+              <a:t>beq</a:t>
+            </a:r>
+            <a:r>
+              <a:rPr lang="en-US" sz="2400" dirty="0" smtClean="0">
+                <a:ln w="0"/>
+                <a:solidFill>
+                  <a:srgbClr val="273272"/>
+                </a:solidFill>
+                <a:effectLst>
+                  <a:reflection blurRad="6350" stA="53000" endA="300" endPos="35500" dir="5400000" sy="-90000" algn="bl" rotWithShape="0"/>
+                </a:effectLst>
+                <a:latin typeface="Courier New" pitchFamily="49" charset="0"/>
+                <a:cs typeface="Courier New" pitchFamily="49" charset="0"/>
+              </a:rPr>
+              <a:t> t1, t2, done</a:t>
+            </a:r>
+          </a:p>
+          <a:p>
+            <a:r>
+              <a:rPr lang="en-US" sz="2400" dirty="0" smtClean="0">
+                <a:ln w="0"/>
+                <a:solidFill>
+                  <a:srgbClr val="273272"/>
+                </a:solidFill>
+                <a:effectLst>
+                  <a:reflection blurRad="6350" stA="53000" endA="300" endPos="35500" dir="5400000" sy="-90000" algn="bl" rotWithShape="0"/>
+                </a:effectLst>
+                <a:latin typeface="Courier New" pitchFamily="49" charset="0"/>
+                <a:cs typeface="Courier New" pitchFamily="49" charset="0"/>
+              </a:rPr>
+              <a:t>		</a:t>
+            </a:r>
+            <a:r>
+              <a:rPr lang="en-US" sz="2400" dirty="0" err="1" smtClean="0">
+                <a:ln w="0"/>
+                <a:solidFill>
+                  <a:srgbClr val="273272"/>
+                </a:solidFill>
+                <a:effectLst>
+                  <a:reflection blurRad="6350" stA="53000" endA="300" endPos="35500" dir="5400000" sy="-90000" algn="bl" rotWithShape="0"/>
+                </a:effectLst>
+                <a:latin typeface="Courier New" pitchFamily="49" charset="0"/>
+                <a:cs typeface="Courier New" pitchFamily="49" charset="0"/>
+              </a:rPr>
+              <a:t>slt</a:t>
+            </a:r>
+            <a:r>
+              <a:rPr lang="en-US" sz="2400" dirty="0" smtClean="0">
+                <a:ln w="0"/>
+                <a:solidFill>
+                  <a:srgbClr val="273272"/>
+                </a:solidFill>
+                <a:effectLst>
+                  <a:reflection blurRad="6350" stA="53000" endA="300" endPos="35500" dir="5400000" sy="-90000" algn="bl" rotWithShape="0"/>
+                </a:effectLst>
+                <a:latin typeface="Courier New" pitchFamily="49" charset="0"/>
+                <a:cs typeface="Courier New" pitchFamily="49" charset="0"/>
+              </a:rPr>
+              <a:t> t0, t1, t2</a:t>
+            </a:r>
+          </a:p>
+          <a:p>
+            <a:r>
+              <a:rPr lang="en-US" sz="2400" dirty="0" smtClean="0">
+                <a:ln w="0"/>
+                <a:solidFill>
+                  <a:srgbClr val="273272"/>
+                </a:solidFill>
+                <a:effectLst>
+                  <a:reflection blurRad="6350" stA="53000" endA="300" endPos="35500" dir="5400000" sy="-90000" algn="bl" rotWithShape="0"/>
+                </a:effectLst>
+                <a:latin typeface="Courier New" pitchFamily="49" charset="0"/>
+                <a:cs typeface="Courier New" pitchFamily="49" charset="0"/>
+              </a:rPr>
+              <a:t>		</a:t>
+            </a:r>
+            <a:r>
+              <a:rPr lang="en-US" sz="2400" dirty="0" err="1" smtClean="0">
+                <a:ln w="0"/>
+                <a:solidFill>
+                  <a:srgbClr val="273272"/>
+                </a:solidFill>
+                <a:effectLst>
+                  <a:reflection blurRad="6350" stA="53000" endA="300" endPos="35500" dir="5400000" sy="-90000" algn="bl" rotWithShape="0"/>
+                </a:effectLst>
+                <a:latin typeface="Courier New" pitchFamily="49" charset="0"/>
+                <a:cs typeface="Courier New" pitchFamily="49" charset="0"/>
+              </a:rPr>
+              <a:t>bne</a:t>
+            </a:r>
+            <a:r>
+              <a:rPr lang="en-US" sz="2400" dirty="0" smtClean="0">
+                <a:ln w="0"/>
+                <a:solidFill>
+                  <a:srgbClr val="273272"/>
+                </a:solidFill>
+                <a:effectLst>
+                  <a:reflection blurRad="6350" stA="53000" endA="300" endPos="35500" dir="5400000" sy="-90000" algn="bl" rotWithShape="0"/>
+                </a:effectLst>
+                <a:latin typeface="Courier New" pitchFamily="49" charset="0"/>
+                <a:cs typeface="Courier New" pitchFamily="49" charset="0"/>
+              </a:rPr>
+              <a:t> t0, zero, </a:t>
+            </a:r>
+            <a:r>
+              <a:rPr lang="en-US" sz="2400" dirty="0" err="1" smtClean="0">
+                <a:ln w="0"/>
+                <a:solidFill>
+                  <a:srgbClr val="273272"/>
+                </a:solidFill>
+                <a:effectLst>
+                  <a:reflection blurRad="6350" stA="53000" endA="300" endPos="35500" dir="5400000" sy="-90000" algn="bl" rotWithShape="0"/>
+                </a:effectLst>
+                <a:latin typeface="Courier New" pitchFamily="49" charset="0"/>
+                <a:cs typeface="Courier New" pitchFamily="49" charset="0"/>
+              </a:rPr>
+              <a:t>if_less</a:t>
+            </a:r>
+            <a:endParaRPr lang="en-US" sz="2400" dirty="0" smtClean="0">
+              <a:ln w="0"/>
+              <a:solidFill>
+                <a:srgbClr val="273272"/>
+              </a:solidFill>
+              <a:effectLst>
+                <a:reflection blurRad="6350" stA="53000" endA="300" endPos="35500" dir="5400000" sy="-90000" algn="bl" rotWithShape="0"/>
+              </a:effectLst>
+              <a:latin typeface="Courier New" pitchFamily="49" charset="0"/>
+              <a:cs typeface="Courier New" pitchFamily="49" charset="0"/>
+            </a:endParaRPr>
+          </a:p>
+          <a:p>
+            <a:r>
+              <a:rPr lang="en-US" sz="2400" dirty="0" smtClean="0">
+                <a:ln w="0"/>
+                <a:solidFill>
+                  <a:srgbClr val="273272"/>
+                </a:solidFill>
+                <a:effectLst>
+                  <a:reflection blurRad="6350" stA="53000" endA="300" endPos="35500" dir="5400000" sy="-90000" algn="bl" rotWithShape="0"/>
+                </a:effectLst>
+                <a:latin typeface="Courier New" pitchFamily="49" charset="0"/>
+                <a:cs typeface="Courier New" pitchFamily="49" charset="0"/>
+              </a:rPr>
+              <a:t>		</a:t>
+            </a:r>
+            <a:r>
+              <a:rPr lang="en-US" sz="2400" dirty="0" err="1" smtClean="0">
+                <a:ln w="0"/>
+                <a:solidFill>
+                  <a:srgbClr val="273272"/>
+                </a:solidFill>
+                <a:effectLst>
+                  <a:reflection blurRad="6350" stA="53000" endA="300" endPos="35500" dir="5400000" sy="-90000" algn="bl" rotWithShape="0"/>
+                </a:effectLst>
+                <a:latin typeface="Courier New" pitchFamily="49" charset="0"/>
+                <a:cs typeface="Courier New" pitchFamily="49" charset="0"/>
+              </a:rPr>
+              <a:t>nop</a:t>
+            </a:r>
+            <a:endParaRPr lang="en-US" sz="2400" dirty="0" smtClean="0">
+              <a:ln w="0"/>
+              <a:solidFill>
+                <a:srgbClr val="273272"/>
+              </a:solidFill>
+              <a:effectLst>
+                <a:reflection blurRad="6350" stA="53000" endA="300" endPos="35500" dir="5400000" sy="-90000" algn="bl" rotWithShape="0"/>
+              </a:effectLst>
+              <a:latin typeface="Courier New" pitchFamily="49" charset="0"/>
+              <a:cs typeface="Courier New" pitchFamily="49" charset="0"/>
+            </a:endParaRPr>
+          </a:p>
+          <a:p>
+            <a:r>
+              <a:rPr lang="en-US" sz="2400" dirty="0" smtClean="0">
+                <a:ln w="0"/>
+                <a:solidFill>
+                  <a:srgbClr val="273272"/>
+                </a:solidFill>
+                <a:effectLst>
+                  <a:reflection blurRad="6350" stA="53000" endA="300" endPos="35500" dir="5400000" sy="-90000" algn="bl" rotWithShape="0"/>
+                </a:effectLst>
+                <a:latin typeface="Courier New" pitchFamily="49" charset="0"/>
+                <a:cs typeface="Courier New" pitchFamily="49" charset="0"/>
+              </a:rPr>
+              <a:t>		sub t1, t1, t2</a:t>
+            </a:r>
+          </a:p>
+          <a:p>
+            <a:r>
+              <a:rPr lang="en-US" sz="2400" dirty="0" smtClean="0">
+                <a:ln w="0"/>
+                <a:solidFill>
+                  <a:srgbClr val="273272"/>
+                </a:solidFill>
+                <a:effectLst>
+                  <a:reflection blurRad="6350" stA="53000" endA="300" endPos="35500" dir="5400000" sy="-90000" algn="bl" rotWithShape="0"/>
+                </a:effectLst>
+                <a:latin typeface="Courier New" pitchFamily="49" charset="0"/>
+                <a:cs typeface="Courier New" pitchFamily="49" charset="0"/>
+              </a:rPr>
+              <a:t>		j cycle</a:t>
+            </a:r>
+          </a:p>
+          <a:p>
+            <a:r>
+              <a:rPr lang="en-US" sz="2400" dirty="0" smtClean="0">
+                <a:ln w="0"/>
+                <a:solidFill>
+                  <a:srgbClr val="273272"/>
+                </a:solidFill>
+                <a:effectLst>
+                  <a:reflection blurRad="6350" stA="53000" endA="300" endPos="35500" dir="5400000" sy="-90000" algn="bl" rotWithShape="0"/>
+                </a:effectLst>
+                <a:latin typeface="Courier New" pitchFamily="49" charset="0"/>
+                <a:cs typeface="Courier New" pitchFamily="49" charset="0"/>
+              </a:rPr>
+              <a:t>		</a:t>
+            </a:r>
+            <a:r>
+              <a:rPr lang="en-US" sz="2400" dirty="0" err="1" smtClean="0">
+                <a:ln w="0"/>
+                <a:solidFill>
+                  <a:srgbClr val="273272"/>
+                </a:solidFill>
+                <a:effectLst>
+                  <a:reflection blurRad="6350" stA="53000" endA="300" endPos="35500" dir="5400000" sy="-90000" algn="bl" rotWithShape="0"/>
+                </a:effectLst>
+                <a:latin typeface="Courier New" pitchFamily="49" charset="0"/>
+                <a:cs typeface="Courier New" pitchFamily="49" charset="0"/>
+              </a:rPr>
+              <a:t>nop</a:t>
+            </a:r>
+            <a:endParaRPr lang="en-US" sz="2400" dirty="0" smtClean="0">
+              <a:ln w="0"/>
+              <a:solidFill>
+                <a:srgbClr val="273272"/>
+              </a:solidFill>
+              <a:effectLst>
+                <a:reflection blurRad="6350" stA="53000" endA="300" endPos="35500" dir="5400000" sy="-90000" algn="bl" rotWithShape="0"/>
+              </a:effectLst>
+              <a:latin typeface="Courier New" pitchFamily="49" charset="0"/>
+              <a:cs typeface="Courier New" pitchFamily="49" charset="0"/>
+            </a:endParaRPr>
+          </a:p>
+          <a:p>
+            <a:r>
+              <a:rPr lang="en-US" sz="2400" dirty="0" err="1" smtClean="0">
+                <a:ln w="0"/>
+                <a:solidFill>
+                  <a:srgbClr val="273272"/>
+                </a:solidFill>
+                <a:effectLst>
+                  <a:reflection blurRad="6350" stA="53000" endA="300" endPos="35500" dir="5400000" sy="-90000" algn="bl" rotWithShape="0"/>
+                </a:effectLst>
+                <a:latin typeface="Courier New" pitchFamily="49" charset="0"/>
+                <a:cs typeface="Courier New" pitchFamily="49" charset="0"/>
+              </a:rPr>
+              <a:t>if_less</a:t>
+            </a:r>
+            <a:r>
+              <a:rPr lang="en-US" sz="2400" dirty="0" smtClean="0">
+                <a:ln w="0"/>
+                <a:solidFill>
+                  <a:srgbClr val="273272"/>
+                </a:solidFill>
+                <a:effectLst>
+                  <a:reflection blurRad="6350" stA="53000" endA="300" endPos="35500" dir="5400000" sy="-90000" algn="bl" rotWithShape="0"/>
+                </a:effectLst>
+                <a:latin typeface="Courier New" pitchFamily="49" charset="0"/>
+                <a:cs typeface="Courier New" pitchFamily="49" charset="0"/>
+              </a:rPr>
+              <a:t>:	sub t2, t2, t1</a:t>
+            </a:r>
+          </a:p>
+          <a:p>
+            <a:r>
+              <a:rPr lang="en-US" sz="2400" dirty="0" smtClean="0">
+                <a:ln w="0"/>
+                <a:solidFill>
+                  <a:srgbClr val="273272"/>
+                </a:solidFill>
+                <a:effectLst>
+                  <a:reflection blurRad="6350" stA="53000" endA="300" endPos="35500" dir="5400000" sy="-90000" algn="bl" rotWithShape="0"/>
+                </a:effectLst>
+                <a:latin typeface="Courier New" pitchFamily="49" charset="0"/>
+                <a:cs typeface="Courier New" pitchFamily="49" charset="0"/>
+              </a:rPr>
+              <a:t>		j cycle</a:t>
+            </a:r>
+          </a:p>
+          <a:p>
+            <a:r>
+              <a:rPr lang="en-US" sz="2400" dirty="0" smtClean="0">
+                <a:ln w="0"/>
+                <a:solidFill>
+                  <a:srgbClr val="273272"/>
+                </a:solidFill>
+                <a:effectLst>
+                  <a:reflection blurRad="6350" stA="53000" endA="300" endPos="35500" dir="5400000" sy="-90000" algn="bl" rotWithShape="0"/>
+                </a:effectLst>
+                <a:latin typeface="Courier New" pitchFamily="49" charset="0"/>
+                <a:cs typeface="Courier New" pitchFamily="49" charset="0"/>
+              </a:rPr>
+              <a:t>done:		add t3, t1, zero</a:t>
+            </a:r>
+            <a:endParaRPr lang="ru-RU" sz="2400" b="0" cap="none" spc="0" dirty="0">
+              <a:ln w="0"/>
+              <a:solidFill>
+                <a:srgbClr val="273272"/>
+              </a:solidFill>
+              <a:effectLst>
+                <a:reflection blurRad="6350" stA="53000" endA="300" endPos="35500" dir="5400000" sy="-90000" algn="bl" rotWithShape="0"/>
+              </a:effectLst>
+              <a:latin typeface="Courier New" pitchFamily="49" charset="0"/>
+              <a:cs typeface="Courier New" pitchFamily="49" charset="0"/>
+            </a:endParaRPr>
+          </a:p>
+        </p:txBody>
+      </p:sp>
+      <p:sp>
+        <p:nvSpPr>
+          <p:cNvPr id="2" name="Заголовок 1"/>
+          <p:cNvSpPr>
+            <a:spLocks noGrp="1"/>
+          </p:cNvSpPr>
+          <p:nvPr>
+            <p:ph type="title"/>
+          </p:nvPr>
+        </p:nvSpPr>
+        <p:spPr/>
+        <p:txBody>
+          <a:bodyPr>
+            <a:normAutofit/>
+          </a:bodyPr>
+          <a:lstStyle/>
+          <a:p>
+            <a:r>
+              <a:rPr lang="en-US" dirty="0" smtClean="0"/>
+              <a:t>Any Questions?</a:t>
+            </a:r>
+            <a:endParaRPr lang="ru-RU" sz="4000" dirty="0"/>
+          </a:p>
+        </p:txBody>
+      </p:sp>
+      <p:sp>
+        <p:nvSpPr>
+          <p:cNvPr id="6" name="Номер слайда 5"/>
+          <p:cNvSpPr>
+            <a:spLocks noGrp="1"/>
+          </p:cNvSpPr>
+          <p:nvPr>
+            <p:ph type="sldNum" sz="quarter" idx="12"/>
+          </p:nvPr>
+        </p:nvSpPr>
+        <p:spPr/>
+        <p:txBody>
+          <a:bodyPr/>
+          <a:lstStyle/>
+          <a:p>
+            <a:pPr algn="ctr"/>
+            <a:fld id="{1397BFD8-F312-4EF2-A268-44FB4BDDBBB0}" type="slidenum">
+              <a:rPr lang="ru-RU" smtClean="0"/>
+              <a:pPr algn="ctr"/>
+              <a:t>20</a:t>
+            </a:fld>
+            <a:endParaRPr lang="ru-RU" dirty="0"/>
+          </a:p>
+        </p:txBody>
+      </p:sp>
+    </p:spTree>
+    <p:extLst>
+      <p:ext uri="{BB962C8B-B14F-4D97-AF65-F5344CB8AC3E}">
+        <p14:creationId xmlns:p14="http://schemas.microsoft.com/office/powerpoint/2010/main" xmlns="" val="4217875043"/>
+      </p:ext>
+    </p:extLst>
+  </p:cSld>
+  <p:clrMapOvr>
+    <a:masterClrMapping/>
+  </p:clrMapOvr>
+  <p:timing>
+    <p:tnLst>
+      <p:par>
+        <p:cTn id="1" dur="indefinite" restart="never" nodeType="tmRoot"/>
+      </p:par>
+    </p:tnLst>
+  </p:timing>
+</p:sld>
+</file>
+
 <file path=ppt/slides/slide3.xml><?xml version="1.0" encoding="utf-8"?>
 <p:sld xmlns:a="http://schemas.openxmlformats.org/drawingml/2006/main" xmlns:r="http://schemas.openxmlformats.org/officeDocument/2006/relationships" xmlns:p="http://schemas.openxmlformats.org/presentationml/2006/main">
   <p:cSld>
@@ -11080,7 +13392,7 @@
     </p:spTree>
     <p:extLst>
       <p:ext uri="{BB962C8B-B14F-4D97-AF65-F5344CB8AC3E}">
-        <p14:creationId xmlns="" xmlns:p14="http://schemas.microsoft.com/office/powerpoint/2010/main" val="2794061502"/>
+        <p14:creationId xmlns:p14="http://schemas.microsoft.com/office/powerpoint/2010/main" xmlns="" val="2794061502"/>
       </p:ext>
     </p:extLst>
   </p:cSld>
@@ -11228,7 +13540,7 @@
     </p:spTree>
     <p:extLst>
       <p:ext uri="{BB962C8B-B14F-4D97-AF65-F5344CB8AC3E}">
-        <p14:creationId xmlns="" xmlns:p14="http://schemas.microsoft.com/office/powerpoint/2010/main" val="1679566440"/>
+        <p14:creationId xmlns:p14="http://schemas.microsoft.com/office/powerpoint/2010/main" xmlns="" val="1679566440"/>
       </p:ext>
     </p:extLst>
   </p:cSld>
@@ -11432,7 +13744,7 @@
     </p:spTree>
     <p:extLst>
       <p:ext uri="{BB962C8B-B14F-4D97-AF65-F5344CB8AC3E}">
-        <p14:creationId xmlns="" xmlns:p14="http://schemas.microsoft.com/office/powerpoint/2010/main" val="1942338915"/>
+        <p14:creationId xmlns:p14="http://schemas.microsoft.com/office/powerpoint/2010/main" xmlns="" val="1942338915"/>
       </p:ext>
     </p:extLst>
   </p:cSld>
@@ -11921,7 +14233,7 @@
     </p:spTree>
     <p:extLst>
       <p:ext uri="{BB962C8B-B14F-4D97-AF65-F5344CB8AC3E}">
-        <p14:creationId xmlns="" xmlns:p14="http://schemas.microsoft.com/office/powerpoint/2010/main" val="499975193"/>
+        <p14:creationId xmlns:p14="http://schemas.microsoft.com/office/powerpoint/2010/main" xmlns="" val="499975193"/>
       </p:ext>
     </p:extLst>
   </p:cSld>
@@ -12643,7 +14955,7 @@
     </p:spTree>
     <p:extLst>
       <p:ext uri="{BB962C8B-B14F-4D97-AF65-F5344CB8AC3E}">
-        <p14:creationId xmlns="" xmlns:p14="http://schemas.microsoft.com/office/powerpoint/2010/main" val="3268272223"/>
+        <p14:creationId xmlns:p14="http://schemas.microsoft.com/office/powerpoint/2010/main" xmlns="" val="3268272223"/>
       </p:ext>
     </p:extLst>
   </p:cSld>
@@ -14661,7 +16973,7 @@
   <a:extraClrSchemeLst/>
   <a:extLst>
     <a:ext uri="{05A4C25C-085E-4340-85A3-A5531E510DB2}">
-      <thm15:themeFamily xmlns="" xmlns:thm15="http://schemas.microsoft.com/office/thememl/2012/main" name="Office Theme" id="{62F939B6-93AF-4DB8-9C6B-D6C7DFDC589F}" vid="{4A3C46E8-61CC-4603-A589-7422A47A8E4A}"/>
+      <thm15:themeFamily xmlns:thm15="http://schemas.microsoft.com/office/thememl/2012/main" xmlns="" name="Office Theme" id="{62F939B6-93AF-4DB8-9C6B-D6C7DFDC589F}" vid="{4A3C46E8-61CC-4603-A589-7422A47A8E4A}"/>
     </a:ext>
   </a:extLst>
 </a:theme>
@@ -14922,7 +17234,7 @@
   <a:extraClrSchemeLst/>
   <a:extLst>
     <a:ext uri="{05A4C25C-085E-4340-85A3-A5531E510DB2}">
-      <thm15:themeFamily xmlns="" xmlns:thm15="http://schemas.microsoft.com/office/thememl/2012/main" name="Office Theme" id="{62F939B6-93AF-4DB8-9C6B-D6C7DFDC589F}" vid="{4A3C46E8-61CC-4603-A589-7422A47A8E4A}"/>
+      <thm15:themeFamily xmlns:thm15="http://schemas.microsoft.com/office/thememl/2012/main" xmlns="" name="Office Theme" id="{62F939B6-93AF-4DB8-9C6B-D6C7DFDC589F}" vid="{4A3C46E8-61CC-4603-A589-7422A47A8E4A}"/>
     </a:ext>
   </a:extLst>
 </a:theme>
@@ -15183,7 +17495,7 @@
   <a:extraClrSchemeLst/>
   <a:extLst>
     <a:ext uri="{05A4C25C-085E-4340-85A3-A5531E510DB2}">
-      <thm15:themeFamily xmlns="" xmlns:thm15="http://schemas.microsoft.com/office/thememl/2012/main" name="Office Theme" id="{62F939B6-93AF-4DB8-9C6B-D6C7DFDC589F}" vid="{4A3C46E8-61CC-4603-A589-7422A47A8E4A}"/>
+      <thm15:themeFamily xmlns:thm15="http://schemas.microsoft.com/office/thememl/2012/main" xmlns="" name="Office Theme" id="{62F939B6-93AF-4DB8-9C6B-D6C7DFDC589F}" vid="{4A3C46E8-61CC-4603-A589-7422A47A8E4A}"/>
     </a:ext>
   </a:extLst>
 </a:theme>

--- a/docs/part1ca/05_MacrosBranchesArrays/CA_Lecture_05.pptx
+++ b/docs/part1ca/05_MacrosBranchesArrays/CA_Lecture_05.pptx
@@ -5,10 +5,10 @@
     <p:sldMasterId id="2147483648" r:id="rId1"/>
   </p:sldMasterIdLst>
   <p:notesMasterIdLst>
-    <p:notesMasterId r:id="rId22"/>
+    <p:notesMasterId r:id="rId24"/>
   </p:notesMasterIdLst>
   <p:handoutMasterIdLst>
-    <p:handoutMasterId r:id="rId23"/>
+    <p:handoutMasterId r:id="rId25"/>
   </p:handoutMasterIdLst>
   <p:sldIdLst>
     <p:sldId id="256" r:id="rId2"/>
@@ -30,7 +30,9 @@
     <p:sldId id="340" r:id="rId18"/>
     <p:sldId id="341" r:id="rId19"/>
     <p:sldId id="342" r:id="rId20"/>
-    <p:sldId id="272" r:id="rId21"/>
+    <p:sldId id="343" r:id="rId21"/>
+    <p:sldId id="344" r:id="rId22"/>
+    <p:sldId id="272" r:id="rId23"/>
   </p:sldIdLst>
   <p:sldSz cx="12192000" cy="6858000"/>
   <p:notesSz cx="6858000" cy="9144000"/>
@@ -131,7 +133,7 @@
   </p:defaultTextStyle>
   <p:extLst>
     <p:ext uri="{EFAFB233-063F-42B5-8137-9DF3F51BA10A}">
-      <p15:sldGuideLst xmlns:p15="http://schemas.microsoft.com/office/powerpoint/2012/main" xmlns="">
+      <p15:sldGuideLst xmlns="" xmlns:p15="http://schemas.microsoft.com/office/powerpoint/2012/main">
         <p15:guide id="1" orient="horz" pos="2160">
           <p15:clr>
             <a:srgbClr val="A4A3A4"/>
@@ -145,7 +147,7 @@
       </p15:sldGuideLst>
     </p:ext>
     <p:ext uri="{2D200454-40CA-4A62-9FC3-DE9A4176ACB9}">
-      <p15:notesGuideLst xmlns:p15="http://schemas.microsoft.com/office/powerpoint/2012/main" xmlns="">
+      <p15:notesGuideLst xmlns="" xmlns:p15="http://schemas.microsoft.com/office/powerpoint/2012/main">
         <p15:guide id="1" orient="horz" pos="2880">
           <p15:clr>
             <a:srgbClr val="A4A3A4"/>
@@ -329,7 +331,7 @@
     </p:spTree>
     <p:extLst>
       <p:ext uri="{BB962C8B-B14F-4D97-AF65-F5344CB8AC3E}">
-        <p14:creationId xmlns:p14="http://schemas.microsoft.com/office/powerpoint/2010/main" xmlns="" val="827279973"/>
+        <p14:creationId xmlns="" xmlns:p14="http://schemas.microsoft.com/office/powerpoint/2010/main" val="827279973"/>
       </p:ext>
     </p:extLst>
   </p:cSld>
@@ -590,7 +592,7 @@
     </p:spTree>
     <p:extLst>
       <p:ext uri="{BB962C8B-B14F-4D97-AF65-F5344CB8AC3E}">
-        <p14:creationId xmlns:p14="http://schemas.microsoft.com/office/powerpoint/2010/main" xmlns="" val="3865021395"/>
+        <p14:creationId xmlns="" xmlns:p14="http://schemas.microsoft.com/office/powerpoint/2010/main" val="3865021395"/>
       </p:ext>
     </p:extLst>
   </p:cSld>
@@ -804,7 +806,7 @@
     </p:spTree>
     <p:extLst>
       <p:ext uri="{BB962C8B-B14F-4D97-AF65-F5344CB8AC3E}">
-        <p14:creationId xmlns:p14="http://schemas.microsoft.com/office/powerpoint/2010/main" xmlns="" val="2381791527"/>
+        <p14:creationId xmlns="" xmlns:p14="http://schemas.microsoft.com/office/powerpoint/2010/main" val="2381791527"/>
       </p:ext>
     </p:extLst>
   </p:cSld>
@@ -918,7 +920,7 @@
             <a:fld id="{5583B3A5-99BF-45D9-956B-DC57CC23AD97}" type="slidenum">
               <a:rPr lang="ru-RU" smtClean="0"/>
               <a:pPr/>
-              <a:t>20</a:t>
+              <a:t>22</a:t>
             </a:fld>
             <a:endParaRPr lang="ru-RU"/>
           </a:p>
@@ -927,7 +929,7 @@
     </p:spTree>
     <p:extLst>
       <p:ext uri="{BB962C8B-B14F-4D97-AF65-F5344CB8AC3E}">
-        <p14:creationId xmlns:p14="http://schemas.microsoft.com/office/powerpoint/2010/main" xmlns="" val="1915950851"/>
+        <p14:creationId xmlns="" xmlns:p14="http://schemas.microsoft.com/office/powerpoint/2010/main" val="1915950851"/>
       </p:ext>
     </p:extLst>
   </p:cSld>
@@ -1187,7 +1189,7 @@
     </p:spTree>
     <p:extLst>
       <p:ext uri="{BB962C8B-B14F-4D97-AF65-F5344CB8AC3E}">
-        <p14:creationId xmlns:p14="http://schemas.microsoft.com/office/powerpoint/2010/main" xmlns="" val="322455162"/>
+        <p14:creationId xmlns="" xmlns:p14="http://schemas.microsoft.com/office/powerpoint/2010/main" val="322455162"/>
       </p:ext>
     </p:extLst>
   </p:cSld>
@@ -1361,7 +1363,7 @@
     </p:spTree>
     <p:extLst>
       <p:ext uri="{BB962C8B-B14F-4D97-AF65-F5344CB8AC3E}">
-        <p14:creationId xmlns:p14="http://schemas.microsoft.com/office/powerpoint/2010/main" xmlns="" val="971117636"/>
+        <p14:creationId xmlns="" xmlns:p14="http://schemas.microsoft.com/office/powerpoint/2010/main" val="971117636"/>
       </p:ext>
     </p:extLst>
   </p:cSld>
@@ -1538,7 +1540,7 @@
     </p:spTree>
     <p:extLst>
       <p:ext uri="{BB962C8B-B14F-4D97-AF65-F5344CB8AC3E}">
-        <p14:creationId xmlns:p14="http://schemas.microsoft.com/office/powerpoint/2010/main" xmlns="" val="3348877825"/>
+        <p14:creationId xmlns="" xmlns:p14="http://schemas.microsoft.com/office/powerpoint/2010/main" val="3348877825"/>
       </p:ext>
     </p:extLst>
   </p:cSld>
@@ -1863,7 +1865,7 @@
     </p:spTree>
     <p:extLst>
       <p:ext uri="{BB962C8B-B14F-4D97-AF65-F5344CB8AC3E}">
-        <p14:creationId xmlns:p14="http://schemas.microsoft.com/office/powerpoint/2010/main" xmlns="" val="3256953994"/>
+        <p14:creationId xmlns="" xmlns:p14="http://schemas.microsoft.com/office/powerpoint/2010/main" val="3256953994"/>
       </p:ext>
     </p:extLst>
   </p:cSld>
@@ -2113,7 +2115,7 @@
     </p:spTree>
     <p:extLst>
       <p:ext uri="{BB962C8B-B14F-4D97-AF65-F5344CB8AC3E}">
-        <p14:creationId xmlns:p14="http://schemas.microsoft.com/office/powerpoint/2010/main" xmlns="" val="3067076846"/>
+        <p14:creationId xmlns="" xmlns:p14="http://schemas.microsoft.com/office/powerpoint/2010/main" val="3067076846"/>
       </p:ext>
     </p:extLst>
   </p:cSld>
@@ -2349,7 +2351,7 @@
     </p:spTree>
     <p:extLst>
       <p:ext uri="{BB962C8B-B14F-4D97-AF65-F5344CB8AC3E}">
-        <p14:creationId xmlns:p14="http://schemas.microsoft.com/office/powerpoint/2010/main" xmlns="" val="3710015975"/>
+        <p14:creationId xmlns="" xmlns:p14="http://schemas.microsoft.com/office/powerpoint/2010/main" val="3710015975"/>
       </p:ext>
     </p:extLst>
   </p:cSld>
@@ -2720,7 +2722,7 @@
     </p:spTree>
     <p:extLst>
       <p:ext uri="{BB962C8B-B14F-4D97-AF65-F5344CB8AC3E}">
-        <p14:creationId xmlns:p14="http://schemas.microsoft.com/office/powerpoint/2010/main" xmlns="" val="4075590966"/>
+        <p14:creationId xmlns="" xmlns:p14="http://schemas.microsoft.com/office/powerpoint/2010/main" val="4075590966"/>
       </p:ext>
     </p:extLst>
   </p:cSld>
@@ -2842,7 +2844,7 @@
     </p:spTree>
     <p:extLst>
       <p:ext uri="{BB962C8B-B14F-4D97-AF65-F5344CB8AC3E}">
-        <p14:creationId xmlns:p14="http://schemas.microsoft.com/office/powerpoint/2010/main" xmlns="" val="2889604898"/>
+        <p14:creationId xmlns="" xmlns:p14="http://schemas.microsoft.com/office/powerpoint/2010/main" val="2889604898"/>
       </p:ext>
     </p:extLst>
   </p:cSld>
@@ -2941,7 +2943,7 @@
     </p:spTree>
     <p:extLst>
       <p:ext uri="{BB962C8B-B14F-4D97-AF65-F5344CB8AC3E}">
-        <p14:creationId xmlns:p14="http://schemas.microsoft.com/office/powerpoint/2010/main" xmlns="" val="152384765"/>
+        <p14:creationId xmlns="" xmlns:p14="http://schemas.microsoft.com/office/powerpoint/2010/main" val="152384765"/>
       </p:ext>
     </p:extLst>
   </p:cSld>
@@ -3222,7 +3224,7 @@
     </p:spTree>
     <p:extLst>
       <p:ext uri="{BB962C8B-B14F-4D97-AF65-F5344CB8AC3E}">
-        <p14:creationId xmlns:p14="http://schemas.microsoft.com/office/powerpoint/2010/main" xmlns="" val="2127791886"/>
+        <p14:creationId xmlns="" xmlns:p14="http://schemas.microsoft.com/office/powerpoint/2010/main" val="2127791886"/>
       </p:ext>
     </p:extLst>
   </p:cSld>
@@ -3479,7 +3481,7 @@
     </p:spTree>
     <p:extLst>
       <p:ext uri="{BB962C8B-B14F-4D97-AF65-F5344CB8AC3E}">
-        <p14:creationId xmlns:p14="http://schemas.microsoft.com/office/powerpoint/2010/main" xmlns="" val="1752705130"/>
+        <p14:creationId xmlns="" xmlns:p14="http://schemas.microsoft.com/office/powerpoint/2010/main" val="1752705130"/>
       </p:ext>
     </p:extLst>
   </p:cSld>
@@ -3732,7 +3734,7 @@
     </p:spTree>
     <p:extLst>
       <p:ext uri="{BB962C8B-B14F-4D97-AF65-F5344CB8AC3E}">
-        <p14:creationId xmlns:p14="http://schemas.microsoft.com/office/powerpoint/2010/main" xmlns="" val="968833914"/>
+        <p14:creationId xmlns="" xmlns:p14="http://schemas.microsoft.com/office/powerpoint/2010/main" val="968833914"/>
       </p:ext>
     </p:extLst>
   </p:cSld>
@@ -4209,7 +4211,7 @@
     </p:spTree>
     <p:extLst>
       <p:ext uri="{BB962C8B-B14F-4D97-AF65-F5344CB8AC3E}">
-        <p14:creationId xmlns:p14="http://schemas.microsoft.com/office/powerpoint/2010/main" xmlns="" val="2492894732"/>
+        <p14:creationId xmlns="" xmlns:p14="http://schemas.microsoft.com/office/powerpoint/2010/main" val="2492894732"/>
       </p:ext>
     </p:extLst>
   </p:cSld>
@@ -9261,31 +9263,179 @@
                   <a:srgbClr val="1E3272"/>
                 </a:solidFill>
               </a:rPr>
-              <a:t>             </a:t>
+              <a:t>                   </a:t>
             </a:r>
             <a:r>
               <a:rPr lang="en-US" sz="3600" dirty="0" smtClean="0">
                 <a:solidFill>
-                  <a:srgbClr val="1E3272"/>
-                </a:solidFill>
-              </a:rPr>
-              <a:t>      </a:t>
-            </a:r>
+                  <a:srgbClr val="00B050"/>
+                </a:solidFill>
+              </a:rPr>
+              <a:t># 32-bit value</a:t>
+            </a:r>
+          </a:p>
+          <a:p>
             <a:r>
               <a:rPr lang="en-US" sz="3600" dirty="0" smtClean="0">
                 <a:solidFill>
+                  <a:srgbClr val="1E3272"/>
+                </a:solidFill>
+              </a:rPr>
+              <a:t>.</a:t>
+            </a:r>
+            <a:r>
+              <a:rPr lang="en-US" sz="3600" dirty="0" smtClean="0">
+                <a:solidFill>
+                  <a:srgbClr val="FF0000"/>
+                </a:solidFill>
+              </a:rPr>
+              <a:t>half</a:t>
+            </a:r>
+            <a:r>
+              <a:rPr lang="en-US" sz="3600" dirty="0" smtClean="0">
+                <a:solidFill>
+                  <a:srgbClr val="1E3272"/>
+                </a:solidFill>
+              </a:rPr>
+              <a:t>    </a:t>
+            </a:r>
+            <a:r>
+              <a:rPr lang="en-US" sz="3600" dirty="0" smtClean="0">
+                <a:solidFill>
+                  <a:srgbClr val="2F5CB5"/>
+                </a:solidFill>
+              </a:rPr>
+              <a:t>0x1234</a:t>
+            </a:r>
+            <a:r>
+              <a:rPr lang="en-US" sz="3600" dirty="0" smtClean="0">
+                <a:solidFill>
+                  <a:srgbClr val="1E3272"/>
+                </a:solidFill>
+              </a:rPr>
+              <a:t>, </a:t>
+            </a:r>
+            <a:r>
+              <a:rPr lang="en-US" sz="3600" dirty="0" smtClean="0">
+                <a:solidFill>
+                  <a:srgbClr val="2F5CB5"/>
+                </a:solidFill>
+              </a:rPr>
+              <a:t>0x4567</a:t>
+            </a:r>
+            <a:r>
+              <a:rPr lang="en-US" sz="3600" dirty="0" smtClean="0">
+                <a:solidFill>
+                  <a:srgbClr val="1E3272"/>
+                </a:solidFill>
+              </a:rPr>
+              <a:t>              </a:t>
+            </a:r>
+            <a:r>
+              <a:rPr lang="en-US" sz="3600" dirty="0" smtClean="0">
+                <a:solidFill>
                   <a:srgbClr val="00B050"/>
                 </a:solidFill>
               </a:rPr>
-              <a:t># </a:t>
-            </a:r>
+              <a:t># 16-bit values</a:t>
+            </a:r>
+          </a:p>
+          <a:p>
             <a:r>
               <a:rPr lang="en-US" sz="3600" dirty="0" smtClean="0">
                 <a:solidFill>
+                  <a:srgbClr val="1E3272"/>
+                </a:solidFill>
+              </a:rPr>
+              <a:t>.</a:t>
+            </a:r>
+            <a:r>
+              <a:rPr lang="en-US" sz="3600" dirty="0" smtClean="0">
+                <a:solidFill>
+                  <a:srgbClr val="FF0000"/>
+                </a:solidFill>
+              </a:rPr>
+              <a:t>byte</a:t>
+            </a:r>
+            <a:r>
+              <a:rPr lang="en-US" sz="3600" dirty="0" smtClean="0">
+                <a:solidFill>
+                  <a:srgbClr val="1E3272"/>
+                </a:solidFill>
+              </a:rPr>
+              <a:t>   </a:t>
+            </a:r>
+            <a:r>
+              <a:rPr lang="en-US" sz="3600" dirty="0" smtClean="0">
+                <a:solidFill>
+                  <a:srgbClr val="2F5CB5"/>
+                </a:solidFill>
+              </a:rPr>
+              <a:t>0x98</a:t>
+            </a:r>
+            <a:r>
+              <a:rPr lang="en-US" sz="3600" dirty="0" smtClean="0">
+                <a:solidFill>
+                  <a:srgbClr val="1E3272"/>
+                </a:solidFill>
+              </a:rPr>
+              <a:t>, </a:t>
+            </a:r>
+            <a:r>
+              <a:rPr lang="en-US" sz="3600" dirty="0" smtClean="0">
+                <a:solidFill>
+                  <a:srgbClr val="2F5CB5"/>
+                </a:solidFill>
+              </a:rPr>
+              <a:t>0x76</a:t>
+            </a:r>
+            <a:r>
+              <a:rPr lang="en-US" sz="3600" dirty="0" smtClean="0">
+                <a:solidFill>
+                  <a:srgbClr val="1E3272"/>
+                </a:solidFill>
+              </a:rPr>
+              <a:t>, </a:t>
+            </a:r>
+            <a:r>
+              <a:rPr lang="en-US" sz="3600" dirty="0" smtClean="0">
+                <a:solidFill>
+                  <a:srgbClr val="2F5CB5"/>
+                </a:solidFill>
+              </a:rPr>
+              <a:t>0x65</a:t>
+            </a:r>
+            <a:r>
+              <a:rPr lang="en-US" sz="3600" dirty="0" smtClean="0">
+                <a:solidFill>
+                  <a:srgbClr val="1E3272"/>
+                </a:solidFill>
+              </a:rPr>
+              <a:t>, </a:t>
+            </a:r>
+            <a:r>
+              <a:rPr lang="en-US" sz="3600" dirty="0" smtClean="0">
+                <a:solidFill>
+                  <a:srgbClr val="2F5CB5"/>
+                </a:solidFill>
+              </a:rPr>
+              <a:t>0x43</a:t>
+            </a:r>
+            <a:r>
+              <a:rPr lang="en-US" sz="3600" dirty="0" smtClean="0">
+                <a:solidFill>
+                  <a:srgbClr val="1E3272"/>
+                </a:solidFill>
+              </a:rPr>
+              <a:t>  </a:t>
+            </a:r>
+            <a:r>
+              <a:rPr lang="en-US" sz="3600" dirty="0" smtClean="0">
+                <a:solidFill>
                   <a:srgbClr val="00B050"/>
                 </a:solidFill>
               </a:rPr>
-              <a:t>32-bit value</a:t>
+              <a:t># 8-bit values</a:t>
             </a:r>
           </a:p>
           <a:p>
@@ -9303,7 +9453,7 @@
                   <a:srgbClr val="FF0000"/>
                 </a:solidFill>
               </a:rPr>
-              <a:t>half</a:t>
+              <a:t>space</a:t>
             </a:r>
             <a:r>
               <a:rPr lang="en-US" sz="3600" dirty="0" smtClean="0">
@@ -9311,39 +9461,49 @@
                   <a:srgbClr val="1E3272"/>
                 </a:solidFill>
               </a:rPr>
-              <a:t>  </a:t>
+              <a:t> </a:t>
             </a:r>
             <a:r>
               <a:rPr lang="en-US" sz="3600" dirty="0" smtClean="0">
                 <a:solidFill>
-                  <a:srgbClr val="1E3272"/>
-                </a:solidFill>
-              </a:rPr>
-              <a:t>  </a:t>
+                  <a:srgbClr val="2F5CB5"/>
+                </a:solidFill>
+              </a:rPr>
+              <a:t>8</a:t>
             </a:r>
             <a:r>
               <a:rPr lang="en-US" sz="3600" dirty="0" smtClean="0">
                 <a:solidFill>
-                  <a:srgbClr val="2F5CB5"/>
-                </a:solidFill>
-              </a:rPr>
-              <a:t>0x1234</a:t>
+                  <a:srgbClr val="1E3272"/>
+                </a:solidFill>
+              </a:rPr>
+              <a:t>                                        </a:t>
             </a:r>
             <a:r>
               <a:rPr lang="en-US" sz="3600" dirty="0" smtClean="0">
                 <a:solidFill>
-                  <a:srgbClr val="1E3272"/>
-                </a:solidFill>
-              </a:rPr>
-              <a:t>, </a:t>
-            </a:r>
+                  <a:srgbClr val="00B050"/>
+                </a:solidFill>
+              </a:rPr>
+              <a:t># 8 bytes of empty space  </a:t>
+            </a:r>
+          </a:p>
+          <a:p>
             <a:r>
               <a:rPr lang="en-US" sz="3600" dirty="0" smtClean="0">
                 <a:solidFill>
-                  <a:srgbClr val="2F5CB5"/>
-                </a:solidFill>
-              </a:rPr>
-              <a:t>0x4567</a:t>
+                  <a:srgbClr val="1E3272"/>
+                </a:solidFill>
+              </a:rPr>
+              <a:t>.</a:t>
+            </a:r>
+            <a:r>
+              <a:rPr lang="en-US" sz="3600" dirty="0" err="1" smtClean="0">
+                <a:solidFill>
+                  <a:srgbClr val="FF0000"/>
+                </a:solidFill>
+              </a:rPr>
+              <a:t>ascii</a:t>
             </a:r>
             <a:r>
               <a:rPr lang="en-US" sz="3600" dirty="0" smtClean="0">
@@ -9351,367 +9511,81 @@
                   <a:srgbClr val="1E3272"/>
                 </a:solidFill>
               </a:rPr>
-              <a:t>     </a:t>
+              <a:t>    </a:t>
             </a:r>
             <a:r>
               <a:rPr lang="en-US" sz="3600" dirty="0" smtClean="0">
                 <a:solidFill>
-                  <a:srgbClr val="1E3272"/>
-                </a:solidFill>
-              </a:rPr>
-              <a:t>         </a:t>
+                  <a:srgbClr val="00B050"/>
+                </a:solidFill>
+              </a:rPr>
+              <a:t>"Hello "</a:t>
             </a:r>
             <a:r>
               <a:rPr lang="en-US" sz="3600" dirty="0" smtClean="0">
                 <a:solidFill>
+                  <a:srgbClr val="1E3272"/>
+                </a:solidFill>
+              </a:rPr>
+              <a:t>                            </a:t>
+            </a:r>
+            <a:r>
+              <a:rPr lang="en-US" sz="3600" dirty="0" smtClean="0">
+                <a:solidFill>
                   <a:srgbClr val="00B050"/>
                 </a:solidFill>
               </a:rPr>
-              <a:t># </a:t>
-            </a:r>
+              <a:t># String</a:t>
+            </a:r>
+          </a:p>
+          <a:p>
             <a:r>
               <a:rPr lang="en-US" sz="3600" dirty="0" smtClean="0">
                 <a:solidFill>
+                  <a:srgbClr val="1E3272"/>
+                </a:solidFill>
+              </a:rPr>
+              <a:t>.</a:t>
+            </a:r>
+            <a:r>
+              <a:rPr lang="en-US" sz="3600" dirty="0" err="1" smtClean="0">
+                <a:solidFill>
+                  <a:srgbClr val="FF0000"/>
+                </a:solidFill>
+              </a:rPr>
+              <a:t>asciz</a:t>
+            </a:r>
+            <a:r>
+              <a:rPr lang="en-US" sz="3600" dirty="0" smtClean="0">
+                <a:solidFill>
+                  <a:srgbClr val="1E3272"/>
+                </a:solidFill>
+              </a:rPr>
+              <a:t>   </a:t>
+            </a:r>
+            <a:r>
+              <a:rPr lang="en-US" sz="3600" dirty="0" smtClean="0">
+                <a:solidFill>
                   <a:srgbClr val="00B050"/>
                 </a:solidFill>
               </a:rPr>
-              <a:t>16-bit values</a:t>
-            </a:r>
-          </a:p>
-          <a:p>
+              <a:t>"World! "</a:t>
+            </a:r>
             <a:r>
               <a:rPr lang="en-US" sz="3600" dirty="0" smtClean="0">
                 <a:solidFill>
                   <a:srgbClr val="1E3272"/>
                 </a:solidFill>
               </a:rPr>
-              <a:t>.</a:t>
+              <a:t>                         </a:t>
             </a:r>
             <a:r>
               <a:rPr lang="en-US" sz="3600" dirty="0" smtClean="0">
                 <a:solidFill>
-                  <a:srgbClr val="FF0000"/>
-                </a:solidFill>
-              </a:rPr>
-              <a:t>byte</a:t>
-            </a:r>
-            <a:r>
-              <a:rPr lang="en-US" sz="3600" dirty="0" smtClean="0">
-                <a:solidFill>
-                  <a:srgbClr val="1E3272"/>
-                </a:solidFill>
-              </a:rPr>
-              <a:t> </a:t>
-            </a:r>
-            <a:r>
-              <a:rPr lang="en-US" sz="3600" dirty="0" smtClean="0">
-                <a:solidFill>
-                  <a:srgbClr val="1E3272"/>
-                </a:solidFill>
-              </a:rPr>
-              <a:t>  </a:t>
-            </a:r>
-            <a:r>
-              <a:rPr lang="en-US" sz="3600" dirty="0" smtClean="0">
-                <a:solidFill>
-                  <a:srgbClr val="2F5CB5"/>
-                </a:solidFill>
-              </a:rPr>
-              <a:t>0x98</a:t>
-            </a:r>
-            <a:r>
-              <a:rPr lang="en-US" sz="3600" dirty="0" smtClean="0">
-                <a:solidFill>
-                  <a:srgbClr val="1E3272"/>
-                </a:solidFill>
-              </a:rPr>
-              <a:t>, </a:t>
-            </a:r>
-            <a:r>
-              <a:rPr lang="en-US" sz="3600" dirty="0" smtClean="0">
-                <a:solidFill>
-                  <a:srgbClr val="2F5CB5"/>
-                </a:solidFill>
-              </a:rPr>
-              <a:t>0x76</a:t>
-            </a:r>
-            <a:r>
-              <a:rPr lang="en-US" sz="3600" dirty="0" smtClean="0">
-                <a:solidFill>
-                  <a:srgbClr val="1E3272"/>
-                </a:solidFill>
-              </a:rPr>
-              <a:t>, </a:t>
-            </a:r>
-            <a:r>
-              <a:rPr lang="en-US" sz="3600" dirty="0" smtClean="0">
-                <a:solidFill>
-                  <a:srgbClr val="2F5CB5"/>
-                </a:solidFill>
-              </a:rPr>
-              <a:t>0x65</a:t>
-            </a:r>
-            <a:r>
-              <a:rPr lang="en-US" sz="3600" dirty="0" smtClean="0">
-                <a:solidFill>
-                  <a:srgbClr val="1E3272"/>
-                </a:solidFill>
-              </a:rPr>
-              <a:t>, </a:t>
-            </a:r>
-            <a:r>
-              <a:rPr lang="en-US" sz="3600" dirty="0" smtClean="0">
-                <a:solidFill>
-                  <a:srgbClr val="2F5CB5"/>
-                </a:solidFill>
-              </a:rPr>
-              <a:t>0x43</a:t>
-            </a:r>
-            <a:r>
-              <a:rPr lang="en-US" sz="3600" dirty="0" smtClean="0">
-                <a:solidFill>
-                  <a:srgbClr val="1E3272"/>
-                </a:solidFill>
-              </a:rPr>
-              <a:t>  </a:t>
-            </a:r>
-            <a:r>
-              <a:rPr lang="en-US" sz="3600" dirty="0" smtClean="0">
-                <a:solidFill>
                   <a:srgbClr val="00B050"/>
                 </a:solidFill>
               </a:rPr>
-              <a:t># 8-bit values</a:t>
-            </a:r>
-          </a:p>
-          <a:p>
-            <a:r>
-              <a:rPr lang="en-US" sz="3600" dirty="0" smtClean="0">
-                <a:solidFill>
-                  <a:srgbClr val="1E3272"/>
-                </a:solidFill>
-              </a:rPr>
-              <a:t>.</a:t>
-            </a:r>
-            <a:r>
-              <a:rPr lang="en-US" sz="3600" dirty="0" smtClean="0">
-                <a:solidFill>
-                  <a:srgbClr val="FF0000"/>
-                </a:solidFill>
-              </a:rPr>
-              <a:t>space</a:t>
-            </a:r>
-            <a:r>
-              <a:rPr lang="en-US" sz="3600" dirty="0" smtClean="0">
-                <a:solidFill>
-                  <a:srgbClr val="1E3272"/>
-                </a:solidFill>
-              </a:rPr>
-              <a:t> </a:t>
-            </a:r>
-            <a:r>
-              <a:rPr lang="en-US" sz="3600" dirty="0" smtClean="0">
-                <a:solidFill>
-                  <a:srgbClr val="2F5CB5"/>
-                </a:solidFill>
-              </a:rPr>
-              <a:t>8</a:t>
-            </a:r>
-            <a:r>
-              <a:rPr lang="en-US" sz="3600" dirty="0" smtClean="0">
-                <a:solidFill>
-                  <a:srgbClr val="1E3272"/>
-                </a:solidFill>
-              </a:rPr>
-              <a:t>                      </a:t>
-            </a:r>
-            <a:r>
-              <a:rPr lang="en-US" sz="3600" dirty="0" smtClean="0">
-                <a:solidFill>
-                  <a:srgbClr val="1E3272"/>
-                </a:solidFill>
-              </a:rPr>
-              <a:t>                  </a:t>
-            </a:r>
-            <a:r>
-              <a:rPr lang="en-US" sz="3600" dirty="0" smtClean="0">
-                <a:solidFill>
-                  <a:srgbClr val="00B050"/>
-                </a:solidFill>
-              </a:rPr>
-              <a:t># </a:t>
-            </a:r>
-            <a:r>
-              <a:rPr lang="en-US" sz="3600" dirty="0" smtClean="0">
-                <a:solidFill>
-                  <a:srgbClr val="00B050"/>
-                </a:solidFill>
-              </a:rPr>
-              <a:t>8 bytes of empty space  </a:t>
-            </a:r>
-          </a:p>
-          <a:p>
-            <a:r>
-              <a:rPr lang="en-US" sz="3600" dirty="0" smtClean="0">
-                <a:solidFill>
-                  <a:srgbClr val="1E3272"/>
-                </a:solidFill>
-              </a:rPr>
-              <a:t>.</a:t>
-            </a:r>
-            <a:r>
-              <a:rPr lang="en-US" sz="3600" dirty="0" err="1" smtClean="0">
-                <a:solidFill>
-                  <a:srgbClr val="FF0000"/>
-                </a:solidFill>
-              </a:rPr>
-              <a:t>ascii</a:t>
-            </a:r>
-            <a:r>
-              <a:rPr lang="en-US" sz="3600" dirty="0" smtClean="0">
-                <a:solidFill>
-                  <a:srgbClr val="1E3272"/>
-                </a:solidFill>
-              </a:rPr>
-              <a:t> </a:t>
-            </a:r>
-            <a:r>
-              <a:rPr lang="en-US" sz="3600" dirty="0" smtClean="0">
-                <a:solidFill>
-                  <a:srgbClr val="1E3272"/>
-                </a:solidFill>
-              </a:rPr>
-              <a:t>   </a:t>
-            </a:r>
-            <a:r>
-              <a:rPr lang="en-US" sz="3600" dirty="0" smtClean="0">
-                <a:solidFill>
-                  <a:srgbClr val="00B050"/>
-                </a:solidFill>
-              </a:rPr>
-              <a:t>"</a:t>
-            </a:r>
-            <a:r>
-              <a:rPr lang="en-US" sz="3600" dirty="0" smtClean="0">
-                <a:solidFill>
-                  <a:srgbClr val="00B050"/>
-                </a:solidFill>
-              </a:rPr>
-              <a:t>Hello "</a:t>
-            </a:r>
-            <a:r>
-              <a:rPr lang="en-US" sz="3600" dirty="0" smtClean="0">
-                <a:solidFill>
-                  <a:srgbClr val="1E3272"/>
-                </a:solidFill>
-              </a:rPr>
-              <a:t>               </a:t>
-            </a:r>
-            <a:r>
-              <a:rPr lang="en-US" sz="3600" dirty="0" smtClean="0">
-                <a:solidFill>
-                  <a:srgbClr val="1E3272"/>
-                </a:solidFill>
-              </a:rPr>
-              <a:t>             </a:t>
-            </a:r>
-            <a:r>
-              <a:rPr lang="en-US" sz="3600" dirty="0" smtClean="0">
-                <a:solidFill>
-                  <a:srgbClr val="00B050"/>
-                </a:solidFill>
-              </a:rPr>
-              <a:t># </a:t>
-            </a:r>
-            <a:r>
-              <a:rPr lang="en-US" sz="3600" dirty="0" smtClean="0">
-                <a:solidFill>
-                  <a:srgbClr val="00B050"/>
-                </a:solidFill>
-              </a:rPr>
-              <a:t>String</a:t>
-            </a:r>
-          </a:p>
-          <a:p>
-            <a:r>
-              <a:rPr lang="en-US" sz="3600" dirty="0" smtClean="0">
-                <a:solidFill>
-                  <a:srgbClr val="1E3272"/>
-                </a:solidFill>
-              </a:rPr>
-              <a:t>.</a:t>
-            </a:r>
-            <a:r>
-              <a:rPr lang="en-US" sz="3600" dirty="0" err="1" smtClean="0">
-                <a:solidFill>
-                  <a:srgbClr val="FF0000"/>
-                </a:solidFill>
-              </a:rPr>
-              <a:t>asciz</a:t>
-            </a:r>
-            <a:r>
-              <a:rPr lang="en-US" sz="3600" dirty="0" smtClean="0">
-                <a:solidFill>
-                  <a:srgbClr val="1E3272"/>
-                </a:solidFill>
-              </a:rPr>
-              <a:t> </a:t>
-            </a:r>
-            <a:r>
-              <a:rPr lang="en-US" sz="3600" dirty="0" smtClean="0">
-                <a:solidFill>
-                  <a:srgbClr val="1E3272"/>
-                </a:solidFill>
-              </a:rPr>
-              <a:t>  </a:t>
-            </a:r>
-            <a:r>
-              <a:rPr lang="en-US" sz="3600" dirty="0" smtClean="0">
-                <a:solidFill>
-                  <a:srgbClr val="00B050"/>
-                </a:solidFill>
-              </a:rPr>
-              <a:t>"</a:t>
-            </a:r>
-            <a:r>
-              <a:rPr lang="en-US" sz="3600" dirty="0" smtClean="0">
-                <a:solidFill>
-                  <a:srgbClr val="00B050"/>
-                </a:solidFill>
-              </a:rPr>
-              <a:t>World! "</a:t>
-            </a:r>
-            <a:r>
-              <a:rPr lang="en-US" sz="3600" dirty="0" smtClean="0">
-                <a:solidFill>
-                  <a:srgbClr val="1E3272"/>
-                </a:solidFill>
-              </a:rPr>
-              <a:t>              </a:t>
-            </a:r>
-            <a:r>
-              <a:rPr lang="en-US" sz="3600" dirty="0" smtClean="0">
-                <a:solidFill>
-                  <a:srgbClr val="1E3272"/>
-                </a:solidFill>
-              </a:rPr>
-              <a:t>           </a:t>
-            </a:r>
-            <a:r>
-              <a:rPr lang="en-US" sz="3600" dirty="0" smtClean="0">
-                <a:solidFill>
-                  <a:srgbClr val="00B050"/>
-                </a:solidFill>
-              </a:rPr>
-              <a:t># </a:t>
-            </a:r>
-            <a:r>
-              <a:rPr lang="en-US" sz="3600" dirty="0" smtClean="0">
-                <a:solidFill>
-                  <a:srgbClr val="00B050"/>
-                </a:solidFill>
-              </a:rPr>
-              <a:t>Zero-terminated string</a:t>
+              <a:t># Zero-terminated string</a:t>
             </a:r>
             <a:endParaRPr lang="en-US" sz="3600" i="1" dirty="0" smtClean="0">
               <a:solidFill>
@@ -9927,15 +9801,7 @@
             </a:r>
             <a:r>
               <a:rPr lang="en-US" dirty="0" smtClean="0"/>
-              <a:t> </a:t>
-            </a:r>
-            <a:r>
-              <a:rPr lang="en-US" dirty="0" smtClean="0"/>
-              <a:t>for a next data item</a:t>
-            </a:r>
-            <a:r>
-              <a:rPr lang="en-US" dirty="0" smtClean="0"/>
-              <a:t> with the .align directive. </a:t>
+              <a:t> for a next data item with the .align directive. </a:t>
             </a:r>
           </a:p>
           <a:p>
@@ -9969,15 +9835,7 @@
                   <a:srgbClr val="00B050"/>
                 </a:solidFill>
               </a:rPr>
-              <a:t># </a:t>
-            </a:r>
-            <a:r>
-              <a:rPr lang="en-US" sz="4100" dirty="0" smtClean="0">
-                <a:solidFill>
-                  <a:srgbClr val="00B050"/>
-                </a:solidFill>
-              </a:rPr>
-              <a:t>1 byte</a:t>
+              <a:t># 1 byte</a:t>
             </a:r>
           </a:p>
           <a:p>
@@ -10011,15 +9869,7 @@
                   <a:srgbClr val="00B050"/>
                 </a:solidFill>
               </a:rPr>
-              <a:t># </a:t>
-            </a:r>
-            <a:r>
-              <a:rPr lang="en-US" sz="4100" dirty="0" smtClean="0">
-                <a:solidFill>
-                  <a:srgbClr val="00B050"/>
-                </a:solidFill>
-              </a:rPr>
-              <a:t>2 bytes</a:t>
+              <a:t># 2 bytes</a:t>
             </a:r>
           </a:p>
           <a:p>
@@ -10103,7 +9953,6 @@
               <a:rPr lang="en-US" sz="4100" dirty="0" smtClean="0"/>
               <a:t>etc.</a:t>
             </a:r>
-            <a:endParaRPr lang="en-US" sz="4100" dirty="0" smtClean="0"/>
           </a:p>
         </p:txBody>
       </p:sp>
@@ -10267,23 +10116,54 @@
                   <a:srgbClr val="1E3272"/>
                 </a:solidFill>
               </a:rPr>
-              <a:t> </a:t>
+              <a:t>         .</a:t>
             </a:r>
             <a:r>
               <a:rPr lang="en-US" sz="2400" dirty="0" smtClean="0">
                 <a:solidFill>
-                  <a:srgbClr val="1E3272"/>
-                </a:solidFill>
-              </a:rPr>
-              <a:t>        .</a:t>
-            </a:r>
+                  <a:srgbClr val="FF0000"/>
+                </a:solidFill>
+              </a:rPr>
+              <a:t>data</a:t>
+            </a:r>
+          </a:p>
+          <a:p>
+            <a:pPr>
+              <a:lnSpc>
+                <a:spcPct val="80000"/>
+              </a:lnSpc>
+            </a:pPr>
             <a:r>
               <a:rPr lang="en-US" sz="2400" dirty="0" smtClean="0">
                 <a:solidFill>
+                  <a:srgbClr val="1E3272"/>
+                </a:solidFill>
+              </a:rPr>
+              <a:t>         .</a:t>
+            </a:r>
+            <a:r>
+              <a:rPr lang="en-US" sz="2400" dirty="0" smtClean="0">
+                <a:solidFill>
                   <a:srgbClr val="FF0000"/>
                 </a:solidFill>
               </a:rPr>
-              <a:t>data</a:t>
+              <a:t>space</a:t>
+            </a:r>
+            <a:r>
+              <a:rPr lang="en-US" sz="2400" dirty="0" smtClean="0">
+                <a:solidFill>
+                  <a:srgbClr val="1E3272"/>
+                </a:solidFill>
+              </a:rPr>
+              <a:t>  </a:t>
+            </a:r>
+            <a:r>
+              <a:rPr lang="en-US" sz="2400" dirty="0" smtClean="0">
+                <a:solidFill>
+                  <a:srgbClr val="2F5CB5"/>
+                </a:solidFill>
+              </a:rPr>
+              <a:t>3</a:t>
             </a:r>
           </a:p>
           <a:p>
@@ -10293,28 +10173,105 @@
               </a:lnSpc>
             </a:pPr>
             <a:r>
+              <a:rPr lang="en-US" sz="2400" b="1" i="1" dirty="0" smtClean="0">
+                <a:solidFill>
+                  <a:srgbClr val="1E3272"/>
+                </a:solidFill>
+              </a:rPr>
+              <a:t>word1</a:t>
+            </a:r>
+            <a:r>
               <a:rPr lang="en-US" sz="2400" dirty="0" smtClean="0">
                 <a:solidFill>
                   <a:srgbClr val="1E3272"/>
                 </a:solidFill>
               </a:rPr>
+              <a:t>:</a:t>
+            </a:r>
+          </a:p>
+          <a:p>
+            <a:pPr>
+              <a:lnSpc>
+                <a:spcPct val="80000"/>
+              </a:lnSpc>
+            </a:pPr>
+            <a:r>
+              <a:rPr lang="en-US" sz="2400" dirty="0" smtClean="0">
+                <a:solidFill>
+                  <a:srgbClr val="1E3272"/>
+                </a:solidFill>
+              </a:rPr>
+              <a:t>         .</a:t>
+            </a:r>
+            <a:r>
+              <a:rPr lang="en-US" sz="2400" dirty="0" smtClean="0">
+                <a:solidFill>
+                  <a:srgbClr val="FF0000"/>
+                </a:solidFill>
+              </a:rPr>
+              <a:t>word</a:t>
+            </a:r>
+            <a:r>
+              <a:rPr lang="en-US" sz="2400" dirty="0" smtClean="0">
+                <a:solidFill>
+                  <a:srgbClr val="1E3272"/>
+                </a:solidFill>
+              </a:rPr>
               <a:t>   </a:t>
             </a:r>
             <a:r>
               <a:rPr lang="en-US" sz="2400" dirty="0" smtClean="0">
                 <a:solidFill>
-                  <a:srgbClr val="1E3272"/>
-                </a:solidFill>
-              </a:rPr>
-              <a:t>      .</a:t>
+                  <a:srgbClr val="2F5CB5"/>
+                </a:solidFill>
+              </a:rPr>
+              <a:t>0x12345678 </a:t>
+            </a:r>
+          </a:p>
+          <a:p>
+            <a:pPr>
+              <a:lnSpc>
+                <a:spcPct val="80000"/>
+              </a:lnSpc>
+            </a:pPr>
+            <a:r>
+              <a:rPr lang="en-US" sz="2400" b="1" i="1" dirty="0" smtClean="0">
+                <a:solidFill>
+                  <a:srgbClr val="1E3272"/>
+                </a:solidFill>
+              </a:rPr>
+              <a:t>half1</a:t>
             </a:r>
             <a:r>
               <a:rPr lang="en-US" sz="2400" dirty="0" smtClean="0">
                 <a:solidFill>
+                  <a:srgbClr val="1E3272"/>
+                </a:solidFill>
+              </a:rPr>
+              <a:t>:</a:t>
+            </a:r>
+          </a:p>
+          <a:p>
+            <a:pPr>
+              <a:lnSpc>
+                <a:spcPct val="80000"/>
+              </a:lnSpc>
+            </a:pPr>
+            <a:r>
+              <a:rPr lang="en-US" sz="2400" dirty="0" smtClean="0">
+                <a:solidFill>
+                  <a:srgbClr val="1E3272"/>
+                </a:solidFill>
+              </a:rPr>
+              <a:t>         .</a:t>
+            </a:r>
+            <a:r>
+              <a:rPr lang="en-US" sz="2400" dirty="0" smtClean="0">
+                <a:solidFill>
                   <a:srgbClr val="FF0000"/>
                 </a:solidFill>
               </a:rPr>
-              <a:t>space</a:t>
+              <a:t>half</a:t>
             </a:r>
             <a:r>
               <a:rPr lang="en-US" sz="2400" dirty="0" smtClean="0">
@@ -10322,29 +10279,218 @@
                   <a:srgbClr val="1E3272"/>
                 </a:solidFill>
               </a:rPr>
-              <a:t> </a:t>
+              <a:t>     </a:t>
             </a:r>
             <a:r>
               <a:rPr lang="en-US" sz="2400" dirty="0" smtClean="0">
                 <a:solidFill>
-                  <a:srgbClr val="1E3272"/>
-                </a:solidFill>
-              </a:rPr>
-              <a:t> </a:t>
+                  <a:srgbClr val="2F5CB5"/>
+                </a:solidFill>
+              </a:rPr>
+              <a:t>0x1234</a:t>
+            </a:r>
+          </a:p>
+          <a:p>
+            <a:pPr>
+              <a:lnSpc>
+                <a:spcPct val="80000"/>
+              </a:lnSpc>
+            </a:pPr>
+            <a:r>
+              <a:rPr lang="en-US" sz="2400" b="1" i="1" dirty="0" smtClean="0">
+                <a:solidFill>
+                  <a:srgbClr val="1E3272"/>
+                </a:solidFill>
+              </a:rPr>
+              <a:t>byte1</a:t>
             </a:r>
             <a:r>
               <a:rPr lang="en-US" sz="2400" dirty="0" smtClean="0">
                 <a:solidFill>
+                  <a:srgbClr val="1E3272"/>
+                </a:solidFill>
+              </a:rPr>
+              <a:t>:</a:t>
+            </a:r>
+          </a:p>
+          <a:p>
+            <a:pPr>
+              <a:lnSpc>
+                <a:spcPct val="80000"/>
+              </a:lnSpc>
+            </a:pPr>
+            <a:r>
+              <a:rPr lang="en-US" sz="2400" dirty="0" smtClean="0">
+                <a:solidFill>
+                  <a:srgbClr val="1E3272"/>
+                </a:solidFill>
+              </a:rPr>
+              <a:t>         .</a:t>
+            </a:r>
+            <a:r>
+              <a:rPr lang="en-US" sz="2400" dirty="0" smtClean="0">
+                <a:solidFill>
+                  <a:srgbClr val="FF0000"/>
+                </a:solidFill>
+              </a:rPr>
+              <a:t>byte</a:t>
+            </a:r>
+            <a:r>
+              <a:rPr lang="en-US" sz="2400" dirty="0" smtClean="0">
+                <a:solidFill>
+                  <a:srgbClr val="1E3272"/>
+                </a:solidFill>
+              </a:rPr>
+              <a:t>    </a:t>
+            </a:r>
+            <a:r>
+              <a:rPr lang="en-US" sz="2400" dirty="0" smtClean="0">
+                <a:solidFill>
                   <a:srgbClr val="2F5CB5"/>
                 </a:solidFill>
               </a:rPr>
+              <a:t>0x12</a:t>
+            </a:r>
+          </a:p>
+          <a:p>
+            <a:pPr>
+              <a:lnSpc>
+                <a:spcPct val="80000"/>
+              </a:lnSpc>
+            </a:pPr>
+            <a:r>
+              <a:rPr lang="en-US" sz="2400" dirty="0" smtClean="0">
+                <a:solidFill>
+                  <a:srgbClr val="1E3272"/>
+                </a:solidFill>
+              </a:rPr>
+              <a:t>         .</a:t>
+            </a:r>
+            <a:r>
+              <a:rPr lang="en-US" sz="2400" dirty="0" smtClean="0">
+                <a:solidFill>
+                  <a:srgbClr val="FF0000"/>
+                </a:solidFill>
+              </a:rPr>
+              <a:t>align</a:t>
+            </a:r>
+            <a:r>
+              <a:rPr lang="en-US" sz="2400" dirty="0" smtClean="0">
+                <a:solidFill>
+                  <a:srgbClr val="1E3272"/>
+                </a:solidFill>
+              </a:rPr>
+              <a:t>   </a:t>
+            </a:r>
+            <a:r>
+              <a:rPr lang="en-US" sz="2400" dirty="0" smtClean="0">
+                <a:solidFill>
+                  <a:srgbClr val="2F5CB5"/>
+                </a:solidFill>
+              </a:rPr>
+              <a:t>4</a:t>
+            </a:r>
+          </a:p>
+          <a:p>
+            <a:pPr>
+              <a:lnSpc>
+                <a:spcPct val="80000"/>
+              </a:lnSpc>
+            </a:pPr>
+            <a:r>
+              <a:rPr lang="en-US" sz="2400" b="1" i="1" dirty="0" smtClean="0">
+                <a:solidFill>
+                  <a:srgbClr val="1E3272"/>
+                </a:solidFill>
+              </a:rPr>
+              <a:t>word2</a:t>
+            </a:r>
+            <a:r>
+              <a:rPr lang="en-US" sz="2400" dirty="0" smtClean="0">
+                <a:solidFill>
+                  <a:srgbClr val="1E3272"/>
+                </a:solidFill>
+              </a:rPr>
+              <a:t>:</a:t>
+            </a:r>
+          </a:p>
+          <a:p>
+            <a:pPr>
+              <a:lnSpc>
+                <a:spcPct val="80000"/>
+              </a:lnSpc>
+            </a:pPr>
+            <a:r>
+              <a:rPr lang="en-US" sz="2400" dirty="0" smtClean="0">
+                <a:solidFill>
+                  <a:srgbClr val="1E3272"/>
+                </a:solidFill>
+              </a:rPr>
+              <a:t>         .</a:t>
+            </a:r>
+            <a:r>
+              <a:rPr lang="en-US" sz="2400" dirty="0" smtClean="0">
+                <a:solidFill>
+                  <a:srgbClr val="FF0000"/>
+                </a:solidFill>
+              </a:rPr>
+              <a:t>word</a:t>
+            </a:r>
+            <a:r>
+              <a:rPr lang="en-US" sz="2400" dirty="0" smtClean="0">
+                <a:solidFill>
+                  <a:srgbClr val="1E3272"/>
+                </a:solidFill>
+              </a:rPr>
+              <a:t>   </a:t>
+            </a:r>
+            <a:r>
+              <a:rPr lang="en-US" sz="2400" dirty="0" smtClean="0">
+                <a:solidFill>
+                  <a:srgbClr val="2F5CB5"/>
+                </a:solidFill>
+              </a:rPr>
+              <a:t>0x12345678  </a:t>
+            </a:r>
+          </a:p>
+          <a:p>
+            <a:pPr>
+              <a:lnSpc>
+                <a:spcPct val="80000"/>
+              </a:lnSpc>
+            </a:pPr>
+            <a:r>
+              <a:rPr lang="en-US" sz="2400" dirty="0" smtClean="0">
+                <a:solidFill>
+                  <a:srgbClr val="1E3272"/>
+                </a:solidFill>
+              </a:rPr>
+              <a:t>         .</a:t>
+            </a:r>
+            <a:r>
+              <a:rPr lang="en-US" sz="2400" dirty="0" smtClean="0">
+                <a:solidFill>
+                  <a:srgbClr val="FF0000"/>
+                </a:solidFill>
+              </a:rPr>
+              <a:t>align</a:t>
+            </a:r>
+            <a:r>
+              <a:rPr lang="en-US" sz="2400" dirty="0" smtClean="0">
+                <a:solidFill>
+                  <a:srgbClr val="1E3272"/>
+                </a:solidFill>
+              </a:rPr>
+              <a:t>   </a:t>
+            </a:r>
+            <a:r>
+              <a:rPr lang="en-US" sz="2400" dirty="0" smtClean="0">
+                <a:solidFill>
+                  <a:srgbClr val="2F5CB5"/>
+                </a:solidFill>
+              </a:rPr>
               <a:t>3</a:t>
             </a:r>
-            <a:endParaRPr lang="en-US" sz="2400" dirty="0" smtClean="0">
-              <a:solidFill>
-                <a:srgbClr val="2F5CB5"/>
-              </a:solidFill>
-            </a:endParaRPr>
           </a:p>
           <a:p>
             <a:pPr>
@@ -10358,7 +10504,7 @@
                   <a:srgbClr val="1E3272"/>
                 </a:solidFill>
               </a:rPr>
-              <a:t>word1</a:t>
+              <a:t>half2</a:t>
             </a:r>
             <a:r>
               <a:rPr lang="en-US" sz="2400" dirty="0" smtClean="0">
@@ -10381,22 +10527,216 @@
                   <a:srgbClr val="1E3272"/>
                 </a:solidFill>
               </a:rPr>
+              <a:t>         .</a:t>
+            </a:r>
+            <a:r>
+              <a:rPr lang="en-US" sz="2400" dirty="0" smtClean="0">
+                <a:solidFill>
+                  <a:srgbClr val="FF0000"/>
+                </a:solidFill>
+              </a:rPr>
+              <a:t>half</a:t>
+            </a:r>
+            <a:r>
+              <a:rPr lang="en-US" sz="2400" dirty="0" smtClean="0">
+                <a:solidFill>
+                  <a:srgbClr val="1E3272"/>
+                </a:solidFill>
+              </a:rPr>
+              <a:t>     </a:t>
+            </a:r>
+            <a:r>
+              <a:rPr lang="en-US" sz="2400" dirty="0" smtClean="0">
+                <a:solidFill>
+                  <a:srgbClr val="2F5CB5"/>
+                </a:solidFill>
+              </a:rPr>
+              <a:t>0x1234</a:t>
+            </a:r>
+          </a:p>
+          <a:p>
+            <a:pPr>
+              <a:lnSpc>
+                <a:spcPct val="80000"/>
+              </a:lnSpc>
+            </a:pPr>
+            <a:r>
+              <a:rPr lang="en-US" sz="2400" dirty="0" smtClean="0">
+                <a:solidFill>
+                  <a:srgbClr val="1E3272"/>
+                </a:solidFill>
+              </a:rPr>
+              <a:t>         .</a:t>
+            </a:r>
+            <a:r>
+              <a:rPr lang="en-US" sz="2400" dirty="0" smtClean="0">
+                <a:solidFill>
+                  <a:srgbClr val="FF0000"/>
+                </a:solidFill>
+              </a:rPr>
+              <a:t>align</a:t>
+            </a:r>
+            <a:r>
+              <a:rPr lang="en-US" sz="2400" dirty="0" smtClean="0">
+                <a:solidFill>
+                  <a:srgbClr val="1E3272"/>
+                </a:solidFill>
+              </a:rPr>
               <a:t>   </a:t>
             </a:r>
             <a:r>
               <a:rPr lang="en-US" sz="2400" dirty="0" smtClean="0">
                 <a:solidFill>
-                  <a:srgbClr val="1E3272"/>
-                </a:solidFill>
-              </a:rPr>
-              <a:t>      .</a:t>
+                  <a:srgbClr val="2F5CB5"/>
+                </a:solidFill>
+              </a:rPr>
+              <a:t>3</a:t>
+            </a:r>
+          </a:p>
+          <a:p>
+            <a:pPr>
+              <a:lnSpc>
+                <a:spcPct val="80000"/>
+              </a:lnSpc>
+            </a:pPr>
+            <a:r>
+              <a:rPr lang="en-US" sz="2400" b="1" i="1" dirty="0" smtClean="0">
+                <a:solidFill>
+                  <a:srgbClr val="1E3272"/>
+                </a:solidFill>
+              </a:rPr>
+              <a:t>byte2</a:t>
             </a:r>
             <a:r>
               <a:rPr lang="en-US" sz="2400" dirty="0" smtClean="0">
                 <a:solidFill>
+                  <a:srgbClr val="1E3272"/>
+                </a:solidFill>
+              </a:rPr>
+              <a:t>:</a:t>
+            </a:r>
+          </a:p>
+          <a:p>
+            <a:pPr>
+              <a:lnSpc>
+                <a:spcPct val="80000"/>
+              </a:lnSpc>
+            </a:pPr>
+            <a:r>
+              <a:rPr lang="en-US" sz="2400" dirty="0" smtClean="0">
+                <a:solidFill>
+                  <a:srgbClr val="1E3272"/>
+                </a:solidFill>
+              </a:rPr>
+              <a:t>         .</a:t>
+            </a:r>
+            <a:r>
+              <a:rPr lang="en-US" sz="2400" dirty="0" smtClean="0">
+                <a:solidFill>
                   <a:srgbClr val="FF0000"/>
                 </a:solidFill>
               </a:rPr>
+              <a:t>byte</a:t>
+            </a:r>
+            <a:r>
+              <a:rPr lang="en-US" sz="2400" dirty="0" smtClean="0">
+                <a:solidFill>
+                  <a:srgbClr val="1E3272"/>
+                </a:solidFill>
+              </a:rPr>
+              <a:t>    </a:t>
+            </a:r>
+            <a:r>
+              <a:rPr lang="en-US" sz="2400" dirty="0" smtClean="0">
+                <a:solidFill>
+                  <a:srgbClr val="2F5CB5"/>
+                </a:solidFill>
+              </a:rPr>
+              <a:t>0x12   </a:t>
+            </a:r>
+          </a:p>
+          <a:p>
+            <a:pPr>
+              <a:lnSpc>
+                <a:spcPct val="80000"/>
+              </a:lnSpc>
+            </a:pPr>
+            <a:r>
+              <a:rPr lang="en-US" sz="2400" dirty="0" smtClean="0">
+                <a:solidFill>
+                  <a:srgbClr val="1E3272"/>
+                </a:solidFill>
+              </a:rPr>
+              <a:t>         .</a:t>
+            </a:r>
+            <a:r>
+              <a:rPr lang="en-US" sz="2400" dirty="0" smtClean="0">
+                <a:solidFill>
+                  <a:srgbClr val="FF0000"/>
+                </a:solidFill>
+              </a:rPr>
+              <a:t>align</a:t>
+            </a:r>
+            <a:r>
+              <a:rPr lang="en-US" sz="2400" dirty="0" smtClean="0">
+                <a:solidFill>
+                  <a:srgbClr val="1E3272"/>
+                </a:solidFill>
+              </a:rPr>
+              <a:t>   </a:t>
+            </a:r>
+            <a:r>
+              <a:rPr lang="en-US" sz="2400" dirty="0" smtClean="0">
+                <a:solidFill>
+                  <a:srgbClr val="2F5CB5"/>
+                </a:solidFill>
+              </a:rPr>
+              <a:t>0</a:t>
+            </a:r>
+          </a:p>
+          <a:p>
+            <a:pPr>
+              <a:lnSpc>
+                <a:spcPct val="80000"/>
+              </a:lnSpc>
+            </a:pPr>
+            <a:r>
+              <a:rPr lang="en-US" sz="2400" b="1" i="1" dirty="0" smtClean="0">
+                <a:solidFill>
+                  <a:srgbClr val="1E3272"/>
+                </a:solidFill>
+              </a:rPr>
+              <a:t>word3</a:t>
+            </a:r>
+            <a:r>
+              <a:rPr lang="en-US" sz="2400" dirty="0" smtClean="0">
+                <a:solidFill>
+                  <a:srgbClr val="1E3272"/>
+                </a:solidFill>
+              </a:rPr>
+              <a:t>:</a:t>
+            </a:r>
+          </a:p>
+          <a:p>
+            <a:pPr>
+              <a:lnSpc>
+                <a:spcPct val="80000"/>
+              </a:lnSpc>
+            </a:pPr>
+            <a:r>
+              <a:rPr lang="en-US" sz="2400" dirty="0" smtClean="0">
+                <a:solidFill>
+                  <a:srgbClr val="1E3272"/>
+                </a:solidFill>
+              </a:rPr>
+              <a:t>         .</a:t>
+            </a:r>
+            <a:r>
+              <a:rPr lang="en-US" sz="2400" dirty="0" smtClean="0">
+                <a:solidFill>
+                  <a:srgbClr val="FF0000"/>
+                </a:solidFill>
+              </a:rPr>
               <a:t>word</a:t>
             </a:r>
             <a:r>
@@ -10405,745 +10745,7 @@
                   <a:srgbClr val="1E3272"/>
                 </a:solidFill>
               </a:rPr>
-              <a:t>  </a:t>
-            </a:r>
-            <a:r>
-              <a:rPr lang="en-US" sz="2400" dirty="0" smtClean="0">
-                <a:solidFill>
-                  <a:srgbClr val="1E3272"/>
-                </a:solidFill>
-              </a:rPr>
-              <a:t> </a:t>
-            </a:r>
-            <a:r>
-              <a:rPr lang="en-US" sz="2400" dirty="0" smtClean="0">
-                <a:solidFill>
-                  <a:srgbClr val="2F5CB5"/>
-                </a:solidFill>
-              </a:rPr>
-              <a:t>0x12345678 </a:t>
-            </a:r>
-            <a:endParaRPr lang="en-US" sz="2400" dirty="0" smtClean="0">
-              <a:solidFill>
-                <a:srgbClr val="2F5CB5"/>
-              </a:solidFill>
-            </a:endParaRPr>
-          </a:p>
-          <a:p>
-            <a:pPr>
-              <a:lnSpc>
-                <a:spcPct val="80000"/>
-              </a:lnSpc>
-            </a:pPr>
-            <a:r>
-              <a:rPr lang="en-US" sz="2400" b="1" i="1" dirty="0" smtClean="0">
-                <a:solidFill>
-                  <a:srgbClr val="1E3272"/>
-                </a:solidFill>
-              </a:rPr>
-              <a:t>half1</a:t>
-            </a:r>
-            <a:r>
-              <a:rPr lang="en-US" sz="2400" dirty="0" smtClean="0">
-                <a:solidFill>
-                  <a:srgbClr val="1E3272"/>
-                </a:solidFill>
-              </a:rPr>
-              <a:t>:</a:t>
-            </a:r>
-          </a:p>
-          <a:p>
-            <a:pPr>
-              <a:lnSpc>
-                <a:spcPct val="80000"/>
-              </a:lnSpc>
-            </a:pPr>
-            <a:r>
-              <a:rPr lang="en-US" sz="2400" dirty="0" smtClean="0">
-                <a:solidFill>
-                  <a:srgbClr val="1E3272"/>
-                </a:solidFill>
-              </a:rPr>
               <a:t>   </a:t>
-            </a:r>
-            <a:r>
-              <a:rPr lang="en-US" sz="2400" dirty="0" smtClean="0">
-                <a:solidFill>
-                  <a:srgbClr val="1E3272"/>
-                </a:solidFill>
-              </a:rPr>
-              <a:t>      .</a:t>
-            </a:r>
-            <a:r>
-              <a:rPr lang="en-US" sz="2400" dirty="0" smtClean="0">
-                <a:solidFill>
-                  <a:srgbClr val="FF0000"/>
-                </a:solidFill>
-              </a:rPr>
-              <a:t>half</a:t>
-            </a:r>
-            <a:r>
-              <a:rPr lang="en-US" sz="2400" dirty="0" smtClean="0">
-                <a:solidFill>
-                  <a:srgbClr val="1E3272"/>
-                </a:solidFill>
-              </a:rPr>
-              <a:t>  </a:t>
-            </a:r>
-            <a:r>
-              <a:rPr lang="en-US" sz="2400" dirty="0" smtClean="0">
-                <a:solidFill>
-                  <a:srgbClr val="1E3272"/>
-                </a:solidFill>
-              </a:rPr>
-              <a:t>   </a:t>
-            </a:r>
-            <a:r>
-              <a:rPr lang="en-US" sz="2400" dirty="0" smtClean="0">
-                <a:solidFill>
-                  <a:srgbClr val="2F5CB5"/>
-                </a:solidFill>
-              </a:rPr>
-              <a:t>0x1234</a:t>
-            </a:r>
-            <a:endParaRPr lang="en-US" sz="2400" dirty="0" smtClean="0">
-              <a:solidFill>
-                <a:srgbClr val="2F5CB5"/>
-              </a:solidFill>
-            </a:endParaRPr>
-          </a:p>
-          <a:p>
-            <a:pPr>
-              <a:lnSpc>
-                <a:spcPct val="80000"/>
-              </a:lnSpc>
-            </a:pPr>
-            <a:r>
-              <a:rPr lang="en-US" sz="2400" b="1" i="1" dirty="0" smtClean="0">
-                <a:solidFill>
-                  <a:srgbClr val="1E3272"/>
-                </a:solidFill>
-              </a:rPr>
-              <a:t>byte1</a:t>
-            </a:r>
-            <a:r>
-              <a:rPr lang="en-US" sz="2400" dirty="0" smtClean="0">
-                <a:solidFill>
-                  <a:srgbClr val="1E3272"/>
-                </a:solidFill>
-              </a:rPr>
-              <a:t>:</a:t>
-            </a:r>
-          </a:p>
-          <a:p>
-            <a:pPr>
-              <a:lnSpc>
-                <a:spcPct val="80000"/>
-              </a:lnSpc>
-            </a:pPr>
-            <a:r>
-              <a:rPr lang="en-US" sz="2400" dirty="0" smtClean="0">
-                <a:solidFill>
-                  <a:srgbClr val="1E3272"/>
-                </a:solidFill>
-              </a:rPr>
-              <a:t>   </a:t>
-            </a:r>
-            <a:r>
-              <a:rPr lang="en-US" sz="2400" dirty="0" smtClean="0">
-                <a:solidFill>
-                  <a:srgbClr val="1E3272"/>
-                </a:solidFill>
-              </a:rPr>
-              <a:t>      .</a:t>
-            </a:r>
-            <a:r>
-              <a:rPr lang="en-US" sz="2400" dirty="0" smtClean="0">
-                <a:solidFill>
-                  <a:srgbClr val="FF0000"/>
-                </a:solidFill>
-              </a:rPr>
-              <a:t>byte</a:t>
-            </a:r>
-            <a:r>
-              <a:rPr lang="en-US" sz="2400" dirty="0" smtClean="0">
-                <a:solidFill>
-                  <a:srgbClr val="1E3272"/>
-                </a:solidFill>
-              </a:rPr>
-              <a:t>  </a:t>
-            </a:r>
-            <a:r>
-              <a:rPr lang="en-US" sz="2400" dirty="0" smtClean="0">
-                <a:solidFill>
-                  <a:srgbClr val="1E3272"/>
-                </a:solidFill>
-              </a:rPr>
-              <a:t>  </a:t>
-            </a:r>
-            <a:r>
-              <a:rPr lang="en-US" sz="2400" dirty="0" smtClean="0">
-                <a:solidFill>
-                  <a:srgbClr val="2F5CB5"/>
-                </a:solidFill>
-              </a:rPr>
-              <a:t>0x12</a:t>
-            </a:r>
-            <a:endParaRPr lang="en-US" sz="2400" dirty="0" smtClean="0">
-              <a:solidFill>
-                <a:srgbClr val="2F5CB5"/>
-              </a:solidFill>
-            </a:endParaRPr>
-          </a:p>
-          <a:p>
-            <a:pPr>
-              <a:lnSpc>
-                <a:spcPct val="80000"/>
-              </a:lnSpc>
-            </a:pPr>
-            <a:r>
-              <a:rPr lang="en-US" sz="2400" dirty="0" smtClean="0">
-                <a:solidFill>
-                  <a:srgbClr val="1E3272"/>
-                </a:solidFill>
-              </a:rPr>
-              <a:t>   </a:t>
-            </a:r>
-            <a:r>
-              <a:rPr lang="en-US" sz="2400" dirty="0" smtClean="0">
-                <a:solidFill>
-                  <a:srgbClr val="1E3272"/>
-                </a:solidFill>
-              </a:rPr>
-              <a:t>      .</a:t>
-            </a:r>
-            <a:r>
-              <a:rPr lang="en-US" sz="2400" dirty="0" smtClean="0">
-                <a:solidFill>
-                  <a:srgbClr val="FF0000"/>
-                </a:solidFill>
-              </a:rPr>
-              <a:t>align</a:t>
-            </a:r>
-            <a:r>
-              <a:rPr lang="en-US" sz="2400" dirty="0" smtClean="0">
-                <a:solidFill>
-                  <a:srgbClr val="1E3272"/>
-                </a:solidFill>
-              </a:rPr>
-              <a:t> </a:t>
-            </a:r>
-            <a:r>
-              <a:rPr lang="en-US" sz="2400" dirty="0" smtClean="0">
-                <a:solidFill>
-                  <a:srgbClr val="1E3272"/>
-                </a:solidFill>
-              </a:rPr>
-              <a:t>  </a:t>
-            </a:r>
-            <a:r>
-              <a:rPr lang="en-US" sz="2400" dirty="0" smtClean="0">
-                <a:solidFill>
-                  <a:srgbClr val="2F5CB5"/>
-                </a:solidFill>
-              </a:rPr>
-              <a:t>4</a:t>
-            </a:r>
-            <a:endParaRPr lang="en-US" sz="2400" dirty="0" smtClean="0">
-              <a:solidFill>
-                <a:srgbClr val="2F5CB5"/>
-              </a:solidFill>
-            </a:endParaRPr>
-          </a:p>
-          <a:p>
-            <a:pPr>
-              <a:lnSpc>
-                <a:spcPct val="80000"/>
-              </a:lnSpc>
-            </a:pPr>
-            <a:r>
-              <a:rPr lang="en-US" sz="2400" b="1" i="1" dirty="0" smtClean="0">
-                <a:solidFill>
-                  <a:srgbClr val="1E3272"/>
-                </a:solidFill>
-              </a:rPr>
-              <a:t>word2</a:t>
-            </a:r>
-            <a:r>
-              <a:rPr lang="en-US" sz="2400" dirty="0" smtClean="0">
-                <a:solidFill>
-                  <a:srgbClr val="1E3272"/>
-                </a:solidFill>
-              </a:rPr>
-              <a:t>:</a:t>
-            </a:r>
-          </a:p>
-          <a:p>
-            <a:pPr>
-              <a:lnSpc>
-                <a:spcPct val="80000"/>
-              </a:lnSpc>
-            </a:pPr>
-            <a:r>
-              <a:rPr lang="en-US" sz="2400" dirty="0" smtClean="0">
-                <a:solidFill>
-                  <a:srgbClr val="1E3272"/>
-                </a:solidFill>
-              </a:rPr>
-              <a:t>   </a:t>
-            </a:r>
-            <a:r>
-              <a:rPr lang="en-US" sz="2400" dirty="0" smtClean="0">
-                <a:solidFill>
-                  <a:srgbClr val="1E3272"/>
-                </a:solidFill>
-              </a:rPr>
-              <a:t>      .</a:t>
-            </a:r>
-            <a:r>
-              <a:rPr lang="en-US" sz="2400" dirty="0" smtClean="0">
-                <a:solidFill>
-                  <a:srgbClr val="FF0000"/>
-                </a:solidFill>
-              </a:rPr>
-              <a:t>word</a:t>
-            </a:r>
-            <a:r>
-              <a:rPr lang="en-US" sz="2400" dirty="0" smtClean="0">
-                <a:solidFill>
-                  <a:srgbClr val="1E3272"/>
-                </a:solidFill>
-              </a:rPr>
-              <a:t> </a:t>
-            </a:r>
-            <a:r>
-              <a:rPr lang="en-US" sz="2400" dirty="0" smtClean="0">
-                <a:solidFill>
-                  <a:srgbClr val="1E3272"/>
-                </a:solidFill>
-              </a:rPr>
-              <a:t>  </a:t>
-            </a:r>
-            <a:r>
-              <a:rPr lang="en-US" sz="2400" dirty="0" smtClean="0">
-                <a:solidFill>
-                  <a:srgbClr val="2F5CB5"/>
-                </a:solidFill>
-              </a:rPr>
-              <a:t>0x12345678  </a:t>
-            </a:r>
-            <a:endParaRPr lang="en-US" sz="2400" dirty="0" smtClean="0">
-              <a:solidFill>
-                <a:srgbClr val="2F5CB5"/>
-              </a:solidFill>
-            </a:endParaRPr>
-          </a:p>
-          <a:p>
-            <a:pPr>
-              <a:lnSpc>
-                <a:spcPct val="80000"/>
-              </a:lnSpc>
-            </a:pPr>
-            <a:r>
-              <a:rPr lang="en-US" sz="2400" dirty="0" smtClean="0">
-                <a:solidFill>
-                  <a:srgbClr val="1E3272"/>
-                </a:solidFill>
-              </a:rPr>
-              <a:t>   </a:t>
-            </a:r>
-            <a:r>
-              <a:rPr lang="en-US" sz="2400" dirty="0" smtClean="0">
-                <a:solidFill>
-                  <a:srgbClr val="1E3272"/>
-                </a:solidFill>
-              </a:rPr>
-              <a:t>      .</a:t>
-            </a:r>
-            <a:r>
-              <a:rPr lang="en-US" sz="2400" dirty="0" smtClean="0">
-                <a:solidFill>
-                  <a:srgbClr val="FF0000"/>
-                </a:solidFill>
-              </a:rPr>
-              <a:t>align</a:t>
-            </a:r>
-            <a:r>
-              <a:rPr lang="en-US" sz="2400" dirty="0" smtClean="0">
-                <a:solidFill>
-                  <a:srgbClr val="1E3272"/>
-                </a:solidFill>
-              </a:rPr>
-              <a:t> </a:t>
-            </a:r>
-            <a:r>
-              <a:rPr lang="en-US" sz="2400" dirty="0" smtClean="0">
-                <a:solidFill>
-                  <a:srgbClr val="1E3272"/>
-                </a:solidFill>
-              </a:rPr>
-              <a:t>  </a:t>
-            </a:r>
-            <a:r>
-              <a:rPr lang="en-US" sz="2400" dirty="0" smtClean="0">
-                <a:solidFill>
-                  <a:srgbClr val="2F5CB5"/>
-                </a:solidFill>
-              </a:rPr>
-              <a:t>3</a:t>
-            </a:r>
-            <a:endParaRPr lang="en-US" sz="2400" dirty="0" smtClean="0">
-              <a:solidFill>
-                <a:srgbClr val="2F5CB5"/>
-              </a:solidFill>
-            </a:endParaRPr>
-          </a:p>
-          <a:p>
-            <a:pPr>
-              <a:lnSpc>
-                <a:spcPct val="80000"/>
-              </a:lnSpc>
-            </a:pPr>
-            <a:r>
-              <a:rPr lang="en-US" sz="2400" b="1" i="1" dirty="0" smtClean="0">
-                <a:solidFill>
-                  <a:srgbClr val="1E3272"/>
-                </a:solidFill>
-              </a:rPr>
-              <a:t>half2</a:t>
-            </a:r>
-            <a:r>
-              <a:rPr lang="en-US" sz="2400" dirty="0" smtClean="0">
-                <a:solidFill>
-                  <a:srgbClr val="1E3272"/>
-                </a:solidFill>
-              </a:rPr>
-              <a:t>:</a:t>
-            </a:r>
-          </a:p>
-          <a:p>
-            <a:pPr>
-              <a:lnSpc>
-                <a:spcPct val="80000"/>
-              </a:lnSpc>
-            </a:pPr>
-            <a:r>
-              <a:rPr lang="en-US" sz="2400" dirty="0" smtClean="0">
-                <a:solidFill>
-                  <a:srgbClr val="1E3272"/>
-                </a:solidFill>
-              </a:rPr>
-              <a:t>   </a:t>
-            </a:r>
-            <a:r>
-              <a:rPr lang="en-US" sz="2400" dirty="0" smtClean="0">
-                <a:solidFill>
-                  <a:srgbClr val="1E3272"/>
-                </a:solidFill>
-              </a:rPr>
-              <a:t>      .</a:t>
-            </a:r>
-            <a:r>
-              <a:rPr lang="en-US" sz="2400" dirty="0" smtClean="0">
-                <a:solidFill>
-                  <a:srgbClr val="FF0000"/>
-                </a:solidFill>
-              </a:rPr>
-              <a:t>half</a:t>
-            </a:r>
-            <a:r>
-              <a:rPr lang="en-US" sz="2400" dirty="0" smtClean="0">
-                <a:solidFill>
-                  <a:srgbClr val="1E3272"/>
-                </a:solidFill>
-              </a:rPr>
-              <a:t>  </a:t>
-            </a:r>
-            <a:r>
-              <a:rPr lang="en-US" sz="2400" dirty="0" smtClean="0">
-                <a:solidFill>
-                  <a:srgbClr val="1E3272"/>
-                </a:solidFill>
-              </a:rPr>
-              <a:t>   </a:t>
-            </a:r>
-            <a:r>
-              <a:rPr lang="en-US" sz="2400" dirty="0" smtClean="0">
-                <a:solidFill>
-                  <a:srgbClr val="2F5CB5"/>
-                </a:solidFill>
-              </a:rPr>
-              <a:t>0x1234</a:t>
-            </a:r>
-            <a:endParaRPr lang="en-US" sz="2400" dirty="0" smtClean="0">
-              <a:solidFill>
-                <a:srgbClr val="2F5CB5"/>
-              </a:solidFill>
-            </a:endParaRPr>
-          </a:p>
-          <a:p>
-            <a:pPr>
-              <a:lnSpc>
-                <a:spcPct val="80000"/>
-              </a:lnSpc>
-            </a:pPr>
-            <a:r>
-              <a:rPr lang="en-US" sz="2400" dirty="0" smtClean="0">
-                <a:solidFill>
-                  <a:srgbClr val="1E3272"/>
-                </a:solidFill>
-              </a:rPr>
-              <a:t>   </a:t>
-            </a:r>
-            <a:r>
-              <a:rPr lang="en-US" sz="2400" dirty="0" smtClean="0">
-                <a:solidFill>
-                  <a:srgbClr val="1E3272"/>
-                </a:solidFill>
-              </a:rPr>
-              <a:t>      .</a:t>
-            </a:r>
-            <a:r>
-              <a:rPr lang="en-US" sz="2400" dirty="0" smtClean="0">
-                <a:solidFill>
-                  <a:srgbClr val="FF0000"/>
-                </a:solidFill>
-              </a:rPr>
-              <a:t>align</a:t>
-            </a:r>
-            <a:r>
-              <a:rPr lang="en-US" sz="2400" dirty="0" smtClean="0">
-                <a:solidFill>
-                  <a:srgbClr val="1E3272"/>
-                </a:solidFill>
-              </a:rPr>
-              <a:t> </a:t>
-            </a:r>
-            <a:r>
-              <a:rPr lang="en-US" sz="2400" dirty="0" smtClean="0">
-                <a:solidFill>
-                  <a:srgbClr val="1E3272"/>
-                </a:solidFill>
-              </a:rPr>
-              <a:t>  </a:t>
-            </a:r>
-            <a:r>
-              <a:rPr lang="en-US" sz="2400" dirty="0" smtClean="0">
-                <a:solidFill>
-                  <a:srgbClr val="2F5CB5"/>
-                </a:solidFill>
-              </a:rPr>
-              <a:t>3</a:t>
-            </a:r>
-            <a:endParaRPr lang="en-US" sz="2400" dirty="0" smtClean="0">
-              <a:solidFill>
-                <a:srgbClr val="2F5CB5"/>
-              </a:solidFill>
-            </a:endParaRPr>
-          </a:p>
-          <a:p>
-            <a:pPr>
-              <a:lnSpc>
-                <a:spcPct val="80000"/>
-              </a:lnSpc>
-            </a:pPr>
-            <a:r>
-              <a:rPr lang="en-US" sz="2400" b="1" i="1" dirty="0" smtClean="0">
-                <a:solidFill>
-                  <a:srgbClr val="1E3272"/>
-                </a:solidFill>
-              </a:rPr>
-              <a:t>byte2</a:t>
-            </a:r>
-            <a:r>
-              <a:rPr lang="en-US" sz="2400" dirty="0" smtClean="0">
-                <a:solidFill>
-                  <a:srgbClr val="1E3272"/>
-                </a:solidFill>
-              </a:rPr>
-              <a:t>:</a:t>
-            </a:r>
-          </a:p>
-          <a:p>
-            <a:pPr>
-              <a:lnSpc>
-                <a:spcPct val="80000"/>
-              </a:lnSpc>
-            </a:pPr>
-            <a:r>
-              <a:rPr lang="en-US" sz="2400" dirty="0" smtClean="0">
-                <a:solidFill>
-                  <a:srgbClr val="1E3272"/>
-                </a:solidFill>
-              </a:rPr>
-              <a:t>   </a:t>
-            </a:r>
-            <a:r>
-              <a:rPr lang="en-US" sz="2400" dirty="0" smtClean="0">
-                <a:solidFill>
-                  <a:srgbClr val="1E3272"/>
-                </a:solidFill>
-              </a:rPr>
-              <a:t>      .</a:t>
-            </a:r>
-            <a:r>
-              <a:rPr lang="en-US" sz="2400" dirty="0" smtClean="0">
-                <a:solidFill>
-                  <a:srgbClr val="FF0000"/>
-                </a:solidFill>
-              </a:rPr>
-              <a:t>byte</a:t>
-            </a:r>
-            <a:r>
-              <a:rPr lang="en-US" sz="2400" dirty="0" smtClean="0">
-                <a:solidFill>
-                  <a:srgbClr val="1E3272"/>
-                </a:solidFill>
-              </a:rPr>
-              <a:t>  </a:t>
-            </a:r>
-            <a:r>
-              <a:rPr lang="en-US" sz="2400" dirty="0" smtClean="0">
-                <a:solidFill>
-                  <a:srgbClr val="1E3272"/>
-                </a:solidFill>
-              </a:rPr>
-              <a:t>  </a:t>
-            </a:r>
-            <a:r>
-              <a:rPr lang="en-US" sz="2400" dirty="0" smtClean="0">
-                <a:solidFill>
-                  <a:srgbClr val="2F5CB5"/>
-                </a:solidFill>
-              </a:rPr>
-              <a:t>0x12   </a:t>
-            </a:r>
-            <a:endParaRPr lang="en-US" sz="2400" dirty="0" smtClean="0">
-              <a:solidFill>
-                <a:srgbClr val="2F5CB5"/>
-              </a:solidFill>
-            </a:endParaRPr>
-          </a:p>
-          <a:p>
-            <a:pPr>
-              <a:lnSpc>
-                <a:spcPct val="80000"/>
-              </a:lnSpc>
-            </a:pPr>
-            <a:r>
-              <a:rPr lang="en-US" sz="2400" dirty="0" smtClean="0">
-                <a:solidFill>
-                  <a:srgbClr val="1E3272"/>
-                </a:solidFill>
-              </a:rPr>
-              <a:t>   </a:t>
-            </a:r>
-            <a:r>
-              <a:rPr lang="en-US" sz="2400" dirty="0" smtClean="0">
-                <a:solidFill>
-                  <a:srgbClr val="1E3272"/>
-                </a:solidFill>
-              </a:rPr>
-              <a:t>      .</a:t>
-            </a:r>
-            <a:r>
-              <a:rPr lang="en-US" sz="2400" dirty="0" smtClean="0">
-                <a:solidFill>
-                  <a:srgbClr val="FF0000"/>
-                </a:solidFill>
-              </a:rPr>
-              <a:t>align</a:t>
-            </a:r>
-            <a:r>
-              <a:rPr lang="en-US" sz="2400" dirty="0" smtClean="0">
-                <a:solidFill>
-                  <a:srgbClr val="1E3272"/>
-                </a:solidFill>
-              </a:rPr>
-              <a:t>   </a:t>
-            </a:r>
-            <a:r>
-              <a:rPr lang="en-US" sz="2400" dirty="0" smtClean="0">
-                <a:solidFill>
-                  <a:srgbClr val="2F5CB5"/>
-                </a:solidFill>
-              </a:rPr>
-              <a:t>0</a:t>
-            </a:r>
-            <a:endParaRPr lang="en-US" sz="2400" dirty="0" smtClean="0">
-              <a:solidFill>
-                <a:srgbClr val="2F5CB5"/>
-              </a:solidFill>
-            </a:endParaRPr>
-          </a:p>
-          <a:p>
-            <a:pPr>
-              <a:lnSpc>
-                <a:spcPct val="80000"/>
-              </a:lnSpc>
-            </a:pPr>
-            <a:r>
-              <a:rPr lang="en-US" sz="2400" b="1" i="1" dirty="0" smtClean="0">
-                <a:solidFill>
-                  <a:srgbClr val="1E3272"/>
-                </a:solidFill>
-              </a:rPr>
-              <a:t>word3</a:t>
-            </a:r>
-            <a:r>
-              <a:rPr lang="en-US" sz="2400" dirty="0" smtClean="0">
-                <a:solidFill>
-                  <a:srgbClr val="1E3272"/>
-                </a:solidFill>
-              </a:rPr>
-              <a:t>:</a:t>
-            </a:r>
-          </a:p>
-          <a:p>
-            <a:pPr>
-              <a:lnSpc>
-                <a:spcPct val="80000"/>
-              </a:lnSpc>
-            </a:pPr>
-            <a:r>
-              <a:rPr lang="en-US" sz="2400" dirty="0" smtClean="0">
-                <a:solidFill>
-                  <a:srgbClr val="1E3272"/>
-                </a:solidFill>
-              </a:rPr>
-              <a:t>   </a:t>
-            </a:r>
-            <a:r>
-              <a:rPr lang="en-US" sz="2400" dirty="0" smtClean="0">
-                <a:solidFill>
-                  <a:srgbClr val="1E3272"/>
-                </a:solidFill>
-              </a:rPr>
-              <a:t>      .</a:t>
-            </a:r>
-            <a:r>
-              <a:rPr lang="en-US" sz="2400" dirty="0" smtClean="0">
-                <a:solidFill>
-                  <a:srgbClr val="FF0000"/>
-                </a:solidFill>
-              </a:rPr>
-              <a:t>word</a:t>
-            </a:r>
-            <a:r>
-              <a:rPr lang="en-US" sz="2400" dirty="0" smtClean="0">
-                <a:solidFill>
-                  <a:srgbClr val="1E3272"/>
-                </a:solidFill>
-              </a:rPr>
-              <a:t> </a:t>
-            </a:r>
-            <a:r>
-              <a:rPr lang="en-US" sz="2400" dirty="0" smtClean="0">
-                <a:solidFill>
-                  <a:srgbClr val="1E3272"/>
-                </a:solidFill>
-              </a:rPr>
-              <a:t>  </a:t>
             </a:r>
             <a:r>
               <a:rPr lang="en-US" sz="2400" dirty="0" smtClean="0">
@@ -11593,12 +11195,816 @@
             <p:ph idx="1"/>
           </p:nvPr>
         </p:nvSpPr>
-        <p:spPr/>
+        <p:spPr>
+          <a:xfrm>
+            <a:off x="759821" y="955981"/>
+            <a:ext cx="11062064" cy="5836703"/>
+          </a:xfrm>
+        </p:spPr>
         <p:txBody>
-          <a:bodyPr/>
+          <a:bodyPr>
+            <a:normAutofit lnSpcReduction="10000"/>
+          </a:bodyPr>
           <a:lstStyle/>
           <a:p>
-            <a:endParaRPr lang="ru-RU"/>
+            <a:pPr algn="ctr">
+              <a:buNone/>
+            </a:pPr>
+            <a:r>
+              <a:rPr lang="en-US" b="1" dirty="0" smtClean="0"/>
+              <a:t>Load instructions</a:t>
+            </a:r>
+          </a:p>
+          <a:p>
+            <a:pPr>
+              <a:spcBef>
+                <a:spcPts val="600"/>
+              </a:spcBef>
+              <a:buNone/>
+            </a:pPr>
+            <a:r>
+              <a:rPr lang="en-US" sz="2800" dirty="0" smtClean="0"/>
+              <a:t>lb   </a:t>
+            </a:r>
+            <a:r>
+              <a:rPr lang="en-US" sz="2800" dirty="0" smtClean="0">
+                <a:solidFill>
+                  <a:srgbClr val="FF0000"/>
+                </a:solidFill>
+              </a:rPr>
+              <a:t>t1</a:t>
+            </a:r>
+            <a:r>
+              <a:rPr lang="en-US" sz="2800" dirty="0" smtClean="0"/>
+              <a:t>, </a:t>
+            </a:r>
+            <a:r>
+              <a:rPr lang="en-US" sz="2800" i="1" dirty="0" smtClean="0"/>
+              <a:t>offset</a:t>
+            </a:r>
+            <a:r>
+              <a:rPr lang="en-US" sz="2800" dirty="0" smtClean="0"/>
+              <a:t>(</a:t>
+            </a:r>
+            <a:r>
+              <a:rPr lang="en-US" sz="2800" dirty="0" smtClean="0">
+                <a:solidFill>
+                  <a:srgbClr val="FF0000"/>
+                </a:solidFill>
+              </a:rPr>
+              <a:t>t2</a:t>
+            </a:r>
+            <a:r>
+              <a:rPr lang="en-US" sz="2800" dirty="0" smtClean="0"/>
+              <a:t>) </a:t>
+            </a:r>
+            <a:r>
+              <a:rPr lang="en-US" sz="2800" dirty="0" smtClean="0">
+                <a:solidFill>
+                  <a:srgbClr val="00B050"/>
+                </a:solidFill>
+              </a:rPr>
+              <a:t># t1 &lt;- sign-extended </a:t>
+            </a:r>
+            <a:r>
+              <a:rPr lang="en-US" sz="2800" dirty="0" smtClean="0">
+                <a:solidFill>
+                  <a:srgbClr val="00B050"/>
+                </a:solidFill>
+              </a:rPr>
+              <a:t>8-bit value from </a:t>
+            </a:r>
+            <a:r>
+              <a:rPr lang="en-US" sz="2800" dirty="0" smtClean="0">
+                <a:solidFill>
+                  <a:srgbClr val="00B050"/>
+                </a:solidFill>
+              </a:rPr>
+              <a:t>address t2 + offset</a:t>
+            </a:r>
+            <a:endParaRPr lang="en-US" sz="2800" dirty="0" smtClean="0">
+              <a:solidFill>
+                <a:srgbClr val="00B050"/>
+              </a:solidFill>
+            </a:endParaRPr>
+          </a:p>
+          <a:p>
+            <a:pPr>
+              <a:spcBef>
+                <a:spcPts val="600"/>
+              </a:spcBef>
+              <a:buNone/>
+            </a:pPr>
+            <a:r>
+              <a:rPr lang="en-US" sz="2800" dirty="0" err="1" smtClean="0"/>
+              <a:t>lbu</a:t>
+            </a:r>
+            <a:r>
+              <a:rPr lang="en-US" sz="2800" dirty="0" smtClean="0"/>
+              <a:t> </a:t>
+            </a:r>
+            <a:r>
+              <a:rPr lang="en-US" sz="2800" dirty="0" smtClean="0">
+                <a:solidFill>
+                  <a:srgbClr val="FF0000"/>
+                </a:solidFill>
+              </a:rPr>
+              <a:t>t1</a:t>
+            </a:r>
+            <a:r>
+              <a:rPr lang="en-US" sz="2800" dirty="0" smtClean="0"/>
+              <a:t>, </a:t>
+            </a:r>
+            <a:r>
+              <a:rPr lang="en-US" sz="2800" i="1" dirty="0" smtClean="0"/>
+              <a:t>offset</a:t>
+            </a:r>
+            <a:r>
+              <a:rPr lang="en-US" sz="2800" dirty="0" smtClean="0"/>
+              <a:t>(</a:t>
+            </a:r>
+            <a:r>
+              <a:rPr lang="en-US" sz="2800" dirty="0" smtClean="0">
+                <a:solidFill>
+                  <a:srgbClr val="FF0000"/>
+                </a:solidFill>
+              </a:rPr>
+              <a:t>t2</a:t>
+            </a:r>
+            <a:r>
+              <a:rPr lang="en-US" sz="2800" dirty="0" smtClean="0"/>
+              <a:t>) </a:t>
+            </a:r>
+            <a:r>
+              <a:rPr lang="en-US" sz="2800" dirty="0" smtClean="0">
+                <a:solidFill>
+                  <a:srgbClr val="00B050"/>
+                </a:solidFill>
+              </a:rPr>
+              <a:t># t1 &lt;- zero-extended </a:t>
+            </a:r>
+            <a:r>
+              <a:rPr lang="en-US" sz="2800" dirty="0" smtClean="0">
+                <a:solidFill>
+                  <a:srgbClr val="00B050"/>
+                </a:solidFill>
+              </a:rPr>
+              <a:t>8-bit value from address t2 + offset</a:t>
+            </a:r>
+          </a:p>
+          <a:p>
+            <a:pPr>
+              <a:spcBef>
+                <a:spcPts val="600"/>
+              </a:spcBef>
+              <a:buNone/>
+            </a:pPr>
+            <a:r>
+              <a:rPr lang="en-US" sz="2800" dirty="0" err="1" smtClean="0"/>
+              <a:t>lh</a:t>
+            </a:r>
+            <a:r>
+              <a:rPr lang="en-US" sz="2800" dirty="0" smtClean="0"/>
+              <a:t> </a:t>
+            </a:r>
+            <a:r>
+              <a:rPr lang="en-US" sz="2800" dirty="0" smtClean="0"/>
+              <a:t>  </a:t>
+            </a:r>
+            <a:r>
+              <a:rPr lang="en-US" sz="2800" dirty="0" smtClean="0">
+                <a:solidFill>
+                  <a:srgbClr val="FF0000"/>
+                </a:solidFill>
+              </a:rPr>
+              <a:t>t1</a:t>
+            </a:r>
+            <a:r>
+              <a:rPr lang="en-US" sz="2800" dirty="0" smtClean="0"/>
+              <a:t>, </a:t>
+            </a:r>
+            <a:r>
+              <a:rPr lang="en-US" sz="2800" i="1" dirty="0" smtClean="0"/>
+              <a:t>offset</a:t>
+            </a:r>
+            <a:r>
+              <a:rPr lang="en-US" sz="2800" dirty="0" smtClean="0"/>
+              <a:t>(</a:t>
+            </a:r>
+            <a:r>
+              <a:rPr lang="en-US" sz="2800" dirty="0" smtClean="0">
+                <a:solidFill>
+                  <a:srgbClr val="FF0000"/>
+                </a:solidFill>
+              </a:rPr>
+              <a:t>t2</a:t>
+            </a:r>
+            <a:r>
+              <a:rPr lang="en-US" sz="2800" dirty="0" smtClean="0"/>
+              <a:t>) </a:t>
+            </a:r>
+            <a:r>
+              <a:rPr lang="en-US" sz="2800" dirty="0" smtClean="0">
+                <a:solidFill>
+                  <a:srgbClr val="00B050"/>
+                </a:solidFill>
+              </a:rPr>
+              <a:t># t1 &lt;- sign-extended </a:t>
+            </a:r>
+            <a:r>
+              <a:rPr lang="en-US" sz="2800" dirty="0" smtClean="0">
+                <a:solidFill>
+                  <a:srgbClr val="00B050"/>
+                </a:solidFill>
+              </a:rPr>
+              <a:t>16-bit value from address t2 + offset</a:t>
+            </a:r>
+          </a:p>
+          <a:p>
+            <a:pPr>
+              <a:spcBef>
+                <a:spcPts val="600"/>
+              </a:spcBef>
+              <a:buNone/>
+            </a:pPr>
+            <a:r>
+              <a:rPr lang="en-US" sz="2800" dirty="0" err="1" smtClean="0"/>
+              <a:t>lhu</a:t>
+            </a:r>
+            <a:r>
+              <a:rPr lang="en-US" sz="2800" dirty="0" smtClean="0"/>
+              <a:t> </a:t>
+            </a:r>
+            <a:r>
+              <a:rPr lang="en-US" sz="2800" dirty="0" smtClean="0">
+                <a:solidFill>
+                  <a:srgbClr val="FF0000"/>
+                </a:solidFill>
+              </a:rPr>
+              <a:t>t1</a:t>
+            </a:r>
+            <a:r>
+              <a:rPr lang="en-US" sz="2800" dirty="0" smtClean="0"/>
+              <a:t>, </a:t>
+            </a:r>
+            <a:r>
+              <a:rPr lang="en-US" sz="2800" i="1" dirty="0" smtClean="0"/>
+              <a:t>offset</a:t>
+            </a:r>
+            <a:r>
+              <a:rPr lang="en-US" sz="2800" dirty="0" smtClean="0"/>
+              <a:t>(</a:t>
+            </a:r>
+            <a:r>
+              <a:rPr lang="en-US" sz="2800" dirty="0" smtClean="0">
+                <a:solidFill>
+                  <a:srgbClr val="FF0000"/>
+                </a:solidFill>
+              </a:rPr>
+              <a:t>t2</a:t>
+            </a:r>
+            <a:r>
+              <a:rPr lang="en-US" sz="2800" dirty="0" smtClean="0"/>
+              <a:t>) </a:t>
+            </a:r>
+            <a:r>
+              <a:rPr lang="en-US" sz="2800" dirty="0" smtClean="0">
+                <a:solidFill>
+                  <a:srgbClr val="00B050"/>
+                </a:solidFill>
+              </a:rPr>
+              <a:t># t1 &lt;- </a:t>
+            </a:r>
+            <a:r>
+              <a:rPr lang="en-US" sz="2800" dirty="0" smtClean="0">
+                <a:solidFill>
+                  <a:srgbClr val="00B050"/>
+                </a:solidFill>
+              </a:rPr>
+              <a:t>zero-extended 16-bit value from address t2 + offset</a:t>
+            </a:r>
+          </a:p>
+          <a:p>
+            <a:pPr>
+              <a:spcBef>
+                <a:spcPts val="600"/>
+              </a:spcBef>
+              <a:buNone/>
+            </a:pPr>
+            <a:r>
+              <a:rPr lang="en-US" sz="2800" dirty="0" err="1" smtClean="0"/>
+              <a:t>lw</a:t>
+            </a:r>
+            <a:r>
+              <a:rPr lang="en-US" sz="2800" dirty="0" smtClean="0"/>
+              <a:t> </a:t>
+            </a:r>
+            <a:r>
+              <a:rPr lang="en-US" sz="2800" dirty="0" smtClean="0"/>
+              <a:t>  </a:t>
+            </a:r>
+            <a:r>
+              <a:rPr lang="en-US" sz="2800" dirty="0" smtClean="0">
+                <a:solidFill>
+                  <a:srgbClr val="FF0000"/>
+                </a:solidFill>
+              </a:rPr>
+              <a:t>t1</a:t>
+            </a:r>
+            <a:r>
+              <a:rPr lang="en-US" sz="2800" dirty="0" smtClean="0"/>
+              <a:t>, </a:t>
+            </a:r>
+            <a:r>
+              <a:rPr lang="en-US" sz="2800" i="1" dirty="0" smtClean="0"/>
+              <a:t>offset</a:t>
+            </a:r>
+            <a:r>
+              <a:rPr lang="en-US" sz="2800" dirty="0" smtClean="0"/>
+              <a:t>(</a:t>
+            </a:r>
+            <a:r>
+              <a:rPr lang="en-US" sz="2800" dirty="0" smtClean="0">
+                <a:solidFill>
+                  <a:srgbClr val="FF0000"/>
+                </a:solidFill>
+              </a:rPr>
+              <a:t>t2</a:t>
+            </a:r>
+            <a:r>
+              <a:rPr lang="en-US" sz="2800" dirty="0" smtClean="0"/>
+              <a:t>) </a:t>
+            </a:r>
+            <a:r>
+              <a:rPr lang="en-US" sz="2800" dirty="0" smtClean="0">
+                <a:solidFill>
+                  <a:srgbClr val="00B050"/>
+                </a:solidFill>
+              </a:rPr>
+              <a:t># t1 &lt;- </a:t>
+            </a:r>
+            <a:r>
+              <a:rPr lang="en-US" sz="2800" dirty="0" smtClean="0">
+                <a:solidFill>
+                  <a:srgbClr val="00B050"/>
+                </a:solidFill>
+              </a:rPr>
+              <a:t>contents of address t2 + </a:t>
+            </a:r>
+            <a:r>
+              <a:rPr lang="en-US" sz="2800" dirty="0" smtClean="0">
+                <a:solidFill>
+                  <a:srgbClr val="00B050"/>
+                </a:solidFill>
+              </a:rPr>
+              <a:t>offset</a:t>
+            </a:r>
+          </a:p>
+          <a:p>
+            <a:pPr algn="ctr">
+              <a:buNone/>
+            </a:pPr>
+            <a:r>
+              <a:rPr lang="en-US" b="1" dirty="0" smtClean="0">
+                <a:solidFill>
+                  <a:srgbClr val="1E3272"/>
+                </a:solidFill>
+              </a:rPr>
+              <a:t>Store Instructions</a:t>
+            </a:r>
+            <a:endParaRPr lang="en-US" b="1" dirty="0" smtClean="0">
+              <a:solidFill>
+                <a:srgbClr val="1E3272"/>
+              </a:solidFill>
+            </a:endParaRPr>
+          </a:p>
+          <a:p>
+            <a:pPr>
+              <a:spcBef>
+                <a:spcPts val="600"/>
+              </a:spcBef>
+              <a:buNone/>
+            </a:pPr>
+            <a:r>
+              <a:rPr lang="en-US" sz="2800" dirty="0" smtClean="0">
+                <a:solidFill>
+                  <a:srgbClr val="1E3272"/>
+                </a:solidFill>
+              </a:rPr>
+              <a:t>sb </a:t>
+            </a:r>
+            <a:r>
+              <a:rPr lang="en-US" sz="2800" dirty="0" smtClean="0">
+                <a:solidFill>
+                  <a:srgbClr val="FF0000"/>
+                </a:solidFill>
+              </a:rPr>
+              <a:t>t1</a:t>
+            </a:r>
+            <a:r>
+              <a:rPr lang="en-US" sz="2800" dirty="0" smtClean="0">
+                <a:solidFill>
+                  <a:srgbClr val="1E3272"/>
+                </a:solidFill>
+              </a:rPr>
+              <a:t>, </a:t>
+            </a:r>
+            <a:r>
+              <a:rPr lang="en-US" sz="2800" i="1" dirty="0" smtClean="0">
+                <a:solidFill>
+                  <a:srgbClr val="1E3272"/>
+                </a:solidFill>
+              </a:rPr>
+              <a:t>offset</a:t>
+            </a:r>
+            <a:r>
+              <a:rPr lang="en-US" sz="2800" dirty="0" smtClean="0">
+                <a:solidFill>
+                  <a:srgbClr val="1E3272"/>
+                </a:solidFill>
+              </a:rPr>
+              <a:t>(</a:t>
+            </a:r>
+            <a:r>
+              <a:rPr lang="en-US" sz="2800" dirty="0" smtClean="0">
+                <a:solidFill>
+                  <a:srgbClr val="FF0000"/>
+                </a:solidFill>
+              </a:rPr>
+              <a:t>t2</a:t>
+            </a:r>
+            <a:r>
+              <a:rPr lang="en-US" sz="2800" dirty="0" smtClean="0">
+                <a:solidFill>
+                  <a:srgbClr val="00B050"/>
+                </a:solidFill>
+              </a:rPr>
+              <a:t>) # </a:t>
+            </a:r>
+            <a:r>
+              <a:rPr lang="en-US" sz="2800" dirty="0" smtClean="0">
+                <a:solidFill>
+                  <a:srgbClr val="00B050"/>
+                </a:solidFill>
+              </a:rPr>
+              <a:t>Store low-order </a:t>
+            </a:r>
+            <a:r>
+              <a:rPr lang="en-US" sz="2800" dirty="0" smtClean="0">
+                <a:solidFill>
+                  <a:srgbClr val="00B050"/>
+                </a:solidFill>
+              </a:rPr>
+              <a:t>8 bits </a:t>
+            </a:r>
+            <a:r>
+              <a:rPr lang="en-US" sz="2800" dirty="0" smtClean="0">
+                <a:solidFill>
+                  <a:srgbClr val="00B050"/>
+                </a:solidFill>
+              </a:rPr>
+              <a:t>(byte) of </a:t>
+            </a:r>
+            <a:r>
+              <a:rPr lang="en-US" sz="2800" dirty="0" smtClean="0">
+                <a:solidFill>
+                  <a:srgbClr val="00B050"/>
+                </a:solidFill>
+              </a:rPr>
+              <a:t>t1 </a:t>
+            </a:r>
+            <a:r>
+              <a:rPr lang="en-US" sz="2800" dirty="0" smtClean="0">
+                <a:solidFill>
+                  <a:srgbClr val="00B050"/>
+                </a:solidFill>
+              </a:rPr>
+              <a:t>to </a:t>
+            </a:r>
+            <a:r>
+              <a:rPr lang="en-US" sz="2800" dirty="0" smtClean="0">
+                <a:solidFill>
+                  <a:srgbClr val="00B050"/>
+                </a:solidFill>
+              </a:rPr>
+              <a:t>address t2 + offset</a:t>
+            </a:r>
+          </a:p>
+          <a:p>
+            <a:pPr>
+              <a:spcBef>
+                <a:spcPts val="600"/>
+              </a:spcBef>
+              <a:buNone/>
+            </a:pPr>
+            <a:r>
+              <a:rPr lang="en-US" sz="2800" dirty="0" err="1" smtClean="0">
+                <a:solidFill>
+                  <a:srgbClr val="1E3272"/>
+                </a:solidFill>
+              </a:rPr>
+              <a:t>sh</a:t>
+            </a:r>
+            <a:r>
+              <a:rPr lang="en-US" sz="2800" dirty="0" smtClean="0">
+                <a:solidFill>
+                  <a:srgbClr val="1E3272"/>
+                </a:solidFill>
+              </a:rPr>
+              <a:t> </a:t>
+            </a:r>
+            <a:r>
+              <a:rPr lang="en-US" sz="2800" dirty="0" smtClean="0">
+                <a:solidFill>
+                  <a:srgbClr val="FF0000"/>
+                </a:solidFill>
+              </a:rPr>
+              <a:t>t1</a:t>
+            </a:r>
+            <a:r>
+              <a:rPr lang="en-US" sz="2800" dirty="0" smtClean="0">
+                <a:solidFill>
+                  <a:srgbClr val="1E3272"/>
+                </a:solidFill>
+              </a:rPr>
+              <a:t>, </a:t>
+            </a:r>
+            <a:r>
+              <a:rPr lang="en-US" sz="2800" i="1" dirty="0" smtClean="0">
+                <a:solidFill>
+                  <a:srgbClr val="1E3272"/>
+                </a:solidFill>
+              </a:rPr>
+              <a:t>offset</a:t>
+            </a:r>
+            <a:r>
+              <a:rPr lang="en-US" sz="2800" dirty="0" smtClean="0">
+                <a:solidFill>
+                  <a:srgbClr val="1E3272"/>
+                </a:solidFill>
+              </a:rPr>
+              <a:t>(</a:t>
+            </a:r>
+            <a:r>
+              <a:rPr lang="en-US" sz="2800" dirty="0" smtClean="0">
+                <a:solidFill>
+                  <a:srgbClr val="FF0000"/>
+                </a:solidFill>
+              </a:rPr>
+              <a:t>t2</a:t>
+            </a:r>
+            <a:r>
+              <a:rPr lang="en-US" sz="2800" dirty="0" smtClean="0">
+                <a:solidFill>
+                  <a:srgbClr val="1E3272"/>
+                </a:solidFill>
+              </a:rPr>
+              <a:t>) </a:t>
+            </a:r>
+            <a:r>
+              <a:rPr lang="en-US" sz="2800" dirty="0" smtClean="0">
+                <a:solidFill>
+                  <a:srgbClr val="00B050"/>
+                </a:solidFill>
+              </a:rPr>
+              <a:t># </a:t>
+            </a:r>
+            <a:r>
+              <a:rPr lang="en-US" sz="2800" dirty="0" smtClean="0">
+                <a:solidFill>
+                  <a:srgbClr val="00B050"/>
+                </a:solidFill>
+              </a:rPr>
+              <a:t>Store low-order </a:t>
+            </a:r>
+            <a:r>
+              <a:rPr lang="en-US" sz="2800" dirty="0" smtClean="0">
+                <a:solidFill>
+                  <a:srgbClr val="00B050"/>
+                </a:solidFill>
+              </a:rPr>
+              <a:t>16 bits </a:t>
+            </a:r>
+            <a:r>
+              <a:rPr lang="en-US" sz="2800" dirty="0" smtClean="0">
+                <a:solidFill>
+                  <a:srgbClr val="00B050"/>
+                </a:solidFill>
+              </a:rPr>
+              <a:t>(half) of </a:t>
+            </a:r>
+            <a:r>
+              <a:rPr lang="en-US" sz="2800" dirty="0" smtClean="0">
+                <a:solidFill>
+                  <a:srgbClr val="00B050"/>
+                </a:solidFill>
+              </a:rPr>
+              <a:t>t1 </a:t>
+            </a:r>
+            <a:r>
+              <a:rPr lang="en-US" sz="2800" dirty="0" smtClean="0">
+                <a:solidFill>
+                  <a:srgbClr val="00B050"/>
+                </a:solidFill>
+              </a:rPr>
+              <a:t>to </a:t>
+            </a:r>
+            <a:r>
+              <a:rPr lang="en-US" sz="2800" dirty="0" smtClean="0">
+                <a:solidFill>
+                  <a:srgbClr val="00B050"/>
+                </a:solidFill>
+              </a:rPr>
+              <a:t>address t2 + offset</a:t>
+            </a:r>
+          </a:p>
+          <a:p>
+            <a:pPr>
+              <a:spcBef>
+                <a:spcPts val="600"/>
+              </a:spcBef>
+              <a:buNone/>
+            </a:pPr>
+            <a:r>
+              <a:rPr lang="en-US" sz="2800" dirty="0" err="1" smtClean="0">
+                <a:solidFill>
+                  <a:srgbClr val="1E3272"/>
+                </a:solidFill>
+              </a:rPr>
+              <a:t>sw</a:t>
+            </a:r>
+            <a:r>
+              <a:rPr lang="en-US" sz="2800" dirty="0" smtClean="0">
+                <a:solidFill>
+                  <a:srgbClr val="1E3272"/>
+                </a:solidFill>
+              </a:rPr>
+              <a:t> </a:t>
+            </a:r>
+            <a:r>
+              <a:rPr lang="en-US" sz="2800" dirty="0" smtClean="0">
+                <a:solidFill>
+                  <a:srgbClr val="FF0000"/>
+                </a:solidFill>
+              </a:rPr>
+              <a:t>t1</a:t>
+            </a:r>
+            <a:r>
+              <a:rPr lang="en-US" sz="2800" dirty="0" smtClean="0">
+                <a:solidFill>
+                  <a:srgbClr val="1E3272"/>
+                </a:solidFill>
+              </a:rPr>
+              <a:t>, </a:t>
+            </a:r>
+            <a:r>
+              <a:rPr lang="en-US" sz="2800" i="1" dirty="0" smtClean="0">
+                <a:solidFill>
+                  <a:srgbClr val="1E3272"/>
+                </a:solidFill>
+              </a:rPr>
+              <a:t>offset</a:t>
+            </a:r>
+            <a:r>
+              <a:rPr lang="en-US" sz="2800" dirty="0" smtClean="0">
+                <a:solidFill>
+                  <a:srgbClr val="1E3272"/>
+                </a:solidFill>
+              </a:rPr>
+              <a:t>(</a:t>
+            </a:r>
+            <a:r>
+              <a:rPr lang="en-US" sz="2800" dirty="0" smtClean="0">
+                <a:solidFill>
+                  <a:srgbClr val="FF0000"/>
+                </a:solidFill>
+              </a:rPr>
+              <a:t>t2</a:t>
+            </a:r>
+            <a:r>
+              <a:rPr lang="en-US" sz="2800" dirty="0" smtClean="0">
+                <a:solidFill>
+                  <a:srgbClr val="1E3272"/>
+                </a:solidFill>
+              </a:rPr>
+              <a:t>) </a:t>
+            </a:r>
+            <a:r>
+              <a:rPr lang="en-US" sz="2800" dirty="0" smtClean="0">
+                <a:solidFill>
+                  <a:srgbClr val="00B050"/>
+                </a:solidFill>
+              </a:rPr>
+              <a:t># </a:t>
+            </a:r>
+            <a:r>
+              <a:rPr lang="en-US" sz="2800" dirty="0" smtClean="0">
+                <a:solidFill>
+                  <a:srgbClr val="00B050"/>
+                </a:solidFill>
+              </a:rPr>
+              <a:t>Store </a:t>
+            </a:r>
+            <a:r>
+              <a:rPr lang="en-US" sz="2800" dirty="0" smtClean="0">
+                <a:solidFill>
+                  <a:srgbClr val="00B050"/>
+                </a:solidFill>
+              </a:rPr>
+              <a:t>contents of t1 </a:t>
+            </a:r>
+            <a:r>
+              <a:rPr lang="en-US" sz="2800" dirty="0" smtClean="0">
+                <a:solidFill>
+                  <a:srgbClr val="00B050"/>
+                </a:solidFill>
+              </a:rPr>
+              <a:t>to </a:t>
+            </a:r>
+            <a:r>
+              <a:rPr lang="en-US" sz="2800" dirty="0" smtClean="0">
+                <a:solidFill>
+                  <a:srgbClr val="00B050"/>
+                </a:solidFill>
+              </a:rPr>
+              <a:t>address t2 + </a:t>
+            </a:r>
+            <a:r>
+              <a:rPr lang="en-US" sz="2800" dirty="0" smtClean="0">
+                <a:solidFill>
+                  <a:srgbClr val="00B050"/>
+                </a:solidFill>
+              </a:rPr>
+              <a:t>offset</a:t>
+            </a:r>
+          </a:p>
+          <a:p>
+            <a:pPr algn="ctr">
+              <a:buNone/>
+            </a:pPr>
+            <a:r>
+              <a:rPr lang="en-US" b="1" dirty="0" smtClean="0">
+                <a:solidFill>
+                  <a:srgbClr val="1E3272"/>
+                </a:solidFill>
+              </a:rPr>
+              <a:t>Load Address </a:t>
+            </a:r>
+            <a:r>
+              <a:rPr lang="en-US" b="1" dirty="0" err="1" smtClean="0">
+                <a:solidFill>
+                  <a:srgbClr val="1E3272"/>
+                </a:solidFill>
+              </a:rPr>
+              <a:t>Pseudoinstruction</a:t>
+            </a:r>
+            <a:endParaRPr lang="en-US" b="1" dirty="0" smtClean="0">
+              <a:solidFill>
+                <a:srgbClr val="1E3272"/>
+              </a:solidFill>
+            </a:endParaRPr>
+          </a:p>
+          <a:p>
+            <a:pPr>
+              <a:buNone/>
+            </a:pPr>
+            <a:r>
+              <a:rPr lang="en-US" sz="2800" dirty="0" smtClean="0">
+                <a:solidFill>
+                  <a:srgbClr val="1E3272"/>
+                </a:solidFill>
+              </a:rPr>
+              <a:t>la </a:t>
+            </a:r>
+            <a:r>
+              <a:rPr lang="en-US" sz="2800" dirty="0" smtClean="0">
+                <a:solidFill>
+                  <a:srgbClr val="FF0000"/>
+                </a:solidFill>
+              </a:rPr>
+              <a:t>t2</a:t>
+            </a:r>
+            <a:r>
+              <a:rPr lang="en-US" sz="2800" dirty="0" smtClean="0">
+                <a:solidFill>
+                  <a:srgbClr val="1E3272"/>
+                </a:solidFill>
+              </a:rPr>
+              <a:t>, label</a:t>
+            </a:r>
+            <a:r>
+              <a:rPr lang="en-US" sz="2800" dirty="0" smtClean="0">
+                <a:solidFill>
+                  <a:srgbClr val="00B050"/>
+                </a:solidFill>
+              </a:rPr>
+              <a:t> # t1 &lt;- address of label</a:t>
+            </a:r>
+            <a:endParaRPr lang="ru-RU" sz="2800" b="1" dirty="0">
+              <a:solidFill>
+                <a:srgbClr val="1E3272"/>
+              </a:solidFill>
+            </a:endParaRPr>
           </a:p>
         </p:txBody>
       </p:sp>
@@ -12727,6 +13133,2664 @@
       </p:grpSpPr>
       <p:sp>
         <p:nvSpPr>
+          <p:cNvPr id="3" name="Номер слайда 2"/>
+          <p:cNvSpPr>
+            <a:spLocks noGrp="1"/>
+          </p:cNvSpPr>
+          <p:nvPr>
+            <p:ph type="sldNum" sz="quarter" idx="12"/>
+          </p:nvPr>
+        </p:nvSpPr>
+        <p:spPr/>
+        <p:txBody>
+          <a:bodyPr/>
+          <a:lstStyle/>
+          <a:p>
+            <a:pPr algn="ctr"/>
+            <a:fld id="{1397BFD8-F312-4EF2-A268-44FB4BDDBBB0}" type="slidenum">
+              <a:rPr lang="ru-RU" smtClean="0"/>
+              <a:pPr algn="ctr"/>
+              <a:t>20</a:t>
+            </a:fld>
+            <a:endParaRPr lang="ru-RU" dirty="0"/>
+          </a:p>
+        </p:txBody>
+      </p:sp>
+      <p:sp>
+        <p:nvSpPr>
+          <p:cNvPr id="4" name="Заголовок 3"/>
+          <p:cNvSpPr>
+            <a:spLocks noGrp="1"/>
+          </p:cNvSpPr>
+          <p:nvPr>
+            <p:ph type="title"/>
+          </p:nvPr>
+        </p:nvSpPr>
+        <p:spPr/>
+        <p:txBody>
+          <a:bodyPr/>
+          <a:lstStyle/>
+          <a:p>
+            <a:r>
+              <a:rPr lang="en-US" dirty="0" smtClean="0"/>
+              <a:t>Load and Store Example </a:t>
+            </a:r>
+            <a:endParaRPr lang="ru-RU" dirty="0"/>
+          </a:p>
+        </p:txBody>
+      </p:sp>
+      <p:sp>
+        <p:nvSpPr>
+          <p:cNvPr id="5" name="Rectangle 4"/>
+          <p:cNvSpPr/>
+          <p:nvPr/>
+        </p:nvSpPr>
+        <p:spPr>
+          <a:xfrm>
+            <a:off x="8007607" y="992772"/>
+            <a:ext cx="2455747" cy="5795304"/>
+          </a:xfrm>
+          <a:prstGeom prst="rect">
+            <a:avLst/>
+          </a:prstGeom>
+        </p:spPr>
+        <p:txBody>
+          <a:bodyPr wrap="square">
+            <a:spAutoFit/>
+          </a:bodyPr>
+          <a:lstStyle/>
+          <a:p>
+            <a:pPr>
+              <a:lnSpc>
+                <a:spcPct val="70000"/>
+              </a:lnSpc>
+            </a:pPr>
+            <a:r>
+              <a:rPr lang="fr-FR" sz="2200" dirty="0" smtClean="0">
+                <a:solidFill>
+                  <a:srgbClr val="1E3272"/>
+                </a:solidFill>
+              </a:rPr>
+              <a:t>        .</a:t>
+            </a:r>
+            <a:r>
+              <a:rPr lang="fr-FR" sz="2200" dirty="0" smtClean="0">
+                <a:solidFill>
+                  <a:srgbClr val="FF0000"/>
+                </a:solidFill>
+              </a:rPr>
+              <a:t>data</a:t>
+            </a:r>
+          </a:p>
+          <a:p>
+            <a:pPr>
+              <a:lnSpc>
+                <a:spcPct val="70000"/>
+              </a:lnSpc>
+            </a:pPr>
+            <a:r>
+              <a:rPr lang="fr-FR" sz="2200" b="1" i="1" dirty="0" smtClean="0">
+                <a:solidFill>
+                  <a:srgbClr val="1E3272"/>
+                </a:solidFill>
+              </a:rPr>
+              <a:t>x</a:t>
+            </a:r>
+            <a:r>
+              <a:rPr lang="fr-FR" sz="2200" dirty="0" smtClean="0">
+                <a:solidFill>
+                  <a:srgbClr val="1E3272"/>
+                </a:solidFill>
+              </a:rPr>
+              <a:t>:</a:t>
+            </a:r>
+          </a:p>
+          <a:p>
+            <a:pPr>
+              <a:lnSpc>
+                <a:spcPct val="70000"/>
+              </a:lnSpc>
+            </a:pPr>
+            <a:r>
+              <a:rPr lang="fr-FR" sz="2200" dirty="0" smtClean="0">
+                <a:solidFill>
+                  <a:srgbClr val="1E3272"/>
+                </a:solidFill>
+              </a:rPr>
+              <a:t>   </a:t>
+            </a:r>
+            <a:r>
+              <a:rPr lang="fr-FR" sz="2200" dirty="0" smtClean="0">
+                <a:solidFill>
+                  <a:srgbClr val="1E3272"/>
+                </a:solidFill>
+              </a:rPr>
+              <a:t>     .</a:t>
+            </a:r>
+            <a:r>
+              <a:rPr lang="fr-FR" sz="2200" dirty="0" smtClean="0">
+                <a:solidFill>
+                  <a:srgbClr val="FF0000"/>
+                </a:solidFill>
+              </a:rPr>
+              <a:t>word</a:t>
+            </a:r>
+            <a:r>
+              <a:rPr lang="fr-FR" sz="2200" dirty="0" smtClean="0">
+                <a:solidFill>
+                  <a:srgbClr val="1E3272"/>
+                </a:solidFill>
+              </a:rPr>
+              <a:t> </a:t>
+            </a:r>
+            <a:r>
+              <a:rPr lang="fr-FR" sz="2200" dirty="0" smtClean="0">
+                <a:solidFill>
+                  <a:srgbClr val="2F5CB5"/>
+                </a:solidFill>
+              </a:rPr>
+              <a:t>0</a:t>
+            </a:r>
+          </a:p>
+          <a:p>
+            <a:pPr>
+              <a:lnSpc>
+                <a:spcPct val="70000"/>
+              </a:lnSpc>
+            </a:pPr>
+            <a:r>
+              <a:rPr lang="fr-FR" sz="2200" b="1" i="1" dirty="0" smtClean="0">
+                <a:solidFill>
+                  <a:srgbClr val="1E3272"/>
+                </a:solidFill>
+              </a:rPr>
+              <a:t>y</a:t>
+            </a:r>
+            <a:r>
+              <a:rPr lang="fr-FR" sz="2200" dirty="0" smtClean="0">
+                <a:solidFill>
+                  <a:srgbClr val="1E3272"/>
+                </a:solidFill>
+              </a:rPr>
+              <a:t>:</a:t>
+            </a:r>
+          </a:p>
+          <a:p>
+            <a:pPr>
+              <a:lnSpc>
+                <a:spcPct val="70000"/>
+              </a:lnSpc>
+            </a:pPr>
+            <a:r>
+              <a:rPr lang="fr-FR" sz="2200" dirty="0" smtClean="0">
+                <a:solidFill>
+                  <a:srgbClr val="1E3272"/>
+                </a:solidFill>
+              </a:rPr>
+              <a:t>   </a:t>
+            </a:r>
+            <a:r>
+              <a:rPr lang="fr-FR" sz="2200" dirty="0" smtClean="0">
+                <a:solidFill>
+                  <a:srgbClr val="1E3272"/>
+                </a:solidFill>
+              </a:rPr>
+              <a:t>     .</a:t>
+            </a:r>
+            <a:r>
+              <a:rPr lang="fr-FR" sz="2200" dirty="0" smtClean="0">
+                <a:solidFill>
+                  <a:srgbClr val="FF0000"/>
+                </a:solidFill>
+              </a:rPr>
+              <a:t>word</a:t>
+            </a:r>
+            <a:r>
+              <a:rPr lang="fr-FR" sz="2200" dirty="0" smtClean="0">
+                <a:solidFill>
+                  <a:srgbClr val="1E3272"/>
+                </a:solidFill>
+              </a:rPr>
+              <a:t> </a:t>
+            </a:r>
+            <a:r>
+              <a:rPr lang="fr-FR" sz="2200" dirty="0" smtClean="0">
+                <a:solidFill>
+                  <a:srgbClr val="2F5CB5"/>
+                </a:solidFill>
+              </a:rPr>
+              <a:t>0</a:t>
+            </a:r>
+          </a:p>
+          <a:p>
+            <a:pPr>
+              <a:lnSpc>
+                <a:spcPct val="70000"/>
+              </a:lnSpc>
+            </a:pPr>
+            <a:r>
+              <a:rPr lang="fr-FR" sz="2200" b="1" i="1" dirty="0" smtClean="0">
+                <a:solidFill>
+                  <a:srgbClr val="1E3272"/>
+                </a:solidFill>
+              </a:rPr>
+              <a:t>z</a:t>
+            </a:r>
+            <a:r>
+              <a:rPr lang="fr-FR" sz="2200" dirty="0" smtClean="0">
+                <a:solidFill>
+                  <a:srgbClr val="1E3272"/>
+                </a:solidFill>
+              </a:rPr>
+              <a:t>:</a:t>
+            </a:r>
+          </a:p>
+          <a:p>
+            <a:pPr>
+              <a:lnSpc>
+                <a:spcPct val="70000"/>
+              </a:lnSpc>
+            </a:pPr>
+            <a:r>
+              <a:rPr lang="fr-FR" sz="2200" dirty="0" smtClean="0">
+                <a:solidFill>
+                  <a:srgbClr val="1E3272"/>
+                </a:solidFill>
+              </a:rPr>
+              <a:t>   </a:t>
+            </a:r>
+            <a:r>
+              <a:rPr lang="fr-FR" sz="2200" dirty="0" smtClean="0">
+                <a:solidFill>
+                  <a:srgbClr val="1E3272"/>
+                </a:solidFill>
+              </a:rPr>
+              <a:t>     .</a:t>
+            </a:r>
+            <a:r>
+              <a:rPr lang="fr-FR" sz="2200" dirty="0" smtClean="0">
+                <a:solidFill>
+                  <a:srgbClr val="FF0000"/>
+                </a:solidFill>
+              </a:rPr>
+              <a:t>word</a:t>
+            </a:r>
+            <a:r>
+              <a:rPr lang="fr-FR" sz="2200" dirty="0" smtClean="0">
+                <a:solidFill>
+                  <a:srgbClr val="1E3272"/>
+                </a:solidFill>
+              </a:rPr>
+              <a:t> </a:t>
+            </a:r>
+            <a:r>
+              <a:rPr lang="fr-FR" sz="2200" dirty="0" smtClean="0">
+                <a:solidFill>
+                  <a:srgbClr val="2F5CB5"/>
+                </a:solidFill>
+              </a:rPr>
+              <a:t>0</a:t>
+            </a:r>
+          </a:p>
+          <a:p>
+            <a:pPr>
+              <a:lnSpc>
+                <a:spcPct val="70000"/>
+              </a:lnSpc>
+            </a:pPr>
+            <a:r>
+              <a:rPr lang="fr-FR" sz="2200" dirty="0" smtClean="0">
+                <a:solidFill>
+                  <a:srgbClr val="1E3272"/>
+                </a:solidFill>
+              </a:rPr>
+              <a:t>   </a:t>
+            </a:r>
+            <a:r>
+              <a:rPr lang="fr-FR" sz="2200" dirty="0" smtClean="0">
+                <a:solidFill>
+                  <a:srgbClr val="1E3272"/>
+                </a:solidFill>
+              </a:rPr>
+              <a:t>     .</a:t>
+            </a:r>
+            <a:r>
+              <a:rPr lang="fr-FR" sz="2200" dirty="0" smtClean="0">
+                <a:solidFill>
+                  <a:srgbClr val="FF0000"/>
+                </a:solidFill>
+              </a:rPr>
+              <a:t>text</a:t>
+            </a:r>
+          </a:p>
+          <a:p>
+            <a:pPr>
+              <a:lnSpc>
+                <a:spcPct val="70000"/>
+              </a:lnSpc>
+            </a:pPr>
+            <a:r>
+              <a:rPr lang="fr-FR" sz="2200" b="1" i="1" dirty="0" smtClean="0">
+                <a:solidFill>
+                  <a:srgbClr val="1E3272"/>
+                </a:solidFill>
+              </a:rPr>
+              <a:t>main</a:t>
+            </a:r>
+            <a:r>
+              <a:rPr lang="fr-FR" sz="2200" dirty="0" smtClean="0">
+                <a:solidFill>
+                  <a:srgbClr val="1E3272"/>
+                </a:solidFill>
+              </a:rPr>
+              <a:t>:</a:t>
+            </a:r>
+          </a:p>
+          <a:p>
+            <a:pPr>
+              <a:lnSpc>
+                <a:spcPct val="70000"/>
+              </a:lnSpc>
+            </a:pPr>
+            <a:r>
+              <a:rPr lang="fr-FR" sz="2200" dirty="0" smtClean="0">
+                <a:solidFill>
+                  <a:srgbClr val="1E3272"/>
+                </a:solidFill>
+              </a:rPr>
+              <a:t>   </a:t>
+            </a:r>
+            <a:r>
+              <a:rPr lang="fr-FR" sz="2200" dirty="0" smtClean="0">
+                <a:solidFill>
+                  <a:srgbClr val="1E3272"/>
+                </a:solidFill>
+              </a:rPr>
+              <a:t>     </a:t>
+            </a:r>
+            <a:r>
+              <a:rPr lang="fr-FR" sz="2200" dirty="0" smtClean="0">
+                <a:solidFill>
+                  <a:srgbClr val="1E3272"/>
+                </a:solidFill>
+              </a:rPr>
+              <a:t>read_int(</a:t>
+            </a:r>
+            <a:r>
+              <a:rPr lang="fr-FR" sz="2200" dirty="0" smtClean="0">
+                <a:solidFill>
+                  <a:srgbClr val="FF0000"/>
+                </a:solidFill>
+              </a:rPr>
+              <a:t>t0</a:t>
+            </a:r>
+            <a:r>
+              <a:rPr lang="fr-FR" sz="2200" dirty="0" smtClean="0">
+                <a:solidFill>
+                  <a:srgbClr val="1E3272"/>
+                </a:solidFill>
+              </a:rPr>
+              <a:t>)</a:t>
+            </a:r>
+          </a:p>
+          <a:p>
+            <a:pPr>
+              <a:lnSpc>
+                <a:spcPct val="70000"/>
+              </a:lnSpc>
+            </a:pPr>
+            <a:r>
+              <a:rPr lang="fr-FR" sz="2200" dirty="0" smtClean="0">
+                <a:solidFill>
+                  <a:srgbClr val="1E3272"/>
+                </a:solidFill>
+              </a:rPr>
+              <a:t>    </a:t>
+            </a:r>
+            <a:r>
+              <a:rPr lang="fr-FR" sz="2200" dirty="0" smtClean="0">
+                <a:solidFill>
+                  <a:srgbClr val="1E3272"/>
+                </a:solidFill>
+              </a:rPr>
+              <a:t>    la     </a:t>
+            </a:r>
+            <a:r>
+              <a:rPr lang="fr-FR" sz="2200" dirty="0" smtClean="0">
+                <a:solidFill>
+                  <a:srgbClr val="FF0000"/>
+                </a:solidFill>
+              </a:rPr>
+              <a:t>t2</a:t>
+            </a:r>
+            <a:r>
+              <a:rPr lang="fr-FR" sz="2200" dirty="0" smtClean="0">
+                <a:solidFill>
+                  <a:srgbClr val="1E3272"/>
+                </a:solidFill>
+              </a:rPr>
+              <a:t>, </a:t>
+            </a:r>
+            <a:r>
+              <a:rPr lang="fr-FR" sz="2200" i="1" dirty="0" smtClean="0">
+                <a:solidFill>
+                  <a:srgbClr val="1E3272"/>
+                </a:solidFill>
+              </a:rPr>
+              <a:t>x</a:t>
+            </a:r>
+          </a:p>
+          <a:p>
+            <a:pPr>
+              <a:lnSpc>
+                <a:spcPct val="70000"/>
+              </a:lnSpc>
+            </a:pPr>
+            <a:r>
+              <a:rPr lang="fr-FR" sz="2200" dirty="0" smtClean="0">
+                <a:solidFill>
+                  <a:srgbClr val="1E3272"/>
+                </a:solidFill>
+              </a:rPr>
+              <a:t>    </a:t>
+            </a:r>
+            <a:r>
+              <a:rPr lang="fr-FR" sz="2200" dirty="0" smtClean="0">
+                <a:solidFill>
+                  <a:srgbClr val="1E3272"/>
+                </a:solidFill>
+              </a:rPr>
+              <a:t>    sw   </a:t>
+            </a:r>
+            <a:r>
+              <a:rPr lang="fr-FR" sz="2200" dirty="0" smtClean="0">
+                <a:solidFill>
+                  <a:srgbClr val="FF0000"/>
+                </a:solidFill>
+              </a:rPr>
+              <a:t>t0</a:t>
+            </a:r>
+            <a:r>
+              <a:rPr lang="fr-FR" sz="2200" dirty="0" smtClean="0">
+                <a:solidFill>
+                  <a:srgbClr val="1E3272"/>
+                </a:solidFill>
+              </a:rPr>
+              <a:t>, 0(</a:t>
+            </a:r>
+            <a:r>
+              <a:rPr lang="fr-FR" sz="2200" dirty="0" smtClean="0">
+                <a:solidFill>
+                  <a:srgbClr val="FF0000"/>
+                </a:solidFill>
+              </a:rPr>
+              <a:t>t2</a:t>
+            </a:r>
+            <a:r>
+              <a:rPr lang="fr-FR" sz="2200" dirty="0" smtClean="0">
+                <a:solidFill>
+                  <a:srgbClr val="1E3272"/>
+                </a:solidFill>
+              </a:rPr>
+              <a:t>)</a:t>
+            </a:r>
+          </a:p>
+          <a:p>
+            <a:pPr>
+              <a:lnSpc>
+                <a:spcPct val="70000"/>
+              </a:lnSpc>
+            </a:pPr>
+            <a:endParaRPr lang="fr-FR" sz="2200" dirty="0" smtClean="0">
+              <a:solidFill>
+                <a:srgbClr val="1E3272"/>
+              </a:solidFill>
+            </a:endParaRPr>
+          </a:p>
+          <a:p>
+            <a:pPr>
+              <a:lnSpc>
+                <a:spcPct val="70000"/>
+              </a:lnSpc>
+            </a:pPr>
+            <a:r>
+              <a:rPr lang="fr-FR" sz="2200" dirty="0" smtClean="0">
+                <a:solidFill>
+                  <a:srgbClr val="1E3272"/>
+                </a:solidFill>
+              </a:rPr>
+              <a:t>    </a:t>
+            </a:r>
+            <a:r>
+              <a:rPr lang="fr-FR" sz="2200" dirty="0" smtClean="0">
+                <a:solidFill>
+                  <a:srgbClr val="1E3272"/>
+                </a:solidFill>
+              </a:rPr>
+              <a:t>    read_int(</a:t>
+            </a:r>
+            <a:r>
+              <a:rPr lang="fr-FR" sz="2200" dirty="0" smtClean="0">
+                <a:solidFill>
+                  <a:srgbClr val="FF0000"/>
+                </a:solidFill>
+              </a:rPr>
+              <a:t>t0</a:t>
+            </a:r>
+            <a:r>
+              <a:rPr lang="fr-FR" sz="2200" dirty="0" smtClean="0">
+                <a:solidFill>
+                  <a:srgbClr val="1E3272"/>
+                </a:solidFill>
+              </a:rPr>
+              <a:t>)</a:t>
+            </a:r>
+          </a:p>
+          <a:p>
+            <a:pPr>
+              <a:lnSpc>
+                <a:spcPct val="70000"/>
+              </a:lnSpc>
+            </a:pPr>
+            <a:r>
+              <a:rPr lang="fr-FR" sz="2200" dirty="0" smtClean="0">
+                <a:solidFill>
+                  <a:srgbClr val="1E3272"/>
+                </a:solidFill>
+              </a:rPr>
+              <a:t>    </a:t>
+            </a:r>
+            <a:r>
+              <a:rPr lang="fr-FR" sz="2200" dirty="0" smtClean="0">
+                <a:solidFill>
+                  <a:srgbClr val="1E3272"/>
+                </a:solidFill>
+              </a:rPr>
+              <a:t>    la     </a:t>
+            </a:r>
+            <a:r>
+              <a:rPr lang="fr-FR" sz="2200" dirty="0" smtClean="0">
+                <a:solidFill>
+                  <a:srgbClr val="FF0000"/>
+                </a:solidFill>
+              </a:rPr>
+              <a:t>t2</a:t>
+            </a:r>
+            <a:r>
+              <a:rPr lang="fr-FR" sz="2200" dirty="0" smtClean="0">
+                <a:solidFill>
+                  <a:srgbClr val="1E3272"/>
+                </a:solidFill>
+              </a:rPr>
+              <a:t>, </a:t>
+            </a:r>
+            <a:r>
+              <a:rPr lang="fr-FR" sz="2200" i="1" dirty="0" smtClean="0">
+                <a:solidFill>
+                  <a:srgbClr val="1E3272"/>
+                </a:solidFill>
+              </a:rPr>
+              <a:t>y</a:t>
+            </a:r>
+          </a:p>
+          <a:p>
+            <a:pPr>
+              <a:lnSpc>
+                <a:spcPct val="70000"/>
+              </a:lnSpc>
+            </a:pPr>
+            <a:r>
+              <a:rPr lang="fr-FR" sz="2200" dirty="0" smtClean="0">
+                <a:solidFill>
+                  <a:srgbClr val="1E3272"/>
+                </a:solidFill>
+              </a:rPr>
+              <a:t>    </a:t>
+            </a:r>
+            <a:r>
+              <a:rPr lang="fr-FR" sz="2200" dirty="0" smtClean="0">
+                <a:solidFill>
+                  <a:srgbClr val="1E3272"/>
+                </a:solidFill>
+              </a:rPr>
+              <a:t>    sw   </a:t>
+            </a:r>
+            <a:r>
+              <a:rPr lang="fr-FR" sz="2200" dirty="0" smtClean="0">
+                <a:solidFill>
+                  <a:srgbClr val="FF0000"/>
+                </a:solidFill>
+              </a:rPr>
+              <a:t>t0</a:t>
+            </a:r>
+            <a:r>
+              <a:rPr lang="fr-FR" sz="2200" dirty="0" smtClean="0">
+                <a:solidFill>
+                  <a:srgbClr val="1E3272"/>
+                </a:solidFill>
+              </a:rPr>
+              <a:t>, </a:t>
+            </a:r>
+            <a:r>
+              <a:rPr lang="fr-FR" sz="2200" dirty="0" smtClean="0">
+                <a:solidFill>
+                  <a:srgbClr val="2F5CB5"/>
+                </a:solidFill>
+              </a:rPr>
+              <a:t>0</a:t>
+            </a:r>
+            <a:r>
+              <a:rPr lang="fr-FR" sz="2200" dirty="0" smtClean="0">
+                <a:solidFill>
+                  <a:srgbClr val="1E3272"/>
+                </a:solidFill>
+              </a:rPr>
+              <a:t>(</a:t>
+            </a:r>
+            <a:r>
+              <a:rPr lang="fr-FR" sz="2200" dirty="0" smtClean="0">
+                <a:solidFill>
+                  <a:srgbClr val="FF0000"/>
+                </a:solidFill>
+              </a:rPr>
+              <a:t>t2</a:t>
+            </a:r>
+            <a:r>
+              <a:rPr lang="fr-FR" sz="2200" dirty="0" smtClean="0">
+                <a:solidFill>
+                  <a:srgbClr val="1E3272"/>
+                </a:solidFill>
+              </a:rPr>
+              <a:t>)</a:t>
+            </a:r>
+          </a:p>
+          <a:p>
+            <a:pPr>
+              <a:lnSpc>
+                <a:spcPct val="70000"/>
+              </a:lnSpc>
+            </a:pPr>
+            <a:endParaRPr lang="fr-FR" sz="2200" dirty="0" smtClean="0">
+              <a:solidFill>
+                <a:srgbClr val="1E3272"/>
+              </a:solidFill>
+            </a:endParaRPr>
+          </a:p>
+          <a:p>
+            <a:pPr>
+              <a:lnSpc>
+                <a:spcPct val="70000"/>
+              </a:lnSpc>
+            </a:pPr>
+            <a:r>
+              <a:rPr lang="fr-FR" sz="2200" dirty="0" smtClean="0">
+                <a:solidFill>
+                  <a:srgbClr val="1E3272"/>
+                </a:solidFill>
+              </a:rPr>
+              <a:t>    </a:t>
+            </a:r>
+            <a:r>
+              <a:rPr lang="fr-FR" sz="2200" dirty="0" smtClean="0">
+                <a:solidFill>
+                  <a:srgbClr val="1E3272"/>
+                </a:solidFill>
+              </a:rPr>
+              <a:t>    la     </a:t>
+            </a:r>
+            <a:r>
+              <a:rPr lang="fr-FR" sz="2200" dirty="0" smtClean="0">
+                <a:solidFill>
+                  <a:srgbClr val="FF0000"/>
+                </a:solidFill>
+              </a:rPr>
+              <a:t>t2</a:t>
+            </a:r>
+            <a:r>
+              <a:rPr lang="fr-FR" sz="2200" dirty="0" smtClean="0">
+                <a:solidFill>
+                  <a:srgbClr val="1E3272"/>
+                </a:solidFill>
+              </a:rPr>
+              <a:t>, </a:t>
+            </a:r>
+            <a:r>
+              <a:rPr lang="fr-FR" sz="2200" i="1" dirty="0" smtClean="0">
+                <a:solidFill>
+                  <a:srgbClr val="1E3272"/>
+                </a:solidFill>
+              </a:rPr>
+              <a:t>x</a:t>
+            </a:r>
+          </a:p>
+          <a:p>
+            <a:pPr>
+              <a:lnSpc>
+                <a:spcPct val="70000"/>
+              </a:lnSpc>
+            </a:pPr>
+            <a:r>
+              <a:rPr lang="fr-FR" sz="2200" dirty="0" smtClean="0">
+                <a:solidFill>
+                  <a:srgbClr val="1E3272"/>
+                </a:solidFill>
+              </a:rPr>
+              <a:t>    </a:t>
+            </a:r>
+            <a:r>
+              <a:rPr lang="fr-FR" sz="2200" dirty="0" smtClean="0">
+                <a:solidFill>
+                  <a:srgbClr val="1E3272"/>
+                </a:solidFill>
+              </a:rPr>
+              <a:t>    lw    </a:t>
+            </a:r>
+            <a:r>
+              <a:rPr lang="fr-FR" sz="2200" dirty="0" smtClean="0">
+                <a:solidFill>
+                  <a:srgbClr val="FF0000"/>
+                </a:solidFill>
+              </a:rPr>
+              <a:t>t0</a:t>
+            </a:r>
+            <a:r>
+              <a:rPr lang="fr-FR" sz="2200" dirty="0" smtClean="0">
+                <a:solidFill>
+                  <a:srgbClr val="1E3272"/>
+                </a:solidFill>
+              </a:rPr>
+              <a:t>, </a:t>
+            </a:r>
+            <a:r>
+              <a:rPr lang="fr-FR" sz="2200" dirty="0" smtClean="0">
+                <a:solidFill>
+                  <a:srgbClr val="2F5CB5"/>
+                </a:solidFill>
+              </a:rPr>
+              <a:t>0</a:t>
+            </a:r>
+            <a:r>
+              <a:rPr lang="fr-FR" sz="2200" dirty="0" smtClean="0">
+                <a:solidFill>
+                  <a:srgbClr val="1E3272"/>
+                </a:solidFill>
+              </a:rPr>
+              <a:t>(</a:t>
+            </a:r>
+            <a:r>
+              <a:rPr lang="fr-FR" sz="2200" dirty="0" smtClean="0">
+                <a:solidFill>
+                  <a:srgbClr val="FF0000"/>
+                </a:solidFill>
+              </a:rPr>
+              <a:t>t2</a:t>
+            </a:r>
+            <a:r>
+              <a:rPr lang="fr-FR" sz="2200" dirty="0" smtClean="0">
+                <a:solidFill>
+                  <a:srgbClr val="1E3272"/>
+                </a:solidFill>
+              </a:rPr>
+              <a:t>)</a:t>
+            </a:r>
+          </a:p>
+          <a:p>
+            <a:pPr>
+              <a:lnSpc>
+                <a:spcPct val="70000"/>
+              </a:lnSpc>
+            </a:pPr>
+            <a:r>
+              <a:rPr lang="fr-FR" sz="2200" dirty="0" smtClean="0">
+                <a:solidFill>
+                  <a:srgbClr val="1E3272"/>
+                </a:solidFill>
+              </a:rPr>
+              <a:t>    </a:t>
+            </a:r>
+            <a:r>
+              <a:rPr lang="fr-FR" sz="2200" dirty="0" smtClean="0">
+                <a:solidFill>
+                  <a:srgbClr val="1E3272"/>
+                </a:solidFill>
+              </a:rPr>
+              <a:t>    la     </a:t>
+            </a:r>
+            <a:r>
+              <a:rPr lang="fr-FR" sz="2200" dirty="0" smtClean="0">
+                <a:solidFill>
+                  <a:srgbClr val="FF0000"/>
+                </a:solidFill>
+              </a:rPr>
+              <a:t>t2</a:t>
+            </a:r>
+            <a:r>
+              <a:rPr lang="fr-FR" sz="2200" dirty="0" smtClean="0">
+                <a:solidFill>
+                  <a:srgbClr val="1E3272"/>
+                </a:solidFill>
+              </a:rPr>
+              <a:t>, </a:t>
+            </a:r>
+            <a:r>
+              <a:rPr lang="fr-FR" sz="2200" i="1" dirty="0" smtClean="0">
+                <a:solidFill>
+                  <a:srgbClr val="1E3272"/>
+                </a:solidFill>
+              </a:rPr>
+              <a:t>y</a:t>
+            </a:r>
+          </a:p>
+          <a:p>
+            <a:pPr>
+              <a:lnSpc>
+                <a:spcPct val="70000"/>
+              </a:lnSpc>
+            </a:pPr>
+            <a:r>
+              <a:rPr lang="fr-FR" sz="2200" dirty="0" smtClean="0">
+                <a:solidFill>
+                  <a:srgbClr val="1E3272"/>
+                </a:solidFill>
+              </a:rPr>
+              <a:t>    </a:t>
+            </a:r>
+            <a:r>
+              <a:rPr lang="fr-FR" sz="2200" dirty="0" smtClean="0">
+                <a:solidFill>
+                  <a:srgbClr val="1E3272"/>
+                </a:solidFill>
+              </a:rPr>
+              <a:t>    lw    </a:t>
+            </a:r>
+            <a:r>
+              <a:rPr lang="fr-FR" sz="2200" dirty="0" smtClean="0">
+                <a:solidFill>
+                  <a:srgbClr val="FF0000"/>
+                </a:solidFill>
+              </a:rPr>
+              <a:t>t1</a:t>
+            </a:r>
+            <a:r>
+              <a:rPr lang="fr-FR" sz="2200" dirty="0" smtClean="0">
+                <a:solidFill>
+                  <a:srgbClr val="1E3272"/>
+                </a:solidFill>
+              </a:rPr>
+              <a:t>, </a:t>
+            </a:r>
+            <a:r>
+              <a:rPr lang="fr-FR" sz="2200" dirty="0" smtClean="0">
+                <a:solidFill>
+                  <a:srgbClr val="2F5CB5"/>
+                </a:solidFill>
+              </a:rPr>
+              <a:t>0</a:t>
+            </a:r>
+            <a:r>
+              <a:rPr lang="fr-FR" sz="2200" dirty="0" smtClean="0">
+                <a:solidFill>
+                  <a:srgbClr val="1E3272"/>
+                </a:solidFill>
+              </a:rPr>
+              <a:t>(</a:t>
+            </a:r>
+            <a:r>
+              <a:rPr lang="fr-FR" sz="2200" dirty="0" smtClean="0">
+                <a:solidFill>
+                  <a:srgbClr val="FF0000"/>
+                </a:solidFill>
+              </a:rPr>
+              <a:t>t2</a:t>
+            </a:r>
+            <a:r>
+              <a:rPr lang="fr-FR" sz="2200" dirty="0" smtClean="0">
+                <a:solidFill>
+                  <a:srgbClr val="1E3272"/>
+                </a:solidFill>
+              </a:rPr>
+              <a:t>)</a:t>
+            </a:r>
+          </a:p>
+          <a:p>
+            <a:pPr>
+              <a:lnSpc>
+                <a:spcPct val="70000"/>
+              </a:lnSpc>
+            </a:pPr>
+            <a:r>
+              <a:rPr lang="fr-FR" sz="2200" dirty="0" smtClean="0">
+                <a:solidFill>
+                  <a:srgbClr val="1E3272"/>
+                </a:solidFill>
+              </a:rPr>
+              <a:t>    </a:t>
+            </a:r>
+            <a:r>
+              <a:rPr lang="fr-FR" sz="2200" dirty="0" smtClean="0">
+                <a:solidFill>
+                  <a:srgbClr val="1E3272"/>
+                </a:solidFill>
+              </a:rPr>
+              <a:t>    add </a:t>
+            </a:r>
+            <a:r>
+              <a:rPr lang="fr-FR" sz="2200" dirty="0" smtClean="0">
+                <a:solidFill>
+                  <a:srgbClr val="FF0000"/>
+                </a:solidFill>
+              </a:rPr>
+              <a:t>t3</a:t>
+            </a:r>
+            <a:r>
+              <a:rPr lang="fr-FR" sz="2200" dirty="0" smtClean="0">
+                <a:solidFill>
+                  <a:srgbClr val="1E3272"/>
+                </a:solidFill>
+              </a:rPr>
+              <a:t>, </a:t>
+            </a:r>
+            <a:r>
+              <a:rPr lang="fr-FR" sz="2200" dirty="0" smtClean="0">
+                <a:solidFill>
+                  <a:srgbClr val="FF0000"/>
+                </a:solidFill>
+              </a:rPr>
+              <a:t>t0</a:t>
+            </a:r>
+            <a:r>
+              <a:rPr lang="fr-FR" sz="2200" dirty="0" smtClean="0">
+                <a:solidFill>
+                  <a:srgbClr val="1E3272"/>
+                </a:solidFill>
+              </a:rPr>
+              <a:t>, </a:t>
+            </a:r>
+            <a:r>
+              <a:rPr lang="fr-FR" sz="2200" dirty="0" smtClean="0">
+                <a:solidFill>
+                  <a:srgbClr val="FF0000"/>
+                </a:solidFill>
+              </a:rPr>
+              <a:t>t1</a:t>
+            </a:r>
+          </a:p>
+          <a:p>
+            <a:pPr>
+              <a:lnSpc>
+                <a:spcPct val="70000"/>
+              </a:lnSpc>
+            </a:pPr>
+            <a:r>
+              <a:rPr lang="fr-FR" sz="2200" dirty="0" smtClean="0">
+                <a:solidFill>
+                  <a:srgbClr val="1E3272"/>
+                </a:solidFill>
+              </a:rPr>
+              <a:t>    </a:t>
+            </a:r>
+            <a:r>
+              <a:rPr lang="fr-FR" sz="2200" dirty="0" smtClean="0">
+                <a:solidFill>
+                  <a:srgbClr val="1E3272"/>
+                </a:solidFill>
+              </a:rPr>
+              <a:t>    la     </a:t>
+            </a:r>
+            <a:r>
+              <a:rPr lang="fr-FR" sz="2200" dirty="0" smtClean="0">
+                <a:solidFill>
+                  <a:srgbClr val="FF0000"/>
+                </a:solidFill>
+              </a:rPr>
+              <a:t>t2</a:t>
+            </a:r>
+            <a:r>
+              <a:rPr lang="fr-FR" sz="2200" dirty="0" smtClean="0">
+                <a:solidFill>
+                  <a:srgbClr val="1E3272"/>
+                </a:solidFill>
+              </a:rPr>
+              <a:t>, </a:t>
+            </a:r>
+            <a:r>
+              <a:rPr lang="fr-FR" sz="2200" i="1" dirty="0" smtClean="0">
+                <a:solidFill>
+                  <a:srgbClr val="1E3272"/>
+                </a:solidFill>
+              </a:rPr>
+              <a:t>z</a:t>
+            </a:r>
+          </a:p>
+          <a:p>
+            <a:pPr>
+              <a:lnSpc>
+                <a:spcPct val="70000"/>
+              </a:lnSpc>
+            </a:pPr>
+            <a:r>
+              <a:rPr lang="fr-FR" sz="2200" dirty="0" smtClean="0">
+                <a:solidFill>
+                  <a:srgbClr val="1E3272"/>
+                </a:solidFill>
+              </a:rPr>
+              <a:t>    </a:t>
+            </a:r>
+            <a:r>
+              <a:rPr lang="fr-FR" sz="2200" dirty="0" smtClean="0">
+                <a:solidFill>
+                  <a:srgbClr val="1E3272"/>
+                </a:solidFill>
+              </a:rPr>
+              <a:t>    sw   </a:t>
+            </a:r>
+            <a:r>
+              <a:rPr lang="fr-FR" sz="2200" dirty="0" smtClean="0">
+                <a:solidFill>
+                  <a:srgbClr val="FF0000"/>
+                </a:solidFill>
+              </a:rPr>
+              <a:t>t3</a:t>
+            </a:r>
+            <a:r>
+              <a:rPr lang="fr-FR" sz="2200" dirty="0" smtClean="0">
+                <a:solidFill>
+                  <a:srgbClr val="1E3272"/>
+                </a:solidFill>
+              </a:rPr>
+              <a:t>, </a:t>
+            </a:r>
+            <a:r>
+              <a:rPr lang="fr-FR" sz="2200" dirty="0" smtClean="0">
+                <a:solidFill>
+                  <a:srgbClr val="2F5CB5"/>
+                </a:solidFill>
+              </a:rPr>
+              <a:t>0</a:t>
+            </a:r>
+            <a:r>
+              <a:rPr lang="fr-FR" sz="2200" dirty="0" smtClean="0">
+                <a:solidFill>
+                  <a:srgbClr val="1E3272"/>
+                </a:solidFill>
+              </a:rPr>
+              <a:t>(</a:t>
+            </a:r>
+            <a:r>
+              <a:rPr lang="fr-FR" sz="2200" dirty="0" smtClean="0">
+                <a:solidFill>
+                  <a:srgbClr val="FF0000"/>
+                </a:solidFill>
+              </a:rPr>
+              <a:t>t2</a:t>
+            </a:r>
+            <a:r>
+              <a:rPr lang="fr-FR" sz="2200" dirty="0" smtClean="0">
+                <a:solidFill>
+                  <a:srgbClr val="1E3272"/>
+                </a:solidFill>
+              </a:rPr>
+              <a:t>)</a:t>
+            </a:r>
+            <a:endParaRPr lang="en-US" sz="2200" i="1" dirty="0" smtClean="0">
+              <a:solidFill>
+                <a:srgbClr val="00B050"/>
+              </a:solidFill>
+            </a:endParaRPr>
+          </a:p>
+        </p:txBody>
+      </p:sp>
+      <p:sp>
+        <p:nvSpPr>
+          <p:cNvPr id="6" name="Rectangle 4"/>
+          <p:cNvSpPr/>
+          <p:nvPr/>
+        </p:nvSpPr>
+        <p:spPr>
+          <a:xfrm>
+            <a:off x="815419" y="1919530"/>
+            <a:ext cx="5872763" cy="3083921"/>
+          </a:xfrm>
+          <a:prstGeom prst="rect">
+            <a:avLst/>
+          </a:prstGeom>
+        </p:spPr>
+        <p:txBody>
+          <a:bodyPr wrap="square">
+            <a:spAutoFit/>
+          </a:bodyPr>
+          <a:lstStyle/>
+          <a:p>
+            <a:pPr>
+              <a:lnSpc>
+                <a:spcPct val="90000"/>
+              </a:lnSpc>
+            </a:pPr>
+            <a:r>
+              <a:rPr lang="en-US" sz="3600" dirty="0" smtClean="0">
+                <a:solidFill>
+                  <a:srgbClr val="00B050"/>
+                </a:solidFill>
+              </a:rPr>
+              <a:t># x, y, and z are static variables</a:t>
+            </a:r>
+          </a:p>
+          <a:p>
+            <a:pPr>
+              <a:lnSpc>
+                <a:spcPct val="90000"/>
+              </a:lnSpc>
+            </a:pPr>
+            <a:endParaRPr lang="en-US" sz="3600" dirty="0" smtClean="0">
+              <a:solidFill>
+                <a:srgbClr val="00B050"/>
+              </a:solidFill>
+            </a:endParaRPr>
+          </a:p>
+          <a:p>
+            <a:pPr>
+              <a:lnSpc>
+                <a:spcPct val="90000"/>
+              </a:lnSpc>
+            </a:pPr>
+            <a:r>
+              <a:rPr lang="en-US" sz="3600" b="1" dirty="0" err="1" smtClean="0">
+                <a:solidFill>
+                  <a:srgbClr val="1E3272"/>
+                </a:solidFill>
+              </a:rPr>
+              <a:t>int</a:t>
+            </a:r>
+            <a:r>
+              <a:rPr lang="en-US" sz="3600" b="1" dirty="0" smtClean="0">
+                <a:solidFill>
+                  <a:srgbClr val="1E3272"/>
+                </a:solidFill>
+              </a:rPr>
+              <a:t> </a:t>
+            </a:r>
+            <a:r>
+              <a:rPr lang="en-US" sz="3600" dirty="0" smtClean="0">
+                <a:solidFill>
+                  <a:srgbClr val="1E3272"/>
+                </a:solidFill>
+              </a:rPr>
+              <a:t>x, y, z;</a:t>
+            </a:r>
+            <a:endParaRPr lang="en-US" sz="3600" dirty="0" smtClean="0">
+              <a:solidFill>
+                <a:srgbClr val="1E3272"/>
+              </a:solidFill>
+            </a:endParaRPr>
+          </a:p>
+          <a:p>
+            <a:pPr>
+              <a:lnSpc>
+                <a:spcPct val="90000"/>
+              </a:lnSpc>
+            </a:pPr>
+            <a:r>
+              <a:rPr lang="en-US" sz="3600" dirty="0" smtClean="0">
+                <a:solidFill>
+                  <a:srgbClr val="1E3272"/>
+                </a:solidFill>
+              </a:rPr>
+              <a:t>x = </a:t>
+            </a:r>
+            <a:r>
+              <a:rPr lang="en-US" sz="3600" i="1" dirty="0" err="1" smtClean="0">
+                <a:solidFill>
+                  <a:srgbClr val="1E3272"/>
+                </a:solidFill>
+              </a:rPr>
+              <a:t>read_int</a:t>
+            </a:r>
+            <a:r>
+              <a:rPr lang="en-US" sz="3600" dirty="0" smtClean="0">
+                <a:solidFill>
+                  <a:srgbClr val="1E3272"/>
+                </a:solidFill>
+              </a:rPr>
+              <a:t>();</a:t>
+            </a:r>
+          </a:p>
+          <a:p>
+            <a:pPr>
+              <a:lnSpc>
+                <a:spcPct val="90000"/>
+              </a:lnSpc>
+            </a:pPr>
+            <a:r>
+              <a:rPr lang="en-US" sz="3600" dirty="0" smtClean="0">
+                <a:solidFill>
+                  <a:srgbClr val="1E3272"/>
+                </a:solidFill>
+              </a:rPr>
+              <a:t>y = </a:t>
+            </a:r>
+            <a:r>
+              <a:rPr lang="en-US" sz="3600" i="1" dirty="0" err="1" smtClean="0">
+                <a:solidFill>
+                  <a:srgbClr val="1E3272"/>
+                </a:solidFill>
+              </a:rPr>
+              <a:t>read_int</a:t>
+            </a:r>
+            <a:r>
+              <a:rPr lang="en-US" sz="3600" dirty="0" smtClean="0">
+                <a:solidFill>
+                  <a:srgbClr val="1E3272"/>
+                </a:solidFill>
+              </a:rPr>
+              <a:t>();</a:t>
+            </a:r>
+          </a:p>
+          <a:p>
+            <a:pPr>
+              <a:lnSpc>
+                <a:spcPct val="90000"/>
+              </a:lnSpc>
+            </a:pPr>
+            <a:r>
+              <a:rPr lang="en-US" sz="3600" dirty="0" smtClean="0">
+                <a:solidFill>
+                  <a:srgbClr val="1E3272"/>
+                </a:solidFill>
+              </a:rPr>
+              <a:t>z = x + y;</a:t>
+            </a:r>
+            <a:endParaRPr lang="en-US" sz="3600" dirty="0">
+              <a:solidFill>
+                <a:srgbClr val="1E3272"/>
+              </a:solidFill>
+            </a:endParaRPr>
+          </a:p>
+        </p:txBody>
+      </p:sp>
+      <p:cxnSp>
+        <p:nvCxnSpPr>
+          <p:cNvPr id="7" name="Прямая со стрелкой 6"/>
+          <p:cNvCxnSpPr/>
+          <p:nvPr/>
+        </p:nvCxnSpPr>
+        <p:spPr>
+          <a:xfrm flipV="1">
+            <a:off x="2899954" y="2011680"/>
+            <a:ext cx="4924697" cy="1280162"/>
+          </a:xfrm>
+          <a:prstGeom prst="straightConnector1">
+            <a:avLst/>
+          </a:prstGeom>
+          <a:ln w="38100">
+            <a:solidFill>
+              <a:srgbClr val="F7B217"/>
+            </a:solidFill>
+            <a:tailEnd type="triangle" w="lg" len="lg"/>
+          </a:ln>
+        </p:spPr>
+        <p:style>
+          <a:lnRef idx="1">
+            <a:schemeClr val="accent1"/>
+          </a:lnRef>
+          <a:fillRef idx="0">
+            <a:schemeClr val="accent1"/>
+          </a:fillRef>
+          <a:effectRef idx="0">
+            <a:schemeClr val="accent1"/>
+          </a:effectRef>
+          <a:fontRef idx="minor">
+            <a:schemeClr val="tx1"/>
+          </a:fontRef>
+        </p:style>
+      </p:cxnSp>
+      <p:cxnSp>
+        <p:nvCxnSpPr>
+          <p:cNvPr id="10" name="Прямая со стрелкой 9"/>
+          <p:cNvCxnSpPr/>
+          <p:nvPr/>
+        </p:nvCxnSpPr>
+        <p:spPr>
+          <a:xfrm flipV="1">
+            <a:off x="3644538" y="3487783"/>
+            <a:ext cx="4794068" cy="248195"/>
+          </a:xfrm>
+          <a:prstGeom prst="straightConnector1">
+            <a:avLst/>
+          </a:prstGeom>
+          <a:ln w="38100">
+            <a:solidFill>
+              <a:srgbClr val="F7B217"/>
+            </a:solidFill>
+            <a:tailEnd type="triangle" w="lg" len="lg"/>
+          </a:ln>
+        </p:spPr>
+        <p:style>
+          <a:lnRef idx="1">
+            <a:schemeClr val="accent1"/>
+          </a:lnRef>
+          <a:fillRef idx="0">
+            <a:schemeClr val="accent1"/>
+          </a:fillRef>
+          <a:effectRef idx="0">
+            <a:schemeClr val="accent1"/>
+          </a:effectRef>
+          <a:fontRef idx="minor">
+            <a:schemeClr val="tx1"/>
+          </a:fontRef>
+        </p:style>
+      </p:cxnSp>
+      <p:cxnSp>
+        <p:nvCxnSpPr>
+          <p:cNvPr id="13" name="Прямая со стрелкой 12"/>
+          <p:cNvCxnSpPr/>
+          <p:nvPr/>
+        </p:nvCxnSpPr>
+        <p:spPr>
+          <a:xfrm>
+            <a:off x="3566161" y="4206240"/>
+            <a:ext cx="4898570" cy="222069"/>
+          </a:xfrm>
+          <a:prstGeom prst="straightConnector1">
+            <a:avLst/>
+          </a:prstGeom>
+          <a:ln w="38100">
+            <a:solidFill>
+              <a:srgbClr val="F7B217"/>
+            </a:solidFill>
+            <a:tailEnd type="triangle" w="lg" len="lg"/>
+          </a:ln>
+        </p:spPr>
+        <p:style>
+          <a:lnRef idx="1">
+            <a:schemeClr val="accent1"/>
+          </a:lnRef>
+          <a:fillRef idx="0">
+            <a:schemeClr val="accent1"/>
+          </a:fillRef>
+          <a:effectRef idx="0">
+            <a:schemeClr val="accent1"/>
+          </a:effectRef>
+          <a:fontRef idx="minor">
+            <a:schemeClr val="tx1"/>
+          </a:fontRef>
+        </p:style>
+      </p:cxnSp>
+      <p:cxnSp>
+        <p:nvCxnSpPr>
+          <p:cNvPr id="22" name="Прямая со стрелкой 21"/>
+          <p:cNvCxnSpPr/>
+          <p:nvPr/>
+        </p:nvCxnSpPr>
+        <p:spPr>
+          <a:xfrm>
+            <a:off x="2690949" y="4781006"/>
+            <a:ext cx="5656217" cy="1071154"/>
+          </a:xfrm>
+          <a:prstGeom prst="straightConnector1">
+            <a:avLst/>
+          </a:prstGeom>
+          <a:ln w="38100">
+            <a:solidFill>
+              <a:srgbClr val="F7B217"/>
+            </a:solidFill>
+            <a:tailEnd type="triangle" w="lg" len="lg"/>
+          </a:ln>
+        </p:spPr>
+        <p:style>
+          <a:lnRef idx="1">
+            <a:schemeClr val="accent1"/>
+          </a:lnRef>
+          <a:fillRef idx="0">
+            <a:schemeClr val="accent1"/>
+          </a:fillRef>
+          <a:effectRef idx="0">
+            <a:schemeClr val="accent1"/>
+          </a:effectRef>
+          <a:fontRef idx="minor">
+            <a:schemeClr val="tx1"/>
+          </a:fontRef>
+        </p:style>
+      </p:cxnSp>
+    </p:spTree>
+  </p:cSld>
+  <p:clrMapOvr>
+    <a:masterClrMapping/>
+  </p:clrMapOvr>
+</p:sld>
+</file>
+
+<file path=ppt/slides/slide21.xml><?xml version="1.0" encoding="utf-8"?>
+<p:sld xmlns:a="http://schemas.openxmlformats.org/drawingml/2006/main" xmlns:r="http://schemas.openxmlformats.org/officeDocument/2006/relationships" xmlns:p="http://schemas.openxmlformats.org/presentationml/2006/main">
+  <p:cSld>
+    <p:spTree>
+      <p:nvGrpSpPr>
+        <p:cNvPr id="1" name=""/>
+        <p:cNvGrpSpPr/>
+        <p:nvPr/>
+      </p:nvGrpSpPr>
+      <p:grpSpPr>
+        <a:xfrm>
+          <a:off x="0" y="0"/>
+          <a:ext cx="0" cy="0"/>
+          <a:chOff x="0" y="0"/>
+          <a:chExt cx="0" cy="0"/>
+        </a:xfrm>
+      </p:grpSpPr>
+      <p:sp>
+        <p:nvSpPr>
+          <p:cNvPr id="3" name="Номер слайда 2"/>
+          <p:cNvSpPr>
+            <a:spLocks noGrp="1"/>
+          </p:cNvSpPr>
+          <p:nvPr>
+            <p:ph type="sldNum" sz="quarter" idx="12"/>
+          </p:nvPr>
+        </p:nvSpPr>
+        <p:spPr/>
+        <p:txBody>
+          <a:bodyPr/>
+          <a:lstStyle/>
+          <a:p>
+            <a:pPr algn="ctr"/>
+            <a:fld id="{1397BFD8-F312-4EF2-A268-44FB4BDDBBB0}" type="slidenum">
+              <a:rPr lang="ru-RU" smtClean="0"/>
+              <a:pPr algn="ctr"/>
+              <a:t>21</a:t>
+            </a:fld>
+            <a:endParaRPr lang="ru-RU" dirty="0"/>
+          </a:p>
+        </p:txBody>
+      </p:sp>
+      <p:sp>
+        <p:nvSpPr>
+          <p:cNvPr id="4" name="Заголовок 3"/>
+          <p:cNvSpPr>
+            <a:spLocks noGrp="1"/>
+          </p:cNvSpPr>
+          <p:nvPr>
+            <p:ph type="title"/>
+          </p:nvPr>
+        </p:nvSpPr>
+        <p:spPr/>
+        <p:txBody>
+          <a:bodyPr/>
+          <a:lstStyle/>
+          <a:p>
+            <a:r>
+              <a:rPr lang="en-US" dirty="0" smtClean="0"/>
+              <a:t>Load and Store With Offset Example </a:t>
+            </a:r>
+            <a:endParaRPr lang="ru-RU" dirty="0"/>
+          </a:p>
+        </p:txBody>
+      </p:sp>
+      <p:sp>
+        <p:nvSpPr>
+          <p:cNvPr id="5" name="Rectangle 4"/>
+          <p:cNvSpPr/>
+          <p:nvPr/>
+        </p:nvSpPr>
+        <p:spPr>
+          <a:xfrm>
+            <a:off x="8072922" y="1254032"/>
+            <a:ext cx="3069694" cy="5219891"/>
+          </a:xfrm>
+          <a:prstGeom prst="rect">
+            <a:avLst/>
+          </a:prstGeom>
+        </p:spPr>
+        <p:txBody>
+          <a:bodyPr wrap="square">
+            <a:spAutoFit/>
+          </a:bodyPr>
+          <a:lstStyle/>
+          <a:p>
+            <a:pPr>
+              <a:lnSpc>
+                <a:spcPct val="70000"/>
+              </a:lnSpc>
+            </a:pPr>
+            <a:r>
+              <a:rPr lang="fr-FR" sz="2800" dirty="0" smtClean="0">
+                <a:solidFill>
+                  <a:srgbClr val="1E3272"/>
+                </a:solidFill>
+              </a:rPr>
+              <a:t>        .</a:t>
+            </a:r>
+            <a:r>
+              <a:rPr lang="fr-FR" sz="2800" dirty="0" smtClean="0">
+                <a:solidFill>
+                  <a:srgbClr val="FF0000"/>
+                </a:solidFill>
+              </a:rPr>
+              <a:t>data</a:t>
+            </a:r>
+          </a:p>
+          <a:p>
+            <a:pPr>
+              <a:lnSpc>
+                <a:spcPct val="70000"/>
+              </a:lnSpc>
+            </a:pPr>
+            <a:r>
+              <a:rPr lang="fr-FR" sz="2800" b="1" i="1" dirty="0" smtClean="0">
+                <a:solidFill>
+                  <a:srgbClr val="1E3272"/>
+                </a:solidFill>
+              </a:rPr>
+              <a:t>data</a:t>
+            </a:r>
+            <a:r>
+              <a:rPr lang="fr-FR" sz="2800" dirty="0" smtClean="0">
+                <a:solidFill>
+                  <a:srgbClr val="1E3272"/>
+                </a:solidFill>
+              </a:rPr>
+              <a:t>:</a:t>
+            </a:r>
+          </a:p>
+          <a:p>
+            <a:pPr>
+              <a:lnSpc>
+                <a:spcPct val="70000"/>
+              </a:lnSpc>
+            </a:pPr>
+            <a:r>
+              <a:rPr lang="fr-FR" sz="2800" dirty="0" smtClean="0">
+                <a:solidFill>
+                  <a:srgbClr val="1E3272"/>
+                </a:solidFill>
+              </a:rPr>
+              <a:t>   </a:t>
+            </a:r>
+            <a:r>
+              <a:rPr lang="fr-FR" sz="2800" dirty="0" smtClean="0">
+                <a:solidFill>
+                  <a:srgbClr val="1E3272"/>
+                </a:solidFill>
+              </a:rPr>
+              <a:t>     .</a:t>
+            </a:r>
+            <a:r>
+              <a:rPr lang="fr-FR" sz="2800" dirty="0" smtClean="0">
+                <a:solidFill>
+                  <a:srgbClr val="FF0000"/>
+                </a:solidFill>
+              </a:rPr>
+              <a:t>word</a:t>
+            </a:r>
+            <a:r>
+              <a:rPr lang="fr-FR" sz="2800" dirty="0" smtClean="0">
+                <a:solidFill>
+                  <a:srgbClr val="1E3272"/>
+                </a:solidFill>
+              </a:rPr>
+              <a:t> </a:t>
+            </a:r>
+            <a:r>
+              <a:rPr lang="fr-FR" sz="2800" dirty="0" smtClean="0">
+                <a:solidFill>
+                  <a:srgbClr val="2F5CB5"/>
+                </a:solidFill>
+              </a:rPr>
+              <a:t>0</a:t>
+            </a:r>
+            <a:r>
+              <a:rPr lang="fr-FR" sz="2800" dirty="0" smtClean="0">
+                <a:solidFill>
+                  <a:srgbClr val="1E3272"/>
+                </a:solidFill>
+              </a:rPr>
+              <a:t>, </a:t>
+            </a:r>
+            <a:r>
+              <a:rPr lang="fr-FR" sz="2800" dirty="0" smtClean="0">
+                <a:solidFill>
+                  <a:srgbClr val="2F5CB5"/>
+                </a:solidFill>
+              </a:rPr>
+              <a:t>0</a:t>
+            </a:r>
+            <a:r>
+              <a:rPr lang="fr-FR" sz="2800" dirty="0" smtClean="0">
+                <a:solidFill>
+                  <a:srgbClr val="1E3272"/>
+                </a:solidFill>
+              </a:rPr>
+              <a:t>, </a:t>
+            </a:r>
+            <a:r>
+              <a:rPr lang="fr-FR" sz="2800" dirty="0" smtClean="0">
+                <a:solidFill>
+                  <a:srgbClr val="2F5CB5"/>
+                </a:solidFill>
+              </a:rPr>
+              <a:t>0</a:t>
+            </a:r>
+          </a:p>
+          <a:p>
+            <a:pPr>
+              <a:lnSpc>
+                <a:spcPct val="70000"/>
+              </a:lnSpc>
+            </a:pPr>
+            <a:r>
+              <a:rPr lang="fr-FR" sz="2800" dirty="0" smtClean="0">
+                <a:solidFill>
+                  <a:srgbClr val="1E3272"/>
+                </a:solidFill>
+              </a:rPr>
+              <a:t>   </a:t>
+            </a:r>
+            <a:r>
+              <a:rPr lang="fr-FR" sz="2800" dirty="0" smtClean="0">
+                <a:solidFill>
+                  <a:srgbClr val="1E3272"/>
+                </a:solidFill>
+              </a:rPr>
+              <a:t>     .</a:t>
+            </a:r>
+            <a:r>
+              <a:rPr lang="fr-FR" sz="2800" dirty="0" smtClean="0">
+                <a:solidFill>
+                  <a:srgbClr val="FF0000"/>
+                </a:solidFill>
+              </a:rPr>
+              <a:t>text</a:t>
+            </a:r>
+          </a:p>
+          <a:p>
+            <a:pPr>
+              <a:lnSpc>
+                <a:spcPct val="70000"/>
+              </a:lnSpc>
+            </a:pPr>
+            <a:r>
+              <a:rPr lang="fr-FR" sz="2800" b="1" dirty="0" smtClean="0">
+                <a:solidFill>
+                  <a:srgbClr val="1E3272"/>
+                </a:solidFill>
+              </a:rPr>
+              <a:t>main</a:t>
+            </a:r>
+            <a:r>
+              <a:rPr lang="fr-FR" sz="2800" dirty="0" smtClean="0">
+                <a:solidFill>
+                  <a:srgbClr val="1E3272"/>
+                </a:solidFill>
+              </a:rPr>
+              <a:t>:</a:t>
+            </a:r>
+          </a:p>
+          <a:p>
+            <a:pPr>
+              <a:lnSpc>
+                <a:spcPct val="70000"/>
+              </a:lnSpc>
+            </a:pPr>
+            <a:r>
+              <a:rPr lang="fr-FR" sz="2800" dirty="0" smtClean="0">
+                <a:solidFill>
+                  <a:srgbClr val="1E3272"/>
+                </a:solidFill>
+              </a:rPr>
+              <a:t>    </a:t>
+            </a:r>
+            <a:r>
+              <a:rPr lang="fr-FR" sz="2800" dirty="0" smtClean="0">
+                <a:solidFill>
+                  <a:srgbClr val="1E3272"/>
+                </a:solidFill>
+              </a:rPr>
+              <a:t>    la    </a:t>
+            </a:r>
+            <a:r>
+              <a:rPr lang="fr-FR" sz="2800" dirty="0" smtClean="0">
+                <a:solidFill>
+                  <a:srgbClr val="FF0000"/>
+                </a:solidFill>
+              </a:rPr>
+              <a:t>t2</a:t>
+            </a:r>
+            <a:r>
+              <a:rPr lang="fr-FR" sz="2800" dirty="0" smtClean="0">
+                <a:solidFill>
+                  <a:srgbClr val="1E3272"/>
+                </a:solidFill>
+              </a:rPr>
+              <a:t>, </a:t>
+            </a:r>
+            <a:r>
+              <a:rPr lang="fr-FR" sz="2800" i="1" dirty="0" smtClean="0">
+                <a:solidFill>
+                  <a:srgbClr val="1E3272"/>
+                </a:solidFill>
+              </a:rPr>
+              <a:t>data</a:t>
+            </a:r>
+          </a:p>
+          <a:p>
+            <a:pPr>
+              <a:lnSpc>
+                <a:spcPct val="70000"/>
+              </a:lnSpc>
+            </a:pPr>
+            <a:endParaRPr lang="fr-FR" sz="2800" dirty="0" smtClean="0">
+              <a:solidFill>
+                <a:srgbClr val="1E3272"/>
+              </a:solidFill>
+            </a:endParaRPr>
+          </a:p>
+          <a:p>
+            <a:pPr>
+              <a:lnSpc>
+                <a:spcPct val="70000"/>
+              </a:lnSpc>
+            </a:pPr>
+            <a:r>
+              <a:rPr lang="fr-FR" sz="2800" dirty="0" smtClean="0">
+                <a:solidFill>
+                  <a:srgbClr val="1E3272"/>
+                </a:solidFill>
+              </a:rPr>
+              <a:t>    </a:t>
+            </a:r>
+            <a:r>
+              <a:rPr lang="fr-FR" sz="2800" dirty="0" smtClean="0">
+                <a:solidFill>
+                  <a:srgbClr val="1E3272"/>
+                </a:solidFill>
+              </a:rPr>
+              <a:t>    </a:t>
+            </a:r>
+            <a:r>
+              <a:rPr lang="fr-FR" sz="2800" i="1" dirty="0" smtClean="0">
+                <a:solidFill>
+                  <a:srgbClr val="1E3272"/>
+                </a:solidFill>
+              </a:rPr>
+              <a:t>read_int</a:t>
+            </a:r>
+            <a:r>
+              <a:rPr lang="fr-FR" sz="2800" dirty="0" smtClean="0">
+                <a:solidFill>
+                  <a:srgbClr val="1E3272"/>
+                </a:solidFill>
+              </a:rPr>
+              <a:t>(</a:t>
+            </a:r>
+            <a:r>
+              <a:rPr lang="fr-FR" sz="2800" dirty="0" smtClean="0">
+                <a:solidFill>
+                  <a:srgbClr val="FF0000"/>
+                </a:solidFill>
+              </a:rPr>
+              <a:t>t0</a:t>
+            </a:r>
+            <a:r>
+              <a:rPr lang="fr-FR" sz="2800" dirty="0" smtClean="0">
+                <a:solidFill>
+                  <a:srgbClr val="1E3272"/>
+                </a:solidFill>
+              </a:rPr>
+              <a:t>)</a:t>
+            </a:r>
+          </a:p>
+          <a:p>
+            <a:pPr>
+              <a:lnSpc>
+                <a:spcPct val="70000"/>
+              </a:lnSpc>
+            </a:pPr>
+            <a:r>
+              <a:rPr lang="fr-FR" sz="2800" dirty="0" smtClean="0">
+                <a:solidFill>
+                  <a:srgbClr val="1E3272"/>
+                </a:solidFill>
+              </a:rPr>
+              <a:t>    </a:t>
+            </a:r>
+            <a:r>
+              <a:rPr lang="fr-FR" sz="2800" dirty="0" smtClean="0">
+                <a:solidFill>
+                  <a:srgbClr val="1E3272"/>
+                </a:solidFill>
+              </a:rPr>
+              <a:t>    sw   </a:t>
+            </a:r>
+            <a:r>
+              <a:rPr lang="fr-FR" sz="2800" dirty="0" smtClean="0">
+                <a:solidFill>
+                  <a:srgbClr val="FF0000"/>
+                </a:solidFill>
+              </a:rPr>
+              <a:t>t0</a:t>
+            </a:r>
+            <a:r>
+              <a:rPr lang="fr-FR" sz="2800" dirty="0" smtClean="0">
+                <a:solidFill>
+                  <a:srgbClr val="1E3272"/>
+                </a:solidFill>
+              </a:rPr>
+              <a:t>, </a:t>
+            </a:r>
+            <a:r>
+              <a:rPr lang="fr-FR" sz="2800" dirty="0" smtClean="0">
+                <a:solidFill>
+                  <a:srgbClr val="2F5CB5"/>
+                </a:solidFill>
+              </a:rPr>
+              <a:t>0</a:t>
+            </a:r>
+            <a:r>
+              <a:rPr lang="fr-FR" sz="2800" dirty="0" smtClean="0">
+                <a:solidFill>
+                  <a:srgbClr val="1E3272"/>
+                </a:solidFill>
+              </a:rPr>
+              <a:t>(</a:t>
+            </a:r>
+            <a:r>
+              <a:rPr lang="fr-FR" sz="2800" dirty="0" smtClean="0">
+                <a:solidFill>
+                  <a:srgbClr val="FF0000"/>
+                </a:solidFill>
+              </a:rPr>
+              <a:t>t2</a:t>
+            </a:r>
+            <a:r>
+              <a:rPr lang="fr-FR" sz="2800" dirty="0" smtClean="0">
+                <a:solidFill>
+                  <a:srgbClr val="1E3272"/>
+                </a:solidFill>
+              </a:rPr>
+              <a:t>)</a:t>
+            </a:r>
+          </a:p>
+          <a:p>
+            <a:pPr>
+              <a:lnSpc>
+                <a:spcPct val="70000"/>
+              </a:lnSpc>
+            </a:pPr>
+            <a:endParaRPr lang="fr-FR" sz="2800" dirty="0" smtClean="0">
+              <a:solidFill>
+                <a:srgbClr val="1E3272"/>
+              </a:solidFill>
+            </a:endParaRPr>
+          </a:p>
+          <a:p>
+            <a:pPr>
+              <a:lnSpc>
+                <a:spcPct val="70000"/>
+              </a:lnSpc>
+            </a:pPr>
+            <a:r>
+              <a:rPr lang="fr-FR" sz="2800" dirty="0" smtClean="0">
+                <a:solidFill>
+                  <a:srgbClr val="1E3272"/>
+                </a:solidFill>
+              </a:rPr>
+              <a:t>    </a:t>
+            </a:r>
+            <a:r>
+              <a:rPr lang="fr-FR" sz="2800" dirty="0" smtClean="0">
+                <a:solidFill>
+                  <a:srgbClr val="1E3272"/>
+                </a:solidFill>
+              </a:rPr>
+              <a:t>    </a:t>
+            </a:r>
+            <a:r>
+              <a:rPr lang="fr-FR" sz="2800" i="1" dirty="0" smtClean="0">
+                <a:solidFill>
+                  <a:srgbClr val="1E3272"/>
+                </a:solidFill>
+              </a:rPr>
+              <a:t>read_int</a:t>
+            </a:r>
+            <a:r>
+              <a:rPr lang="fr-FR" sz="2800" dirty="0" smtClean="0">
+                <a:solidFill>
+                  <a:srgbClr val="1E3272"/>
+                </a:solidFill>
+              </a:rPr>
+              <a:t>(</a:t>
+            </a:r>
+            <a:r>
+              <a:rPr lang="fr-FR" sz="2800" dirty="0" smtClean="0">
+                <a:solidFill>
+                  <a:srgbClr val="FF0000"/>
+                </a:solidFill>
+              </a:rPr>
+              <a:t>t0</a:t>
+            </a:r>
+            <a:r>
+              <a:rPr lang="fr-FR" sz="2800" dirty="0" smtClean="0">
+                <a:solidFill>
+                  <a:srgbClr val="1E3272"/>
+                </a:solidFill>
+              </a:rPr>
+              <a:t>)</a:t>
+            </a:r>
+          </a:p>
+          <a:p>
+            <a:pPr>
+              <a:lnSpc>
+                <a:spcPct val="70000"/>
+              </a:lnSpc>
+            </a:pPr>
+            <a:r>
+              <a:rPr lang="fr-FR" sz="2800" dirty="0" smtClean="0">
+                <a:solidFill>
+                  <a:srgbClr val="1E3272"/>
+                </a:solidFill>
+              </a:rPr>
+              <a:t>    </a:t>
+            </a:r>
+            <a:r>
+              <a:rPr lang="fr-FR" sz="2800" dirty="0" smtClean="0">
+                <a:solidFill>
+                  <a:srgbClr val="1E3272"/>
+                </a:solidFill>
+              </a:rPr>
+              <a:t>    sw   </a:t>
+            </a:r>
+            <a:r>
+              <a:rPr lang="fr-FR" sz="2800" dirty="0" smtClean="0">
+                <a:solidFill>
+                  <a:srgbClr val="FF0000"/>
+                </a:solidFill>
+              </a:rPr>
+              <a:t>t0</a:t>
+            </a:r>
+            <a:r>
+              <a:rPr lang="fr-FR" sz="2800" dirty="0" smtClean="0">
+                <a:solidFill>
+                  <a:srgbClr val="1E3272"/>
+                </a:solidFill>
+              </a:rPr>
+              <a:t>, </a:t>
+            </a:r>
+            <a:r>
+              <a:rPr lang="fr-FR" sz="2800" dirty="0" smtClean="0">
+                <a:solidFill>
+                  <a:srgbClr val="2F5CB5"/>
+                </a:solidFill>
+              </a:rPr>
+              <a:t>4</a:t>
+            </a:r>
+            <a:r>
+              <a:rPr lang="fr-FR" sz="2800" dirty="0" smtClean="0">
+                <a:solidFill>
+                  <a:srgbClr val="1E3272"/>
+                </a:solidFill>
+              </a:rPr>
+              <a:t>(</a:t>
+            </a:r>
+            <a:r>
+              <a:rPr lang="fr-FR" sz="2800" dirty="0" smtClean="0">
+                <a:solidFill>
+                  <a:srgbClr val="FF0000"/>
+                </a:solidFill>
+              </a:rPr>
+              <a:t>t2</a:t>
+            </a:r>
+            <a:r>
+              <a:rPr lang="fr-FR" sz="2800" dirty="0" smtClean="0">
+                <a:solidFill>
+                  <a:srgbClr val="1E3272"/>
+                </a:solidFill>
+              </a:rPr>
+              <a:t>)</a:t>
+            </a:r>
+          </a:p>
+          <a:p>
+            <a:pPr>
+              <a:lnSpc>
+                <a:spcPct val="70000"/>
+              </a:lnSpc>
+            </a:pPr>
+            <a:endParaRPr lang="fr-FR" sz="2800" dirty="0" smtClean="0">
+              <a:solidFill>
+                <a:srgbClr val="1E3272"/>
+              </a:solidFill>
+            </a:endParaRPr>
+          </a:p>
+          <a:p>
+            <a:pPr>
+              <a:lnSpc>
+                <a:spcPct val="70000"/>
+              </a:lnSpc>
+            </a:pPr>
+            <a:r>
+              <a:rPr lang="fr-FR" sz="2800" dirty="0" smtClean="0">
+                <a:solidFill>
+                  <a:srgbClr val="1E3272"/>
+                </a:solidFill>
+              </a:rPr>
+              <a:t>    </a:t>
+            </a:r>
+            <a:r>
+              <a:rPr lang="fr-FR" sz="2800" dirty="0" smtClean="0">
+                <a:solidFill>
+                  <a:srgbClr val="1E3272"/>
+                </a:solidFill>
+              </a:rPr>
+              <a:t>    lw    </a:t>
+            </a:r>
+            <a:r>
+              <a:rPr lang="fr-FR" sz="2800" dirty="0" smtClean="0">
+                <a:solidFill>
+                  <a:srgbClr val="FF0000"/>
+                </a:solidFill>
+              </a:rPr>
+              <a:t>t0</a:t>
+            </a:r>
+            <a:r>
+              <a:rPr lang="fr-FR" sz="2800" dirty="0" smtClean="0">
+                <a:solidFill>
+                  <a:srgbClr val="1E3272"/>
+                </a:solidFill>
+              </a:rPr>
+              <a:t>, </a:t>
+            </a:r>
+            <a:r>
+              <a:rPr lang="fr-FR" sz="2800" dirty="0" smtClean="0">
+                <a:solidFill>
+                  <a:srgbClr val="2F5CB5"/>
+                </a:solidFill>
+              </a:rPr>
+              <a:t>0</a:t>
+            </a:r>
+            <a:r>
+              <a:rPr lang="fr-FR" sz="2800" dirty="0" smtClean="0">
+                <a:solidFill>
+                  <a:srgbClr val="1E3272"/>
+                </a:solidFill>
+              </a:rPr>
+              <a:t>(</a:t>
+            </a:r>
+            <a:r>
+              <a:rPr lang="fr-FR" sz="2800" dirty="0" smtClean="0">
+                <a:solidFill>
+                  <a:srgbClr val="FF0000"/>
+                </a:solidFill>
+              </a:rPr>
+              <a:t>t2</a:t>
+            </a:r>
+            <a:r>
+              <a:rPr lang="fr-FR" sz="2800" dirty="0" smtClean="0">
+                <a:solidFill>
+                  <a:srgbClr val="1E3272"/>
+                </a:solidFill>
+              </a:rPr>
+              <a:t>)</a:t>
+            </a:r>
+          </a:p>
+          <a:p>
+            <a:pPr>
+              <a:lnSpc>
+                <a:spcPct val="70000"/>
+              </a:lnSpc>
+            </a:pPr>
+            <a:r>
+              <a:rPr lang="fr-FR" sz="2800" dirty="0" smtClean="0">
+                <a:solidFill>
+                  <a:srgbClr val="1E3272"/>
+                </a:solidFill>
+              </a:rPr>
+              <a:t>    </a:t>
+            </a:r>
+            <a:r>
+              <a:rPr lang="fr-FR" sz="2800" dirty="0" smtClean="0">
+                <a:solidFill>
+                  <a:srgbClr val="1E3272"/>
+                </a:solidFill>
+              </a:rPr>
+              <a:t>    lw    </a:t>
+            </a:r>
+            <a:r>
+              <a:rPr lang="fr-FR" sz="2800" dirty="0" smtClean="0">
+                <a:solidFill>
+                  <a:srgbClr val="FF0000"/>
+                </a:solidFill>
+              </a:rPr>
+              <a:t>t1</a:t>
+            </a:r>
+            <a:r>
+              <a:rPr lang="fr-FR" sz="2800" dirty="0" smtClean="0">
+                <a:solidFill>
+                  <a:srgbClr val="1E3272"/>
+                </a:solidFill>
+              </a:rPr>
+              <a:t>, </a:t>
+            </a:r>
+            <a:r>
+              <a:rPr lang="fr-FR" sz="2800" dirty="0" smtClean="0">
+                <a:solidFill>
+                  <a:srgbClr val="2F5CB5"/>
+                </a:solidFill>
+              </a:rPr>
+              <a:t>4</a:t>
+            </a:r>
+            <a:r>
+              <a:rPr lang="fr-FR" sz="2800" dirty="0" smtClean="0">
+                <a:solidFill>
+                  <a:srgbClr val="1E3272"/>
+                </a:solidFill>
+              </a:rPr>
+              <a:t>(</a:t>
+            </a:r>
+            <a:r>
+              <a:rPr lang="fr-FR" sz="2800" dirty="0" smtClean="0">
+                <a:solidFill>
+                  <a:srgbClr val="FF0000"/>
+                </a:solidFill>
+              </a:rPr>
+              <a:t>t2</a:t>
+            </a:r>
+            <a:r>
+              <a:rPr lang="fr-FR" sz="2800" dirty="0" smtClean="0">
+                <a:solidFill>
+                  <a:srgbClr val="1E3272"/>
+                </a:solidFill>
+              </a:rPr>
+              <a:t>)</a:t>
+            </a:r>
+          </a:p>
+          <a:p>
+            <a:pPr>
+              <a:lnSpc>
+                <a:spcPct val="70000"/>
+              </a:lnSpc>
+            </a:pPr>
+            <a:r>
+              <a:rPr lang="fr-FR" sz="2800" dirty="0" smtClean="0">
+                <a:solidFill>
+                  <a:srgbClr val="1E3272"/>
+                </a:solidFill>
+              </a:rPr>
+              <a:t>    </a:t>
+            </a:r>
+            <a:r>
+              <a:rPr lang="fr-FR" sz="2800" dirty="0" smtClean="0">
+                <a:solidFill>
+                  <a:srgbClr val="1E3272"/>
+                </a:solidFill>
+              </a:rPr>
+              <a:t>    add </a:t>
+            </a:r>
+            <a:r>
+              <a:rPr lang="fr-FR" sz="2800" dirty="0" smtClean="0">
+                <a:solidFill>
+                  <a:srgbClr val="FF0000"/>
+                </a:solidFill>
+              </a:rPr>
+              <a:t>t3</a:t>
+            </a:r>
+            <a:r>
+              <a:rPr lang="fr-FR" sz="2800" dirty="0" smtClean="0">
+                <a:solidFill>
+                  <a:srgbClr val="1E3272"/>
+                </a:solidFill>
+              </a:rPr>
+              <a:t>, </a:t>
+            </a:r>
+            <a:r>
+              <a:rPr lang="fr-FR" sz="2800" dirty="0" smtClean="0">
+                <a:solidFill>
+                  <a:srgbClr val="FF0000"/>
+                </a:solidFill>
+              </a:rPr>
+              <a:t>t0</a:t>
+            </a:r>
+            <a:r>
+              <a:rPr lang="fr-FR" sz="2800" dirty="0" smtClean="0">
+                <a:solidFill>
+                  <a:srgbClr val="1E3272"/>
+                </a:solidFill>
+              </a:rPr>
+              <a:t>, </a:t>
+            </a:r>
+            <a:r>
+              <a:rPr lang="fr-FR" sz="2800" dirty="0" smtClean="0">
+                <a:solidFill>
+                  <a:srgbClr val="FF0000"/>
+                </a:solidFill>
+              </a:rPr>
+              <a:t>t1</a:t>
+            </a:r>
+          </a:p>
+          <a:p>
+            <a:pPr>
+              <a:lnSpc>
+                <a:spcPct val="70000"/>
+              </a:lnSpc>
+            </a:pPr>
+            <a:r>
+              <a:rPr lang="fr-FR" sz="2800" dirty="0" smtClean="0">
+                <a:solidFill>
+                  <a:srgbClr val="1E3272"/>
+                </a:solidFill>
+              </a:rPr>
+              <a:t>    </a:t>
+            </a:r>
+            <a:r>
+              <a:rPr lang="fr-FR" sz="2800" dirty="0" smtClean="0">
+                <a:solidFill>
+                  <a:srgbClr val="1E3272"/>
+                </a:solidFill>
+              </a:rPr>
+              <a:t>    sw   </a:t>
+            </a:r>
+            <a:r>
+              <a:rPr lang="fr-FR" sz="2800" dirty="0" smtClean="0">
+                <a:solidFill>
+                  <a:srgbClr val="FF0000"/>
+                </a:solidFill>
+              </a:rPr>
+              <a:t>t3</a:t>
+            </a:r>
+            <a:r>
+              <a:rPr lang="fr-FR" sz="2800" dirty="0" smtClean="0">
+                <a:solidFill>
+                  <a:srgbClr val="1E3272"/>
+                </a:solidFill>
+              </a:rPr>
+              <a:t>, </a:t>
+            </a:r>
+            <a:r>
+              <a:rPr lang="fr-FR" sz="2800" dirty="0" smtClean="0">
+                <a:solidFill>
+                  <a:srgbClr val="2F5CB5"/>
+                </a:solidFill>
+              </a:rPr>
+              <a:t>8</a:t>
+            </a:r>
+            <a:r>
+              <a:rPr lang="fr-FR" sz="2800" dirty="0" smtClean="0">
+                <a:solidFill>
+                  <a:srgbClr val="1E3272"/>
+                </a:solidFill>
+              </a:rPr>
+              <a:t>(</a:t>
+            </a:r>
+            <a:r>
+              <a:rPr lang="fr-FR" sz="2800" dirty="0" smtClean="0">
+                <a:solidFill>
+                  <a:srgbClr val="FF0000"/>
+                </a:solidFill>
+              </a:rPr>
+              <a:t>t2</a:t>
+            </a:r>
+            <a:r>
+              <a:rPr lang="fr-FR" sz="2800" dirty="0" smtClean="0">
+                <a:solidFill>
+                  <a:srgbClr val="1E3272"/>
+                </a:solidFill>
+              </a:rPr>
+              <a:t>)</a:t>
+            </a:r>
+            <a:endParaRPr lang="en-US" sz="2800" dirty="0" smtClean="0">
+              <a:solidFill>
+                <a:srgbClr val="1E3272"/>
+              </a:solidFill>
+            </a:endParaRPr>
+          </a:p>
+        </p:txBody>
+      </p:sp>
+      <p:sp>
+        <p:nvSpPr>
+          <p:cNvPr id="6" name="Rectangle 4"/>
+          <p:cNvSpPr/>
+          <p:nvPr/>
+        </p:nvSpPr>
+        <p:spPr>
+          <a:xfrm>
+            <a:off x="815419" y="1436199"/>
+            <a:ext cx="5872763" cy="4081117"/>
+          </a:xfrm>
+          <a:prstGeom prst="rect">
+            <a:avLst/>
+          </a:prstGeom>
+        </p:spPr>
+        <p:txBody>
+          <a:bodyPr wrap="square">
+            <a:spAutoFit/>
+          </a:bodyPr>
+          <a:lstStyle/>
+          <a:p>
+            <a:pPr>
+              <a:lnSpc>
+                <a:spcPct val="90000"/>
+              </a:lnSpc>
+            </a:pPr>
+            <a:r>
+              <a:rPr lang="en-US" sz="3600" dirty="0" smtClean="0">
+                <a:solidFill>
+                  <a:srgbClr val="00B050"/>
+                </a:solidFill>
+              </a:rPr>
+              <a:t># data[3] is a static array that stores three integer variables</a:t>
+            </a:r>
+          </a:p>
+          <a:p>
+            <a:pPr>
+              <a:lnSpc>
+                <a:spcPct val="90000"/>
+              </a:lnSpc>
+            </a:pPr>
+            <a:endParaRPr lang="en-US" sz="3600" dirty="0" smtClean="0">
+              <a:solidFill>
+                <a:srgbClr val="00B050"/>
+              </a:solidFill>
+            </a:endParaRPr>
+          </a:p>
+          <a:p>
+            <a:pPr>
+              <a:lnSpc>
+                <a:spcPct val="90000"/>
+              </a:lnSpc>
+            </a:pPr>
+            <a:endParaRPr lang="en-US" sz="3600" dirty="0" smtClean="0">
+              <a:solidFill>
+                <a:srgbClr val="00B050"/>
+              </a:solidFill>
+            </a:endParaRPr>
+          </a:p>
+          <a:p>
+            <a:pPr>
+              <a:lnSpc>
+                <a:spcPct val="90000"/>
+              </a:lnSpc>
+            </a:pPr>
+            <a:r>
+              <a:rPr lang="en-US" sz="3600" b="1" dirty="0" err="1" smtClean="0">
+                <a:solidFill>
+                  <a:srgbClr val="1E3272"/>
+                </a:solidFill>
+              </a:rPr>
+              <a:t>int</a:t>
+            </a:r>
+            <a:r>
+              <a:rPr lang="en-US" sz="3600" b="1" dirty="0" smtClean="0">
+                <a:solidFill>
+                  <a:srgbClr val="1E3272"/>
+                </a:solidFill>
+              </a:rPr>
+              <a:t> </a:t>
+            </a:r>
+            <a:r>
+              <a:rPr lang="en-US" sz="3600" dirty="0" smtClean="0">
+                <a:solidFill>
+                  <a:srgbClr val="1E3272"/>
+                </a:solidFill>
+              </a:rPr>
+              <a:t>data[3];</a:t>
+            </a:r>
+            <a:endParaRPr lang="en-US" sz="3600" dirty="0" smtClean="0">
+              <a:solidFill>
+                <a:srgbClr val="1E3272"/>
+              </a:solidFill>
+            </a:endParaRPr>
+          </a:p>
+          <a:p>
+            <a:pPr>
+              <a:lnSpc>
+                <a:spcPct val="90000"/>
+              </a:lnSpc>
+            </a:pPr>
+            <a:r>
+              <a:rPr lang="en-US" sz="3600" dirty="0" smtClean="0">
+                <a:solidFill>
+                  <a:srgbClr val="1E3272"/>
+                </a:solidFill>
+              </a:rPr>
+              <a:t>x = </a:t>
+            </a:r>
+            <a:r>
+              <a:rPr lang="en-US" sz="3600" i="1" dirty="0" err="1" smtClean="0">
+                <a:solidFill>
+                  <a:srgbClr val="1E3272"/>
+                </a:solidFill>
+              </a:rPr>
+              <a:t>read_int</a:t>
+            </a:r>
+            <a:r>
+              <a:rPr lang="en-US" sz="3600" dirty="0" smtClean="0">
+                <a:solidFill>
+                  <a:srgbClr val="1E3272"/>
+                </a:solidFill>
+              </a:rPr>
+              <a:t>();</a:t>
+            </a:r>
+          </a:p>
+          <a:p>
+            <a:pPr>
+              <a:lnSpc>
+                <a:spcPct val="90000"/>
+              </a:lnSpc>
+            </a:pPr>
+            <a:r>
+              <a:rPr lang="en-US" sz="3600" dirty="0" smtClean="0">
+                <a:solidFill>
+                  <a:srgbClr val="1E3272"/>
+                </a:solidFill>
+              </a:rPr>
+              <a:t>y = </a:t>
+            </a:r>
+            <a:r>
+              <a:rPr lang="en-US" sz="3600" i="1" dirty="0" err="1" smtClean="0">
+                <a:solidFill>
+                  <a:srgbClr val="1E3272"/>
+                </a:solidFill>
+              </a:rPr>
+              <a:t>read_int</a:t>
+            </a:r>
+            <a:r>
+              <a:rPr lang="en-US" sz="3600" dirty="0" smtClean="0">
+                <a:solidFill>
+                  <a:srgbClr val="1E3272"/>
+                </a:solidFill>
+              </a:rPr>
+              <a:t>();</a:t>
+            </a:r>
+          </a:p>
+          <a:p>
+            <a:pPr>
+              <a:lnSpc>
+                <a:spcPct val="90000"/>
+              </a:lnSpc>
+            </a:pPr>
+            <a:r>
+              <a:rPr lang="en-US" sz="3600" dirty="0" smtClean="0">
+                <a:solidFill>
+                  <a:srgbClr val="1E3272"/>
+                </a:solidFill>
+              </a:rPr>
+              <a:t>z = x + y;</a:t>
+            </a:r>
+            <a:endParaRPr lang="en-US" sz="3600" dirty="0">
+              <a:solidFill>
+                <a:srgbClr val="1E3272"/>
+              </a:solidFill>
+            </a:endParaRPr>
+          </a:p>
+        </p:txBody>
+      </p:sp>
+      <p:cxnSp>
+        <p:nvCxnSpPr>
+          <p:cNvPr id="7" name="Прямая со стрелкой 6"/>
+          <p:cNvCxnSpPr/>
+          <p:nvPr/>
+        </p:nvCxnSpPr>
+        <p:spPr>
+          <a:xfrm flipV="1">
+            <a:off x="3135086" y="2155371"/>
+            <a:ext cx="5525588" cy="1423853"/>
+          </a:xfrm>
+          <a:prstGeom prst="straightConnector1">
+            <a:avLst/>
+          </a:prstGeom>
+          <a:ln w="38100">
+            <a:solidFill>
+              <a:srgbClr val="F7B217"/>
+            </a:solidFill>
+            <a:tailEnd type="triangle" w="lg" len="lg"/>
+          </a:ln>
+        </p:spPr>
+        <p:style>
+          <a:lnRef idx="1">
+            <a:schemeClr val="accent1"/>
+          </a:lnRef>
+          <a:fillRef idx="0">
+            <a:schemeClr val="accent1"/>
+          </a:fillRef>
+          <a:effectRef idx="0">
+            <a:schemeClr val="accent1"/>
+          </a:effectRef>
+          <a:fontRef idx="minor">
+            <a:schemeClr val="tx1"/>
+          </a:fontRef>
+        </p:style>
+      </p:cxnSp>
+      <p:cxnSp>
+        <p:nvCxnSpPr>
+          <p:cNvPr id="10" name="Прямая со стрелкой 9"/>
+          <p:cNvCxnSpPr/>
+          <p:nvPr/>
+        </p:nvCxnSpPr>
+        <p:spPr>
+          <a:xfrm flipV="1">
+            <a:off x="3670663" y="3709851"/>
+            <a:ext cx="4872446" cy="418013"/>
+          </a:xfrm>
+          <a:prstGeom prst="straightConnector1">
+            <a:avLst/>
+          </a:prstGeom>
+          <a:ln w="38100">
+            <a:solidFill>
+              <a:srgbClr val="F7B217"/>
+            </a:solidFill>
+            <a:tailEnd type="triangle" w="lg" len="lg"/>
+          </a:ln>
+        </p:spPr>
+        <p:style>
+          <a:lnRef idx="1">
+            <a:schemeClr val="accent1"/>
+          </a:lnRef>
+          <a:fillRef idx="0">
+            <a:schemeClr val="accent1"/>
+          </a:fillRef>
+          <a:effectRef idx="0">
+            <a:schemeClr val="accent1"/>
+          </a:effectRef>
+          <a:fontRef idx="minor">
+            <a:schemeClr val="tx1"/>
+          </a:fontRef>
+        </p:style>
+      </p:cxnSp>
+      <p:cxnSp>
+        <p:nvCxnSpPr>
+          <p:cNvPr id="13" name="Прямая со стрелкой 12"/>
+          <p:cNvCxnSpPr/>
+          <p:nvPr/>
+        </p:nvCxnSpPr>
+        <p:spPr>
+          <a:xfrm flipV="1">
+            <a:off x="3657600" y="4598126"/>
+            <a:ext cx="4898571" cy="117565"/>
+          </a:xfrm>
+          <a:prstGeom prst="straightConnector1">
+            <a:avLst/>
+          </a:prstGeom>
+          <a:ln w="38100">
+            <a:solidFill>
+              <a:srgbClr val="F7B217"/>
+            </a:solidFill>
+            <a:tailEnd type="triangle" w="lg" len="lg"/>
+          </a:ln>
+        </p:spPr>
+        <p:style>
+          <a:lnRef idx="1">
+            <a:schemeClr val="accent1"/>
+          </a:lnRef>
+          <a:fillRef idx="0">
+            <a:schemeClr val="accent1"/>
+          </a:fillRef>
+          <a:effectRef idx="0">
+            <a:schemeClr val="accent1"/>
+          </a:effectRef>
+          <a:fontRef idx="minor">
+            <a:schemeClr val="tx1"/>
+          </a:fontRef>
+        </p:style>
+      </p:cxnSp>
+      <p:cxnSp>
+        <p:nvCxnSpPr>
+          <p:cNvPr id="22" name="Прямая со стрелкой 21"/>
+          <p:cNvCxnSpPr/>
+          <p:nvPr/>
+        </p:nvCxnSpPr>
+        <p:spPr>
+          <a:xfrm>
+            <a:off x="2704011" y="5199017"/>
+            <a:ext cx="5891349" cy="666206"/>
+          </a:xfrm>
+          <a:prstGeom prst="straightConnector1">
+            <a:avLst/>
+          </a:prstGeom>
+          <a:ln w="38100">
+            <a:solidFill>
+              <a:srgbClr val="F7B217"/>
+            </a:solidFill>
+            <a:tailEnd type="triangle" w="lg" len="lg"/>
+          </a:ln>
+        </p:spPr>
+        <p:style>
+          <a:lnRef idx="1">
+            <a:schemeClr val="accent1"/>
+          </a:lnRef>
+          <a:fillRef idx="0">
+            <a:schemeClr val="accent1"/>
+          </a:fillRef>
+          <a:effectRef idx="0">
+            <a:schemeClr val="accent1"/>
+          </a:effectRef>
+          <a:fontRef idx="minor">
+            <a:schemeClr val="tx1"/>
+          </a:fontRef>
+        </p:style>
+      </p:cxnSp>
+    </p:spTree>
+  </p:cSld>
+  <p:clrMapOvr>
+    <a:masterClrMapping/>
+  </p:clrMapOvr>
+</p:sld>
+</file>
+
+<file path=ppt/slides/slide22.xml><?xml version="1.0" encoding="utf-8"?>
+<p:sld xmlns:a="http://schemas.openxmlformats.org/drawingml/2006/main" xmlns:r="http://schemas.openxmlformats.org/officeDocument/2006/relationships" xmlns:p="http://schemas.openxmlformats.org/presentationml/2006/main">
+  <p:cSld>
+    <p:spTree>
+      <p:nvGrpSpPr>
+        <p:cNvPr id="1" name=""/>
+        <p:cNvGrpSpPr/>
+        <p:nvPr/>
+      </p:nvGrpSpPr>
+      <p:grpSpPr>
+        <a:xfrm>
+          <a:off x="0" y="0"/>
+          <a:ext cx="0" cy="0"/>
+          <a:chOff x="0" y="0"/>
+          <a:chExt cx="0" cy="0"/>
+        </a:xfrm>
+      </p:grpSpPr>
+      <p:sp>
+        <p:nvSpPr>
           <p:cNvPr id="4" name="Прямоугольник 3"/>
           <p:cNvSpPr/>
           <p:nvPr/>
@@ -13207,7 +16271,7 @@
             <a:fld id="{1397BFD8-F312-4EF2-A268-44FB4BDDBBB0}" type="slidenum">
               <a:rPr lang="ru-RU" smtClean="0"/>
               <a:pPr algn="ctr"/>
-              <a:t>20</a:t>
+              <a:t>22</a:t>
             </a:fld>
             <a:endParaRPr lang="ru-RU" dirty="0"/>
           </a:p>
@@ -13216,7 +16280,7 @@
     </p:spTree>
     <p:extLst>
       <p:ext uri="{BB962C8B-B14F-4D97-AF65-F5344CB8AC3E}">
-        <p14:creationId xmlns:p14="http://schemas.microsoft.com/office/powerpoint/2010/main" xmlns="" val="4217875043"/>
+        <p14:creationId xmlns="" xmlns:p14="http://schemas.microsoft.com/office/powerpoint/2010/main" val="4217875043"/>
       </p:ext>
     </p:extLst>
   </p:cSld>
@@ -13392,7 +16456,7 @@
     </p:spTree>
     <p:extLst>
       <p:ext uri="{BB962C8B-B14F-4D97-AF65-F5344CB8AC3E}">
-        <p14:creationId xmlns:p14="http://schemas.microsoft.com/office/powerpoint/2010/main" xmlns="" val="2794061502"/>
+        <p14:creationId xmlns="" xmlns:p14="http://schemas.microsoft.com/office/powerpoint/2010/main" val="2794061502"/>
       </p:ext>
     </p:extLst>
   </p:cSld>
@@ -13540,7 +16604,7 @@
     </p:spTree>
     <p:extLst>
       <p:ext uri="{BB962C8B-B14F-4D97-AF65-F5344CB8AC3E}">
-        <p14:creationId xmlns:p14="http://schemas.microsoft.com/office/powerpoint/2010/main" xmlns="" val="1679566440"/>
+        <p14:creationId xmlns="" xmlns:p14="http://schemas.microsoft.com/office/powerpoint/2010/main" val="1679566440"/>
       </p:ext>
     </p:extLst>
   </p:cSld>
@@ -13744,7 +16808,7 @@
     </p:spTree>
     <p:extLst>
       <p:ext uri="{BB962C8B-B14F-4D97-AF65-F5344CB8AC3E}">
-        <p14:creationId xmlns:p14="http://schemas.microsoft.com/office/powerpoint/2010/main" xmlns="" val="1942338915"/>
+        <p14:creationId xmlns="" xmlns:p14="http://schemas.microsoft.com/office/powerpoint/2010/main" val="1942338915"/>
       </p:ext>
     </p:extLst>
   </p:cSld>
@@ -14233,7 +17297,7 @@
     </p:spTree>
     <p:extLst>
       <p:ext uri="{BB962C8B-B14F-4D97-AF65-F5344CB8AC3E}">
-        <p14:creationId xmlns:p14="http://schemas.microsoft.com/office/powerpoint/2010/main" xmlns="" val="499975193"/>
+        <p14:creationId xmlns="" xmlns:p14="http://schemas.microsoft.com/office/powerpoint/2010/main" val="499975193"/>
       </p:ext>
     </p:extLst>
   </p:cSld>
@@ -14955,7 +18019,7 @@
     </p:spTree>
     <p:extLst>
       <p:ext uri="{BB962C8B-B14F-4D97-AF65-F5344CB8AC3E}">
-        <p14:creationId xmlns:p14="http://schemas.microsoft.com/office/powerpoint/2010/main" xmlns="" val="3268272223"/>
+        <p14:creationId xmlns="" xmlns:p14="http://schemas.microsoft.com/office/powerpoint/2010/main" val="3268272223"/>
       </p:ext>
     </p:extLst>
   </p:cSld>
@@ -16973,7 +20037,7 @@
   <a:extraClrSchemeLst/>
   <a:extLst>
     <a:ext uri="{05A4C25C-085E-4340-85A3-A5531E510DB2}">
-      <thm15:themeFamily xmlns:thm15="http://schemas.microsoft.com/office/thememl/2012/main" xmlns="" name="Office Theme" id="{62F939B6-93AF-4DB8-9C6B-D6C7DFDC589F}" vid="{4A3C46E8-61CC-4603-A589-7422A47A8E4A}"/>
+      <thm15:themeFamily xmlns="" xmlns:thm15="http://schemas.microsoft.com/office/thememl/2012/main" name="Office Theme" id="{62F939B6-93AF-4DB8-9C6B-D6C7DFDC589F}" vid="{4A3C46E8-61CC-4603-A589-7422A47A8E4A}"/>
     </a:ext>
   </a:extLst>
 </a:theme>
@@ -17234,7 +20298,7 @@
   <a:extraClrSchemeLst/>
   <a:extLst>
     <a:ext uri="{05A4C25C-085E-4340-85A3-A5531E510DB2}">
-      <thm15:themeFamily xmlns:thm15="http://schemas.microsoft.com/office/thememl/2012/main" xmlns="" name="Office Theme" id="{62F939B6-93AF-4DB8-9C6B-D6C7DFDC589F}" vid="{4A3C46E8-61CC-4603-A589-7422A47A8E4A}"/>
+      <thm15:themeFamily xmlns="" xmlns:thm15="http://schemas.microsoft.com/office/thememl/2012/main" name="Office Theme" id="{62F939B6-93AF-4DB8-9C6B-D6C7DFDC589F}" vid="{4A3C46E8-61CC-4603-A589-7422A47A8E4A}"/>
     </a:ext>
   </a:extLst>
 </a:theme>
@@ -17495,7 +20559,7 @@
   <a:extraClrSchemeLst/>
   <a:extLst>
     <a:ext uri="{05A4C25C-085E-4340-85A3-A5531E510DB2}">
-      <thm15:themeFamily xmlns:thm15="http://schemas.microsoft.com/office/thememl/2012/main" xmlns="" name="Office Theme" id="{62F939B6-93AF-4DB8-9C6B-D6C7DFDC589F}" vid="{4A3C46E8-61CC-4603-A589-7422A47A8E4A}"/>
+      <thm15:themeFamily xmlns="" xmlns:thm15="http://schemas.microsoft.com/office/thememl/2012/main" name="Office Theme" id="{62F939B6-93AF-4DB8-9C6B-D6C7DFDC589F}" vid="{4A3C46E8-61CC-4603-A589-7422A47A8E4A}"/>
     </a:ext>
   </a:extLst>
 </a:theme>

--- a/docs/part1ca/05_MacrosBranchesArrays/CA_Lecture_05.pptx
+++ b/docs/part1ca/05_MacrosBranchesArrays/CA_Lecture_05.pptx
@@ -5,10 +5,10 @@
     <p:sldMasterId id="2147483648" r:id="rId1"/>
   </p:sldMasterIdLst>
   <p:notesMasterIdLst>
-    <p:notesMasterId r:id="rId24"/>
+    <p:notesMasterId r:id="rId26"/>
   </p:notesMasterIdLst>
   <p:handoutMasterIdLst>
-    <p:handoutMasterId r:id="rId25"/>
+    <p:handoutMasterId r:id="rId27"/>
   </p:handoutMasterIdLst>
   <p:sldIdLst>
     <p:sldId id="256" r:id="rId2"/>
@@ -32,7 +32,9 @@
     <p:sldId id="342" r:id="rId20"/>
     <p:sldId id="343" r:id="rId21"/>
     <p:sldId id="344" r:id="rId22"/>
-    <p:sldId id="272" r:id="rId23"/>
+    <p:sldId id="346" r:id="rId23"/>
+    <p:sldId id="345" r:id="rId24"/>
+    <p:sldId id="272" r:id="rId25"/>
   </p:sldIdLst>
   <p:sldSz cx="12192000" cy="6858000"/>
   <p:notesSz cx="6858000" cy="9144000"/>
@@ -133,7 +135,7 @@
   </p:defaultTextStyle>
   <p:extLst>
     <p:ext uri="{EFAFB233-063F-42B5-8137-9DF3F51BA10A}">
-      <p15:sldGuideLst xmlns="" xmlns:p15="http://schemas.microsoft.com/office/powerpoint/2012/main">
+      <p15:sldGuideLst xmlns:p15="http://schemas.microsoft.com/office/powerpoint/2012/main" xmlns="">
         <p15:guide id="1" orient="horz" pos="2160">
           <p15:clr>
             <a:srgbClr val="A4A3A4"/>
@@ -147,7 +149,7 @@
       </p15:sldGuideLst>
     </p:ext>
     <p:ext uri="{2D200454-40CA-4A62-9FC3-DE9A4176ACB9}">
-      <p15:notesGuideLst xmlns="" xmlns:p15="http://schemas.microsoft.com/office/powerpoint/2012/main">
+      <p15:notesGuideLst xmlns:p15="http://schemas.microsoft.com/office/powerpoint/2012/main" xmlns="">
         <p15:guide id="1" orient="horz" pos="2880">
           <p15:clr>
             <a:srgbClr val="A4A3A4"/>
@@ -331,7 +333,7 @@
     </p:spTree>
     <p:extLst>
       <p:ext uri="{BB962C8B-B14F-4D97-AF65-F5344CB8AC3E}">
-        <p14:creationId xmlns="" xmlns:p14="http://schemas.microsoft.com/office/powerpoint/2010/main" val="827279973"/>
+        <p14:creationId xmlns:p14="http://schemas.microsoft.com/office/powerpoint/2010/main" xmlns="" val="827279973"/>
       </p:ext>
     </p:extLst>
   </p:cSld>
@@ -592,7 +594,7 @@
     </p:spTree>
     <p:extLst>
       <p:ext uri="{BB962C8B-B14F-4D97-AF65-F5344CB8AC3E}">
-        <p14:creationId xmlns="" xmlns:p14="http://schemas.microsoft.com/office/powerpoint/2010/main" val="3865021395"/>
+        <p14:creationId xmlns:p14="http://schemas.microsoft.com/office/powerpoint/2010/main" xmlns="" val="3865021395"/>
       </p:ext>
     </p:extLst>
   </p:cSld>
@@ -806,7 +808,7 @@
     </p:spTree>
     <p:extLst>
       <p:ext uri="{BB962C8B-B14F-4D97-AF65-F5344CB8AC3E}">
-        <p14:creationId xmlns="" xmlns:p14="http://schemas.microsoft.com/office/powerpoint/2010/main" val="2381791527"/>
+        <p14:creationId xmlns:p14="http://schemas.microsoft.com/office/powerpoint/2010/main" xmlns="" val="2381791527"/>
       </p:ext>
     </p:extLst>
   </p:cSld>
@@ -920,7 +922,7 @@
             <a:fld id="{5583B3A5-99BF-45D9-956B-DC57CC23AD97}" type="slidenum">
               <a:rPr lang="ru-RU" smtClean="0"/>
               <a:pPr/>
-              <a:t>22</a:t>
+              <a:t>24</a:t>
             </a:fld>
             <a:endParaRPr lang="ru-RU"/>
           </a:p>
@@ -929,7 +931,7 @@
     </p:spTree>
     <p:extLst>
       <p:ext uri="{BB962C8B-B14F-4D97-AF65-F5344CB8AC3E}">
-        <p14:creationId xmlns="" xmlns:p14="http://schemas.microsoft.com/office/powerpoint/2010/main" val="1915950851"/>
+        <p14:creationId xmlns:p14="http://schemas.microsoft.com/office/powerpoint/2010/main" xmlns="" val="1915950851"/>
       </p:ext>
     </p:extLst>
   </p:cSld>
@@ -1189,7 +1191,7 @@
     </p:spTree>
     <p:extLst>
       <p:ext uri="{BB962C8B-B14F-4D97-AF65-F5344CB8AC3E}">
-        <p14:creationId xmlns="" xmlns:p14="http://schemas.microsoft.com/office/powerpoint/2010/main" val="322455162"/>
+        <p14:creationId xmlns:p14="http://schemas.microsoft.com/office/powerpoint/2010/main" xmlns="" val="322455162"/>
       </p:ext>
     </p:extLst>
   </p:cSld>
@@ -1363,7 +1365,7 @@
     </p:spTree>
     <p:extLst>
       <p:ext uri="{BB962C8B-B14F-4D97-AF65-F5344CB8AC3E}">
-        <p14:creationId xmlns="" xmlns:p14="http://schemas.microsoft.com/office/powerpoint/2010/main" val="971117636"/>
+        <p14:creationId xmlns:p14="http://schemas.microsoft.com/office/powerpoint/2010/main" xmlns="" val="971117636"/>
       </p:ext>
     </p:extLst>
   </p:cSld>
@@ -1540,7 +1542,7 @@
     </p:spTree>
     <p:extLst>
       <p:ext uri="{BB962C8B-B14F-4D97-AF65-F5344CB8AC3E}">
-        <p14:creationId xmlns="" xmlns:p14="http://schemas.microsoft.com/office/powerpoint/2010/main" val="3348877825"/>
+        <p14:creationId xmlns:p14="http://schemas.microsoft.com/office/powerpoint/2010/main" xmlns="" val="3348877825"/>
       </p:ext>
     </p:extLst>
   </p:cSld>
@@ -1865,7 +1867,7 @@
     </p:spTree>
     <p:extLst>
       <p:ext uri="{BB962C8B-B14F-4D97-AF65-F5344CB8AC3E}">
-        <p14:creationId xmlns="" xmlns:p14="http://schemas.microsoft.com/office/powerpoint/2010/main" val="3256953994"/>
+        <p14:creationId xmlns:p14="http://schemas.microsoft.com/office/powerpoint/2010/main" xmlns="" val="3256953994"/>
       </p:ext>
     </p:extLst>
   </p:cSld>
@@ -2115,7 +2117,7 @@
     </p:spTree>
     <p:extLst>
       <p:ext uri="{BB962C8B-B14F-4D97-AF65-F5344CB8AC3E}">
-        <p14:creationId xmlns="" xmlns:p14="http://schemas.microsoft.com/office/powerpoint/2010/main" val="3067076846"/>
+        <p14:creationId xmlns:p14="http://schemas.microsoft.com/office/powerpoint/2010/main" xmlns="" val="3067076846"/>
       </p:ext>
     </p:extLst>
   </p:cSld>
@@ -2351,7 +2353,7 @@
     </p:spTree>
     <p:extLst>
       <p:ext uri="{BB962C8B-B14F-4D97-AF65-F5344CB8AC3E}">
-        <p14:creationId xmlns="" xmlns:p14="http://schemas.microsoft.com/office/powerpoint/2010/main" val="3710015975"/>
+        <p14:creationId xmlns:p14="http://schemas.microsoft.com/office/powerpoint/2010/main" xmlns="" val="3710015975"/>
       </p:ext>
     </p:extLst>
   </p:cSld>
@@ -2722,7 +2724,7 @@
     </p:spTree>
     <p:extLst>
       <p:ext uri="{BB962C8B-B14F-4D97-AF65-F5344CB8AC3E}">
-        <p14:creationId xmlns="" xmlns:p14="http://schemas.microsoft.com/office/powerpoint/2010/main" val="4075590966"/>
+        <p14:creationId xmlns:p14="http://schemas.microsoft.com/office/powerpoint/2010/main" xmlns="" val="4075590966"/>
       </p:ext>
     </p:extLst>
   </p:cSld>
@@ -2844,7 +2846,7 @@
     </p:spTree>
     <p:extLst>
       <p:ext uri="{BB962C8B-B14F-4D97-AF65-F5344CB8AC3E}">
-        <p14:creationId xmlns="" xmlns:p14="http://schemas.microsoft.com/office/powerpoint/2010/main" val="2889604898"/>
+        <p14:creationId xmlns:p14="http://schemas.microsoft.com/office/powerpoint/2010/main" xmlns="" val="2889604898"/>
       </p:ext>
     </p:extLst>
   </p:cSld>
@@ -2943,7 +2945,7 @@
     </p:spTree>
     <p:extLst>
       <p:ext uri="{BB962C8B-B14F-4D97-AF65-F5344CB8AC3E}">
-        <p14:creationId xmlns="" xmlns:p14="http://schemas.microsoft.com/office/powerpoint/2010/main" val="152384765"/>
+        <p14:creationId xmlns:p14="http://schemas.microsoft.com/office/powerpoint/2010/main" xmlns="" val="152384765"/>
       </p:ext>
     </p:extLst>
   </p:cSld>
@@ -3224,7 +3226,7 @@
     </p:spTree>
     <p:extLst>
       <p:ext uri="{BB962C8B-B14F-4D97-AF65-F5344CB8AC3E}">
-        <p14:creationId xmlns="" xmlns:p14="http://schemas.microsoft.com/office/powerpoint/2010/main" val="2127791886"/>
+        <p14:creationId xmlns:p14="http://schemas.microsoft.com/office/powerpoint/2010/main" xmlns="" val="2127791886"/>
       </p:ext>
     </p:extLst>
   </p:cSld>
@@ -3481,7 +3483,7 @@
     </p:spTree>
     <p:extLst>
       <p:ext uri="{BB962C8B-B14F-4D97-AF65-F5344CB8AC3E}">
-        <p14:creationId xmlns="" xmlns:p14="http://schemas.microsoft.com/office/powerpoint/2010/main" val="1752705130"/>
+        <p14:creationId xmlns:p14="http://schemas.microsoft.com/office/powerpoint/2010/main" xmlns="" val="1752705130"/>
       </p:ext>
     </p:extLst>
   </p:cSld>
@@ -3734,7 +3736,7 @@
     </p:spTree>
     <p:extLst>
       <p:ext uri="{BB962C8B-B14F-4D97-AF65-F5344CB8AC3E}">
-        <p14:creationId xmlns="" xmlns:p14="http://schemas.microsoft.com/office/powerpoint/2010/main" val="968833914"/>
+        <p14:creationId xmlns:p14="http://schemas.microsoft.com/office/powerpoint/2010/main" xmlns="" val="968833914"/>
       </p:ext>
     </p:extLst>
   </p:cSld>
@@ -4211,7 +4213,7 @@
     </p:spTree>
     <p:extLst>
       <p:ext uri="{BB962C8B-B14F-4D97-AF65-F5344CB8AC3E}">
-        <p14:creationId xmlns="" xmlns:p14="http://schemas.microsoft.com/office/powerpoint/2010/main" val="2492894732"/>
+        <p14:creationId xmlns:p14="http://schemas.microsoft.com/office/powerpoint/2010/main" xmlns="" val="2492894732"/>
       </p:ext>
     </p:extLst>
   </p:cSld>
@@ -11264,29 +11266,8 @@
                   <a:srgbClr val="00B050"/>
                 </a:solidFill>
               </a:rPr>
-              <a:t># t1 &lt;- sign-extended </a:t>
-            </a:r>
-            <a:r>
-              <a:rPr lang="en-US" sz="2800" dirty="0" smtClean="0">
-                <a:solidFill>
-                  <a:srgbClr val="00B050"/>
-                </a:solidFill>
-              </a:rPr>
-              <a:t>8-bit value from </a:t>
-            </a:r>
-            <a:r>
-              <a:rPr lang="en-US" sz="2800" dirty="0" smtClean="0">
-                <a:solidFill>
-                  <a:srgbClr val="00B050"/>
-                </a:solidFill>
-              </a:rPr>
-              <a:t>address t2 + offset</a:t>
-            </a:r>
-            <a:endParaRPr lang="en-US" sz="2800" dirty="0" smtClean="0">
-              <a:solidFill>
-                <a:srgbClr val="00B050"/>
-              </a:solidFill>
-            </a:endParaRPr>
+              <a:t># t1 &lt;- sign-extended 8-bit value from address t2 + offset</a:t>
+            </a:r>
           </a:p>
           <a:p>
             <a:pPr>
@@ -11341,15 +11322,7 @@
                   <a:srgbClr val="00B050"/>
                 </a:solidFill>
               </a:rPr>
-              <a:t># t1 &lt;- zero-extended </a:t>
-            </a:r>
-            <a:r>
-              <a:rPr lang="en-US" sz="2800" dirty="0" smtClean="0">
-                <a:solidFill>
-                  <a:srgbClr val="00B050"/>
-                </a:solidFill>
-              </a:rPr>
-              <a:t>8-bit value from address t2 + offset</a:t>
+              <a:t># t1 &lt;- zero-extended 8-bit value from address t2 + offset</a:t>
             </a:r>
           </a:p>
           <a:p>
@@ -11365,11 +11338,7 @@
             </a:r>
             <a:r>
               <a:rPr lang="en-US" sz="2800" dirty="0" smtClean="0"/>
-              <a:t> </a:t>
-            </a:r>
-            <a:r>
-              <a:rPr lang="en-US" sz="2800" dirty="0" smtClean="0"/>
-              <a:t>  </a:t>
+              <a:t>   </a:t>
             </a:r>
             <a:r>
               <a:rPr lang="en-US" sz="2800" dirty="0" smtClean="0">
@@ -11409,15 +11378,7 @@
                   <a:srgbClr val="00B050"/>
                 </a:solidFill>
               </a:rPr>
-              <a:t># t1 &lt;- sign-extended </a:t>
-            </a:r>
-            <a:r>
-              <a:rPr lang="en-US" sz="2800" dirty="0" smtClean="0">
-                <a:solidFill>
-                  <a:srgbClr val="00B050"/>
-                </a:solidFill>
-              </a:rPr>
-              <a:t>16-bit value from address t2 + offset</a:t>
+              <a:t># t1 &lt;- sign-extended 16-bit value from address t2 + offset</a:t>
             </a:r>
           </a:p>
           <a:p>
@@ -11473,15 +11434,7 @@
                   <a:srgbClr val="00B050"/>
                 </a:solidFill>
               </a:rPr>
-              <a:t># t1 &lt;- </a:t>
-            </a:r>
-            <a:r>
-              <a:rPr lang="en-US" sz="2800" dirty="0" smtClean="0">
-                <a:solidFill>
-                  <a:srgbClr val="00B050"/>
-                </a:solidFill>
-              </a:rPr>
-              <a:t>zero-extended 16-bit value from address t2 + offset</a:t>
+              <a:t># t1 &lt;- zero-extended 16-bit value from address t2 + offset</a:t>
             </a:r>
           </a:p>
           <a:p>
@@ -11497,11 +11450,7 @@
             </a:r>
             <a:r>
               <a:rPr lang="en-US" sz="2800" dirty="0" smtClean="0"/>
-              <a:t> </a:t>
-            </a:r>
-            <a:r>
-              <a:rPr lang="en-US" sz="2800" dirty="0" smtClean="0"/>
-              <a:t>  </a:t>
+              <a:t>   </a:t>
             </a:r>
             <a:r>
               <a:rPr lang="en-US" sz="2800" dirty="0" smtClean="0">
@@ -11541,23 +11490,7 @@
                   <a:srgbClr val="00B050"/>
                 </a:solidFill>
               </a:rPr>
-              <a:t># t1 &lt;- </a:t>
-            </a:r>
-            <a:r>
-              <a:rPr lang="en-US" sz="2800" dirty="0" smtClean="0">
-                <a:solidFill>
-                  <a:srgbClr val="00B050"/>
-                </a:solidFill>
-              </a:rPr>
-              <a:t>contents of address t2 + </a:t>
-            </a:r>
-            <a:r>
-              <a:rPr lang="en-US" sz="2800" dirty="0" smtClean="0">
-                <a:solidFill>
-                  <a:srgbClr val="00B050"/>
-                </a:solidFill>
-              </a:rPr>
-              <a:t>offset</a:t>
+              <a:t># t1 &lt;- contents of address t2 + offset</a:t>
             </a:r>
           </a:p>
           <a:p>
@@ -11572,11 +11505,6 @@
               </a:rPr>
               <a:t>Store Instructions</a:t>
             </a:r>
-            <a:endParaRPr lang="en-US" b="1" dirty="0" smtClean="0">
-              <a:solidFill>
-                <a:srgbClr val="1E3272"/>
-              </a:solidFill>
-            </a:endParaRPr>
           </a:p>
           <a:p>
             <a:pPr>
@@ -11639,55 +11567,7 @@
                   <a:srgbClr val="00B050"/>
                 </a:solidFill>
               </a:rPr>
-              <a:t>) # </a:t>
-            </a:r>
-            <a:r>
-              <a:rPr lang="en-US" sz="2800" dirty="0" smtClean="0">
-                <a:solidFill>
-                  <a:srgbClr val="00B050"/>
-                </a:solidFill>
-              </a:rPr>
-              <a:t>Store low-order </a:t>
-            </a:r>
-            <a:r>
-              <a:rPr lang="en-US" sz="2800" dirty="0" smtClean="0">
-                <a:solidFill>
-                  <a:srgbClr val="00B050"/>
-                </a:solidFill>
-              </a:rPr>
-              <a:t>8 bits </a:t>
-            </a:r>
-            <a:r>
-              <a:rPr lang="en-US" sz="2800" dirty="0" smtClean="0">
-                <a:solidFill>
-                  <a:srgbClr val="00B050"/>
-                </a:solidFill>
-              </a:rPr>
-              <a:t>(byte) of </a:t>
-            </a:r>
-            <a:r>
-              <a:rPr lang="en-US" sz="2800" dirty="0" smtClean="0">
-                <a:solidFill>
-                  <a:srgbClr val="00B050"/>
-                </a:solidFill>
-              </a:rPr>
-              <a:t>t1 </a:t>
-            </a:r>
-            <a:r>
-              <a:rPr lang="en-US" sz="2800" dirty="0" smtClean="0">
-                <a:solidFill>
-                  <a:srgbClr val="00B050"/>
-                </a:solidFill>
-              </a:rPr>
-              <a:t>to </a:t>
-            </a:r>
-            <a:r>
-              <a:rPr lang="en-US" sz="2800" dirty="0" smtClean="0">
-                <a:solidFill>
-                  <a:srgbClr val="00B050"/>
-                </a:solidFill>
-              </a:rPr>
-              <a:t>address t2 + offset</a:t>
+              <a:t>) # Store low-order 8 bits (byte) of t1 to address t2 + offset</a:t>
             </a:r>
           </a:p>
           <a:p>
@@ -11767,55 +11647,7 @@
                   <a:srgbClr val="00B050"/>
                 </a:solidFill>
               </a:rPr>
-              <a:t># </a:t>
-            </a:r>
-            <a:r>
-              <a:rPr lang="en-US" sz="2800" dirty="0" smtClean="0">
-                <a:solidFill>
-                  <a:srgbClr val="00B050"/>
-                </a:solidFill>
-              </a:rPr>
-              <a:t>Store low-order </a:t>
-            </a:r>
-            <a:r>
-              <a:rPr lang="en-US" sz="2800" dirty="0" smtClean="0">
-                <a:solidFill>
-                  <a:srgbClr val="00B050"/>
-                </a:solidFill>
-              </a:rPr>
-              <a:t>16 bits </a:t>
-            </a:r>
-            <a:r>
-              <a:rPr lang="en-US" sz="2800" dirty="0" smtClean="0">
-                <a:solidFill>
-                  <a:srgbClr val="00B050"/>
-                </a:solidFill>
-              </a:rPr>
-              <a:t>(half) of </a:t>
-            </a:r>
-            <a:r>
-              <a:rPr lang="en-US" sz="2800" dirty="0" smtClean="0">
-                <a:solidFill>
-                  <a:srgbClr val="00B050"/>
-                </a:solidFill>
-              </a:rPr>
-              <a:t>t1 </a:t>
-            </a:r>
-            <a:r>
-              <a:rPr lang="en-US" sz="2800" dirty="0" smtClean="0">
-                <a:solidFill>
-                  <a:srgbClr val="00B050"/>
-                </a:solidFill>
-              </a:rPr>
-              <a:t>to </a:t>
-            </a:r>
-            <a:r>
-              <a:rPr lang="en-US" sz="2800" dirty="0" smtClean="0">
-                <a:solidFill>
-                  <a:srgbClr val="00B050"/>
-                </a:solidFill>
-              </a:rPr>
-              <a:t>address t2 + offset</a:t>
+              <a:t># Store low-order 16 bits (half) of t1 to address t2 + offset</a:t>
             </a:r>
           </a:p>
           <a:p>
@@ -11895,47 +11727,7 @@
                   <a:srgbClr val="00B050"/>
                 </a:solidFill>
               </a:rPr>
-              <a:t># </a:t>
-            </a:r>
-            <a:r>
-              <a:rPr lang="en-US" sz="2800" dirty="0" smtClean="0">
-                <a:solidFill>
-                  <a:srgbClr val="00B050"/>
-                </a:solidFill>
-              </a:rPr>
-              <a:t>Store </a:t>
-            </a:r>
-            <a:r>
-              <a:rPr lang="en-US" sz="2800" dirty="0" smtClean="0">
-                <a:solidFill>
-                  <a:srgbClr val="00B050"/>
-                </a:solidFill>
-              </a:rPr>
-              <a:t>contents of t1 </a:t>
-            </a:r>
-            <a:r>
-              <a:rPr lang="en-US" sz="2800" dirty="0" smtClean="0">
-                <a:solidFill>
-                  <a:srgbClr val="00B050"/>
-                </a:solidFill>
-              </a:rPr>
-              <a:t>to </a:t>
-            </a:r>
-            <a:r>
-              <a:rPr lang="en-US" sz="2800" dirty="0" smtClean="0">
-                <a:solidFill>
-                  <a:srgbClr val="00B050"/>
-                </a:solidFill>
-              </a:rPr>
-              <a:t>address t2 + </a:t>
-            </a:r>
-            <a:r>
-              <a:rPr lang="en-US" sz="2800" dirty="0" smtClean="0">
-                <a:solidFill>
-                  <a:srgbClr val="00B050"/>
-                </a:solidFill>
-              </a:rPr>
-              <a:t>offset</a:t>
+              <a:t># Store contents of t1 to address t2 + offset</a:t>
             </a:r>
           </a:p>
           <a:p>
@@ -13257,19 +13049,73 @@
                   <a:srgbClr val="1E3272"/>
                 </a:solidFill>
               </a:rPr>
-              <a:t>   </a:t>
+              <a:t>        .</a:t>
             </a:r>
             <a:r>
               <a:rPr lang="fr-FR" sz="2200" dirty="0" smtClean="0">
                 <a:solidFill>
-                  <a:srgbClr val="1E3272"/>
-                </a:solidFill>
-              </a:rPr>
-              <a:t>     .</a:t>
+                  <a:srgbClr val="FF0000"/>
+                </a:solidFill>
+              </a:rPr>
+              <a:t>word</a:t>
             </a:r>
             <a:r>
               <a:rPr lang="fr-FR" sz="2200" dirty="0" smtClean="0">
                 <a:solidFill>
+                  <a:srgbClr val="1E3272"/>
+                </a:solidFill>
+              </a:rPr>
+              <a:t> </a:t>
+            </a:r>
+            <a:r>
+              <a:rPr lang="fr-FR" sz="2200" dirty="0" smtClean="0">
+                <a:solidFill>
+                  <a:srgbClr val="2F5CB5"/>
+                </a:solidFill>
+              </a:rPr>
+              <a:t>0</a:t>
+            </a:r>
+          </a:p>
+          <a:p>
+            <a:pPr>
+              <a:lnSpc>
+                <a:spcPct val="70000"/>
+              </a:lnSpc>
+            </a:pPr>
+            <a:r>
+              <a:rPr lang="fr-FR" sz="2200" b="1" i="1" dirty="0" smtClean="0">
+                <a:solidFill>
+                  <a:srgbClr val="1E3272"/>
+                </a:solidFill>
+              </a:rPr>
+              <a:t>y</a:t>
+            </a:r>
+            <a:r>
+              <a:rPr lang="fr-FR" sz="2200" dirty="0" smtClean="0">
+                <a:solidFill>
+                  <a:srgbClr val="1E3272"/>
+                </a:solidFill>
+              </a:rPr>
+              <a:t>:</a:t>
+            </a:r>
+          </a:p>
+          <a:p>
+            <a:pPr>
+              <a:lnSpc>
+                <a:spcPct val="70000"/>
+              </a:lnSpc>
+            </a:pPr>
+            <a:r>
+              <a:rPr lang="fr-FR" sz="2200" dirty="0" smtClean="0">
+                <a:solidFill>
+                  <a:srgbClr val="1E3272"/>
+                </a:solidFill>
+              </a:rPr>
+              <a:t>        .</a:t>
+            </a:r>
+            <a:r>
+              <a:rPr lang="fr-FR" sz="2200" dirty="0" smtClean="0">
+                <a:solidFill>
                   <a:srgbClr val="FF0000"/>
                 </a:solidFill>
               </a:rPr>
@@ -13304,7 +13150,7 @@
                   <a:srgbClr val="1E3272"/>
                 </a:solidFill>
               </a:rPr>
-              <a:t>y</a:t>
+              <a:t>z</a:t>
             </a:r>
             <a:r>
               <a:rPr lang="fr-FR" sz="2200" dirty="0" smtClean="0">
@@ -13327,23 +13173,69 @@
                   <a:srgbClr val="1E3272"/>
                 </a:solidFill>
               </a:rPr>
-              <a:t>   </a:t>
+              <a:t>        .</a:t>
             </a:r>
             <a:r>
               <a:rPr lang="fr-FR" sz="2200" dirty="0" smtClean="0">
                 <a:solidFill>
-                  <a:srgbClr val="1E3272"/>
-                </a:solidFill>
-              </a:rPr>
-              <a:t>     .</a:t>
+                  <a:srgbClr val="FF0000"/>
+                </a:solidFill>
+              </a:rPr>
+              <a:t>word</a:t>
             </a:r>
             <a:r>
               <a:rPr lang="fr-FR" sz="2200" dirty="0" smtClean="0">
                 <a:solidFill>
+                  <a:srgbClr val="1E3272"/>
+                </a:solidFill>
+              </a:rPr>
+              <a:t> </a:t>
+            </a:r>
+            <a:r>
+              <a:rPr lang="fr-FR" sz="2200" dirty="0" smtClean="0">
+                <a:solidFill>
+                  <a:srgbClr val="2F5CB5"/>
+                </a:solidFill>
+              </a:rPr>
+              <a:t>0</a:t>
+            </a:r>
+          </a:p>
+          <a:p>
+            <a:pPr>
+              <a:lnSpc>
+                <a:spcPct val="70000"/>
+              </a:lnSpc>
+            </a:pPr>
+            <a:r>
+              <a:rPr lang="fr-FR" sz="2200" dirty="0" smtClean="0">
+                <a:solidFill>
+                  <a:srgbClr val="1E3272"/>
+                </a:solidFill>
+              </a:rPr>
+              <a:t>        .</a:t>
+            </a:r>
+            <a:r>
+              <a:rPr lang="fr-FR" sz="2200" dirty="0" smtClean="0">
+                <a:solidFill>
                   <a:srgbClr val="FF0000"/>
                 </a:solidFill>
               </a:rPr>
-              <a:t>word</a:t>
+              <a:t>text</a:t>
+            </a:r>
+          </a:p>
+          <a:p>
+            <a:pPr>
+              <a:lnSpc>
+                <a:spcPct val="70000"/>
+              </a:lnSpc>
+            </a:pPr>
+            <a:r>
+              <a:rPr lang="fr-FR" sz="2200" b="1" i="1" dirty="0" smtClean="0">
+                <a:solidFill>
+                  <a:srgbClr val="1E3272"/>
+                </a:solidFill>
+              </a:rPr>
+              <a:t>main</a:t>
             </a:r>
             <a:r>
               <a:rPr lang="fr-FR" sz="2200" dirty="0" smtClean="0">
@@ -13351,15 +13243,38 @@
                   <a:srgbClr val="1E3272"/>
                 </a:solidFill>
               </a:rPr>
-              <a:t> </a:t>
-            </a:r>
+              <a:t>:</a:t>
+            </a:r>
+          </a:p>
+          <a:p>
+            <a:pPr>
+              <a:lnSpc>
+                <a:spcPct val="70000"/>
+              </a:lnSpc>
+            </a:pPr>
             <a:r>
               <a:rPr lang="fr-FR" sz="2200" dirty="0" smtClean="0">
                 <a:solidFill>
-                  <a:srgbClr val="2F5CB5"/>
-                </a:solidFill>
-              </a:rPr>
-              <a:t>0</a:t>
+                  <a:srgbClr val="1E3272"/>
+                </a:solidFill>
+              </a:rPr>
+              <a:t>        read_int(</a:t>
+            </a:r>
+            <a:r>
+              <a:rPr lang="fr-FR" sz="2200" dirty="0" smtClean="0">
+                <a:solidFill>
+                  <a:srgbClr val="FF0000"/>
+                </a:solidFill>
+              </a:rPr>
+              <a:t>t0</a:t>
+            </a:r>
+            <a:r>
+              <a:rPr lang="fr-FR" sz="2200" dirty="0" smtClean="0">
+                <a:solidFill>
+                  <a:srgbClr val="1E3272"/>
+                </a:solidFill>
+              </a:rPr>
+              <a:t>)</a:t>
             </a:r>
           </a:p>
           <a:p>
@@ -13369,20 +13284,36 @@
               </a:lnSpc>
             </a:pPr>
             <a:r>
-              <a:rPr lang="fr-FR" sz="2200" b="1" i="1" dirty="0" smtClean="0">
-                <a:solidFill>
-                  <a:srgbClr val="1E3272"/>
-                </a:solidFill>
-              </a:rPr>
-              <a:t>z</a:t>
-            </a:r>
-            <a:r>
               <a:rPr lang="fr-FR" sz="2200" dirty="0" smtClean="0">
                 <a:solidFill>
                   <a:srgbClr val="1E3272"/>
                 </a:solidFill>
               </a:rPr>
-              <a:t>:</a:t>
+              <a:t>        la     </a:t>
+            </a:r>
+            <a:r>
+              <a:rPr lang="fr-FR" sz="2200" dirty="0" smtClean="0">
+                <a:solidFill>
+                  <a:srgbClr val="FF0000"/>
+                </a:solidFill>
+              </a:rPr>
+              <a:t>t2</a:t>
+            </a:r>
+            <a:r>
+              <a:rPr lang="fr-FR" sz="2200" dirty="0" smtClean="0">
+                <a:solidFill>
+                  <a:srgbClr val="1E3272"/>
+                </a:solidFill>
+              </a:rPr>
+              <a:t>, </a:t>
+            </a:r>
+            <a:r>
+              <a:rPr lang="fr-FR" sz="2200" i="1" dirty="0" smtClean="0">
+                <a:solidFill>
+                  <a:srgbClr val="1E3272"/>
+                </a:solidFill>
+              </a:rPr>
+              <a:t>x</a:t>
             </a:r>
           </a:p>
           <a:p>
@@ -13397,210 +13328,7 @@
                   <a:srgbClr val="1E3272"/>
                 </a:solidFill>
               </a:rPr>
-              <a:t>   </a:t>
-            </a:r>
-            <a:r>
-              <a:rPr lang="fr-FR" sz="2200" dirty="0" smtClean="0">
-                <a:solidFill>
-                  <a:srgbClr val="1E3272"/>
-                </a:solidFill>
-              </a:rPr>
-              <a:t>     .</a:t>
-            </a:r>
-            <a:r>
-              <a:rPr lang="fr-FR" sz="2200" dirty="0" smtClean="0">
-                <a:solidFill>
-                  <a:srgbClr val="FF0000"/>
-                </a:solidFill>
-              </a:rPr>
-              <a:t>word</a:t>
-            </a:r>
-            <a:r>
-              <a:rPr lang="fr-FR" sz="2200" dirty="0" smtClean="0">
-                <a:solidFill>
-                  <a:srgbClr val="1E3272"/>
-                </a:solidFill>
-              </a:rPr>
-              <a:t> </a:t>
-            </a:r>
-            <a:r>
-              <a:rPr lang="fr-FR" sz="2200" dirty="0" smtClean="0">
-                <a:solidFill>
-                  <a:srgbClr val="2F5CB5"/>
-                </a:solidFill>
-              </a:rPr>
-              <a:t>0</a:t>
-            </a:r>
-          </a:p>
-          <a:p>
-            <a:pPr>
-              <a:lnSpc>
-                <a:spcPct val="70000"/>
-              </a:lnSpc>
-            </a:pPr>
-            <a:r>
-              <a:rPr lang="fr-FR" sz="2200" dirty="0" smtClean="0">
-                <a:solidFill>
-                  <a:srgbClr val="1E3272"/>
-                </a:solidFill>
-              </a:rPr>
-              <a:t>   </a:t>
-            </a:r>
-            <a:r>
-              <a:rPr lang="fr-FR" sz="2200" dirty="0" smtClean="0">
-                <a:solidFill>
-                  <a:srgbClr val="1E3272"/>
-                </a:solidFill>
-              </a:rPr>
-              <a:t>     .</a:t>
-            </a:r>
-            <a:r>
-              <a:rPr lang="fr-FR" sz="2200" dirty="0" smtClean="0">
-                <a:solidFill>
-                  <a:srgbClr val="FF0000"/>
-                </a:solidFill>
-              </a:rPr>
-              <a:t>text</a:t>
-            </a:r>
-          </a:p>
-          <a:p>
-            <a:pPr>
-              <a:lnSpc>
-                <a:spcPct val="70000"/>
-              </a:lnSpc>
-            </a:pPr>
-            <a:r>
-              <a:rPr lang="fr-FR" sz="2200" b="1" i="1" dirty="0" smtClean="0">
-                <a:solidFill>
-                  <a:srgbClr val="1E3272"/>
-                </a:solidFill>
-              </a:rPr>
-              <a:t>main</a:t>
-            </a:r>
-            <a:r>
-              <a:rPr lang="fr-FR" sz="2200" dirty="0" smtClean="0">
-                <a:solidFill>
-                  <a:srgbClr val="1E3272"/>
-                </a:solidFill>
-              </a:rPr>
-              <a:t>:</a:t>
-            </a:r>
-          </a:p>
-          <a:p>
-            <a:pPr>
-              <a:lnSpc>
-                <a:spcPct val="70000"/>
-              </a:lnSpc>
-            </a:pPr>
-            <a:r>
-              <a:rPr lang="fr-FR" sz="2200" dirty="0" smtClean="0">
-                <a:solidFill>
-                  <a:srgbClr val="1E3272"/>
-                </a:solidFill>
-              </a:rPr>
-              <a:t>   </a:t>
-            </a:r>
-            <a:r>
-              <a:rPr lang="fr-FR" sz="2200" dirty="0" smtClean="0">
-                <a:solidFill>
-                  <a:srgbClr val="1E3272"/>
-                </a:solidFill>
-              </a:rPr>
-              <a:t>     </a:t>
-            </a:r>
-            <a:r>
-              <a:rPr lang="fr-FR" sz="2200" dirty="0" smtClean="0">
-                <a:solidFill>
-                  <a:srgbClr val="1E3272"/>
-                </a:solidFill>
-              </a:rPr>
-              <a:t>read_int(</a:t>
-            </a:r>
-            <a:r>
-              <a:rPr lang="fr-FR" sz="2200" dirty="0" smtClean="0">
-                <a:solidFill>
-                  <a:srgbClr val="FF0000"/>
-                </a:solidFill>
-              </a:rPr>
-              <a:t>t0</a:t>
-            </a:r>
-            <a:r>
-              <a:rPr lang="fr-FR" sz="2200" dirty="0" smtClean="0">
-                <a:solidFill>
-                  <a:srgbClr val="1E3272"/>
-                </a:solidFill>
-              </a:rPr>
-              <a:t>)</a:t>
-            </a:r>
-          </a:p>
-          <a:p>
-            <a:pPr>
-              <a:lnSpc>
-                <a:spcPct val="70000"/>
-              </a:lnSpc>
-            </a:pPr>
-            <a:r>
-              <a:rPr lang="fr-FR" sz="2200" dirty="0" smtClean="0">
-                <a:solidFill>
-                  <a:srgbClr val="1E3272"/>
-                </a:solidFill>
-              </a:rPr>
-              <a:t>    </a:t>
-            </a:r>
-            <a:r>
-              <a:rPr lang="fr-FR" sz="2200" dirty="0" smtClean="0">
-                <a:solidFill>
-                  <a:srgbClr val="1E3272"/>
-                </a:solidFill>
-              </a:rPr>
-              <a:t>    la     </a:t>
-            </a:r>
-            <a:r>
-              <a:rPr lang="fr-FR" sz="2200" dirty="0" smtClean="0">
-                <a:solidFill>
-                  <a:srgbClr val="FF0000"/>
-                </a:solidFill>
-              </a:rPr>
-              <a:t>t2</a:t>
-            </a:r>
-            <a:r>
-              <a:rPr lang="fr-FR" sz="2200" dirty="0" smtClean="0">
-                <a:solidFill>
-                  <a:srgbClr val="1E3272"/>
-                </a:solidFill>
-              </a:rPr>
-              <a:t>, </a:t>
-            </a:r>
-            <a:r>
-              <a:rPr lang="fr-FR" sz="2200" i="1" dirty="0" smtClean="0">
-                <a:solidFill>
-                  <a:srgbClr val="1E3272"/>
-                </a:solidFill>
-              </a:rPr>
-              <a:t>x</a:t>
-            </a:r>
-          </a:p>
-          <a:p>
-            <a:pPr>
-              <a:lnSpc>
-                <a:spcPct val="70000"/>
-              </a:lnSpc>
-            </a:pPr>
-            <a:r>
-              <a:rPr lang="fr-FR" sz="2200" dirty="0" smtClean="0">
-                <a:solidFill>
-                  <a:srgbClr val="1E3272"/>
-                </a:solidFill>
-              </a:rPr>
-              <a:t>    </a:t>
-            </a:r>
-            <a:r>
-              <a:rPr lang="fr-FR" sz="2200" dirty="0" smtClean="0">
-                <a:solidFill>
-                  <a:srgbClr val="1E3272"/>
-                </a:solidFill>
-              </a:rPr>
-              <a:t>    sw   </a:t>
+              <a:t>        sw   </a:t>
             </a:r>
             <a:r>
               <a:rPr lang="fr-FR" sz="2200" dirty="0" smtClean="0">
@@ -13659,23 +13387,46 @@
                   <a:srgbClr val="1E3272"/>
                 </a:solidFill>
               </a:rPr>
-              <a:t>    </a:t>
+              <a:t>        read_int(</a:t>
             </a:r>
             <a:r>
               <a:rPr lang="fr-FR" sz="2200" dirty="0" smtClean="0">
                 <a:solidFill>
-                  <a:srgbClr val="1E3272"/>
-                </a:solidFill>
-              </a:rPr>
-              <a:t>    read_int(</a:t>
+                  <a:srgbClr val="FF0000"/>
+                </a:solidFill>
+              </a:rPr>
+              <a:t>t0</a:t>
             </a:r>
             <a:r>
               <a:rPr lang="fr-FR" sz="2200" dirty="0" smtClean="0">
                 <a:solidFill>
+                  <a:srgbClr val="1E3272"/>
+                </a:solidFill>
+              </a:rPr>
+              <a:t>)</a:t>
+            </a:r>
+          </a:p>
+          <a:p>
+            <a:pPr>
+              <a:lnSpc>
+                <a:spcPct val="70000"/>
+              </a:lnSpc>
+            </a:pPr>
+            <a:r>
+              <a:rPr lang="fr-FR" sz="2200" dirty="0" smtClean="0">
+                <a:solidFill>
+                  <a:srgbClr val="1E3272"/>
+                </a:solidFill>
+              </a:rPr>
+              <a:t>        la     </a:t>
+            </a:r>
+            <a:r>
+              <a:rPr lang="fr-FR" sz="2200" dirty="0" smtClean="0">
+                <a:solidFill>
                   <a:srgbClr val="FF0000"/>
                 </a:solidFill>
               </a:rPr>
-              <a:t>t0</a:t>
+              <a:t>t2</a:t>
             </a:r>
             <a:r>
               <a:rPr lang="fr-FR" sz="2200" dirty="0" smtClean="0">
@@ -13683,7 +13434,15 @@
                   <a:srgbClr val="1E3272"/>
                 </a:solidFill>
               </a:rPr>
-              <a:t>)</a:t>
+              <a:t>, </a:t>
+            </a:r>
+            <a:r>
+              <a:rPr lang="fr-FR" sz="2200" i="1" dirty="0" smtClean="0">
+                <a:solidFill>
+                  <a:srgbClr val="1E3272"/>
+                </a:solidFill>
+              </a:rPr>
+              <a:t>y</a:t>
             </a:r>
           </a:p>
           <a:p>
@@ -13698,62 +13457,7 @@
                   <a:srgbClr val="1E3272"/>
                 </a:solidFill>
               </a:rPr>
-              <a:t>    </a:t>
-            </a:r>
-            <a:r>
-              <a:rPr lang="fr-FR" sz="2200" dirty="0" smtClean="0">
-                <a:solidFill>
-                  <a:srgbClr val="1E3272"/>
-                </a:solidFill>
-              </a:rPr>
-              <a:t>    la     </a:t>
-            </a:r>
-            <a:r>
-              <a:rPr lang="fr-FR" sz="2200" dirty="0" smtClean="0">
-                <a:solidFill>
-                  <a:srgbClr val="FF0000"/>
-                </a:solidFill>
-              </a:rPr>
-              <a:t>t2</a:t>
-            </a:r>
-            <a:r>
-              <a:rPr lang="fr-FR" sz="2200" dirty="0" smtClean="0">
-                <a:solidFill>
-                  <a:srgbClr val="1E3272"/>
-                </a:solidFill>
-              </a:rPr>
-              <a:t>, </a:t>
-            </a:r>
-            <a:r>
-              <a:rPr lang="fr-FR" sz="2200" i="1" dirty="0" smtClean="0">
-                <a:solidFill>
-                  <a:srgbClr val="1E3272"/>
-                </a:solidFill>
-              </a:rPr>
-              <a:t>y</a:t>
-            </a:r>
-          </a:p>
-          <a:p>
-            <a:pPr>
-              <a:lnSpc>
-                <a:spcPct val="70000"/>
-              </a:lnSpc>
-            </a:pPr>
-            <a:r>
-              <a:rPr lang="fr-FR" sz="2200" dirty="0" smtClean="0">
-                <a:solidFill>
-                  <a:srgbClr val="1E3272"/>
-                </a:solidFill>
-              </a:rPr>
-              <a:t>    </a:t>
-            </a:r>
-            <a:r>
-              <a:rPr lang="fr-FR" sz="2200" dirty="0" smtClean="0">
-                <a:solidFill>
-                  <a:srgbClr val="1E3272"/>
-                </a:solidFill>
-              </a:rPr>
-              <a:t>    sw   </a:t>
+              <a:t>        sw   </a:t>
             </a:r>
             <a:r>
               <a:rPr lang="fr-FR" sz="2200" dirty="0" smtClean="0">
@@ -13828,22 +13532,85 @@
                   <a:srgbClr val="1E3272"/>
                 </a:solidFill>
               </a:rPr>
-              <a:t>    </a:t>
+              <a:t>        la     </a:t>
             </a:r>
             <a:r>
               <a:rPr lang="fr-FR" sz="2200" dirty="0" smtClean="0">
                 <a:solidFill>
-                  <a:srgbClr val="1E3272"/>
-                </a:solidFill>
-              </a:rPr>
-              <a:t>    la     </a:t>
+                  <a:srgbClr val="FF0000"/>
+                </a:solidFill>
+              </a:rPr>
+              <a:t>t2</a:t>
             </a:r>
             <a:r>
               <a:rPr lang="fr-FR" sz="2200" dirty="0" smtClean="0">
                 <a:solidFill>
+                  <a:srgbClr val="1E3272"/>
+                </a:solidFill>
+              </a:rPr>
+              <a:t>, </a:t>
+            </a:r>
+            <a:r>
+              <a:rPr lang="fr-FR" sz="2200" i="1" dirty="0" smtClean="0">
+                <a:solidFill>
+                  <a:srgbClr val="1E3272"/>
+                </a:solidFill>
+              </a:rPr>
+              <a:t>x</a:t>
+            </a:r>
+          </a:p>
+          <a:p>
+            <a:pPr>
+              <a:lnSpc>
+                <a:spcPct val="70000"/>
+              </a:lnSpc>
+            </a:pPr>
+            <a:r>
+              <a:rPr lang="fr-FR" sz="2200" dirty="0" smtClean="0">
+                <a:solidFill>
+                  <a:srgbClr val="1E3272"/>
+                </a:solidFill>
+              </a:rPr>
+              <a:t>        lw    </a:t>
+            </a:r>
+            <a:r>
+              <a:rPr lang="fr-FR" sz="2200" dirty="0" smtClean="0">
+                <a:solidFill>
                   <a:srgbClr val="FF0000"/>
                 </a:solidFill>
               </a:rPr>
+              <a:t>t0</a:t>
+            </a:r>
+            <a:r>
+              <a:rPr lang="fr-FR" sz="2200" dirty="0" smtClean="0">
+                <a:solidFill>
+                  <a:srgbClr val="1E3272"/>
+                </a:solidFill>
+              </a:rPr>
+              <a:t>, </a:t>
+            </a:r>
+            <a:r>
+              <a:rPr lang="fr-FR" sz="2200" dirty="0" smtClean="0">
+                <a:solidFill>
+                  <a:srgbClr val="2F5CB5"/>
+                </a:solidFill>
+              </a:rPr>
+              <a:t>0</a:t>
+            </a:r>
+            <a:r>
+              <a:rPr lang="fr-FR" sz="2200" dirty="0" smtClean="0">
+                <a:solidFill>
+                  <a:srgbClr val="1E3272"/>
+                </a:solidFill>
+              </a:rPr>
+              <a:t>(</a:t>
+            </a:r>
+            <a:r>
+              <a:rPr lang="fr-FR" sz="2200" dirty="0" smtClean="0">
+                <a:solidFill>
+                  <a:srgbClr val="FF0000"/>
+                </a:solidFill>
+              </a:rPr>
               <a:t>t2</a:t>
             </a:r>
             <a:r>
@@ -13852,6 +13619,37 @@
                   <a:srgbClr val="1E3272"/>
                 </a:solidFill>
               </a:rPr>
+              <a:t>)</a:t>
+            </a:r>
+          </a:p>
+          <a:p>
+            <a:pPr>
+              <a:lnSpc>
+                <a:spcPct val="70000"/>
+              </a:lnSpc>
+            </a:pPr>
+            <a:r>
+              <a:rPr lang="fr-FR" sz="2200" dirty="0" smtClean="0">
+                <a:solidFill>
+                  <a:srgbClr val="1E3272"/>
+                </a:solidFill>
+              </a:rPr>
+              <a:t>        la     </a:t>
+            </a:r>
+            <a:r>
+              <a:rPr lang="fr-FR" sz="2200" dirty="0" smtClean="0">
+                <a:solidFill>
+                  <a:srgbClr val="FF0000"/>
+                </a:solidFill>
+              </a:rPr>
+              <a:t>t2</a:t>
+            </a:r>
+            <a:r>
+              <a:rPr lang="fr-FR" sz="2200" dirty="0" smtClean="0">
+                <a:solidFill>
+                  <a:srgbClr val="1E3272"/>
+                </a:solidFill>
+              </a:rPr>
               <a:t>, </a:t>
             </a:r>
             <a:r>
@@ -13860,7 +13658,7 @@
                   <a:srgbClr val="1E3272"/>
                 </a:solidFill>
               </a:rPr>
-              <a:t>x</a:t>
+              <a:t>y</a:t>
             </a:r>
           </a:p>
           <a:p>
@@ -13875,22 +13673,93 @@
                   <a:srgbClr val="1E3272"/>
                 </a:solidFill>
               </a:rPr>
-              <a:t>    </a:t>
+              <a:t>        lw    </a:t>
             </a:r>
             <a:r>
               <a:rPr lang="fr-FR" sz="2200" dirty="0" smtClean="0">
                 <a:solidFill>
-                  <a:srgbClr val="1E3272"/>
-                </a:solidFill>
-              </a:rPr>
-              <a:t>    lw    </a:t>
+                  <a:srgbClr val="FF0000"/>
+                </a:solidFill>
+              </a:rPr>
+              <a:t>t1</a:t>
             </a:r>
             <a:r>
               <a:rPr lang="fr-FR" sz="2200" dirty="0" smtClean="0">
                 <a:solidFill>
+                  <a:srgbClr val="1E3272"/>
+                </a:solidFill>
+              </a:rPr>
+              <a:t>, </a:t>
+            </a:r>
+            <a:r>
+              <a:rPr lang="fr-FR" sz="2200" dirty="0" smtClean="0">
+                <a:solidFill>
+                  <a:srgbClr val="2F5CB5"/>
+                </a:solidFill>
+              </a:rPr>
+              <a:t>0</a:t>
+            </a:r>
+            <a:r>
+              <a:rPr lang="fr-FR" sz="2200" dirty="0" smtClean="0">
+                <a:solidFill>
+                  <a:srgbClr val="1E3272"/>
+                </a:solidFill>
+              </a:rPr>
+              <a:t>(</a:t>
+            </a:r>
+            <a:r>
+              <a:rPr lang="fr-FR" sz="2200" dirty="0" smtClean="0">
+                <a:solidFill>
                   <a:srgbClr val="FF0000"/>
                 </a:solidFill>
               </a:rPr>
+              <a:t>t2</a:t>
+            </a:r>
+            <a:r>
+              <a:rPr lang="fr-FR" sz="2200" dirty="0" smtClean="0">
+                <a:solidFill>
+                  <a:srgbClr val="1E3272"/>
+                </a:solidFill>
+              </a:rPr>
+              <a:t>)</a:t>
+            </a:r>
+          </a:p>
+          <a:p>
+            <a:pPr>
+              <a:lnSpc>
+                <a:spcPct val="70000"/>
+              </a:lnSpc>
+            </a:pPr>
+            <a:r>
+              <a:rPr lang="fr-FR" sz="2200" dirty="0" smtClean="0">
+                <a:solidFill>
+                  <a:srgbClr val="1E3272"/>
+                </a:solidFill>
+              </a:rPr>
+              <a:t>        add </a:t>
+            </a:r>
+            <a:r>
+              <a:rPr lang="fr-FR" sz="2200" dirty="0" smtClean="0">
+                <a:solidFill>
+                  <a:srgbClr val="FF0000"/>
+                </a:solidFill>
+              </a:rPr>
+              <a:t>t3</a:t>
+            </a:r>
+            <a:r>
+              <a:rPr lang="fr-FR" sz="2200" dirty="0" smtClean="0">
+                <a:solidFill>
+                  <a:srgbClr val="1E3272"/>
+                </a:solidFill>
+              </a:rPr>
+              <a:t>, </a:t>
+            </a:r>
+            <a:r>
+              <a:rPr lang="fr-FR" sz="2200" dirty="0" smtClean="0">
+                <a:solidFill>
+                  <a:srgbClr val="FF0000"/>
+                </a:solidFill>
+              </a:rPr>
               <a:t>t0</a:t>
             </a:r>
             <a:r>
@@ -13904,18 +13773,25 @@
             <a:r>
               <a:rPr lang="fr-FR" sz="2200" dirty="0" smtClean="0">
                 <a:solidFill>
-                  <a:srgbClr val="2F5CB5"/>
-                </a:solidFill>
-              </a:rPr>
-              <a:t>0</a:t>
-            </a:r>
+                  <a:srgbClr val="FF0000"/>
+                </a:solidFill>
+              </a:rPr>
+              <a:t>t1</a:t>
+            </a:r>
+          </a:p>
+          <a:p>
+            <a:pPr>
+              <a:lnSpc>
+                <a:spcPct val="70000"/>
+              </a:lnSpc>
+            </a:pPr>
             <a:r>
               <a:rPr lang="fr-FR" sz="2200" dirty="0" smtClean="0">
                 <a:solidFill>
                   <a:srgbClr val="1E3272"/>
                 </a:solidFill>
               </a:rPr>
-              <a:t>(</a:t>
+              <a:t>        la     </a:t>
             </a:r>
             <a:r>
               <a:rPr lang="fr-FR" sz="2200" dirty="0" smtClean="0">
@@ -13931,7 +13807,15 @@
                   <a:srgbClr val="1E3272"/>
                 </a:solidFill>
               </a:rPr>
-              <a:t>)</a:t>
+              <a:t>, </a:t>
+            </a:r>
+            <a:r>
+              <a:rPr lang="fr-FR" sz="2200" i="1" dirty="0" smtClean="0">
+                <a:solidFill>
+                  <a:srgbClr val="1E3272"/>
+                </a:solidFill>
+              </a:rPr>
+              <a:t>z</a:t>
             </a:r>
           </a:p>
           <a:p>
@@ -13946,243 +13830,7 @@
                   <a:srgbClr val="1E3272"/>
                 </a:solidFill>
               </a:rPr>
-              <a:t>    </a:t>
-            </a:r>
-            <a:r>
-              <a:rPr lang="fr-FR" sz="2200" dirty="0" smtClean="0">
-                <a:solidFill>
-                  <a:srgbClr val="1E3272"/>
-                </a:solidFill>
-              </a:rPr>
-              <a:t>    la     </a:t>
-            </a:r>
-            <a:r>
-              <a:rPr lang="fr-FR" sz="2200" dirty="0" smtClean="0">
-                <a:solidFill>
-                  <a:srgbClr val="FF0000"/>
-                </a:solidFill>
-              </a:rPr>
-              <a:t>t2</a:t>
-            </a:r>
-            <a:r>
-              <a:rPr lang="fr-FR" sz="2200" dirty="0" smtClean="0">
-                <a:solidFill>
-                  <a:srgbClr val="1E3272"/>
-                </a:solidFill>
-              </a:rPr>
-              <a:t>, </a:t>
-            </a:r>
-            <a:r>
-              <a:rPr lang="fr-FR" sz="2200" i="1" dirty="0" smtClean="0">
-                <a:solidFill>
-                  <a:srgbClr val="1E3272"/>
-                </a:solidFill>
-              </a:rPr>
-              <a:t>y</a:t>
-            </a:r>
-          </a:p>
-          <a:p>
-            <a:pPr>
-              <a:lnSpc>
-                <a:spcPct val="70000"/>
-              </a:lnSpc>
-            </a:pPr>
-            <a:r>
-              <a:rPr lang="fr-FR" sz="2200" dirty="0" smtClean="0">
-                <a:solidFill>
-                  <a:srgbClr val="1E3272"/>
-                </a:solidFill>
-              </a:rPr>
-              <a:t>    </a:t>
-            </a:r>
-            <a:r>
-              <a:rPr lang="fr-FR" sz="2200" dirty="0" smtClean="0">
-                <a:solidFill>
-                  <a:srgbClr val="1E3272"/>
-                </a:solidFill>
-              </a:rPr>
-              <a:t>    lw    </a:t>
-            </a:r>
-            <a:r>
-              <a:rPr lang="fr-FR" sz="2200" dirty="0" smtClean="0">
-                <a:solidFill>
-                  <a:srgbClr val="FF0000"/>
-                </a:solidFill>
-              </a:rPr>
-              <a:t>t1</a:t>
-            </a:r>
-            <a:r>
-              <a:rPr lang="fr-FR" sz="2200" dirty="0" smtClean="0">
-                <a:solidFill>
-                  <a:srgbClr val="1E3272"/>
-                </a:solidFill>
-              </a:rPr>
-              <a:t>, </a:t>
-            </a:r>
-            <a:r>
-              <a:rPr lang="fr-FR" sz="2200" dirty="0" smtClean="0">
-                <a:solidFill>
-                  <a:srgbClr val="2F5CB5"/>
-                </a:solidFill>
-              </a:rPr>
-              <a:t>0</a:t>
-            </a:r>
-            <a:r>
-              <a:rPr lang="fr-FR" sz="2200" dirty="0" smtClean="0">
-                <a:solidFill>
-                  <a:srgbClr val="1E3272"/>
-                </a:solidFill>
-              </a:rPr>
-              <a:t>(</a:t>
-            </a:r>
-            <a:r>
-              <a:rPr lang="fr-FR" sz="2200" dirty="0" smtClean="0">
-                <a:solidFill>
-                  <a:srgbClr val="FF0000"/>
-                </a:solidFill>
-              </a:rPr>
-              <a:t>t2</a:t>
-            </a:r>
-            <a:r>
-              <a:rPr lang="fr-FR" sz="2200" dirty="0" smtClean="0">
-                <a:solidFill>
-                  <a:srgbClr val="1E3272"/>
-                </a:solidFill>
-              </a:rPr>
-              <a:t>)</a:t>
-            </a:r>
-          </a:p>
-          <a:p>
-            <a:pPr>
-              <a:lnSpc>
-                <a:spcPct val="70000"/>
-              </a:lnSpc>
-            </a:pPr>
-            <a:r>
-              <a:rPr lang="fr-FR" sz="2200" dirty="0" smtClean="0">
-                <a:solidFill>
-                  <a:srgbClr val="1E3272"/>
-                </a:solidFill>
-              </a:rPr>
-              <a:t>    </a:t>
-            </a:r>
-            <a:r>
-              <a:rPr lang="fr-FR" sz="2200" dirty="0" smtClean="0">
-                <a:solidFill>
-                  <a:srgbClr val="1E3272"/>
-                </a:solidFill>
-              </a:rPr>
-              <a:t>    add </a:t>
-            </a:r>
-            <a:r>
-              <a:rPr lang="fr-FR" sz="2200" dirty="0" smtClean="0">
-                <a:solidFill>
-                  <a:srgbClr val="FF0000"/>
-                </a:solidFill>
-              </a:rPr>
-              <a:t>t3</a:t>
-            </a:r>
-            <a:r>
-              <a:rPr lang="fr-FR" sz="2200" dirty="0" smtClean="0">
-                <a:solidFill>
-                  <a:srgbClr val="1E3272"/>
-                </a:solidFill>
-              </a:rPr>
-              <a:t>, </a:t>
-            </a:r>
-            <a:r>
-              <a:rPr lang="fr-FR" sz="2200" dirty="0" smtClean="0">
-                <a:solidFill>
-                  <a:srgbClr val="FF0000"/>
-                </a:solidFill>
-              </a:rPr>
-              <a:t>t0</a:t>
-            </a:r>
-            <a:r>
-              <a:rPr lang="fr-FR" sz="2200" dirty="0" smtClean="0">
-                <a:solidFill>
-                  <a:srgbClr val="1E3272"/>
-                </a:solidFill>
-              </a:rPr>
-              <a:t>, </a:t>
-            </a:r>
-            <a:r>
-              <a:rPr lang="fr-FR" sz="2200" dirty="0" smtClean="0">
-                <a:solidFill>
-                  <a:srgbClr val="FF0000"/>
-                </a:solidFill>
-              </a:rPr>
-              <a:t>t1</a:t>
-            </a:r>
-          </a:p>
-          <a:p>
-            <a:pPr>
-              <a:lnSpc>
-                <a:spcPct val="70000"/>
-              </a:lnSpc>
-            </a:pPr>
-            <a:r>
-              <a:rPr lang="fr-FR" sz="2200" dirty="0" smtClean="0">
-                <a:solidFill>
-                  <a:srgbClr val="1E3272"/>
-                </a:solidFill>
-              </a:rPr>
-              <a:t>    </a:t>
-            </a:r>
-            <a:r>
-              <a:rPr lang="fr-FR" sz="2200" dirty="0" smtClean="0">
-                <a:solidFill>
-                  <a:srgbClr val="1E3272"/>
-                </a:solidFill>
-              </a:rPr>
-              <a:t>    la     </a:t>
-            </a:r>
-            <a:r>
-              <a:rPr lang="fr-FR" sz="2200" dirty="0" smtClean="0">
-                <a:solidFill>
-                  <a:srgbClr val="FF0000"/>
-                </a:solidFill>
-              </a:rPr>
-              <a:t>t2</a:t>
-            </a:r>
-            <a:r>
-              <a:rPr lang="fr-FR" sz="2200" dirty="0" smtClean="0">
-                <a:solidFill>
-                  <a:srgbClr val="1E3272"/>
-                </a:solidFill>
-              </a:rPr>
-              <a:t>, </a:t>
-            </a:r>
-            <a:r>
-              <a:rPr lang="fr-FR" sz="2200" i="1" dirty="0" smtClean="0">
-                <a:solidFill>
-                  <a:srgbClr val="1E3272"/>
-                </a:solidFill>
-              </a:rPr>
-              <a:t>z</a:t>
-            </a:r>
-          </a:p>
-          <a:p>
-            <a:pPr>
-              <a:lnSpc>
-                <a:spcPct val="70000"/>
-              </a:lnSpc>
-            </a:pPr>
-            <a:r>
-              <a:rPr lang="fr-FR" sz="2200" dirty="0" smtClean="0">
-                <a:solidFill>
-                  <a:srgbClr val="1E3272"/>
-                </a:solidFill>
-              </a:rPr>
-              <a:t>    </a:t>
-            </a:r>
-            <a:r>
-              <a:rPr lang="fr-FR" sz="2200" dirty="0" smtClean="0">
-                <a:solidFill>
-                  <a:srgbClr val="1E3272"/>
-                </a:solidFill>
-              </a:rPr>
-              <a:t>    sw   </a:t>
+              <a:t>        sw   </a:t>
             </a:r>
             <a:r>
               <a:rPr lang="fr-FR" sz="2200" dirty="0" smtClean="0">
@@ -14317,11 +13965,6 @@
               </a:rPr>
               <a:t>x, y, z;</a:t>
             </a:r>
-            <a:endParaRPr lang="en-US" sz="3600" dirty="0" smtClean="0">
-              <a:solidFill>
-                <a:srgbClr val="1E3272"/>
-              </a:solidFill>
-            </a:endParaRPr>
           </a:p>
           <a:p>
             <a:pPr>
@@ -14702,23 +14345,101 @@
                   <a:srgbClr val="1E3272"/>
                 </a:solidFill>
               </a:rPr>
-              <a:t>   </a:t>
+              <a:t>        .</a:t>
             </a:r>
             <a:r>
               <a:rPr lang="fr-FR" sz="2800" dirty="0" smtClean="0">
                 <a:solidFill>
-                  <a:srgbClr val="1E3272"/>
-                </a:solidFill>
-              </a:rPr>
-              <a:t>     .</a:t>
+                  <a:srgbClr val="FF0000"/>
+                </a:solidFill>
+              </a:rPr>
+              <a:t>word</a:t>
             </a:r>
             <a:r>
               <a:rPr lang="fr-FR" sz="2800" dirty="0" smtClean="0">
                 <a:solidFill>
+                  <a:srgbClr val="1E3272"/>
+                </a:solidFill>
+              </a:rPr>
+              <a:t> </a:t>
+            </a:r>
+            <a:r>
+              <a:rPr lang="fr-FR" sz="2800" dirty="0" smtClean="0">
+                <a:solidFill>
+                  <a:srgbClr val="2F5CB5"/>
+                </a:solidFill>
+              </a:rPr>
+              <a:t>0</a:t>
+            </a:r>
+            <a:r>
+              <a:rPr lang="fr-FR" sz="2800" dirty="0" smtClean="0">
+                <a:solidFill>
+                  <a:srgbClr val="1E3272"/>
+                </a:solidFill>
+              </a:rPr>
+              <a:t>, </a:t>
+            </a:r>
+            <a:r>
+              <a:rPr lang="fr-FR" sz="2800" dirty="0" smtClean="0">
+                <a:solidFill>
+                  <a:srgbClr val="2F5CB5"/>
+                </a:solidFill>
+              </a:rPr>
+              <a:t>0</a:t>
+            </a:r>
+            <a:r>
+              <a:rPr lang="fr-FR" sz="2800" dirty="0" smtClean="0">
+                <a:solidFill>
+                  <a:srgbClr val="1E3272"/>
+                </a:solidFill>
+              </a:rPr>
+              <a:t>, </a:t>
+            </a:r>
+            <a:r>
+              <a:rPr lang="fr-FR" sz="2800" dirty="0" smtClean="0">
+                <a:solidFill>
+                  <a:srgbClr val="2F5CB5"/>
+                </a:solidFill>
+              </a:rPr>
+              <a:t>0</a:t>
+            </a:r>
+          </a:p>
+          <a:p>
+            <a:pPr>
+              <a:lnSpc>
+                <a:spcPct val="70000"/>
+              </a:lnSpc>
+            </a:pPr>
+            <a:r>
+              <a:rPr lang="fr-FR" sz="2800" dirty="0" smtClean="0">
+                <a:solidFill>
+                  <a:srgbClr val="1E3272"/>
+                </a:solidFill>
+              </a:rPr>
+              <a:t>        .</a:t>
+            </a:r>
+            <a:r>
+              <a:rPr lang="fr-FR" sz="2800" dirty="0" smtClean="0">
+                <a:solidFill>
                   <a:srgbClr val="FF0000"/>
                 </a:solidFill>
               </a:rPr>
-              <a:t>word</a:t>
+              <a:t>text</a:t>
+            </a:r>
+          </a:p>
+          <a:p>
+            <a:pPr>
+              <a:lnSpc>
+                <a:spcPct val="70000"/>
+              </a:lnSpc>
+            </a:pPr>
+            <a:r>
+              <a:rPr lang="fr-FR" sz="2800" b="1" dirty="0" smtClean="0">
+                <a:solidFill>
+                  <a:srgbClr val="1E3272"/>
+                </a:solidFill>
+              </a:rPr>
+              <a:t>main</a:t>
             </a:r>
             <a:r>
               <a:rPr lang="fr-FR" sz="2800" dirty="0" smtClean="0">
@@ -14726,124 +14447,22 @@
                   <a:srgbClr val="1E3272"/>
                 </a:solidFill>
               </a:rPr>
-              <a:t> </a:t>
-            </a:r>
+              <a:t>:</a:t>
+            </a:r>
+          </a:p>
+          <a:p>
+            <a:pPr>
+              <a:lnSpc>
+                <a:spcPct val="70000"/>
+              </a:lnSpc>
+            </a:pPr>
             <a:r>
               <a:rPr lang="fr-FR" sz="2800" dirty="0" smtClean="0">
                 <a:solidFill>
-                  <a:srgbClr val="2F5CB5"/>
-                </a:solidFill>
-              </a:rPr>
-              <a:t>0</a:t>
-            </a:r>
-            <a:r>
-              <a:rPr lang="fr-FR" sz="2800" dirty="0" smtClean="0">
-                <a:solidFill>
-                  <a:srgbClr val="1E3272"/>
-                </a:solidFill>
-              </a:rPr>
-              <a:t>, </a:t>
-            </a:r>
-            <a:r>
-              <a:rPr lang="fr-FR" sz="2800" dirty="0" smtClean="0">
-                <a:solidFill>
-                  <a:srgbClr val="2F5CB5"/>
-                </a:solidFill>
-              </a:rPr>
-              <a:t>0</a:t>
-            </a:r>
-            <a:r>
-              <a:rPr lang="fr-FR" sz="2800" dirty="0" smtClean="0">
-                <a:solidFill>
-                  <a:srgbClr val="1E3272"/>
-                </a:solidFill>
-              </a:rPr>
-              <a:t>, </a:t>
-            </a:r>
-            <a:r>
-              <a:rPr lang="fr-FR" sz="2800" dirty="0" smtClean="0">
-                <a:solidFill>
-                  <a:srgbClr val="2F5CB5"/>
-                </a:solidFill>
-              </a:rPr>
-              <a:t>0</a:t>
-            </a:r>
-          </a:p>
-          <a:p>
-            <a:pPr>
-              <a:lnSpc>
-                <a:spcPct val="70000"/>
-              </a:lnSpc>
-            </a:pPr>
-            <a:r>
-              <a:rPr lang="fr-FR" sz="2800" dirty="0" smtClean="0">
-                <a:solidFill>
-                  <a:srgbClr val="1E3272"/>
-                </a:solidFill>
-              </a:rPr>
-              <a:t>   </a:t>
-            </a:r>
-            <a:r>
-              <a:rPr lang="fr-FR" sz="2800" dirty="0" smtClean="0">
-                <a:solidFill>
-                  <a:srgbClr val="1E3272"/>
-                </a:solidFill>
-              </a:rPr>
-              <a:t>     .</a:t>
-            </a:r>
-            <a:r>
-              <a:rPr lang="fr-FR" sz="2800" dirty="0" smtClean="0">
-                <a:solidFill>
-                  <a:srgbClr val="FF0000"/>
-                </a:solidFill>
-              </a:rPr>
-              <a:t>text</a:t>
-            </a:r>
-          </a:p>
-          <a:p>
-            <a:pPr>
-              <a:lnSpc>
-                <a:spcPct val="70000"/>
-              </a:lnSpc>
-            </a:pPr>
-            <a:r>
-              <a:rPr lang="fr-FR" sz="2800" b="1" dirty="0" smtClean="0">
-                <a:solidFill>
-                  <a:srgbClr val="1E3272"/>
-                </a:solidFill>
-              </a:rPr>
-              <a:t>main</a:t>
-            </a:r>
-            <a:r>
-              <a:rPr lang="fr-FR" sz="2800" dirty="0" smtClean="0">
-                <a:solidFill>
-                  <a:srgbClr val="1E3272"/>
-                </a:solidFill>
-              </a:rPr>
-              <a:t>:</a:t>
-            </a:r>
-          </a:p>
-          <a:p>
-            <a:pPr>
-              <a:lnSpc>
-                <a:spcPct val="70000"/>
-              </a:lnSpc>
-            </a:pPr>
-            <a:r>
-              <a:rPr lang="fr-FR" sz="2800" dirty="0" smtClean="0">
-                <a:solidFill>
-                  <a:srgbClr val="1E3272"/>
-                </a:solidFill>
-              </a:rPr>
-              <a:t>    </a:t>
-            </a:r>
-            <a:r>
-              <a:rPr lang="fr-FR" sz="2800" dirty="0" smtClean="0">
-                <a:solidFill>
-                  <a:srgbClr val="1E3272"/>
-                </a:solidFill>
-              </a:rPr>
-              <a:t>    la    </a:t>
+                  <a:srgbClr val="1E3272"/>
+                </a:solidFill>
+              </a:rPr>
+              <a:t>        la    </a:t>
             </a:r>
             <a:r>
               <a:rPr lang="fr-FR" sz="2800" dirty="0" smtClean="0">
@@ -14894,7 +14513,15 @@
                   <a:srgbClr val="1E3272"/>
                 </a:solidFill>
               </a:rPr>
-              <a:t>    </a:t>
+              <a:t>        </a:t>
+            </a:r>
+            <a:r>
+              <a:rPr lang="fr-FR" sz="2800" i="1" dirty="0" smtClean="0">
+                <a:solidFill>
+                  <a:srgbClr val="1E3272"/>
+                </a:solidFill>
+              </a:rPr>
+              <a:t>read_int</a:t>
             </a:r>
             <a:r>
               <a:rPr lang="fr-FR" sz="2800" dirty="0" smtClean="0">
@@ -14902,62 +14529,38 @@
                   <a:srgbClr val="1E3272"/>
                 </a:solidFill>
               </a:rPr>
-              <a:t>    </a:t>
-            </a:r>
-            <a:r>
-              <a:rPr lang="fr-FR" sz="2800" i="1" dirty="0" smtClean="0">
-                <a:solidFill>
-                  <a:srgbClr val="1E3272"/>
-                </a:solidFill>
-              </a:rPr>
-              <a:t>read_int</a:t>
+              <a:t>(</a:t>
             </a:r>
             <a:r>
               <a:rPr lang="fr-FR" sz="2800" dirty="0" smtClean="0">
                 <a:solidFill>
-                  <a:srgbClr val="1E3272"/>
-                </a:solidFill>
-              </a:rPr>
-              <a:t>(</a:t>
+                  <a:srgbClr val="FF0000"/>
+                </a:solidFill>
+              </a:rPr>
+              <a:t>t0</a:t>
             </a:r>
             <a:r>
               <a:rPr lang="fr-FR" sz="2800" dirty="0" smtClean="0">
                 <a:solidFill>
-                  <a:srgbClr val="FF0000"/>
-                </a:solidFill>
-              </a:rPr>
-              <a:t>t0</a:t>
-            </a:r>
+                  <a:srgbClr val="1E3272"/>
+                </a:solidFill>
+              </a:rPr>
+              <a:t>)</a:t>
+            </a:r>
+          </a:p>
+          <a:p>
+            <a:pPr>
+              <a:lnSpc>
+                <a:spcPct val="70000"/>
+              </a:lnSpc>
+            </a:pPr>
             <a:r>
               <a:rPr lang="fr-FR" sz="2800" dirty="0" smtClean="0">
                 <a:solidFill>
                   <a:srgbClr val="1E3272"/>
                 </a:solidFill>
               </a:rPr>
-              <a:t>)</a:t>
-            </a:r>
-          </a:p>
-          <a:p>
-            <a:pPr>
-              <a:lnSpc>
-                <a:spcPct val="70000"/>
-              </a:lnSpc>
-            </a:pPr>
-            <a:r>
-              <a:rPr lang="fr-FR" sz="2800" dirty="0" smtClean="0">
-                <a:solidFill>
-                  <a:srgbClr val="1E3272"/>
-                </a:solidFill>
-              </a:rPr>
-              <a:t>    </a:t>
-            </a:r>
-            <a:r>
-              <a:rPr lang="fr-FR" sz="2800" dirty="0" smtClean="0">
-                <a:solidFill>
-                  <a:srgbClr val="1E3272"/>
-                </a:solidFill>
-              </a:rPr>
-              <a:t>    sw   </a:t>
+              <a:t>        sw   </a:t>
             </a:r>
             <a:r>
               <a:rPr lang="fr-FR" sz="2800" dirty="0" smtClean="0">
@@ -15032,7 +14635,15 @@
                   <a:srgbClr val="1E3272"/>
                 </a:solidFill>
               </a:rPr>
-              <a:t>    </a:t>
+              <a:t>        </a:t>
+            </a:r>
+            <a:r>
+              <a:rPr lang="fr-FR" sz="2800" i="1" dirty="0" smtClean="0">
+                <a:solidFill>
+                  <a:srgbClr val="1E3272"/>
+                </a:solidFill>
+              </a:rPr>
+              <a:t>read_int</a:t>
             </a:r>
             <a:r>
               <a:rPr lang="fr-FR" sz="2800" dirty="0" smtClean="0">
@@ -15040,62 +14651,38 @@
                   <a:srgbClr val="1E3272"/>
                 </a:solidFill>
               </a:rPr>
-              <a:t>    </a:t>
-            </a:r>
-            <a:r>
-              <a:rPr lang="fr-FR" sz="2800" i="1" dirty="0" smtClean="0">
-                <a:solidFill>
-                  <a:srgbClr val="1E3272"/>
-                </a:solidFill>
-              </a:rPr>
-              <a:t>read_int</a:t>
+              <a:t>(</a:t>
             </a:r>
             <a:r>
               <a:rPr lang="fr-FR" sz="2800" dirty="0" smtClean="0">
                 <a:solidFill>
-                  <a:srgbClr val="1E3272"/>
-                </a:solidFill>
-              </a:rPr>
-              <a:t>(</a:t>
+                  <a:srgbClr val="FF0000"/>
+                </a:solidFill>
+              </a:rPr>
+              <a:t>t0</a:t>
             </a:r>
             <a:r>
               <a:rPr lang="fr-FR" sz="2800" dirty="0" smtClean="0">
                 <a:solidFill>
-                  <a:srgbClr val="FF0000"/>
-                </a:solidFill>
-              </a:rPr>
-              <a:t>t0</a:t>
-            </a:r>
+                  <a:srgbClr val="1E3272"/>
+                </a:solidFill>
+              </a:rPr>
+              <a:t>)</a:t>
+            </a:r>
+          </a:p>
+          <a:p>
+            <a:pPr>
+              <a:lnSpc>
+                <a:spcPct val="70000"/>
+              </a:lnSpc>
+            </a:pPr>
             <a:r>
               <a:rPr lang="fr-FR" sz="2800" dirty="0" smtClean="0">
                 <a:solidFill>
                   <a:srgbClr val="1E3272"/>
                 </a:solidFill>
               </a:rPr>
-              <a:t>)</a:t>
-            </a:r>
-          </a:p>
-          <a:p>
-            <a:pPr>
-              <a:lnSpc>
-                <a:spcPct val="70000"/>
-              </a:lnSpc>
-            </a:pPr>
-            <a:r>
-              <a:rPr lang="fr-FR" sz="2800" dirty="0" smtClean="0">
-                <a:solidFill>
-                  <a:srgbClr val="1E3272"/>
-                </a:solidFill>
-              </a:rPr>
-              <a:t>    </a:t>
-            </a:r>
-            <a:r>
-              <a:rPr lang="fr-FR" sz="2800" dirty="0" smtClean="0">
-                <a:solidFill>
-                  <a:srgbClr val="1E3272"/>
-                </a:solidFill>
-              </a:rPr>
-              <a:t>    sw   </a:t>
+              <a:t>        sw   </a:t>
             </a:r>
             <a:r>
               <a:rPr lang="fr-FR" sz="2800" dirty="0" smtClean="0">
@@ -15170,22 +14757,156 @@
                   <a:srgbClr val="1E3272"/>
                 </a:solidFill>
               </a:rPr>
-              <a:t>    </a:t>
+              <a:t>        lw    </a:t>
             </a:r>
             <a:r>
               <a:rPr lang="fr-FR" sz="2800" dirty="0" smtClean="0">
                 <a:solidFill>
-                  <a:srgbClr val="1E3272"/>
-                </a:solidFill>
-              </a:rPr>
-              <a:t>    lw    </a:t>
+                  <a:srgbClr val="FF0000"/>
+                </a:solidFill>
+              </a:rPr>
+              <a:t>t0</a:t>
             </a:r>
             <a:r>
               <a:rPr lang="fr-FR" sz="2800" dirty="0" smtClean="0">
                 <a:solidFill>
+                  <a:srgbClr val="1E3272"/>
+                </a:solidFill>
+              </a:rPr>
+              <a:t>, </a:t>
+            </a:r>
+            <a:r>
+              <a:rPr lang="fr-FR" sz="2800" dirty="0" smtClean="0">
+                <a:solidFill>
+                  <a:srgbClr val="2F5CB5"/>
+                </a:solidFill>
+              </a:rPr>
+              <a:t>0</a:t>
+            </a:r>
+            <a:r>
+              <a:rPr lang="fr-FR" sz="2800" dirty="0" smtClean="0">
+                <a:solidFill>
+                  <a:srgbClr val="1E3272"/>
+                </a:solidFill>
+              </a:rPr>
+              <a:t>(</a:t>
+            </a:r>
+            <a:r>
+              <a:rPr lang="fr-FR" sz="2800" dirty="0" smtClean="0">
+                <a:solidFill>
                   <a:srgbClr val="FF0000"/>
                 </a:solidFill>
               </a:rPr>
+              <a:t>t2</a:t>
+            </a:r>
+            <a:r>
+              <a:rPr lang="fr-FR" sz="2800" dirty="0" smtClean="0">
+                <a:solidFill>
+                  <a:srgbClr val="1E3272"/>
+                </a:solidFill>
+              </a:rPr>
+              <a:t>)</a:t>
+            </a:r>
+          </a:p>
+          <a:p>
+            <a:pPr>
+              <a:lnSpc>
+                <a:spcPct val="70000"/>
+              </a:lnSpc>
+            </a:pPr>
+            <a:r>
+              <a:rPr lang="fr-FR" sz="2800" dirty="0" smtClean="0">
+                <a:solidFill>
+                  <a:srgbClr val="1E3272"/>
+                </a:solidFill>
+              </a:rPr>
+              <a:t>        lw    </a:t>
+            </a:r>
+            <a:r>
+              <a:rPr lang="fr-FR" sz="2800" dirty="0" smtClean="0">
+                <a:solidFill>
+                  <a:srgbClr val="FF0000"/>
+                </a:solidFill>
+              </a:rPr>
+              <a:t>t1</a:t>
+            </a:r>
+            <a:r>
+              <a:rPr lang="fr-FR" sz="2800" dirty="0" smtClean="0">
+                <a:solidFill>
+                  <a:srgbClr val="1E3272"/>
+                </a:solidFill>
+              </a:rPr>
+              <a:t>, </a:t>
+            </a:r>
+            <a:r>
+              <a:rPr lang="fr-FR" sz="2800" dirty="0" smtClean="0">
+                <a:solidFill>
+                  <a:srgbClr val="2F5CB5"/>
+                </a:solidFill>
+              </a:rPr>
+              <a:t>4</a:t>
+            </a:r>
+            <a:r>
+              <a:rPr lang="fr-FR" sz="2800" dirty="0" smtClean="0">
+                <a:solidFill>
+                  <a:srgbClr val="1E3272"/>
+                </a:solidFill>
+              </a:rPr>
+              <a:t>(</a:t>
+            </a:r>
+            <a:r>
+              <a:rPr lang="fr-FR" sz="2800" dirty="0" smtClean="0">
+                <a:solidFill>
+                  <a:srgbClr val="FF0000"/>
+                </a:solidFill>
+              </a:rPr>
+              <a:t>t2</a:t>
+            </a:r>
+            <a:r>
+              <a:rPr lang="fr-FR" sz="2800" dirty="0" smtClean="0">
+                <a:solidFill>
+                  <a:srgbClr val="1E3272"/>
+                </a:solidFill>
+              </a:rPr>
+              <a:t>)</a:t>
+            </a:r>
+          </a:p>
+          <a:p>
+            <a:pPr>
+              <a:lnSpc>
+                <a:spcPct val="70000"/>
+              </a:lnSpc>
+            </a:pPr>
+            <a:r>
+              <a:rPr lang="fr-FR" sz="2800" dirty="0" smtClean="0">
+                <a:solidFill>
+                  <a:srgbClr val="1E3272"/>
+                </a:solidFill>
+              </a:rPr>
+              <a:t>        add </a:t>
+            </a:r>
+            <a:r>
+              <a:rPr lang="fr-FR" sz="2800" dirty="0" smtClean="0">
+                <a:solidFill>
+                  <a:srgbClr val="FF0000"/>
+                </a:solidFill>
+              </a:rPr>
+              <a:t>t3</a:t>
+            </a:r>
+            <a:r>
+              <a:rPr lang="fr-FR" sz="2800" dirty="0" smtClean="0">
+                <a:solidFill>
+                  <a:srgbClr val="1E3272"/>
+                </a:solidFill>
+              </a:rPr>
+              <a:t>, </a:t>
+            </a:r>
+            <a:r>
+              <a:rPr lang="fr-FR" sz="2800" dirty="0" smtClean="0">
+                <a:solidFill>
+                  <a:srgbClr val="FF0000"/>
+                </a:solidFill>
+              </a:rPr>
               <a:t>t0</a:t>
             </a:r>
             <a:r>
@@ -15199,191 +14920,25 @@
             <a:r>
               <a:rPr lang="fr-FR" sz="2800" dirty="0" smtClean="0">
                 <a:solidFill>
-                  <a:srgbClr val="2F5CB5"/>
-                </a:solidFill>
-              </a:rPr>
-              <a:t>0</a:t>
-            </a:r>
+                  <a:srgbClr val="FF0000"/>
+                </a:solidFill>
+              </a:rPr>
+              <a:t>t1</a:t>
+            </a:r>
+          </a:p>
+          <a:p>
+            <a:pPr>
+              <a:lnSpc>
+                <a:spcPct val="70000"/>
+              </a:lnSpc>
+            </a:pPr>
             <a:r>
               <a:rPr lang="fr-FR" sz="2800" dirty="0" smtClean="0">
                 <a:solidFill>
                   <a:srgbClr val="1E3272"/>
                 </a:solidFill>
               </a:rPr>
-              <a:t>(</a:t>
-            </a:r>
-            <a:r>
-              <a:rPr lang="fr-FR" sz="2800" dirty="0" smtClean="0">
-                <a:solidFill>
-                  <a:srgbClr val="FF0000"/>
-                </a:solidFill>
-              </a:rPr>
-              <a:t>t2</a:t>
-            </a:r>
-            <a:r>
-              <a:rPr lang="fr-FR" sz="2800" dirty="0" smtClean="0">
-                <a:solidFill>
-                  <a:srgbClr val="1E3272"/>
-                </a:solidFill>
-              </a:rPr>
-              <a:t>)</a:t>
-            </a:r>
-          </a:p>
-          <a:p>
-            <a:pPr>
-              <a:lnSpc>
-                <a:spcPct val="70000"/>
-              </a:lnSpc>
-            </a:pPr>
-            <a:r>
-              <a:rPr lang="fr-FR" sz="2800" dirty="0" smtClean="0">
-                <a:solidFill>
-                  <a:srgbClr val="1E3272"/>
-                </a:solidFill>
-              </a:rPr>
-              <a:t>    </a:t>
-            </a:r>
-            <a:r>
-              <a:rPr lang="fr-FR" sz="2800" dirty="0" smtClean="0">
-                <a:solidFill>
-                  <a:srgbClr val="1E3272"/>
-                </a:solidFill>
-              </a:rPr>
-              <a:t>    lw    </a:t>
-            </a:r>
-            <a:r>
-              <a:rPr lang="fr-FR" sz="2800" dirty="0" smtClean="0">
-                <a:solidFill>
-                  <a:srgbClr val="FF0000"/>
-                </a:solidFill>
-              </a:rPr>
-              <a:t>t1</a:t>
-            </a:r>
-            <a:r>
-              <a:rPr lang="fr-FR" sz="2800" dirty="0" smtClean="0">
-                <a:solidFill>
-                  <a:srgbClr val="1E3272"/>
-                </a:solidFill>
-              </a:rPr>
-              <a:t>, </a:t>
-            </a:r>
-            <a:r>
-              <a:rPr lang="fr-FR" sz="2800" dirty="0" smtClean="0">
-                <a:solidFill>
-                  <a:srgbClr val="2F5CB5"/>
-                </a:solidFill>
-              </a:rPr>
-              <a:t>4</a:t>
-            </a:r>
-            <a:r>
-              <a:rPr lang="fr-FR" sz="2800" dirty="0" smtClean="0">
-                <a:solidFill>
-                  <a:srgbClr val="1E3272"/>
-                </a:solidFill>
-              </a:rPr>
-              <a:t>(</a:t>
-            </a:r>
-            <a:r>
-              <a:rPr lang="fr-FR" sz="2800" dirty="0" smtClean="0">
-                <a:solidFill>
-                  <a:srgbClr val="FF0000"/>
-                </a:solidFill>
-              </a:rPr>
-              <a:t>t2</a:t>
-            </a:r>
-            <a:r>
-              <a:rPr lang="fr-FR" sz="2800" dirty="0" smtClean="0">
-                <a:solidFill>
-                  <a:srgbClr val="1E3272"/>
-                </a:solidFill>
-              </a:rPr>
-              <a:t>)</a:t>
-            </a:r>
-          </a:p>
-          <a:p>
-            <a:pPr>
-              <a:lnSpc>
-                <a:spcPct val="70000"/>
-              </a:lnSpc>
-            </a:pPr>
-            <a:r>
-              <a:rPr lang="fr-FR" sz="2800" dirty="0" smtClean="0">
-                <a:solidFill>
-                  <a:srgbClr val="1E3272"/>
-                </a:solidFill>
-              </a:rPr>
-              <a:t>    </a:t>
-            </a:r>
-            <a:r>
-              <a:rPr lang="fr-FR" sz="2800" dirty="0" smtClean="0">
-                <a:solidFill>
-                  <a:srgbClr val="1E3272"/>
-                </a:solidFill>
-              </a:rPr>
-              <a:t>    add </a:t>
-            </a:r>
-            <a:r>
-              <a:rPr lang="fr-FR" sz="2800" dirty="0" smtClean="0">
-                <a:solidFill>
-                  <a:srgbClr val="FF0000"/>
-                </a:solidFill>
-              </a:rPr>
-              <a:t>t3</a:t>
-            </a:r>
-            <a:r>
-              <a:rPr lang="fr-FR" sz="2800" dirty="0" smtClean="0">
-                <a:solidFill>
-                  <a:srgbClr val="1E3272"/>
-                </a:solidFill>
-              </a:rPr>
-              <a:t>, </a:t>
-            </a:r>
-            <a:r>
-              <a:rPr lang="fr-FR" sz="2800" dirty="0" smtClean="0">
-                <a:solidFill>
-                  <a:srgbClr val="FF0000"/>
-                </a:solidFill>
-              </a:rPr>
-              <a:t>t0</a:t>
-            </a:r>
-            <a:r>
-              <a:rPr lang="fr-FR" sz="2800" dirty="0" smtClean="0">
-                <a:solidFill>
-                  <a:srgbClr val="1E3272"/>
-                </a:solidFill>
-              </a:rPr>
-              <a:t>, </a:t>
-            </a:r>
-            <a:r>
-              <a:rPr lang="fr-FR" sz="2800" dirty="0" smtClean="0">
-                <a:solidFill>
-                  <a:srgbClr val="FF0000"/>
-                </a:solidFill>
-              </a:rPr>
-              <a:t>t1</a:t>
-            </a:r>
-          </a:p>
-          <a:p>
-            <a:pPr>
-              <a:lnSpc>
-                <a:spcPct val="70000"/>
-              </a:lnSpc>
-            </a:pPr>
-            <a:r>
-              <a:rPr lang="fr-FR" sz="2800" dirty="0" smtClean="0">
-                <a:solidFill>
-                  <a:srgbClr val="1E3272"/>
-                </a:solidFill>
-              </a:rPr>
-              <a:t>    </a:t>
-            </a:r>
-            <a:r>
-              <a:rPr lang="fr-FR" sz="2800" dirty="0" smtClean="0">
-                <a:solidFill>
-                  <a:srgbClr val="1E3272"/>
-                </a:solidFill>
-              </a:rPr>
-              <a:t>    sw   </a:t>
+              <a:t>        sw   </a:t>
             </a:r>
             <a:r>
               <a:rPr lang="fr-FR" sz="2800" dirty="0" smtClean="0">
@@ -15530,11 +15085,6 @@
               </a:rPr>
               <a:t>data[3];</a:t>
             </a:r>
-            <a:endParaRPr lang="en-US" sz="3600" dirty="0" smtClean="0">
-              <a:solidFill>
-                <a:srgbClr val="1E3272"/>
-              </a:solidFill>
-            </a:endParaRPr>
           </a:p>
           <a:p>
             <a:pPr>
@@ -15791,6 +15341,1195 @@
       </p:grpSpPr>
       <p:sp>
         <p:nvSpPr>
+          <p:cNvPr id="3" name="Номер слайда 2"/>
+          <p:cNvSpPr>
+            <a:spLocks noGrp="1"/>
+          </p:cNvSpPr>
+          <p:nvPr>
+            <p:ph type="sldNum" sz="quarter" idx="12"/>
+          </p:nvPr>
+        </p:nvSpPr>
+        <p:spPr/>
+        <p:txBody>
+          <a:bodyPr/>
+          <a:lstStyle/>
+          <a:p>
+            <a:pPr algn="ctr"/>
+            <a:fld id="{1397BFD8-F312-4EF2-A268-44FB4BDDBBB0}" type="slidenum">
+              <a:rPr lang="ru-RU" smtClean="0"/>
+              <a:pPr algn="ctr"/>
+              <a:t>22</a:t>
+            </a:fld>
+            <a:endParaRPr lang="ru-RU" dirty="0"/>
+          </a:p>
+        </p:txBody>
+      </p:sp>
+      <p:sp>
+        <p:nvSpPr>
+          <p:cNvPr id="4" name="Заголовок 3"/>
+          <p:cNvSpPr>
+            <a:spLocks noGrp="1"/>
+          </p:cNvSpPr>
+          <p:nvPr>
+            <p:ph type="title"/>
+          </p:nvPr>
+        </p:nvSpPr>
+        <p:spPr/>
+        <p:txBody>
+          <a:bodyPr/>
+          <a:lstStyle/>
+          <a:p>
+            <a:r>
+              <a:rPr lang="en-US" dirty="0" smtClean="0"/>
+              <a:t>Load and Store </a:t>
+            </a:r>
+            <a:r>
+              <a:rPr lang="en-US" dirty="0" err="1" smtClean="0"/>
+              <a:t>Pseudoinstruction</a:t>
+            </a:r>
+            <a:r>
+              <a:rPr lang="en-US" dirty="0" smtClean="0"/>
+              <a:t> Example </a:t>
+            </a:r>
+            <a:endParaRPr lang="ru-RU" dirty="0"/>
+          </a:p>
+        </p:txBody>
+      </p:sp>
+      <p:sp>
+        <p:nvSpPr>
+          <p:cNvPr id="5" name="Rectangle 4"/>
+          <p:cNvSpPr/>
+          <p:nvPr/>
+        </p:nvSpPr>
+        <p:spPr>
+          <a:xfrm>
+            <a:off x="8190489" y="1306284"/>
+            <a:ext cx="2455747" cy="5021055"/>
+          </a:xfrm>
+          <a:prstGeom prst="rect">
+            <a:avLst/>
+          </a:prstGeom>
+        </p:spPr>
+        <p:txBody>
+          <a:bodyPr wrap="square">
+            <a:spAutoFit/>
+          </a:bodyPr>
+          <a:lstStyle/>
+          <a:p>
+            <a:pPr>
+              <a:lnSpc>
+                <a:spcPct val="70000"/>
+              </a:lnSpc>
+            </a:pPr>
+            <a:r>
+              <a:rPr lang="fr-FR" sz="2400" dirty="0" smtClean="0">
+                <a:solidFill>
+                  <a:srgbClr val="1E3272"/>
+                </a:solidFill>
+              </a:rPr>
+              <a:t>        .</a:t>
+            </a:r>
+            <a:r>
+              <a:rPr lang="fr-FR" sz="2400" dirty="0" smtClean="0">
+                <a:solidFill>
+                  <a:srgbClr val="FF0000"/>
+                </a:solidFill>
+              </a:rPr>
+              <a:t>data</a:t>
+            </a:r>
+          </a:p>
+          <a:p>
+            <a:pPr>
+              <a:lnSpc>
+                <a:spcPct val="70000"/>
+              </a:lnSpc>
+            </a:pPr>
+            <a:r>
+              <a:rPr lang="fr-FR" sz="2400" b="1" i="1" dirty="0" smtClean="0">
+                <a:solidFill>
+                  <a:srgbClr val="1E3272"/>
+                </a:solidFill>
+              </a:rPr>
+              <a:t>x</a:t>
+            </a:r>
+            <a:r>
+              <a:rPr lang="fr-FR" sz="2400" dirty="0" smtClean="0">
+                <a:solidFill>
+                  <a:srgbClr val="1E3272"/>
+                </a:solidFill>
+              </a:rPr>
+              <a:t>:</a:t>
+            </a:r>
+          </a:p>
+          <a:p>
+            <a:pPr>
+              <a:lnSpc>
+                <a:spcPct val="70000"/>
+              </a:lnSpc>
+            </a:pPr>
+            <a:r>
+              <a:rPr lang="fr-FR" sz="2400" dirty="0" smtClean="0">
+                <a:solidFill>
+                  <a:srgbClr val="1E3272"/>
+                </a:solidFill>
+              </a:rPr>
+              <a:t>        .</a:t>
+            </a:r>
+            <a:r>
+              <a:rPr lang="fr-FR" sz="2400" dirty="0" smtClean="0">
+                <a:solidFill>
+                  <a:srgbClr val="FF0000"/>
+                </a:solidFill>
+              </a:rPr>
+              <a:t>word</a:t>
+            </a:r>
+            <a:r>
+              <a:rPr lang="fr-FR" sz="2400" dirty="0" smtClean="0">
+                <a:solidFill>
+                  <a:srgbClr val="1E3272"/>
+                </a:solidFill>
+              </a:rPr>
+              <a:t> </a:t>
+            </a:r>
+            <a:r>
+              <a:rPr lang="fr-FR" sz="2400" dirty="0" smtClean="0">
+                <a:solidFill>
+                  <a:srgbClr val="2F5CB5"/>
+                </a:solidFill>
+              </a:rPr>
+              <a:t>0</a:t>
+            </a:r>
+          </a:p>
+          <a:p>
+            <a:pPr>
+              <a:lnSpc>
+                <a:spcPct val="70000"/>
+              </a:lnSpc>
+            </a:pPr>
+            <a:r>
+              <a:rPr lang="fr-FR" sz="2400" b="1" i="1" dirty="0" smtClean="0">
+                <a:solidFill>
+                  <a:srgbClr val="1E3272"/>
+                </a:solidFill>
+              </a:rPr>
+              <a:t>y</a:t>
+            </a:r>
+            <a:r>
+              <a:rPr lang="fr-FR" sz="2400" dirty="0" smtClean="0">
+                <a:solidFill>
+                  <a:srgbClr val="1E3272"/>
+                </a:solidFill>
+              </a:rPr>
+              <a:t>:</a:t>
+            </a:r>
+          </a:p>
+          <a:p>
+            <a:pPr>
+              <a:lnSpc>
+                <a:spcPct val="70000"/>
+              </a:lnSpc>
+            </a:pPr>
+            <a:r>
+              <a:rPr lang="fr-FR" sz="2400" dirty="0" smtClean="0">
+                <a:solidFill>
+                  <a:srgbClr val="1E3272"/>
+                </a:solidFill>
+              </a:rPr>
+              <a:t>        .</a:t>
+            </a:r>
+            <a:r>
+              <a:rPr lang="fr-FR" sz="2400" dirty="0" smtClean="0">
+                <a:solidFill>
+                  <a:srgbClr val="FF0000"/>
+                </a:solidFill>
+              </a:rPr>
+              <a:t>word</a:t>
+            </a:r>
+            <a:r>
+              <a:rPr lang="fr-FR" sz="2400" dirty="0" smtClean="0">
+                <a:solidFill>
+                  <a:srgbClr val="1E3272"/>
+                </a:solidFill>
+              </a:rPr>
+              <a:t> </a:t>
+            </a:r>
+            <a:r>
+              <a:rPr lang="fr-FR" sz="2400" dirty="0" smtClean="0">
+                <a:solidFill>
+                  <a:srgbClr val="2F5CB5"/>
+                </a:solidFill>
+              </a:rPr>
+              <a:t>0</a:t>
+            </a:r>
+          </a:p>
+          <a:p>
+            <a:pPr>
+              <a:lnSpc>
+                <a:spcPct val="70000"/>
+              </a:lnSpc>
+            </a:pPr>
+            <a:r>
+              <a:rPr lang="fr-FR" sz="2400" b="1" i="1" dirty="0" smtClean="0">
+                <a:solidFill>
+                  <a:srgbClr val="1E3272"/>
+                </a:solidFill>
+              </a:rPr>
+              <a:t>z</a:t>
+            </a:r>
+            <a:r>
+              <a:rPr lang="fr-FR" sz="2400" dirty="0" smtClean="0">
+                <a:solidFill>
+                  <a:srgbClr val="1E3272"/>
+                </a:solidFill>
+              </a:rPr>
+              <a:t>:</a:t>
+            </a:r>
+          </a:p>
+          <a:p>
+            <a:pPr>
+              <a:lnSpc>
+                <a:spcPct val="70000"/>
+              </a:lnSpc>
+            </a:pPr>
+            <a:r>
+              <a:rPr lang="fr-FR" sz="2400" dirty="0" smtClean="0">
+                <a:solidFill>
+                  <a:srgbClr val="1E3272"/>
+                </a:solidFill>
+              </a:rPr>
+              <a:t>        .</a:t>
+            </a:r>
+            <a:r>
+              <a:rPr lang="fr-FR" sz="2400" dirty="0" smtClean="0">
+                <a:solidFill>
+                  <a:srgbClr val="FF0000"/>
+                </a:solidFill>
+              </a:rPr>
+              <a:t>word</a:t>
+            </a:r>
+            <a:r>
+              <a:rPr lang="fr-FR" sz="2400" dirty="0" smtClean="0">
+                <a:solidFill>
+                  <a:srgbClr val="1E3272"/>
+                </a:solidFill>
+              </a:rPr>
+              <a:t> </a:t>
+            </a:r>
+            <a:r>
+              <a:rPr lang="fr-FR" sz="2400" dirty="0" smtClean="0">
+                <a:solidFill>
+                  <a:srgbClr val="2F5CB5"/>
+                </a:solidFill>
+              </a:rPr>
+              <a:t>0</a:t>
+            </a:r>
+          </a:p>
+          <a:p>
+            <a:pPr>
+              <a:lnSpc>
+                <a:spcPct val="70000"/>
+              </a:lnSpc>
+            </a:pPr>
+            <a:r>
+              <a:rPr lang="fr-FR" sz="2400" dirty="0" smtClean="0">
+                <a:solidFill>
+                  <a:srgbClr val="1E3272"/>
+                </a:solidFill>
+              </a:rPr>
+              <a:t>        .</a:t>
+            </a:r>
+            <a:r>
+              <a:rPr lang="fr-FR" sz="2400" dirty="0" smtClean="0">
+                <a:solidFill>
+                  <a:srgbClr val="FF0000"/>
+                </a:solidFill>
+              </a:rPr>
+              <a:t>text</a:t>
+            </a:r>
+          </a:p>
+          <a:p>
+            <a:pPr>
+              <a:lnSpc>
+                <a:spcPct val="70000"/>
+              </a:lnSpc>
+            </a:pPr>
+            <a:r>
+              <a:rPr lang="fr-FR" sz="2400" b="1" i="1" dirty="0" smtClean="0">
+                <a:solidFill>
+                  <a:srgbClr val="1E3272"/>
+                </a:solidFill>
+              </a:rPr>
+              <a:t>main</a:t>
+            </a:r>
+            <a:r>
+              <a:rPr lang="fr-FR" sz="2400" dirty="0" smtClean="0">
+                <a:solidFill>
+                  <a:srgbClr val="1E3272"/>
+                </a:solidFill>
+              </a:rPr>
+              <a:t>:</a:t>
+            </a:r>
+          </a:p>
+          <a:p>
+            <a:pPr>
+              <a:lnSpc>
+                <a:spcPct val="70000"/>
+              </a:lnSpc>
+            </a:pPr>
+            <a:r>
+              <a:rPr lang="fr-FR" sz="2400" dirty="0" smtClean="0">
+                <a:solidFill>
+                  <a:srgbClr val="1E3272"/>
+                </a:solidFill>
+              </a:rPr>
+              <a:t>        read_int(</a:t>
+            </a:r>
+            <a:r>
+              <a:rPr lang="fr-FR" sz="2400" dirty="0" smtClean="0">
+                <a:solidFill>
+                  <a:srgbClr val="FF0000"/>
+                </a:solidFill>
+              </a:rPr>
+              <a:t>t0</a:t>
+            </a:r>
+            <a:r>
+              <a:rPr lang="fr-FR" sz="2400" dirty="0" smtClean="0">
+                <a:solidFill>
+                  <a:srgbClr val="1E3272"/>
+                </a:solidFill>
+              </a:rPr>
+              <a:t>)</a:t>
+            </a:r>
+          </a:p>
+          <a:p>
+            <a:pPr>
+              <a:lnSpc>
+                <a:spcPct val="70000"/>
+              </a:lnSpc>
+            </a:pPr>
+            <a:r>
+              <a:rPr lang="fr-FR" sz="2400" dirty="0" smtClean="0">
+                <a:solidFill>
+                  <a:srgbClr val="1E3272"/>
+                </a:solidFill>
+              </a:rPr>
+              <a:t>        </a:t>
+            </a:r>
+            <a:r>
+              <a:rPr lang="fr-FR" sz="2400" dirty="0" smtClean="0">
+                <a:solidFill>
+                  <a:srgbClr val="1E3272"/>
+                </a:solidFill>
+              </a:rPr>
+              <a:t>sw   </a:t>
+            </a:r>
+            <a:r>
+              <a:rPr lang="fr-FR" sz="2400" dirty="0" smtClean="0">
+                <a:solidFill>
+                  <a:srgbClr val="FF0000"/>
+                </a:solidFill>
+              </a:rPr>
+              <a:t>t0</a:t>
+            </a:r>
+            <a:r>
+              <a:rPr lang="fr-FR" sz="2400" dirty="0" smtClean="0">
+                <a:solidFill>
+                  <a:srgbClr val="1E3272"/>
+                </a:solidFill>
+              </a:rPr>
+              <a:t>, </a:t>
+            </a:r>
+            <a:r>
+              <a:rPr lang="fr-FR" sz="2400" dirty="0" smtClean="0">
+                <a:solidFill>
+                  <a:srgbClr val="1E3272"/>
+                </a:solidFill>
+              </a:rPr>
+              <a:t>x, </a:t>
+            </a:r>
+            <a:r>
+              <a:rPr lang="fr-FR" sz="2400" dirty="0" smtClean="0">
+                <a:solidFill>
+                  <a:srgbClr val="FF0000"/>
+                </a:solidFill>
+              </a:rPr>
+              <a:t>t2</a:t>
+            </a:r>
+            <a:endParaRPr lang="fr-FR" sz="2400" dirty="0" smtClean="0">
+              <a:solidFill>
+                <a:srgbClr val="1E3272"/>
+              </a:solidFill>
+            </a:endParaRPr>
+          </a:p>
+          <a:p>
+            <a:pPr>
+              <a:lnSpc>
+                <a:spcPct val="70000"/>
+              </a:lnSpc>
+            </a:pPr>
+            <a:endParaRPr lang="fr-FR" sz="2400" dirty="0" smtClean="0">
+              <a:solidFill>
+                <a:srgbClr val="1E3272"/>
+              </a:solidFill>
+            </a:endParaRPr>
+          </a:p>
+          <a:p>
+            <a:pPr>
+              <a:lnSpc>
+                <a:spcPct val="70000"/>
+              </a:lnSpc>
+            </a:pPr>
+            <a:r>
+              <a:rPr lang="fr-FR" sz="2400" dirty="0" smtClean="0">
+                <a:solidFill>
+                  <a:srgbClr val="1E3272"/>
+                </a:solidFill>
+              </a:rPr>
+              <a:t>        read_int(</a:t>
+            </a:r>
+            <a:r>
+              <a:rPr lang="fr-FR" sz="2400" dirty="0" smtClean="0">
+                <a:solidFill>
+                  <a:srgbClr val="FF0000"/>
+                </a:solidFill>
+              </a:rPr>
+              <a:t>t0</a:t>
+            </a:r>
+            <a:r>
+              <a:rPr lang="fr-FR" sz="2400" dirty="0" smtClean="0">
+                <a:solidFill>
+                  <a:srgbClr val="1E3272"/>
+                </a:solidFill>
+              </a:rPr>
+              <a:t>)</a:t>
+            </a:r>
+          </a:p>
+          <a:p>
+            <a:pPr>
+              <a:lnSpc>
+                <a:spcPct val="70000"/>
+              </a:lnSpc>
+            </a:pPr>
+            <a:r>
+              <a:rPr lang="fr-FR" sz="2400" dirty="0" smtClean="0">
+                <a:solidFill>
+                  <a:srgbClr val="1E3272"/>
+                </a:solidFill>
+              </a:rPr>
+              <a:t>        </a:t>
+            </a:r>
+            <a:r>
+              <a:rPr lang="fr-FR" sz="2400" dirty="0" smtClean="0">
+                <a:solidFill>
+                  <a:srgbClr val="1E3272"/>
+                </a:solidFill>
+              </a:rPr>
+              <a:t>sw   </a:t>
+            </a:r>
+            <a:r>
+              <a:rPr lang="fr-FR" sz="2400" dirty="0" smtClean="0">
+                <a:solidFill>
+                  <a:srgbClr val="FF0000"/>
+                </a:solidFill>
+              </a:rPr>
+              <a:t>t0</a:t>
+            </a:r>
+            <a:r>
+              <a:rPr lang="fr-FR" sz="2400" dirty="0" smtClean="0">
+                <a:solidFill>
+                  <a:srgbClr val="1E3272"/>
+                </a:solidFill>
+              </a:rPr>
+              <a:t>, </a:t>
+            </a:r>
+            <a:r>
+              <a:rPr lang="fr-FR" sz="2400" dirty="0" smtClean="0">
+                <a:solidFill>
+                  <a:srgbClr val="1E3272"/>
+                </a:solidFill>
+              </a:rPr>
+              <a:t>y, </a:t>
+            </a:r>
+            <a:r>
+              <a:rPr lang="fr-FR" sz="2400" dirty="0" smtClean="0">
+                <a:solidFill>
+                  <a:srgbClr val="FF0000"/>
+                </a:solidFill>
+              </a:rPr>
+              <a:t>t2</a:t>
+            </a:r>
+            <a:endParaRPr lang="fr-FR" sz="2400" dirty="0" smtClean="0">
+              <a:solidFill>
+                <a:srgbClr val="1E3272"/>
+              </a:solidFill>
+            </a:endParaRPr>
+          </a:p>
+          <a:p>
+            <a:pPr>
+              <a:lnSpc>
+                <a:spcPct val="70000"/>
+              </a:lnSpc>
+            </a:pPr>
+            <a:endParaRPr lang="fr-FR" sz="2400" dirty="0" smtClean="0">
+              <a:solidFill>
+                <a:srgbClr val="1E3272"/>
+              </a:solidFill>
+            </a:endParaRPr>
+          </a:p>
+          <a:p>
+            <a:pPr>
+              <a:lnSpc>
+                <a:spcPct val="70000"/>
+              </a:lnSpc>
+            </a:pPr>
+            <a:r>
+              <a:rPr lang="fr-FR" sz="2400" dirty="0" smtClean="0">
+                <a:solidFill>
+                  <a:srgbClr val="1E3272"/>
+                </a:solidFill>
+              </a:rPr>
+              <a:t>        </a:t>
+            </a:r>
+            <a:r>
+              <a:rPr lang="fr-FR" sz="2400" dirty="0" smtClean="0">
+                <a:solidFill>
+                  <a:srgbClr val="1E3272"/>
+                </a:solidFill>
+              </a:rPr>
+              <a:t>lw    </a:t>
+            </a:r>
+            <a:r>
+              <a:rPr lang="fr-FR" sz="2400" dirty="0" smtClean="0">
+                <a:solidFill>
+                  <a:srgbClr val="FF0000"/>
+                </a:solidFill>
+              </a:rPr>
+              <a:t>t0</a:t>
+            </a:r>
+            <a:r>
+              <a:rPr lang="fr-FR" sz="2400" dirty="0" smtClean="0">
+                <a:solidFill>
+                  <a:srgbClr val="1E3272"/>
+                </a:solidFill>
+              </a:rPr>
+              <a:t>, </a:t>
+            </a:r>
+            <a:r>
+              <a:rPr lang="fr-FR" sz="2400" dirty="0" smtClean="0">
+                <a:solidFill>
+                  <a:srgbClr val="1E3272"/>
+                </a:solidFill>
+              </a:rPr>
+              <a:t>x</a:t>
+            </a:r>
+            <a:endParaRPr lang="fr-FR" sz="2400" dirty="0" smtClean="0">
+              <a:solidFill>
+                <a:srgbClr val="1E3272"/>
+              </a:solidFill>
+            </a:endParaRPr>
+          </a:p>
+          <a:p>
+            <a:pPr>
+              <a:lnSpc>
+                <a:spcPct val="70000"/>
+              </a:lnSpc>
+            </a:pPr>
+            <a:r>
+              <a:rPr lang="fr-FR" sz="2400" dirty="0" smtClean="0">
+                <a:solidFill>
+                  <a:srgbClr val="1E3272"/>
+                </a:solidFill>
+              </a:rPr>
+              <a:t>        </a:t>
+            </a:r>
+            <a:r>
+              <a:rPr lang="fr-FR" sz="2400" dirty="0" smtClean="0">
+                <a:solidFill>
+                  <a:srgbClr val="1E3272"/>
+                </a:solidFill>
+              </a:rPr>
+              <a:t>lw    </a:t>
+            </a:r>
+            <a:r>
+              <a:rPr lang="fr-FR" sz="2400" dirty="0" smtClean="0">
+                <a:solidFill>
+                  <a:srgbClr val="FF0000"/>
+                </a:solidFill>
+              </a:rPr>
+              <a:t>t1</a:t>
+            </a:r>
+            <a:r>
+              <a:rPr lang="fr-FR" sz="2400" dirty="0" smtClean="0">
+                <a:solidFill>
+                  <a:srgbClr val="1E3272"/>
+                </a:solidFill>
+              </a:rPr>
+              <a:t>, </a:t>
+            </a:r>
+            <a:r>
+              <a:rPr lang="fr-FR" sz="2400" dirty="0" smtClean="0">
+                <a:solidFill>
+                  <a:srgbClr val="1E3272"/>
+                </a:solidFill>
+              </a:rPr>
+              <a:t>y</a:t>
+            </a:r>
+            <a:endParaRPr lang="fr-FR" sz="2400" dirty="0" smtClean="0">
+              <a:solidFill>
+                <a:srgbClr val="1E3272"/>
+              </a:solidFill>
+            </a:endParaRPr>
+          </a:p>
+          <a:p>
+            <a:pPr>
+              <a:lnSpc>
+                <a:spcPct val="70000"/>
+              </a:lnSpc>
+            </a:pPr>
+            <a:r>
+              <a:rPr lang="fr-FR" sz="2400" dirty="0" smtClean="0">
+                <a:solidFill>
+                  <a:srgbClr val="1E3272"/>
+                </a:solidFill>
+              </a:rPr>
+              <a:t>        add </a:t>
+            </a:r>
+            <a:r>
+              <a:rPr lang="fr-FR" sz="2400" dirty="0" smtClean="0">
+                <a:solidFill>
+                  <a:srgbClr val="1E3272"/>
+                </a:solidFill>
+              </a:rPr>
+              <a:t> </a:t>
+            </a:r>
+            <a:r>
+              <a:rPr lang="fr-FR" sz="2400" dirty="0" smtClean="0">
+                <a:solidFill>
+                  <a:srgbClr val="FF0000"/>
+                </a:solidFill>
+              </a:rPr>
+              <a:t>t3</a:t>
+            </a:r>
+            <a:r>
+              <a:rPr lang="fr-FR" sz="2400" dirty="0" smtClean="0">
+                <a:solidFill>
+                  <a:srgbClr val="1E3272"/>
+                </a:solidFill>
+              </a:rPr>
+              <a:t>, </a:t>
+            </a:r>
+            <a:r>
+              <a:rPr lang="fr-FR" sz="2400" dirty="0" smtClean="0">
+                <a:solidFill>
+                  <a:srgbClr val="FF0000"/>
+                </a:solidFill>
+              </a:rPr>
+              <a:t>t0</a:t>
+            </a:r>
+            <a:r>
+              <a:rPr lang="fr-FR" sz="2400" dirty="0" smtClean="0">
+                <a:solidFill>
+                  <a:srgbClr val="1E3272"/>
+                </a:solidFill>
+              </a:rPr>
+              <a:t>, </a:t>
+            </a:r>
+            <a:r>
+              <a:rPr lang="fr-FR" sz="2400" dirty="0" smtClean="0">
+                <a:solidFill>
+                  <a:srgbClr val="FF0000"/>
+                </a:solidFill>
+              </a:rPr>
+              <a:t>t1</a:t>
+            </a:r>
+          </a:p>
+          <a:p>
+            <a:pPr>
+              <a:lnSpc>
+                <a:spcPct val="70000"/>
+              </a:lnSpc>
+            </a:pPr>
+            <a:r>
+              <a:rPr lang="fr-FR" sz="2400" dirty="0" smtClean="0">
+                <a:solidFill>
+                  <a:srgbClr val="1E3272"/>
+                </a:solidFill>
+              </a:rPr>
+              <a:t> </a:t>
+            </a:r>
+            <a:r>
+              <a:rPr lang="fr-FR" sz="2400" dirty="0" smtClean="0">
+                <a:solidFill>
+                  <a:srgbClr val="1E3272"/>
+                </a:solidFill>
+              </a:rPr>
+              <a:t>       sw    </a:t>
+            </a:r>
+            <a:r>
+              <a:rPr lang="fr-FR" sz="2400" dirty="0" smtClean="0">
+                <a:solidFill>
+                  <a:srgbClr val="FF0000"/>
+                </a:solidFill>
+              </a:rPr>
+              <a:t>t3</a:t>
+            </a:r>
+            <a:r>
+              <a:rPr lang="fr-FR" sz="2400" dirty="0" smtClean="0">
+                <a:solidFill>
+                  <a:srgbClr val="1E3272"/>
+                </a:solidFill>
+              </a:rPr>
+              <a:t>, </a:t>
+            </a:r>
+            <a:r>
+              <a:rPr lang="fr-FR" sz="2400" dirty="0" smtClean="0">
+                <a:solidFill>
+                  <a:srgbClr val="1E3272"/>
+                </a:solidFill>
+              </a:rPr>
+              <a:t>z, </a:t>
+            </a:r>
+            <a:r>
+              <a:rPr lang="fr-FR" sz="2400" dirty="0" smtClean="0">
+                <a:solidFill>
+                  <a:srgbClr val="FF0000"/>
+                </a:solidFill>
+              </a:rPr>
+              <a:t>t2</a:t>
+            </a:r>
+            <a:endParaRPr lang="en-US" sz="2400" i="1" dirty="0" smtClean="0">
+              <a:solidFill>
+                <a:srgbClr val="00B050"/>
+              </a:solidFill>
+            </a:endParaRPr>
+          </a:p>
+        </p:txBody>
+      </p:sp>
+      <p:sp>
+        <p:nvSpPr>
+          <p:cNvPr id="6" name="Rectangle 4"/>
+          <p:cNvSpPr/>
+          <p:nvPr/>
+        </p:nvSpPr>
+        <p:spPr>
+          <a:xfrm>
+            <a:off x="815419" y="1919530"/>
+            <a:ext cx="5872763" cy="3083921"/>
+          </a:xfrm>
+          <a:prstGeom prst="rect">
+            <a:avLst/>
+          </a:prstGeom>
+        </p:spPr>
+        <p:txBody>
+          <a:bodyPr wrap="square">
+            <a:spAutoFit/>
+          </a:bodyPr>
+          <a:lstStyle/>
+          <a:p>
+            <a:pPr>
+              <a:lnSpc>
+                <a:spcPct val="90000"/>
+              </a:lnSpc>
+            </a:pPr>
+            <a:r>
+              <a:rPr lang="en-US" sz="3600" dirty="0" smtClean="0">
+                <a:solidFill>
+                  <a:srgbClr val="00B050"/>
+                </a:solidFill>
+              </a:rPr>
+              <a:t># x, y, and z are static variables</a:t>
+            </a:r>
+          </a:p>
+          <a:p>
+            <a:pPr>
+              <a:lnSpc>
+                <a:spcPct val="90000"/>
+              </a:lnSpc>
+            </a:pPr>
+            <a:endParaRPr lang="en-US" sz="3600" dirty="0" smtClean="0">
+              <a:solidFill>
+                <a:srgbClr val="00B050"/>
+              </a:solidFill>
+            </a:endParaRPr>
+          </a:p>
+          <a:p>
+            <a:pPr>
+              <a:lnSpc>
+                <a:spcPct val="90000"/>
+              </a:lnSpc>
+            </a:pPr>
+            <a:r>
+              <a:rPr lang="en-US" sz="3600" b="1" dirty="0" err="1" smtClean="0">
+                <a:solidFill>
+                  <a:srgbClr val="1E3272"/>
+                </a:solidFill>
+              </a:rPr>
+              <a:t>int</a:t>
+            </a:r>
+            <a:r>
+              <a:rPr lang="en-US" sz="3600" b="1" dirty="0" smtClean="0">
+                <a:solidFill>
+                  <a:srgbClr val="1E3272"/>
+                </a:solidFill>
+              </a:rPr>
+              <a:t> </a:t>
+            </a:r>
+            <a:r>
+              <a:rPr lang="en-US" sz="3600" dirty="0" smtClean="0">
+                <a:solidFill>
+                  <a:srgbClr val="1E3272"/>
+                </a:solidFill>
+              </a:rPr>
+              <a:t>x, y, z;</a:t>
+            </a:r>
+          </a:p>
+          <a:p>
+            <a:pPr>
+              <a:lnSpc>
+                <a:spcPct val="90000"/>
+              </a:lnSpc>
+            </a:pPr>
+            <a:r>
+              <a:rPr lang="en-US" sz="3600" dirty="0" smtClean="0">
+                <a:solidFill>
+                  <a:srgbClr val="1E3272"/>
+                </a:solidFill>
+              </a:rPr>
+              <a:t>x = </a:t>
+            </a:r>
+            <a:r>
+              <a:rPr lang="en-US" sz="3600" i="1" dirty="0" err="1" smtClean="0">
+                <a:solidFill>
+                  <a:srgbClr val="1E3272"/>
+                </a:solidFill>
+              </a:rPr>
+              <a:t>read_int</a:t>
+            </a:r>
+            <a:r>
+              <a:rPr lang="en-US" sz="3600" dirty="0" smtClean="0">
+                <a:solidFill>
+                  <a:srgbClr val="1E3272"/>
+                </a:solidFill>
+              </a:rPr>
+              <a:t>();</a:t>
+            </a:r>
+          </a:p>
+          <a:p>
+            <a:pPr>
+              <a:lnSpc>
+                <a:spcPct val="90000"/>
+              </a:lnSpc>
+            </a:pPr>
+            <a:r>
+              <a:rPr lang="en-US" sz="3600" dirty="0" smtClean="0">
+                <a:solidFill>
+                  <a:srgbClr val="1E3272"/>
+                </a:solidFill>
+              </a:rPr>
+              <a:t>y = </a:t>
+            </a:r>
+            <a:r>
+              <a:rPr lang="en-US" sz="3600" i="1" dirty="0" err="1" smtClean="0">
+                <a:solidFill>
+                  <a:srgbClr val="1E3272"/>
+                </a:solidFill>
+              </a:rPr>
+              <a:t>read_int</a:t>
+            </a:r>
+            <a:r>
+              <a:rPr lang="en-US" sz="3600" dirty="0" smtClean="0">
+                <a:solidFill>
+                  <a:srgbClr val="1E3272"/>
+                </a:solidFill>
+              </a:rPr>
+              <a:t>();</a:t>
+            </a:r>
+          </a:p>
+          <a:p>
+            <a:pPr>
+              <a:lnSpc>
+                <a:spcPct val="90000"/>
+              </a:lnSpc>
+            </a:pPr>
+            <a:r>
+              <a:rPr lang="en-US" sz="3600" dirty="0" smtClean="0">
+                <a:solidFill>
+                  <a:srgbClr val="1E3272"/>
+                </a:solidFill>
+              </a:rPr>
+              <a:t>z = x + y;</a:t>
+            </a:r>
+            <a:endParaRPr lang="en-US" sz="3600" dirty="0">
+              <a:solidFill>
+                <a:srgbClr val="1E3272"/>
+              </a:solidFill>
+            </a:endParaRPr>
+          </a:p>
+        </p:txBody>
+      </p:sp>
+      <p:cxnSp>
+        <p:nvCxnSpPr>
+          <p:cNvPr id="7" name="Прямая со стрелкой 6"/>
+          <p:cNvCxnSpPr/>
+          <p:nvPr/>
+        </p:nvCxnSpPr>
+        <p:spPr>
+          <a:xfrm flipV="1">
+            <a:off x="2899954" y="2246811"/>
+            <a:ext cx="5133703" cy="1045031"/>
+          </a:xfrm>
+          <a:prstGeom prst="straightConnector1">
+            <a:avLst/>
+          </a:prstGeom>
+          <a:ln w="38100">
+            <a:solidFill>
+              <a:srgbClr val="F7B217"/>
+            </a:solidFill>
+            <a:tailEnd type="triangle" w="lg" len="lg"/>
+          </a:ln>
+        </p:spPr>
+        <p:style>
+          <a:lnRef idx="1">
+            <a:schemeClr val="accent1"/>
+          </a:lnRef>
+          <a:fillRef idx="0">
+            <a:schemeClr val="accent1"/>
+          </a:fillRef>
+          <a:effectRef idx="0">
+            <a:schemeClr val="accent1"/>
+          </a:effectRef>
+          <a:fontRef idx="minor">
+            <a:schemeClr val="tx1"/>
+          </a:fontRef>
+        </p:style>
+      </p:cxnSp>
+      <p:cxnSp>
+        <p:nvCxnSpPr>
+          <p:cNvPr id="10" name="Прямая со стрелкой 9"/>
+          <p:cNvCxnSpPr/>
+          <p:nvPr/>
+        </p:nvCxnSpPr>
+        <p:spPr>
+          <a:xfrm>
+            <a:off x="3644538" y="3735979"/>
+            <a:ext cx="4990011" cy="209004"/>
+          </a:xfrm>
+          <a:prstGeom prst="straightConnector1">
+            <a:avLst/>
+          </a:prstGeom>
+          <a:ln w="38100">
+            <a:solidFill>
+              <a:srgbClr val="F7B217"/>
+            </a:solidFill>
+            <a:tailEnd type="triangle" w="lg" len="lg"/>
+          </a:ln>
+        </p:spPr>
+        <p:style>
+          <a:lnRef idx="1">
+            <a:schemeClr val="accent1"/>
+          </a:lnRef>
+          <a:fillRef idx="0">
+            <a:schemeClr val="accent1"/>
+          </a:fillRef>
+          <a:effectRef idx="0">
+            <a:schemeClr val="accent1"/>
+          </a:effectRef>
+          <a:fontRef idx="minor">
+            <a:schemeClr val="tx1"/>
+          </a:fontRef>
+        </p:style>
+      </p:cxnSp>
+      <p:cxnSp>
+        <p:nvCxnSpPr>
+          <p:cNvPr id="13" name="Прямая со стрелкой 12"/>
+          <p:cNvCxnSpPr/>
+          <p:nvPr/>
+        </p:nvCxnSpPr>
+        <p:spPr>
+          <a:xfrm>
+            <a:off x="3735979" y="4232366"/>
+            <a:ext cx="4833255" cy="509451"/>
+          </a:xfrm>
+          <a:prstGeom prst="straightConnector1">
+            <a:avLst/>
+          </a:prstGeom>
+          <a:ln w="38100">
+            <a:solidFill>
+              <a:srgbClr val="F7B217"/>
+            </a:solidFill>
+            <a:tailEnd type="triangle" w="lg" len="lg"/>
+          </a:ln>
+        </p:spPr>
+        <p:style>
+          <a:lnRef idx="1">
+            <a:schemeClr val="accent1"/>
+          </a:lnRef>
+          <a:fillRef idx="0">
+            <a:schemeClr val="accent1"/>
+          </a:fillRef>
+          <a:effectRef idx="0">
+            <a:schemeClr val="accent1"/>
+          </a:effectRef>
+          <a:fontRef idx="minor">
+            <a:schemeClr val="tx1"/>
+          </a:fontRef>
+        </p:style>
+      </p:cxnSp>
+      <p:cxnSp>
+        <p:nvCxnSpPr>
+          <p:cNvPr id="22" name="Прямая со стрелкой 21"/>
+          <p:cNvCxnSpPr/>
+          <p:nvPr/>
+        </p:nvCxnSpPr>
+        <p:spPr>
+          <a:xfrm>
+            <a:off x="2690949" y="4781006"/>
+            <a:ext cx="5852160" cy="940525"/>
+          </a:xfrm>
+          <a:prstGeom prst="straightConnector1">
+            <a:avLst/>
+          </a:prstGeom>
+          <a:ln w="38100">
+            <a:solidFill>
+              <a:srgbClr val="F7B217"/>
+            </a:solidFill>
+            <a:tailEnd type="triangle" w="lg" len="lg"/>
+          </a:ln>
+        </p:spPr>
+        <p:style>
+          <a:lnRef idx="1">
+            <a:schemeClr val="accent1"/>
+          </a:lnRef>
+          <a:fillRef idx="0">
+            <a:schemeClr val="accent1"/>
+          </a:fillRef>
+          <a:effectRef idx="0">
+            <a:schemeClr val="accent1"/>
+          </a:effectRef>
+          <a:fontRef idx="minor">
+            <a:schemeClr val="tx1"/>
+          </a:fontRef>
+        </p:style>
+      </p:cxnSp>
+    </p:spTree>
+  </p:cSld>
+  <p:clrMapOvr>
+    <a:masterClrMapping/>
+  </p:clrMapOvr>
+</p:sld>
+</file>
+
+<file path=ppt/slides/slide23.xml><?xml version="1.0" encoding="utf-8"?>
+<p:sld xmlns:a="http://schemas.openxmlformats.org/drawingml/2006/main" xmlns:r="http://schemas.openxmlformats.org/officeDocument/2006/relationships" xmlns:p="http://schemas.openxmlformats.org/presentationml/2006/main">
+  <p:cSld>
+    <p:spTree>
+      <p:nvGrpSpPr>
+        <p:cNvPr id="1" name=""/>
+        <p:cNvGrpSpPr/>
+        <p:nvPr/>
+      </p:nvGrpSpPr>
+      <p:grpSpPr>
+        <a:xfrm>
+          <a:off x="0" y="0"/>
+          <a:ext cx="0" cy="0"/>
+          <a:chOff x="0" y="0"/>
+          <a:chExt cx="0" cy="0"/>
+        </a:xfrm>
+      </p:grpSpPr>
+      <p:sp>
+        <p:nvSpPr>
+          <p:cNvPr id="2" name="Содержимое 1"/>
+          <p:cNvSpPr>
+            <a:spLocks noGrp="1"/>
+          </p:cNvSpPr>
+          <p:nvPr>
+            <p:ph idx="1"/>
+          </p:nvPr>
+        </p:nvSpPr>
+        <p:spPr/>
+        <p:txBody>
+          <a:bodyPr/>
+          <a:lstStyle/>
+          <a:p>
+            <a:endParaRPr lang="ru-RU"/>
+          </a:p>
+        </p:txBody>
+      </p:sp>
+      <p:sp>
+        <p:nvSpPr>
+          <p:cNvPr id="3" name="Номер слайда 2"/>
+          <p:cNvSpPr>
+            <a:spLocks noGrp="1"/>
+          </p:cNvSpPr>
+          <p:nvPr>
+            <p:ph type="sldNum" sz="quarter" idx="12"/>
+          </p:nvPr>
+        </p:nvSpPr>
+        <p:spPr/>
+        <p:txBody>
+          <a:bodyPr/>
+          <a:lstStyle/>
+          <a:p>
+            <a:pPr algn="ctr"/>
+            <a:fld id="{1397BFD8-F312-4EF2-A268-44FB4BDDBBB0}" type="slidenum">
+              <a:rPr lang="ru-RU" smtClean="0"/>
+              <a:pPr algn="ctr"/>
+              <a:t>23</a:t>
+            </a:fld>
+            <a:endParaRPr lang="ru-RU" dirty="0"/>
+          </a:p>
+        </p:txBody>
+      </p:sp>
+      <p:sp>
+        <p:nvSpPr>
+          <p:cNvPr id="4" name="Заголовок 3"/>
+          <p:cNvSpPr>
+            <a:spLocks noGrp="1"/>
+          </p:cNvSpPr>
+          <p:nvPr>
+            <p:ph type="title"/>
+          </p:nvPr>
+        </p:nvSpPr>
+        <p:spPr/>
+        <p:txBody>
+          <a:bodyPr/>
+          <a:lstStyle/>
+          <a:p>
+            <a:r>
+              <a:rPr lang="en-US" dirty="0" smtClean="0"/>
+              <a:t>Load and Store Pseudo Instruction</a:t>
+            </a:r>
+            <a:endParaRPr lang="ru-RU" dirty="0"/>
+          </a:p>
+        </p:txBody>
+      </p:sp>
+    </p:spTree>
+  </p:cSld>
+  <p:clrMapOvr>
+    <a:masterClrMapping/>
+  </p:clrMapOvr>
+</p:sld>
+</file>
+
+<file path=ppt/slides/slide24.xml><?xml version="1.0" encoding="utf-8"?>
+<p:sld xmlns:a="http://schemas.openxmlformats.org/drawingml/2006/main" xmlns:r="http://schemas.openxmlformats.org/officeDocument/2006/relationships" xmlns:p="http://schemas.openxmlformats.org/presentationml/2006/main">
+  <p:cSld>
+    <p:spTree>
+      <p:nvGrpSpPr>
+        <p:cNvPr id="1" name=""/>
+        <p:cNvGrpSpPr/>
+        <p:nvPr/>
+      </p:nvGrpSpPr>
+      <p:grpSpPr>
+        <a:xfrm>
+          <a:off x="0" y="0"/>
+          <a:ext cx="0" cy="0"/>
+          <a:chOff x="0" y="0"/>
+          <a:chExt cx="0" cy="0"/>
+        </a:xfrm>
+      </p:grpSpPr>
+      <p:sp>
+        <p:nvSpPr>
           <p:cNvPr id="4" name="Прямоугольник 3"/>
           <p:cNvSpPr/>
           <p:nvPr/>
@@ -16271,7 +17010,7 @@
             <a:fld id="{1397BFD8-F312-4EF2-A268-44FB4BDDBBB0}" type="slidenum">
               <a:rPr lang="ru-RU" smtClean="0"/>
               <a:pPr algn="ctr"/>
-              <a:t>22</a:t>
+              <a:t>24</a:t>
             </a:fld>
             <a:endParaRPr lang="ru-RU" dirty="0"/>
           </a:p>
@@ -16280,7 +17019,7 @@
     </p:spTree>
     <p:extLst>
       <p:ext uri="{BB962C8B-B14F-4D97-AF65-F5344CB8AC3E}">
-        <p14:creationId xmlns="" xmlns:p14="http://schemas.microsoft.com/office/powerpoint/2010/main" val="4217875043"/>
+        <p14:creationId xmlns:p14="http://schemas.microsoft.com/office/powerpoint/2010/main" xmlns="" val="4217875043"/>
       </p:ext>
     </p:extLst>
   </p:cSld>
@@ -16456,7 +17195,7 @@
     </p:spTree>
     <p:extLst>
       <p:ext uri="{BB962C8B-B14F-4D97-AF65-F5344CB8AC3E}">
-        <p14:creationId xmlns="" xmlns:p14="http://schemas.microsoft.com/office/powerpoint/2010/main" val="2794061502"/>
+        <p14:creationId xmlns:p14="http://schemas.microsoft.com/office/powerpoint/2010/main" xmlns="" val="2794061502"/>
       </p:ext>
     </p:extLst>
   </p:cSld>
@@ -16604,7 +17343,7 @@
     </p:spTree>
     <p:extLst>
       <p:ext uri="{BB962C8B-B14F-4D97-AF65-F5344CB8AC3E}">
-        <p14:creationId xmlns="" xmlns:p14="http://schemas.microsoft.com/office/powerpoint/2010/main" val="1679566440"/>
+        <p14:creationId xmlns:p14="http://schemas.microsoft.com/office/powerpoint/2010/main" xmlns="" val="1679566440"/>
       </p:ext>
     </p:extLst>
   </p:cSld>
@@ -16808,7 +17547,7 @@
     </p:spTree>
     <p:extLst>
       <p:ext uri="{BB962C8B-B14F-4D97-AF65-F5344CB8AC3E}">
-        <p14:creationId xmlns="" xmlns:p14="http://schemas.microsoft.com/office/powerpoint/2010/main" val="1942338915"/>
+        <p14:creationId xmlns:p14="http://schemas.microsoft.com/office/powerpoint/2010/main" xmlns="" val="1942338915"/>
       </p:ext>
     </p:extLst>
   </p:cSld>
@@ -17297,7 +18036,7 @@
     </p:spTree>
     <p:extLst>
       <p:ext uri="{BB962C8B-B14F-4D97-AF65-F5344CB8AC3E}">
-        <p14:creationId xmlns="" xmlns:p14="http://schemas.microsoft.com/office/powerpoint/2010/main" val="499975193"/>
+        <p14:creationId xmlns:p14="http://schemas.microsoft.com/office/powerpoint/2010/main" xmlns="" val="499975193"/>
       </p:ext>
     </p:extLst>
   </p:cSld>
@@ -18019,7 +18758,7 @@
     </p:spTree>
     <p:extLst>
       <p:ext uri="{BB962C8B-B14F-4D97-AF65-F5344CB8AC3E}">
-        <p14:creationId xmlns="" xmlns:p14="http://schemas.microsoft.com/office/powerpoint/2010/main" val="3268272223"/>
+        <p14:creationId xmlns:p14="http://schemas.microsoft.com/office/powerpoint/2010/main" xmlns="" val="3268272223"/>
       </p:ext>
     </p:extLst>
   </p:cSld>
@@ -20037,7 +20776,7 @@
   <a:extraClrSchemeLst/>
   <a:extLst>
     <a:ext uri="{05A4C25C-085E-4340-85A3-A5531E510DB2}">
-      <thm15:themeFamily xmlns="" xmlns:thm15="http://schemas.microsoft.com/office/thememl/2012/main" name="Office Theme" id="{62F939B6-93AF-4DB8-9C6B-D6C7DFDC589F}" vid="{4A3C46E8-61CC-4603-A589-7422A47A8E4A}"/>
+      <thm15:themeFamily xmlns:thm15="http://schemas.microsoft.com/office/thememl/2012/main" xmlns="" name="Office Theme" id="{62F939B6-93AF-4DB8-9C6B-D6C7DFDC589F}" vid="{4A3C46E8-61CC-4603-A589-7422A47A8E4A}"/>
     </a:ext>
   </a:extLst>
 </a:theme>
@@ -20298,7 +21037,7 @@
   <a:extraClrSchemeLst/>
   <a:extLst>
     <a:ext uri="{05A4C25C-085E-4340-85A3-A5531E510DB2}">
-      <thm15:themeFamily xmlns="" xmlns:thm15="http://schemas.microsoft.com/office/thememl/2012/main" name="Office Theme" id="{62F939B6-93AF-4DB8-9C6B-D6C7DFDC589F}" vid="{4A3C46E8-61CC-4603-A589-7422A47A8E4A}"/>
+      <thm15:themeFamily xmlns:thm15="http://schemas.microsoft.com/office/thememl/2012/main" xmlns="" name="Office Theme" id="{62F939B6-93AF-4DB8-9C6B-D6C7DFDC589F}" vid="{4A3C46E8-61CC-4603-A589-7422A47A8E4A}"/>
     </a:ext>
   </a:extLst>
 </a:theme>
@@ -20559,7 +21298,7 @@
   <a:extraClrSchemeLst/>
   <a:extLst>
     <a:ext uri="{05A4C25C-085E-4340-85A3-A5531E510DB2}">
-      <thm15:themeFamily xmlns="" xmlns:thm15="http://schemas.microsoft.com/office/thememl/2012/main" name="Office Theme" id="{62F939B6-93AF-4DB8-9C6B-D6C7DFDC589F}" vid="{4A3C46E8-61CC-4603-A589-7422A47A8E4A}"/>
+      <thm15:themeFamily xmlns:thm15="http://schemas.microsoft.com/office/thememl/2012/main" xmlns="" name="Office Theme" id="{62F939B6-93AF-4DB8-9C6B-D6C7DFDC589F}" vid="{4A3C46E8-61CC-4603-A589-7422A47A8E4A}"/>
     </a:ext>
   </a:extLst>
 </a:theme>

--- a/docs/part1ca/05_MacrosBranchesArrays/CA_Lecture_05.pptx
+++ b/docs/part1ca/05_MacrosBranchesArrays/CA_Lecture_05.pptx
@@ -135,7 +135,7 @@
   </p:defaultTextStyle>
   <p:extLst>
     <p:ext uri="{EFAFB233-063F-42B5-8137-9DF3F51BA10A}">
-      <p15:sldGuideLst xmlns:p15="http://schemas.microsoft.com/office/powerpoint/2012/main" xmlns="">
+      <p15:sldGuideLst xmlns="" xmlns:p15="http://schemas.microsoft.com/office/powerpoint/2012/main">
         <p15:guide id="1" orient="horz" pos="2160">
           <p15:clr>
             <a:srgbClr val="A4A3A4"/>
@@ -149,7 +149,7 @@
       </p15:sldGuideLst>
     </p:ext>
     <p:ext uri="{2D200454-40CA-4A62-9FC3-DE9A4176ACB9}">
-      <p15:notesGuideLst xmlns:p15="http://schemas.microsoft.com/office/powerpoint/2012/main" xmlns="">
+      <p15:notesGuideLst xmlns="" xmlns:p15="http://schemas.microsoft.com/office/powerpoint/2012/main">
         <p15:guide id="1" orient="horz" pos="2880">
           <p15:clr>
             <a:srgbClr val="A4A3A4"/>
@@ -333,7 +333,7 @@
     </p:spTree>
     <p:extLst>
       <p:ext uri="{BB962C8B-B14F-4D97-AF65-F5344CB8AC3E}">
-        <p14:creationId xmlns:p14="http://schemas.microsoft.com/office/powerpoint/2010/main" xmlns="" val="827279973"/>
+        <p14:creationId xmlns="" xmlns:p14="http://schemas.microsoft.com/office/powerpoint/2010/main" val="827279973"/>
       </p:ext>
     </p:extLst>
   </p:cSld>
@@ -594,7 +594,7 @@
     </p:spTree>
     <p:extLst>
       <p:ext uri="{BB962C8B-B14F-4D97-AF65-F5344CB8AC3E}">
-        <p14:creationId xmlns:p14="http://schemas.microsoft.com/office/powerpoint/2010/main" xmlns="" val="3865021395"/>
+        <p14:creationId xmlns="" xmlns:p14="http://schemas.microsoft.com/office/powerpoint/2010/main" val="3865021395"/>
       </p:ext>
     </p:extLst>
   </p:cSld>
@@ -808,7 +808,7 @@
     </p:spTree>
     <p:extLst>
       <p:ext uri="{BB962C8B-B14F-4D97-AF65-F5344CB8AC3E}">
-        <p14:creationId xmlns:p14="http://schemas.microsoft.com/office/powerpoint/2010/main" xmlns="" val="2381791527"/>
+        <p14:creationId xmlns="" xmlns:p14="http://schemas.microsoft.com/office/powerpoint/2010/main" val="2381791527"/>
       </p:ext>
     </p:extLst>
   </p:cSld>
@@ -931,7 +931,7 @@
     </p:spTree>
     <p:extLst>
       <p:ext uri="{BB962C8B-B14F-4D97-AF65-F5344CB8AC3E}">
-        <p14:creationId xmlns:p14="http://schemas.microsoft.com/office/powerpoint/2010/main" xmlns="" val="1915950851"/>
+        <p14:creationId xmlns="" xmlns:p14="http://schemas.microsoft.com/office/powerpoint/2010/main" val="1915950851"/>
       </p:ext>
     </p:extLst>
   </p:cSld>
@@ -1191,7 +1191,7 @@
     </p:spTree>
     <p:extLst>
       <p:ext uri="{BB962C8B-B14F-4D97-AF65-F5344CB8AC3E}">
-        <p14:creationId xmlns:p14="http://schemas.microsoft.com/office/powerpoint/2010/main" xmlns="" val="322455162"/>
+        <p14:creationId xmlns="" xmlns:p14="http://schemas.microsoft.com/office/powerpoint/2010/main" val="322455162"/>
       </p:ext>
     </p:extLst>
   </p:cSld>
@@ -1365,7 +1365,7 @@
     </p:spTree>
     <p:extLst>
       <p:ext uri="{BB962C8B-B14F-4D97-AF65-F5344CB8AC3E}">
-        <p14:creationId xmlns:p14="http://schemas.microsoft.com/office/powerpoint/2010/main" xmlns="" val="971117636"/>
+        <p14:creationId xmlns="" xmlns:p14="http://schemas.microsoft.com/office/powerpoint/2010/main" val="971117636"/>
       </p:ext>
     </p:extLst>
   </p:cSld>
@@ -1542,7 +1542,7 @@
     </p:spTree>
     <p:extLst>
       <p:ext uri="{BB962C8B-B14F-4D97-AF65-F5344CB8AC3E}">
-        <p14:creationId xmlns:p14="http://schemas.microsoft.com/office/powerpoint/2010/main" xmlns="" val="3348877825"/>
+        <p14:creationId xmlns="" xmlns:p14="http://schemas.microsoft.com/office/powerpoint/2010/main" val="3348877825"/>
       </p:ext>
     </p:extLst>
   </p:cSld>
@@ -1867,7 +1867,7 @@
     </p:spTree>
     <p:extLst>
       <p:ext uri="{BB962C8B-B14F-4D97-AF65-F5344CB8AC3E}">
-        <p14:creationId xmlns:p14="http://schemas.microsoft.com/office/powerpoint/2010/main" xmlns="" val="3256953994"/>
+        <p14:creationId xmlns="" xmlns:p14="http://schemas.microsoft.com/office/powerpoint/2010/main" val="3256953994"/>
       </p:ext>
     </p:extLst>
   </p:cSld>
@@ -2117,7 +2117,7 @@
     </p:spTree>
     <p:extLst>
       <p:ext uri="{BB962C8B-B14F-4D97-AF65-F5344CB8AC3E}">
-        <p14:creationId xmlns:p14="http://schemas.microsoft.com/office/powerpoint/2010/main" xmlns="" val="3067076846"/>
+        <p14:creationId xmlns="" xmlns:p14="http://schemas.microsoft.com/office/powerpoint/2010/main" val="3067076846"/>
       </p:ext>
     </p:extLst>
   </p:cSld>
@@ -2353,7 +2353,7 @@
     </p:spTree>
     <p:extLst>
       <p:ext uri="{BB962C8B-B14F-4D97-AF65-F5344CB8AC3E}">
-        <p14:creationId xmlns:p14="http://schemas.microsoft.com/office/powerpoint/2010/main" xmlns="" val="3710015975"/>
+        <p14:creationId xmlns="" xmlns:p14="http://schemas.microsoft.com/office/powerpoint/2010/main" val="3710015975"/>
       </p:ext>
     </p:extLst>
   </p:cSld>
@@ -2724,7 +2724,7 @@
     </p:spTree>
     <p:extLst>
       <p:ext uri="{BB962C8B-B14F-4D97-AF65-F5344CB8AC3E}">
-        <p14:creationId xmlns:p14="http://schemas.microsoft.com/office/powerpoint/2010/main" xmlns="" val="4075590966"/>
+        <p14:creationId xmlns="" xmlns:p14="http://schemas.microsoft.com/office/powerpoint/2010/main" val="4075590966"/>
       </p:ext>
     </p:extLst>
   </p:cSld>
@@ -2846,7 +2846,7 @@
     </p:spTree>
     <p:extLst>
       <p:ext uri="{BB962C8B-B14F-4D97-AF65-F5344CB8AC3E}">
-        <p14:creationId xmlns:p14="http://schemas.microsoft.com/office/powerpoint/2010/main" xmlns="" val="2889604898"/>
+        <p14:creationId xmlns="" xmlns:p14="http://schemas.microsoft.com/office/powerpoint/2010/main" val="2889604898"/>
       </p:ext>
     </p:extLst>
   </p:cSld>
@@ -2945,7 +2945,7 @@
     </p:spTree>
     <p:extLst>
       <p:ext uri="{BB962C8B-B14F-4D97-AF65-F5344CB8AC3E}">
-        <p14:creationId xmlns:p14="http://schemas.microsoft.com/office/powerpoint/2010/main" xmlns="" val="152384765"/>
+        <p14:creationId xmlns="" xmlns:p14="http://schemas.microsoft.com/office/powerpoint/2010/main" val="152384765"/>
       </p:ext>
     </p:extLst>
   </p:cSld>
@@ -3226,7 +3226,7 @@
     </p:spTree>
     <p:extLst>
       <p:ext uri="{BB962C8B-B14F-4D97-AF65-F5344CB8AC3E}">
-        <p14:creationId xmlns:p14="http://schemas.microsoft.com/office/powerpoint/2010/main" xmlns="" val="2127791886"/>
+        <p14:creationId xmlns="" xmlns:p14="http://schemas.microsoft.com/office/powerpoint/2010/main" val="2127791886"/>
       </p:ext>
     </p:extLst>
   </p:cSld>
@@ -3483,7 +3483,7 @@
     </p:spTree>
     <p:extLst>
       <p:ext uri="{BB962C8B-B14F-4D97-AF65-F5344CB8AC3E}">
-        <p14:creationId xmlns:p14="http://schemas.microsoft.com/office/powerpoint/2010/main" xmlns="" val="1752705130"/>
+        <p14:creationId xmlns="" xmlns:p14="http://schemas.microsoft.com/office/powerpoint/2010/main" val="1752705130"/>
       </p:ext>
     </p:extLst>
   </p:cSld>
@@ -3736,7 +3736,7 @@
     </p:spTree>
     <p:extLst>
       <p:ext uri="{BB962C8B-B14F-4D97-AF65-F5344CB8AC3E}">
-        <p14:creationId xmlns:p14="http://schemas.microsoft.com/office/powerpoint/2010/main" xmlns="" val="968833914"/>
+        <p14:creationId xmlns="" xmlns:p14="http://schemas.microsoft.com/office/powerpoint/2010/main" val="968833914"/>
       </p:ext>
     </p:extLst>
   </p:cSld>
@@ -4213,7 +4213,7 @@
     </p:spTree>
     <p:extLst>
       <p:ext uri="{BB962C8B-B14F-4D97-AF65-F5344CB8AC3E}">
-        <p14:creationId xmlns:p14="http://schemas.microsoft.com/office/powerpoint/2010/main" xmlns="" val="2492894732"/>
+        <p14:creationId xmlns="" xmlns:p14="http://schemas.microsoft.com/office/powerpoint/2010/main" val="2492894732"/>
       </p:ext>
     </p:extLst>
   </p:cSld>
@@ -10798,7 +10798,7 @@
         <p:spPr>
           <a:xfrm>
             <a:off x="796838" y="1541417"/>
-            <a:ext cx="3749036" cy="2076994"/>
+            <a:ext cx="3749036" cy="1815737"/>
           </a:xfrm>
           <a:prstGeom prst="roundRect">
             <a:avLst/>
@@ -10844,8 +10844,8 @@
         </p:nvSpPr>
         <p:spPr>
           <a:xfrm>
-            <a:off x="740233" y="3627119"/>
-            <a:ext cx="3805642" cy="3191691"/>
+            <a:off x="753296" y="3357154"/>
+            <a:ext cx="3805642" cy="3448593"/>
           </a:xfrm>
           <a:prstGeom prst="roundRect">
             <a:avLst/>
@@ -10988,8 +10988,8 @@
         </p:nvCxnSpPr>
         <p:spPr>
           <a:xfrm>
-            <a:off x="4545874" y="2579914"/>
-            <a:ext cx="2085713" cy="685800"/>
+            <a:off x="4545874" y="2449286"/>
+            <a:ext cx="2085713" cy="816428"/>
           </a:xfrm>
           <a:prstGeom prst="straightConnector1">
             <a:avLst/>
@@ -11027,8 +11027,8 @@
         </p:nvCxnSpPr>
         <p:spPr>
           <a:xfrm flipV="1">
-            <a:off x="4545875" y="4367352"/>
-            <a:ext cx="2133608" cy="855613"/>
+            <a:off x="4558938" y="4367352"/>
+            <a:ext cx="2120545" cy="714099"/>
           </a:xfrm>
           <a:prstGeom prst="straightConnector1">
             <a:avLst/>
@@ -11214,8 +11214,13 @@
             </a:pPr>
             <a:r>
               <a:rPr lang="en-US" b="1" dirty="0" smtClean="0"/>
-              <a:t>Load instructions</a:t>
-            </a:r>
+              <a:t>Load </a:t>
+            </a:r>
+            <a:r>
+              <a:rPr lang="en-US" b="1" dirty="0" smtClean="0"/>
+              <a:t>Instructions</a:t>
+            </a:r>
+            <a:endParaRPr lang="en-US" b="1" dirty="0" smtClean="0"/>
           </a:p>
           <a:p>
             <a:pPr>
@@ -11445,12 +11450,8 @@
               <a:buNone/>
             </a:pPr>
             <a:r>
-              <a:rPr lang="en-US" sz="2800" dirty="0" err="1" smtClean="0"/>
-              <a:t>lw</a:t>
-            </a:r>
-            <a:r>
               <a:rPr lang="en-US" sz="2800" dirty="0" smtClean="0"/>
-              <a:t>   </a:t>
+              <a:t>lw   </a:t>
             </a:r>
             <a:r>
               <a:rPr lang="en-US" sz="2800" dirty="0" smtClean="0">
@@ -11743,12 +11744,12 @@
               <a:t>Load Address </a:t>
             </a:r>
             <a:r>
-              <a:rPr lang="en-US" b="1" dirty="0" err="1" smtClean="0">
-                <a:solidFill>
-                  <a:srgbClr val="1E3272"/>
-                </a:solidFill>
-              </a:rPr>
-              <a:t>Pseudoinstruction</a:t>
+              <a:rPr lang="en-US" b="1" dirty="0" smtClean="0">
+                <a:solidFill>
+                  <a:srgbClr val="1E3272"/>
+                </a:solidFill>
+              </a:rPr>
+              <a:t>Pseudo Instruction</a:t>
             </a:r>
             <a:endParaRPr lang="en-US" b="1" dirty="0" smtClean="0">
               <a:solidFill>
@@ -15713,39 +15714,23 @@
                   <a:srgbClr val="1E3272"/>
                 </a:solidFill>
               </a:rPr>
-              <a:t>        </a:t>
+              <a:t>        sw   </a:t>
             </a:r>
             <a:r>
               <a:rPr lang="fr-FR" sz="2400" dirty="0" smtClean="0">
                 <a:solidFill>
-                  <a:srgbClr val="1E3272"/>
-                </a:solidFill>
-              </a:rPr>
-              <a:t>sw   </a:t>
+                  <a:srgbClr val="FF0000"/>
+                </a:solidFill>
+              </a:rPr>
+              <a:t>t0</a:t>
             </a:r>
             <a:r>
               <a:rPr lang="fr-FR" sz="2400" dirty="0" smtClean="0">
                 <a:solidFill>
-                  <a:srgbClr val="FF0000"/>
-                </a:solidFill>
-              </a:rPr>
-              <a:t>t0</a:t>
-            </a:r>
-            <a:r>
-              <a:rPr lang="fr-FR" sz="2400" dirty="0" smtClean="0">
-                <a:solidFill>
-                  <a:srgbClr val="1E3272"/>
-                </a:solidFill>
-              </a:rPr>
-              <a:t>, </a:t>
-            </a:r>
-            <a:r>
-              <a:rPr lang="fr-FR" sz="2400" dirty="0" smtClean="0">
-                <a:solidFill>
-                  <a:srgbClr val="1E3272"/>
-                </a:solidFill>
-              </a:rPr>
-              <a:t>x, </a:t>
+                  <a:srgbClr val="1E3272"/>
+                </a:solidFill>
+              </a:rPr>
+              <a:t>, x, </a:t>
             </a:r>
             <a:r>
               <a:rPr lang="fr-FR" sz="2400" dirty="0" smtClean="0">
@@ -15816,39 +15801,23 @@
                   <a:srgbClr val="1E3272"/>
                 </a:solidFill>
               </a:rPr>
-              <a:t>        </a:t>
+              <a:t>        sw   </a:t>
             </a:r>
             <a:r>
               <a:rPr lang="fr-FR" sz="2400" dirty="0" smtClean="0">
                 <a:solidFill>
-                  <a:srgbClr val="1E3272"/>
-                </a:solidFill>
-              </a:rPr>
-              <a:t>sw   </a:t>
+                  <a:srgbClr val="FF0000"/>
+                </a:solidFill>
+              </a:rPr>
+              <a:t>t0</a:t>
             </a:r>
             <a:r>
               <a:rPr lang="fr-FR" sz="2400" dirty="0" smtClean="0">
                 <a:solidFill>
-                  <a:srgbClr val="FF0000"/>
-                </a:solidFill>
-              </a:rPr>
-              <a:t>t0</a:t>
-            </a:r>
-            <a:r>
-              <a:rPr lang="fr-FR" sz="2400" dirty="0" smtClean="0">
-                <a:solidFill>
-                  <a:srgbClr val="1E3272"/>
-                </a:solidFill>
-              </a:rPr>
-              <a:t>, </a:t>
-            </a:r>
-            <a:r>
-              <a:rPr lang="fr-FR" sz="2400" dirty="0" smtClean="0">
-                <a:solidFill>
-                  <a:srgbClr val="1E3272"/>
-                </a:solidFill>
-              </a:rPr>
-              <a:t>y, </a:t>
+                  <a:srgbClr val="1E3272"/>
+                </a:solidFill>
+              </a:rPr>
+              <a:t>, y, </a:t>
             </a:r>
             <a:r>
               <a:rPr lang="fr-FR" sz="2400" dirty="0" smtClean="0">
@@ -15888,22 +15857,92 @@
                   <a:srgbClr val="1E3272"/>
                 </a:solidFill>
               </a:rPr>
-              <a:t>        </a:t>
+              <a:t>        lw    </a:t>
             </a:r>
             <a:r>
               <a:rPr lang="fr-FR" sz="2400" dirty="0" smtClean="0">
                 <a:solidFill>
-                  <a:srgbClr val="1E3272"/>
-                </a:solidFill>
-              </a:rPr>
-              <a:t>lw    </a:t>
+                  <a:srgbClr val="FF0000"/>
+                </a:solidFill>
+              </a:rPr>
+              <a:t>t0</a:t>
             </a:r>
             <a:r>
               <a:rPr lang="fr-FR" sz="2400" dirty="0" smtClean="0">
                 <a:solidFill>
+                  <a:srgbClr val="1E3272"/>
+                </a:solidFill>
+              </a:rPr>
+              <a:t>, x</a:t>
+            </a:r>
+          </a:p>
+          <a:p>
+            <a:pPr>
+              <a:lnSpc>
+                <a:spcPct val="70000"/>
+              </a:lnSpc>
+            </a:pPr>
+            <a:r>
+              <a:rPr lang="fr-FR" sz="2400" dirty="0" smtClean="0">
+                <a:solidFill>
+                  <a:srgbClr val="1E3272"/>
+                </a:solidFill>
+              </a:rPr>
+              <a:t>        lw    </a:t>
+            </a:r>
+            <a:r>
+              <a:rPr lang="fr-FR" sz="2400" dirty="0" smtClean="0">
+                <a:solidFill>
                   <a:srgbClr val="FF0000"/>
                 </a:solidFill>
               </a:rPr>
+              <a:t>t1</a:t>
+            </a:r>
+            <a:r>
+              <a:rPr lang="fr-FR" sz="2400" dirty="0" smtClean="0">
+                <a:solidFill>
+                  <a:srgbClr val="1E3272"/>
+                </a:solidFill>
+              </a:rPr>
+              <a:t>, y</a:t>
+            </a:r>
+          </a:p>
+          <a:p>
+            <a:pPr>
+              <a:lnSpc>
+                <a:spcPct val="70000"/>
+              </a:lnSpc>
+            </a:pPr>
+            <a:r>
+              <a:rPr lang="fr-FR" sz="2400" dirty="0" smtClean="0">
+                <a:solidFill>
+                  <a:srgbClr val="1E3272"/>
+                </a:solidFill>
+              </a:rPr>
+              <a:t>        add  </a:t>
+            </a:r>
+            <a:r>
+              <a:rPr lang="fr-FR" sz="2400" dirty="0" smtClean="0">
+                <a:solidFill>
+                  <a:srgbClr val="FF0000"/>
+                </a:solidFill>
+              </a:rPr>
+              <a:t>t3</a:t>
+            </a:r>
+            <a:r>
+              <a:rPr lang="fr-FR" sz="2400" dirty="0" smtClean="0">
+                <a:solidFill>
+                  <a:srgbClr val="1E3272"/>
+                </a:solidFill>
+              </a:rPr>
+              <a:t>, </a:t>
+            </a:r>
+            <a:r>
+              <a:rPr lang="fr-FR" sz="2400" dirty="0" smtClean="0">
+                <a:solidFill>
+                  <a:srgbClr val="FF0000"/>
+                </a:solidFill>
+              </a:rPr>
               <a:t>t0</a:t>
             </a:r>
             <a:r>
@@ -15917,16 +15956,11 @@
             <a:r>
               <a:rPr lang="fr-FR" sz="2400" dirty="0" smtClean="0">
                 <a:solidFill>
-                  <a:srgbClr val="1E3272"/>
-                </a:solidFill>
-              </a:rPr>
-              <a:t>x</a:t>
-            </a:r>
-            <a:endParaRPr lang="fr-FR" sz="2400" dirty="0" smtClean="0">
-              <a:solidFill>
-                <a:srgbClr val="1E3272"/>
-              </a:solidFill>
-            </a:endParaRPr>
+                  <a:srgbClr val="FF0000"/>
+                </a:solidFill>
+              </a:rPr>
+              <a:t>t1</a:t>
+            </a:r>
           </a:p>
           <a:p>
             <a:pPr>
@@ -15940,154 +15974,23 @@
                   <a:srgbClr val="1E3272"/>
                 </a:solidFill>
               </a:rPr>
-              <a:t>        </a:t>
+              <a:t>        sw    </a:t>
             </a:r>
             <a:r>
               <a:rPr lang="fr-FR" sz="2400" dirty="0" smtClean="0">
                 <a:solidFill>
-                  <a:srgbClr val="1E3272"/>
-                </a:solidFill>
-              </a:rPr>
-              <a:t>lw    </a:t>
+                  <a:srgbClr val="FF0000"/>
+                </a:solidFill>
+              </a:rPr>
+              <a:t>t3</a:t>
             </a:r>
             <a:r>
               <a:rPr lang="fr-FR" sz="2400" dirty="0" smtClean="0">
                 <a:solidFill>
-                  <a:srgbClr val="FF0000"/>
-                </a:solidFill>
-              </a:rPr>
-              <a:t>t1</a:t>
-            </a:r>
-            <a:r>
-              <a:rPr lang="fr-FR" sz="2400" dirty="0" smtClean="0">
-                <a:solidFill>
-                  <a:srgbClr val="1E3272"/>
-                </a:solidFill>
-              </a:rPr>
-              <a:t>, </a:t>
-            </a:r>
-            <a:r>
-              <a:rPr lang="fr-FR" sz="2400" dirty="0" smtClean="0">
-                <a:solidFill>
-                  <a:srgbClr val="1E3272"/>
-                </a:solidFill>
-              </a:rPr>
-              <a:t>y</a:t>
-            </a:r>
-            <a:endParaRPr lang="fr-FR" sz="2400" dirty="0" smtClean="0">
-              <a:solidFill>
-                <a:srgbClr val="1E3272"/>
-              </a:solidFill>
-            </a:endParaRPr>
-          </a:p>
-          <a:p>
-            <a:pPr>
-              <a:lnSpc>
-                <a:spcPct val="70000"/>
-              </a:lnSpc>
-            </a:pPr>
-            <a:r>
-              <a:rPr lang="fr-FR" sz="2400" dirty="0" smtClean="0">
-                <a:solidFill>
-                  <a:srgbClr val="1E3272"/>
-                </a:solidFill>
-              </a:rPr>
-              <a:t>        add </a:t>
-            </a:r>
-            <a:r>
-              <a:rPr lang="fr-FR" sz="2400" dirty="0" smtClean="0">
-                <a:solidFill>
-                  <a:srgbClr val="1E3272"/>
-                </a:solidFill>
-              </a:rPr>
-              <a:t> </a:t>
-            </a:r>
-            <a:r>
-              <a:rPr lang="fr-FR" sz="2400" dirty="0" smtClean="0">
-                <a:solidFill>
-                  <a:srgbClr val="FF0000"/>
-                </a:solidFill>
-              </a:rPr>
-              <a:t>t3</a:t>
-            </a:r>
-            <a:r>
-              <a:rPr lang="fr-FR" sz="2400" dirty="0" smtClean="0">
-                <a:solidFill>
-                  <a:srgbClr val="1E3272"/>
-                </a:solidFill>
-              </a:rPr>
-              <a:t>, </a:t>
-            </a:r>
-            <a:r>
-              <a:rPr lang="fr-FR" sz="2400" dirty="0" smtClean="0">
-                <a:solidFill>
-                  <a:srgbClr val="FF0000"/>
-                </a:solidFill>
-              </a:rPr>
-              <a:t>t0</a:t>
-            </a:r>
-            <a:r>
-              <a:rPr lang="fr-FR" sz="2400" dirty="0" smtClean="0">
-                <a:solidFill>
-                  <a:srgbClr val="1E3272"/>
-                </a:solidFill>
-              </a:rPr>
-              <a:t>, </a:t>
-            </a:r>
-            <a:r>
-              <a:rPr lang="fr-FR" sz="2400" dirty="0" smtClean="0">
-                <a:solidFill>
-                  <a:srgbClr val="FF0000"/>
-                </a:solidFill>
-              </a:rPr>
-              <a:t>t1</a:t>
-            </a:r>
-          </a:p>
-          <a:p>
-            <a:pPr>
-              <a:lnSpc>
-                <a:spcPct val="70000"/>
-              </a:lnSpc>
-            </a:pPr>
-            <a:r>
-              <a:rPr lang="fr-FR" sz="2400" dirty="0" smtClean="0">
-                <a:solidFill>
-                  <a:srgbClr val="1E3272"/>
-                </a:solidFill>
-              </a:rPr>
-              <a:t> </a:t>
-            </a:r>
-            <a:r>
-              <a:rPr lang="fr-FR" sz="2400" dirty="0" smtClean="0">
-                <a:solidFill>
-                  <a:srgbClr val="1E3272"/>
-                </a:solidFill>
-              </a:rPr>
-              <a:t>       sw    </a:t>
-            </a:r>
-            <a:r>
-              <a:rPr lang="fr-FR" sz="2400" dirty="0" smtClean="0">
-                <a:solidFill>
-                  <a:srgbClr val="FF0000"/>
-                </a:solidFill>
-              </a:rPr>
-              <a:t>t3</a:t>
-            </a:r>
-            <a:r>
-              <a:rPr lang="fr-FR" sz="2400" dirty="0" smtClean="0">
-                <a:solidFill>
-                  <a:srgbClr val="1E3272"/>
-                </a:solidFill>
-              </a:rPr>
-              <a:t>, </a:t>
-            </a:r>
-            <a:r>
-              <a:rPr lang="fr-FR" sz="2400" dirty="0" smtClean="0">
-                <a:solidFill>
-                  <a:srgbClr val="1E3272"/>
-                </a:solidFill>
-              </a:rPr>
-              <a:t>z, </a:t>
+                  <a:srgbClr val="1E3272"/>
+                </a:solidFill>
+              </a:rPr>
+              <a:t>, z, </a:t>
             </a:r>
             <a:r>
               <a:rPr lang="fr-FR" sz="2400" dirty="0" smtClean="0">
@@ -16438,25 +16341,6 @@
       </p:grpSpPr>
       <p:sp>
         <p:nvSpPr>
-          <p:cNvPr id="2" name="Содержимое 1"/>
-          <p:cNvSpPr>
-            <a:spLocks noGrp="1"/>
-          </p:cNvSpPr>
-          <p:nvPr>
-            <p:ph idx="1"/>
-          </p:nvPr>
-        </p:nvSpPr>
-        <p:spPr/>
-        <p:txBody>
-          <a:bodyPr/>
-          <a:lstStyle/>
-          <a:p>
-            <a:endParaRPr lang="ru-RU"/>
-          </a:p>
-        </p:txBody>
-      </p:sp>
-      <p:sp>
-        <p:nvSpPr>
           <p:cNvPr id="3" name="Номер слайда 2"/>
           <p:cNvSpPr>
             <a:spLocks noGrp="1"/>
@@ -16500,6 +16384,804 @@
               <a:t>Load and Store Pseudo Instruction</a:t>
             </a:r>
             <a:endParaRPr lang="ru-RU" dirty="0"/>
+          </a:p>
+        </p:txBody>
+      </p:sp>
+      <p:sp>
+        <p:nvSpPr>
+          <p:cNvPr id="5" name="Content Placeholder 1"/>
+          <p:cNvSpPr>
+            <a:spLocks noGrp="1"/>
+          </p:cNvSpPr>
+          <p:nvPr>
+            <p:ph idx="1"/>
+          </p:nvPr>
+        </p:nvSpPr>
+        <p:spPr>
+          <a:xfrm>
+            <a:off x="838200" y="1178053"/>
+            <a:ext cx="10839994" cy="5418690"/>
+          </a:xfrm>
+        </p:spPr>
+        <p:txBody>
+          <a:bodyPr>
+            <a:normAutofit fontScale="92500" lnSpcReduction="10000"/>
+          </a:bodyPr>
+          <a:lstStyle/>
+          <a:p>
+            <a:pPr marL="0" indent="0" algn="ctr">
+              <a:spcAft>
+                <a:spcPts val="1200"/>
+              </a:spcAft>
+              <a:buNone/>
+            </a:pPr>
+            <a:r>
+              <a:rPr lang="en-US" b="1" dirty="0" smtClean="0"/>
+              <a:t>Load Pseudo Instructions</a:t>
+            </a:r>
+          </a:p>
+          <a:p>
+            <a:pPr marL="0" indent="0">
+              <a:spcBef>
+                <a:spcPts val="0"/>
+              </a:spcBef>
+              <a:buNone/>
+            </a:pPr>
+            <a:r>
+              <a:rPr lang="en-US" sz="3500" dirty="0" smtClean="0"/>
+              <a:t>lw </a:t>
+            </a:r>
+            <a:r>
+              <a:rPr lang="en-US" sz="3500" dirty="0" smtClean="0">
+                <a:solidFill>
+                  <a:srgbClr val="FF0000"/>
+                </a:solidFill>
+              </a:rPr>
+              <a:t>t1</a:t>
+            </a:r>
+            <a:r>
+              <a:rPr lang="en-US" sz="3500" dirty="0" smtClean="0"/>
+              <a:t>, (</a:t>
+            </a:r>
+            <a:r>
+              <a:rPr lang="en-US" sz="3500" dirty="0" smtClean="0">
+                <a:solidFill>
+                  <a:srgbClr val="FF0000"/>
+                </a:solidFill>
+              </a:rPr>
+              <a:t>t2</a:t>
+            </a:r>
+            <a:r>
+              <a:rPr lang="en-US" sz="3500" dirty="0" smtClean="0"/>
+              <a:t>) </a:t>
+            </a:r>
+            <a:r>
+              <a:rPr lang="en-US" sz="3500" dirty="0" smtClean="0"/>
+              <a:t>          </a:t>
+            </a:r>
+            <a:r>
+              <a:rPr lang="en-US" sz="3500" dirty="0" smtClean="0">
+                <a:solidFill>
+                  <a:srgbClr val="00B050"/>
+                </a:solidFill>
+              </a:rPr>
+              <a:t># t1 &lt;- contents </a:t>
+            </a:r>
+            <a:r>
+              <a:rPr lang="en-US" sz="3500" dirty="0" smtClean="0">
+                <a:solidFill>
+                  <a:srgbClr val="00B050"/>
+                </a:solidFill>
+              </a:rPr>
+              <a:t>of </a:t>
+            </a:r>
+            <a:r>
+              <a:rPr lang="en-US" sz="3500" dirty="0" smtClean="0">
+                <a:solidFill>
+                  <a:srgbClr val="00B050"/>
+                </a:solidFill>
+              </a:rPr>
+              <a:t>memory at address t2</a:t>
+            </a:r>
+            <a:endParaRPr lang="en-US" sz="3500" dirty="0" smtClean="0">
+              <a:solidFill>
+                <a:srgbClr val="00B050"/>
+              </a:solidFill>
+            </a:endParaRPr>
+          </a:p>
+          <a:p>
+            <a:pPr marL="0" indent="0">
+              <a:spcBef>
+                <a:spcPts val="0"/>
+              </a:spcBef>
+              <a:buNone/>
+            </a:pPr>
+            <a:r>
+              <a:rPr lang="en-US" sz="3500" dirty="0" smtClean="0"/>
+              <a:t>lw </a:t>
+            </a:r>
+            <a:r>
+              <a:rPr lang="en-US" sz="3500" dirty="0" smtClean="0">
+                <a:solidFill>
+                  <a:srgbClr val="FF0000"/>
+                </a:solidFill>
+              </a:rPr>
+              <a:t>t1</a:t>
+            </a:r>
+            <a:r>
+              <a:rPr lang="en-US" sz="3500" dirty="0" smtClean="0"/>
+              <a:t>, </a:t>
+            </a:r>
+            <a:r>
+              <a:rPr lang="en-US" sz="3500" i="1" dirty="0" err="1" smtClean="0"/>
+              <a:t>imm</a:t>
+            </a:r>
+            <a:r>
+              <a:rPr lang="en-US" sz="3500" dirty="0" smtClean="0"/>
+              <a:t>         </a:t>
+            </a:r>
+            <a:r>
+              <a:rPr lang="en-US" sz="3500" dirty="0" smtClean="0">
+                <a:solidFill>
+                  <a:srgbClr val="00B050"/>
+                </a:solidFill>
+              </a:rPr>
+              <a:t># t1 &lt;- </a:t>
+            </a:r>
+            <a:r>
+              <a:rPr lang="en-US" sz="3500" dirty="0" smtClean="0">
+                <a:solidFill>
+                  <a:srgbClr val="00B050"/>
+                </a:solidFill>
+              </a:rPr>
+              <a:t>contents of </a:t>
+            </a:r>
+            <a:r>
+              <a:rPr lang="en-US" sz="3500" dirty="0" smtClean="0">
+                <a:solidFill>
+                  <a:srgbClr val="00B050"/>
+                </a:solidFill>
+              </a:rPr>
+              <a:t>memory address in </a:t>
+            </a:r>
+            <a:r>
+              <a:rPr lang="en-US" sz="3500" dirty="0" err="1" smtClean="0">
+                <a:solidFill>
+                  <a:srgbClr val="00B050"/>
+                </a:solidFill>
+              </a:rPr>
+              <a:t>imm</a:t>
+            </a:r>
+            <a:endParaRPr lang="en-US" sz="3500" dirty="0" smtClean="0">
+              <a:solidFill>
+                <a:srgbClr val="00B050"/>
+              </a:solidFill>
+            </a:endParaRPr>
+          </a:p>
+          <a:p>
+            <a:pPr marL="0" indent="0">
+              <a:spcBef>
+                <a:spcPts val="0"/>
+              </a:spcBef>
+              <a:buNone/>
+            </a:pPr>
+            <a:r>
+              <a:rPr lang="en-US" sz="3500" dirty="0" smtClean="0"/>
+              <a:t>lw </a:t>
+            </a:r>
+            <a:r>
+              <a:rPr lang="en-US" sz="3500" dirty="0" smtClean="0">
+                <a:solidFill>
+                  <a:srgbClr val="FF0000"/>
+                </a:solidFill>
+              </a:rPr>
+              <a:t>t1</a:t>
+            </a:r>
+            <a:r>
+              <a:rPr lang="en-US" sz="3500" dirty="0" smtClean="0"/>
+              <a:t>, </a:t>
+            </a:r>
+            <a:r>
+              <a:rPr lang="en-US" sz="3500" i="1" dirty="0" smtClean="0"/>
+              <a:t>label</a:t>
+            </a:r>
+            <a:r>
+              <a:rPr lang="en-US" sz="3500" dirty="0" smtClean="0"/>
+              <a:t>        </a:t>
+            </a:r>
+            <a:r>
+              <a:rPr lang="en-US" sz="3500" dirty="0" smtClean="0">
+                <a:solidFill>
+                  <a:srgbClr val="00B050"/>
+                </a:solidFill>
+              </a:rPr>
+              <a:t># t1 &lt;- contents </a:t>
+            </a:r>
+            <a:r>
+              <a:rPr lang="en-US" sz="3500" dirty="0" smtClean="0">
+                <a:solidFill>
+                  <a:srgbClr val="00B050"/>
+                </a:solidFill>
+              </a:rPr>
+              <a:t>of memory </a:t>
+            </a:r>
+            <a:r>
+              <a:rPr lang="en-US" sz="3500" dirty="0" smtClean="0">
+                <a:solidFill>
+                  <a:srgbClr val="00B050"/>
+                </a:solidFill>
+              </a:rPr>
+              <a:t>at </a:t>
+            </a:r>
+            <a:r>
+              <a:rPr lang="en-US" sz="3500" dirty="0" smtClean="0">
+                <a:solidFill>
+                  <a:srgbClr val="00B050"/>
+                </a:solidFill>
+              </a:rPr>
+              <a:t>label's </a:t>
+            </a:r>
+            <a:r>
+              <a:rPr lang="en-US" sz="3500" dirty="0" smtClean="0">
+                <a:solidFill>
+                  <a:srgbClr val="00B050"/>
+                </a:solidFill>
+              </a:rPr>
+              <a:t>address</a:t>
+            </a:r>
+          </a:p>
+          <a:p>
+            <a:pPr marL="0" indent="0" algn="ctr">
+              <a:spcBef>
+                <a:spcPts val="1200"/>
+              </a:spcBef>
+              <a:spcAft>
+                <a:spcPts val="600"/>
+              </a:spcAft>
+              <a:buNone/>
+            </a:pPr>
+            <a:r>
+              <a:rPr lang="en-US" b="1" dirty="0" smtClean="0"/>
+              <a:t>Store Pseudo Instructions</a:t>
+            </a:r>
+            <a:endParaRPr lang="en-US" b="1" dirty="0" smtClean="0"/>
+          </a:p>
+          <a:p>
+            <a:pPr marL="0" indent="0">
+              <a:spcBef>
+                <a:spcPts val="0"/>
+              </a:spcBef>
+              <a:buNone/>
+            </a:pPr>
+            <a:r>
+              <a:rPr lang="en-US" sz="3500" dirty="0" err="1" smtClean="0">
+                <a:solidFill>
+                  <a:srgbClr val="1E3272"/>
+                </a:solidFill>
+              </a:rPr>
+              <a:t>sw</a:t>
+            </a:r>
+            <a:r>
+              <a:rPr lang="en-US" sz="3500" dirty="0" smtClean="0">
+                <a:solidFill>
+                  <a:srgbClr val="1E3272"/>
+                </a:solidFill>
+              </a:rPr>
+              <a:t> </a:t>
+            </a:r>
+            <a:r>
+              <a:rPr lang="en-US" sz="3500" dirty="0" smtClean="0">
+                <a:solidFill>
+                  <a:srgbClr val="FF0000"/>
+                </a:solidFill>
+              </a:rPr>
+              <a:t>t1</a:t>
+            </a:r>
+            <a:r>
+              <a:rPr lang="en-US" sz="3500" dirty="0" smtClean="0">
+                <a:solidFill>
+                  <a:srgbClr val="1E3272"/>
+                </a:solidFill>
+              </a:rPr>
+              <a:t>,(</a:t>
+            </a:r>
+            <a:r>
+              <a:rPr lang="en-US" sz="3500" dirty="0" smtClean="0">
+                <a:solidFill>
+                  <a:srgbClr val="FF0000"/>
+                </a:solidFill>
+              </a:rPr>
+              <a:t>t2</a:t>
+            </a:r>
+            <a:r>
+              <a:rPr lang="en-US" sz="3500" dirty="0" smtClean="0">
+                <a:solidFill>
+                  <a:srgbClr val="1E3272"/>
+                </a:solidFill>
+              </a:rPr>
+              <a:t>) </a:t>
+            </a:r>
+            <a:r>
+              <a:rPr lang="en-US" sz="3500" dirty="0" smtClean="0">
+                <a:solidFill>
+                  <a:srgbClr val="1E3272"/>
+                </a:solidFill>
+              </a:rPr>
+              <a:t>         </a:t>
+            </a:r>
+            <a:r>
+              <a:rPr lang="en-US" sz="3500" dirty="0" smtClean="0">
+                <a:solidFill>
+                  <a:srgbClr val="00B050"/>
+                </a:solidFill>
+              </a:rPr>
+              <a:t># </a:t>
+            </a:r>
+            <a:r>
+              <a:rPr lang="en-US" sz="3500" dirty="0" smtClean="0">
+                <a:solidFill>
+                  <a:srgbClr val="00B050"/>
+                </a:solidFill>
+              </a:rPr>
+              <a:t>Store t1 </a:t>
+            </a:r>
+            <a:r>
+              <a:rPr lang="en-US" sz="3500" dirty="0" smtClean="0">
+                <a:solidFill>
+                  <a:srgbClr val="00B050"/>
+                </a:solidFill>
+              </a:rPr>
+              <a:t>to address t2</a:t>
+            </a:r>
+            <a:endParaRPr lang="en-US" sz="3500" dirty="0" smtClean="0">
+              <a:solidFill>
+                <a:srgbClr val="00B050"/>
+              </a:solidFill>
+            </a:endParaRPr>
+          </a:p>
+          <a:p>
+            <a:pPr marL="0" indent="0">
+              <a:spcBef>
+                <a:spcPts val="0"/>
+              </a:spcBef>
+              <a:buNone/>
+            </a:pPr>
+            <a:r>
+              <a:rPr lang="en-US" sz="3500" dirty="0" err="1" smtClean="0">
+                <a:solidFill>
+                  <a:srgbClr val="1E3272"/>
+                </a:solidFill>
+              </a:rPr>
+              <a:t>sw</a:t>
+            </a:r>
+            <a:r>
+              <a:rPr lang="en-US" sz="3500" dirty="0" smtClean="0">
+                <a:solidFill>
+                  <a:srgbClr val="1E3272"/>
+                </a:solidFill>
+              </a:rPr>
+              <a:t> </a:t>
+            </a:r>
+            <a:r>
+              <a:rPr lang="en-US" sz="3500" dirty="0" smtClean="0">
+                <a:solidFill>
+                  <a:srgbClr val="FF0000"/>
+                </a:solidFill>
+              </a:rPr>
+              <a:t>t1</a:t>
+            </a:r>
+            <a:r>
+              <a:rPr lang="en-US" sz="3500" dirty="0" smtClean="0">
+                <a:solidFill>
+                  <a:srgbClr val="1E3272"/>
+                </a:solidFill>
+              </a:rPr>
+              <a:t>, </a:t>
+            </a:r>
+            <a:r>
+              <a:rPr lang="en-US" sz="3500" i="1" dirty="0" err="1" smtClean="0">
+                <a:solidFill>
+                  <a:srgbClr val="1E3272"/>
+                </a:solidFill>
+              </a:rPr>
+              <a:t>imm</a:t>
+            </a:r>
+            <a:r>
+              <a:rPr lang="en-US" sz="3500" dirty="0" smtClean="0">
+                <a:solidFill>
+                  <a:srgbClr val="1E3272"/>
+                </a:solidFill>
+              </a:rPr>
+              <a:t>        </a:t>
+            </a:r>
+            <a:r>
+              <a:rPr lang="en-US" sz="3500" dirty="0" smtClean="0">
+                <a:solidFill>
+                  <a:srgbClr val="00B050"/>
+                </a:solidFill>
+              </a:rPr>
+              <a:t># </a:t>
+            </a:r>
+            <a:r>
+              <a:rPr lang="en-US" sz="3500" dirty="0" smtClean="0">
+                <a:solidFill>
+                  <a:srgbClr val="00B050"/>
+                </a:solidFill>
+              </a:rPr>
+              <a:t>Store </a:t>
+            </a:r>
+            <a:r>
+              <a:rPr lang="en-US" sz="3500" dirty="0" smtClean="0">
+                <a:solidFill>
+                  <a:srgbClr val="00B050"/>
+                </a:solidFill>
+              </a:rPr>
+              <a:t>t1 to address in </a:t>
+            </a:r>
+            <a:r>
+              <a:rPr lang="en-US" sz="3500" dirty="0" err="1" smtClean="0">
+                <a:solidFill>
+                  <a:srgbClr val="00B050"/>
+                </a:solidFill>
+              </a:rPr>
+              <a:t>imm</a:t>
+            </a:r>
+            <a:endParaRPr lang="en-US" sz="3500" dirty="0" smtClean="0">
+              <a:solidFill>
+                <a:srgbClr val="00B050"/>
+              </a:solidFill>
+            </a:endParaRPr>
+          </a:p>
+          <a:p>
+            <a:pPr marL="0" indent="0">
+              <a:spcBef>
+                <a:spcPts val="0"/>
+              </a:spcBef>
+              <a:buNone/>
+            </a:pPr>
+            <a:r>
+              <a:rPr lang="en-US" sz="3500" dirty="0" err="1" smtClean="0">
+                <a:solidFill>
+                  <a:srgbClr val="1E3272"/>
+                </a:solidFill>
+              </a:rPr>
+              <a:t>sw</a:t>
+            </a:r>
+            <a:r>
+              <a:rPr lang="en-US" sz="3500" dirty="0" smtClean="0">
+                <a:solidFill>
+                  <a:srgbClr val="1E3272"/>
+                </a:solidFill>
+              </a:rPr>
+              <a:t> </a:t>
+            </a:r>
+            <a:r>
+              <a:rPr lang="en-US" sz="3500" dirty="0" smtClean="0">
+                <a:solidFill>
+                  <a:srgbClr val="FF0000"/>
+                </a:solidFill>
+              </a:rPr>
+              <a:t>t1</a:t>
+            </a:r>
+            <a:r>
+              <a:rPr lang="en-US" sz="3500" dirty="0" smtClean="0">
+                <a:solidFill>
+                  <a:srgbClr val="1E3272"/>
+                </a:solidFill>
+              </a:rPr>
+              <a:t>, </a:t>
+            </a:r>
+            <a:r>
+              <a:rPr lang="en-US" sz="3500" i="1" dirty="0" err="1" smtClean="0">
+                <a:solidFill>
+                  <a:srgbClr val="1E3272"/>
+                </a:solidFill>
+              </a:rPr>
+              <a:t>imm</a:t>
+            </a:r>
+            <a:r>
+              <a:rPr lang="en-US" sz="3500" dirty="0" smtClean="0">
+                <a:solidFill>
+                  <a:srgbClr val="1E3272"/>
+                </a:solidFill>
+              </a:rPr>
+              <a:t>, </a:t>
+            </a:r>
+            <a:r>
+              <a:rPr lang="en-US" sz="3500" dirty="0" smtClean="0">
+                <a:solidFill>
+                  <a:srgbClr val="FF0000"/>
+                </a:solidFill>
+              </a:rPr>
+              <a:t>t2</a:t>
+            </a:r>
+            <a:r>
+              <a:rPr lang="en-US" sz="3500" dirty="0" smtClean="0">
+                <a:solidFill>
+                  <a:srgbClr val="1E3272"/>
+                </a:solidFill>
+              </a:rPr>
+              <a:t>   </a:t>
+            </a:r>
+            <a:r>
+              <a:rPr lang="en-US" sz="3500" dirty="0" smtClean="0">
+                <a:solidFill>
+                  <a:srgbClr val="00B050"/>
+                </a:solidFill>
+              </a:rPr>
+              <a:t># </a:t>
+            </a:r>
+            <a:r>
+              <a:rPr lang="en-US" sz="3500" dirty="0" smtClean="0">
+                <a:solidFill>
+                  <a:srgbClr val="00B050"/>
+                </a:solidFill>
+              </a:rPr>
+              <a:t>Store </a:t>
+            </a:r>
+            <a:r>
+              <a:rPr lang="en-US" sz="3500" dirty="0" smtClean="0">
+                <a:solidFill>
+                  <a:srgbClr val="00B050"/>
+                </a:solidFill>
+              </a:rPr>
+              <a:t>t1 in to address in </a:t>
+            </a:r>
+            <a:r>
+              <a:rPr lang="en-US" sz="3500" dirty="0" err="1" smtClean="0">
+                <a:solidFill>
+                  <a:srgbClr val="00B050"/>
+                </a:solidFill>
+              </a:rPr>
+              <a:t>imm</a:t>
+            </a:r>
+            <a:r>
+              <a:rPr lang="en-US" sz="3500" dirty="0" smtClean="0">
+                <a:solidFill>
+                  <a:srgbClr val="00B050"/>
+                </a:solidFill>
+              </a:rPr>
+              <a:t> using </a:t>
+            </a:r>
+            <a:r>
+              <a:rPr lang="en-US" sz="3500" dirty="0" smtClean="0">
+                <a:solidFill>
+                  <a:srgbClr val="00B050"/>
+                </a:solidFill>
+              </a:rPr>
+              <a:t>t2 as </a:t>
+            </a:r>
+            <a:r>
+              <a:rPr lang="en-US" sz="3500" dirty="0" smtClean="0">
+                <a:solidFill>
+                  <a:srgbClr val="00B050"/>
+                </a:solidFill>
+              </a:rPr>
+              <a:t>temp</a:t>
+            </a:r>
+            <a:endParaRPr lang="en-US" sz="3500" dirty="0" smtClean="0">
+              <a:solidFill>
+                <a:srgbClr val="00B050"/>
+              </a:solidFill>
+            </a:endParaRPr>
+          </a:p>
+          <a:p>
+            <a:pPr marL="0" indent="0">
+              <a:spcBef>
+                <a:spcPts val="0"/>
+              </a:spcBef>
+              <a:buNone/>
+            </a:pPr>
+            <a:r>
+              <a:rPr lang="en-US" sz="3500" dirty="0" err="1" smtClean="0">
+                <a:solidFill>
+                  <a:srgbClr val="1E3272"/>
+                </a:solidFill>
+              </a:rPr>
+              <a:t>sw</a:t>
+            </a:r>
+            <a:r>
+              <a:rPr lang="en-US" sz="3500" dirty="0" smtClean="0">
+                <a:solidFill>
+                  <a:srgbClr val="1E3272"/>
+                </a:solidFill>
+              </a:rPr>
+              <a:t> </a:t>
+            </a:r>
+            <a:r>
+              <a:rPr lang="en-US" sz="3500" dirty="0" smtClean="0">
+                <a:solidFill>
+                  <a:srgbClr val="FF0000"/>
+                </a:solidFill>
+              </a:rPr>
+              <a:t>t1</a:t>
+            </a:r>
+            <a:r>
+              <a:rPr lang="en-US" sz="3500" dirty="0" smtClean="0">
+                <a:solidFill>
+                  <a:srgbClr val="1E3272"/>
+                </a:solidFill>
+              </a:rPr>
+              <a:t>, </a:t>
+            </a:r>
+            <a:r>
+              <a:rPr lang="en-US" sz="3500" i="1" dirty="0" smtClean="0">
+                <a:solidFill>
+                  <a:srgbClr val="1E3272"/>
+                </a:solidFill>
+              </a:rPr>
+              <a:t>label</a:t>
+            </a:r>
+            <a:r>
+              <a:rPr lang="en-US" sz="3500" dirty="0" smtClean="0">
+                <a:solidFill>
+                  <a:srgbClr val="1E3272"/>
+                </a:solidFill>
+              </a:rPr>
+              <a:t>, </a:t>
+            </a:r>
+            <a:r>
+              <a:rPr lang="en-US" sz="3500" dirty="0" smtClean="0">
+                <a:solidFill>
+                  <a:srgbClr val="FF0000"/>
+                </a:solidFill>
+              </a:rPr>
+              <a:t>t2 </a:t>
+            </a:r>
+            <a:r>
+              <a:rPr lang="en-US" sz="3500" dirty="0" smtClean="0">
+                <a:solidFill>
+                  <a:srgbClr val="00B050"/>
+                </a:solidFill>
+              </a:rPr>
+              <a:t> </a:t>
+            </a:r>
+            <a:r>
+              <a:rPr lang="en-US" sz="3500" dirty="0" smtClean="0">
+                <a:solidFill>
+                  <a:srgbClr val="00B050"/>
+                </a:solidFill>
+              </a:rPr>
+              <a:t># Store </a:t>
+            </a:r>
+            <a:r>
+              <a:rPr lang="en-US" sz="3500" dirty="0" smtClean="0">
+                <a:solidFill>
+                  <a:srgbClr val="00B050"/>
+                </a:solidFill>
+              </a:rPr>
+              <a:t>t1 to label's </a:t>
+            </a:r>
+            <a:r>
+              <a:rPr lang="en-US" sz="3500" dirty="0" smtClean="0">
+                <a:solidFill>
+                  <a:srgbClr val="00B050"/>
+                </a:solidFill>
+              </a:rPr>
+              <a:t>address using t2 as </a:t>
+            </a:r>
+            <a:r>
+              <a:rPr lang="en-US" sz="3500" dirty="0" smtClean="0">
+                <a:solidFill>
+                  <a:srgbClr val="00B050"/>
+                </a:solidFill>
+              </a:rPr>
+              <a:t>temp</a:t>
+            </a:r>
+          </a:p>
+          <a:p>
+            <a:pPr marL="0" indent="0">
+              <a:spcBef>
+                <a:spcPts val="0"/>
+              </a:spcBef>
+              <a:buNone/>
+            </a:pPr>
+            <a:endParaRPr lang="en-US" sz="3200" dirty="0" smtClean="0">
+              <a:solidFill>
+                <a:srgbClr val="00B050"/>
+              </a:solidFill>
+            </a:endParaRPr>
+          </a:p>
+          <a:p>
+            <a:pPr marL="0" indent="0" algn="ctr">
+              <a:spcBef>
+                <a:spcPts val="0"/>
+              </a:spcBef>
+              <a:buNone/>
+            </a:pPr>
+            <a:r>
+              <a:rPr lang="en-US" sz="3200" dirty="0" smtClean="0">
+                <a:solidFill>
+                  <a:srgbClr val="1E3272"/>
+                </a:solidFill>
+              </a:rPr>
+              <a:t>For instructions lb, </a:t>
+            </a:r>
+            <a:r>
+              <a:rPr lang="en-US" sz="3200" dirty="0" err="1" smtClean="0">
+                <a:solidFill>
+                  <a:srgbClr val="1E3272"/>
+                </a:solidFill>
+              </a:rPr>
+              <a:t>lbu</a:t>
+            </a:r>
+            <a:r>
+              <a:rPr lang="en-US" sz="3200" dirty="0" smtClean="0">
+                <a:solidFill>
+                  <a:srgbClr val="1E3272"/>
+                </a:solidFill>
+              </a:rPr>
+              <a:t>, </a:t>
+            </a:r>
+            <a:r>
+              <a:rPr lang="en-US" sz="3200" dirty="0" err="1" smtClean="0">
+                <a:solidFill>
+                  <a:srgbClr val="1E3272"/>
+                </a:solidFill>
+              </a:rPr>
+              <a:t>lh</a:t>
+            </a:r>
+            <a:r>
+              <a:rPr lang="en-US" sz="3200" dirty="0" smtClean="0">
+                <a:solidFill>
+                  <a:srgbClr val="1E3272"/>
+                </a:solidFill>
+              </a:rPr>
+              <a:t>, </a:t>
+            </a:r>
+            <a:r>
+              <a:rPr lang="en-US" sz="3200" dirty="0" err="1" smtClean="0">
+                <a:solidFill>
+                  <a:srgbClr val="1E3272"/>
+                </a:solidFill>
+              </a:rPr>
+              <a:t>lhu</a:t>
+            </a:r>
+            <a:r>
+              <a:rPr lang="en-US" sz="3200" dirty="0" smtClean="0">
+                <a:solidFill>
+                  <a:srgbClr val="1E3272"/>
+                </a:solidFill>
+              </a:rPr>
+              <a:t>, </a:t>
+            </a:r>
+            <a:r>
+              <a:rPr lang="en-US" sz="3200" dirty="0" err="1" smtClean="0">
+                <a:solidFill>
+                  <a:srgbClr val="1E3272"/>
+                </a:solidFill>
+              </a:rPr>
+              <a:t>sb</a:t>
+            </a:r>
+            <a:r>
+              <a:rPr lang="en-US" sz="3200" dirty="0" smtClean="0">
+                <a:solidFill>
+                  <a:srgbClr val="1E3272"/>
+                </a:solidFill>
+              </a:rPr>
+              <a:t>, and </a:t>
+            </a:r>
+            <a:r>
+              <a:rPr lang="en-US" sz="3200" dirty="0" err="1" smtClean="0">
+                <a:solidFill>
+                  <a:srgbClr val="1E3272"/>
+                </a:solidFill>
+              </a:rPr>
+              <a:t>sh</a:t>
+            </a:r>
+            <a:r>
+              <a:rPr lang="en-US" sz="3200" dirty="0" smtClean="0">
+                <a:solidFill>
+                  <a:srgbClr val="1E3272"/>
+                </a:solidFill>
+              </a:rPr>
+              <a:t> similar pseudo instructions are provided.</a:t>
+            </a:r>
+            <a:endParaRPr lang="en-US" sz="3200" dirty="0" smtClean="0">
+              <a:solidFill>
+                <a:srgbClr val="1E3272"/>
+              </a:solidFill>
+            </a:endParaRPr>
           </a:p>
         </p:txBody>
       </p:sp>
@@ -17019,7 +17701,7 @@
     </p:spTree>
     <p:extLst>
       <p:ext uri="{BB962C8B-B14F-4D97-AF65-F5344CB8AC3E}">
-        <p14:creationId xmlns:p14="http://schemas.microsoft.com/office/powerpoint/2010/main" xmlns="" val="4217875043"/>
+        <p14:creationId xmlns="" xmlns:p14="http://schemas.microsoft.com/office/powerpoint/2010/main" val="4217875043"/>
       </p:ext>
     </p:extLst>
   </p:cSld>
@@ -17195,7 +17877,7 @@
     </p:spTree>
     <p:extLst>
       <p:ext uri="{BB962C8B-B14F-4D97-AF65-F5344CB8AC3E}">
-        <p14:creationId xmlns:p14="http://schemas.microsoft.com/office/powerpoint/2010/main" xmlns="" val="2794061502"/>
+        <p14:creationId xmlns="" xmlns:p14="http://schemas.microsoft.com/office/powerpoint/2010/main" val="2794061502"/>
       </p:ext>
     </p:extLst>
   </p:cSld>
@@ -17343,7 +18025,7 @@
     </p:spTree>
     <p:extLst>
       <p:ext uri="{BB962C8B-B14F-4D97-AF65-F5344CB8AC3E}">
-        <p14:creationId xmlns:p14="http://schemas.microsoft.com/office/powerpoint/2010/main" xmlns="" val="1679566440"/>
+        <p14:creationId xmlns="" xmlns:p14="http://schemas.microsoft.com/office/powerpoint/2010/main" val="1679566440"/>
       </p:ext>
     </p:extLst>
   </p:cSld>
@@ -17547,7 +18229,7 @@
     </p:spTree>
     <p:extLst>
       <p:ext uri="{BB962C8B-B14F-4D97-AF65-F5344CB8AC3E}">
-        <p14:creationId xmlns:p14="http://schemas.microsoft.com/office/powerpoint/2010/main" xmlns="" val="1942338915"/>
+        <p14:creationId xmlns="" xmlns:p14="http://schemas.microsoft.com/office/powerpoint/2010/main" val="1942338915"/>
       </p:ext>
     </p:extLst>
   </p:cSld>
@@ -18036,7 +18718,7 @@
     </p:spTree>
     <p:extLst>
       <p:ext uri="{BB962C8B-B14F-4D97-AF65-F5344CB8AC3E}">
-        <p14:creationId xmlns:p14="http://schemas.microsoft.com/office/powerpoint/2010/main" xmlns="" val="499975193"/>
+        <p14:creationId xmlns="" xmlns:p14="http://schemas.microsoft.com/office/powerpoint/2010/main" val="499975193"/>
       </p:ext>
     </p:extLst>
   </p:cSld>
@@ -18103,9 +18785,10 @@
               <a:t>Branch </a:t>
             </a:r>
             <a:r>
-              <a:rPr lang="en-US" sz="6500" b="1" dirty="0" err="1" smtClean="0"/>
-              <a:t>Pseudoinstructions</a:t>
-            </a:r>
+              <a:rPr lang="en-US" sz="6500" b="1" dirty="0" smtClean="0"/>
+              <a:t>Pseudo Instructions</a:t>
+            </a:r>
+            <a:endParaRPr lang="en-US" sz="6500" b="1" dirty="0" smtClean="0"/>
           </a:p>
           <a:p>
             <a:pPr>
@@ -18748,8 +19431,8 @@
               <a:t>Branch </a:t>
             </a:r>
             <a:r>
-              <a:rPr lang="en-US" dirty="0" err="1" smtClean="0"/>
-              <a:t>Pseudoinstructions</a:t>
+              <a:rPr lang="en-US" dirty="0" smtClean="0"/>
+              <a:t>Pseudo Instructions</a:t>
             </a:r>
             <a:endParaRPr lang="en-US" dirty="0"/>
           </a:p>
@@ -18758,7 +19441,7 @@
     </p:spTree>
     <p:extLst>
       <p:ext uri="{BB962C8B-B14F-4D97-AF65-F5344CB8AC3E}">
-        <p14:creationId xmlns:p14="http://schemas.microsoft.com/office/powerpoint/2010/main" xmlns="" val="3268272223"/>
+        <p14:creationId xmlns="" xmlns:p14="http://schemas.microsoft.com/office/powerpoint/2010/main" val="3268272223"/>
       </p:ext>
     </p:extLst>
   </p:cSld>
@@ -19857,7 +20540,7 @@
                   <a:srgbClr val="0070C0"/>
                 </a:solidFill>
               </a:rPr>
-              <a:t>bgtz</a:t>
+              <a:t>bgez</a:t>
             </a:r>
             <a:r>
               <a:rPr lang="en-US" sz="2800" dirty="0" smtClean="0">
@@ -20089,7 +20772,7 @@
                   <a:srgbClr val="0070C0"/>
                 </a:solidFill>
               </a:rPr>
-              <a:t>ble</a:t>
+              <a:t>blt</a:t>
             </a:r>
             <a:r>
               <a:rPr lang="en-US" sz="2800" dirty="0" smtClean="0">
@@ -20776,7 +21459,7 @@
   <a:extraClrSchemeLst/>
   <a:extLst>
     <a:ext uri="{05A4C25C-085E-4340-85A3-A5531E510DB2}">
-      <thm15:themeFamily xmlns:thm15="http://schemas.microsoft.com/office/thememl/2012/main" xmlns="" name="Office Theme" id="{62F939B6-93AF-4DB8-9C6B-D6C7DFDC589F}" vid="{4A3C46E8-61CC-4603-A589-7422A47A8E4A}"/>
+      <thm15:themeFamily xmlns="" xmlns:thm15="http://schemas.microsoft.com/office/thememl/2012/main" name="Office Theme" id="{62F939B6-93AF-4DB8-9C6B-D6C7DFDC589F}" vid="{4A3C46E8-61CC-4603-A589-7422A47A8E4A}"/>
     </a:ext>
   </a:extLst>
 </a:theme>
@@ -21037,7 +21720,7 @@
   <a:extraClrSchemeLst/>
   <a:extLst>
     <a:ext uri="{05A4C25C-085E-4340-85A3-A5531E510DB2}">
-      <thm15:themeFamily xmlns:thm15="http://schemas.microsoft.com/office/thememl/2012/main" xmlns="" name="Office Theme" id="{62F939B6-93AF-4DB8-9C6B-D6C7DFDC589F}" vid="{4A3C46E8-61CC-4603-A589-7422A47A8E4A}"/>
+      <thm15:themeFamily xmlns="" xmlns:thm15="http://schemas.microsoft.com/office/thememl/2012/main" name="Office Theme" id="{62F939B6-93AF-4DB8-9C6B-D6C7DFDC589F}" vid="{4A3C46E8-61CC-4603-A589-7422A47A8E4A}"/>
     </a:ext>
   </a:extLst>
 </a:theme>
@@ -21298,7 +21981,7 @@
   <a:extraClrSchemeLst/>
   <a:extLst>
     <a:ext uri="{05A4C25C-085E-4340-85A3-A5531E510DB2}">
-      <thm15:themeFamily xmlns:thm15="http://schemas.microsoft.com/office/thememl/2012/main" xmlns="" name="Office Theme" id="{62F939B6-93AF-4DB8-9C6B-D6C7DFDC589F}" vid="{4A3C46E8-61CC-4603-A589-7422A47A8E4A}"/>
+      <thm15:themeFamily xmlns="" xmlns:thm15="http://schemas.microsoft.com/office/thememl/2012/main" name="Office Theme" id="{62F939B6-93AF-4DB8-9C6B-D6C7DFDC589F}" vid="{4A3C46E8-61CC-4603-A589-7422A47A8E4A}"/>
     </a:ext>
   </a:extLst>
 </a:theme>

--- a/docs/part1ca/05_MacrosBranchesArrays/CA_Lecture_05.pptx
+++ b/docs/part1ca/05_MacrosBranchesArrays/CA_Lecture_05.pptx
@@ -4110,7 +4110,11 @@
             </a:r>
             <a:r>
               <a:rPr lang="en-US" b="1" dirty="0" smtClean="0"/>
-              <a:t>: Assembly Programming – Branches and Arrays</a:t>
+              <a:t>: Assembly Programming – Branches and </a:t>
+            </a:r>
+            <a:r>
+              <a:rPr lang="en-US" b="1" dirty="0" smtClean="0"/>
+              <a:t>Memory</a:t>
             </a:r>
             <a:endParaRPr lang="ru-RU" b="1" dirty="0"/>
           </a:p>
@@ -16381,7 +16385,11 @@
           <a:p>
             <a:r>
               <a:rPr lang="en-US" dirty="0" smtClean="0"/>
-              <a:t>Load and Store Pseudo Instruction</a:t>
+              <a:t>Load and Store Pseudo </a:t>
+            </a:r>
+            <a:r>
+              <a:rPr lang="en-US" dirty="0" smtClean="0"/>
+              <a:t>Instructions</a:t>
             </a:r>
             <a:endParaRPr lang="ru-RU" dirty="0"/>
           </a:p>

--- a/docs/part1ca/05_MacrosBranchesArrays/CA_Lecture_05.pptx
+++ b/docs/part1ca/05_MacrosBranchesArrays/CA_Lecture_05.pptx
@@ -135,7 +135,7 @@
   </p:defaultTextStyle>
   <p:extLst>
     <p:ext uri="{EFAFB233-063F-42B5-8137-9DF3F51BA10A}">
-      <p15:sldGuideLst xmlns="" xmlns:p15="http://schemas.microsoft.com/office/powerpoint/2012/main">
+      <p15:sldGuideLst xmlns:p15="http://schemas.microsoft.com/office/powerpoint/2012/main" xmlns="">
         <p15:guide id="1" orient="horz" pos="2160">
           <p15:clr>
             <a:srgbClr val="A4A3A4"/>
@@ -149,7 +149,7 @@
       </p15:sldGuideLst>
     </p:ext>
     <p:ext uri="{2D200454-40CA-4A62-9FC3-DE9A4176ACB9}">
-      <p15:notesGuideLst xmlns="" xmlns:p15="http://schemas.microsoft.com/office/powerpoint/2012/main">
+      <p15:notesGuideLst xmlns:p15="http://schemas.microsoft.com/office/powerpoint/2012/main" xmlns="">
         <p15:guide id="1" orient="horz" pos="2880">
           <p15:clr>
             <a:srgbClr val="A4A3A4"/>
@@ -257,7 +257,7 @@
             <a:fld id="{D0106195-8D78-4F6F-B8E4-FA67975ACEF5}" type="datetimeFigureOut">
               <a:rPr lang="ru-RU" smtClean="0"/>
               <a:pPr/>
-              <a:t>26.01.2021</a:t>
+              <a:t>27.01.2021</a:t>
             </a:fld>
             <a:endParaRPr lang="ru-RU"/>
           </a:p>
@@ -333,7 +333,7 @@
     </p:spTree>
     <p:extLst>
       <p:ext uri="{BB962C8B-B14F-4D97-AF65-F5344CB8AC3E}">
-        <p14:creationId xmlns="" xmlns:p14="http://schemas.microsoft.com/office/powerpoint/2010/main" val="827279973"/>
+        <p14:creationId xmlns:p14="http://schemas.microsoft.com/office/powerpoint/2010/main" xmlns="" val="827279973"/>
       </p:ext>
     </p:extLst>
   </p:cSld>
@@ -425,7 +425,7 @@
             <a:fld id="{878212F1-C3D9-4F2B-8F42-5E960FE8BE51}" type="datetimeFigureOut">
               <a:rPr lang="ru-RU" smtClean="0"/>
               <a:pPr/>
-              <a:t>26.01.2021</a:t>
+              <a:t>27.01.2021</a:t>
             </a:fld>
             <a:endParaRPr lang="ru-RU"/>
           </a:p>
@@ -594,7 +594,7 @@
     </p:spTree>
     <p:extLst>
       <p:ext uri="{BB962C8B-B14F-4D97-AF65-F5344CB8AC3E}">
-        <p14:creationId xmlns="" xmlns:p14="http://schemas.microsoft.com/office/powerpoint/2010/main" val="3865021395"/>
+        <p14:creationId xmlns:p14="http://schemas.microsoft.com/office/powerpoint/2010/main" xmlns="" val="3865021395"/>
       </p:ext>
     </p:extLst>
   </p:cSld>
@@ -808,7 +808,7 @@
     </p:spTree>
     <p:extLst>
       <p:ext uri="{BB962C8B-B14F-4D97-AF65-F5344CB8AC3E}">
-        <p14:creationId xmlns="" xmlns:p14="http://schemas.microsoft.com/office/powerpoint/2010/main" val="2381791527"/>
+        <p14:creationId xmlns:p14="http://schemas.microsoft.com/office/powerpoint/2010/main" xmlns="" val="2381791527"/>
       </p:ext>
     </p:extLst>
   </p:cSld>
@@ -931,7 +931,7 @@
     </p:spTree>
     <p:extLst>
       <p:ext uri="{BB962C8B-B14F-4D97-AF65-F5344CB8AC3E}">
-        <p14:creationId xmlns="" xmlns:p14="http://schemas.microsoft.com/office/powerpoint/2010/main" val="1915950851"/>
+        <p14:creationId xmlns:p14="http://schemas.microsoft.com/office/powerpoint/2010/main" xmlns="" val="1915950851"/>
       </p:ext>
     </p:extLst>
   </p:cSld>
@@ -1191,7 +1191,7 @@
     </p:spTree>
     <p:extLst>
       <p:ext uri="{BB962C8B-B14F-4D97-AF65-F5344CB8AC3E}">
-        <p14:creationId xmlns="" xmlns:p14="http://schemas.microsoft.com/office/powerpoint/2010/main" val="322455162"/>
+        <p14:creationId xmlns:p14="http://schemas.microsoft.com/office/powerpoint/2010/main" xmlns="" val="322455162"/>
       </p:ext>
     </p:extLst>
   </p:cSld>
@@ -1365,7 +1365,7 @@
     </p:spTree>
     <p:extLst>
       <p:ext uri="{BB962C8B-B14F-4D97-AF65-F5344CB8AC3E}">
-        <p14:creationId xmlns="" xmlns:p14="http://schemas.microsoft.com/office/powerpoint/2010/main" val="971117636"/>
+        <p14:creationId xmlns:p14="http://schemas.microsoft.com/office/powerpoint/2010/main" xmlns="" val="971117636"/>
       </p:ext>
     </p:extLst>
   </p:cSld>
@@ -1542,7 +1542,7 @@
     </p:spTree>
     <p:extLst>
       <p:ext uri="{BB962C8B-B14F-4D97-AF65-F5344CB8AC3E}">
-        <p14:creationId xmlns="" xmlns:p14="http://schemas.microsoft.com/office/powerpoint/2010/main" val="3348877825"/>
+        <p14:creationId xmlns:p14="http://schemas.microsoft.com/office/powerpoint/2010/main" xmlns="" val="3348877825"/>
       </p:ext>
     </p:extLst>
   </p:cSld>
@@ -1867,7 +1867,7 @@
     </p:spTree>
     <p:extLst>
       <p:ext uri="{BB962C8B-B14F-4D97-AF65-F5344CB8AC3E}">
-        <p14:creationId xmlns="" xmlns:p14="http://schemas.microsoft.com/office/powerpoint/2010/main" val="3256953994"/>
+        <p14:creationId xmlns:p14="http://schemas.microsoft.com/office/powerpoint/2010/main" xmlns="" val="3256953994"/>
       </p:ext>
     </p:extLst>
   </p:cSld>
@@ -2117,7 +2117,7 @@
     </p:spTree>
     <p:extLst>
       <p:ext uri="{BB962C8B-B14F-4D97-AF65-F5344CB8AC3E}">
-        <p14:creationId xmlns="" xmlns:p14="http://schemas.microsoft.com/office/powerpoint/2010/main" val="3067076846"/>
+        <p14:creationId xmlns:p14="http://schemas.microsoft.com/office/powerpoint/2010/main" xmlns="" val="3067076846"/>
       </p:ext>
     </p:extLst>
   </p:cSld>
@@ -2353,7 +2353,7 @@
     </p:spTree>
     <p:extLst>
       <p:ext uri="{BB962C8B-B14F-4D97-AF65-F5344CB8AC3E}">
-        <p14:creationId xmlns="" xmlns:p14="http://schemas.microsoft.com/office/powerpoint/2010/main" val="3710015975"/>
+        <p14:creationId xmlns:p14="http://schemas.microsoft.com/office/powerpoint/2010/main" xmlns="" val="3710015975"/>
       </p:ext>
     </p:extLst>
   </p:cSld>
@@ -2724,7 +2724,7 @@
     </p:spTree>
     <p:extLst>
       <p:ext uri="{BB962C8B-B14F-4D97-AF65-F5344CB8AC3E}">
-        <p14:creationId xmlns="" xmlns:p14="http://schemas.microsoft.com/office/powerpoint/2010/main" val="4075590966"/>
+        <p14:creationId xmlns:p14="http://schemas.microsoft.com/office/powerpoint/2010/main" xmlns="" val="4075590966"/>
       </p:ext>
     </p:extLst>
   </p:cSld>
@@ -2846,7 +2846,7 @@
     </p:spTree>
     <p:extLst>
       <p:ext uri="{BB962C8B-B14F-4D97-AF65-F5344CB8AC3E}">
-        <p14:creationId xmlns="" xmlns:p14="http://schemas.microsoft.com/office/powerpoint/2010/main" val="2889604898"/>
+        <p14:creationId xmlns:p14="http://schemas.microsoft.com/office/powerpoint/2010/main" xmlns="" val="2889604898"/>
       </p:ext>
     </p:extLst>
   </p:cSld>
@@ -2945,7 +2945,7 @@
     </p:spTree>
     <p:extLst>
       <p:ext uri="{BB962C8B-B14F-4D97-AF65-F5344CB8AC3E}">
-        <p14:creationId xmlns="" xmlns:p14="http://schemas.microsoft.com/office/powerpoint/2010/main" val="152384765"/>
+        <p14:creationId xmlns:p14="http://schemas.microsoft.com/office/powerpoint/2010/main" xmlns="" val="152384765"/>
       </p:ext>
     </p:extLst>
   </p:cSld>
@@ -3226,7 +3226,7 @@
     </p:spTree>
     <p:extLst>
       <p:ext uri="{BB962C8B-B14F-4D97-AF65-F5344CB8AC3E}">
-        <p14:creationId xmlns="" xmlns:p14="http://schemas.microsoft.com/office/powerpoint/2010/main" val="2127791886"/>
+        <p14:creationId xmlns:p14="http://schemas.microsoft.com/office/powerpoint/2010/main" xmlns="" val="2127791886"/>
       </p:ext>
     </p:extLst>
   </p:cSld>
@@ -3483,7 +3483,7 @@
     </p:spTree>
     <p:extLst>
       <p:ext uri="{BB962C8B-B14F-4D97-AF65-F5344CB8AC3E}">
-        <p14:creationId xmlns="" xmlns:p14="http://schemas.microsoft.com/office/powerpoint/2010/main" val="1752705130"/>
+        <p14:creationId xmlns:p14="http://schemas.microsoft.com/office/powerpoint/2010/main" xmlns="" val="1752705130"/>
       </p:ext>
     </p:extLst>
   </p:cSld>
@@ -3736,7 +3736,7 @@
     </p:spTree>
     <p:extLst>
       <p:ext uri="{BB962C8B-B14F-4D97-AF65-F5344CB8AC3E}">
-        <p14:creationId xmlns="" xmlns:p14="http://schemas.microsoft.com/office/powerpoint/2010/main" val="968833914"/>
+        <p14:creationId xmlns:p14="http://schemas.microsoft.com/office/powerpoint/2010/main" xmlns="" val="968833914"/>
       </p:ext>
     </p:extLst>
   </p:cSld>
@@ -4110,11 +4110,7 @@
             </a:r>
             <a:r>
               <a:rPr lang="en-US" b="1" dirty="0" smtClean="0"/>
-              <a:t>: Assembly Programming – Branches and </a:t>
-            </a:r>
-            <a:r>
-              <a:rPr lang="en-US" b="1" dirty="0" smtClean="0"/>
-              <a:t>Memory</a:t>
+              <a:t>: Assembly Programming – Branches and Memory</a:t>
             </a:r>
             <a:endParaRPr lang="ru-RU" b="1" dirty="0"/>
           </a:p>
@@ -4217,7 +4213,7 @@
     </p:spTree>
     <p:extLst>
       <p:ext uri="{BB962C8B-B14F-4D97-AF65-F5344CB8AC3E}">
-        <p14:creationId xmlns="" xmlns:p14="http://schemas.microsoft.com/office/powerpoint/2010/main" val="2492894732"/>
+        <p14:creationId xmlns:p14="http://schemas.microsoft.com/office/powerpoint/2010/main" xmlns="" val="2492894732"/>
       </p:ext>
     </p:extLst>
   </p:cSld>
@@ -4956,7 +4952,7 @@
                   <a:srgbClr val="2F5CB5"/>
                 </a:solidFill>
               </a:rPr>
-              <a:t>b</a:t>
+              <a:t>j </a:t>
             </a:r>
             <a:r>
               <a:rPr lang="en-US" sz="3200" dirty="0" smtClean="0">
@@ -5961,7 +5957,7 @@
                   <a:srgbClr val="2F5CB5"/>
                 </a:solidFill>
               </a:rPr>
-              <a:t>b</a:t>
+              <a:t>j </a:t>
             </a:r>
             <a:r>
               <a:rPr lang="en-US" sz="2800" dirty="0" smtClean="0">
@@ -7048,7 +7044,7 @@
                   <a:srgbClr val="2F5CB5"/>
                 </a:solidFill>
               </a:rPr>
-              <a:t>b</a:t>
+              <a:t>j </a:t>
             </a:r>
             <a:r>
               <a:rPr lang="en-US" sz="2800" dirty="0" smtClean="0">
@@ -7220,7 +7216,7 @@
                   <a:srgbClr val="2F5CB5"/>
                 </a:solidFill>
               </a:rPr>
-              <a:t>b</a:t>
+              <a:t>j </a:t>
             </a:r>
             <a:r>
               <a:rPr lang="en-US" sz="2800" dirty="0" smtClean="0">
@@ -11218,13 +11214,8 @@
             </a:pPr>
             <a:r>
               <a:rPr lang="en-US" b="1" dirty="0" smtClean="0"/>
-              <a:t>Load </a:t>
-            </a:r>
-            <a:r>
-              <a:rPr lang="en-US" b="1" dirty="0" smtClean="0"/>
-              <a:t>Instructions</a:t>
-            </a:r>
-            <a:endParaRPr lang="en-US" b="1" dirty="0" smtClean="0"/>
+              <a:t>Load Instructions</a:t>
+            </a:r>
           </a:p>
           <a:p>
             <a:pPr>
@@ -11745,21 +11736,8 @@
                   <a:srgbClr val="1E3272"/>
                 </a:solidFill>
               </a:rPr>
-              <a:t>Load Address </a:t>
-            </a:r>
-            <a:r>
-              <a:rPr lang="en-US" b="1" dirty="0" smtClean="0">
-                <a:solidFill>
-                  <a:srgbClr val="1E3272"/>
-                </a:solidFill>
-              </a:rPr>
-              <a:t>Pseudo Instruction</a:t>
-            </a:r>
-            <a:endParaRPr lang="en-US" b="1" dirty="0" smtClean="0">
-              <a:solidFill>
-                <a:srgbClr val="1E3272"/>
-              </a:solidFill>
-            </a:endParaRPr>
+              <a:t>Load Address Pseudo Instruction</a:t>
+            </a:r>
           </a:p>
           <a:p>
             <a:pPr>
@@ -15088,8 +15066,29 @@
                   <a:srgbClr val="1E3272"/>
                 </a:solidFill>
               </a:rPr>
-              <a:t>data[3];</a:t>
-            </a:r>
+              <a:t>data[3</a:t>
+            </a:r>
+            <a:r>
+              <a:rPr lang="en-US" sz="3600" dirty="0" smtClean="0">
+                <a:solidFill>
+                  <a:srgbClr val="1E3272"/>
+                </a:solidFill>
+              </a:rPr>
+              <a:t>]; </a:t>
+            </a:r>
+            <a:r>
+              <a:rPr lang="en-US" sz="3600" dirty="0" smtClean="0">
+                <a:solidFill>
+                  <a:srgbClr val="00B050"/>
+                </a:solidFill>
+              </a:rPr>
+              <a:t># x, y, z</a:t>
+            </a:r>
+            <a:endParaRPr lang="en-US" sz="3600" dirty="0" smtClean="0">
+              <a:solidFill>
+                <a:srgbClr val="00B050"/>
+              </a:solidFill>
+            </a:endParaRPr>
           </a:p>
           <a:p>
             <a:pPr>
@@ -15183,8 +15182,8 @@
         </p:nvCxnSpPr>
         <p:spPr>
           <a:xfrm flipV="1">
-            <a:off x="3135086" y="2155371"/>
-            <a:ext cx="5525588" cy="1423853"/>
+            <a:off x="4558937" y="2155373"/>
+            <a:ext cx="4101737" cy="1515290"/>
           </a:xfrm>
           <a:prstGeom prst="straightConnector1">
             <a:avLst/>
@@ -16385,11 +16384,7 @@
           <a:p>
             <a:r>
               <a:rPr lang="en-US" dirty="0" smtClean="0"/>
-              <a:t>Load and Store Pseudo </a:t>
-            </a:r>
-            <a:r>
-              <a:rPr lang="en-US" dirty="0" smtClean="0"/>
-              <a:t>Instructions</a:t>
+              <a:t>Load and Store Pseudo Instructions</a:t>
             </a:r>
             <a:endParaRPr lang="ru-RU" dirty="0"/>
           </a:p>
@@ -16461,35 +16456,63 @@
             </a:r>
             <a:r>
               <a:rPr lang="en-US" sz="3500" dirty="0" smtClean="0"/>
-              <a:t>) </a:t>
-            </a:r>
+              <a:t>)           </a:t>
+            </a:r>
+            <a:r>
+              <a:rPr lang="en-US" sz="3500" dirty="0" smtClean="0">
+                <a:solidFill>
+                  <a:srgbClr val="00B050"/>
+                </a:solidFill>
+              </a:rPr>
+              <a:t># t1 &lt;- contents of memory at address t2</a:t>
+            </a:r>
+          </a:p>
+          <a:p>
+            <a:pPr marL="0" indent="0">
+              <a:spcBef>
+                <a:spcPts val="0"/>
+              </a:spcBef>
+              <a:buNone/>
+            </a:pPr>
             <a:r>
               <a:rPr lang="en-US" sz="3500" dirty="0" smtClean="0"/>
-              <a:t>          </a:t>
+              <a:t>lw </a:t>
             </a:r>
             <a:r>
               <a:rPr lang="en-US" sz="3500" dirty="0" smtClean="0">
                 <a:solidFill>
+                  <a:srgbClr val="FF0000"/>
+                </a:solidFill>
+              </a:rPr>
+              <a:t>t1</a:t>
+            </a:r>
+            <a:r>
+              <a:rPr lang="en-US" sz="3500" dirty="0" smtClean="0"/>
+              <a:t>, </a:t>
+            </a:r>
+            <a:r>
+              <a:rPr lang="en-US" sz="3500" i="1" dirty="0" err="1" smtClean="0"/>
+              <a:t>imm</a:t>
+            </a:r>
+            <a:r>
+              <a:rPr lang="en-US" sz="3500" dirty="0" smtClean="0"/>
+              <a:t>         </a:t>
+            </a:r>
+            <a:r>
+              <a:rPr lang="en-US" sz="3500" dirty="0" smtClean="0">
+                <a:solidFill>
                   <a:srgbClr val="00B050"/>
                 </a:solidFill>
               </a:rPr>
-              <a:t># t1 &lt;- contents </a:t>
-            </a:r>
-            <a:r>
-              <a:rPr lang="en-US" sz="3500" dirty="0" smtClean="0">
+              <a:t># t1 &lt;- contents of memory address in </a:t>
+            </a:r>
+            <a:r>
+              <a:rPr lang="en-US" sz="3500" dirty="0" err="1" smtClean="0">
                 <a:solidFill>
                   <a:srgbClr val="00B050"/>
                 </a:solidFill>
               </a:rPr>
-              <a:t>of </a:t>
-            </a:r>
-            <a:r>
-              <a:rPr lang="en-US" sz="3500" dirty="0" smtClean="0">
-                <a:solidFill>
-                  <a:srgbClr val="00B050"/>
-                </a:solidFill>
-              </a:rPr>
-              <a:t>memory at address t2</a:t>
+              <a:t>imm</a:t>
             </a:r>
             <a:endParaRPr lang="en-US" sz="3500" dirty="0" smtClean="0">
               <a:solidFill>
@@ -16521,75 +16544,6 @@
               <a:t>, </a:t>
             </a:r>
             <a:r>
-              <a:rPr lang="en-US" sz="3500" i="1" dirty="0" err="1" smtClean="0"/>
-              <a:t>imm</a:t>
-            </a:r>
-            <a:r>
-              <a:rPr lang="en-US" sz="3500" dirty="0" smtClean="0"/>
-              <a:t>         </a:t>
-            </a:r>
-            <a:r>
-              <a:rPr lang="en-US" sz="3500" dirty="0" smtClean="0">
-                <a:solidFill>
-                  <a:srgbClr val="00B050"/>
-                </a:solidFill>
-              </a:rPr>
-              <a:t># t1 &lt;- </a:t>
-            </a:r>
-            <a:r>
-              <a:rPr lang="en-US" sz="3500" dirty="0" smtClean="0">
-                <a:solidFill>
-                  <a:srgbClr val="00B050"/>
-                </a:solidFill>
-              </a:rPr>
-              <a:t>contents of </a:t>
-            </a:r>
-            <a:r>
-              <a:rPr lang="en-US" sz="3500" dirty="0" smtClean="0">
-                <a:solidFill>
-                  <a:srgbClr val="00B050"/>
-                </a:solidFill>
-              </a:rPr>
-              <a:t>memory address in </a:t>
-            </a:r>
-            <a:r>
-              <a:rPr lang="en-US" sz="3500" dirty="0" err="1" smtClean="0">
-                <a:solidFill>
-                  <a:srgbClr val="00B050"/>
-                </a:solidFill>
-              </a:rPr>
-              <a:t>imm</a:t>
-            </a:r>
-            <a:endParaRPr lang="en-US" sz="3500" dirty="0" smtClean="0">
-              <a:solidFill>
-                <a:srgbClr val="00B050"/>
-              </a:solidFill>
-            </a:endParaRPr>
-          </a:p>
-          <a:p>
-            <a:pPr marL="0" indent="0">
-              <a:spcBef>
-                <a:spcPts val="0"/>
-              </a:spcBef>
-              <a:buNone/>
-            </a:pPr>
-            <a:r>
-              <a:rPr lang="en-US" sz="3500" dirty="0" smtClean="0"/>
-              <a:t>lw </a:t>
-            </a:r>
-            <a:r>
-              <a:rPr lang="en-US" sz="3500" dirty="0" smtClean="0">
-                <a:solidFill>
-                  <a:srgbClr val="FF0000"/>
-                </a:solidFill>
-              </a:rPr>
-              <a:t>t1</a:t>
-            </a:r>
-            <a:r>
-              <a:rPr lang="en-US" sz="3500" dirty="0" smtClean="0"/>
-              <a:t>, </a:t>
-            </a:r>
-            <a:r>
               <a:rPr lang="en-US" sz="3500" i="1" dirty="0" smtClean="0"/>
               <a:t>label</a:t>
             </a:r>
@@ -16603,39 +16557,7 @@
                   <a:srgbClr val="00B050"/>
                 </a:solidFill>
               </a:rPr>
-              <a:t># t1 &lt;- contents </a:t>
-            </a:r>
-            <a:r>
-              <a:rPr lang="en-US" sz="3500" dirty="0" smtClean="0">
-                <a:solidFill>
-                  <a:srgbClr val="00B050"/>
-                </a:solidFill>
-              </a:rPr>
-              <a:t>of memory </a:t>
-            </a:r>
-            <a:r>
-              <a:rPr lang="en-US" sz="3500" dirty="0" smtClean="0">
-                <a:solidFill>
-                  <a:srgbClr val="00B050"/>
-                </a:solidFill>
-              </a:rPr>
-              <a:t>at </a:t>
-            </a:r>
-            <a:r>
-              <a:rPr lang="en-US" sz="3500" dirty="0" smtClean="0">
-                <a:solidFill>
-                  <a:srgbClr val="00B050"/>
-                </a:solidFill>
-              </a:rPr>
-              <a:t>label's </a:t>
-            </a:r>
-            <a:r>
-              <a:rPr lang="en-US" sz="3500" dirty="0" smtClean="0">
-                <a:solidFill>
-                  <a:srgbClr val="00B050"/>
-                </a:solidFill>
-              </a:rPr>
-              <a:t>address</a:t>
+              <a:t># t1 &lt;- contents of memory at label's address</a:t>
             </a:r>
           </a:p>
           <a:p>
@@ -16652,7 +16574,6 @@
               <a:rPr lang="en-US" b="1" dirty="0" smtClean="0"/>
               <a:t>Store Pseudo Instructions</a:t>
             </a:r>
-            <a:endParaRPr lang="en-US" b="1" dirty="0" smtClean="0"/>
           </a:p>
           <a:p>
             <a:pPr marL="0" indent="0">
@@ -16707,39 +16628,87 @@
                   <a:srgbClr val="1E3272"/>
                 </a:solidFill>
               </a:rPr>
-              <a:t>) </a:t>
+              <a:t>)          </a:t>
             </a:r>
             <a:r>
               <a:rPr lang="en-US" sz="3500" dirty="0" smtClean="0">
                 <a:solidFill>
-                  <a:srgbClr val="1E3272"/>
-                </a:solidFill>
-              </a:rPr>
-              <a:t>         </a:t>
+                  <a:srgbClr val="00B050"/>
+                </a:solidFill>
+              </a:rPr>
+              <a:t># Store t1 to address t2</a:t>
+            </a:r>
+          </a:p>
+          <a:p>
+            <a:pPr marL="0" indent="0">
+              <a:spcBef>
+                <a:spcPts val="0"/>
+              </a:spcBef>
+              <a:buNone/>
+            </a:pPr>
+            <a:r>
+              <a:rPr lang="en-US" sz="3500" dirty="0" err="1" smtClean="0">
+                <a:solidFill>
+                  <a:srgbClr val="1E3272"/>
+                </a:solidFill>
+              </a:rPr>
+              <a:t>sw</a:t>
             </a:r>
             <a:r>
               <a:rPr lang="en-US" sz="3500" dirty="0" smtClean="0">
                 <a:solidFill>
+                  <a:srgbClr val="1E3272"/>
+                </a:solidFill>
+              </a:rPr>
+              <a:t> </a:t>
+            </a:r>
+            <a:r>
+              <a:rPr lang="en-US" sz="3500" dirty="0" smtClean="0">
+                <a:solidFill>
+                  <a:srgbClr val="FF0000"/>
+                </a:solidFill>
+              </a:rPr>
+              <a:t>t1</a:t>
+            </a:r>
+            <a:r>
+              <a:rPr lang="en-US" sz="3500" dirty="0" smtClean="0">
+                <a:solidFill>
+                  <a:srgbClr val="1E3272"/>
+                </a:solidFill>
+              </a:rPr>
+              <a:t>, </a:t>
+            </a:r>
+            <a:r>
+              <a:rPr lang="en-US" sz="3500" i="1" dirty="0" err="1" smtClean="0">
+                <a:solidFill>
+                  <a:srgbClr val="1E3272"/>
+                </a:solidFill>
+              </a:rPr>
+              <a:t>imm</a:t>
+            </a:r>
+            <a:r>
+              <a:rPr lang="en-US" sz="3500" dirty="0" smtClean="0">
+                <a:solidFill>
+                  <a:srgbClr val="1E3272"/>
+                </a:solidFill>
+              </a:rPr>
+              <a:t>        </a:t>
+            </a:r>
+            <a:r>
+              <a:rPr lang="en-US" sz="3500" dirty="0" smtClean="0">
+                <a:solidFill>
                   <a:srgbClr val="00B050"/>
                 </a:solidFill>
               </a:rPr>
-              <a:t># </a:t>
-            </a:r>
-            <a:r>
-              <a:rPr lang="en-US" sz="3500" dirty="0" smtClean="0">
+              <a:t># Store t1 to address in </a:t>
+            </a:r>
+            <a:r>
+              <a:rPr lang="en-US" sz="3500" dirty="0" err="1" smtClean="0">
                 <a:solidFill>
                   <a:srgbClr val="00B050"/>
                 </a:solidFill>
               </a:rPr>
-              <a:t>Store t1 </a:t>
-            </a:r>
-            <a:r>
-              <a:rPr lang="en-US" sz="3500" dirty="0" smtClean="0">
-                <a:solidFill>
-                  <a:srgbClr val="00B050"/>
-                </a:solidFill>
-              </a:rPr>
-              <a:t>to address t2</a:t>
+              <a:t>imm</a:t>
             </a:r>
             <a:endParaRPr lang="en-US" sz="3500" dirty="0" smtClean="0">
               <a:solidFill>
@@ -16800,15 +16769,39 @@
                   <a:srgbClr val="1E3272"/>
                 </a:solidFill>
               </a:rPr>
-              <a:t>        </a:t>
+              <a:t>, </a:t>
             </a:r>
             <a:r>
               <a:rPr lang="en-US" sz="3500" dirty="0" smtClean="0">
                 <a:solidFill>
+                  <a:srgbClr val="FF0000"/>
+                </a:solidFill>
+              </a:rPr>
+              <a:t>t2</a:t>
+            </a:r>
+            <a:r>
+              <a:rPr lang="en-US" sz="3500" dirty="0" smtClean="0">
+                <a:solidFill>
+                  <a:srgbClr val="1E3272"/>
+                </a:solidFill>
+              </a:rPr>
+              <a:t>   </a:t>
+            </a:r>
+            <a:r>
+              <a:rPr lang="en-US" sz="3500" dirty="0" smtClean="0">
+                <a:solidFill>
                   <a:srgbClr val="00B050"/>
                 </a:solidFill>
               </a:rPr>
-              <a:t># </a:t>
+              <a:t># Store t1 in to address in </a:t>
+            </a:r>
+            <a:r>
+              <a:rPr lang="en-US" sz="3500" dirty="0" err="1" smtClean="0">
+                <a:solidFill>
+                  <a:srgbClr val="00B050"/>
+                </a:solidFill>
+              </a:rPr>
+              <a:t>imm</a:t>
             </a:r>
             <a:r>
               <a:rPr lang="en-US" sz="3500" dirty="0" smtClean="0">
@@ -16816,29 +16809,8 @@
                   <a:srgbClr val="00B050"/>
                 </a:solidFill>
               </a:rPr>
-              <a:t>Store </a:t>
-            </a:r>
-            <a:r>
-              <a:rPr lang="en-US" sz="3500" dirty="0" smtClean="0">
-                <a:solidFill>
-                  <a:srgbClr val="00B050"/>
-                </a:solidFill>
-              </a:rPr>
-              <a:t>t1 to address in </a:t>
-            </a:r>
-            <a:r>
-              <a:rPr lang="en-US" sz="3500" dirty="0" err="1" smtClean="0">
-                <a:solidFill>
-                  <a:srgbClr val="00B050"/>
-                </a:solidFill>
-              </a:rPr>
-              <a:t>imm</a:t>
-            </a:r>
-            <a:endParaRPr lang="en-US" sz="3500" dirty="0" smtClean="0">
-              <a:solidFill>
-                <a:srgbClr val="00B050"/>
-              </a:solidFill>
-            </a:endParaRPr>
+              <a:t> using t2 as temp</a:t>
+            </a:r>
           </a:p>
           <a:p>
             <a:pPr marL="0" indent="0">
@@ -16880,12 +16852,12 @@
               <a:t>, </a:t>
             </a:r>
             <a:r>
-              <a:rPr lang="en-US" sz="3500" i="1" dirty="0" err="1" smtClean="0">
-                <a:solidFill>
-                  <a:srgbClr val="1E3272"/>
-                </a:solidFill>
-              </a:rPr>
-              <a:t>imm</a:t>
+              <a:rPr lang="en-US" sz="3500" i="1" dirty="0" smtClean="0">
+                <a:solidFill>
+                  <a:srgbClr val="1E3272"/>
+                </a:solidFill>
+              </a:rPr>
+              <a:t>label</a:t>
             </a:r>
             <a:r>
               <a:rPr lang="en-US" sz="3500" dirty="0" smtClean="0">
@@ -16901,77 +16873,16 @@
                   <a:srgbClr val="FF0000"/>
                 </a:solidFill>
               </a:rPr>
-              <a:t>t2</a:t>
+              <a:t>t2 </a:t>
             </a:r>
             <a:r>
               <a:rPr lang="en-US" sz="3500" dirty="0" smtClean="0">
                 <a:solidFill>
-                  <a:srgbClr val="1E3272"/>
-                </a:solidFill>
-              </a:rPr>
-              <a:t>   </a:t>
-            </a:r>
-            <a:r>
-              <a:rPr lang="en-US" sz="3500" dirty="0" smtClean="0">
-                <a:solidFill>
                   <a:srgbClr val="00B050"/>
                 </a:solidFill>
               </a:rPr>
-              <a:t># </a:t>
-            </a:r>
-            <a:r>
-              <a:rPr lang="en-US" sz="3500" dirty="0" smtClean="0">
-                <a:solidFill>
-                  <a:srgbClr val="00B050"/>
-                </a:solidFill>
-              </a:rPr>
-              <a:t>Store </a:t>
-            </a:r>
-            <a:r>
-              <a:rPr lang="en-US" sz="3500" dirty="0" smtClean="0">
-                <a:solidFill>
-                  <a:srgbClr val="00B050"/>
-                </a:solidFill>
-              </a:rPr>
-              <a:t>t1 in to address in </a:t>
-            </a:r>
-            <a:r>
-              <a:rPr lang="en-US" sz="3500" dirty="0" err="1" smtClean="0">
-                <a:solidFill>
-                  <a:srgbClr val="00B050"/>
-                </a:solidFill>
-              </a:rPr>
-              <a:t>imm</a:t>
-            </a:r>
-            <a:r>
-              <a:rPr lang="en-US" sz="3500" dirty="0" smtClean="0">
-                <a:solidFill>
-                  <a:srgbClr val="00B050"/>
-                </a:solidFill>
-              </a:rPr>
-              <a:t> using </a:t>
-            </a:r>
-            <a:r>
-              <a:rPr lang="en-US" sz="3500" dirty="0" smtClean="0">
-                <a:solidFill>
-                  <a:srgbClr val="00B050"/>
-                </a:solidFill>
-              </a:rPr>
-              <a:t>t2 as </a:t>
-            </a:r>
-            <a:r>
-              <a:rPr lang="en-US" sz="3500" dirty="0" smtClean="0">
-                <a:solidFill>
-                  <a:srgbClr val="00B050"/>
-                </a:solidFill>
-              </a:rPr>
-              <a:t>temp</a:t>
-            </a:r>
-            <a:endParaRPr lang="en-US" sz="3500" dirty="0" smtClean="0">
-              <a:solidFill>
-                <a:srgbClr val="00B050"/>
-              </a:solidFill>
-            </a:endParaRPr>
+              <a:t> # Store t1 to label's address using t2 as temp</a:t>
+            </a:r>
           </a:p>
           <a:p>
             <a:pPr marL="0" indent="0">
@@ -16980,110 +16891,6 @@
               </a:spcBef>
               <a:buNone/>
             </a:pPr>
-            <a:r>
-              <a:rPr lang="en-US" sz="3500" dirty="0" err="1" smtClean="0">
-                <a:solidFill>
-                  <a:srgbClr val="1E3272"/>
-                </a:solidFill>
-              </a:rPr>
-              <a:t>sw</a:t>
-            </a:r>
-            <a:r>
-              <a:rPr lang="en-US" sz="3500" dirty="0" smtClean="0">
-                <a:solidFill>
-                  <a:srgbClr val="1E3272"/>
-                </a:solidFill>
-              </a:rPr>
-              <a:t> </a:t>
-            </a:r>
-            <a:r>
-              <a:rPr lang="en-US" sz="3500" dirty="0" smtClean="0">
-                <a:solidFill>
-                  <a:srgbClr val="FF0000"/>
-                </a:solidFill>
-              </a:rPr>
-              <a:t>t1</a:t>
-            </a:r>
-            <a:r>
-              <a:rPr lang="en-US" sz="3500" dirty="0" smtClean="0">
-                <a:solidFill>
-                  <a:srgbClr val="1E3272"/>
-                </a:solidFill>
-              </a:rPr>
-              <a:t>, </a:t>
-            </a:r>
-            <a:r>
-              <a:rPr lang="en-US" sz="3500" i="1" dirty="0" smtClean="0">
-                <a:solidFill>
-                  <a:srgbClr val="1E3272"/>
-                </a:solidFill>
-              </a:rPr>
-              <a:t>label</a:t>
-            </a:r>
-            <a:r>
-              <a:rPr lang="en-US" sz="3500" dirty="0" smtClean="0">
-                <a:solidFill>
-                  <a:srgbClr val="1E3272"/>
-                </a:solidFill>
-              </a:rPr>
-              <a:t>, </a:t>
-            </a:r>
-            <a:r>
-              <a:rPr lang="en-US" sz="3500" dirty="0" smtClean="0">
-                <a:solidFill>
-                  <a:srgbClr val="FF0000"/>
-                </a:solidFill>
-              </a:rPr>
-              <a:t>t2 </a:t>
-            </a:r>
-            <a:r>
-              <a:rPr lang="en-US" sz="3500" dirty="0" smtClean="0">
-                <a:solidFill>
-                  <a:srgbClr val="00B050"/>
-                </a:solidFill>
-              </a:rPr>
-              <a:t> </a:t>
-            </a:r>
-            <a:r>
-              <a:rPr lang="en-US" sz="3500" dirty="0" smtClean="0">
-                <a:solidFill>
-                  <a:srgbClr val="00B050"/>
-                </a:solidFill>
-              </a:rPr>
-              <a:t># Store </a:t>
-            </a:r>
-            <a:r>
-              <a:rPr lang="en-US" sz="3500" dirty="0" smtClean="0">
-                <a:solidFill>
-                  <a:srgbClr val="00B050"/>
-                </a:solidFill>
-              </a:rPr>
-              <a:t>t1 to label's </a:t>
-            </a:r>
-            <a:r>
-              <a:rPr lang="en-US" sz="3500" dirty="0" smtClean="0">
-                <a:solidFill>
-                  <a:srgbClr val="00B050"/>
-                </a:solidFill>
-              </a:rPr>
-              <a:t>address using t2 as </a:t>
-            </a:r>
-            <a:r>
-              <a:rPr lang="en-US" sz="3500" dirty="0" smtClean="0">
-                <a:solidFill>
-                  <a:srgbClr val="00B050"/>
-                </a:solidFill>
-              </a:rPr>
-              <a:t>temp</a:t>
-            </a:r>
-          </a:p>
-          <a:p>
-            <a:pPr marL="0" indent="0">
-              <a:spcBef>
-                <a:spcPts val="0"/>
-              </a:spcBef>
-              <a:buNone/>
-            </a:pPr>
             <a:endParaRPr lang="en-US" sz="3200" dirty="0" smtClean="0">
               <a:solidFill>
                 <a:srgbClr val="00B050"/>
@@ -17185,11 +16992,6 @@
               </a:rPr>
               <a:t> similar pseudo instructions are provided.</a:t>
             </a:r>
-            <a:endParaRPr lang="en-US" sz="3200" dirty="0" smtClean="0">
-              <a:solidFill>
-                <a:srgbClr val="1E3272"/>
-              </a:solidFill>
-            </a:endParaRPr>
           </a:p>
         </p:txBody>
       </p:sp>
@@ -17709,7 +17511,7 @@
     </p:spTree>
     <p:extLst>
       <p:ext uri="{BB962C8B-B14F-4D97-AF65-F5344CB8AC3E}">
-        <p14:creationId xmlns="" xmlns:p14="http://schemas.microsoft.com/office/powerpoint/2010/main" val="4217875043"/>
+        <p14:creationId xmlns:p14="http://schemas.microsoft.com/office/powerpoint/2010/main" xmlns="" val="4217875043"/>
       </p:ext>
     </p:extLst>
   </p:cSld>
@@ -17885,7 +17687,7 @@
     </p:spTree>
     <p:extLst>
       <p:ext uri="{BB962C8B-B14F-4D97-AF65-F5344CB8AC3E}">
-        <p14:creationId xmlns="" xmlns:p14="http://schemas.microsoft.com/office/powerpoint/2010/main" val="2794061502"/>
+        <p14:creationId xmlns:p14="http://schemas.microsoft.com/office/powerpoint/2010/main" xmlns="" val="2794061502"/>
       </p:ext>
     </p:extLst>
   </p:cSld>
@@ -18033,7 +17835,7 @@
     </p:spTree>
     <p:extLst>
       <p:ext uri="{BB962C8B-B14F-4D97-AF65-F5344CB8AC3E}">
-        <p14:creationId xmlns="" xmlns:p14="http://schemas.microsoft.com/office/powerpoint/2010/main" val="1679566440"/>
+        <p14:creationId xmlns:p14="http://schemas.microsoft.com/office/powerpoint/2010/main" xmlns="" val="1679566440"/>
       </p:ext>
     </p:extLst>
   </p:cSld>
@@ -18237,7 +18039,7 @@
     </p:spTree>
     <p:extLst>
       <p:ext uri="{BB962C8B-B14F-4D97-AF65-F5344CB8AC3E}">
-        <p14:creationId xmlns="" xmlns:p14="http://schemas.microsoft.com/office/powerpoint/2010/main" val="1942338915"/>
+        <p14:creationId xmlns:p14="http://schemas.microsoft.com/office/powerpoint/2010/main" xmlns="" val="1942338915"/>
       </p:ext>
     </p:extLst>
   </p:cSld>
@@ -18726,7 +18528,7 @@
     </p:spTree>
     <p:extLst>
       <p:ext uri="{BB962C8B-B14F-4D97-AF65-F5344CB8AC3E}">
-        <p14:creationId xmlns="" xmlns:p14="http://schemas.microsoft.com/office/powerpoint/2010/main" val="499975193"/>
+        <p14:creationId xmlns:p14="http://schemas.microsoft.com/office/powerpoint/2010/main" xmlns="" val="499975193"/>
       </p:ext>
     </p:extLst>
   </p:cSld>
@@ -18790,13 +18592,8 @@
             </a:pPr>
             <a:r>
               <a:rPr lang="en-US" sz="6500" b="1" dirty="0" smtClean="0"/>
-              <a:t>Branch </a:t>
-            </a:r>
-            <a:r>
-              <a:rPr lang="en-US" sz="6500" b="1" dirty="0" smtClean="0"/>
-              <a:t>Pseudo Instructions</a:t>
-            </a:r>
-            <a:endParaRPr lang="en-US" sz="6500" b="1" dirty="0" smtClean="0"/>
+              <a:t>Branch Pseudo Instructions</a:t>
+            </a:r>
           </a:p>
           <a:p>
             <a:pPr>
@@ -18821,7 +18618,7 @@
                   <a:srgbClr val="2F5CB5"/>
                 </a:solidFill>
               </a:rPr>
-              <a:t>b</a:t>
+              <a:t>j </a:t>
             </a:r>
             <a:r>
               <a:rPr lang="en-US" sz="5800" dirty="0" smtClean="0"/>
@@ -19436,11 +19233,7 @@
           <a:p>
             <a:r>
               <a:rPr lang="en-US" dirty="0" smtClean="0"/>
-              <a:t>Branch </a:t>
-            </a:r>
-            <a:r>
-              <a:rPr lang="en-US" dirty="0" smtClean="0"/>
-              <a:t>Pseudo Instructions</a:t>
+              <a:t>Branch Pseudo Instructions</a:t>
             </a:r>
             <a:endParaRPr lang="en-US" dirty="0"/>
           </a:p>
@@ -19449,7 +19242,7 @@
     </p:spTree>
     <p:extLst>
       <p:ext uri="{BB962C8B-B14F-4D97-AF65-F5344CB8AC3E}">
-        <p14:creationId xmlns="" xmlns:p14="http://schemas.microsoft.com/office/powerpoint/2010/main" val="3268272223"/>
+        <p14:creationId xmlns:p14="http://schemas.microsoft.com/office/powerpoint/2010/main" xmlns="" val="3268272223"/>
       </p:ext>
     </p:extLst>
   </p:cSld>
@@ -20481,7 +20274,7 @@
                   <a:srgbClr val="0070C0"/>
                 </a:solidFill>
               </a:rPr>
-              <a:t>b</a:t>
+              <a:t>j </a:t>
             </a:r>
             <a:r>
               <a:rPr lang="en-US" sz="2800" dirty="0" smtClean="0">
@@ -20658,7 +20451,7 @@
                   <a:srgbClr val="0070C0"/>
                 </a:solidFill>
               </a:rPr>
-              <a:t>b</a:t>
+              <a:t>j </a:t>
             </a:r>
             <a:r>
               <a:rPr lang="en-US" sz="2800" dirty="0" smtClean="0">
@@ -20906,7 +20699,7 @@
                   <a:srgbClr val="0070C0"/>
                 </a:solidFill>
               </a:rPr>
-              <a:t>b</a:t>
+              <a:t>j </a:t>
             </a:r>
             <a:r>
               <a:rPr lang="en-US" sz="2800" dirty="0" smtClean="0">
@@ -21467,7 +21260,7 @@
   <a:extraClrSchemeLst/>
   <a:extLst>
     <a:ext uri="{05A4C25C-085E-4340-85A3-A5531E510DB2}">
-      <thm15:themeFamily xmlns="" xmlns:thm15="http://schemas.microsoft.com/office/thememl/2012/main" name="Office Theme" id="{62F939B6-93AF-4DB8-9C6B-D6C7DFDC589F}" vid="{4A3C46E8-61CC-4603-A589-7422A47A8E4A}"/>
+      <thm15:themeFamily xmlns:thm15="http://schemas.microsoft.com/office/thememl/2012/main" xmlns="" name="Office Theme" id="{62F939B6-93AF-4DB8-9C6B-D6C7DFDC589F}" vid="{4A3C46E8-61CC-4603-A589-7422A47A8E4A}"/>
     </a:ext>
   </a:extLst>
 </a:theme>
@@ -21728,7 +21521,7 @@
   <a:extraClrSchemeLst/>
   <a:extLst>
     <a:ext uri="{05A4C25C-085E-4340-85A3-A5531E510DB2}">
-      <thm15:themeFamily xmlns="" xmlns:thm15="http://schemas.microsoft.com/office/thememl/2012/main" name="Office Theme" id="{62F939B6-93AF-4DB8-9C6B-D6C7DFDC589F}" vid="{4A3C46E8-61CC-4603-A589-7422A47A8E4A}"/>
+      <thm15:themeFamily xmlns:thm15="http://schemas.microsoft.com/office/thememl/2012/main" xmlns="" name="Office Theme" id="{62F939B6-93AF-4DB8-9C6B-D6C7DFDC589F}" vid="{4A3C46E8-61CC-4603-A589-7422A47A8E4A}"/>
     </a:ext>
   </a:extLst>
 </a:theme>
@@ -21989,7 +21782,7 @@
   <a:extraClrSchemeLst/>
   <a:extLst>
     <a:ext uri="{05A4C25C-085E-4340-85A3-A5531E510DB2}">
-      <thm15:themeFamily xmlns="" xmlns:thm15="http://schemas.microsoft.com/office/thememl/2012/main" name="Office Theme" id="{62F939B6-93AF-4DB8-9C6B-D6C7DFDC589F}" vid="{4A3C46E8-61CC-4603-A589-7422A47A8E4A}"/>
+      <thm15:themeFamily xmlns:thm15="http://schemas.microsoft.com/office/thememl/2012/main" xmlns="" name="Office Theme" id="{62F939B6-93AF-4DB8-9C6B-D6C7DFDC589F}" vid="{4A3C46E8-61CC-4603-A589-7422A47A8E4A}"/>
     </a:ext>
   </a:extLst>
 </a:theme>
